--- a/docs/models.pptx
+++ b/docs/models.pptx
@@ -7,7 +7,8 @@
   <p:sldIdLst>
     <p:sldId id="256" r:id="rId2"/>
     <p:sldId id="259" r:id="rId3"/>
-    <p:sldId id="258" r:id="rId4"/>
+    <p:sldId id="260" r:id="rId4"/>
+    <p:sldId id="258" r:id="rId5"/>
   </p:sldIdLst>
   <p:sldSz cx="12192000" cy="6858000"/>
   <p:notesSz cx="6858000" cy="9144000"/>
@@ -261,7 +262,7 @@
           <a:p>
             <a:fld id="{1640627F-FB96-4756-840B-710C2C79D46E}" type="datetimeFigureOut">
               <a:rPr lang="ko-KR" altLang="en-US" smtClean="0"/>
-              <a:t>2020-12-17</a:t>
+              <a:t>2020-12-21</a:t>
             </a:fld>
             <a:endParaRPr lang="ko-KR" altLang="en-US"/>
           </a:p>
@@ -459,7 +460,7 @@
           <a:p>
             <a:fld id="{1640627F-FB96-4756-840B-710C2C79D46E}" type="datetimeFigureOut">
               <a:rPr lang="ko-KR" altLang="en-US" smtClean="0"/>
-              <a:t>2020-12-17</a:t>
+              <a:t>2020-12-21</a:t>
             </a:fld>
             <a:endParaRPr lang="ko-KR" altLang="en-US"/>
           </a:p>
@@ -667,7 +668,7 @@
           <a:p>
             <a:fld id="{1640627F-FB96-4756-840B-710C2C79D46E}" type="datetimeFigureOut">
               <a:rPr lang="ko-KR" altLang="en-US" smtClean="0"/>
-              <a:t>2020-12-17</a:t>
+              <a:t>2020-12-21</a:t>
             </a:fld>
             <a:endParaRPr lang="ko-KR" altLang="en-US"/>
           </a:p>
@@ -865,7 +866,7 @@
           <a:p>
             <a:fld id="{1640627F-FB96-4756-840B-710C2C79D46E}" type="datetimeFigureOut">
               <a:rPr lang="ko-KR" altLang="en-US" smtClean="0"/>
-              <a:t>2020-12-17</a:t>
+              <a:t>2020-12-21</a:t>
             </a:fld>
             <a:endParaRPr lang="ko-KR" altLang="en-US"/>
           </a:p>
@@ -1140,7 +1141,7 @@
           <a:p>
             <a:fld id="{1640627F-FB96-4756-840B-710C2C79D46E}" type="datetimeFigureOut">
               <a:rPr lang="ko-KR" altLang="en-US" smtClean="0"/>
-              <a:t>2020-12-17</a:t>
+              <a:t>2020-12-21</a:t>
             </a:fld>
             <a:endParaRPr lang="ko-KR" altLang="en-US"/>
           </a:p>
@@ -1405,7 +1406,7 @@
           <a:p>
             <a:fld id="{1640627F-FB96-4756-840B-710C2C79D46E}" type="datetimeFigureOut">
               <a:rPr lang="ko-KR" altLang="en-US" smtClean="0"/>
-              <a:t>2020-12-17</a:t>
+              <a:t>2020-12-21</a:t>
             </a:fld>
             <a:endParaRPr lang="ko-KR" altLang="en-US"/>
           </a:p>
@@ -1817,7 +1818,7 @@
           <a:p>
             <a:fld id="{1640627F-FB96-4756-840B-710C2C79D46E}" type="datetimeFigureOut">
               <a:rPr lang="ko-KR" altLang="en-US" smtClean="0"/>
-              <a:t>2020-12-17</a:t>
+              <a:t>2020-12-21</a:t>
             </a:fld>
             <a:endParaRPr lang="ko-KR" altLang="en-US"/>
           </a:p>
@@ -1958,7 +1959,7 @@
           <a:p>
             <a:fld id="{1640627F-FB96-4756-840B-710C2C79D46E}" type="datetimeFigureOut">
               <a:rPr lang="ko-KR" altLang="en-US" smtClean="0"/>
-              <a:t>2020-12-17</a:t>
+              <a:t>2020-12-21</a:t>
             </a:fld>
             <a:endParaRPr lang="ko-KR" altLang="en-US"/>
           </a:p>
@@ -2071,7 +2072,7 @@
           <a:p>
             <a:fld id="{1640627F-FB96-4756-840B-710C2C79D46E}" type="datetimeFigureOut">
               <a:rPr lang="ko-KR" altLang="en-US" smtClean="0"/>
-              <a:t>2020-12-17</a:t>
+              <a:t>2020-12-21</a:t>
             </a:fld>
             <a:endParaRPr lang="ko-KR" altLang="en-US"/>
           </a:p>
@@ -2382,7 +2383,7 @@
           <a:p>
             <a:fld id="{1640627F-FB96-4756-840B-710C2C79D46E}" type="datetimeFigureOut">
               <a:rPr lang="ko-KR" altLang="en-US" smtClean="0"/>
-              <a:t>2020-12-17</a:t>
+              <a:t>2020-12-21</a:t>
             </a:fld>
             <a:endParaRPr lang="ko-KR" altLang="en-US"/>
           </a:p>
@@ -2670,7 +2671,7 @@
           <a:p>
             <a:fld id="{1640627F-FB96-4756-840B-710C2C79D46E}" type="datetimeFigureOut">
               <a:rPr lang="ko-KR" altLang="en-US" smtClean="0"/>
-              <a:t>2020-12-17</a:t>
+              <a:t>2020-12-21</a:t>
             </a:fld>
             <a:endParaRPr lang="ko-KR" altLang="en-US"/>
           </a:p>
@@ -2911,7 +2912,7 @@
           <a:p>
             <a:fld id="{1640627F-FB96-4756-840B-710C2C79D46E}" type="datetimeFigureOut">
               <a:rPr lang="ko-KR" altLang="en-US" smtClean="0"/>
-              <a:t>2020-12-17</a:t>
+              <a:t>2020-12-21</a:t>
             </a:fld>
             <a:endParaRPr lang="ko-KR" altLang="en-US"/>
           </a:p>
@@ -4503,8 +4504,8 @@
           </p:sp>
         </mc:Fallback>
       </mc:AlternateContent>
-      <mc:AlternateContent xmlns:mc="http://schemas.openxmlformats.org/markup-compatibility/2006">
-        <mc:Choice xmlns:a14="http://schemas.microsoft.com/office/drawing/2010/main" Requires="a14">
+      <mc:AlternateContent xmlns:mc="http://schemas.openxmlformats.org/markup-compatibility/2006" xmlns:a14="http://schemas.microsoft.com/office/drawing/2010/main">
+        <mc:Choice Requires="a14">
           <p:sp>
             <p:nvSpPr>
               <p:cNvPr id="23" name="TextBox 22">
@@ -4566,7 +4567,7 @@
             </p:txBody>
           </p:sp>
         </mc:Choice>
-        <mc:Fallback>
+        <mc:Fallback xmlns="">
           <p:sp>
             <p:nvSpPr>
               <p:cNvPr id="23" name="TextBox 22">
@@ -6177,6 +6178,1760 @@
           <a:chExt cx="0" cy="0"/>
         </a:xfrm>
       </p:grpSpPr>
+      <mc:AlternateContent xmlns:mc="http://schemas.openxmlformats.org/markup-compatibility/2006">
+        <mc:Choice xmlns:a14="http://schemas.microsoft.com/office/drawing/2010/main" Requires="a14">
+          <p:sp>
+            <p:nvSpPr>
+              <p:cNvPr id="26" name="사각형: 둥근 모서리 25">
+                <a:extLst>
+                  <a:ext uri="{FF2B5EF4-FFF2-40B4-BE49-F238E27FC236}">
+                    <a16:creationId xmlns:a16="http://schemas.microsoft.com/office/drawing/2014/main" id="{4BF6A822-BBF6-4D03-97E4-97285C34CC9A}"/>
+                  </a:ext>
+                </a:extLst>
+              </p:cNvPr>
+              <p:cNvSpPr/>
+              <p:nvPr/>
+            </p:nvSpPr>
+            <p:spPr>
+              <a:xfrm>
+                <a:off x="1935792" y="2671059"/>
+                <a:ext cx="2486527" cy="850231"/>
+              </a:xfrm>
+              <a:prstGeom prst="roundRect">
+                <a:avLst/>
+              </a:prstGeom>
+              <a:solidFill>
+                <a:srgbClr val="FFFF00"/>
+              </a:solidFill>
+            </p:spPr>
+            <p:style>
+              <a:lnRef idx="2">
+                <a:schemeClr val="accent1">
+                  <a:shade val="50000"/>
+                </a:schemeClr>
+              </a:lnRef>
+              <a:fillRef idx="1">
+                <a:schemeClr val="accent1"/>
+              </a:fillRef>
+              <a:effectRef idx="0">
+                <a:schemeClr val="accent1"/>
+              </a:effectRef>
+              <a:fontRef idx="minor">
+                <a:schemeClr val="lt1"/>
+              </a:fontRef>
+            </p:style>
+            <p:txBody>
+              <a:bodyPr rtlCol="0" anchor="ctr"/>
+              <a:lstStyle/>
+              <a:p>
+                <a:pPr algn="ctr"/>
+                <a14:m>
+                  <m:oMath xmlns:m="http://schemas.openxmlformats.org/officeDocument/2006/math">
+                    <m:r>
+                      <a:rPr lang="en-US" altLang="ko-KR" sz="3600" b="1" i="1" dirty="0" smtClean="0">
+                        <a:solidFill>
+                          <a:sysClr val="windowText" lastClr="000000"/>
+                        </a:solidFill>
+                        <a:latin typeface="Cambria Math" panose="02040503050406030204" pitchFamily="18" charset="0"/>
+                      </a:rPr>
+                      <m:t>𝑬𝒏𝒄𝒐𝒅𝒆𝒓</m:t>
+                    </m:r>
+                  </m:oMath>
+                </a14:m>
+                <a:r>
+                  <a:rPr lang="ko-KR" altLang="en-US" sz="3600" b="1" dirty="0">
+                    <a:solidFill>
+                      <a:sysClr val="windowText" lastClr="000000"/>
+                    </a:solidFill>
+                  </a:rPr>
+                  <a:t> </a:t>
+                </a:r>
+              </a:p>
+            </p:txBody>
+          </p:sp>
+        </mc:Choice>
+        <mc:Fallback>
+          <p:sp>
+            <p:nvSpPr>
+              <p:cNvPr id="26" name="사각형: 둥근 모서리 25">
+                <a:extLst>
+                  <a:ext uri="{FF2B5EF4-FFF2-40B4-BE49-F238E27FC236}">
+                    <a16:creationId xmlns:a16="http://schemas.microsoft.com/office/drawing/2014/main" id="{4BF6A822-BBF6-4D03-97E4-97285C34CC9A}"/>
+                  </a:ext>
+                </a:extLst>
+              </p:cNvPr>
+              <p:cNvSpPr>
+                <a:spLocks noRot="1" noChangeAspect="1" noMove="1" noResize="1" noEditPoints="1" noAdjustHandles="1" noChangeArrowheads="1" noChangeShapeType="1" noTextEdit="1"/>
+              </p:cNvSpPr>
+              <p:nvPr/>
+            </p:nvSpPr>
+            <p:spPr>
+              <a:xfrm>
+                <a:off x="1935792" y="2671059"/>
+                <a:ext cx="2486527" cy="850231"/>
+              </a:xfrm>
+              <a:prstGeom prst="roundRect">
+                <a:avLst/>
+              </a:prstGeom>
+              <a:blipFill>
+                <a:blip r:embed="rId2"/>
+                <a:stretch>
+                  <a:fillRect/>
+                </a:stretch>
+              </a:blipFill>
+            </p:spPr>
+            <p:txBody>
+              <a:bodyPr/>
+              <a:lstStyle/>
+              <a:p>
+                <a:r>
+                  <a:rPr lang="ko-KR" altLang="en-US">
+                    <a:noFill/>
+                  </a:rPr>
+                  <a:t> </a:t>
+                </a:r>
+              </a:p>
+            </p:txBody>
+          </p:sp>
+        </mc:Fallback>
+      </mc:AlternateContent>
+      <mc:AlternateContent xmlns:mc="http://schemas.openxmlformats.org/markup-compatibility/2006">
+        <mc:Choice xmlns:a14="http://schemas.microsoft.com/office/drawing/2010/main" Requires="a14">
+          <p:sp>
+            <p:nvSpPr>
+              <p:cNvPr id="27" name="사각형: 둥근 모서리 26">
+                <a:extLst>
+                  <a:ext uri="{FF2B5EF4-FFF2-40B4-BE49-F238E27FC236}">
+                    <a16:creationId xmlns:a16="http://schemas.microsoft.com/office/drawing/2014/main" id="{D9695D35-E549-415C-9356-A9C80894A1AA}"/>
+                  </a:ext>
+                </a:extLst>
+              </p:cNvPr>
+              <p:cNvSpPr/>
+              <p:nvPr/>
+            </p:nvSpPr>
+            <p:spPr>
+              <a:xfrm>
+                <a:off x="7301878" y="3184404"/>
+                <a:ext cx="2486527" cy="850231"/>
+              </a:xfrm>
+              <a:prstGeom prst="roundRect">
+                <a:avLst/>
+              </a:prstGeom>
+              <a:solidFill>
+                <a:srgbClr val="FFFF00"/>
+              </a:solidFill>
+            </p:spPr>
+            <p:style>
+              <a:lnRef idx="2">
+                <a:schemeClr val="accent1">
+                  <a:shade val="50000"/>
+                </a:schemeClr>
+              </a:lnRef>
+              <a:fillRef idx="1">
+                <a:schemeClr val="accent1"/>
+              </a:fillRef>
+              <a:effectRef idx="0">
+                <a:schemeClr val="accent1"/>
+              </a:effectRef>
+              <a:fontRef idx="minor">
+                <a:schemeClr val="lt1"/>
+              </a:fontRef>
+            </p:style>
+            <p:txBody>
+              <a:bodyPr rtlCol="0" anchor="ctr"/>
+              <a:lstStyle/>
+              <a:p>
+                <a:pPr algn="ctr"/>
+                <a14:m>
+                  <m:oMath xmlns:m="http://schemas.openxmlformats.org/officeDocument/2006/math">
+                    <m:r>
+                      <a:rPr lang="en-US" altLang="ko-KR" sz="3600" b="1" i="1" dirty="0" smtClean="0">
+                        <a:solidFill>
+                          <a:sysClr val="windowText" lastClr="000000"/>
+                        </a:solidFill>
+                        <a:latin typeface="Cambria Math" panose="02040503050406030204" pitchFamily="18" charset="0"/>
+                      </a:rPr>
+                      <m:t>𝑫𝒆𝒄𝒐𝒅𝒆𝒓</m:t>
+                    </m:r>
+                  </m:oMath>
+                </a14:m>
+                <a:r>
+                  <a:rPr lang="ko-KR" altLang="en-US" sz="3600" b="1" dirty="0">
+                    <a:solidFill>
+                      <a:sysClr val="windowText" lastClr="000000"/>
+                    </a:solidFill>
+                  </a:rPr>
+                  <a:t> </a:t>
+                </a:r>
+              </a:p>
+            </p:txBody>
+          </p:sp>
+        </mc:Choice>
+        <mc:Fallback>
+          <p:sp>
+            <p:nvSpPr>
+              <p:cNvPr id="27" name="사각형: 둥근 모서리 26">
+                <a:extLst>
+                  <a:ext uri="{FF2B5EF4-FFF2-40B4-BE49-F238E27FC236}">
+                    <a16:creationId xmlns:a16="http://schemas.microsoft.com/office/drawing/2014/main" id="{D9695D35-E549-415C-9356-A9C80894A1AA}"/>
+                  </a:ext>
+                </a:extLst>
+              </p:cNvPr>
+              <p:cNvSpPr>
+                <a:spLocks noRot="1" noChangeAspect="1" noMove="1" noResize="1" noEditPoints="1" noAdjustHandles="1" noChangeArrowheads="1" noChangeShapeType="1" noTextEdit="1"/>
+              </p:cNvSpPr>
+              <p:nvPr/>
+            </p:nvSpPr>
+            <p:spPr>
+              <a:xfrm>
+                <a:off x="7301878" y="3184404"/>
+                <a:ext cx="2486527" cy="850231"/>
+              </a:xfrm>
+              <a:prstGeom prst="roundRect">
+                <a:avLst/>
+              </a:prstGeom>
+              <a:blipFill>
+                <a:blip r:embed="rId3"/>
+                <a:stretch>
+                  <a:fillRect/>
+                </a:stretch>
+              </a:blipFill>
+            </p:spPr>
+            <p:txBody>
+              <a:bodyPr/>
+              <a:lstStyle/>
+              <a:p>
+                <a:r>
+                  <a:rPr lang="ko-KR" altLang="en-US">
+                    <a:noFill/>
+                  </a:rPr>
+                  <a:t> </a:t>
+                </a:r>
+              </a:p>
+            </p:txBody>
+          </p:sp>
+        </mc:Fallback>
+      </mc:AlternateContent>
+      <p:cxnSp>
+        <p:nvCxnSpPr>
+          <p:cNvPr id="28" name="직선 화살표 연결선 27">
+            <a:extLst>
+              <a:ext uri="{FF2B5EF4-FFF2-40B4-BE49-F238E27FC236}">
+                <a16:creationId xmlns:a16="http://schemas.microsoft.com/office/drawing/2014/main" id="{83F2D847-0940-407B-84DC-1C1B4B3E11A2}"/>
+              </a:ext>
+            </a:extLst>
+          </p:cNvPr>
+          <p:cNvCxnSpPr>
+            <a:cxnSpLocks/>
+            <a:endCxn id="26" idx="2"/>
+          </p:cNvCxnSpPr>
+          <p:nvPr/>
+        </p:nvCxnSpPr>
+        <p:spPr>
+          <a:xfrm flipV="1">
+            <a:off x="3179055" y="3521290"/>
+            <a:ext cx="1" cy="729917"/>
+          </a:xfrm>
+          <a:prstGeom prst="straightConnector1">
+            <a:avLst/>
+          </a:prstGeom>
+          <a:ln w="57150">
+            <a:solidFill>
+              <a:schemeClr val="tx1"/>
+            </a:solidFill>
+            <a:tailEnd type="triangle"/>
+          </a:ln>
+        </p:spPr>
+        <p:style>
+          <a:lnRef idx="1">
+            <a:schemeClr val="accent1"/>
+          </a:lnRef>
+          <a:fillRef idx="0">
+            <a:schemeClr val="accent1"/>
+          </a:fillRef>
+          <a:effectRef idx="0">
+            <a:schemeClr val="accent1"/>
+          </a:effectRef>
+          <a:fontRef idx="minor">
+            <a:schemeClr val="tx1"/>
+          </a:fontRef>
+        </p:style>
+      </p:cxnSp>
+      <p:cxnSp>
+        <p:nvCxnSpPr>
+          <p:cNvPr id="29" name="직선 화살표 연결선 28">
+            <a:extLst>
+              <a:ext uri="{FF2B5EF4-FFF2-40B4-BE49-F238E27FC236}">
+                <a16:creationId xmlns:a16="http://schemas.microsoft.com/office/drawing/2014/main" id="{88507599-6126-4B5B-AB31-0BC030D399C6}"/>
+              </a:ext>
+            </a:extLst>
+          </p:cNvPr>
+          <p:cNvCxnSpPr>
+            <a:cxnSpLocks/>
+            <a:stCxn id="27" idx="0"/>
+            <a:endCxn id="38" idx="2"/>
+          </p:cNvCxnSpPr>
+          <p:nvPr/>
+        </p:nvCxnSpPr>
+        <p:spPr>
+          <a:xfrm flipH="1" flipV="1">
+            <a:off x="8545141" y="2100730"/>
+            <a:ext cx="1" cy="1083674"/>
+          </a:xfrm>
+          <a:prstGeom prst="straightConnector1">
+            <a:avLst/>
+          </a:prstGeom>
+          <a:ln w="57150">
+            <a:solidFill>
+              <a:schemeClr val="tx1"/>
+            </a:solidFill>
+            <a:tailEnd type="triangle"/>
+          </a:ln>
+        </p:spPr>
+        <p:style>
+          <a:lnRef idx="1">
+            <a:schemeClr val="accent1"/>
+          </a:lnRef>
+          <a:fillRef idx="0">
+            <a:schemeClr val="accent1"/>
+          </a:fillRef>
+          <a:effectRef idx="0">
+            <a:schemeClr val="accent1"/>
+          </a:effectRef>
+          <a:fontRef idx="minor">
+            <a:schemeClr val="tx1"/>
+          </a:fontRef>
+        </p:style>
+      </p:cxnSp>
+      <p:cxnSp>
+        <p:nvCxnSpPr>
+          <p:cNvPr id="30" name="연결선: 꺾임 29">
+            <a:extLst>
+              <a:ext uri="{FF2B5EF4-FFF2-40B4-BE49-F238E27FC236}">
+                <a16:creationId xmlns:a16="http://schemas.microsoft.com/office/drawing/2014/main" id="{639F1AA8-DC29-4959-AF41-398A554909FB}"/>
+              </a:ext>
+            </a:extLst>
+          </p:cNvPr>
+          <p:cNvCxnSpPr>
+            <a:cxnSpLocks/>
+            <a:stCxn id="26" idx="3"/>
+          </p:cNvCxnSpPr>
+          <p:nvPr/>
+        </p:nvCxnSpPr>
+        <p:spPr>
+          <a:xfrm flipV="1">
+            <a:off x="4422319" y="2470533"/>
+            <a:ext cx="946485" cy="625642"/>
+          </a:xfrm>
+          <a:prstGeom prst="bentConnector3">
+            <a:avLst/>
+          </a:prstGeom>
+          <a:ln w="38100">
+            <a:solidFill>
+              <a:schemeClr val="tx1"/>
+            </a:solidFill>
+            <a:tailEnd type="triangle"/>
+          </a:ln>
+        </p:spPr>
+        <p:style>
+          <a:lnRef idx="1">
+            <a:schemeClr val="accent1"/>
+          </a:lnRef>
+          <a:fillRef idx="0">
+            <a:schemeClr val="accent1"/>
+          </a:fillRef>
+          <a:effectRef idx="0">
+            <a:schemeClr val="accent1"/>
+          </a:effectRef>
+          <a:fontRef idx="minor">
+            <a:schemeClr val="tx1"/>
+          </a:fontRef>
+        </p:style>
+      </p:cxnSp>
+      <mc:AlternateContent xmlns:mc="http://schemas.openxmlformats.org/markup-compatibility/2006">
+        <mc:Choice xmlns:a14="http://schemas.microsoft.com/office/drawing/2010/main" Requires="a14">
+          <p:sp>
+            <p:nvSpPr>
+              <p:cNvPr id="31" name="TextBox 30">
+                <a:extLst>
+                  <a:ext uri="{FF2B5EF4-FFF2-40B4-BE49-F238E27FC236}">
+                    <a16:creationId xmlns:a16="http://schemas.microsoft.com/office/drawing/2014/main" id="{BD06B714-0A36-45FD-86FA-B9363587EB7C}"/>
+                  </a:ext>
+                </a:extLst>
+              </p:cNvPr>
+              <p:cNvSpPr txBox="1"/>
+              <p:nvPr/>
+            </p:nvSpPr>
+            <p:spPr>
+              <a:xfrm>
+                <a:off x="4410288" y="2734861"/>
+                <a:ext cx="417094" cy="369332"/>
+              </a:xfrm>
+              <a:prstGeom prst="rect">
+                <a:avLst/>
+              </a:prstGeom>
+              <a:noFill/>
+            </p:spPr>
+            <p:txBody>
+              <a:bodyPr wrap="square" rtlCol="0">
+                <a:spAutoFit/>
+              </a:bodyPr>
+              <a:lstStyle/>
+              <a:p>
+                <a:pPr/>
+                <a14:m>
+                  <m:oMathPara xmlns:m="http://schemas.openxmlformats.org/officeDocument/2006/math">
+                    <m:oMathParaPr>
+                      <m:jc m:val="centerGroup"/>
+                    </m:oMathParaPr>
+                    <m:oMath xmlns:m="http://schemas.openxmlformats.org/officeDocument/2006/math">
+                      <m:r>
+                        <a:rPr lang="en-US" altLang="ko-KR" b="1" i="1" smtClean="0">
+                          <a:latin typeface="Cambria Math" panose="02040503050406030204" pitchFamily="18" charset="0"/>
+                        </a:rPr>
+                        <m:t>𝑿</m:t>
+                      </m:r>
+                    </m:oMath>
+                  </m:oMathPara>
+                </a14:m>
+                <a:endParaRPr lang="ko-KR" altLang="en-US" b="1" dirty="0"/>
+              </a:p>
+            </p:txBody>
+          </p:sp>
+        </mc:Choice>
+        <mc:Fallback>
+          <p:sp>
+            <p:nvSpPr>
+              <p:cNvPr id="31" name="TextBox 30">
+                <a:extLst>
+                  <a:ext uri="{FF2B5EF4-FFF2-40B4-BE49-F238E27FC236}">
+                    <a16:creationId xmlns:a16="http://schemas.microsoft.com/office/drawing/2014/main" id="{BD06B714-0A36-45FD-86FA-B9363587EB7C}"/>
+                  </a:ext>
+                </a:extLst>
+              </p:cNvPr>
+              <p:cNvSpPr txBox="1">
+                <a:spLocks noRot="1" noChangeAspect="1" noMove="1" noResize="1" noEditPoints="1" noAdjustHandles="1" noChangeArrowheads="1" noChangeShapeType="1" noTextEdit="1"/>
+              </p:cNvSpPr>
+              <p:nvPr/>
+            </p:nvSpPr>
+            <p:spPr>
+              <a:xfrm>
+                <a:off x="4410288" y="2734861"/>
+                <a:ext cx="417094" cy="369332"/>
+              </a:xfrm>
+              <a:prstGeom prst="rect">
+                <a:avLst/>
+              </a:prstGeom>
+              <a:blipFill>
+                <a:blip r:embed="rId4"/>
+                <a:stretch>
+                  <a:fillRect/>
+                </a:stretch>
+              </a:blipFill>
+            </p:spPr>
+            <p:txBody>
+              <a:bodyPr/>
+              <a:lstStyle/>
+              <a:p>
+                <a:r>
+                  <a:rPr lang="ko-KR" altLang="en-US">
+                    <a:noFill/>
+                  </a:rPr>
+                  <a:t> </a:t>
+                </a:r>
+              </a:p>
+            </p:txBody>
+          </p:sp>
+        </mc:Fallback>
+      </mc:AlternateContent>
+      <mc:AlternateContent xmlns:mc="http://schemas.openxmlformats.org/markup-compatibility/2006">
+        <mc:Choice xmlns:a14="http://schemas.microsoft.com/office/drawing/2010/main" Requires="a14">
+          <p:sp>
+            <p:nvSpPr>
+              <p:cNvPr id="32" name="TextBox 31">
+                <a:extLst>
+                  <a:ext uri="{FF2B5EF4-FFF2-40B4-BE49-F238E27FC236}">
+                    <a16:creationId xmlns:a16="http://schemas.microsoft.com/office/drawing/2014/main" id="{3D46EBD0-2331-4D62-B81A-E50AE0B8BA32}"/>
+                  </a:ext>
+                </a:extLst>
+              </p:cNvPr>
+              <p:cNvSpPr txBox="1"/>
+              <p:nvPr/>
+            </p:nvSpPr>
+            <p:spPr>
+              <a:xfrm>
+                <a:off x="5368804" y="2285867"/>
+                <a:ext cx="417094" cy="369332"/>
+              </a:xfrm>
+              <a:prstGeom prst="rect">
+                <a:avLst/>
+              </a:prstGeom>
+              <a:noFill/>
+            </p:spPr>
+            <p:txBody>
+              <a:bodyPr wrap="square" rtlCol="0">
+                <a:spAutoFit/>
+              </a:bodyPr>
+              <a:lstStyle/>
+              <a:p>
+                <a:pPr/>
+                <a14:m>
+                  <m:oMathPara xmlns:m="http://schemas.openxmlformats.org/officeDocument/2006/math">
+                    <m:oMathParaPr>
+                      <m:jc m:val="centerGroup"/>
+                    </m:oMathParaPr>
+                    <m:oMath xmlns:m="http://schemas.openxmlformats.org/officeDocument/2006/math">
+                      <m:r>
+                        <a:rPr lang="en-US" altLang="ko-KR" b="1" i="1" smtClean="0">
+                          <a:latin typeface="Cambria Math" panose="02040503050406030204" pitchFamily="18" charset="0"/>
+                        </a:rPr>
+                        <m:t>𝒁</m:t>
+                      </m:r>
+                    </m:oMath>
+                  </m:oMathPara>
+                </a14:m>
+                <a:endParaRPr lang="ko-KR" altLang="en-US" b="1" dirty="0"/>
+              </a:p>
+            </p:txBody>
+          </p:sp>
+        </mc:Choice>
+        <mc:Fallback>
+          <p:sp>
+            <p:nvSpPr>
+              <p:cNvPr id="32" name="TextBox 31">
+                <a:extLst>
+                  <a:ext uri="{FF2B5EF4-FFF2-40B4-BE49-F238E27FC236}">
+                    <a16:creationId xmlns:a16="http://schemas.microsoft.com/office/drawing/2014/main" id="{3D46EBD0-2331-4D62-B81A-E50AE0B8BA32}"/>
+                  </a:ext>
+                </a:extLst>
+              </p:cNvPr>
+              <p:cNvSpPr txBox="1">
+                <a:spLocks noRot="1" noChangeAspect="1" noMove="1" noResize="1" noEditPoints="1" noAdjustHandles="1" noChangeArrowheads="1" noChangeShapeType="1" noTextEdit="1"/>
+              </p:cNvSpPr>
+              <p:nvPr/>
+            </p:nvSpPr>
+            <p:spPr>
+              <a:xfrm>
+                <a:off x="5368804" y="2285867"/>
+                <a:ext cx="417094" cy="369332"/>
+              </a:xfrm>
+              <a:prstGeom prst="rect">
+                <a:avLst/>
+              </a:prstGeom>
+              <a:blipFill>
+                <a:blip r:embed="rId5"/>
+                <a:stretch>
+                  <a:fillRect/>
+                </a:stretch>
+              </a:blipFill>
+            </p:spPr>
+            <p:txBody>
+              <a:bodyPr/>
+              <a:lstStyle/>
+              <a:p>
+                <a:r>
+                  <a:rPr lang="ko-KR" altLang="en-US">
+                    <a:noFill/>
+                  </a:rPr>
+                  <a:t> </a:t>
+                </a:r>
+              </a:p>
+            </p:txBody>
+          </p:sp>
+        </mc:Fallback>
+      </mc:AlternateContent>
+      <p:cxnSp>
+        <p:nvCxnSpPr>
+          <p:cNvPr id="33" name="연결선: 꺾임 32">
+            <a:extLst>
+              <a:ext uri="{FF2B5EF4-FFF2-40B4-BE49-F238E27FC236}">
+                <a16:creationId xmlns:a16="http://schemas.microsoft.com/office/drawing/2014/main" id="{2F92F943-0FAB-4F81-BB5A-A310208A6300}"/>
+              </a:ext>
+            </a:extLst>
+          </p:cNvPr>
+          <p:cNvCxnSpPr>
+            <a:cxnSpLocks/>
+            <a:stCxn id="26" idx="3"/>
+          </p:cNvCxnSpPr>
+          <p:nvPr/>
+        </p:nvCxnSpPr>
+        <p:spPr>
+          <a:xfrm>
+            <a:off x="4422319" y="3096175"/>
+            <a:ext cx="946485" cy="553452"/>
+          </a:xfrm>
+          <a:prstGeom prst="bentConnector3">
+            <a:avLst/>
+          </a:prstGeom>
+          <a:ln w="38100">
+            <a:solidFill>
+              <a:schemeClr val="tx1"/>
+            </a:solidFill>
+            <a:tailEnd type="triangle"/>
+          </a:ln>
+        </p:spPr>
+        <p:style>
+          <a:lnRef idx="1">
+            <a:schemeClr val="accent1"/>
+          </a:lnRef>
+          <a:fillRef idx="0">
+            <a:schemeClr val="accent1"/>
+          </a:fillRef>
+          <a:effectRef idx="0">
+            <a:schemeClr val="accent1"/>
+          </a:effectRef>
+          <a:fontRef idx="minor">
+            <a:schemeClr val="tx1"/>
+          </a:fontRef>
+        </p:style>
+      </p:cxnSp>
+      <mc:AlternateContent xmlns:mc="http://schemas.openxmlformats.org/markup-compatibility/2006">
+        <mc:Choice xmlns:a14="http://schemas.microsoft.com/office/drawing/2010/main" Requires="a14">
+          <p:sp>
+            <p:nvSpPr>
+              <p:cNvPr id="34" name="TextBox 33">
+                <a:extLst>
+                  <a:ext uri="{FF2B5EF4-FFF2-40B4-BE49-F238E27FC236}">
+                    <a16:creationId xmlns:a16="http://schemas.microsoft.com/office/drawing/2014/main" id="{0B84D9C2-2F8A-4854-B7B3-054B55ADAA3D}"/>
+                  </a:ext>
+                </a:extLst>
+              </p:cNvPr>
+              <p:cNvSpPr txBox="1"/>
+              <p:nvPr/>
+            </p:nvSpPr>
+            <p:spPr>
+              <a:xfrm>
+                <a:off x="5372814" y="3432875"/>
+                <a:ext cx="417094" cy="369332"/>
+              </a:xfrm>
+              <a:prstGeom prst="rect">
+                <a:avLst/>
+              </a:prstGeom>
+              <a:noFill/>
+            </p:spPr>
+            <p:txBody>
+              <a:bodyPr wrap="square" rtlCol="0">
+                <a:spAutoFit/>
+              </a:bodyPr>
+              <a:lstStyle/>
+              <a:p>
+                <a:pPr/>
+                <a14:m>
+                  <m:oMathPara xmlns:m="http://schemas.openxmlformats.org/officeDocument/2006/math">
+                    <m:oMathParaPr>
+                      <m:jc m:val="centerGroup"/>
+                    </m:oMathParaPr>
+                    <m:oMath xmlns:m="http://schemas.openxmlformats.org/officeDocument/2006/math">
+                      <m:r>
+                        <a:rPr lang="en-US" altLang="ko-KR" b="1" i="1" dirty="0" smtClean="0">
+                          <a:latin typeface="Cambria Math" panose="02040503050406030204" pitchFamily="18" charset="0"/>
+                        </a:rPr>
+                        <m:t>𝑿</m:t>
+                      </m:r>
+                    </m:oMath>
+                  </m:oMathPara>
+                </a14:m>
+                <a:endParaRPr lang="ko-KR" altLang="en-US" b="1" dirty="0"/>
+              </a:p>
+            </p:txBody>
+          </p:sp>
+        </mc:Choice>
+        <mc:Fallback>
+          <p:sp>
+            <p:nvSpPr>
+              <p:cNvPr id="34" name="TextBox 33">
+                <a:extLst>
+                  <a:ext uri="{FF2B5EF4-FFF2-40B4-BE49-F238E27FC236}">
+                    <a16:creationId xmlns:a16="http://schemas.microsoft.com/office/drawing/2014/main" id="{0B84D9C2-2F8A-4854-B7B3-054B55ADAA3D}"/>
+                  </a:ext>
+                </a:extLst>
+              </p:cNvPr>
+              <p:cNvSpPr txBox="1">
+                <a:spLocks noRot="1" noChangeAspect="1" noMove="1" noResize="1" noEditPoints="1" noAdjustHandles="1" noChangeArrowheads="1" noChangeShapeType="1" noTextEdit="1"/>
+              </p:cNvSpPr>
+              <p:nvPr/>
+            </p:nvSpPr>
+            <p:spPr>
+              <a:xfrm>
+                <a:off x="5372814" y="3432875"/>
+                <a:ext cx="417094" cy="369332"/>
+              </a:xfrm>
+              <a:prstGeom prst="rect">
+                <a:avLst/>
+              </a:prstGeom>
+              <a:blipFill>
+                <a:blip r:embed="rId6"/>
+                <a:stretch>
+                  <a:fillRect/>
+                </a:stretch>
+              </a:blipFill>
+            </p:spPr>
+            <p:txBody>
+              <a:bodyPr/>
+              <a:lstStyle/>
+              <a:p>
+                <a:r>
+                  <a:rPr lang="ko-KR" altLang="en-US">
+                    <a:noFill/>
+                  </a:rPr>
+                  <a:t> </a:t>
+                </a:r>
+              </a:p>
+            </p:txBody>
+          </p:sp>
+        </mc:Fallback>
+      </mc:AlternateContent>
+      <mc:AlternateContent xmlns:mc="http://schemas.openxmlformats.org/markup-compatibility/2006">
+        <mc:Choice xmlns:a14="http://schemas.microsoft.com/office/drawing/2010/main" Requires="a14">
+          <p:sp>
+            <p:nvSpPr>
+              <p:cNvPr id="37" name="TextBox 36">
+                <a:extLst>
+                  <a:ext uri="{FF2B5EF4-FFF2-40B4-BE49-F238E27FC236}">
+                    <a16:creationId xmlns:a16="http://schemas.microsoft.com/office/drawing/2014/main" id="{2026E128-6E63-42A4-AE69-D306A1FB5CE8}"/>
+                  </a:ext>
+                </a:extLst>
+              </p:cNvPr>
+              <p:cNvSpPr txBox="1"/>
+              <p:nvPr/>
+            </p:nvSpPr>
+            <p:spPr>
+              <a:xfrm>
+                <a:off x="2970508" y="4251207"/>
+                <a:ext cx="417094" cy="369332"/>
+              </a:xfrm>
+              <a:prstGeom prst="rect">
+                <a:avLst/>
+              </a:prstGeom>
+              <a:noFill/>
+            </p:spPr>
+            <p:txBody>
+              <a:bodyPr wrap="square" rtlCol="0">
+                <a:spAutoFit/>
+              </a:bodyPr>
+              <a:lstStyle/>
+              <a:p>
+                <a:pPr/>
+                <a14:m>
+                  <m:oMathPara xmlns:m="http://schemas.openxmlformats.org/officeDocument/2006/math">
+                    <m:oMathParaPr>
+                      <m:jc m:val="centerGroup"/>
+                    </m:oMathParaPr>
+                    <m:oMath xmlns:m="http://schemas.openxmlformats.org/officeDocument/2006/math">
+                      <m:r>
+                        <a:rPr lang="en-US" altLang="ko-KR" b="1" i="1" smtClean="0">
+                          <a:latin typeface="Cambria Math" panose="02040503050406030204" pitchFamily="18" charset="0"/>
+                        </a:rPr>
+                        <m:t>𝑫</m:t>
+                      </m:r>
+                    </m:oMath>
+                  </m:oMathPara>
+                </a14:m>
+                <a:endParaRPr lang="ko-KR" altLang="en-US" b="1" dirty="0"/>
+              </a:p>
+            </p:txBody>
+          </p:sp>
+        </mc:Choice>
+        <mc:Fallback>
+          <p:sp>
+            <p:nvSpPr>
+              <p:cNvPr id="37" name="TextBox 36">
+                <a:extLst>
+                  <a:ext uri="{FF2B5EF4-FFF2-40B4-BE49-F238E27FC236}">
+                    <a16:creationId xmlns:a16="http://schemas.microsoft.com/office/drawing/2014/main" id="{2026E128-6E63-42A4-AE69-D306A1FB5CE8}"/>
+                  </a:ext>
+                </a:extLst>
+              </p:cNvPr>
+              <p:cNvSpPr txBox="1">
+                <a:spLocks noRot="1" noChangeAspect="1" noMove="1" noResize="1" noEditPoints="1" noAdjustHandles="1" noChangeArrowheads="1" noChangeShapeType="1" noTextEdit="1"/>
+              </p:cNvSpPr>
+              <p:nvPr/>
+            </p:nvSpPr>
+            <p:spPr>
+              <a:xfrm>
+                <a:off x="2970508" y="4251207"/>
+                <a:ext cx="417094" cy="369332"/>
+              </a:xfrm>
+              <a:prstGeom prst="rect">
+                <a:avLst/>
+              </a:prstGeom>
+              <a:blipFill>
+                <a:blip r:embed="rId7"/>
+                <a:stretch>
+                  <a:fillRect/>
+                </a:stretch>
+              </a:blipFill>
+            </p:spPr>
+            <p:txBody>
+              <a:bodyPr/>
+              <a:lstStyle/>
+              <a:p>
+                <a:r>
+                  <a:rPr lang="ko-KR" altLang="en-US">
+                    <a:noFill/>
+                  </a:rPr>
+                  <a:t> </a:t>
+                </a:r>
+              </a:p>
+            </p:txBody>
+          </p:sp>
+        </mc:Fallback>
+      </mc:AlternateContent>
+      <mc:AlternateContent xmlns:mc="http://schemas.openxmlformats.org/markup-compatibility/2006">
+        <mc:Choice xmlns:a14="http://schemas.microsoft.com/office/drawing/2010/main" Requires="a14">
+          <p:sp>
+            <p:nvSpPr>
+              <p:cNvPr id="38" name="TextBox 37">
+                <a:extLst>
+                  <a:ext uri="{FF2B5EF4-FFF2-40B4-BE49-F238E27FC236}">
+                    <a16:creationId xmlns:a16="http://schemas.microsoft.com/office/drawing/2014/main" id="{B1B9A01A-F1D9-4C81-AD27-F3D809746D50}"/>
+                  </a:ext>
+                </a:extLst>
+              </p:cNvPr>
+              <p:cNvSpPr txBox="1"/>
+              <p:nvPr/>
+            </p:nvSpPr>
+            <p:spPr>
+              <a:xfrm>
+                <a:off x="8336594" y="1731398"/>
+                <a:ext cx="417094" cy="369332"/>
+              </a:xfrm>
+              <a:prstGeom prst="rect">
+                <a:avLst/>
+              </a:prstGeom>
+              <a:noFill/>
+            </p:spPr>
+            <p:txBody>
+              <a:bodyPr wrap="square" rtlCol="0">
+                <a:spAutoFit/>
+              </a:bodyPr>
+              <a:lstStyle/>
+              <a:p>
+                <a:pPr/>
+                <a14:m>
+                  <m:oMathPara xmlns:m="http://schemas.openxmlformats.org/officeDocument/2006/math">
+                    <m:oMathParaPr>
+                      <m:jc m:val="centerGroup"/>
+                    </m:oMathParaPr>
+                    <m:oMath xmlns:m="http://schemas.openxmlformats.org/officeDocument/2006/math">
+                      <m:r>
+                        <a:rPr lang="en-US" altLang="ko-KR" b="1" i="1" smtClean="0">
+                          <a:latin typeface="Cambria Math" panose="02040503050406030204" pitchFamily="18" charset="0"/>
+                        </a:rPr>
+                        <m:t>𝑺</m:t>
+                      </m:r>
+                    </m:oMath>
+                  </m:oMathPara>
+                </a14:m>
+                <a:endParaRPr lang="ko-KR" altLang="en-US" b="1" dirty="0"/>
+              </a:p>
+            </p:txBody>
+          </p:sp>
+        </mc:Choice>
+        <mc:Fallback>
+          <p:sp>
+            <p:nvSpPr>
+              <p:cNvPr id="38" name="TextBox 37">
+                <a:extLst>
+                  <a:ext uri="{FF2B5EF4-FFF2-40B4-BE49-F238E27FC236}">
+                    <a16:creationId xmlns:a16="http://schemas.microsoft.com/office/drawing/2014/main" id="{B1B9A01A-F1D9-4C81-AD27-F3D809746D50}"/>
+                  </a:ext>
+                </a:extLst>
+              </p:cNvPr>
+              <p:cNvSpPr txBox="1">
+                <a:spLocks noRot="1" noChangeAspect="1" noMove="1" noResize="1" noEditPoints="1" noAdjustHandles="1" noChangeArrowheads="1" noChangeShapeType="1" noTextEdit="1"/>
+              </p:cNvSpPr>
+              <p:nvPr/>
+            </p:nvSpPr>
+            <p:spPr>
+              <a:xfrm>
+                <a:off x="8336594" y="1731398"/>
+                <a:ext cx="417094" cy="369332"/>
+              </a:xfrm>
+              <a:prstGeom prst="rect">
+                <a:avLst/>
+              </a:prstGeom>
+              <a:blipFill>
+                <a:blip r:embed="rId8"/>
+                <a:stretch>
+                  <a:fillRect/>
+                </a:stretch>
+              </a:blipFill>
+            </p:spPr>
+            <p:txBody>
+              <a:bodyPr/>
+              <a:lstStyle/>
+              <a:p>
+                <a:r>
+                  <a:rPr lang="ko-KR" altLang="en-US">
+                    <a:noFill/>
+                  </a:rPr>
+                  <a:t> </a:t>
+                </a:r>
+              </a:p>
+            </p:txBody>
+          </p:sp>
+        </mc:Fallback>
+      </mc:AlternateContent>
+      <mc:AlternateContent xmlns:mc="http://schemas.openxmlformats.org/markup-compatibility/2006">
+        <mc:Choice xmlns:a14="http://schemas.microsoft.com/office/drawing/2010/main" Requires="a14">
+          <p:sp>
+            <p:nvSpPr>
+              <p:cNvPr id="39" name="TextBox 38">
+                <a:extLst>
+                  <a:ext uri="{FF2B5EF4-FFF2-40B4-BE49-F238E27FC236}">
+                    <a16:creationId xmlns:a16="http://schemas.microsoft.com/office/drawing/2014/main" id="{5641CB55-75D6-4A61-961B-C554E1643265}"/>
+                  </a:ext>
+                </a:extLst>
+              </p:cNvPr>
+              <p:cNvSpPr txBox="1"/>
+              <p:nvPr/>
+            </p:nvSpPr>
+            <p:spPr>
+              <a:xfrm>
+                <a:off x="4616413" y="2972958"/>
+                <a:ext cx="1162875" cy="261610"/>
+              </a:xfrm>
+              <a:prstGeom prst="rect">
+                <a:avLst/>
+              </a:prstGeom>
+              <a:noFill/>
+            </p:spPr>
+            <p:txBody>
+              <a:bodyPr wrap="square" rtlCol="0">
+                <a:spAutoFit/>
+              </a:bodyPr>
+              <a:lstStyle/>
+              <a:p>
+                <a:pPr/>
+                <a14:m>
+                  <m:oMathPara xmlns:m="http://schemas.openxmlformats.org/officeDocument/2006/math">
+                    <m:oMathParaPr>
+                      <m:jc m:val="centerGroup"/>
+                    </m:oMathParaPr>
+                    <m:oMath xmlns:m="http://schemas.openxmlformats.org/officeDocument/2006/math">
+                      <m:r>
+                        <a:rPr lang="en-US" altLang="ko-KR" sz="1100" i="1">
+                          <a:latin typeface="Cambria Math" panose="02040503050406030204" pitchFamily="18" charset="0"/>
+                        </a:rPr>
+                        <m:t>𝐷</m:t>
+                      </m:r>
+                      <m:r>
+                        <a:rPr lang="en-US" altLang="ko-KR" sz="1100" i="1">
+                          <a:latin typeface="Cambria Math" panose="02040503050406030204" pitchFamily="18" charset="0"/>
+                        </a:rPr>
+                        <m:t>×</m:t>
+                      </m:r>
+                      <m:r>
+                        <a:rPr lang="en-US" altLang="ko-KR" sz="1100" i="1">
+                          <a:latin typeface="Cambria Math" panose="02040503050406030204" pitchFamily="18" charset="0"/>
+                        </a:rPr>
+                        <m:t>𝑑𝑖𝑚</m:t>
+                      </m:r>
+                    </m:oMath>
+                  </m:oMathPara>
+                </a14:m>
+                <a:endParaRPr lang="ko-KR" altLang="en-US" sz="1100" dirty="0"/>
+              </a:p>
+            </p:txBody>
+          </p:sp>
+        </mc:Choice>
+        <mc:Fallback>
+          <p:sp>
+            <p:nvSpPr>
+              <p:cNvPr id="39" name="TextBox 38">
+                <a:extLst>
+                  <a:ext uri="{FF2B5EF4-FFF2-40B4-BE49-F238E27FC236}">
+                    <a16:creationId xmlns:a16="http://schemas.microsoft.com/office/drawing/2014/main" id="{5641CB55-75D6-4A61-961B-C554E1643265}"/>
+                  </a:ext>
+                </a:extLst>
+              </p:cNvPr>
+              <p:cNvSpPr txBox="1">
+                <a:spLocks noRot="1" noChangeAspect="1" noMove="1" noResize="1" noEditPoints="1" noAdjustHandles="1" noChangeArrowheads="1" noChangeShapeType="1" noTextEdit="1"/>
+              </p:cNvSpPr>
+              <p:nvPr/>
+            </p:nvSpPr>
+            <p:spPr>
+              <a:xfrm>
+                <a:off x="4616413" y="2972958"/>
+                <a:ext cx="1162875" cy="261610"/>
+              </a:xfrm>
+              <a:prstGeom prst="rect">
+                <a:avLst/>
+              </a:prstGeom>
+              <a:blipFill>
+                <a:blip r:embed="rId9"/>
+                <a:stretch>
+                  <a:fillRect/>
+                </a:stretch>
+              </a:blipFill>
+            </p:spPr>
+            <p:txBody>
+              <a:bodyPr/>
+              <a:lstStyle/>
+              <a:p>
+                <a:r>
+                  <a:rPr lang="ko-KR" altLang="en-US">
+                    <a:noFill/>
+                  </a:rPr>
+                  <a:t> </a:t>
+                </a:r>
+              </a:p>
+            </p:txBody>
+          </p:sp>
+        </mc:Fallback>
+      </mc:AlternateContent>
+      <mc:AlternateContent xmlns:mc="http://schemas.openxmlformats.org/markup-compatibility/2006">
+        <mc:Choice xmlns:a14="http://schemas.microsoft.com/office/drawing/2010/main" Requires="a14">
+          <p:sp>
+            <p:nvSpPr>
+              <p:cNvPr id="40" name="TextBox 39">
+                <a:extLst>
+                  <a:ext uri="{FF2B5EF4-FFF2-40B4-BE49-F238E27FC236}">
+                    <a16:creationId xmlns:a16="http://schemas.microsoft.com/office/drawing/2014/main" id="{17003BE3-FBC6-4194-9580-92F30478E56A}"/>
+                  </a:ext>
+                </a:extLst>
+              </p:cNvPr>
+              <p:cNvSpPr txBox="1"/>
+              <p:nvPr/>
+            </p:nvSpPr>
+            <p:spPr>
+              <a:xfrm>
+                <a:off x="4041325" y="2544042"/>
+                <a:ext cx="3236490" cy="261610"/>
+              </a:xfrm>
+              <a:prstGeom prst="rect">
+                <a:avLst/>
+              </a:prstGeom>
+              <a:noFill/>
+            </p:spPr>
+            <p:txBody>
+              <a:bodyPr wrap="square" rtlCol="0">
+                <a:spAutoFit/>
+              </a:bodyPr>
+              <a:lstStyle/>
+              <a:p>
+                <a:pPr/>
+                <a14:m>
+                  <m:oMathPara xmlns:m="http://schemas.openxmlformats.org/officeDocument/2006/math">
+                    <m:oMathParaPr>
+                      <m:jc m:val="centerGroup"/>
+                    </m:oMathParaPr>
+                    <m:oMath xmlns:m="http://schemas.openxmlformats.org/officeDocument/2006/math">
+                      <m:r>
+                        <a:rPr lang="en-US" altLang="ko-KR" sz="1100" b="0" i="1" smtClean="0">
+                          <a:latin typeface="Cambria Math" panose="02040503050406030204" pitchFamily="18" charset="0"/>
+                        </a:rPr>
+                        <m:t>1</m:t>
+                      </m:r>
+                      <m:r>
+                        <a:rPr lang="en-US" altLang="ko-KR" sz="1100" b="0" i="1" smtClean="0">
+                          <a:latin typeface="Cambria Math" panose="02040503050406030204" pitchFamily="18" charset="0"/>
+                        </a:rPr>
+                        <m:t>×</m:t>
+                      </m:r>
+                      <m:r>
+                        <a:rPr lang="en-US" altLang="ko-KR" sz="1100" b="0" i="1" smtClean="0">
+                          <a:latin typeface="Cambria Math" panose="02040503050406030204" pitchFamily="18" charset="0"/>
+                        </a:rPr>
+                        <m:t>𝑑𝑖𝑚</m:t>
+                      </m:r>
+                    </m:oMath>
+                  </m:oMathPara>
+                </a14:m>
+                <a:endParaRPr lang="ko-KR" altLang="en-US" sz="1100" dirty="0"/>
+              </a:p>
+            </p:txBody>
+          </p:sp>
+        </mc:Choice>
+        <mc:Fallback>
+          <p:sp>
+            <p:nvSpPr>
+              <p:cNvPr id="40" name="TextBox 39">
+                <a:extLst>
+                  <a:ext uri="{FF2B5EF4-FFF2-40B4-BE49-F238E27FC236}">
+                    <a16:creationId xmlns:a16="http://schemas.microsoft.com/office/drawing/2014/main" id="{17003BE3-FBC6-4194-9580-92F30478E56A}"/>
+                  </a:ext>
+                </a:extLst>
+              </p:cNvPr>
+              <p:cNvSpPr txBox="1">
+                <a:spLocks noRot="1" noChangeAspect="1" noMove="1" noResize="1" noEditPoints="1" noAdjustHandles="1" noChangeArrowheads="1" noChangeShapeType="1" noTextEdit="1"/>
+              </p:cNvSpPr>
+              <p:nvPr/>
+            </p:nvSpPr>
+            <p:spPr>
+              <a:xfrm>
+                <a:off x="4041325" y="2544042"/>
+                <a:ext cx="3236490" cy="261610"/>
+              </a:xfrm>
+              <a:prstGeom prst="rect">
+                <a:avLst/>
+              </a:prstGeom>
+              <a:blipFill>
+                <a:blip r:embed="rId10"/>
+                <a:stretch>
+                  <a:fillRect/>
+                </a:stretch>
+              </a:blipFill>
+            </p:spPr>
+            <p:txBody>
+              <a:bodyPr/>
+              <a:lstStyle/>
+              <a:p>
+                <a:r>
+                  <a:rPr lang="ko-KR" altLang="en-US">
+                    <a:noFill/>
+                  </a:rPr>
+                  <a:t> </a:t>
+                </a:r>
+              </a:p>
+            </p:txBody>
+          </p:sp>
+        </mc:Fallback>
+      </mc:AlternateContent>
+      <mc:AlternateContent xmlns:mc="http://schemas.openxmlformats.org/markup-compatibility/2006">
+        <mc:Choice xmlns:a14="http://schemas.microsoft.com/office/drawing/2010/main" Requires="a14">
+          <p:sp>
+            <p:nvSpPr>
+              <p:cNvPr id="41" name="TextBox 40">
+                <a:extLst>
+                  <a:ext uri="{FF2B5EF4-FFF2-40B4-BE49-F238E27FC236}">
+                    <a16:creationId xmlns:a16="http://schemas.microsoft.com/office/drawing/2014/main" id="{10477982-7026-4060-B841-26033D52A3A9}"/>
+                  </a:ext>
+                </a:extLst>
+              </p:cNvPr>
+              <p:cNvSpPr txBox="1"/>
+              <p:nvPr/>
+            </p:nvSpPr>
+            <p:spPr>
+              <a:xfrm>
+                <a:off x="4856406" y="3649627"/>
+                <a:ext cx="1145132" cy="261610"/>
+              </a:xfrm>
+              <a:prstGeom prst="rect">
+                <a:avLst/>
+              </a:prstGeom>
+              <a:noFill/>
+            </p:spPr>
+            <p:txBody>
+              <a:bodyPr wrap="square" rtlCol="0">
+                <a:spAutoFit/>
+              </a:bodyPr>
+              <a:lstStyle/>
+              <a:p>
+                <a:pPr/>
+                <a14:m>
+                  <m:oMathPara xmlns:m="http://schemas.openxmlformats.org/officeDocument/2006/math">
+                    <m:oMathParaPr>
+                      <m:jc m:val="centerGroup"/>
+                    </m:oMathParaPr>
+                    <m:oMath xmlns:m="http://schemas.openxmlformats.org/officeDocument/2006/math">
+                      <m:r>
+                        <a:rPr lang="en-US" altLang="ko-KR" sz="1100" b="0" i="1" smtClean="0">
+                          <a:latin typeface="Cambria Math" panose="02040503050406030204" pitchFamily="18" charset="0"/>
+                        </a:rPr>
+                        <m:t>𝐷</m:t>
+                      </m:r>
+                      <m:r>
+                        <a:rPr lang="en-US" altLang="ko-KR" sz="1100" b="0" i="1" smtClean="0">
+                          <a:latin typeface="Cambria Math" panose="02040503050406030204" pitchFamily="18" charset="0"/>
+                        </a:rPr>
+                        <m:t>×</m:t>
+                      </m:r>
+                      <m:r>
+                        <a:rPr lang="en-US" altLang="ko-KR" sz="1100" b="0" i="1" smtClean="0">
+                          <a:latin typeface="Cambria Math" panose="02040503050406030204" pitchFamily="18" charset="0"/>
+                        </a:rPr>
+                        <m:t>𝑑𝑖𝑚</m:t>
+                      </m:r>
+                    </m:oMath>
+                  </m:oMathPara>
+                </a14:m>
+                <a:endParaRPr lang="ko-KR" altLang="en-US" sz="1100" dirty="0"/>
+              </a:p>
+            </p:txBody>
+          </p:sp>
+        </mc:Choice>
+        <mc:Fallback>
+          <p:sp>
+            <p:nvSpPr>
+              <p:cNvPr id="41" name="TextBox 40">
+                <a:extLst>
+                  <a:ext uri="{FF2B5EF4-FFF2-40B4-BE49-F238E27FC236}">
+                    <a16:creationId xmlns:a16="http://schemas.microsoft.com/office/drawing/2014/main" id="{10477982-7026-4060-B841-26033D52A3A9}"/>
+                  </a:ext>
+                </a:extLst>
+              </p:cNvPr>
+              <p:cNvSpPr txBox="1">
+                <a:spLocks noRot="1" noChangeAspect="1" noMove="1" noResize="1" noEditPoints="1" noAdjustHandles="1" noChangeArrowheads="1" noChangeShapeType="1" noTextEdit="1"/>
+              </p:cNvSpPr>
+              <p:nvPr/>
+            </p:nvSpPr>
+            <p:spPr>
+              <a:xfrm>
+                <a:off x="4856406" y="3649627"/>
+                <a:ext cx="1145132" cy="261610"/>
+              </a:xfrm>
+              <a:prstGeom prst="rect">
+                <a:avLst/>
+              </a:prstGeom>
+              <a:blipFill>
+                <a:blip r:embed="rId11"/>
+                <a:stretch>
+                  <a:fillRect/>
+                </a:stretch>
+              </a:blipFill>
+            </p:spPr>
+            <p:txBody>
+              <a:bodyPr/>
+              <a:lstStyle/>
+              <a:p>
+                <a:r>
+                  <a:rPr lang="ko-KR" altLang="en-US">
+                    <a:noFill/>
+                  </a:rPr>
+                  <a:t> </a:t>
+                </a:r>
+              </a:p>
+            </p:txBody>
+          </p:sp>
+        </mc:Fallback>
+      </mc:AlternateContent>
+      <mc:AlternateContent xmlns:mc="http://schemas.openxmlformats.org/markup-compatibility/2006">
+        <mc:Choice xmlns:a14="http://schemas.microsoft.com/office/drawing/2010/main" Requires="a14">
+          <p:sp>
+            <p:nvSpPr>
+              <p:cNvPr id="42" name="TextBox 41">
+                <a:extLst>
+                  <a:ext uri="{FF2B5EF4-FFF2-40B4-BE49-F238E27FC236}">
+                    <a16:creationId xmlns:a16="http://schemas.microsoft.com/office/drawing/2014/main" id="{AF76520F-4CC5-4613-B674-4BAD43D475CF}"/>
+                  </a:ext>
+                </a:extLst>
+              </p:cNvPr>
+              <p:cNvSpPr txBox="1"/>
+              <p:nvPr/>
+            </p:nvSpPr>
+            <p:spPr>
+              <a:xfrm>
+                <a:off x="6436044" y="2771056"/>
+                <a:ext cx="1731668" cy="261610"/>
+              </a:xfrm>
+              <a:prstGeom prst="rect">
+                <a:avLst/>
+              </a:prstGeom>
+              <a:noFill/>
+            </p:spPr>
+            <p:txBody>
+              <a:bodyPr wrap="square" rtlCol="0">
+                <a:spAutoFit/>
+              </a:bodyPr>
+              <a:lstStyle/>
+              <a:p>
+                <a:pPr/>
+                <a14:m>
+                  <m:oMathPara xmlns:m="http://schemas.openxmlformats.org/officeDocument/2006/math">
+                    <m:oMathParaPr>
+                      <m:jc m:val="centerGroup"/>
+                    </m:oMathParaPr>
+                    <m:oMath xmlns:m="http://schemas.openxmlformats.org/officeDocument/2006/math">
+                      <m:r>
+                        <a:rPr lang="en-US" altLang="ko-KR" sz="1100" b="0" i="1" smtClean="0">
+                          <a:latin typeface="Cambria Math" panose="02040503050406030204" pitchFamily="18" charset="0"/>
+                        </a:rPr>
+                        <m:t>1</m:t>
+                      </m:r>
+                      <m:r>
+                        <a:rPr lang="en-US" altLang="ko-KR" sz="1100" b="0" i="1" smtClean="0">
+                          <a:latin typeface="Cambria Math" panose="02040503050406030204" pitchFamily="18" charset="0"/>
+                        </a:rPr>
+                        <m:t>×</m:t>
+                      </m:r>
+                      <m:r>
+                        <a:rPr lang="en-US" altLang="ko-KR" sz="1100" b="0" i="1" smtClean="0">
+                          <a:latin typeface="Cambria Math" panose="02040503050406030204" pitchFamily="18" charset="0"/>
+                        </a:rPr>
+                        <m:t>𝑑𝑖𝑚</m:t>
+                      </m:r>
+                    </m:oMath>
+                  </m:oMathPara>
+                </a14:m>
+                <a:endParaRPr lang="ko-KR" altLang="en-US" sz="1100" dirty="0"/>
+              </a:p>
+            </p:txBody>
+          </p:sp>
+        </mc:Choice>
+        <mc:Fallback>
+          <p:sp>
+            <p:nvSpPr>
+              <p:cNvPr id="42" name="TextBox 41">
+                <a:extLst>
+                  <a:ext uri="{FF2B5EF4-FFF2-40B4-BE49-F238E27FC236}">
+                    <a16:creationId xmlns:a16="http://schemas.microsoft.com/office/drawing/2014/main" id="{AF76520F-4CC5-4613-B674-4BAD43D475CF}"/>
+                  </a:ext>
+                </a:extLst>
+              </p:cNvPr>
+              <p:cNvSpPr txBox="1">
+                <a:spLocks noRot="1" noChangeAspect="1" noMove="1" noResize="1" noEditPoints="1" noAdjustHandles="1" noChangeArrowheads="1" noChangeShapeType="1" noTextEdit="1"/>
+              </p:cNvSpPr>
+              <p:nvPr/>
+            </p:nvSpPr>
+            <p:spPr>
+              <a:xfrm>
+                <a:off x="6436044" y="2771056"/>
+                <a:ext cx="1731668" cy="261610"/>
+              </a:xfrm>
+              <a:prstGeom prst="rect">
+                <a:avLst/>
+              </a:prstGeom>
+              <a:blipFill>
+                <a:blip r:embed="rId12"/>
+                <a:stretch>
+                  <a:fillRect/>
+                </a:stretch>
+              </a:blipFill>
+            </p:spPr>
+            <p:txBody>
+              <a:bodyPr/>
+              <a:lstStyle/>
+              <a:p>
+                <a:r>
+                  <a:rPr lang="ko-KR" altLang="en-US">
+                    <a:noFill/>
+                  </a:rPr>
+                  <a:t> </a:t>
+                </a:r>
+              </a:p>
+            </p:txBody>
+          </p:sp>
+        </mc:Fallback>
+      </mc:AlternateContent>
+      <mc:AlternateContent xmlns:mc="http://schemas.openxmlformats.org/markup-compatibility/2006">
+        <mc:Choice xmlns:a14="http://schemas.microsoft.com/office/drawing/2010/main" Requires="a14">
+          <p:sp>
+            <p:nvSpPr>
+              <p:cNvPr id="43" name="타원 42">
+                <a:extLst>
+                  <a:ext uri="{FF2B5EF4-FFF2-40B4-BE49-F238E27FC236}">
+                    <a16:creationId xmlns:a16="http://schemas.microsoft.com/office/drawing/2014/main" id="{415F5994-32BC-48A9-83E5-77869210844C}"/>
+                  </a:ext>
+                </a:extLst>
+              </p:cNvPr>
+              <p:cNvSpPr/>
+              <p:nvPr/>
+            </p:nvSpPr>
+            <p:spPr>
+              <a:xfrm>
+                <a:off x="6187015" y="1178983"/>
+                <a:ext cx="717755" cy="717755"/>
+              </a:xfrm>
+              <a:prstGeom prst="ellipse">
+                <a:avLst/>
+              </a:prstGeom>
+            </p:spPr>
+            <p:style>
+              <a:lnRef idx="2">
+                <a:schemeClr val="dk1">
+                  <a:shade val="50000"/>
+                </a:schemeClr>
+              </a:lnRef>
+              <a:fillRef idx="1">
+                <a:schemeClr val="dk1"/>
+              </a:fillRef>
+              <a:effectRef idx="0">
+                <a:schemeClr val="dk1"/>
+              </a:effectRef>
+              <a:fontRef idx="minor">
+                <a:schemeClr val="lt1"/>
+              </a:fontRef>
+            </p:style>
+            <p:txBody>
+              <a:bodyPr rtlCol="0" anchor="ctr"/>
+              <a:lstStyle/>
+              <a:p>
+                <a:pPr algn="ctr"/>
+                <a14:m>
+                  <m:oMath xmlns:m="http://schemas.openxmlformats.org/officeDocument/2006/math">
+                    <m:r>
+                      <a:rPr lang="en-US" altLang="ko-KR" sz="1200" b="0" i="1" smtClean="0">
+                        <a:latin typeface="Cambria Math" panose="02040503050406030204" pitchFamily="18" charset="0"/>
+                      </a:rPr>
+                      <m:t>𝑁</m:t>
+                    </m:r>
+                    <m:r>
+                      <a:rPr lang="en-US" altLang="ko-KR" sz="1200" b="0" i="1" smtClean="0">
+                        <a:latin typeface="Cambria Math" panose="02040503050406030204" pitchFamily="18" charset="0"/>
+                      </a:rPr>
+                      <m:t>(0,1)</m:t>
+                    </m:r>
+                  </m:oMath>
+                </a14:m>
+                <a:r>
+                  <a:rPr lang="ko-KR" altLang="en-US" sz="1200" dirty="0"/>
+                  <a:t> </a:t>
+                </a:r>
+              </a:p>
+            </p:txBody>
+          </p:sp>
+        </mc:Choice>
+        <mc:Fallback>
+          <p:sp>
+            <p:nvSpPr>
+              <p:cNvPr id="43" name="타원 42">
+                <a:extLst>
+                  <a:ext uri="{FF2B5EF4-FFF2-40B4-BE49-F238E27FC236}">
+                    <a16:creationId xmlns:a16="http://schemas.microsoft.com/office/drawing/2014/main" id="{415F5994-32BC-48A9-83E5-77869210844C}"/>
+                  </a:ext>
+                </a:extLst>
+              </p:cNvPr>
+              <p:cNvSpPr>
+                <a:spLocks noRot="1" noChangeAspect="1" noMove="1" noResize="1" noEditPoints="1" noAdjustHandles="1" noChangeArrowheads="1" noChangeShapeType="1" noTextEdit="1"/>
+              </p:cNvSpPr>
+              <p:nvPr/>
+            </p:nvSpPr>
+            <p:spPr>
+              <a:xfrm>
+                <a:off x="6187015" y="1178983"/>
+                <a:ext cx="717755" cy="717755"/>
+              </a:xfrm>
+              <a:prstGeom prst="ellipse">
+                <a:avLst/>
+              </a:prstGeom>
+              <a:blipFill>
+                <a:blip r:embed="rId13"/>
+                <a:stretch>
+                  <a:fillRect/>
+                </a:stretch>
+              </a:blipFill>
+            </p:spPr>
+            <p:txBody>
+              <a:bodyPr/>
+              <a:lstStyle/>
+              <a:p>
+                <a:r>
+                  <a:rPr lang="ko-KR" altLang="en-US">
+                    <a:noFill/>
+                  </a:rPr>
+                  <a:t> </a:t>
+                </a:r>
+              </a:p>
+            </p:txBody>
+          </p:sp>
+        </mc:Fallback>
+      </mc:AlternateContent>
+      <p:cxnSp>
+        <p:nvCxnSpPr>
+          <p:cNvPr id="44" name="연결선: 꺾임 34">
+            <a:extLst>
+              <a:ext uri="{FF2B5EF4-FFF2-40B4-BE49-F238E27FC236}">
+                <a16:creationId xmlns:a16="http://schemas.microsoft.com/office/drawing/2014/main" id="{6CFBF38A-9E02-4974-B3A1-686C9AE91FA5}"/>
+              </a:ext>
+            </a:extLst>
+          </p:cNvPr>
+          <p:cNvCxnSpPr>
+            <a:cxnSpLocks/>
+            <a:stCxn id="32" idx="3"/>
+            <a:endCxn id="43" idx="4"/>
+          </p:cNvCxnSpPr>
+          <p:nvPr/>
+        </p:nvCxnSpPr>
+        <p:spPr>
+          <a:xfrm flipV="1">
+            <a:off x="5785898" y="1896738"/>
+            <a:ext cx="759995" cy="573795"/>
+          </a:xfrm>
+          <a:prstGeom prst="curvedConnector2">
+            <a:avLst/>
+          </a:prstGeom>
+          <a:ln w="12700">
+            <a:solidFill>
+              <a:schemeClr val="tx1"/>
+            </a:solidFill>
+            <a:prstDash val="sysDash"/>
+            <a:tailEnd type="triangle"/>
+          </a:ln>
+        </p:spPr>
+        <p:style>
+          <a:lnRef idx="1">
+            <a:schemeClr val="accent1"/>
+          </a:lnRef>
+          <a:fillRef idx="0">
+            <a:schemeClr val="accent1"/>
+          </a:fillRef>
+          <a:effectRef idx="0">
+            <a:schemeClr val="accent1"/>
+          </a:effectRef>
+          <a:fontRef idx="minor">
+            <a:schemeClr val="tx1"/>
+          </a:fontRef>
+        </p:style>
+      </p:cxnSp>
+      <p:cxnSp>
+        <p:nvCxnSpPr>
+          <p:cNvPr id="59" name="연결선: 꺾임 34">
+            <a:extLst>
+              <a:ext uri="{FF2B5EF4-FFF2-40B4-BE49-F238E27FC236}">
+                <a16:creationId xmlns:a16="http://schemas.microsoft.com/office/drawing/2014/main" id="{FE210C52-34F6-4CE3-80AB-0DDCABB7F572}"/>
+              </a:ext>
+            </a:extLst>
+          </p:cNvPr>
+          <p:cNvCxnSpPr>
+            <a:cxnSpLocks/>
+            <a:stCxn id="74" idx="0"/>
+            <a:endCxn id="43" idx="4"/>
+          </p:cNvCxnSpPr>
+          <p:nvPr/>
+        </p:nvCxnSpPr>
+        <p:spPr>
+          <a:xfrm rot="16200000" flipV="1">
+            <a:off x="6588952" y="1853679"/>
+            <a:ext cx="645804" cy="731922"/>
+          </a:xfrm>
+          <a:prstGeom prst="curvedConnector3">
+            <a:avLst>
+              <a:gd name="adj1" fmla="val 50000"/>
+            </a:avLst>
+          </a:prstGeom>
+          <a:ln w="12700">
+            <a:solidFill>
+              <a:schemeClr val="tx1"/>
+            </a:solidFill>
+            <a:prstDash val="sysDash"/>
+            <a:tailEnd type="triangle"/>
+          </a:ln>
+        </p:spPr>
+        <p:style>
+          <a:lnRef idx="1">
+            <a:schemeClr val="accent1"/>
+          </a:lnRef>
+          <a:fillRef idx="0">
+            <a:schemeClr val="accent1"/>
+          </a:fillRef>
+          <a:effectRef idx="0">
+            <a:schemeClr val="accent1"/>
+          </a:effectRef>
+          <a:fontRef idx="minor">
+            <a:schemeClr val="tx1"/>
+          </a:fontRef>
+        </p:style>
+      </p:cxnSp>
+      <p:cxnSp>
+        <p:nvCxnSpPr>
+          <p:cNvPr id="70" name="직선 화살표 연결선 69">
+            <a:extLst>
+              <a:ext uri="{FF2B5EF4-FFF2-40B4-BE49-F238E27FC236}">
+                <a16:creationId xmlns:a16="http://schemas.microsoft.com/office/drawing/2014/main" id="{F454CAD3-0C81-4E36-92BA-723B965CF42C}"/>
+              </a:ext>
+            </a:extLst>
+          </p:cNvPr>
+          <p:cNvCxnSpPr>
+            <a:cxnSpLocks/>
+            <a:stCxn id="34" idx="3"/>
+            <a:endCxn id="27" idx="1"/>
+          </p:cNvCxnSpPr>
+          <p:nvPr/>
+        </p:nvCxnSpPr>
+        <p:spPr>
+          <a:xfrm flipV="1">
+            <a:off x="5789908" y="3609520"/>
+            <a:ext cx="1511970" cy="8021"/>
+          </a:xfrm>
+          <a:prstGeom prst="straightConnector1">
+            <a:avLst/>
+          </a:prstGeom>
+          <a:ln w="57150">
+            <a:solidFill>
+              <a:schemeClr val="tx1"/>
+            </a:solidFill>
+            <a:tailEnd type="triangle"/>
+          </a:ln>
+        </p:spPr>
+        <p:style>
+          <a:lnRef idx="1">
+            <a:schemeClr val="accent1"/>
+          </a:lnRef>
+          <a:fillRef idx="0">
+            <a:schemeClr val="accent1"/>
+          </a:fillRef>
+          <a:effectRef idx="0">
+            <a:schemeClr val="accent1"/>
+          </a:effectRef>
+          <a:fontRef idx="minor">
+            <a:schemeClr val="tx1"/>
+          </a:fontRef>
+        </p:style>
+      </p:cxnSp>
+      <mc:AlternateContent xmlns:mc="http://schemas.openxmlformats.org/markup-compatibility/2006">
+        <mc:Choice xmlns:a14="http://schemas.microsoft.com/office/drawing/2010/main" Requires="a14">
+          <p:sp>
+            <p:nvSpPr>
+              <p:cNvPr id="74" name="TextBox 73">
+                <a:extLst>
+                  <a:ext uri="{FF2B5EF4-FFF2-40B4-BE49-F238E27FC236}">
+                    <a16:creationId xmlns:a16="http://schemas.microsoft.com/office/drawing/2014/main" id="{ED47A6CA-137F-4593-B1C8-8E51D3F309B8}"/>
+                  </a:ext>
+                </a:extLst>
+              </p:cNvPr>
+              <p:cNvSpPr txBox="1"/>
+              <p:nvPr/>
+            </p:nvSpPr>
+            <p:spPr>
+              <a:xfrm>
+                <a:off x="7069268" y="2542542"/>
+                <a:ext cx="417094" cy="369332"/>
+              </a:xfrm>
+              <a:prstGeom prst="rect">
+                <a:avLst/>
+              </a:prstGeom>
+              <a:noFill/>
+            </p:spPr>
+            <p:txBody>
+              <a:bodyPr wrap="square" rtlCol="0">
+                <a:spAutoFit/>
+              </a:bodyPr>
+              <a:lstStyle/>
+              <a:p>
+                <a:pPr/>
+                <a14:m>
+                  <m:oMathPara xmlns:m="http://schemas.openxmlformats.org/officeDocument/2006/math">
+                    <m:oMathParaPr>
+                      <m:jc m:val="centerGroup"/>
+                    </m:oMathParaPr>
+                    <m:oMath xmlns:m="http://schemas.openxmlformats.org/officeDocument/2006/math">
+                      <m:r>
+                        <a:rPr lang="en-US" altLang="ko-KR" b="1" i="1" smtClean="0">
+                          <a:latin typeface="Cambria Math" panose="02040503050406030204" pitchFamily="18" charset="0"/>
+                        </a:rPr>
+                        <m:t>𝒁</m:t>
+                      </m:r>
+                    </m:oMath>
+                  </m:oMathPara>
+                </a14:m>
+                <a:endParaRPr lang="ko-KR" altLang="en-US" b="1" dirty="0"/>
+              </a:p>
+            </p:txBody>
+          </p:sp>
+        </mc:Choice>
+        <mc:Fallback>
+          <p:sp>
+            <p:nvSpPr>
+              <p:cNvPr id="74" name="TextBox 73">
+                <a:extLst>
+                  <a:ext uri="{FF2B5EF4-FFF2-40B4-BE49-F238E27FC236}">
+                    <a16:creationId xmlns:a16="http://schemas.microsoft.com/office/drawing/2014/main" id="{ED47A6CA-137F-4593-B1C8-8E51D3F309B8}"/>
+                  </a:ext>
+                </a:extLst>
+              </p:cNvPr>
+              <p:cNvSpPr txBox="1">
+                <a:spLocks noRot="1" noChangeAspect="1" noMove="1" noResize="1" noEditPoints="1" noAdjustHandles="1" noChangeArrowheads="1" noChangeShapeType="1" noTextEdit="1"/>
+              </p:cNvSpPr>
+              <p:nvPr/>
+            </p:nvSpPr>
+            <p:spPr>
+              <a:xfrm>
+                <a:off x="7069268" y="2542542"/>
+                <a:ext cx="417094" cy="369332"/>
+              </a:xfrm>
+              <a:prstGeom prst="rect">
+                <a:avLst/>
+              </a:prstGeom>
+              <a:blipFill>
+                <a:blip r:embed="rId14"/>
+                <a:stretch>
+                  <a:fillRect/>
+                </a:stretch>
+              </a:blipFill>
+            </p:spPr>
+            <p:txBody>
+              <a:bodyPr/>
+              <a:lstStyle/>
+              <a:p>
+                <a:r>
+                  <a:rPr lang="ko-KR" altLang="en-US">
+                    <a:noFill/>
+                  </a:rPr>
+                  <a:t> </a:t>
+                </a:r>
+              </a:p>
+            </p:txBody>
+          </p:sp>
+        </mc:Fallback>
+      </mc:AlternateContent>
+      <p:cxnSp>
+        <p:nvCxnSpPr>
+          <p:cNvPr id="76" name="연결선: 꺾임 75">
+            <a:extLst>
+              <a:ext uri="{FF2B5EF4-FFF2-40B4-BE49-F238E27FC236}">
+                <a16:creationId xmlns:a16="http://schemas.microsoft.com/office/drawing/2014/main" id="{7B75779F-D086-4AFD-9D96-8EF427629B9D}"/>
+              </a:ext>
+            </a:extLst>
+          </p:cNvPr>
+          <p:cNvCxnSpPr>
+            <a:cxnSpLocks/>
+            <a:stCxn id="27" idx="0"/>
+            <a:endCxn id="74" idx="3"/>
+          </p:cNvCxnSpPr>
+          <p:nvPr/>
+        </p:nvCxnSpPr>
+        <p:spPr>
+          <a:xfrm rot="16200000" flipV="1">
+            <a:off x="7787154" y="2426416"/>
+            <a:ext cx="457196" cy="1058780"/>
+          </a:xfrm>
+          <a:prstGeom prst="bentConnector2">
+            <a:avLst/>
+          </a:prstGeom>
+          <a:ln w="38100">
+            <a:solidFill>
+              <a:schemeClr val="tx1"/>
+            </a:solidFill>
+            <a:tailEnd type="triangle"/>
+          </a:ln>
+        </p:spPr>
+        <p:style>
+          <a:lnRef idx="1">
+            <a:schemeClr val="accent1"/>
+          </a:lnRef>
+          <a:fillRef idx="0">
+            <a:schemeClr val="accent1"/>
+          </a:fillRef>
+          <a:effectRef idx="0">
+            <a:schemeClr val="accent1"/>
+          </a:effectRef>
+          <a:fontRef idx="minor">
+            <a:schemeClr val="tx1"/>
+          </a:fontRef>
+        </p:style>
+      </p:cxnSp>
+    </p:spTree>
+    <p:extLst>
+      <p:ext uri="{BB962C8B-B14F-4D97-AF65-F5344CB8AC3E}">
+        <p14:creationId xmlns:p14="http://schemas.microsoft.com/office/powerpoint/2010/main" val="2319340172"/>
+      </p:ext>
+    </p:extLst>
+  </p:cSld>
+  <p:clrMapOvr>
+    <a:masterClrMapping/>
+  </p:clrMapOvr>
+</p:sld>
+</file>
+
+<file path=ppt/slides/slide4.xml><?xml version="1.0" encoding="utf-8"?>
+<p:sld xmlns:a="http://schemas.openxmlformats.org/drawingml/2006/main" xmlns:r="http://schemas.openxmlformats.org/officeDocument/2006/relationships" xmlns:p="http://schemas.openxmlformats.org/presentationml/2006/main">
+  <p:cSld>
+    <p:spTree>
+      <p:nvGrpSpPr>
+        <p:cNvPr id="1" name=""/>
+        <p:cNvGrpSpPr/>
+        <p:nvPr/>
+      </p:nvGrpSpPr>
+      <p:grpSpPr>
+        <a:xfrm>
+          <a:off x="0" y="0"/>
+          <a:ext cx="0" cy="0"/>
+          <a:chOff x="0" y="0"/>
+          <a:chExt cx="0" cy="0"/>
+        </a:xfrm>
+      </p:grpSpPr>
       <p:sp>
         <p:nvSpPr>
           <p:cNvPr id="4" name="사각형: 둥근 모서리 3">

--- a/docs/models.pptx
+++ b/docs/models.pptx
@@ -5,10 +5,12 @@
     <p:sldMasterId id="2147483648" r:id="rId1"/>
   </p:sldMasterIdLst>
   <p:sldIdLst>
-    <p:sldId id="256" r:id="rId2"/>
-    <p:sldId id="259" r:id="rId3"/>
-    <p:sldId id="260" r:id="rId4"/>
-    <p:sldId id="258" r:id="rId5"/>
+    <p:sldId id="261" r:id="rId2"/>
+    <p:sldId id="262" r:id="rId3"/>
+    <p:sldId id="256" r:id="rId4"/>
+    <p:sldId id="259" r:id="rId5"/>
+    <p:sldId id="260" r:id="rId6"/>
+    <p:sldId id="258" r:id="rId7"/>
   </p:sldIdLst>
   <p:sldSz cx="12192000" cy="6858000"/>
   <p:notesSz cx="6858000" cy="9144000"/>
@@ -108,6 +110,24 @@
     </a:lvl9pPr>
   </p:defaultTextStyle>
   <p:extLst>
+    <p:ext uri="{521415D9-36F7-43E2-AB2F-B90AF26B5E84}">
+      <p14:sectionLst xmlns:p14="http://schemas.microsoft.com/office/powerpoint/2010/main">
+        <p14:section name="Experiment4" id="{203C0EFE-EFC2-4265-B14D-78C43AC6C772}">
+          <p14:sldIdLst>
+            <p14:sldId id="261"/>
+            <p14:sldId id="262"/>
+          </p14:sldIdLst>
+        </p14:section>
+        <p14:section name="INDEX 0" id="{1D5EF4AA-161D-47C5-87AF-A45E22813088}">
+          <p14:sldIdLst>
+            <p14:sldId id="256"/>
+            <p14:sldId id="259"/>
+            <p14:sldId id="260"/>
+            <p14:sldId id="258"/>
+          </p14:sldIdLst>
+        </p14:section>
+      </p14:sectionLst>
+    </p:ext>
     <p:ext uri="{EFAFB233-063F-42B5-8137-9DF3F51BA10A}">
       <p15:sldGuideLst xmlns:p15="http://schemas.microsoft.com/office/powerpoint/2012/main"/>
     </p:ext>
@@ -262,7 +282,7 @@
           <a:p>
             <a:fld id="{1640627F-FB96-4756-840B-710C2C79D46E}" type="datetimeFigureOut">
               <a:rPr lang="ko-KR" altLang="en-US" smtClean="0"/>
-              <a:t>2020-12-21</a:t>
+              <a:t>2020-12-28</a:t>
             </a:fld>
             <a:endParaRPr lang="ko-KR" altLang="en-US"/>
           </a:p>
@@ -460,7 +480,7 @@
           <a:p>
             <a:fld id="{1640627F-FB96-4756-840B-710C2C79D46E}" type="datetimeFigureOut">
               <a:rPr lang="ko-KR" altLang="en-US" smtClean="0"/>
-              <a:t>2020-12-21</a:t>
+              <a:t>2020-12-28</a:t>
             </a:fld>
             <a:endParaRPr lang="ko-KR" altLang="en-US"/>
           </a:p>
@@ -668,7 +688,7 @@
           <a:p>
             <a:fld id="{1640627F-FB96-4756-840B-710C2C79D46E}" type="datetimeFigureOut">
               <a:rPr lang="ko-KR" altLang="en-US" smtClean="0"/>
-              <a:t>2020-12-21</a:t>
+              <a:t>2020-12-28</a:t>
             </a:fld>
             <a:endParaRPr lang="ko-KR" altLang="en-US"/>
           </a:p>
@@ -866,7 +886,7 @@
           <a:p>
             <a:fld id="{1640627F-FB96-4756-840B-710C2C79D46E}" type="datetimeFigureOut">
               <a:rPr lang="ko-KR" altLang="en-US" smtClean="0"/>
-              <a:t>2020-12-21</a:t>
+              <a:t>2020-12-28</a:t>
             </a:fld>
             <a:endParaRPr lang="ko-KR" altLang="en-US"/>
           </a:p>
@@ -1141,7 +1161,7 @@
           <a:p>
             <a:fld id="{1640627F-FB96-4756-840B-710C2C79D46E}" type="datetimeFigureOut">
               <a:rPr lang="ko-KR" altLang="en-US" smtClean="0"/>
-              <a:t>2020-12-21</a:t>
+              <a:t>2020-12-28</a:t>
             </a:fld>
             <a:endParaRPr lang="ko-KR" altLang="en-US"/>
           </a:p>
@@ -1406,7 +1426,7 @@
           <a:p>
             <a:fld id="{1640627F-FB96-4756-840B-710C2C79D46E}" type="datetimeFigureOut">
               <a:rPr lang="ko-KR" altLang="en-US" smtClean="0"/>
-              <a:t>2020-12-21</a:t>
+              <a:t>2020-12-28</a:t>
             </a:fld>
             <a:endParaRPr lang="ko-KR" altLang="en-US"/>
           </a:p>
@@ -1818,7 +1838,7 @@
           <a:p>
             <a:fld id="{1640627F-FB96-4756-840B-710C2C79D46E}" type="datetimeFigureOut">
               <a:rPr lang="ko-KR" altLang="en-US" smtClean="0"/>
-              <a:t>2020-12-21</a:t>
+              <a:t>2020-12-28</a:t>
             </a:fld>
             <a:endParaRPr lang="ko-KR" altLang="en-US"/>
           </a:p>
@@ -1959,7 +1979,7 @@
           <a:p>
             <a:fld id="{1640627F-FB96-4756-840B-710C2C79D46E}" type="datetimeFigureOut">
               <a:rPr lang="ko-KR" altLang="en-US" smtClean="0"/>
-              <a:t>2020-12-21</a:t>
+              <a:t>2020-12-28</a:t>
             </a:fld>
             <a:endParaRPr lang="ko-KR" altLang="en-US"/>
           </a:p>
@@ -2072,7 +2092,7 @@
           <a:p>
             <a:fld id="{1640627F-FB96-4756-840B-710C2C79D46E}" type="datetimeFigureOut">
               <a:rPr lang="ko-KR" altLang="en-US" smtClean="0"/>
-              <a:t>2020-12-21</a:t>
+              <a:t>2020-12-28</a:t>
             </a:fld>
             <a:endParaRPr lang="ko-KR" altLang="en-US"/>
           </a:p>
@@ -2383,7 +2403,7 @@
           <a:p>
             <a:fld id="{1640627F-FB96-4756-840B-710C2C79D46E}" type="datetimeFigureOut">
               <a:rPr lang="ko-KR" altLang="en-US" smtClean="0"/>
-              <a:t>2020-12-21</a:t>
+              <a:t>2020-12-28</a:t>
             </a:fld>
             <a:endParaRPr lang="ko-KR" altLang="en-US"/>
           </a:p>
@@ -2671,7 +2691,7 @@
           <a:p>
             <a:fld id="{1640627F-FB96-4756-840B-710C2C79D46E}" type="datetimeFigureOut">
               <a:rPr lang="ko-KR" altLang="en-US" smtClean="0"/>
-              <a:t>2020-12-21</a:t>
+              <a:t>2020-12-28</a:t>
             </a:fld>
             <a:endParaRPr lang="ko-KR" altLang="en-US"/>
           </a:p>
@@ -2912,7 +2932,7 @@
           <a:p>
             <a:fld id="{1640627F-FB96-4756-840B-710C2C79D46E}" type="datetimeFigureOut">
               <a:rPr lang="ko-KR" altLang="en-US" smtClean="0"/>
-              <a:t>2020-12-21</a:t>
+              <a:t>2020-12-28</a:t>
             </a:fld>
             <a:endParaRPr lang="ko-KR" altLang="en-US"/>
           </a:p>
@@ -3313,6 +3333,4408 @@
 </file>
 
 <file path=ppt/slides/slide1.xml><?xml version="1.0" encoding="utf-8"?>
+<p:sld xmlns:a="http://schemas.openxmlformats.org/drawingml/2006/main" xmlns:r="http://schemas.openxmlformats.org/officeDocument/2006/relationships" xmlns:p="http://schemas.openxmlformats.org/presentationml/2006/main">
+  <p:cSld>
+    <p:spTree>
+      <p:nvGrpSpPr>
+        <p:cNvPr id="1" name=""/>
+        <p:cNvGrpSpPr/>
+        <p:nvPr/>
+      </p:nvGrpSpPr>
+      <p:grpSpPr>
+        <a:xfrm>
+          <a:off x="0" y="0"/>
+          <a:ext cx="0" cy="0"/>
+          <a:chOff x="0" y="0"/>
+          <a:chExt cx="0" cy="0"/>
+        </a:xfrm>
+      </p:grpSpPr>
+      <p:grpSp>
+        <p:nvGrpSpPr>
+          <p:cNvPr id="88" name="그룹 87">
+            <a:extLst>
+              <a:ext uri="{FF2B5EF4-FFF2-40B4-BE49-F238E27FC236}">
+                <a16:creationId xmlns:a16="http://schemas.microsoft.com/office/drawing/2014/main" id="{DDD629AF-3B48-40CB-A7CF-C5CF797A4D84}"/>
+              </a:ext>
+            </a:extLst>
+          </p:cNvPr>
+          <p:cNvGrpSpPr/>
+          <p:nvPr/>
+        </p:nvGrpSpPr>
+        <p:grpSpPr>
+          <a:xfrm>
+            <a:off x="5378277" y="-92183"/>
+            <a:ext cx="6415099" cy="6816833"/>
+            <a:chOff x="5187777" y="-3158"/>
+            <a:chExt cx="6415099" cy="6816833"/>
+          </a:xfrm>
+        </p:grpSpPr>
+        <p:sp>
+          <p:nvSpPr>
+            <p:cNvPr id="4" name="사각형: 둥근 모서리 3">
+              <a:extLst>
+                <a:ext uri="{FF2B5EF4-FFF2-40B4-BE49-F238E27FC236}">
+                  <a16:creationId xmlns:a16="http://schemas.microsoft.com/office/drawing/2014/main" id="{D6730E09-3A21-43F6-B078-CC699D4F11B0}"/>
+                </a:ext>
+              </a:extLst>
+            </p:cNvPr>
+            <p:cNvSpPr/>
+            <p:nvPr/>
+          </p:nvSpPr>
+          <p:spPr>
+            <a:xfrm>
+              <a:off x="6891430" y="5544410"/>
+              <a:ext cx="1063877" cy="426203"/>
+            </a:xfrm>
+            <a:prstGeom prst="roundRect">
+              <a:avLst>
+                <a:gd name="adj" fmla="val 9190"/>
+              </a:avLst>
+            </a:prstGeom>
+            <a:solidFill>
+              <a:srgbClr val="FCDFE0"/>
+            </a:solidFill>
+            <a:ln>
+              <a:solidFill>
+                <a:schemeClr val="tx1"/>
+              </a:solidFill>
+            </a:ln>
+          </p:spPr>
+          <p:style>
+            <a:lnRef idx="2">
+              <a:schemeClr val="accent1">
+                <a:shade val="50000"/>
+              </a:schemeClr>
+            </a:lnRef>
+            <a:fillRef idx="1">
+              <a:schemeClr val="accent1"/>
+            </a:fillRef>
+            <a:effectRef idx="0">
+              <a:schemeClr val="accent1"/>
+            </a:effectRef>
+            <a:fontRef idx="minor">
+              <a:schemeClr val="lt1"/>
+            </a:fontRef>
+          </p:style>
+          <p:txBody>
+            <a:bodyPr rtlCol="0" anchor="ctr"/>
+            <a:lstStyle/>
+            <a:p>
+              <a:pPr algn="ctr"/>
+              <a:r>
+                <a:rPr lang="en-US" altLang="ko-KR" sz="1200" dirty="0">
+                  <a:solidFill>
+                    <a:sysClr val="windowText" lastClr="000000"/>
+                  </a:solidFill>
+                </a:rPr>
+                <a:t>Input</a:t>
+              </a:r>
+            </a:p>
+            <a:p>
+              <a:pPr algn="ctr"/>
+              <a:r>
+                <a:rPr lang="en-US" altLang="ko-KR" sz="1200" dirty="0">
+                  <a:solidFill>
+                    <a:sysClr val="windowText" lastClr="000000"/>
+                  </a:solidFill>
+                </a:rPr>
+                <a:t>Embedding</a:t>
+              </a:r>
+              <a:endParaRPr lang="ko-KR" altLang="en-US" sz="1200" dirty="0">
+                <a:solidFill>
+                  <a:sysClr val="windowText" lastClr="000000"/>
+                </a:solidFill>
+              </a:endParaRPr>
+            </a:p>
+          </p:txBody>
+        </p:sp>
+        <p:sp>
+          <p:nvSpPr>
+            <p:cNvPr id="7" name="사각형: 둥근 모서리 6">
+              <a:extLst>
+                <a:ext uri="{FF2B5EF4-FFF2-40B4-BE49-F238E27FC236}">
+                  <a16:creationId xmlns:a16="http://schemas.microsoft.com/office/drawing/2014/main" id="{B82A19F1-1F11-4C2C-93A9-C61766BA4B5A}"/>
+                </a:ext>
+              </a:extLst>
+            </p:cNvPr>
+            <p:cNvSpPr/>
+            <p:nvPr/>
+          </p:nvSpPr>
+          <p:spPr>
+            <a:xfrm>
+              <a:off x="8873275" y="5544410"/>
+              <a:ext cx="1063877" cy="426203"/>
+            </a:xfrm>
+            <a:prstGeom prst="roundRect">
+              <a:avLst>
+                <a:gd name="adj" fmla="val 9190"/>
+              </a:avLst>
+            </a:prstGeom>
+            <a:solidFill>
+              <a:srgbClr val="FCDFE0"/>
+            </a:solidFill>
+            <a:ln>
+              <a:solidFill>
+                <a:schemeClr val="tx1"/>
+              </a:solidFill>
+            </a:ln>
+          </p:spPr>
+          <p:style>
+            <a:lnRef idx="2">
+              <a:schemeClr val="accent1">
+                <a:shade val="50000"/>
+              </a:schemeClr>
+            </a:lnRef>
+            <a:fillRef idx="1">
+              <a:schemeClr val="accent1"/>
+            </a:fillRef>
+            <a:effectRef idx="0">
+              <a:schemeClr val="accent1"/>
+            </a:effectRef>
+            <a:fontRef idx="minor">
+              <a:schemeClr val="lt1"/>
+            </a:fontRef>
+          </p:style>
+          <p:txBody>
+            <a:bodyPr rtlCol="0" anchor="ctr"/>
+            <a:lstStyle/>
+            <a:p>
+              <a:pPr algn="ctr"/>
+              <a:r>
+                <a:rPr lang="en-US" altLang="ko-KR" sz="1200" dirty="0">
+                  <a:solidFill>
+                    <a:sysClr val="windowText" lastClr="000000"/>
+                  </a:solidFill>
+                </a:rPr>
+                <a:t>Output</a:t>
+              </a:r>
+            </a:p>
+            <a:p>
+              <a:pPr algn="ctr"/>
+              <a:r>
+                <a:rPr lang="en-US" altLang="ko-KR" sz="1200" dirty="0">
+                  <a:solidFill>
+                    <a:sysClr val="windowText" lastClr="000000"/>
+                  </a:solidFill>
+                </a:rPr>
+                <a:t>Embedding</a:t>
+              </a:r>
+              <a:endParaRPr lang="ko-KR" altLang="en-US" sz="1200" dirty="0">
+                <a:solidFill>
+                  <a:sysClr val="windowText" lastClr="000000"/>
+                </a:solidFill>
+              </a:endParaRPr>
+            </a:p>
+          </p:txBody>
+        </p:sp>
+        <p:cxnSp>
+          <p:nvCxnSpPr>
+            <p:cNvPr id="8" name="직선 화살표 연결선 7">
+              <a:extLst>
+                <a:ext uri="{FF2B5EF4-FFF2-40B4-BE49-F238E27FC236}">
+                  <a16:creationId xmlns:a16="http://schemas.microsoft.com/office/drawing/2014/main" id="{F516FC2E-05F0-4E31-B132-4526AAA96EFF}"/>
+                </a:ext>
+              </a:extLst>
+            </p:cNvPr>
+            <p:cNvCxnSpPr>
+              <a:cxnSpLocks/>
+            </p:cNvCxnSpPr>
+            <p:nvPr/>
+          </p:nvCxnSpPr>
+          <p:spPr>
+            <a:xfrm>
+              <a:off x="7414444" y="5970613"/>
+              <a:ext cx="0" cy="333057"/>
+            </a:xfrm>
+            <a:prstGeom prst="straightConnector1">
+              <a:avLst/>
+            </a:prstGeom>
+            <a:ln w="25400">
+              <a:solidFill>
+                <a:schemeClr val="tx1"/>
+              </a:solidFill>
+              <a:headEnd type="stealth"/>
+              <a:tailEnd type="none"/>
+            </a:ln>
+          </p:spPr>
+          <p:style>
+            <a:lnRef idx="1">
+              <a:schemeClr val="accent1"/>
+            </a:lnRef>
+            <a:fillRef idx="0">
+              <a:schemeClr val="accent1"/>
+            </a:fillRef>
+            <a:effectRef idx="0">
+              <a:schemeClr val="accent1"/>
+            </a:effectRef>
+            <a:fontRef idx="minor">
+              <a:schemeClr val="tx1"/>
+            </a:fontRef>
+          </p:style>
+        </p:cxnSp>
+        <p:cxnSp>
+          <p:nvCxnSpPr>
+            <p:cNvPr id="12" name="직선 화살표 연결선 11">
+              <a:extLst>
+                <a:ext uri="{FF2B5EF4-FFF2-40B4-BE49-F238E27FC236}">
+                  <a16:creationId xmlns:a16="http://schemas.microsoft.com/office/drawing/2014/main" id="{BAF0DC18-8024-4F9C-AFD0-E14216597A05}"/>
+                </a:ext>
+              </a:extLst>
+            </p:cNvPr>
+            <p:cNvCxnSpPr>
+              <a:cxnSpLocks/>
+              <a:stCxn id="23" idx="6"/>
+              <a:endCxn id="74" idx="1"/>
+            </p:cNvCxnSpPr>
+            <p:nvPr/>
+          </p:nvCxnSpPr>
+          <p:spPr>
+            <a:xfrm flipV="1">
+              <a:off x="9510786" y="5290048"/>
+              <a:ext cx="721782" cy="735"/>
+            </a:xfrm>
+            <a:prstGeom prst="straightConnector1">
+              <a:avLst/>
+            </a:prstGeom>
+            <a:ln w="25400">
+              <a:solidFill>
+                <a:schemeClr val="tx1"/>
+              </a:solidFill>
+              <a:headEnd type="stealth"/>
+              <a:tailEnd type="none"/>
+            </a:ln>
+          </p:spPr>
+          <p:style>
+            <a:lnRef idx="1">
+              <a:schemeClr val="accent1"/>
+            </a:lnRef>
+            <a:fillRef idx="0">
+              <a:schemeClr val="accent1"/>
+            </a:fillRef>
+            <a:effectRef idx="0">
+              <a:schemeClr val="accent1"/>
+            </a:effectRef>
+            <a:fontRef idx="minor">
+              <a:schemeClr val="tx1"/>
+            </a:fontRef>
+          </p:style>
+        </p:cxnSp>
+        <p:sp>
+          <p:nvSpPr>
+            <p:cNvPr id="14" name="타원 13">
+              <a:extLst>
+                <a:ext uri="{FF2B5EF4-FFF2-40B4-BE49-F238E27FC236}">
+                  <a16:creationId xmlns:a16="http://schemas.microsoft.com/office/drawing/2014/main" id="{9195D2BB-B004-4131-93DC-A1BA52B2D8BE}"/>
+                </a:ext>
+              </a:extLst>
+            </p:cNvPr>
+            <p:cNvSpPr/>
+            <p:nvPr/>
+          </p:nvSpPr>
+          <p:spPr>
+            <a:xfrm>
+              <a:off x="7317151" y="5198419"/>
+              <a:ext cx="212436" cy="184727"/>
+            </a:xfrm>
+            <a:prstGeom prst="ellipse">
+              <a:avLst/>
+            </a:prstGeom>
+            <a:noFill/>
+            <a:ln>
+              <a:solidFill>
+                <a:schemeClr val="tx1"/>
+              </a:solidFill>
+            </a:ln>
+          </p:spPr>
+          <p:style>
+            <a:lnRef idx="2">
+              <a:schemeClr val="accent1">
+                <a:shade val="50000"/>
+              </a:schemeClr>
+            </a:lnRef>
+            <a:fillRef idx="1">
+              <a:schemeClr val="accent1"/>
+            </a:fillRef>
+            <a:effectRef idx="0">
+              <a:schemeClr val="accent1"/>
+            </a:effectRef>
+            <a:fontRef idx="minor">
+              <a:schemeClr val="lt1"/>
+            </a:fontRef>
+          </p:style>
+          <p:txBody>
+            <a:bodyPr rtlCol="0" anchor="ctr"/>
+            <a:lstStyle/>
+            <a:p>
+              <a:pPr algn="ctr"/>
+              <a:r>
+                <a:rPr lang="en-US" altLang="ko-KR" dirty="0">
+                  <a:ln>
+                    <a:solidFill>
+                      <a:sysClr val="windowText" lastClr="000000"/>
+                    </a:solidFill>
+                  </a:ln>
+                  <a:solidFill>
+                    <a:sysClr val="windowText" lastClr="000000"/>
+                  </a:solidFill>
+                </a:rPr>
+                <a:t>+</a:t>
+              </a:r>
+              <a:endParaRPr lang="ko-KR" altLang="en-US" dirty="0">
+                <a:ln>
+                  <a:solidFill>
+                    <a:sysClr val="windowText" lastClr="000000"/>
+                  </a:solidFill>
+                </a:ln>
+                <a:solidFill>
+                  <a:sysClr val="windowText" lastClr="000000"/>
+                </a:solidFill>
+              </a:endParaRPr>
+            </a:p>
+          </p:txBody>
+        </p:sp>
+        <p:cxnSp>
+          <p:nvCxnSpPr>
+            <p:cNvPr id="16" name="직선 화살표 연결선 15">
+              <a:extLst>
+                <a:ext uri="{FF2B5EF4-FFF2-40B4-BE49-F238E27FC236}">
+                  <a16:creationId xmlns:a16="http://schemas.microsoft.com/office/drawing/2014/main" id="{5320BFE3-B279-43F4-A749-A122979DDFBD}"/>
+                </a:ext>
+              </a:extLst>
+            </p:cNvPr>
+            <p:cNvCxnSpPr>
+              <a:cxnSpLocks/>
+              <a:stCxn id="14" idx="4"/>
+            </p:cNvCxnSpPr>
+            <p:nvPr/>
+          </p:nvCxnSpPr>
+          <p:spPr>
+            <a:xfrm>
+              <a:off x="7423369" y="5383146"/>
+              <a:ext cx="0" cy="161264"/>
+            </a:xfrm>
+            <a:prstGeom prst="straightConnector1">
+              <a:avLst/>
+            </a:prstGeom>
+            <a:ln w="25400">
+              <a:solidFill>
+                <a:schemeClr val="tx1"/>
+              </a:solidFill>
+              <a:headEnd type="stealth"/>
+              <a:tailEnd type="none"/>
+            </a:ln>
+          </p:spPr>
+          <p:style>
+            <a:lnRef idx="1">
+              <a:schemeClr val="accent1"/>
+            </a:lnRef>
+            <a:fillRef idx="0">
+              <a:schemeClr val="accent1"/>
+            </a:fillRef>
+            <a:effectRef idx="0">
+              <a:schemeClr val="accent1"/>
+            </a:effectRef>
+            <a:fontRef idx="minor">
+              <a:schemeClr val="tx1"/>
+            </a:fontRef>
+          </p:style>
+        </p:cxnSp>
+        <p:sp>
+          <p:nvSpPr>
+            <p:cNvPr id="23" name="타원 22">
+              <a:extLst>
+                <a:ext uri="{FF2B5EF4-FFF2-40B4-BE49-F238E27FC236}">
+                  <a16:creationId xmlns:a16="http://schemas.microsoft.com/office/drawing/2014/main" id="{763E2BC3-E29D-4DA9-BDE2-E3D51E513C65}"/>
+                </a:ext>
+              </a:extLst>
+            </p:cNvPr>
+            <p:cNvSpPr/>
+            <p:nvPr/>
+          </p:nvSpPr>
+          <p:spPr>
+            <a:xfrm>
+              <a:off x="9298350" y="5198419"/>
+              <a:ext cx="212436" cy="184727"/>
+            </a:xfrm>
+            <a:prstGeom prst="ellipse">
+              <a:avLst/>
+            </a:prstGeom>
+            <a:noFill/>
+            <a:ln>
+              <a:solidFill>
+                <a:schemeClr val="tx1"/>
+              </a:solidFill>
+            </a:ln>
+          </p:spPr>
+          <p:style>
+            <a:lnRef idx="2">
+              <a:schemeClr val="accent1">
+                <a:shade val="50000"/>
+              </a:schemeClr>
+            </a:lnRef>
+            <a:fillRef idx="1">
+              <a:schemeClr val="accent1"/>
+            </a:fillRef>
+            <a:effectRef idx="0">
+              <a:schemeClr val="accent1"/>
+            </a:effectRef>
+            <a:fontRef idx="minor">
+              <a:schemeClr val="lt1"/>
+            </a:fontRef>
+          </p:style>
+          <p:txBody>
+            <a:bodyPr rtlCol="0" anchor="ctr"/>
+            <a:lstStyle/>
+            <a:p>
+              <a:pPr algn="ctr"/>
+              <a:r>
+                <a:rPr lang="en-US" altLang="ko-KR" dirty="0">
+                  <a:ln>
+                    <a:solidFill>
+                      <a:sysClr val="windowText" lastClr="000000"/>
+                    </a:solidFill>
+                  </a:ln>
+                  <a:solidFill>
+                    <a:sysClr val="windowText" lastClr="000000"/>
+                  </a:solidFill>
+                </a:rPr>
+                <a:t>+</a:t>
+              </a:r>
+              <a:endParaRPr lang="ko-KR" altLang="en-US" dirty="0">
+                <a:ln>
+                  <a:solidFill>
+                    <a:sysClr val="windowText" lastClr="000000"/>
+                  </a:solidFill>
+                </a:ln>
+                <a:solidFill>
+                  <a:sysClr val="windowText" lastClr="000000"/>
+                </a:solidFill>
+              </a:endParaRPr>
+            </a:p>
+          </p:txBody>
+        </p:sp>
+        <p:cxnSp>
+          <p:nvCxnSpPr>
+            <p:cNvPr id="24" name="직선 화살표 연결선 23">
+              <a:extLst>
+                <a:ext uri="{FF2B5EF4-FFF2-40B4-BE49-F238E27FC236}">
+                  <a16:creationId xmlns:a16="http://schemas.microsoft.com/office/drawing/2014/main" id="{B1B38C2D-16CC-4B03-AF87-5316ED66257C}"/>
+                </a:ext>
+              </a:extLst>
+            </p:cNvPr>
+            <p:cNvCxnSpPr>
+              <a:cxnSpLocks/>
+              <a:stCxn id="23" idx="4"/>
+              <a:endCxn id="7" idx="0"/>
+            </p:cNvCxnSpPr>
+            <p:nvPr/>
+          </p:nvCxnSpPr>
+          <p:spPr>
+            <a:xfrm>
+              <a:off x="9404568" y="5383146"/>
+              <a:ext cx="646" cy="161264"/>
+            </a:xfrm>
+            <a:prstGeom prst="straightConnector1">
+              <a:avLst/>
+            </a:prstGeom>
+            <a:ln w="25400">
+              <a:solidFill>
+                <a:schemeClr val="tx1"/>
+              </a:solidFill>
+              <a:headEnd type="stealth"/>
+              <a:tailEnd type="none"/>
+            </a:ln>
+          </p:spPr>
+          <p:style>
+            <a:lnRef idx="1">
+              <a:schemeClr val="accent1"/>
+            </a:lnRef>
+            <a:fillRef idx="0">
+              <a:schemeClr val="accent1"/>
+            </a:fillRef>
+            <a:effectRef idx="0">
+              <a:schemeClr val="accent1"/>
+            </a:effectRef>
+            <a:fontRef idx="minor">
+              <a:schemeClr val="tx1"/>
+            </a:fontRef>
+          </p:style>
+        </p:cxnSp>
+        <p:cxnSp>
+          <p:nvCxnSpPr>
+            <p:cNvPr id="26" name="직선 화살표 연결선 25">
+              <a:extLst>
+                <a:ext uri="{FF2B5EF4-FFF2-40B4-BE49-F238E27FC236}">
+                  <a16:creationId xmlns:a16="http://schemas.microsoft.com/office/drawing/2014/main" id="{BF9F2AFE-4F0A-4158-B7F2-9E6776DE1781}"/>
+                </a:ext>
+              </a:extLst>
+            </p:cNvPr>
+            <p:cNvCxnSpPr>
+              <a:cxnSpLocks/>
+              <a:stCxn id="7" idx="2"/>
+            </p:cNvCxnSpPr>
+            <p:nvPr/>
+          </p:nvCxnSpPr>
+          <p:spPr>
+            <a:xfrm>
+              <a:off x="9405214" y="5970613"/>
+              <a:ext cx="0" cy="286154"/>
+            </a:xfrm>
+            <a:prstGeom prst="straightConnector1">
+              <a:avLst/>
+            </a:prstGeom>
+            <a:ln w="25400">
+              <a:solidFill>
+                <a:schemeClr val="tx1"/>
+              </a:solidFill>
+              <a:headEnd type="stealth"/>
+              <a:tailEnd type="none"/>
+            </a:ln>
+          </p:spPr>
+          <p:style>
+            <a:lnRef idx="1">
+              <a:schemeClr val="accent1"/>
+            </a:lnRef>
+            <a:fillRef idx="0">
+              <a:schemeClr val="accent1"/>
+            </a:fillRef>
+            <a:effectRef idx="0">
+              <a:schemeClr val="accent1"/>
+            </a:effectRef>
+            <a:fontRef idx="minor">
+              <a:schemeClr val="tx1"/>
+            </a:fontRef>
+          </p:style>
+        </p:cxnSp>
+        <p:sp>
+          <p:nvSpPr>
+            <p:cNvPr id="28" name="TextBox 27">
+              <a:extLst>
+                <a:ext uri="{FF2B5EF4-FFF2-40B4-BE49-F238E27FC236}">
+                  <a16:creationId xmlns:a16="http://schemas.microsoft.com/office/drawing/2014/main" id="{E8E4532C-C792-4052-92BA-5B0012767B78}"/>
+                </a:ext>
+              </a:extLst>
+            </p:cNvPr>
+            <p:cNvSpPr txBox="1"/>
+            <p:nvPr/>
+          </p:nvSpPr>
+          <p:spPr>
+            <a:xfrm>
+              <a:off x="7060959" y="6290455"/>
+              <a:ext cx="937255" cy="307777"/>
+            </a:xfrm>
+            <a:prstGeom prst="rect">
+              <a:avLst/>
+            </a:prstGeom>
+            <a:noFill/>
+          </p:spPr>
+          <p:txBody>
+            <a:bodyPr wrap="square" rtlCol="0">
+              <a:spAutoFit/>
+            </a:bodyPr>
+            <a:lstStyle/>
+            <a:p>
+              <a:r>
+                <a:rPr lang="en-US" altLang="ko-KR" sz="1400" dirty="0"/>
+                <a:t>Inputs</a:t>
+              </a:r>
+              <a:endParaRPr lang="ko-KR" altLang="en-US" sz="1400" dirty="0"/>
+            </a:p>
+          </p:txBody>
+        </p:sp>
+        <p:sp>
+          <p:nvSpPr>
+            <p:cNvPr id="30" name="TextBox 29">
+              <a:extLst>
+                <a:ext uri="{FF2B5EF4-FFF2-40B4-BE49-F238E27FC236}">
+                  <a16:creationId xmlns:a16="http://schemas.microsoft.com/office/drawing/2014/main" id="{B132E278-11D5-40DA-B588-51B62FC68AC2}"/>
+                </a:ext>
+              </a:extLst>
+            </p:cNvPr>
+            <p:cNvSpPr txBox="1"/>
+            <p:nvPr/>
+          </p:nvSpPr>
+          <p:spPr>
+            <a:xfrm>
+              <a:off x="8723986" y="6290455"/>
+              <a:ext cx="1361164" cy="523220"/>
+            </a:xfrm>
+            <a:prstGeom prst="rect">
+              <a:avLst/>
+            </a:prstGeom>
+            <a:noFill/>
+          </p:spPr>
+          <p:txBody>
+            <a:bodyPr wrap="square" rtlCol="0">
+              <a:spAutoFit/>
+            </a:bodyPr>
+            <a:lstStyle/>
+            <a:p>
+              <a:pPr algn="ctr"/>
+              <a:r>
+                <a:rPr lang="en-US" altLang="ko-KR" sz="1400" dirty="0"/>
+                <a:t>Outputs</a:t>
+              </a:r>
+              <a:br>
+                <a:rPr lang="en-US" altLang="ko-KR" sz="1400" dirty="0"/>
+              </a:br>
+              <a:r>
+                <a:rPr lang="en-US" altLang="ko-KR" sz="1400" dirty="0"/>
+                <a:t>(shifted right)</a:t>
+              </a:r>
+              <a:endParaRPr lang="ko-KR" altLang="en-US" sz="1400" dirty="0"/>
+            </a:p>
+          </p:txBody>
+        </p:sp>
+        <p:sp>
+          <p:nvSpPr>
+            <p:cNvPr id="31" name="사각형: 둥근 모서리 30">
+              <a:extLst>
+                <a:ext uri="{FF2B5EF4-FFF2-40B4-BE49-F238E27FC236}">
+                  <a16:creationId xmlns:a16="http://schemas.microsoft.com/office/drawing/2014/main" id="{37531404-96B4-4CDD-BA40-EA6246BCDF5F}"/>
+                </a:ext>
+              </a:extLst>
+            </p:cNvPr>
+            <p:cNvSpPr/>
+            <p:nvPr/>
+          </p:nvSpPr>
+          <p:spPr>
+            <a:xfrm>
+              <a:off x="6657373" y="2842918"/>
+              <a:ext cx="1542532" cy="2253984"/>
+            </a:xfrm>
+            <a:prstGeom prst="roundRect">
+              <a:avLst>
+                <a:gd name="adj" fmla="val 9190"/>
+              </a:avLst>
+            </a:prstGeom>
+            <a:solidFill>
+              <a:schemeClr val="bg1">
+                <a:lumMod val="95000"/>
+              </a:schemeClr>
+            </a:solidFill>
+            <a:ln>
+              <a:solidFill>
+                <a:schemeClr val="tx1"/>
+              </a:solidFill>
+            </a:ln>
+          </p:spPr>
+          <p:style>
+            <a:lnRef idx="2">
+              <a:schemeClr val="accent1">
+                <a:shade val="50000"/>
+              </a:schemeClr>
+            </a:lnRef>
+            <a:fillRef idx="1">
+              <a:schemeClr val="accent1"/>
+            </a:fillRef>
+            <a:effectRef idx="0">
+              <a:schemeClr val="accent1"/>
+            </a:effectRef>
+            <a:fontRef idx="minor">
+              <a:schemeClr val="lt1"/>
+            </a:fontRef>
+          </p:style>
+          <p:txBody>
+            <a:bodyPr rtlCol="0" anchor="ctr"/>
+            <a:lstStyle/>
+            <a:p>
+              <a:pPr algn="ctr"/>
+              <a:endParaRPr lang="en-US" altLang="ko-KR" sz="1200" dirty="0">
+                <a:solidFill>
+                  <a:sysClr val="windowText" lastClr="000000"/>
+                </a:solidFill>
+              </a:endParaRPr>
+            </a:p>
+          </p:txBody>
+        </p:sp>
+        <p:cxnSp>
+          <p:nvCxnSpPr>
+            <p:cNvPr id="32" name="직선 화살표 연결선 31">
+              <a:extLst>
+                <a:ext uri="{FF2B5EF4-FFF2-40B4-BE49-F238E27FC236}">
+                  <a16:creationId xmlns:a16="http://schemas.microsoft.com/office/drawing/2014/main" id="{8A0C09EB-5D82-4D2A-818F-CF0B16A7BF87}"/>
+                </a:ext>
+              </a:extLst>
+            </p:cNvPr>
+            <p:cNvCxnSpPr>
+              <a:cxnSpLocks/>
+              <a:stCxn id="33" idx="2"/>
+              <a:endCxn id="14" idx="0"/>
+            </p:cNvCxnSpPr>
+            <p:nvPr/>
+          </p:nvCxnSpPr>
+          <p:spPr>
+            <a:xfrm flipH="1">
+              <a:off x="7423369" y="4750871"/>
+              <a:ext cx="5270" cy="447548"/>
+            </a:xfrm>
+            <a:prstGeom prst="straightConnector1">
+              <a:avLst/>
+            </a:prstGeom>
+            <a:ln w="25400">
+              <a:solidFill>
+                <a:schemeClr val="tx1"/>
+              </a:solidFill>
+              <a:headEnd type="stealth"/>
+              <a:tailEnd type="none"/>
+            </a:ln>
+          </p:spPr>
+          <p:style>
+            <a:lnRef idx="1">
+              <a:schemeClr val="accent1"/>
+            </a:lnRef>
+            <a:fillRef idx="0">
+              <a:schemeClr val="accent1"/>
+            </a:fillRef>
+            <a:effectRef idx="0">
+              <a:schemeClr val="accent1"/>
+            </a:effectRef>
+            <a:fontRef idx="minor">
+              <a:schemeClr val="tx1"/>
+            </a:fontRef>
+          </p:style>
+        </p:cxnSp>
+        <p:sp>
+          <p:nvSpPr>
+            <p:cNvPr id="33" name="사각형: 둥근 모서리 32">
+              <a:extLst>
+                <a:ext uri="{FF2B5EF4-FFF2-40B4-BE49-F238E27FC236}">
+                  <a16:creationId xmlns:a16="http://schemas.microsoft.com/office/drawing/2014/main" id="{366EBCD2-0576-487C-B92C-0FFEDD928056}"/>
+                </a:ext>
+              </a:extLst>
+            </p:cNvPr>
+            <p:cNvSpPr/>
+            <p:nvPr/>
+          </p:nvSpPr>
+          <p:spPr>
+            <a:xfrm>
+              <a:off x="6896700" y="4324668"/>
+              <a:ext cx="1063877" cy="426203"/>
+            </a:xfrm>
+            <a:prstGeom prst="roundRect">
+              <a:avLst>
+                <a:gd name="adj" fmla="val 9190"/>
+              </a:avLst>
+            </a:prstGeom>
+            <a:solidFill>
+              <a:schemeClr val="accent4">
+                <a:lumMod val="40000"/>
+                <a:lumOff val="60000"/>
+              </a:schemeClr>
+            </a:solidFill>
+            <a:ln>
+              <a:solidFill>
+                <a:schemeClr val="tx1"/>
+              </a:solidFill>
+            </a:ln>
+          </p:spPr>
+          <p:style>
+            <a:lnRef idx="2">
+              <a:schemeClr val="accent1">
+                <a:shade val="50000"/>
+              </a:schemeClr>
+            </a:lnRef>
+            <a:fillRef idx="1">
+              <a:schemeClr val="accent1"/>
+            </a:fillRef>
+            <a:effectRef idx="0">
+              <a:schemeClr val="accent1"/>
+            </a:effectRef>
+            <a:fontRef idx="minor">
+              <a:schemeClr val="lt1"/>
+            </a:fontRef>
+          </p:style>
+          <p:txBody>
+            <a:bodyPr rtlCol="0" anchor="ctr"/>
+            <a:lstStyle/>
+            <a:p>
+              <a:pPr algn="ctr"/>
+              <a:r>
+                <a:rPr lang="en-US" altLang="ko-KR" sz="1200" dirty="0">
+                  <a:solidFill>
+                    <a:sysClr val="windowText" lastClr="000000"/>
+                  </a:solidFill>
+                </a:rPr>
+                <a:t>Multi-Head</a:t>
+              </a:r>
+              <a:br>
+                <a:rPr lang="en-US" altLang="ko-KR" sz="1200" dirty="0">
+                  <a:solidFill>
+                    <a:sysClr val="windowText" lastClr="000000"/>
+                  </a:solidFill>
+                </a:rPr>
+              </a:br>
+              <a:r>
+                <a:rPr lang="en-US" altLang="ko-KR" sz="1200" dirty="0">
+                  <a:solidFill>
+                    <a:sysClr val="windowText" lastClr="000000"/>
+                  </a:solidFill>
+                </a:rPr>
+                <a:t>Attention</a:t>
+              </a:r>
+              <a:endParaRPr lang="ko-KR" altLang="en-US" sz="1200" dirty="0">
+                <a:solidFill>
+                  <a:sysClr val="windowText" lastClr="000000"/>
+                </a:solidFill>
+              </a:endParaRPr>
+            </a:p>
+          </p:txBody>
+        </p:sp>
+        <p:sp>
+          <p:nvSpPr>
+            <p:cNvPr id="34" name="사각형: 둥근 모서리 33">
+              <a:extLst>
+                <a:ext uri="{FF2B5EF4-FFF2-40B4-BE49-F238E27FC236}">
+                  <a16:creationId xmlns:a16="http://schemas.microsoft.com/office/drawing/2014/main" id="{1AA9A87B-F7CA-4BB7-BBB8-A0CE11020F87}"/>
+                </a:ext>
+              </a:extLst>
+            </p:cNvPr>
+            <p:cNvSpPr/>
+            <p:nvPr/>
+          </p:nvSpPr>
+          <p:spPr>
+            <a:xfrm>
+              <a:off x="6896700" y="4004826"/>
+              <a:ext cx="1063877" cy="238381"/>
+            </a:xfrm>
+            <a:prstGeom prst="roundRect">
+              <a:avLst>
+                <a:gd name="adj" fmla="val 9190"/>
+              </a:avLst>
+            </a:prstGeom>
+            <a:solidFill>
+              <a:srgbClr val="FFFFB3"/>
+            </a:solidFill>
+            <a:ln>
+              <a:solidFill>
+                <a:schemeClr val="tx1"/>
+              </a:solidFill>
+            </a:ln>
+          </p:spPr>
+          <p:style>
+            <a:lnRef idx="2">
+              <a:schemeClr val="accent1">
+                <a:shade val="50000"/>
+              </a:schemeClr>
+            </a:lnRef>
+            <a:fillRef idx="1">
+              <a:schemeClr val="accent1"/>
+            </a:fillRef>
+            <a:effectRef idx="0">
+              <a:schemeClr val="accent1"/>
+            </a:effectRef>
+            <a:fontRef idx="minor">
+              <a:schemeClr val="lt1"/>
+            </a:fontRef>
+          </p:style>
+          <p:txBody>
+            <a:bodyPr rtlCol="0" anchor="ctr"/>
+            <a:lstStyle/>
+            <a:p>
+              <a:pPr algn="ctr"/>
+              <a:r>
+                <a:rPr lang="en-US" altLang="ko-KR" sz="1100" dirty="0">
+                  <a:solidFill>
+                    <a:sysClr val="windowText" lastClr="000000"/>
+                  </a:solidFill>
+                </a:rPr>
+                <a:t>Add &amp; Norm</a:t>
+              </a:r>
+              <a:endParaRPr lang="ko-KR" altLang="en-US" sz="1100" dirty="0">
+                <a:solidFill>
+                  <a:sysClr val="windowText" lastClr="000000"/>
+                </a:solidFill>
+              </a:endParaRPr>
+            </a:p>
+          </p:txBody>
+        </p:sp>
+        <p:sp>
+          <p:nvSpPr>
+            <p:cNvPr id="35" name="사각형: 둥근 모서리 34">
+              <a:extLst>
+                <a:ext uri="{FF2B5EF4-FFF2-40B4-BE49-F238E27FC236}">
+                  <a16:creationId xmlns:a16="http://schemas.microsoft.com/office/drawing/2014/main" id="{415F20E9-EF23-49B0-BD47-ECB0A314D994}"/>
+                </a:ext>
+              </a:extLst>
+            </p:cNvPr>
+            <p:cNvSpPr/>
+            <p:nvPr/>
+          </p:nvSpPr>
+          <p:spPr>
+            <a:xfrm>
+              <a:off x="6896700" y="3273158"/>
+              <a:ext cx="1063877" cy="426203"/>
+            </a:xfrm>
+            <a:prstGeom prst="roundRect">
+              <a:avLst>
+                <a:gd name="adj" fmla="val 9190"/>
+              </a:avLst>
+            </a:prstGeom>
+            <a:solidFill>
+              <a:schemeClr val="accent6">
+                <a:lumMod val="20000"/>
+                <a:lumOff val="80000"/>
+              </a:schemeClr>
+            </a:solidFill>
+            <a:ln>
+              <a:solidFill>
+                <a:schemeClr val="tx1"/>
+              </a:solidFill>
+            </a:ln>
+          </p:spPr>
+          <p:style>
+            <a:lnRef idx="2">
+              <a:schemeClr val="accent1">
+                <a:shade val="50000"/>
+              </a:schemeClr>
+            </a:lnRef>
+            <a:fillRef idx="1">
+              <a:schemeClr val="accent1"/>
+            </a:fillRef>
+            <a:effectRef idx="0">
+              <a:schemeClr val="accent1"/>
+            </a:effectRef>
+            <a:fontRef idx="minor">
+              <a:schemeClr val="lt1"/>
+            </a:fontRef>
+          </p:style>
+          <p:txBody>
+            <a:bodyPr rtlCol="0" anchor="ctr"/>
+            <a:lstStyle/>
+            <a:p>
+              <a:pPr algn="ctr"/>
+              <a:r>
+                <a:rPr lang="en-US" altLang="ko-KR" sz="1200" dirty="0">
+                  <a:solidFill>
+                    <a:sysClr val="windowText" lastClr="000000"/>
+                  </a:solidFill>
+                </a:rPr>
+                <a:t>Feed</a:t>
+              </a:r>
+              <a:br>
+                <a:rPr lang="en-US" altLang="ko-KR" sz="1200" dirty="0">
+                  <a:solidFill>
+                    <a:sysClr val="windowText" lastClr="000000"/>
+                  </a:solidFill>
+                </a:rPr>
+              </a:br>
+              <a:r>
+                <a:rPr lang="en-US" altLang="ko-KR" sz="1200" dirty="0">
+                  <a:solidFill>
+                    <a:sysClr val="windowText" lastClr="000000"/>
+                  </a:solidFill>
+                </a:rPr>
+                <a:t>Forward</a:t>
+              </a:r>
+              <a:endParaRPr lang="ko-KR" altLang="en-US" sz="1200" dirty="0">
+                <a:solidFill>
+                  <a:sysClr val="windowText" lastClr="000000"/>
+                </a:solidFill>
+              </a:endParaRPr>
+            </a:p>
+          </p:txBody>
+        </p:sp>
+        <p:sp>
+          <p:nvSpPr>
+            <p:cNvPr id="36" name="사각형: 둥근 모서리 35">
+              <a:extLst>
+                <a:ext uri="{FF2B5EF4-FFF2-40B4-BE49-F238E27FC236}">
+                  <a16:creationId xmlns:a16="http://schemas.microsoft.com/office/drawing/2014/main" id="{8C4C0364-D04D-4E2A-8CF1-D6CAB9C5934C}"/>
+                </a:ext>
+              </a:extLst>
+            </p:cNvPr>
+            <p:cNvSpPr/>
+            <p:nvPr/>
+          </p:nvSpPr>
+          <p:spPr>
+            <a:xfrm>
+              <a:off x="6896700" y="2980499"/>
+              <a:ext cx="1063877" cy="238381"/>
+            </a:xfrm>
+            <a:prstGeom prst="roundRect">
+              <a:avLst>
+                <a:gd name="adj" fmla="val 9190"/>
+              </a:avLst>
+            </a:prstGeom>
+            <a:solidFill>
+              <a:srgbClr val="FFFFB3"/>
+            </a:solidFill>
+            <a:ln>
+              <a:solidFill>
+                <a:schemeClr val="tx1"/>
+              </a:solidFill>
+            </a:ln>
+          </p:spPr>
+          <p:style>
+            <a:lnRef idx="2">
+              <a:schemeClr val="accent1">
+                <a:shade val="50000"/>
+              </a:schemeClr>
+            </a:lnRef>
+            <a:fillRef idx="1">
+              <a:schemeClr val="accent1"/>
+            </a:fillRef>
+            <a:effectRef idx="0">
+              <a:schemeClr val="accent1"/>
+            </a:effectRef>
+            <a:fontRef idx="minor">
+              <a:schemeClr val="lt1"/>
+            </a:fontRef>
+          </p:style>
+          <p:txBody>
+            <a:bodyPr rtlCol="0" anchor="ctr"/>
+            <a:lstStyle/>
+            <a:p>
+              <a:pPr algn="ctr"/>
+              <a:r>
+                <a:rPr lang="en-US" altLang="ko-KR" sz="1100" dirty="0">
+                  <a:solidFill>
+                    <a:sysClr val="windowText" lastClr="000000"/>
+                  </a:solidFill>
+                </a:rPr>
+                <a:t>Add &amp; Norm</a:t>
+              </a:r>
+              <a:endParaRPr lang="ko-KR" altLang="en-US" sz="1100" dirty="0">
+                <a:solidFill>
+                  <a:sysClr val="windowText" lastClr="000000"/>
+                </a:solidFill>
+              </a:endParaRPr>
+            </a:p>
+          </p:txBody>
+        </p:sp>
+        <p:sp>
+          <p:nvSpPr>
+            <p:cNvPr id="47" name="사각형: 둥근 모서리 46">
+              <a:extLst>
+                <a:ext uri="{FF2B5EF4-FFF2-40B4-BE49-F238E27FC236}">
+                  <a16:creationId xmlns:a16="http://schemas.microsoft.com/office/drawing/2014/main" id="{B614370B-2978-4217-8D4A-664509E5DA23}"/>
+                </a:ext>
+              </a:extLst>
+            </p:cNvPr>
+            <p:cNvSpPr/>
+            <p:nvPr/>
+          </p:nvSpPr>
+          <p:spPr>
+            <a:xfrm>
+              <a:off x="8633317" y="1761098"/>
+              <a:ext cx="1542532" cy="3335804"/>
+            </a:xfrm>
+            <a:prstGeom prst="roundRect">
+              <a:avLst>
+                <a:gd name="adj" fmla="val 9190"/>
+              </a:avLst>
+            </a:prstGeom>
+            <a:solidFill>
+              <a:schemeClr val="bg1">
+                <a:lumMod val="95000"/>
+              </a:schemeClr>
+            </a:solidFill>
+            <a:ln>
+              <a:solidFill>
+                <a:schemeClr val="tx1"/>
+              </a:solidFill>
+            </a:ln>
+          </p:spPr>
+          <p:style>
+            <a:lnRef idx="2">
+              <a:schemeClr val="accent1">
+                <a:shade val="50000"/>
+              </a:schemeClr>
+            </a:lnRef>
+            <a:fillRef idx="1">
+              <a:schemeClr val="accent1"/>
+            </a:fillRef>
+            <a:effectRef idx="0">
+              <a:schemeClr val="accent1"/>
+            </a:effectRef>
+            <a:fontRef idx="minor">
+              <a:schemeClr val="lt1"/>
+            </a:fontRef>
+          </p:style>
+          <p:txBody>
+            <a:bodyPr rtlCol="0" anchor="ctr"/>
+            <a:lstStyle/>
+            <a:p>
+              <a:pPr algn="ctr"/>
+              <a:endParaRPr lang="en-US" altLang="ko-KR" sz="1200" dirty="0">
+                <a:solidFill>
+                  <a:sysClr val="windowText" lastClr="000000"/>
+                </a:solidFill>
+              </a:endParaRPr>
+            </a:p>
+          </p:txBody>
+        </p:sp>
+        <p:cxnSp>
+          <p:nvCxnSpPr>
+            <p:cNvPr id="48" name="직선 화살표 연결선 47">
+              <a:extLst>
+                <a:ext uri="{FF2B5EF4-FFF2-40B4-BE49-F238E27FC236}">
+                  <a16:creationId xmlns:a16="http://schemas.microsoft.com/office/drawing/2014/main" id="{0B678EE3-D893-437D-9611-E771DF28FA63}"/>
+                </a:ext>
+              </a:extLst>
+            </p:cNvPr>
+            <p:cNvCxnSpPr>
+              <a:cxnSpLocks/>
+            </p:cNvCxnSpPr>
+            <p:nvPr/>
+          </p:nvCxnSpPr>
+          <p:spPr>
+            <a:xfrm flipH="1">
+              <a:off x="9399313" y="3669052"/>
+              <a:ext cx="320389" cy="447548"/>
+            </a:xfrm>
+            <a:prstGeom prst="straightConnector1">
+              <a:avLst/>
+            </a:prstGeom>
+            <a:ln w="25400">
+              <a:solidFill>
+                <a:schemeClr val="tx1"/>
+              </a:solidFill>
+              <a:headEnd type="stealth"/>
+              <a:tailEnd type="none"/>
+            </a:ln>
+          </p:spPr>
+          <p:style>
+            <a:lnRef idx="1">
+              <a:schemeClr val="accent1"/>
+            </a:lnRef>
+            <a:fillRef idx="0">
+              <a:schemeClr val="accent1"/>
+            </a:fillRef>
+            <a:effectRef idx="0">
+              <a:schemeClr val="accent1"/>
+            </a:effectRef>
+            <a:fontRef idx="minor">
+              <a:schemeClr val="tx1"/>
+            </a:fontRef>
+          </p:style>
+        </p:cxnSp>
+        <p:sp>
+          <p:nvSpPr>
+            <p:cNvPr id="49" name="사각형: 둥근 모서리 48">
+              <a:extLst>
+                <a:ext uri="{FF2B5EF4-FFF2-40B4-BE49-F238E27FC236}">
+                  <a16:creationId xmlns:a16="http://schemas.microsoft.com/office/drawing/2014/main" id="{ABF60048-C6B8-4CF4-BAA0-329E6581EF8B}"/>
+                </a:ext>
+              </a:extLst>
+            </p:cNvPr>
+            <p:cNvSpPr/>
+            <p:nvPr/>
+          </p:nvSpPr>
+          <p:spPr>
+            <a:xfrm>
+              <a:off x="8872644" y="3242849"/>
+              <a:ext cx="1063877" cy="426203"/>
+            </a:xfrm>
+            <a:prstGeom prst="roundRect">
+              <a:avLst>
+                <a:gd name="adj" fmla="val 9190"/>
+              </a:avLst>
+            </a:prstGeom>
+            <a:solidFill>
+              <a:schemeClr val="accent4">
+                <a:lumMod val="40000"/>
+                <a:lumOff val="60000"/>
+              </a:schemeClr>
+            </a:solidFill>
+            <a:ln>
+              <a:solidFill>
+                <a:schemeClr val="tx1"/>
+              </a:solidFill>
+            </a:ln>
+          </p:spPr>
+          <p:style>
+            <a:lnRef idx="2">
+              <a:schemeClr val="accent1">
+                <a:shade val="50000"/>
+              </a:schemeClr>
+            </a:lnRef>
+            <a:fillRef idx="1">
+              <a:schemeClr val="accent1"/>
+            </a:fillRef>
+            <a:effectRef idx="0">
+              <a:schemeClr val="accent1"/>
+            </a:effectRef>
+            <a:fontRef idx="minor">
+              <a:schemeClr val="lt1"/>
+            </a:fontRef>
+          </p:style>
+          <p:txBody>
+            <a:bodyPr rtlCol="0" anchor="ctr"/>
+            <a:lstStyle/>
+            <a:p>
+              <a:pPr algn="ctr"/>
+              <a:r>
+                <a:rPr lang="en-US" altLang="ko-KR" sz="1200" dirty="0">
+                  <a:solidFill>
+                    <a:sysClr val="windowText" lastClr="000000"/>
+                  </a:solidFill>
+                </a:rPr>
+                <a:t>Multi-Head</a:t>
+              </a:r>
+              <a:br>
+                <a:rPr lang="en-US" altLang="ko-KR" sz="1200" dirty="0">
+                  <a:solidFill>
+                    <a:sysClr val="windowText" lastClr="000000"/>
+                  </a:solidFill>
+                </a:rPr>
+              </a:br>
+              <a:r>
+                <a:rPr lang="en-US" altLang="ko-KR" sz="1200" dirty="0">
+                  <a:solidFill>
+                    <a:sysClr val="windowText" lastClr="000000"/>
+                  </a:solidFill>
+                </a:rPr>
+                <a:t>Attention</a:t>
+              </a:r>
+              <a:endParaRPr lang="ko-KR" altLang="en-US" sz="1200" dirty="0">
+                <a:solidFill>
+                  <a:sysClr val="windowText" lastClr="000000"/>
+                </a:solidFill>
+              </a:endParaRPr>
+            </a:p>
+          </p:txBody>
+        </p:sp>
+        <p:sp>
+          <p:nvSpPr>
+            <p:cNvPr id="50" name="사각형: 둥근 모서리 49">
+              <a:extLst>
+                <a:ext uri="{FF2B5EF4-FFF2-40B4-BE49-F238E27FC236}">
+                  <a16:creationId xmlns:a16="http://schemas.microsoft.com/office/drawing/2014/main" id="{5E990CA2-D0A8-456C-98F6-E1F7D40CF669}"/>
+                </a:ext>
+              </a:extLst>
+            </p:cNvPr>
+            <p:cNvSpPr/>
+            <p:nvPr/>
+          </p:nvSpPr>
+          <p:spPr>
+            <a:xfrm>
+              <a:off x="8872644" y="2923007"/>
+              <a:ext cx="1063877" cy="238381"/>
+            </a:xfrm>
+            <a:prstGeom prst="roundRect">
+              <a:avLst>
+                <a:gd name="adj" fmla="val 9190"/>
+              </a:avLst>
+            </a:prstGeom>
+            <a:solidFill>
+              <a:srgbClr val="FFFFB3"/>
+            </a:solidFill>
+            <a:ln>
+              <a:solidFill>
+                <a:schemeClr val="tx1"/>
+              </a:solidFill>
+            </a:ln>
+          </p:spPr>
+          <p:style>
+            <a:lnRef idx="2">
+              <a:schemeClr val="accent1">
+                <a:shade val="50000"/>
+              </a:schemeClr>
+            </a:lnRef>
+            <a:fillRef idx="1">
+              <a:schemeClr val="accent1"/>
+            </a:fillRef>
+            <a:effectRef idx="0">
+              <a:schemeClr val="accent1"/>
+            </a:effectRef>
+            <a:fontRef idx="minor">
+              <a:schemeClr val="lt1"/>
+            </a:fontRef>
+          </p:style>
+          <p:txBody>
+            <a:bodyPr rtlCol="0" anchor="ctr"/>
+            <a:lstStyle/>
+            <a:p>
+              <a:pPr algn="ctr"/>
+              <a:r>
+                <a:rPr lang="en-US" altLang="ko-KR" sz="1100" dirty="0">
+                  <a:solidFill>
+                    <a:sysClr val="windowText" lastClr="000000"/>
+                  </a:solidFill>
+                </a:rPr>
+                <a:t>Add &amp; Norm</a:t>
+              </a:r>
+              <a:endParaRPr lang="ko-KR" altLang="en-US" sz="1100" dirty="0">
+                <a:solidFill>
+                  <a:sysClr val="windowText" lastClr="000000"/>
+                </a:solidFill>
+              </a:endParaRPr>
+            </a:p>
+          </p:txBody>
+        </p:sp>
+        <p:sp>
+          <p:nvSpPr>
+            <p:cNvPr id="51" name="사각형: 둥근 모서리 50">
+              <a:extLst>
+                <a:ext uri="{FF2B5EF4-FFF2-40B4-BE49-F238E27FC236}">
+                  <a16:creationId xmlns:a16="http://schemas.microsoft.com/office/drawing/2014/main" id="{8B895E2E-CB0C-427B-9C28-7DA6B2F1AD56}"/>
+                </a:ext>
+              </a:extLst>
+            </p:cNvPr>
+            <p:cNvSpPr/>
+            <p:nvPr/>
+          </p:nvSpPr>
+          <p:spPr>
+            <a:xfrm>
+              <a:off x="8872644" y="2191339"/>
+              <a:ext cx="1063877" cy="426203"/>
+            </a:xfrm>
+            <a:prstGeom prst="roundRect">
+              <a:avLst>
+                <a:gd name="adj" fmla="val 9190"/>
+              </a:avLst>
+            </a:prstGeom>
+            <a:solidFill>
+              <a:schemeClr val="accent6">
+                <a:lumMod val="20000"/>
+                <a:lumOff val="80000"/>
+              </a:schemeClr>
+            </a:solidFill>
+            <a:ln>
+              <a:solidFill>
+                <a:schemeClr val="tx1"/>
+              </a:solidFill>
+            </a:ln>
+          </p:spPr>
+          <p:style>
+            <a:lnRef idx="2">
+              <a:schemeClr val="accent1">
+                <a:shade val="50000"/>
+              </a:schemeClr>
+            </a:lnRef>
+            <a:fillRef idx="1">
+              <a:schemeClr val="accent1"/>
+            </a:fillRef>
+            <a:effectRef idx="0">
+              <a:schemeClr val="accent1"/>
+            </a:effectRef>
+            <a:fontRef idx="minor">
+              <a:schemeClr val="lt1"/>
+            </a:fontRef>
+          </p:style>
+          <p:txBody>
+            <a:bodyPr rtlCol="0" anchor="ctr"/>
+            <a:lstStyle/>
+            <a:p>
+              <a:pPr algn="ctr"/>
+              <a:r>
+                <a:rPr lang="en-US" altLang="ko-KR" sz="1200" dirty="0">
+                  <a:solidFill>
+                    <a:sysClr val="windowText" lastClr="000000"/>
+                  </a:solidFill>
+                </a:rPr>
+                <a:t>Feed</a:t>
+              </a:r>
+              <a:br>
+                <a:rPr lang="en-US" altLang="ko-KR" sz="1200" dirty="0">
+                  <a:solidFill>
+                    <a:sysClr val="windowText" lastClr="000000"/>
+                  </a:solidFill>
+                </a:rPr>
+              </a:br>
+              <a:r>
+                <a:rPr lang="en-US" altLang="ko-KR" sz="1200" dirty="0">
+                  <a:solidFill>
+                    <a:sysClr val="windowText" lastClr="000000"/>
+                  </a:solidFill>
+                </a:rPr>
+                <a:t>Forward</a:t>
+              </a:r>
+              <a:endParaRPr lang="ko-KR" altLang="en-US" sz="1200" dirty="0">
+                <a:solidFill>
+                  <a:sysClr val="windowText" lastClr="000000"/>
+                </a:solidFill>
+              </a:endParaRPr>
+            </a:p>
+          </p:txBody>
+        </p:sp>
+        <p:sp>
+          <p:nvSpPr>
+            <p:cNvPr id="52" name="사각형: 둥근 모서리 51">
+              <a:extLst>
+                <a:ext uri="{FF2B5EF4-FFF2-40B4-BE49-F238E27FC236}">
+                  <a16:creationId xmlns:a16="http://schemas.microsoft.com/office/drawing/2014/main" id="{8F4AF24E-4D18-4183-8904-83CD80E3419C}"/>
+                </a:ext>
+              </a:extLst>
+            </p:cNvPr>
+            <p:cNvSpPr/>
+            <p:nvPr/>
+          </p:nvSpPr>
+          <p:spPr>
+            <a:xfrm>
+              <a:off x="8872644" y="1898680"/>
+              <a:ext cx="1063877" cy="238381"/>
+            </a:xfrm>
+            <a:prstGeom prst="roundRect">
+              <a:avLst>
+                <a:gd name="adj" fmla="val 9190"/>
+              </a:avLst>
+            </a:prstGeom>
+            <a:solidFill>
+              <a:srgbClr val="FFFFB3"/>
+            </a:solidFill>
+            <a:ln>
+              <a:solidFill>
+                <a:schemeClr val="tx1"/>
+              </a:solidFill>
+            </a:ln>
+          </p:spPr>
+          <p:style>
+            <a:lnRef idx="2">
+              <a:schemeClr val="accent1">
+                <a:shade val="50000"/>
+              </a:schemeClr>
+            </a:lnRef>
+            <a:fillRef idx="1">
+              <a:schemeClr val="accent1"/>
+            </a:fillRef>
+            <a:effectRef idx="0">
+              <a:schemeClr val="accent1"/>
+            </a:effectRef>
+            <a:fontRef idx="minor">
+              <a:schemeClr val="lt1"/>
+            </a:fontRef>
+          </p:style>
+          <p:txBody>
+            <a:bodyPr rtlCol="0" anchor="ctr"/>
+            <a:lstStyle/>
+            <a:p>
+              <a:pPr algn="ctr"/>
+              <a:r>
+                <a:rPr lang="en-US" altLang="ko-KR" sz="1100" dirty="0">
+                  <a:solidFill>
+                    <a:sysClr val="windowText" lastClr="000000"/>
+                  </a:solidFill>
+                </a:rPr>
+                <a:t>Add &amp; Norm</a:t>
+              </a:r>
+              <a:endParaRPr lang="ko-KR" altLang="en-US" sz="1100" dirty="0">
+                <a:solidFill>
+                  <a:sysClr val="windowText" lastClr="000000"/>
+                </a:solidFill>
+              </a:endParaRPr>
+            </a:p>
+          </p:txBody>
+        </p:sp>
+        <p:sp>
+          <p:nvSpPr>
+            <p:cNvPr id="53" name="사각형: 둥근 모서리 52">
+              <a:extLst>
+                <a:ext uri="{FF2B5EF4-FFF2-40B4-BE49-F238E27FC236}">
+                  <a16:creationId xmlns:a16="http://schemas.microsoft.com/office/drawing/2014/main" id="{0FDD566D-E155-4833-8CB2-C6BED1CF8976}"/>
+                </a:ext>
+              </a:extLst>
+            </p:cNvPr>
+            <p:cNvSpPr/>
+            <p:nvPr/>
+          </p:nvSpPr>
+          <p:spPr>
+            <a:xfrm>
+              <a:off x="8867374" y="4370571"/>
+              <a:ext cx="1063877" cy="575244"/>
+            </a:xfrm>
+            <a:prstGeom prst="roundRect">
+              <a:avLst>
+                <a:gd name="adj" fmla="val 9190"/>
+              </a:avLst>
+            </a:prstGeom>
+            <a:solidFill>
+              <a:schemeClr val="accent4">
+                <a:lumMod val="40000"/>
+                <a:lumOff val="60000"/>
+              </a:schemeClr>
+            </a:solidFill>
+            <a:ln>
+              <a:solidFill>
+                <a:schemeClr val="tx1"/>
+              </a:solidFill>
+            </a:ln>
+          </p:spPr>
+          <p:style>
+            <a:lnRef idx="2">
+              <a:schemeClr val="accent1">
+                <a:shade val="50000"/>
+              </a:schemeClr>
+            </a:lnRef>
+            <a:fillRef idx="1">
+              <a:schemeClr val="accent1"/>
+            </a:fillRef>
+            <a:effectRef idx="0">
+              <a:schemeClr val="accent1"/>
+            </a:effectRef>
+            <a:fontRef idx="minor">
+              <a:schemeClr val="lt1"/>
+            </a:fontRef>
+          </p:style>
+          <p:txBody>
+            <a:bodyPr rtlCol="0" anchor="ctr"/>
+            <a:lstStyle/>
+            <a:p>
+              <a:pPr algn="ctr"/>
+              <a:r>
+                <a:rPr lang="en-US" altLang="ko-KR" sz="1200" dirty="0">
+                  <a:solidFill>
+                    <a:sysClr val="windowText" lastClr="000000"/>
+                  </a:solidFill>
+                </a:rPr>
+                <a:t>Masked</a:t>
+              </a:r>
+              <a:br>
+                <a:rPr lang="en-US" altLang="ko-KR" sz="1200" dirty="0">
+                  <a:solidFill>
+                    <a:sysClr val="windowText" lastClr="000000"/>
+                  </a:solidFill>
+                </a:rPr>
+              </a:br>
+              <a:r>
+                <a:rPr lang="en-US" altLang="ko-KR" sz="1200" dirty="0">
+                  <a:solidFill>
+                    <a:sysClr val="windowText" lastClr="000000"/>
+                  </a:solidFill>
+                </a:rPr>
+                <a:t>Multi-Head</a:t>
+              </a:r>
+              <a:br>
+                <a:rPr lang="en-US" altLang="ko-KR" sz="1200" dirty="0">
+                  <a:solidFill>
+                    <a:sysClr val="windowText" lastClr="000000"/>
+                  </a:solidFill>
+                </a:rPr>
+              </a:br>
+              <a:r>
+                <a:rPr lang="en-US" altLang="ko-KR" sz="1200" dirty="0">
+                  <a:solidFill>
+                    <a:sysClr val="windowText" lastClr="000000"/>
+                  </a:solidFill>
+                </a:rPr>
+                <a:t>Attention</a:t>
+              </a:r>
+              <a:endParaRPr lang="ko-KR" altLang="en-US" sz="1200" dirty="0">
+                <a:solidFill>
+                  <a:sysClr val="windowText" lastClr="000000"/>
+                </a:solidFill>
+              </a:endParaRPr>
+            </a:p>
+          </p:txBody>
+        </p:sp>
+        <p:sp>
+          <p:nvSpPr>
+            <p:cNvPr id="54" name="사각형: 둥근 모서리 53">
+              <a:extLst>
+                <a:ext uri="{FF2B5EF4-FFF2-40B4-BE49-F238E27FC236}">
+                  <a16:creationId xmlns:a16="http://schemas.microsoft.com/office/drawing/2014/main" id="{DF841894-D537-4144-8E53-1132727B6AC2}"/>
+                </a:ext>
+              </a:extLst>
+            </p:cNvPr>
+            <p:cNvSpPr/>
+            <p:nvPr/>
+          </p:nvSpPr>
+          <p:spPr>
+            <a:xfrm>
+              <a:off x="8867374" y="4080579"/>
+              <a:ext cx="1063877" cy="238381"/>
+            </a:xfrm>
+            <a:prstGeom prst="roundRect">
+              <a:avLst>
+                <a:gd name="adj" fmla="val 9190"/>
+              </a:avLst>
+            </a:prstGeom>
+            <a:solidFill>
+              <a:srgbClr val="FFFFB3"/>
+            </a:solidFill>
+            <a:ln>
+              <a:solidFill>
+                <a:schemeClr val="tx1"/>
+              </a:solidFill>
+            </a:ln>
+          </p:spPr>
+          <p:style>
+            <a:lnRef idx="2">
+              <a:schemeClr val="accent1">
+                <a:shade val="50000"/>
+              </a:schemeClr>
+            </a:lnRef>
+            <a:fillRef idx="1">
+              <a:schemeClr val="accent1"/>
+            </a:fillRef>
+            <a:effectRef idx="0">
+              <a:schemeClr val="accent1"/>
+            </a:effectRef>
+            <a:fontRef idx="minor">
+              <a:schemeClr val="lt1"/>
+            </a:fontRef>
+          </p:style>
+          <p:txBody>
+            <a:bodyPr rtlCol="0" anchor="ctr"/>
+            <a:lstStyle/>
+            <a:p>
+              <a:pPr algn="ctr"/>
+              <a:r>
+                <a:rPr lang="en-US" altLang="ko-KR" sz="1100" dirty="0">
+                  <a:solidFill>
+                    <a:sysClr val="windowText" lastClr="000000"/>
+                  </a:solidFill>
+                </a:rPr>
+                <a:t>Add &amp; Norm</a:t>
+              </a:r>
+              <a:endParaRPr lang="ko-KR" altLang="en-US" sz="1100" dirty="0">
+                <a:solidFill>
+                  <a:sysClr val="windowText" lastClr="000000"/>
+                </a:solidFill>
+              </a:endParaRPr>
+            </a:p>
+          </p:txBody>
+        </p:sp>
+        <p:cxnSp>
+          <p:nvCxnSpPr>
+            <p:cNvPr id="56" name="직선 화살표 연결선 55">
+              <a:extLst>
+                <a:ext uri="{FF2B5EF4-FFF2-40B4-BE49-F238E27FC236}">
+                  <a16:creationId xmlns:a16="http://schemas.microsoft.com/office/drawing/2014/main" id="{E23006A5-DAAF-4606-A8AC-3E7E8907FE7F}"/>
+                </a:ext>
+              </a:extLst>
+            </p:cNvPr>
+            <p:cNvCxnSpPr>
+              <a:cxnSpLocks/>
+              <a:endCxn id="47" idx="0"/>
+            </p:cNvCxnSpPr>
+            <p:nvPr/>
+          </p:nvCxnSpPr>
+          <p:spPr>
+            <a:xfrm>
+              <a:off x="9404583" y="1518857"/>
+              <a:ext cx="0" cy="242241"/>
+            </a:xfrm>
+            <a:prstGeom prst="straightConnector1">
+              <a:avLst/>
+            </a:prstGeom>
+            <a:ln w="25400">
+              <a:solidFill>
+                <a:schemeClr val="tx1"/>
+              </a:solidFill>
+              <a:headEnd type="stealth"/>
+              <a:tailEnd type="none"/>
+            </a:ln>
+          </p:spPr>
+          <p:style>
+            <a:lnRef idx="1">
+              <a:schemeClr val="accent1"/>
+            </a:lnRef>
+            <a:fillRef idx="0">
+              <a:schemeClr val="accent1"/>
+            </a:fillRef>
+            <a:effectRef idx="0">
+              <a:schemeClr val="accent1"/>
+            </a:effectRef>
+            <a:fontRef idx="minor">
+              <a:schemeClr val="tx1"/>
+            </a:fontRef>
+          </p:style>
+        </p:cxnSp>
+        <p:sp>
+          <p:nvSpPr>
+            <p:cNvPr id="59" name="사각형: 둥근 모서리 58">
+              <a:extLst>
+                <a:ext uri="{FF2B5EF4-FFF2-40B4-BE49-F238E27FC236}">
+                  <a16:creationId xmlns:a16="http://schemas.microsoft.com/office/drawing/2014/main" id="{7B4079FB-92DE-4DD6-904D-11BEC3C36CC5}"/>
+                </a:ext>
+              </a:extLst>
+            </p:cNvPr>
+            <p:cNvSpPr/>
+            <p:nvPr/>
+          </p:nvSpPr>
+          <p:spPr>
+            <a:xfrm>
+              <a:off x="8911375" y="1282406"/>
+              <a:ext cx="1063877" cy="238381"/>
+            </a:xfrm>
+            <a:prstGeom prst="roundRect">
+              <a:avLst>
+                <a:gd name="adj" fmla="val 9190"/>
+              </a:avLst>
+            </a:prstGeom>
+            <a:solidFill>
+              <a:schemeClr val="accent5">
+                <a:lumMod val="60000"/>
+                <a:lumOff val="40000"/>
+              </a:schemeClr>
+            </a:solidFill>
+            <a:ln>
+              <a:solidFill>
+                <a:schemeClr val="tx1"/>
+              </a:solidFill>
+            </a:ln>
+          </p:spPr>
+          <p:style>
+            <a:lnRef idx="2">
+              <a:schemeClr val="accent1">
+                <a:shade val="50000"/>
+              </a:schemeClr>
+            </a:lnRef>
+            <a:fillRef idx="1">
+              <a:schemeClr val="accent1"/>
+            </a:fillRef>
+            <a:effectRef idx="0">
+              <a:schemeClr val="accent1"/>
+            </a:effectRef>
+            <a:fontRef idx="minor">
+              <a:schemeClr val="lt1"/>
+            </a:fontRef>
+          </p:style>
+          <p:txBody>
+            <a:bodyPr rtlCol="0" anchor="ctr"/>
+            <a:lstStyle/>
+            <a:p>
+              <a:pPr algn="ctr"/>
+              <a:r>
+                <a:rPr lang="en-US" altLang="ko-KR" sz="1100" dirty="0">
+                  <a:solidFill>
+                    <a:sysClr val="windowText" lastClr="000000"/>
+                  </a:solidFill>
+                </a:rPr>
+                <a:t>Linear</a:t>
+              </a:r>
+              <a:endParaRPr lang="ko-KR" altLang="en-US" sz="1100" dirty="0">
+                <a:solidFill>
+                  <a:sysClr val="windowText" lastClr="000000"/>
+                </a:solidFill>
+              </a:endParaRPr>
+            </a:p>
+          </p:txBody>
+        </p:sp>
+        <p:sp>
+          <p:nvSpPr>
+            <p:cNvPr id="60" name="사각형: 둥근 모서리 59">
+              <a:extLst>
+                <a:ext uri="{FF2B5EF4-FFF2-40B4-BE49-F238E27FC236}">
+                  <a16:creationId xmlns:a16="http://schemas.microsoft.com/office/drawing/2014/main" id="{4717E522-04C8-40C9-983F-CFCE28964ADE}"/>
+                </a:ext>
+              </a:extLst>
+            </p:cNvPr>
+            <p:cNvSpPr/>
+            <p:nvPr/>
+          </p:nvSpPr>
+          <p:spPr>
+            <a:xfrm>
+              <a:off x="8910728" y="749339"/>
+              <a:ext cx="1063877" cy="238381"/>
+            </a:xfrm>
+            <a:prstGeom prst="roundRect">
+              <a:avLst>
+                <a:gd name="adj" fmla="val 9190"/>
+              </a:avLst>
+            </a:prstGeom>
+            <a:solidFill>
+              <a:schemeClr val="accent5">
+                <a:lumMod val="20000"/>
+                <a:lumOff val="80000"/>
+              </a:schemeClr>
+            </a:solidFill>
+            <a:ln>
+              <a:solidFill>
+                <a:schemeClr val="tx1"/>
+              </a:solidFill>
+            </a:ln>
+          </p:spPr>
+          <p:style>
+            <a:lnRef idx="2">
+              <a:schemeClr val="accent1">
+                <a:shade val="50000"/>
+              </a:schemeClr>
+            </a:lnRef>
+            <a:fillRef idx="1">
+              <a:schemeClr val="accent1"/>
+            </a:fillRef>
+            <a:effectRef idx="0">
+              <a:schemeClr val="accent1"/>
+            </a:effectRef>
+            <a:fontRef idx="minor">
+              <a:schemeClr val="lt1"/>
+            </a:fontRef>
+          </p:style>
+          <p:txBody>
+            <a:bodyPr rtlCol="0" anchor="ctr"/>
+            <a:lstStyle/>
+            <a:p>
+              <a:pPr algn="ctr"/>
+              <a:r>
+                <a:rPr lang="en-US" altLang="ko-KR" sz="1100" dirty="0" err="1">
+                  <a:solidFill>
+                    <a:sysClr val="windowText" lastClr="000000"/>
+                  </a:solidFill>
+                </a:rPr>
+                <a:t>Softmax</a:t>
+              </a:r>
+              <a:endParaRPr lang="ko-KR" altLang="en-US" sz="1100" dirty="0">
+                <a:solidFill>
+                  <a:sysClr val="windowText" lastClr="000000"/>
+                </a:solidFill>
+              </a:endParaRPr>
+            </a:p>
+          </p:txBody>
+        </p:sp>
+        <p:cxnSp>
+          <p:nvCxnSpPr>
+            <p:cNvPr id="61" name="직선 화살표 연결선 60">
+              <a:extLst>
+                <a:ext uri="{FF2B5EF4-FFF2-40B4-BE49-F238E27FC236}">
+                  <a16:creationId xmlns:a16="http://schemas.microsoft.com/office/drawing/2014/main" id="{93838429-AB87-4CA8-9B03-966E0AEF97C8}"/>
+                </a:ext>
+              </a:extLst>
+            </p:cNvPr>
+            <p:cNvCxnSpPr>
+              <a:cxnSpLocks/>
+            </p:cNvCxnSpPr>
+            <p:nvPr/>
+          </p:nvCxnSpPr>
+          <p:spPr>
+            <a:xfrm>
+              <a:off x="9442667" y="1040165"/>
+              <a:ext cx="0" cy="242241"/>
+            </a:xfrm>
+            <a:prstGeom prst="straightConnector1">
+              <a:avLst/>
+            </a:prstGeom>
+            <a:ln w="25400">
+              <a:solidFill>
+                <a:schemeClr val="tx1"/>
+              </a:solidFill>
+              <a:headEnd type="stealth"/>
+              <a:tailEnd type="none"/>
+            </a:ln>
+          </p:spPr>
+          <p:style>
+            <a:lnRef idx="1">
+              <a:schemeClr val="accent1"/>
+            </a:lnRef>
+            <a:fillRef idx="0">
+              <a:schemeClr val="accent1"/>
+            </a:fillRef>
+            <a:effectRef idx="0">
+              <a:schemeClr val="accent1"/>
+            </a:effectRef>
+            <a:fontRef idx="minor">
+              <a:schemeClr val="tx1"/>
+            </a:fontRef>
+          </p:style>
+        </p:cxnSp>
+        <p:cxnSp>
+          <p:nvCxnSpPr>
+            <p:cNvPr id="62" name="직선 화살표 연결선 61">
+              <a:extLst>
+                <a:ext uri="{FF2B5EF4-FFF2-40B4-BE49-F238E27FC236}">
+                  <a16:creationId xmlns:a16="http://schemas.microsoft.com/office/drawing/2014/main" id="{68C92FAD-C24C-487D-B717-440B4DC5B346}"/>
+                </a:ext>
+              </a:extLst>
+            </p:cNvPr>
+            <p:cNvCxnSpPr>
+              <a:cxnSpLocks/>
+            </p:cNvCxnSpPr>
+            <p:nvPr/>
+          </p:nvCxnSpPr>
+          <p:spPr>
+            <a:xfrm>
+              <a:off x="9404582" y="506379"/>
+              <a:ext cx="0" cy="242241"/>
+            </a:xfrm>
+            <a:prstGeom prst="straightConnector1">
+              <a:avLst/>
+            </a:prstGeom>
+            <a:ln w="25400">
+              <a:solidFill>
+                <a:schemeClr val="tx1"/>
+              </a:solidFill>
+              <a:headEnd type="stealth"/>
+              <a:tailEnd type="none"/>
+            </a:ln>
+          </p:spPr>
+          <p:style>
+            <a:lnRef idx="1">
+              <a:schemeClr val="accent1"/>
+            </a:lnRef>
+            <a:fillRef idx="0">
+              <a:schemeClr val="accent1"/>
+            </a:fillRef>
+            <a:effectRef idx="0">
+              <a:schemeClr val="accent1"/>
+            </a:effectRef>
+            <a:fontRef idx="minor">
+              <a:schemeClr val="tx1"/>
+            </a:fontRef>
+          </p:style>
+        </p:cxnSp>
+        <p:sp>
+          <p:nvSpPr>
+            <p:cNvPr id="63" name="TextBox 62">
+              <a:extLst>
+                <a:ext uri="{FF2B5EF4-FFF2-40B4-BE49-F238E27FC236}">
+                  <a16:creationId xmlns:a16="http://schemas.microsoft.com/office/drawing/2014/main" id="{F427696C-FDE8-460E-B227-F147BF0452A4}"/>
+                </a:ext>
+              </a:extLst>
+            </p:cNvPr>
+            <p:cNvSpPr txBox="1"/>
+            <p:nvPr/>
+          </p:nvSpPr>
+          <p:spPr>
+            <a:xfrm>
+              <a:off x="8761368" y="-3158"/>
+              <a:ext cx="1275887" cy="523220"/>
+            </a:xfrm>
+            <a:prstGeom prst="rect">
+              <a:avLst/>
+            </a:prstGeom>
+            <a:noFill/>
+          </p:spPr>
+          <p:txBody>
+            <a:bodyPr wrap="square" rtlCol="0">
+              <a:spAutoFit/>
+            </a:bodyPr>
+            <a:lstStyle/>
+            <a:p>
+              <a:pPr algn="ctr"/>
+              <a:r>
+                <a:rPr lang="en-US" altLang="ko-KR" sz="1400" dirty="0"/>
+                <a:t>Output Probability</a:t>
+              </a:r>
+              <a:endParaRPr lang="ko-KR" altLang="en-US" sz="1400" dirty="0"/>
+            </a:p>
+          </p:txBody>
+        </p:sp>
+        <p:cxnSp>
+          <p:nvCxnSpPr>
+            <p:cNvPr id="64" name="직선 화살표 연결선 63">
+              <a:extLst>
+                <a:ext uri="{FF2B5EF4-FFF2-40B4-BE49-F238E27FC236}">
+                  <a16:creationId xmlns:a16="http://schemas.microsoft.com/office/drawing/2014/main" id="{1CA5CA91-BE69-4D61-A376-E36F1A502DCF}"/>
+                </a:ext>
+              </a:extLst>
+            </p:cNvPr>
+            <p:cNvCxnSpPr>
+              <a:cxnSpLocks/>
+              <a:stCxn id="49" idx="2"/>
+              <a:endCxn id="36" idx="0"/>
+            </p:cNvCxnSpPr>
+            <p:nvPr/>
+          </p:nvCxnSpPr>
+          <p:spPr>
+            <a:xfrm rot="5400000" flipH="1">
+              <a:off x="8072334" y="2336804"/>
+              <a:ext cx="688553" cy="1975944"/>
+            </a:xfrm>
+            <a:prstGeom prst="bentConnector5">
+              <a:avLst>
+                <a:gd name="adj1" fmla="val -33200"/>
+                <a:gd name="adj2" fmla="val 50000"/>
+                <a:gd name="adj3" fmla="val 162250"/>
+              </a:avLst>
+            </a:prstGeom>
+            <a:ln w="25400">
+              <a:solidFill>
+                <a:schemeClr val="tx1"/>
+              </a:solidFill>
+              <a:headEnd type="stealth"/>
+              <a:tailEnd type="none"/>
+            </a:ln>
+          </p:spPr>
+          <p:style>
+            <a:lnRef idx="1">
+              <a:schemeClr val="accent1"/>
+            </a:lnRef>
+            <a:fillRef idx="0">
+              <a:schemeClr val="accent1"/>
+            </a:fillRef>
+            <a:effectRef idx="0">
+              <a:schemeClr val="accent1"/>
+            </a:effectRef>
+            <a:fontRef idx="minor">
+              <a:schemeClr val="tx1"/>
+            </a:fontRef>
+          </p:style>
+        </p:cxnSp>
+        <p:cxnSp>
+          <p:nvCxnSpPr>
+            <p:cNvPr id="70" name="직선 화살표 연결선 69">
+              <a:extLst>
+                <a:ext uri="{FF2B5EF4-FFF2-40B4-BE49-F238E27FC236}">
+                  <a16:creationId xmlns:a16="http://schemas.microsoft.com/office/drawing/2014/main" id="{68ACE9C8-87EE-4BEA-A12A-A6913A780A1D}"/>
+                </a:ext>
+              </a:extLst>
+            </p:cNvPr>
+            <p:cNvCxnSpPr>
+              <a:cxnSpLocks/>
+              <a:stCxn id="53" idx="2"/>
+              <a:endCxn id="23" idx="0"/>
+            </p:cNvCxnSpPr>
+            <p:nvPr/>
+          </p:nvCxnSpPr>
+          <p:spPr>
+            <a:xfrm>
+              <a:off x="9399313" y="4945815"/>
+              <a:ext cx="5255" cy="252604"/>
+            </a:xfrm>
+            <a:prstGeom prst="straightConnector1">
+              <a:avLst/>
+            </a:prstGeom>
+            <a:ln w="25400">
+              <a:solidFill>
+                <a:schemeClr val="tx1"/>
+              </a:solidFill>
+              <a:headEnd type="stealth"/>
+              <a:tailEnd type="none"/>
+            </a:ln>
+          </p:spPr>
+          <p:style>
+            <a:lnRef idx="1">
+              <a:schemeClr val="accent1"/>
+            </a:lnRef>
+            <a:fillRef idx="0">
+              <a:schemeClr val="accent1"/>
+            </a:fillRef>
+            <a:effectRef idx="0">
+              <a:schemeClr val="accent1"/>
+            </a:effectRef>
+            <a:fontRef idx="minor">
+              <a:schemeClr val="tx1"/>
+            </a:fontRef>
+          </p:style>
+        </p:cxnSp>
+        <p:sp>
+          <p:nvSpPr>
+            <p:cNvPr id="74" name="TextBox 73">
+              <a:extLst>
+                <a:ext uri="{FF2B5EF4-FFF2-40B4-BE49-F238E27FC236}">
+                  <a16:creationId xmlns:a16="http://schemas.microsoft.com/office/drawing/2014/main" id="{BD60FC4B-D785-4ED6-9DB1-6D84FEFFD312}"/>
+                </a:ext>
+              </a:extLst>
+            </p:cNvPr>
+            <p:cNvSpPr txBox="1"/>
+            <p:nvPr/>
+          </p:nvSpPr>
+          <p:spPr>
+            <a:xfrm>
+              <a:off x="10232568" y="4966882"/>
+              <a:ext cx="1370308" cy="646331"/>
+            </a:xfrm>
+            <a:prstGeom prst="rect">
+              <a:avLst/>
+            </a:prstGeom>
+            <a:noFill/>
+          </p:spPr>
+          <p:txBody>
+            <a:bodyPr wrap="square" rtlCol="0">
+              <a:spAutoFit/>
+            </a:bodyPr>
+            <a:lstStyle/>
+            <a:p>
+              <a:r>
+                <a:rPr lang="en-US" altLang="ko-KR" dirty="0"/>
+                <a:t>Positional Encoding</a:t>
+              </a:r>
+              <a:endParaRPr lang="ko-KR" altLang="en-US" dirty="0"/>
+            </a:p>
+          </p:txBody>
+        </p:sp>
+        <p:cxnSp>
+          <p:nvCxnSpPr>
+            <p:cNvPr id="76" name="직선 화살표 연결선 75">
+              <a:extLst>
+                <a:ext uri="{FF2B5EF4-FFF2-40B4-BE49-F238E27FC236}">
+                  <a16:creationId xmlns:a16="http://schemas.microsoft.com/office/drawing/2014/main" id="{2130A53F-7FA2-4A58-B81A-AED0518BFEC5}"/>
+                </a:ext>
+              </a:extLst>
+            </p:cNvPr>
+            <p:cNvCxnSpPr>
+              <a:cxnSpLocks/>
+              <a:stCxn id="14" idx="2"/>
+              <a:endCxn id="77" idx="3"/>
+            </p:cNvCxnSpPr>
+            <p:nvPr/>
+          </p:nvCxnSpPr>
+          <p:spPr>
+            <a:xfrm flipH="1" flipV="1">
+              <a:off x="6558085" y="5290782"/>
+              <a:ext cx="759066" cy="1"/>
+            </a:xfrm>
+            <a:prstGeom prst="straightConnector1">
+              <a:avLst/>
+            </a:prstGeom>
+            <a:ln w="25400">
+              <a:solidFill>
+                <a:schemeClr val="tx1"/>
+              </a:solidFill>
+              <a:headEnd type="stealth"/>
+              <a:tailEnd type="none"/>
+            </a:ln>
+          </p:spPr>
+          <p:style>
+            <a:lnRef idx="1">
+              <a:schemeClr val="accent1"/>
+            </a:lnRef>
+            <a:fillRef idx="0">
+              <a:schemeClr val="accent1"/>
+            </a:fillRef>
+            <a:effectRef idx="0">
+              <a:schemeClr val="accent1"/>
+            </a:effectRef>
+            <a:fontRef idx="minor">
+              <a:schemeClr val="tx1"/>
+            </a:fontRef>
+          </p:style>
+        </p:cxnSp>
+        <p:sp>
+          <p:nvSpPr>
+            <p:cNvPr id="77" name="TextBox 76">
+              <a:extLst>
+                <a:ext uri="{FF2B5EF4-FFF2-40B4-BE49-F238E27FC236}">
+                  <a16:creationId xmlns:a16="http://schemas.microsoft.com/office/drawing/2014/main" id="{EA55E8E8-630C-4839-B276-A39C6508DF66}"/>
+                </a:ext>
+              </a:extLst>
+            </p:cNvPr>
+            <p:cNvSpPr txBox="1"/>
+            <p:nvPr/>
+          </p:nvSpPr>
+          <p:spPr>
+            <a:xfrm>
+              <a:off x="5187777" y="4967616"/>
+              <a:ext cx="1370308" cy="646331"/>
+            </a:xfrm>
+            <a:prstGeom prst="rect">
+              <a:avLst/>
+            </a:prstGeom>
+            <a:noFill/>
+          </p:spPr>
+          <p:txBody>
+            <a:bodyPr wrap="square" rtlCol="0">
+              <a:spAutoFit/>
+            </a:bodyPr>
+            <a:lstStyle/>
+            <a:p>
+              <a:r>
+                <a:rPr lang="en-US" altLang="ko-KR" dirty="0"/>
+                <a:t>Positional Encoding</a:t>
+              </a:r>
+              <a:endParaRPr lang="ko-KR" altLang="en-US" dirty="0"/>
+            </a:p>
+          </p:txBody>
+        </p:sp>
+      </p:grpSp>
+    </p:spTree>
+    <p:extLst>
+      <p:ext uri="{BB962C8B-B14F-4D97-AF65-F5344CB8AC3E}">
+        <p14:creationId xmlns:p14="http://schemas.microsoft.com/office/powerpoint/2010/main" val="3616167546"/>
+      </p:ext>
+    </p:extLst>
+  </p:cSld>
+  <p:clrMapOvr>
+    <a:masterClrMapping/>
+  </p:clrMapOvr>
+</p:sld>
+</file>
+
+<file path=ppt/slides/slide2.xml><?xml version="1.0" encoding="utf-8"?>
+<p:sld xmlns:a="http://schemas.openxmlformats.org/drawingml/2006/main" xmlns:r="http://schemas.openxmlformats.org/officeDocument/2006/relationships" xmlns:p="http://schemas.openxmlformats.org/presentationml/2006/main">
+  <p:cSld>
+    <p:spTree>
+      <p:nvGrpSpPr>
+        <p:cNvPr id="1" name=""/>
+        <p:cNvGrpSpPr/>
+        <p:nvPr/>
+      </p:nvGrpSpPr>
+      <p:grpSpPr>
+        <a:xfrm>
+          <a:off x="0" y="0"/>
+          <a:ext cx="0" cy="0"/>
+          <a:chOff x="0" y="0"/>
+          <a:chExt cx="0" cy="0"/>
+        </a:xfrm>
+      </p:grpSpPr>
+      <p:grpSp>
+        <p:nvGrpSpPr>
+          <p:cNvPr id="88" name="그룹 87">
+            <a:extLst>
+              <a:ext uri="{FF2B5EF4-FFF2-40B4-BE49-F238E27FC236}">
+                <a16:creationId xmlns:a16="http://schemas.microsoft.com/office/drawing/2014/main" id="{DDD629AF-3B48-40CB-A7CF-C5CF797A4D84}"/>
+              </a:ext>
+            </a:extLst>
+          </p:cNvPr>
+          <p:cNvGrpSpPr/>
+          <p:nvPr/>
+        </p:nvGrpSpPr>
+        <p:grpSpPr>
+          <a:xfrm>
+            <a:off x="5029200" y="-95250"/>
+            <a:ext cx="6345076" cy="6816833"/>
+            <a:chOff x="5187777" y="-3158"/>
+            <a:chExt cx="6415099" cy="6816833"/>
+          </a:xfrm>
+        </p:grpSpPr>
+        <p:sp>
+          <p:nvSpPr>
+            <p:cNvPr id="4" name="사각형: 둥근 모서리 3">
+              <a:extLst>
+                <a:ext uri="{FF2B5EF4-FFF2-40B4-BE49-F238E27FC236}">
+                  <a16:creationId xmlns:a16="http://schemas.microsoft.com/office/drawing/2014/main" id="{D6730E09-3A21-43F6-B078-CC699D4F11B0}"/>
+                </a:ext>
+              </a:extLst>
+            </p:cNvPr>
+            <p:cNvSpPr/>
+            <p:nvPr/>
+          </p:nvSpPr>
+          <p:spPr>
+            <a:xfrm>
+              <a:off x="6891430" y="5544410"/>
+              <a:ext cx="1063877" cy="426203"/>
+            </a:xfrm>
+            <a:prstGeom prst="roundRect">
+              <a:avLst>
+                <a:gd name="adj" fmla="val 9190"/>
+              </a:avLst>
+            </a:prstGeom>
+            <a:solidFill>
+              <a:srgbClr val="FCDFE0"/>
+            </a:solidFill>
+            <a:ln>
+              <a:solidFill>
+                <a:schemeClr val="tx1"/>
+              </a:solidFill>
+            </a:ln>
+          </p:spPr>
+          <p:style>
+            <a:lnRef idx="2">
+              <a:schemeClr val="accent1">
+                <a:shade val="50000"/>
+              </a:schemeClr>
+            </a:lnRef>
+            <a:fillRef idx="1">
+              <a:schemeClr val="accent1"/>
+            </a:fillRef>
+            <a:effectRef idx="0">
+              <a:schemeClr val="accent1"/>
+            </a:effectRef>
+            <a:fontRef idx="minor">
+              <a:schemeClr val="lt1"/>
+            </a:fontRef>
+          </p:style>
+          <p:txBody>
+            <a:bodyPr rtlCol="0" anchor="ctr"/>
+            <a:lstStyle/>
+            <a:p>
+              <a:pPr algn="ctr"/>
+              <a:r>
+                <a:rPr lang="en-US" altLang="ko-KR" sz="1200" dirty="0">
+                  <a:solidFill>
+                    <a:sysClr val="windowText" lastClr="000000"/>
+                  </a:solidFill>
+                </a:rPr>
+                <a:t>Input</a:t>
+              </a:r>
+            </a:p>
+            <a:p>
+              <a:pPr algn="ctr"/>
+              <a:r>
+                <a:rPr lang="en-US" altLang="ko-KR" sz="1200" dirty="0">
+                  <a:solidFill>
+                    <a:sysClr val="windowText" lastClr="000000"/>
+                  </a:solidFill>
+                </a:rPr>
+                <a:t>Embedding</a:t>
+              </a:r>
+              <a:endParaRPr lang="ko-KR" altLang="en-US" sz="1200" dirty="0">
+                <a:solidFill>
+                  <a:sysClr val="windowText" lastClr="000000"/>
+                </a:solidFill>
+              </a:endParaRPr>
+            </a:p>
+          </p:txBody>
+        </p:sp>
+        <p:sp>
+          <p:nvSpPr>
+            <p:cNvPr id="7" name="사각형: 둥근 모서리 6">
+              <a:extLst>
+                <a:ext uri="{FF2B5EF4-FFF2-40B4-BE49-F238E27FC236}">
+                  <a16:creationId xmlns:a16="http://schemas.microsoft.com/office/drawing/2014/main" id="{B82A19F1-1F11-4C2C-93A9-C61766BA4B5A}"/>
+                </a:ext>
+              </a:extLst>
+            </p:cNvPr>
+            <p:cNvSpPr/>
+            <p:nvPr/>
+          </p:nvSpPr>
+          <p:spPr>
+            <a:xfrm>
+              <a:off x="8873275" y="5544410"/>
+              <a:ext cx="1063877" cy="426203"/>
+            </a:xfrm>
+            <a:prstGeom prst="roundRect">
+              <a:avLst>
+                <a:gd name="adj" fmla="val 9190"/>
+              </a:avLst>
+            </a:prstGeom>
+            <a:solidFill>
+              <a:srgbClr val="FCDFE0"/>
+            </a:solidFill>
+            <a:ln>
+              <a:solidFill>
+                <a:schemeClr val="tx1"/>
+              </a:solidFill>
+            </a:ln>
+          </p:spPr>
+          <p:style>
+            <a:lnRef idx="2">
+              <a:schemeClr val="accent1">
+                <a:shade val="50000"/>
+              </a:schemeClr>
+            </a:lnRef>
+            <a:fillRef idx="1">
+              <a:schemeClr val="accent1"/>
+            </a:fillRef>
+            <a:effectRef idx="0">
+              <a:schemeClr val="accent1"/>
+            </a:effectRef>
+            <a:fontRef idx="minor">
+              <a:schemeClr val="lt1"/>
+            </a:fontRef>
+          </p:style>
+          <p:txBody>
+            <a:bodyPr rtlCol="0" anchor="ctr"/>
+            <a:lstStyle/>
+            <a:p>
+              <a:pPr algn="ctr"/>
+              <a:r>
+                <a:rPr lang="en-US" altLang="ko-KR" sz="1200" dirty="0">
+                  <a:solidFill>
+                    <a:sysClr val="windowText" lastClr="000000"/>
+                  </a:solidFill>
+                </a:rPr>
+                <a:t>Output</a:t>
+              </a:r>
+            </a:p>
+            <a:p>
+              <a:pPr algn="ctr"/>
+              <a:r>
+                <a:rPr lang="en-US" altLang="ko-KR" sz="1200" dirty="0">
+                  <a:solidFill>
+                    <a:sysClr val="windowText" lastClr="000000"/>
+                  </a:solidFill>
+                </a:rPr>
+                <a:t>Embedding</a:t>
+              </a:r>
+              <a:endParaRPr lang="ko-KR" altLang="en-US" sz="1200" dirty="0">
+                <a:solidFill>
+                  <a:sysClr val="windowText" lastClr="000000"/>
+                </a:solidFill>
+              </a:endParaRPr>
+            </a:p>
+          </p:txBody>
+        </p:sp>
+        <p:cxnSp>
+          <p:nvCxnSpPr>
+            <p:cNvPr id="8" name="직선 화살표 연결선 7">
+              <a:extLst>
+                <a:ext uri="{FF2B5EF4-FFF2-40B4-BE49-F238E27FC236}">
+                  <a16:creationId xmlns:a16="http://schemas.microsoft.com/office/drawing/2014/main" id="{F516FC2E-05F0-4E31-B132-4526AAA96EFF}"/>
+                </a:ext>
+              </a:extLst>
+            </p:cNvPr>
+            <p:cNvCxnSpPr>
+              <a:cxnSpLocks/>
+            </p:cNvCxnSpPr>
+            <p:nvPr/>
+          </p:nvCxnSpPr>
+          <p:spPr>
+            <a:xfrm>
+              <a:off x="7414444" y="5970613"/>
+              <a:ext cx="0" cy="333057"/>
+            </a:xfrm>
+            <a:prstGeom prst="straightConnector1">
+              <a:avLst/>
+            </a:prstGeom>
+            <a:ln w="25400">
+              <a:solidFill>
+                <a:schemeClr val="tx1"/>
+              </a:solidFill>
+              <a:headEnd type="stealth"/>
+              <a:tailEnd type="none"/>
+            </a:ln>
+          </p:spPr>
+          <p:style>
+            <a:lnRef idx="1">
+              <a:schemeClr val="accent1"/>
+            </a:lnRef>
+            <a:fillRef idx="0">
+              <a:schemeClr val="accent1"/>
+            </a:fillRef>
+            <a:effectRef idx="0">
+              <a:schemeClr val="accent1"/>
+            </a:effectRef>
+            <a:fontRef idx="minor">
+              <a:schemeClr val="tx1"/>
+            </a:fontRef>
+          </p:style>
+        </p:cxnSp>
+        <p:cxnSp>
+          <p:nvCxnSpPr>
+            <p:cNvPr id="12" name="직선 화살표 연결선 11">
+              <a:extLst>
+                <a:ext uri="{FF2B5EF4-FFF2-40B4-BE49-F238E27FC236}">
+                  <a16:creationId xmlns:a16="http://schemas.microsoft.com/office/drawing/2014/main" id="{BAF0DC18-8024-4F9C-AFD0-E14216597A05}"/>
+                </a:ext>
+              </a:extLst>
+            </p:cNvPr>
+            <p:cNvCxnSpPr>
+              <a:cxnSpLocks/>
+              <a:stCxn id="23" idx="6"/>
+              <a:endCxn id="74" idx="1"/>
+            </p:cNvCxnSpPr>
+            <p:nvPr/>
+          </p:nvCxnSpPr>
+          <p:spPr>
+            <a:xfrm flipV="1">
+              <a:off x="9510786" y="5290048"/>
+              <a:ext cx="721782" cy="735"/>
+            </a:xfrm>
+            <a:prstGeom prst="straightConnector1">
+              <a:avLst/>
+            </a:prstGeom>
+            <a:ln w="25400">
+              <a:solidFill>
+                <a:schemeClr val="tx1"/>
+              </a:solidFill>
+              <a:headEnd type="stealth"/>
+              <a:tailEnd type="none"/>
+            </a:ln>
+          </p:spPr>
+          <p:style>
+            <a:lnRef idx="1">
+              <a:schemeClr val="accent1"/>
+            </a:lnRef>
+            <a:fillRef idx="0">
+              <a:schemeClr val="accent1"/>
+            </a:fillRef>
+            <a:effectRef idx="0">
+              <a:schemeClr val="accent1"/>
+            </a:effectRef>
+            <a:fontRef idx="minor">
+              <a:schemeClr val="tx1"/>
+            </a:fontRef>
+          </p:style>
+        </p:cxnSp>
+        <p:sp>
+          <p:nvSpPr>
+            <p:cNvPr id="14" name="타원 13">
+              <a:extLst>
+                <a:ext uri="{FF2B5EF4-FFF2-40B4-BE49-F238E27FC236}">
+                  <a16:creationId xmlns:a16="http://schemas.microsoft.com/office/drawing/2014/main" id="{9195D2BB-B004-4131-93DC-A1BA52B2D8BE}"/>
+                </a:ext>
+              </a:extLst>
+            </p:cNvPr>
+            <p:cNvSpPr/>
+            <p:nvPr/>
+          </p:nvSpPr>
+          <p:spPr>
+            <a:xfrm>
+              <a:off x="7317151" y="5198419"/>
+              <a:ext cx="212436" cy="184727"/>
+            </a:xfrm>
+            <a:prstGeom prst="ellipse">
+              <a:avLst/>
+            </a:prstGeom>
+            <a:noFill/>
+            <a:ln>
+              <a:solidFill>
+                <a:schemeClr val="tx1"/>
+              </a:solidFill>
+            </a:ln>
+          </p:spPr>
+          <p:style>
+            <a:lnRef idx="2">
+              <a:schemeClr val="accent1">
+                <a:shade val="50000"/>
+              </a:schemeClr>
+            </a:lnRef>
+            <a:fillRef idx="1">
+              <a:schemeClr val="accent1"/>
+            </a:fillRef>
+            <a:effectRef idx="0">
+              <a:schemeClr val="accent1"/>
+            </a:effectRef>
+            <a:fontRef idx="minor">
+              <a:schemeClr val="lt1"/>
+            </a:fontRef>
+          </p:style>
+          <p:txBody>
+            <a:bodyPr rtlCol="0" anchor="ctr"/>
+            <a:lstStyle/>
+            <a:p>
+              <a:pPr algn="ctr"/>
+              <a:r>
+                <a:rPr lang="en-US" altLang="ko-KR" dirty="0">
+                  <a:ln>
+                    <a:solidFill>
+                      <a:sysClr val="windowText" lastClr="000000"/>
+                    </a:solidFill>
+                  </a:ln>
+                  <a:solidFill>
+                    <a:sysClr val="windowText" lastClr="000000"/>
+                  </a:solidFill>
+                </a:rPr>
+                <a:t>+</a:t>
+              </a:r>
+              <a:endParaRPr lang="ko-KR" altLang="en-US" dirty="0">
+                <a:ln>
+                  <a:solidFill>
+                    <a:sysClr val="windowText" lastClr="000000"/>
+                  </a:solidFill>
+                </a:ln>
+                <a:solidFill>
+                  <a:sysClr val="windowText" lastClr="000000"/>
+                </a:solidFill>
+              </a:endParaRPr>
+            </a:p>
+          </p:txBody>
+        </p:sp>
+        <p:cxnSp>
+          <p:nvCxnSpPr>
+            <p:cNvPr id="16" name="직선 화살표 연결선 15">
+              <a:extLst>
+                <a:ext uri="{FF2B5EF4-FFF2-40B4-BE49-F238E27FC236}">
+                  <a16:creationId xmlns:a16="http://schemas.microsoft.com/office/drawing/2014/main" id="{5320BFE3-B279-43F4-A749-A122979DDFBD}"/>
+                </a:ext>
+              </a:extLst>
+            </p:cNvPr>
+            <p:cNvCxnSpPr>
+              <a:cxnSpLocks/>
+              <a:stCxn id="14" idx="4"/>
+            </p:cNvCxnSpPr>
+            <p:nvPr/>
+          </p:nvCxnSpPr>
+          <p:spPr>
+            <a:xfrm>
+              <a:off x="7423369" y="5383146"/>
+              <a:ext cx="0" cy="161264"/>
+            </a:xfrm>
+            <a:prstGeom prst="straightConnector1">
+              <a:avLst/>
+            </a:prstGeom>
+            <a:ln w="25400">
+              <a:solidFill>
+                <a:schemeClr val="tx1"/>
+              </a:solidFill>
+              <a:headEnd type="stealth"/>
+              <a:tailEnd type="none"/>
+            </a:ln>
+          </p:spPr>
+          <p:style>
+            <a:lnRef idx="1">
+              <a:schemeClr val="accent1"/>
+            </a:lnRef>
+            <a:fillRef idx="0">
+              <a:schemeClr val="accent1"/>
+            </a:fillRef>
+            <a:effectRef idx="0">
+              <a:schemeClr val="accent1"/>
+            </a:effectRef>
+            <a:fontRef idx="minor">
+              <a:schemeClr val="tx1"/>
+            </a:fontRef>
+          </p:style>
+        </p:cxnSp>
+        <p:sp>
+          <p:nvSpPr>
+            <p:cNvPr id="23" name="타원 22">
+              <a:extLst>
+                <a:ext uri="{FF2B5EF4-FFF2-40B4-BE49-F238E27FC236}">
+                  <a16:creationId xmlns:a16="http://schemas.microsoft.com/office/drawing/2014/main" id="{763E2BC3-E29D-4DA9-BDE2-E3D51E513C65}"/>
+                </a:ext>
+              </a:extLst>
+            </p:cNvPr>
+            <p:cNvSpPr/>
+            <p:nvPr/>
+          </p:nvSpPr>
+          <p:spPr>
+            <a:xfrm>
+              <a:off x="9298350" y="5198419"/>
+              <a:ext cx="212436" cy="184727"/>
+            </a:xfrm>
+            <a:prstGeom prst="ellipse">
+              <a:avLst/>
+            </a:prstGeom>
+            <a:noFill/>
+            <a:ln>
+              <a:solidFill>
+                <a:schemeClr val="tx1"/>
+              </a:solidFill>
+            </a:ln>
+          </p:spPr>
+          <p:style>
+            <a:lnRef idx="2">
+              <a:schemeClr val="accent1">
+                <a:shade val="50000"/>
+              </a:schemeClr>
+            </a:lnRef>
+            <a:fillRef idx="1">
+              <a:schemeClr val="accent1"/>
+            </a:fillRef>
+            <a:effectRef idx="0">
+              <a:schemeClr val="accent1"/>
+            </a:effectRef>
+            <a:fontRef idx="minor">
+              <a:schemeClr val="lt1"/>
+            </a:fontRef>
+          </p:style>
+          <p:txBody>
+            <a:bodyPr rtlCol="0" anchor="ctr"/>
+            <a:lstStyle/>
+            <a:p>
+              <a:pPr algn="ctr"/>
+              <a:r>
+                <a:rPr lang="en-US" altLang="ko-KR" dirty="0">
+                  <a:ln>
+                    <a:solidFill>
+                      <a:sysClr val="windowText" lastClr="000000"/>
+                    </a:solidFill>
+                  </a:ln>
+                  <a:solidFill>
+                    <a:sysClr val="windowText" lastClr="000000"/>
+                  </a:solidFill>
+                </a:rPr>
+                <a:t>+</a:t>
+              </a:r>
+              <a:endParaRPr lang="ko-KR" altLang="en-US" dirty="0">
+                <a:ln>
+                  <a:solidFill>
+                    <a:sysClr val="windowText" lastClr="000000"/>
+                  </a:solidFill>
+                </a:ln>
+                <a:solidFill>
+                  <a:sysClr val="windowText" lastClr="000000"/>
+                </a:solidFill>
+              </a:endParaRPr>
+            </a:p>
+          </p:txBody>
+        </p:sp>
+        <p:cxnSp>
+          <p:nvCxnSpPr>
+            <p:cNvPr id="24" name="직선 화살표 연결선 23">
+              <a:extLst>
+                <a:ext uri="{FF2B5EF4-FFF2-40B4-BE49-F238E27FC236}">
+                  <a16:creationId xmlns:a16="http://schemas.microsoft.com/office/drawing/2014/main" id="{B1B38C2D-16CC-4B03-AF87-5316ED66257C}"/>
+                </a:ext>
+              </a:extLst>
+            </p:cNvPr>
+            <p:cNvCxnSpPr>
+              <a:cxnSpLocks/>
+              <a:stCxn id="23" idx="4"/>
+              <a:endCxn id="7" idx="0"/>
+            </p:cNvCxnSpPr>
+            <p:nvPr/>
+          </p:nvCxnSpPr>
+          <p:spPr>
+            <a:xfrm>
+              <a:off x="9404568" y="5383146"/>
+              <a:ext cx="646" cy="161264"/>
+            </a:xfrm>
+            <a:prstGeom prst="straightConnector1">
+              <a:avLst/>
+            </a:prstGeom>
+            <a:ln w="25400">
+              <a:solidFill>
+                <a:schemeClr val="tx1"/>
+              </a:solidFill>
+              <a:headEnd type="stealth"/>
+              <a:tailEnd type="none"/>
+            </a:ln>
+          </p:spPr>
+          <p:style>
+            <a:lnRef idx="1">
+              <a:schemeClr val="accent1"/>
+            </a:lnRef>
+            <a:fillRef idx="0">
+              <a:schemeClr val="accent1"/>
+            </a:fillRef>
+            <a:effectRef idx="0">
+              <a:schemeClr val="accent1"/>
+            </a:effectRef>
+            <a:fontRef idx="minor">
+              <a:schemeClr val="tx1"/>
+            </a:fontRef>
+          </p:style>
+        </p:cxnSp>
+        <p:cxnSp>
+          <p:nvCxnSpPr>
+            <p:cNvPr id="26" name="직선 화살표 연결선 25">
+              <a:extLst>
+                <a:ext uri="{FF2B5EF4-FFF2-40B4-BE49-F238E27FC236}">
+                  <a16:creationId xmlns:a16="http://schemas.microsoft.com/office/drawing/2014/main" id="{BF9F2AFE-4F0A-4158-B7F2-9E6776DE1781}"/>
+                </a:ext>
+              </a:extLst>
+            </p:cNvPr>
+            <p:cNvCxnSpPr>
+              <a:cxnSpLocks/>
+              <a:stCxn id="7" idx="2"/>
+            </p:cNvCxnSpPr>
+            <p:nvPr/>
+          </p:nvCxnSpPr>
+          <p:spPr>
+            <a:xfrm>
+              <a:off x="9405214" y="5970613"/>
+              <a:ext cx="0" cy="286154"/>
+            </a:xfrm>
+            <a:prstGeom prst="straightConnector1">
+              <a:avLst/>
+            </a:prstGeom>
+            <a:ln w="25400">
+              <a:solidFill>
+                <a:schemeClr val="tx1"/>
+              </a:solidFill>
+              <a:headEnd type="stealth"/>
+              <a:tailEnd type="none"/>
+            </a:ln>
+          </p:spPr>
+          <p:style>
+            <a:lnRef idx="1">
+              <a:schemeClr val="accent1"/>
+            </a:lnRef>
+            <a:fillRef idx="0">
+              <a:schemeClr val="accent1"/>
+            </a:fillRef>
+            <a:effectRef idx="0">
+              <a:schemeClr val="accent1"/>
+            </a:effectRef>
+            <a:fontRef idx="minor">
+              <a:schemeClr val="tx1"/>
+            </a:fontRef>
+          </p:style>
+        </p:cxnSp>
+        <p:sp>
+          <p:nvSpPr>
+            <p:cNvPr id="28" name="TextBox 27">
+              <a:extLst>
+                <a:ext uri="{FF2B5EF4-FFF2-40B4-BE49-F238E27FC236}">
+                  <a16:creationId xmlns:a16="http://schemas.microsoft.com/office/drawing/2014/main" id="{E8E4532C-C792-4052-92BA-5B0012767B78}"/>
+                </a:ext>
+              </a:extLst>
+            </p:cNvPr>
+            <p:cNvSpPr txBox="1"/>
+            <p:nvPr/>
+          </p:nvSpPr>
+          <p:spPr>
+            <a:xfrm>
+              <a:off x="7060959" y="6290455"/>
+              <a:ext cx="937255" cy="307777"/>
+            </a:xfrm>
+            <a:prstGeom prst="rect">
+              <a:avLst/>
+            </a:prstGeom>
+            <a:noFill/>
+          </p:spPr>
+          <p:txBody>
+            <a:bodyPr wrap="square" rtlCol="0">
+              <a:spAutoFit/>
+            </a:bodyPr>
+            <a:lstStyle/>
+            <a:p>
+              <a:r>
+                <a:rPr lang="en-US" altLang="ko-KR" sz="1400" dirty="0"/>
+                <a:t>Inputs</a:t>
+              </a:r>
+              <a:endParaRPr lang="ko-KR" altLang="en-US" sz="1400" dirty="0"/>
+            </a:p>
+          </p:txBody>
+        </p:sp>
+        <p:sp>
+          <p:nvSpPr>
+            <p:cNvPr id="30" name="TextBox 29">
+              <a:extLst>
+                <a:ext uri="{FF2B5EF4-FFF2-40B4-BE49-F238E27FC236}">
+                  <a16:creationId xmlns:a16="http://schemas.microsoft.com/office/drawing/2014/main" id="{B132E278-11D5-40DA-B588-51B62FC68AC2}"/>
+                </a:ext>
+              </a:extLst>
+            </p:cNvPr>
+            <p:cNvSpPr txBox="1"/>
+            <p:nvPr/>
+          </p:nvSpPr>
+          <p:spPr>
+            <a:xfrm>
+              <a:off x="8723986" y="6290455"/>
+              <a:ext cx="1361164" cy="523220"/>
+            </a:xfrm>
+            <a:prstGeom prst="rect">
+              <a:avLst/>
+            </a:prstGeom>
+            <a:noFill/>
+          </p:spPr>
+          <p:txBody>
+            <a:bodyPr wrap="square" rtlCol="0">
+              <a:spAutoFit/>
+            </a:bodyPr>
+            <a:lstStyle/>
+            <a:p>
+              <a:pPr algn="ctr"/>
+              <a:r>
+                <a:rPr lang="en-US" altLang="ko-KR" sz="1400" dirty="0"/>
+                <a:t>Outputs</a:t>
+              </a:r>
+              <a:br>
+                <a:rPr lang="en-US" altLang="ko-KR" sz="1400" dirty="0"/>
+              </a:br>
+              <a:r>
+                <a:rPr lang="en-US" altLang="ko-KR" sz="1400" dirty="0"/>
+                <a:t>(shifted right)</a:t>
+              </a:r>
+              <a:endParaRPr lang="ko-KR" altLang="en-US" sz="1400" dirty="0"/>
+            </a:p>
+          </p:txBody>
+        </p:sp>
+        <p:sp>
+          <p:nvSpPr>
+            <p:cNvPr id="31" name="사각형: 둥근 모서리 30">
+              <a:extLst>
+                <a:ext uri="{FF2B5EF4-FFF2-40B4-BE49-F238E27FC236}">
+                  <a16:creationId xmlns:a16="http://schemas.microsoft.com/office/drawing/2014/main" id="{37531404-96B4-4CDD-BA40-EA6246BCDF5F}"/>
+                </a:ext>
+              </a:extLst>
+            </p:cNvPr>
+            <p:cNvSpPr/>
+            <p:nvPr/>
+          </p:nvSpPr>
+          <p:spPr>
+            <a:xfrm>
+              <a:off x="6657373" y="2842918"/>
+              <a:ext cx="1542532" cy="2253984"/>
+            </a:xfrm>
+            <a:prstGeom prst="roundRect">
+              <a:avLst>
+                <a:gd name="adj" fmla="val 9190"/>
+              </a:avLst>
+            </a:prstGeom>
+            <a:solidFill>
+              <a:schemeClr val="bg1">
+                <a:lumMod val="95000"/>
+              </a:schemeClr>
+            </a:solidFill>
+            <a:ln>
+              <a:solidFill>
+                <a:schemeClr val="tx1"/>
+              </a:solidFill>
+            </a:ln>
+          </p:spPr>
+          <p:style>
+            <a:lnRef idx="2">
+              <a:schemeClr val="accent1">
+                <a:shade val="50000"/>
+              </a:schemeClr>
+            </a:lnRef>
+            <a:fillRef idx="1">
+              <a:schemeClr val="accent1"/>
+            </a:fillRef>
+            <a:effectRef idx="0">
+              <a:schemeClr val="accent1"/>
+            </a:effectRef>
+            <a:fontRef idx="minor">
+              <a:schemeClr val="lt1"/>
+            </a:fontRef>
+          </p:style>
+          <p:txBody>
+            <a:bodyPr rtlCol="0" anchor="ctr"/>
+            <a:lstStyle/>
+            <a:p>
+              <a:pPr algn="ctr"/>
+              <a:endParaRPr lang="en-US" altLang="ko-KR" sz="1200" dirty="0">
+                <a:solidFill>
+                  <a:sysClr val="windowText" lastClr="000000"/>
+                </a:solidFill>
+              </a:endParaRPr>
+            </a:p>
+          </p:txBody>
+        </p:sp>
+        <p:cxnSp>
+          <p:nvCxnSpPr>
+            <p:cNvPr id="32" name="직선 화살표 연결선 31">
+              <a:extLst>
+                <a:ext uri="{FF2B5EF4-FFF2-40B4-BE49-F238E27FC236}">
+                  <a16:creationId xmlns:a16="http://schemas.microsoft.com/office/drawing/2014/main" id="{8A0C09EB-5D82-4D2A-818F-CF0B16A7BF87}"/>
+                </a:ext>
+              </a:extLst>
+            </p:cNvPr>
+            <p:cNvCxnSpPr>
+              <a:cxnSpLocks/>
+              <a:stCxn id="33" idx="2"/>
+              <a:endCxn id="14" idx="0"/>
+            </p:cNvCxnSpPr>
+            <p:nvPr/>
+          </p:nvCxnSpPr>
+          <p:spPr>
+            <a:xfrm flipH="1">
+              <a:off x="7423369" y="4750871"/>
+              <a:ext cx="5270" cy="447548"/>
+            </a:xfrm>
+            <a:prstGeom prst="straightConnector1">
+              <a:avLst/>
+            </a:prstGeom>
+            <a:ln w="25400">
+              <a:solidFill>
+                <a:schemeClr val="tx1"/>
+              </a:solidFill>
+              <a:headEnd type="stealth"/>
+              <a:tailEnd type="none"/>
+            </a:ln>
+          </p:spPr>
+          <p:style>
+            <a:lnRef idx="1">
+              <a:schemeClr val="accent1"/>
+            </a:lnRef>
+            <a:fillRef idx="0">
+              <a:schemeClr val="accent1"/>
+            </a:fillRef>
+            <a:effectRef idx="0">
+              <a:schemeClr val="accent1"/>
+            </a:effectRef>
+            <a:fontRef idx="minor">
+              <a:schemeClr val="tx1"/>
+            </a:fontRef>
+          </p:style>
+        </p:cxnSp>
+        <p:sp>
+          <p:nvSpPr>
+            <p:cNvPr id="33" name="사각형: 둥근 모서리 32">
+              <a:extLst>
+                <a:ext uri="{FF2B5EF4-FFF2-40B4-BE49-F238E27FC236}">
+                  <a16:creationId xmlns:a16="http://schemas.microsoft.com/office/drawing/2014/main" id="{366EBCD2-0576-487C-B92C-0FFEDD928056}"/>
+                </a:ext>
+              </a:extLst>
+            </p:cNvPr>
+            <p:cNvSpPr/>
+            <p:nvPr/>
+          </p:nvSpPr>
+          <p:spPr>
+            <a:xfrm>
+              <a:off x="6896700" y="4324668"/>
+              <a:ext cx="1063877" cy="426203"/>
+            </a:xfrm>
+            <a:prstGeom prst="roundRect">
+              <a:avLst>
+                <a:gd name="adj" fmla="val 9190"/>
+              </a:avLst>
+            </a:prstGeom>
+            <a:solidFill>
+              <a:schemeClr val="accent4">
+                <a:lumMod val="40000"/>
+                <a:lumOff val="60000"/>
+              </a:schemeClr>
+            </a:solidFill>
+            <a:ln>
+              <a:solidFill>
+                <a:schemeClr val="tx1"/>
+              </a:solidFill>
+            </a:ln>
+          </p:spPr>
+          <p:style>
+            <a:lnRef idx="2">
+              <a:schemeClr val="accent1">
+                <a:shade val="50000"/>
+              </a:schemeClr>
+            </a:lnRef>
+            <a:fillRef idx="1">
+              <a:schemeClr val="accent1"/>
+            </a:fillRef>
+            <a:effectRef idx="0">
+              <a:schemeClr val="accent1"/>
+            </a:effectRef>
+            <a:fontRef idx="minor">
+              <a:schemeClr val="lt1"/>
+            </a:fontRef>
+          </p:style>
+          <p:txBody>
+            <a:bodyPr rtlCol="0" anchor="ctr"/>
+            <a:lstStyle/>
+            <a:p>
+              <a:pPr algn="ctr"/>
+              <a:r>
+                <a:rPr lang="en-US" altLang="ko-KR" sz="1200" dirty="0">
+                  <a:solidFill>
+                    <a:sysClr val="windowText" lastClr="000000"/>
+                  </a:solidFill>
+                </a:rPr>
+                <a:t>Multi-Head</a:t>
+              </a:r>
+              <a:br>
+                <a:rPr lang="en-US" altLang="ko-KR" sz="1200" dirty="0">
+                  <a:solidFill>
+                    <a:sysClr val="windowText" lastClr="000000"/>
+                  </a:solidFill>
+                </a:rPr>
+              </a:br>
+              <a:r>
+                <a:rPr lang="en-US" altLang="ko-KR" sz="1200" dirty="0">
+                  <a:solidFill>
+                    <a:sysClr val="windowText" lastClr="000000"/>
+                  </a:solidFill>
+                </a:rPr>
+                <a:t>Attention</a:t>
+              </a:r>
+              <a:endParaRPr lang="ko-KR" altLang="en-US" sz="1200" dirty="0">
+                <a:solidFill>
+                  <a:sysClr val="windowText" lastClr="000000"/>
+                </a:solidFill>
+              </a:endParaRPr>
+            </a:p>
+          </p:txBody>
+        </p:sp>
+        <p:sp>
+          <p:nvSpPr>
+            <p:cNvPr id="34" name="사각형: 둥근 모서리 33">
+              <a:extLst>
+                <a:ext uri="{FF2B5EF4-FFF2-40B4-BE49-F238E27FC236}">
+                  <a16:creationId xmlns:a16="http://schemas.microsoft.com/office/drawing/2014/main" id="{1AA9A87B-F7CA-4BB7-BBB8-A0CE11020F87}"/>
+                </a:ext>
+              </a:extLst>
+            </p:cNvPr>
+            <p:cNvSpPr/>
+            <p:nvPr/>
+          </p:nvSpPr>
+          <p:spPr>
+            <a:xfrm>
+              <a:off x="6896700" y="4004826"/>
+              <a:ext cx="1063877" cy="238381"/>
+            </a:xfrm>
+            <a:prstGeom prst="roundRect">
+              <a:avLst>
+                <a:gd name="adj" fmla="val 9190"/>
+              </a:avLst>
+            </a:prstGeom>
+            <a:solidFill>
+              <a:srgbClr val="FFFFB3"/>
+            </a:solidFill>
+            <a:ln>
+              <a:solidFill>
+                <a:schemeClr val="tx1"/>
+              </a:solidFill>
+            </a:ln>
+          </p:spPr>
+          <p:style>
+            <a:lnRef idx="2">
+              <a:schemeClr val="accent1">
+                <a:shade val="50000"/>
+              </a:schemeClr>
+            </a:lnRef>
+            <a:fillRef idx="1">
+              <a:schemeClr val="accent1"/>
+            </a:fillRef>
+            <a:effectRef idx="0">
+              <a:schemeClr val="accent1"/>
+            </a:effectRef>
+            <a:fontRef idx="minor">
+              <a:schemeClr val="lt1"/>
+            </a:fontRef>
+          </p:style>
+          <p:txBody>
+            <a:bodyPr rtlCol="0" anchor="ctr"/>
+            <a:lstStyle/>
+            <a:p>
+              <a:pPr algn="ctr"/>
+              <a:r>
+                <a:rPr lang="en-US" altLang="ko-KR" sz="1100" dirty="0">
+                  <a:solidFill>
+                    <a:sysClr val="windowText" lastClr="000000"/>
+                  </a:solidFill>
+                </a:rPr>
+                <a:t>Add &amp; Norm</a:t>
+              </a:r>
+              <a:endParaRPr lang="ko-KR" altLang="en-US" sz="1100" dirty="0">
+                <a:solidFill>
+                  <a:sysClr val="windowText" lastClr="000000"/>
+                </a:solidFill>
+              </a:endParaRPr>
+            </a:p>
+          </p:txBody>
+        </p:sp>
+        <p:sp>
+          <p:nvSpPr>
+            <p:cNvPr id="35" name="사각형: 둥근 모서리 34">
+              <a:extLst>
+                <a:ext uri="{FF2B5EF4-FFF2-40B4-BE49-F238E27FC236}">
+                  <a16:creationId xmlns:a16="http://schemas.microsoft.com/office/drawing/2014/main" id="{415F20E9-EF23-49B0-BD47-ECB0A314D994}"/>
+                </a:ext>
+              </a:extLst>
+            </p:cNvPr>
+            <p:cNvSpPr/>
+            <p:nvPr/>
+          </p:nvSpPr>
+          <p:spPr>
+            <a:xfrm>
+              <a:off x="6896700" y="3273158"/>
+              <a:ext cx="1063877" cy="426203"/>
+            </a:xfrm>
+            <a:prstGeom prst="roundRect">
+              <a:avLst>
+                <a:gd name="adj" fmla="val 9190"/>
+              </a:avLst>
+            </a:prstGeom>
+            <a:solidFill>
+              <a:schemeClr val="accent6">
+                <a:lumMod val="20000"/>
+                <a:lumOff val="80000"/>
+              </a:schemeClr>
+            </a:solidFill>
+            <a:ln>
+              <a:solidFill>
+                <a:schemeClr val="tx1"/>
+              </a:solidFill>
+            </a:ln>
+          </p:spPr>
+          <p:style>
+            <a:lnRef idx="2">
+              <a:schemeClr val="accent1">
+                <a:shade val="50000"/>
+              </a:schemeClr>
+            </a:lnRef>
+            <a:fillRef idx="1">
+              <a:schemeClr val="accent1"/>
+            </a:fillRef>
+            <a:effectRef idx="0">
+              <a:schemeClr val="accent1"/>
+            </a:effectRef>
+            <a:fontRef idx="minor">
+              <a:schemeClr val="lt1"/>
+            </a:fontRef>
+          </p:style>
+          <p:txBody>
+            <a:bodyPr rtlCol="0" anchor="ctr"/>
+            <a:lstStyle/>
+            <a:p>
+              <a:pPr algn="ctr"/>
+              <a:r>
+                <a:rPr lang="en-US" altLang="ko-KR" sz="1200" dirty="0">
+                  <a:solidFill>
+                    <a:sysClr val="windowText" lastClr="000000"/>
+                  </a:solidFill>
+                </a:rPr>
+                <a:t>Feed</a:t>
+              </a:r>
+              <a:br>
+                <a:rPr lang="en-US" altLang="ko-KR" sz="1200" dirty="0">
+                  <a:solidFill>
+                    <a:sysClr val="windowText" lastClr="000000"/>
+                  </a:solidFill>
+                </a:rPr>
+              </a:br>
+              <a:r>
+                <a:rPr lang="en-US" altLang="ko-KR" sz="1200" dirty="0">
+                  <a:solidFill>
+                    <a:sysClr val="windowText" lastClr="000000"/>
+                  </a:solidFill>
+                </a:rPr>
+                <a:t>Forward</a:t>
+              </a:r>
+              <a:endParaRPr lang="ko-KR" altLang="en-US" sz="1200" dirty="0">
+                <a:solidFill>
+                  <a:sysClr val="windowText" lastClr="000000"/>
+                </a:solidFill>
+              </a:endParaRPr>
+            </a:p>
+          </p:txBody>
+        </p:sp>
+        <p:sp>
+          <p:nvSpPr>
+            <p:cNvPr id="36" name="사각형: 둥근 모서리 35">
+              <a:extLst>
+                <a:ext uri="{FF2B5EF4-FFF2-40B4-BE49-F238E27FC236}">
+                  <a16:creationId xmlns:a16="http://schemas.microsoft.com/office/drawing/2014/main" id="{8C4C0364-D04D-4E2A-8CF1-D6CAB9C5934C}"/>
+                </a:ext>
+              </a:extLst>
+            </p:cNvPr>
+            <p:cNvSpPr/>
+            <p:nvPr/>
+          </p:nvSpPr>
+          <p:spPr>
+            <a:xfrm>
+              <a:off x="6896700" y="2980499"/>
+              <a:ext cx="1063877" cy="238381"/>
+            </a:xfrm>
+            <a:prstGeom prst="roundRect">
+              <a:avLst>
+                <a:gd name="adj" fmla="val 9190"/>
+              </a:avLst>
+            </a:prstGeom>
+            <a:solidFill>
+              <a:srgbClr val="FFFFB3"/>
+            </a:solidFill>
+            <a:ln>
+              <a:solidFill>
+                <a:schemeClr val="tx1"/>
+              </a:solidFill>
+            </a:ln>
+          </p:spPr>
+          <p:style>
+            <a:lnRef idx="2">
+              <a:schemeClr val="accent1">
+                <a:shade val="50000"/>
+              </a:schemeClr>
+            </a:lnRef>
+            <a:fillRef idx="1">
+              <a:schemeClr val="accent1"/>
+            </a:fillRef>
+            <a:effectRef idx="0">
+              <a:schemeClr val="accent1"/>
+            </a:effectRef>
+            <a:fontRef idx="minor">
+              <a:schemeClr val="lt1"/>
+            </a:fontRef>
+          </p:style>
+          <p:txBody>
+            <a:bodyPr rtlCol="0" anchor="ctr"/>
+            <a:lstStyle/>
+            <a:p>
+              <a:pPr algn="ctr"/>
+              <a:r>
+                <a:rPr lang="en-US" altLang="ko-KR" sz="1100" dirty="0">
+                  <a:solidFill>
+                    <a:sysClr val="windowText" lastClr="000000"/>
+                  </a:solidFill>
+                </a:rPr>
+                <a:t>Add &amp; Norm</a:t>
+              </a:r>
+              <a:endParaRPr lang="ko-KR" altLang="en-US" sz="1100" dirty="0">
+                <a:solidFill>
+                  <a:sysClr val="windowText" lastClr="000000"/>
+                </a:solidFill>
+              </a:endParaRPr>
+            </a:p>
+          </p:txBody>
+        </p:sp>
+        <p:sp>
+          <p:nvSpPr>
+            <p:cNvPr id="47" name="사각형: 둥근 모서리 46">
+              <a:extLst>
+                <a:ext uri="{FF2B5EF4-FFF2-40B4-BE49-F238E27FC236}">
+                  <a16:creationId xmlns:a16="http://schemas.microsoft.com/office/drawing/2014/main" id="{B614370B-2978-4217-8D4A-664509E5DA23}"/>
+                </a:ext>
+              </a:extLst>
+            </p:cNvPr>
+            <p:cNvSpPr/>
+            <p:nvPr/>
+          </p:nvSpPr>
+          <p:spPr>
+            <a:xfrm>
+              <a:off x="8633317" y="1761098"/>
+              <a:ext cx="1542532" cy="3335804"/>
+            </a:xfrm>
+            <a:prstGeom prst="roundRect">
+              <a:avLst>
+                <a:gd name="adj" fmla="val 9190"/>
+              </a:avLst>
+            </a:prstGeom>
+            <a:solidFill>
+              <a:schemeClr val="bg1">
+                <a:lumMod val="95000"/>
+              </a:schemeClr>
+            </a:solidFill>
+            <a:ln>
+              <a:solidFill>
+                <a:schemeClr val="tx1"/>
+              </a:solidFill>
+            </a:ln>
+          </p:spPr>
+          <p:style>
+            <a:lnRef idx="2">
+              <a:schemeClr val="accent1">
+                <a:shade val="50000"/>
+              </a:schemeClr>
+            </a:lnRef>
+            <a:fillRef idx="1">
+              <a:schemeClr val="accent1"/>
+            </a:fillRef>
+            <a:effectRef idx="0">
+              <a:schemeClr val="accent1"/>
+            </a:effectRef>
+            <a:fontRef idx="minor">
+              <a:schemeClr val="lt1"/>
+            </a:fontRef>
+          </p:style>
+          <p:txBody>
+            <a:bodyPr rtlCol="0" anchor="ctr"/>
+            <a:lstStyle/>
+            <a:p>
+              <a:pPr algn="ctr"/>
+              <a:endParaRPr lang="en-US" altLang="ko-KR" sz="1200" dirty="0">
+                <a:solidFill>
+                  <a:sysClr val="windowText" lastClr="000000"/>
+                </a:solidFill>
+              </a:endParaRPr>
+            </a:p>
+          </p:txBody>
+        </p:sp>
+        <p:cxnSp>
+          <p:nvCxnSpPr>
+            <p:cNvPr id="48" name="직선 화살표 연결선 47">
+              <a:extLst>
+                <a:ext uri="{FF2B5EF4-FFF2-40B4-BE49-F238E27FC236}">
+                  <a16:creationId xmlns:a16="http://schemas.microsoft.com/office/drawing/2014/main" id="{0B678EE3-D893-437D-9611-E771DF28FA63}"/>
+                </a:ext>
+              </a:extLst>
+            </p:cNvPr>
+            <p:cNvCxnSpPr>
+              <a:cxnSpLocks/>
+            </p:cNvCxnSpPr>
+            <p:nvPr/>
+          </p:nvCxnSpPr>
+          <p:spPr>
+            <a:xfrm flipH="1">
+              <a:off x="9399313" y="3669052"/>
+              <a:ext cx="320389" cy="447548"/>
+            </a:xfrm>
+            <a:prstGeom prst="straightConnector1">
+              <a:avLst/>
+            </a:prstGeom>
+            <a:ln w="25400">
+              <a:solidFill>
+                <a:schemeClr val="tx1"/>
+              </a:solidFill>
+              <a:headEnd type="stealth"/>
+              <a:tailEnd type="none"/>
+            </a:ln>
+          </p:spPr>
+          <p:style>
+            <a:lnRef idx="1">
+              <a:schemeClr val="accent1"/>
+            </a:lnRef>
+            <a:fillRef idx="0">
+              <a:schemeClr val="accent1"/>
+            </a:fillRef>
+            <a:effectRef idx="0">
+              <a:schemeClr val="accent1"/>
+            </a:effectRef>
+            <a:fontRef idx="minor">
+              <a:schemeClr val="tx1"/>
+            </a:fontRef>
+          </p:style>
+        </p:cxnSp>
+        <p:sp>
+          <p:nvSpPr>
+            <p:cNvPr id="49" name="사각형: 둥근 모서리 48">
+              <a:extLst>
+                <a:ext uri="{FF2B5EF4-FFF2-40B4-BE49-F238E27FC236}">
+                  <a16:creationId xmlns:a16="http://schemas.microsoft.com/office/drawing/2014/main" id="{ABF60048-C6B8-4CF4-BAA0-329E6581EF8B}"/>
+                </a:ext>
+              </a:extLst>
+            </p:cNvPr>
+            <p:cNvSpPr/>
+            <p:nvPr/>
+          </p:nvSpPr>
+          <p:spPr>
+            <a:xfrm>
+              <a:off x="8872644" y="3242849"/>
+              <a:ext cx="1063877" cy="426203"/>
+            </a:xfrm>
+            <a:prstGeom prst="roundRect">
+              <a:avLst>
+                <a:gd name="adj" fmla="val 9190"/>
+              </a:avLst>
+            </a:prstGeom>
+            <a:solidFill>
+              <a:schemeClr val="accent4">
+                <a:lumMod val="40000"/>
+                <a:lumOff val="60000"/>
+              </a:schemeClr>
+            </a:solidFill>
+            <a:ln>
+              <a:solidFill>
+                <a:schemeClr val="tx1"/>
+              </a:solidFill>
+            </a:ln>
+          </p:spPr>
+          <p:style>
+            <a:lnRef idx="2">
+              <a:schemeClr val="accent1">
+                <a:shade val="50000"/>
+              </a:schemeClr>
+            </a:lnRef>
+            <a:fillRef idx="1">
+              <a:schemeClr val="accent1"/>
+            </a:fillRef>
+            <a:effectRef idx="0">
+              <a:schemeClr val="accent1"/>
+            </a:effectRef>
+            <a:fontRef idx="minor">
+              <a:schemeClr val="lt1"/>
+            </a:fontRef>
+          </p:style>
+          <p:txBody>
+            <a:bodyPr rtlCol="0" anchor="ctr"/>
+            <a:lstStyle/>
+            <a:p>
+              <a:pPr algn="ctr"/>
+              <a:r>
+                <a:rPr lang="en-US" altLang="ko-KR" sz="1200" dirty="0">
+                  <a:solidFill>
+                    <a:sysClr val="windowText" lastClr="000000"/>
+                  </a:solidFill>
+                </a:rPr>
+                <a:t>Multi-Head</a:t>
+              </a:r>
+              <a:br>
+                <a:rPr lang="en-US" altLang="ko-KR" sz="1200" dirty="0">
+                  <a:solidFill>
+                    <a:sysClr val="windowText" lastClr="000000"/>
+                  </a:solidFill>
+                </a:rPr>
+              </a:br>
+              <a:r>
+                <a:rPr lang="en-US" altLang="ko-KR" sz="1200" dirty="0">
+                  <a:solidFill>
+                    <a:sysClr val="windowText" lastClr="000000"/>
+                  </a:solidFill>
+                </a:rPr>
+                <a:t>Attention</a:t>
+              </a:r>
+              <a:endParaRPr lang="ko-KR" altLang="en-US" sz="1200" dirty="0">
+                <a:solidFill>
+                  <a:sysClr val="windowText" lastClr="000000"/>
+                </a:solidFill>
+              </a:endParaRPr>
+            </a:p>
+          </p:txBody>
+        </p:sp>
+        <p:sp>
+          <p:nvSpPr>
+            <p:cNvPr id="50" name="사각형: 둥근 모서리 49">
+              <a:extLst>
+                <a:ext uri="{FF2B5EF4-FFF2-40B4-BE49-F238E27FC236}">
+                  <a16:creationId xmlns:a16="http://schemas.microsoft.com/office/drawing/2014/main" id="{5E990CA2-D0A8-456C-98F6-E1F7D40CF669}"/>
+                </a:ext>
+              </a:extLst>
+            </p:cNvPr>
+            <p:cNvSpPr/>
+            <p:nvPr/>
+          </p:nvSpPr>
+          <p:spPr>
+            <a:xfrm>
+              <a:off x="8872644" y="2923007"/>
+              <a:ext cx="1063877" cy="238381"/>
+            </a:xfrm>
+            <a:prstGeom prst="roundRect">
+              <a:avLst>
+                <a:gd name="adj" fmla="val 9190"/>
+              </a:avLst>
+            </a:prstGeom>
+            <a:solidFill>
+              <a:srgbClr val="FFFFB3"/>
+            </a:solidFill>
+            <a:ln>
+              <a:solidFill>
+                <a:schemeClr val="tx1"/>
+              </a:solidFill>
+            </a:ln>
+          </p:spPr>
+          <p:style>
+            <a:lnRef idx="2">
+              <a:schemeClr val="accent1">
+                <a:shade val="50000"/>
+              </a:schemeClr>
+            </a:lnRef>
+            <a:fillRef idx="1">
+              <a:schemeClr val="accent1"/>
+            </a:fillRef>
+            <a:effectRef idx="0">
+              <a:schemeClr val="accent1"/>
+            </a:effectRef>
+            <a:fontRef idx="minor">
+              <a:schemeClr val="lt1"/>
+            </a:fontRef>
+          </p:style>
+          <p:txBody>
+            <a:bodyPr rtlCol="0" anchor="ctr"/>
+            <a:lstStyle/>
+            <a:p>
+              <a:pPr algn="ctr"/>
+              <a:r>
+                <a:rPr lang="en-US" altLang="ko-KR" sz="1100" dirty="0">
+                  <a:solidFill>
+                    <a:sysClr val="windowText" lastClr="000000"/>
+                  </a:solidFill>
+                </a:rPr>
+                <a:t>Add &amp; Norm</a:t>
+              </a:r>
+              <a:endParaRPr lang="ko-KR" altLang="en-US" sz="1100" dirty="0">
+                <a:solidFill>
+                  <a:sysClr val="windowText" lastClr="000000"/>
+                </a:solidFill>
+              </a:endParaRPr>
+            </a:p>
+          </p:txBody>
+        </p:sp>
+        <p:sp>
+          <p:nvSpPr>
+            <p:cNvPr id="51" name="사각형: 둥근 모서리 50">
+              <a:extLst>
+                <a:ext uri="{FF2B5EF4-FFF2-40B4-BE49-F238E27FC236}">
+                  <a16:creationId xmlns:a16="http://schemas.microsoft.com/office/drawing/2014/main" id="{8B895E2E-CB0C-427B-9C28-7DA6B2F1AD56}"/>
+                </a:ext>
+              </a:extLst>
+            </p:cNvPr>
+            <p:cNvSpPr/>
+            <p:nvPr/>
+          </p:nvSpPr>
+          <p:spPr>
+            <a:xfrm>
+              <a:off x="8872644" y="2191339"/>
+              <a:ext cx="1063877" cy="426203"/>
+            </a:xfrm>
+            <a:prstGeom prst="roundRect">
+              <a:avLst>
+                <a:gd name="adj" fmla="val 9190"/>
+              </a:avLst>
+            </a:prstGeom>
+            <a:solidFill>
+              <a:schemeClr val="accent6">
+                <a:lumMod val="20000"/>
+                <a:lumOff val="80000"/>
+              </a:schemeClr>
+            </a:solidFill>
+            <a:ln>
+              <a:solidFill>
+                <a:schemeClr val="tx1"/>
+              </a:solidFill>
+            </a:ln>
+          </p:spPr>
+          <p:style>
+            <a:lnRef idx="2">
+              <a:schemeClr val="accent1">
+                <a:shade val="50000"/>
+              </a:schemeClr>
+            </a:lnRef>
+            <a:fillRef idx="1">
+              <a:schemeClr val="accent1"/>
+            </a:fillRef>
+            <a:effectRef idx="0">
+              <a:schemeClr val="accent1"/>
+            </a:effectRef>
+            <a:fontRef idx="minor">
+              <a:schemeClr val="lt1"/>
+            </a:fontRef>
+          </p:style>
+          <p:txBody>
+            <a:bodyPr rtlCol="0" anchor="ctr"/>
+            <a:lstStyle/>
+            <a:p>
+              <a:pPr algn="ctr"/>
+              <a:r>
+                <a:rPr lang="en-US" altLang="ko-KR" sz="1200" dirty="0">
+                  <a:solidFill>
+                    <a:sysClr val="windowText" lastClr="000000"/>
+                  </a:solidFill>
+                </a:rPr>
+                <a:t>Feed</a:t>
+              </a:r>
+              <a:br>
+                <a:rPr lang="en-US" altLang="ko-KR" sz="1200" dirty="0">
+                  <a:solidFill>
+                    <a:sysClr val="windowText" lastClr="000000"/>
+                  </a:solidFill>
+                </a:rPr>
+              </a:br>
+              <a:r>
+                <a:rPr lang="en-US" altLang="ko-KR" sz="1200" dirty="0">
+                  <a:solidFill>
+                    <a:sysClr val="windowText" lastClr="000000"/>
+                  </a:solidFill>
+                </a:rPr>
+                <a:t>Forward</a:t>
+              </a:r>
+              <a:endParaRPr lang="ko-KR" altLang="en-US" sz="1200" dirty="0">
+                <a:solidFill>
+                  <a:sysClr val="windowText" lastClr="000000"/>
+                </a:solidFill>
+              </a:endParaRPr>
+            </a:p>
+          </p:txBody>
+        </p:sp>
+        <p:sp>
+          <p:nvSpPr>
+            <p:cNvPr id="52" name="사각형: 둥근 모서리 51">
+              <a:extLst>
+                <a:ext uri="{FF2B5EF4-FFF2-40B4-BE49-F238E27FC236}">
+                  <a16:creationId xmlns:a16="http://schemas.microsoft.com/office/drawing/2014/main" id="{8F4AF24E-4D18-4183-8904-83CD80E3419C}"/>
+                </a:ext>
+              </a:extLst>
+            </p:cNvPr>
+            <p:cNvSpPr/>
+            <p:nvPr/>
+          </p:nvSpPr>
+          <p:spPr>
+            <a:xfrm>
+              <a:off x="8872644" y="1898680"/>
+              <a:ext cx="1063877" cy="238381"/>
+            </a:xfrm>
+            <a:prstGeom prst="roundRect">
+              <a:avLst>
+                <a:gd name="adj" fmla="val 9190"/>
+              </a:avLst>
+            </a:prstGeom>
+            <a:solidFill>
+              <a:srgbClr val="FFFFB3"/>
+            </a:solidFill>
+            <a:ln>
+              <a:solidFill>
+                <a:schemeClr val="tx1"/>
+              </a:solidFill>
+            </a:ln>
+          </p:spPr>
+          <p:style>
+            <a:lnRef idx="2">
+              <a:schemeClr val="accent1">
+                <a:shade val="50000"/>
+              </a:schemeClr>
+            </a:lnRef>
+            <a:fillRef idx="1">
+              <a:schemeClr val="accent1"/>
+            </a:fillRef>
+            <a:effectRef idx="0">
+              <a:schemeClr val="accent1"/>
+            </a:effectRef>
+            <a:fontRef idx="minor">
+              <a:schemeClr val="lt1"/>
+            </a:fontRef>
+          </p:style>
+          <p:txBody>
+            <a:bodyPr rtlCol="0" anchor="ctr"/>
+            <a:lstStyle/>
+            <a:p>
+              <a:pPr algn="ctr"/>
+              <a:r>
+                <a:rPr lang="en-US" altLang="ko-KR" sz="1100" dirty="0">
+                  <a:solidFill>
+                    <a:sysClr val="windowText" lastClr="000000"/>
+                  </a:solidFill>
+                </a:rPr>
+                <a:t>Add &amp; Norm</a:t>
+              </a:r>
+              <a:endParaRPr lang="ko-KR" altLang="en-US" sz="1100" dirty="0">
+                <a:solidFill>
+                  <a:sysClr val="windowText" lastClr="000000"/>
+                </a:solidFill>
+              </a:endParaRPr>
+            </a:p>
+          </p:txBody>
+        </p:sp>
+        <p:sp>
+          <p:nvSpPr>
+            <p:cNvPr id="53" name="사각형: 둥근 모서리 52">
+              <a:extLst>
+                <a:ext uri="{FF2B5EF4-FFF2-40B4-BE49-F238E27FC236}">
+                  <a16:creationId xmlns:a16="http://schemas.microsoft.com/office/drawing/2014/main" id="{0FDD566D-E155-4833-8CB2-C6BED1CF8976}"/>
+                </a:ext>
+              </a:extLst>
+            </p:cNvPr>
+            <p:cNvSpPr/>
+            <p:nvPr/>
+          </p:nvSpPr>
+          <p:spPr>
+            <a:xfrm>
+              <a:off x="8867374" y="4370571"/>
+              <a:ext cx="1063877" cy="575244"/>
+            </a:xfrm>
+            <a:prstGeom prst="roundRect">
+              <a:avLst>
+                <a:gd name="adj" fmla="val 9190"/>
+              </a:avLst>
+            </a:prstGeom>
+            <a:solidFill>
+              <a:schemeClr val="accent4">
+                <a:lumMod val="40000"/>
+                <a:lumOff val="60000"/>
+              </a:schemeClr>
+            </a:solidFill>
+            <a:ln>
+              <a:solidFill>
+                <a:schemeClr val="tx1"/>
+              </a:solidFill>
+            </a:ln>
+          </p:spPr>
+          <p:style>
+            <a:lnRef idx="2">
+              <a:schemeClr val="accent1">
+                <a:shade val="50000"/>
+              </a:schemeClr>
+            </a:lnRef>
+            <a:fillRef idx="1">
+              <a:schemeClr val="accent1"/>
+            </a:fillRef>
+            <a:effectRef idx="0">
+              <a:schemeClr val="accent1"/>
+            </a:effectRef>
+            <a:fontRef idx="minor">
+              <a:schemeClr val="lt1"/>
+            </a:fontRef>
+          </p:style>
+          <p:txBody>
+            <a:bodyPr rtlCol="0" anchor="ctr"/>
+            <a:lstStyle/>
+            <a:p>
+              <a:pPr algn="ctr"/>
+              <a:r>
+                <a:rPr lang="en-US" altLang="ko-KR" sz="1200" dirty="0">
+                  <a:solidFill>
+                    <a:sysClr val="windowText" lastClr="000000"/>
+                  </a:solidFill>
+                </a:rPr>
+                <a:t>Masked</a:t>
+              </a:r>
+              <a:br>
+                <a:rPr lang="en-US" altLang="ko-KR" sz="1200" dirty="0">
+                  <a:solidFill>
+                    <a:sysClr val="windowText" lastClr="000000"/>
+                  </a:solidFill>
+                </a:rPr>
+              </a:br>
+              <a:r>
+                <a:rPr lang="en-US" altLang="ko-KR" sz="1200" dirty="0">
+                  <a:solidFill>
+                    <a:sysClr val="windowText" lastClr="000000"/>
+                  </a:solidFill>
+                </a:rPr>
+                <a:t>Multi-Head</a:t>
+              </a:r>
+              <a:br>
+                <a:rPr lang="en-US" altLang="ko-KR" sz="1200" dirty="0">
+                  <a:solidFill>
+                    <a:sysClr val="windowText" lastClr="000000"/>
+                  </a:solidFill>
+                </a:rPr>
+              </a:br>
+              <a:r>
+                <a:rPr lang="en-US" altLang="ko-KR" sz="1200" dirty="0">
+                  <a:solidFill>
+                    <a:sysClr val="windowText" lastClr="000000"/>
+                  </a:solidFill>
+                </a:rPr>
+                <a:t>Attention</a:t>
+              </a:r>
+              <a:endParaRPr lang="ko-KR" altLang="en-US" sz="1200" dirty="0">
+                <a:solidFill>
+                  <a:sysClr val="windowText" lastClr="000000"/>
+                </a:solidFill>
+              </a:endParaRPr>
+            </a:p>
+          </p:txBody>
+        </p:sp>
+        <p:sp>
+          <p:nvSpPr>
+            <p:cNvPr id="54" name="사각형: 둥근 모서리 53">
+              <a:extLst>
+                <a:ext uri="{FF2B5EF4-FFF2-40B4-BE49-F238E27FC236}">
+                  <a16:creationId xmlns:a16="http://schemas.microsoft.com/office/drawing/2014/main" id="{DF841894-D537-4144-8E53-1132727B6AC2}"/>
+                </a:ext>
+              </a:extLst>
+            </p:cNvPr>
+            <p:cNvSpPr/>
+            <p:nvPr/>
+          </p:nvSpPr>
+          <p:spPr>
+            <a:xfrm>
+              <a:off x="8867374" y="4080579"/>
+              <a:ext cx="1063877" cy="238381"/>
+            </a:xfrm>
+            <a:prstGeom prst="roundRect">
+              <a:avLst>
+                <a:gd name="adj" fmla="val 9190"/>
+              </a:avLst>
+            </a:prstGeom>
+            <a:solidFill>
+              <a:srgbClr val="FFFFB3"/>
+            </a:solidFill>
+            <a:ln>
+              <a:solidFill>
+                <a:schemeClr val="tx1"/>
+              </a:solidFill>
+            </a:ln>
+          </p:spPr>
+          <p:style>
+            <a:lnRef idx="2">
+              <a:schemeClr val="accent1">
+                <a:shade val="50000"/>
+              </a:schemeClr>
+            </a:lnRef>
+            <a:fillRef idx="1">
+              <a:schemeClr val="accent1"/>
+            </a:fillRef>
+            <a:effectRef idx="0">
+              <a:schemeClr val="accent1"/>
+            </a:effectRef>
+            <a:fontRef idx="minor">
+              <a:schemeClr val="lt1"/>
+            </a:fontRef>
+          </p:style>
+          <p:txBody>
+            <a:bodyPr rtlCol="0" anchor="ctr"/>
+            <a:lstStyle/>
+            <a:p>
+              <a:pPr algn="ctr"/>
+              <a:r>
+                <a:rPr lang="en-US" altLang="ko-KR" sz="1100" dirty="0">
+                  <a:solidFill>
+                    <a:sysClr val="windowText" lastClr="000000"/>
+                  </a:solidFill>
+                </a:rPr>
+                <a:t>Add &amp; Norm</a:t>
+              </a:r>
+              <a:endParaRPr lang="ko-KR" altLang="en-US" sz="1100" dirty="0">
+                <a:solidFill>
+                  <a:sysClr val="windowText" lastClr="000000"/>
+                </a:solidFill>
+              </a:endParaRPr>
+            </a:p>
+          </p:txBody>
+        </p:sp>
+        <p:cxnSp>
+          <p:nvCxnSpPr>
+            <p:cNvPr id="56" name="직선 화살표 연결선 55">
+              <a:extLst>
+                <a:ext uri="{FF2B5EF4-FFF2-40B4-BE49-F238E27FC236}">
+                  <a16:creationId xmlns:a16="http://schemas.microsoft.com/office/drawing/2014/main" id="{E23006A5-DAAF-4606-A8AC-3E7E8907FE7F}"/>
+                </a:ext>
+              </a:extLst>
+            </p:cNvPr>
+            <p:cNvCxnSpPr>
+              <a:cxnSpLocks/>
+              <a:endCxn id="47" idx="0"/>
+            </p:cNvCxnSpPr>
+            <p:nvPr/>
+          </p:nvCxnSpPr>
+          <p:spPr>
+            <a:xfrm>
+              <a:off x="9404583" y="1518857"/>
+              <a:ext cx="0" cy="242241"/>
+            </a:xfrm>
+            <a:prstGeom prst="straightConnector1">
+              <a:avLst/>
+            </a:prstGeom>
+            <a:ln w="25400">
+              <a:solidFill>
+                <a:schemeClr val="tx1"/>
+              </a:solidFill>
+              <a:headEnd type="stealth"/>
+              <a:tailEnd type="none"/>
+            </a:ln>
+          </p:spPr>
+          <p:style>
+            <a:lnRef idx="1">
+              <a:schemeClr val="accent1"/>
+            </a:lnRef>
+            <a:fillRef idx="0">
+              <a:schemeClr val="accent1"/>
+            </a:fillRef>
+            <a:effectRef idx="0">
+              <a:schemeClr val="accent1"/>
+            </a:effectRef>
+            <a:fontRef idx="minor">
+              <a:schemeClr val="tx1"/>
+            </a:fontRef>
+          </p:style>
+        </p:cxnSp>
+        <p:sp>
+          <p:nvSpPr>
+            <p:cNvPr id="59" name="사각형: 둥근 모서리 58">
+              <a:extLst>
+                <a:ext uri="{FF2B5EF4-FFF2-40B4-BE49-F238E27FC236}">
+                  <a16:creationId xmlns:a16="http://schemas.microsoft.com/office/drawing/2014/main" id="{7B4079FB-92DE-4DD6-904D-11BEC3C36CC5}"/>
+                </a:ext>
+              </a:extLst>
+            </p:cNvPr>
+            <p:cNvSpPr/>
+            <p:nvPr/>
+          </p:nvSpPr>
+          <p:spPr>
+            <a:xfrm>
+              <a:off x="8911375" y="1282406"/>
+              <a:ext cx="1063877" cy="238381"/>
+            </a:xfrm>
+            <a:prstGeom prst="roundRect">
+              <a:avLst>
+                <a:gd name="adj" fmla="val 9190"/>
+              </a:avLst>
+            </a:prstGeom>
+            <a:solidFill>
+              <a:schemeClr val="accent5">
+                <a:lumMod val="60000"/>
+                <a:lumOff val="40000"/>
+              </a:schemeClr>
+            </a:solidFill>
+            <a:ln>
+              <a:solidFill>
+                <a:schemeClr val="tx1"/>
+              </a:solidFill>
+            </a:ln>
+          </p:spPr>
+          <p:style>
+            <a:lnRef idx="2">
+              <a:schemeClr val="accent1">
+                <a:shade val="50000"/>
+              </a:schemeClr>
+            </a:lnRef>
+            <a:fillRef idx="1">
+              <a:schemeClr val="accent1"/>
+            </a:fillRef>
+            <a:effectRef idx="0">
+              <a:schemeClr val="accent1"/>
+            </a:effectRef>
+            <a:fontRef idx="minor">
+              <a:schemeClr val="lt1"/>
+            </a:fontRef>
+          </p:style>
+          <p:txBody>
+            <a:bodyPr rtlCol="0" anchor="ctr"/>
+            <a:lstStyle/>
+            <a:p>
+              <a:pPr algn="ctr"/>
+              <a:r>
+                <a:rPr lang="en-US" altLang="ko-KR" sz="1100" dirty="0">
+                  <a:solidFill>
+                    <a:sysClr val="windowText" lastClr="000000"/>
+                  </a:solidFill>
+                </a:rPr>
+                <a:t>Linear</a:t>
+              </a:r>
+              <a:endParaRPr lang="ko-KR" altLang="en-US" sz="1100" dirty="0">
+                <a:solidFill>
+                  <a:sysClr val="windowText" lastClr="000000"/>
+                </a:solidFill>
+              </a:endParaRPr>
+            </a:p>
+          </p:txBody>
+        </p:sp>
+        <p:sp>
+          <p:nvSpPr>
+            <p:cNvPr id="60" name="사각형: 둥근 모서리 59">
+              <a:extLst>
+                <a:ext uri="{FF2B5EF4-FFF2-40B4-BE49-F238E27FC236}">
+                  <a16:creationId xmlns:a16="http://schemas.microsoft.com/office/drawing/2014/main" id="{4717E522-04C8-40C9-983F-CFCE28964ADE}"/>
+                </a:ext>
+              </a:extLst>
+            </p:cNvPr>
+            <p:cNvSpPr/>
+            <p:nvPr/>
+          </p:nvSpPr>
+          <p:spPr>
+            <a:xfrm>
+              <a:off x="8910728" y="749339"/>
+              <a:ext cx="1063877" cy="238381"/>
+            </a:xfrm>
+            <a:prstGeom prst="roundRect">
+              <a:avLst>
+                <a:gd name="adj" fmla="val 9190"/>
+              </a:avLst>
+            </a:prstGeom>
+            <a:solidFill>
+              <a:schemeClr val="accent5">
+                <a:lumMod val="20000"/>
+                <a:lumOff val="80000"/>
+              </a:schemeClr>
+            </a:solidFill>
+            <a:ln>
+              <a:solidFill>
+                <a:schemeClr val="tx1"/>
+              </a:solidFill>
+            </a:ln>
+          </p:spPr>
+          <p:style>
+            <a:lnRef idx="2">
+              <a:schemeClr val="accent1">
+                <a:shade val="50000"/>
+              </a:schemeClr>
+            </a:lnRef>
+            <a:fillRef idx="1">
+              <a:schemeClr val="accent1"/>
+            </a:fillRef>
+            <a:effectRef idx="0">
+              <a:schemeClr val="accent1"/>
+            </a:effectRef>
+            <a:fontRef idx="minor">
+              <a:schemeClr val="lt1"/>
+            </a:fontRef>
+          </p:style>
+          <p:txBody>
+            <a:bodyPr rtlCol="0" anchor="ctr"/>
+            <a:lstStyle/>
+            <a:p>
+              <a:pPr algn="ctr"/>
+              <a:r>
+                <a:rPr lang="en-US" altLang="ko-KR" sz="1100" dirty="0" err="1">
+                  <a:solidFill>
+                    <a:sysClr val="windowText" lastClr="000000"/>
+                  </a:solidFill>
+                </a:rPr>
+                <a:t>Softmax</a:t>
+              </a:r>
+              <a:endParaRPr lang="ko-KR" altLang="en-US" sz="1100" dirty="0">
+                <a:solidFill>
+                  <a:sysClr val="windowText" lastClr="000000"/>
+                </a:solidFill>
+              </a:endParaRPr>
+            </a:p>
+          </p:txBody>
+        </p:sp>
+        <p:cxnSp>
+          <p:nvCxnSpPr>
+            <p:cNvPr id="61" name="직선 화살표 연결선 60">
+              <a:extLst>
+                <a:ext uri="{FF2B5EF4-FFF2-40B4-BE49-F238E27FC236}">
+                  <a16:creationId xmlns:a16="http://schemas.microsoft.com/office/drawing/2014/main" id="{93838429-AB87-4CA8-9B03-966E0AEF97C8}"/>
+                </a:ext>
+              </a:extLst>
+            </p:cNvPr>
+            <p:cNvCxnSpPr>
+              <a:cxnSpLocks/>
+            </p:cNvCxnSpPr>
+            <p:nvPr/>
+          </p:nvCxnSpPr>
+          <p:spPr>
+            <a:xfrm>
+              <a:off x="9442667" y="1040165"/>
+              <a:ext cx="0" cy="242241"/>
+            </a:xfrm>
+            <a:prstGeom prst="straightConnector1">
+              <a:avLst/>
+            </a:prstGeom>
+            <a:ln w="25400">
+              <a:solidFill>
+                <a:schemeClr val="tx1"/>
+              </a:solidFill>
+              <a:headEnd type="stealth"/>
+              <a:tailEnd type="none"/>
+            </a:ln>
+          </p:spPr>
+          <p:style>
+            <a:lnRef idx="1">
+              <a:schemeClr val="accent1"/>
+            </a:lnRef>
+            <a:fillRef idx="0">
+              <a:schemeClr val="accent1"/>
+            </a:fillRef>
+            <a:effectRef idx="0">
+              <a:schemeClr val="accent1"/>
+            </a:effectRef>
+            <a:fontRef idx="minor">
+              <a:schemeClr val="tx1"/>
+            </a:fontRef>
+          </p:style>
+        </p:cxnSp>
+        <p:cxnSp>
+          <p:nvCxnSpPr>
+            <p:cNvPr id="62" name="직선 화살표 연결선 61">
+              <a:extLst>
+                <a:ext uri="{FF2B5EF4-FFF2-40B4-BE49-F238E27FC236}">
+                  <a16:creationId xmlns:a16="http://schemas.microsoft.com/office/drawing/2014/main" id="{68C92FAD-C24C-487D-B717-440B4DC5B346}"/>
+                </a:ext>
+              </a:extLst>
+            </p:cNvPr>
+            <p:cNvCxnSpPr>
+              <a:cxnSpLocks/>
+            </p:cNvCxnSpPr>
+            <p:nvPr/>
+          </p:nvCxnSpPr>
+          <p:spPr>
+            <a:xfrm>
+              <a:off x="9404582" y="506379"/>
+              <a:ext cx="0" cy="242241"/>
+            </a:xfrm>
+            <a:prstGeom prst="straightConnector1">
+              <a:avLst/>
+            </a:prstGeom>
+            <a:ln w="25400">
+              <a:solidFill>
+                <a:schemeClr val="tx1"/>
+              </a:solidFill>
+              <a:headEnd type="stealth"/>
+              <a:tailEnd type="none"/>
+            </a:ln>
+          </p:spPr>
+          <p:style>
+            <a:lnRef idx="1">
+              <a:schemeClr val="accent1"/>
+            </a:lnRef>
+            <a:fillRef idx="0">
+              <a:schemeClr val="accent1"/>
+            </a:fillRef>
+            <a:effectRef idx="0">
+              <a:schemeClr val="accent1"/>
+            </a:effectRef>
+            <a:fontRef idx="minor">
+              <a:schemeClr val="tx1"/>
+            </a:fontRef>
+          </p:style>
+        </p:cxnSp>
+        <p:sp>
+          <p:nvSpPr>
+            <p:cNvPr id="63" name="TextBox 62">
+              <a:extLst>
+                <a:ext uri="{FF2B5EF4-FFF2-40B4-BE49-F238E27FC236}">
+                  <a16:creationId xmlns:a16="http://schemas.microsoft.com/office/drawing/2014/main" id="{F427696C-FDE8-460E-B227-F147BF0452A4}"/>
+                </a:ext>
+              </a:extLst>
+            </p:cNvPr>
+            <p:cNvSpPr txBox="1"/>
+            <p:nvPr/>
+          </p:nvSpPr>
+          <p:spPr>
+            <a:xfrm>
+              <a:off x="8761368" y="-3158"/>
+              <a:ext cx="1275887" cy="523220"/>
+            </a:xfrm>
+            <a:prstGeom prst="rect">
+              <a:avLst/>
+            </a:prstGeom>
+            <a:noFill/>
+          </p:spPr>
+          <p:txBody>
+            <a:bodyPr wrap="square" rtlCol="0">
+              <a:spAutoFit/>
+            </a:bodyPr>
+            <a:lstStyle/>
+            <a:p>
+              <a:pPr algn="ctr"/>
+              <a:r>
+                <a:rPr lang="en-US" altLang="ko-KR" sz="1400" dirty="0"/>
+                <a:t>Output Probability</a:t>
+              </a:r>
+              <a:endParaRPr lang="ko-KR" altLang="en-US" sz="1400" dirty="0"/>
+            </a:p>
+          </p:txBody>
+        </p:sp>
+        <p:cxnSp>
+          <p:nvCxnSpPr>
+            <p:cNvPr id="64" name="직선 화살표 연결선 63">
+              <a:extLst>
+                <a:ext uri="{FF2B5EF4-FFF2-40B4-BE49-F238E27FC236}">
+                  <a16:creationId xmlns:a16="http://schemas.microsoft.com/office/drawing/2014/main" id="{1CA5CA91-BE69-4D61-A376-E36F1A502DCF}"/>
+                </a:ext>
+              </a:extLst>
+            </p:cNvPr>
+            <p:cNvCxnSpPr>
+              <a:cxnSpLocks/>
+              <a:stCxn id="49" idx="2"/>
+              <a:endCxn id="36" idx="0"/>
+            </p:cNvCxnSpPr>
+            <p:nvPr/>
+          </p:nvCxnSpPr>
+          <p:spPr>
+            <a:xfrm rot="5400000" flipH="1">
+              <a:off x="8072334" y="2336804"/>
+              <a:ext cx="688553" cy="1975944"/>
+            </a:xfrm>
+            <a:prstGeom prst="bentConnector5">
+              <a:avLst>
+                <a:gd name="adj1" fmla="val -33200"/>
+                <a:gd name="adj2" fmla="val 50000"/>
+                <a:gd name="adj3" fmla="val 162250"/>
+              </a:avLst>
+            </a:prstGeom>
+            <a:ln w="25400">
+              <a:solidFill>
+                <a:schemeClr val="tx1"/>
+              </a:solidFill>
+              <a:headEnd type="stealth"/>
+              <a:tailEnd type="none"/>
+            </a:ln>
+          </p:spPr>
+          <p:style>
+            <a:lnRef idx="1">
+              <a:schemeClr val="accent1"/>
+            </a:lnRef>
+            <a:fillRef idx="0">
+              <a:schemeClr val="accent1"/>
+            </a:fillRef>
+            <a:effectRef idx="0">
+              <a:schemeClr val="accent1"/>
+            </a:effectRef>
+            <a:fontRef idx="minor">
+              <a:schemeClr val="tx1"/>
+            </a:fontRef>
+          </p:style>
+        </p:cxnSp>
+        <p:cxnSp>
+          <p:nvCxnSpPr>
+            <p:cNvPr id="70" name="직선 화살표 연결선 69">
+              <a:extLst>
+                <a:ext uri="{FF2B5EF4-FFF2-40B4-BE49-F238E27FC236}">
+                  <a16:creationId xmlns:a16="http://schemas.microsoft.com/office/drawing/2014/main" id="{68ACE9C8-87EE-4BEA-A12A-A6913A780A1D}"/>
+                </a:ext>
+              </a:extLst>
+            </p:cNvPr>
+            <p:cNvCxnSpPr>
+              <a:cxnSpLocks/>
+              <a:stCxn id="53" idx="2"/>
+              <a:endCxn id="23" idx="0"/>
+            </p:cNvCxnSpPr>
+            <p:nvPr/>
+          </p:nvCxnSpPr>
+          <p:spPr>
+            <a:xfrm>
+              <a:off x="9399313" y="4945815"/>
+              <a:ext cx="5255" cy="252604"/>
+            </a:xfrm>
+            <a:prstGeom prst="straightConnector1">
+              <a:avLst/>
+            </a:prstGeom>
+            <a:ln w="25400">
+              <a:solidFill>
+                <a:schemeClr val="tx1"/>
+              </a:solidFill>
+              <a:headEnd type="stealth"/>
+              <a:tailEnd type="none"/>
+            </a:ln>
+          </p:spPr>
+          <p:style>
+            <a:lnRef idx="1">
+              <a:schemeClr val="accent1"/>
+            </a:lnRef>
+            <a:fillRef idx="0">
+              <a:schemeClr val="accent1"/>
+            </a:fillRef>
+            <a:effectRef idx="0">
+              <a:schemeClr val="accent1"/>
+            </a:effectRef>
+            <a:fontRef idx="minor">
+              <a:schemeClr val="tx1"/>
+            </a:fontRef>
+          </p:style>
+        </p:cxnSp>
+        <p:sp>
+          <p:nvSpPr>
+            <p:cNvPr id="74" name="TextBox 73">
+              <a:extLst>
+                <a:ext uri="{FF2B5EF4-FFF2-40B4-BE49-F238E27FC236}">
+                  <a16:creationId xmlns:a16="http://schemas.microsoft.com/office/drawing/2014/main" id="{BD60FC4B-D785-4ED6-9DB1-6D84FEFFD312}"/>
+                </a:ext>
+              </a:extLst>
+            </p:cNvPr>
+            <p:cNvSpPr txBox="1"/>
+            <p:nvPr/>
+          </p:nvSpPr>
+          <p:spPr>
+            <a:xfrm>
+              <a:off x="10232568" y="4966882"/>
+              <a:ext cx="1370308" cy="646331"/>
+            </a:xfrm>
+            <a:prstGeom prst="rect">
+              <a:avLst/>
+            </a:prstGeom>
+            <a:noFill/>
+          </p:spPr>
+          <p:txBody>
+            <a:bodyPr wrap="square" rtlCol="0">
+              <a:spAutoFit/>
+            </a:bodyPr>
+            <a:lstStyle/>
+            <a:p>
+              <a:r>
+                <a:rPr lang="en-US" altLang="ko-KR" dirty="0"/>
+                <a:t>Positional Encoding</a:t>
+              </a:r>
+              <a:endParaRPr lang="ko-KR" altLang="en-US" dirty="0"/>
+            </a:p>
+          </p:txBody>
+        </p:sp>
+        <p:cxnSp>
+          <p:nvCxnSpPr>
+            <p:cNvPr id="76" name="직선 화살표 연결선 75">
+              <a:extLst>
+                <a:ext uri="{FF2B5EF4-FFF2-40B4-BE49-F238E27FC236}">
+                  <a16:creationId xmlns:a16="http://schemas.microsoft.com/office/drawing/2014/main" id="{2130A53F-7FA2-4A58-B81A-AED0518BFEC5}"/>
+                </a:ext>
+              </a:extLst>
+            </p:cNvPr>
+            <p:cNvCxnSpPr>
+              <a:cxnSpLocks/>
+              <a:stCxn id="14" idx="2"/>
+              <a:endCxn id="77" idx="3"/>
+            </p:cNvCxnSpPr>
+            <p:nvPr/>
+          </p:nvCxnSpPr>
+          <p:spPr>
+            <a:xfrm flipH="1" flipV="1">
+              <a:off x="6558085" y="5290782"/>
+              <a:ext cx="759066" cy="1"/>
+            </a:xfrm>
+            <a:prstGeom prst="straightConnector1">
+              <a:avLst/>
+            </a:prstGeom>
+            <a:ln w="25400">
+              <a:solidFill>
+                <a:schemeClr val="tx1"/>
+              </a:solidFill>
+              <a:headEnd type="stealth"/>
+              <a:tailEnd type="none"/>
+            </a:ln>
+          </p:spPr>
+          <p:style>
+            <a:lnRef idx="1">
+              <a:schemeClr val="accent1"/>
+            </a:lnRef>
+            <a:fillRef idx="0">
+              <a:schemeClr val="accent1"/>
+            </a:fillRef>
+            <a:effectRef idx="0">
+              <a:schemeClr val="accent1"/>
+            </a:effectRef>
+            <a:fontRef idx="minor">
+              <a:schemeClr val="tx1"/>
+            </a:fontRef>
+          </p:style>
+        </p:cxnSp>
+        <p:sp>
+          <p:nvSpPr>
+            <p:cNvPr id="77" name="TextBox 76">
+              <a:extLst>
+                <a:ext uri="{FF2B5EF4-FFF2-40B4-BE49-F238E27FC236}">
+                  <a16:creationId xmlns:a16="http://schemas.microsoft.com/office/drawing/2014/main" id="{EA55E8E8-630C-4839-B276-A39C6508DF66}"/>
+                </a:ext>
+              </a:extLst>
+            </p:cNvPr>
+            <p:cNvSpPr txBox="1"/>
+            <p:nvPr/>
+          </p:nvSpPr>
+          <p:spPr>
+            <a:xfrm>
+              <a:off x="5187777" y="4967616"/>
+              <a:ext cx="1370308" cy="646331"/>
+            </a:xfrm>
+            <a:prstGeom prst="rect">
+              <a:avLst/>
+            </a:prstGeom>
+            <a:noFill/>
+          </p:spPr>
+          <p:txBody>
+            <a:bodyPr wrap="square" rtlCol="0">
+              <a:spAutoFit/>
+            </a:bodyPr>
+            <a:lstStyle/>
+            <a:p>
+              <a:r>
+                <a:rPr lang="en-US" altLang="ko-KR" dirty="0"/>
+                <a:t>Positional Encoding</a:t>
+              </a:r>
+              <a:endParaRPr lang="ko-KR" altLang="en-US" dirty="0"/>
+            </a:p>
+          </p:txBody>
+        </p:sp>
+      </p:grpSp>
+    </p:spTree>
+    <p:extLst>
+      <p:ext uri="{BB962C8B-B14F-4D97-AF65-F5344CB8AC3E}">
+        <p14:creationId xmlns:p14="http://schemas.microsoft.com/office/powerpoint/2010/main" val="1618032567"/>
+      </p:ext>
+    </p:extLst>
+  </p:cSld>
+  <p:clrMapOvr>
+    <a:masterClrMapping/>
+  </p:clrMapOvr>
+</p:sld>
+</file>
+
+<file path=ppt/slides/slide3.xml><?xml version="1.0" encoding="utf-8"?>
 <p:sld xmlns:a="http://schemas.openxmlformats.org/drawingml/2006/main" xmlns:r="http://schemas.openxmlformats.org/officeDocument/2006/relationships" xmlns:p="http://schemas.openxmlformats.org/presentationml/2006/main">
   <p:cSld>
     <p:spTree>
@@ -4914,7 +9336,7 @@
 </p:sld>
 </file>
 
-<file path=ppt/slides/slide2.xml><?xml version="1.0" encoding="utf-8"?>
+<file path=ppt/slides/slide4.xml><?xml version="1.0" encoding="utf-8"?>
 <p:sld xmlns:a="http://schemas.openxmlformats.org/drawingml/2006/main" xmlns:r="http://schemas.openxmlformats.org/officeDocument/2006/relationships" xmlns:p="http://schemas.openxmlformats.org/presentationml/2006/main">
   <p:cSld>
     <p:spTree>
@@ -6161,7 +10583,7 @@
 </p:sld>
 </file>
 
-<file path=ppt/slides/slide3.xml><?xml version="1.0" encoding="utf-8"?>
+<file path=ppt/slides/slide5.xml><?xml version="1.0" encoding="utf-8"?>
 <p:sld xmlns:a="http://schemas.openxmlformats.org/drawingml/2006/main" xmlns:r="http://schemas.openxmlformats.org/officeDocument/2006/relationships" xmlns:p="http://schemas.openxmlformats.org/presentationml/2006/main">
   <p:cSld>
     <p:spTree>
@@ -6178,8 +10600,8 @@
           <a:chExt cx="0" cy="0"/>
         </a:xfrm>
       </p:grpSpPr>
-      <mc:AlternateContent xmlns:mc="http://schemas.openxmlformats.org/markup-compatibility/2006">
-        <mc:Choice xmlns:a14="http://schemas.microsoft.com/office/drawing/2010/main" Requires="a14">
+      <mc:AlternateContent xmlns:mc="http://schemas.openxmlformats.org/markup-compatibility/2006" xmlns:a14="http://schemas.microsoft.com/office/drawing/2010/main">
+        <mc:Choice Requires="a14">
           <p:sp>
             <p:nvSpPr>
               <p:cNvPr id="26" name="사각형: 둥근 모서리 25">
@@ -6250,7 +10672,7 @@
             </p:txBody>
           </p:sp>
         </mc:Choice>
-        <mc:Fallback>
+        <mc:Fallback xmlns="">
           <p:sp>
             <p:nvSpPr>
               <p:cNvPr id="26" name="사각형: 둥근 모서리 25">
@@ -6295,8 +10717,8 @@
           </p:sp>
         </mc:Fallback>
       </mc:AlternateContent>
-      <mc:AlternateContent xmlns:mc="http://schemas.openxmlformats.org/markup-compatibility/2006">
-        <mc:Choice xmlns:a14="http://schemas.microsoft.com/office/drawing/2010/main" Requires="a14">
+      <mc:AlternateContent xmlns:mc="http://schemas.openxmlformats.org/markup-compatibility/2006" xmlns:a14="http://schemas.microsoft.com/office/drawing/2010/main">
+        <mc:Choice Requires="a14">
           <p:sp>
             <p:nvSpPr>
               <p:cNvPr id="27" name="사각형: 둥근 모서리 26">
@@ -6367,7 +10789,7 @@
             </p:txBody>
           </p:sp>
         </mc:Choice>
-        <mc:Fallback>
+        <mc:Fallback xmlns="">
           <p:sp>
             <p:nvSpPr>
               <p:cNvPr id="27" name="사각형: 둥근 모서리 26">
@@ -6548,8 +10970,8 @@
           </a:fontRef>
         </p:style>
       </p:cxnSp>
-      <mc:AlternateContent xmlns:mc="http://schemas.openxmlformats.org/markup-compatibility/2006">
-        <mc:Choice xmlns:a14="http://schemas.microsoft.com/office/drawing/2010/main" Requires="a14">
+      <mc:AlternateContent xmlns:mc="http://schemas.openxmlformats.org/markup-compatibility/2006" xmlns:a14="http://schemas.microsoft.com/office/drawing/2010/main">
+        <mc:Choice Requires="a14">
           <p:sp>
             <p:nvSpPr>
               <p:cNvPr id="31" name="TextBox 30">
@@ -6599,7 +11021,7 @@
             </p:txBody>
           </p:sp>
         </mc:Choice>
-        <mc:Fallback>
+        <mc:Fallback xmlns="">
           <p:sp>
             <p:nvSpPr>
               <p:cNvPr id="31" name="TextBox 30">
@@ -6644,8 +11066,8 @@
           </p:sp>
         </mc:Fallback>
       </mc:AlternateContent>
-      <mc:AlternateContent xmlns:mc="http://schemas.openxmlformats.org/markup-compatibility/2006">
-        <mc:Choice xmlns:a14="http://schemas.microsoft.com/office/drawing/2010/main" Requires="a14">
+      <mc:AlternateContent xmlns:mc="http://schemas.openxmlformats.org/markup-compatibility/2006" xmlns:a14="http://schemas.microsoft.com/office/drawing/2010/main">
+        <mc:Choice Requires="a14">
           <p:sp>
             <p:nvSpPr>
               <p:cNvPr id="32" name="TextBox 31">
@@ -6695,7 +11117,7 @@
             </p:txBody>
           </p:sp>
         </mc:Choice>
-        <mc:Fallback>
+        <mc:Fallback xmlns="">
           <p:sp>
             <p:nvSpPr>
               <p:cNvPr id="32" name="TextBox 31">
@@ -6785,8 +11207,8 @@
           </a:fontRef>
         </p:style>
       </p:cxnSp>
-      <mc:AlternateContent xmlns:mc="http://schemas.openxmlformats.org/markup-compatibility/2006">
-        <mc:Choice xmlns:a14="http://schemas.microsoft.com/office/drawing/2010/main" Requires="a14">
+      <mc:AlternateContent xmlns:mc="http://schemas.openxmlformats.org/markup-compatibility/2006" xmlns:a14="http://schemas.microsoft.com/office/drawing/2010/main">
+        <mc:Choice Requires="a14">
           <p:sp>
             <p:nvSpPr>
               <p:cNvPr id="34" name="TextBox 33">
@@ -6836,7 +11258,7 @@
             </p:txBody>
           </p:sp>
         </mc:Choice>
-        <mc:Fallback>
+        <mc:Fallback xmlns="">
           <p:sp>
             <p:nvSpPr>
               <p:cNvPr id="34" name="TextBox 33">
@@ -6881,8 +11303,8 @@
           </p:sp>
         </mc:Fallback>
       </mc:AlternateContent>
-      <mc:AlternateContent xmlns:mc="http://schemas.openxmlformats.org/markup-compatibility/2006">
-        <mc:Choice xmlns:a14="http://schemas.microsoft.com/office/drawing/2010/main" Requires="a14">
+      <mc:AlternateContent xmlns:mc="http://schemas.openxmlformats.org/markup-compatibility/2006" xmlns:a14="http://schemas.microsoft.com/office/drawing/2010/main">
+        <mc:Choice Requires="a14">
           <p:sp>
             <p:nvSpPr>
               <p:cNvPr id="37" name="TextBox 36">
@@ -6932,7 +11354,7 @@
             </p:txBody>
           </p:sp>
         </mc:Choice>
-        <mc:Fallback>
+        <mc:Fallback xmlns="">
           <p:sp>
             <p:nvSpPr>
               <p:cNvPr id="37" name="TextBox 36">
@@ -6977,8 +11399,8 @@
           </p:sp>
         </mc:Fallback>
       </mc:AlternateContent>
-      <mc:AlternateContent xmlns:mc="http://schemas.openxmlformats.org/markup-compatibility/2006">
-        <mc:Choice xmlns:a14="http://schemas.microsoft.com/office/drawing/2010/main" Requires="a14">
+      <mc:AlternateContent xmlns:mc="http://schemas.openxmlformats.org/markup-compatibility/2006" xmlns:a14="http://schemas.microsoft.com/office/drawing/2010/main">
+        <mc:Choice Requires="a14">
           <p:sp>
             <p:nvSpPr>
               <p:cNvPr id="38" name="TextBox 37">
@@ -7028,7 +11450,7 @@
             </p:txBody>
           </p:sp>
         </mc:Choice>
-        <mc:Fallback>
+        <mc:Fallback xmlns="">
           <p:sp>
             <p:nvSpPr>
               <p:cNvPr id="38" name="TextBox 37">
@@ -7073,8 +11495,8 @@
           </p:sp>
         </mc:Fallback>
       </mc:AlternateContent>
-      <mc:AlternateContent xmlns:mc="http://schemas.openxmlformats.org/markup-compatibility/2006">
-        <mc:Choice xmlns:a14="http://schemas.microsoft.com/office/drawing/2010/main" Requires="a14">
+      <mc:AlternateContent xmlns:mc="http://schemas.openxmlformats.org/markup-compatibility/2006" xmlns:a14="http://schemas.microsoft.com/office/drawing/2010/main">
+        <mc:Choice Requires="a14">
           <p:sp>
             <p:nvSpPr>
               <p:cNvPr id="39" name="TextBox 38">
@@ -7136,7 +11558,7 @@
             </p:txBody>
           </p:sp>
         </mc:Choice>
-        <mc:Fallback>
+        <mc:Fallback xmlns="">
           <p:sp>
             <p:nvSpPr>
               <p:cNvPr id="39" name="TextBox 38">
@@ -7181,8 +11603,8 @@
           </p:sp>
         </mc:Fallback>
       </mc:AlternateContent>
-      <mc:AlternateContent xmlns:mc="http://schemas.openxmlformats.org/markup-compatibility/2006">
-        <mc:Choice xmlns:a14="http://schemas.microsoft.com/office/drawing/2010/main" Requires="a14">
+      <mc:AlternateContent xmlns:mc="http://schemas.openxmlformats.org/markup-compatibility/2006" xmlns:a14="http://schemas.microsoft.com/office/drawing/2010/main">
+        <mc:Choice Requires="a14">
           <p:sp>
             <p:nvSpPr>
               <p:cNvPr id="40" name="TextBox 39">
@@ -7222,13 +11644,7 @@
                         <a:rPr lang="en-US" altLang="ko-KR" sz="1100" b="0" i="1" smtClean="0">
                           <a:latin typeface="Cambria Math" panose="02040503050406030204" pitchFamily="18" charset="0"/>
                         </a:rPr>
-                        <m:t>1</m:t>
-                      </m:r>
-                      <m:r>
-                        <a:rPr lang="en-US" altLang="ko-KR" sz="1100" b="0" i="1" smtClean="0">
-                          <a:latin typeface="Cambria Math" panose="02040503050406030204" pitchFamily="18" charset="0"/>
-                        </a:rPr>
-                        <m:t>×</m:t>
+                        <m:t>1×</m:t>
                       </m:r>
                       <m:r>
                         <a:rPr lang="en-US" altLang="ko-KR" sz="1100" b="0" i="1" smtClean="0">
@@ -7244,7 +11660,7 @@
             </p:txBody>
           </p:sp>
         </mc:Choice>
-        <mc:Fallback>
+        <mc:Fallback xmlns="">
           <p:sp>
             <p:nvSpPr>
               <p:cNvPr id="40" name="TextBox 39">
@@ -7289,8 +11705,8 @@
           </p:sp>
         </mc:Fallback>
       </mc:AlternateContent>
-      <mc:AlternateContent xmlns:mc="http://schemas.openxmlformats.org/markup-compatibility/2006">
-        <mc:Choice xmlns:a14="http://schemas.microsoft.com/office/drawing/2010/main" Requires="a14">
+      <mc:AlternateContent xmlns:mc="http://schemas.openxmlformats.org/markup-compatibility/2006" xmlns:a14="http://schemas.microsoft.com/office/drawing/2010/main">
+        <mc:Choice Requires="a14">
           <p:sp>
             <p:nvSpPr>
               <p:cNvPr id="41" name="TextBox 40">
@@ -7352,7 +11768,7 @@
             </p:txBody>
           </p:sp>
         </mc:Choice>
-        <mc:Fallback>
+        <mc:Fallback xmlns="">
           <p:sp>
             <p:nvSpPr>
               <p:cNvPr id="41" name="TextBox 40">
@@ -7397,8 +11813,8 @@
           </p:sp>
         </mc:Fallback>
       </mc:AlternateContent>
-      <mc:AlternateContent xmlns:mc="http://schemas.openxmlformats.org/markup-compatibility/2006">
-        <mc:Choice xmlns:a14="http://schemas.microsoft.com/office/drawing/2010/main" Requires="a14">
+      <mc:AlternateContent xmlns:mc="http://schemas.openxmlformats.org/markup-compatibility/2006" xmlns:a14="http://schemas.microsoft.com/office/drawing/2010/main">
+        <mc:Choice Requires="a14">
           <p:sp>
             <p:nvSpPr>
               <p:cNvPr id="42" name="TextBox 41">
@@ -7438,13 +11854,7 @@
                         <a:rPr lang="en-US" altLang="ko-KR" sz="1100" b="0" i="1" smtClean="0">
                           <a:latin typeface="Cambria Math" panose="02040503050406030204" pitchFamily="18" charset="0"/>
                         </a:rPr>
-                        <m:t>1</m:t>
-                      </m:r>
-                      <m:r>
-                        <a:rPr lang="en-US" altLang="ko-KR" sz="1100" b="0" i="1" smtClean="0">
-                          <a:latin typeface="Cambria Math" panose="02040503050406030204" pitchFamily="18" charset="0"/>
-                        </a:rPr>
-                        <m:t>×</m:t>
+                        <m:t>1×</m:t>
                       </m:r>
                       <m:r>
                         <a:rPr lang="en-US" altLang="ko-KR" sz="1100" b="0" i="1" smtClean="0">
@@ -7460,7 +11870,7 @@
             </p:txBody>
           </p:sp>
         </mc:Choice>
-        <mc:Fallback>
+        <mc:Fallback xmlns="">
           <p:sp>
             <p:nvSpPr>
               <p:cNvPr id="42" name="TextBox 41">
@@ -7505,8 +11915,8 @@
           </p:sp>
         </mc:Fallback>
       </mc:AlternateContent>
-      <mc:AlternateContent xmlns:mc="http://schemas.openxmlformats.org/markup-compatibility/2006">
-        <mc:Choice xmlns:a14="http://schemas.microsoft.com/office/drawing/2010/main" Requires="a14">
+      <mc:AlternateContent xmlns:mc="http://schemas.openxmlformats.org/markup-compatibility/2006" xmlns:a14="http://schemas.microsoft.com/office/drawing/2010/main">
+        <mc:Choice Requires="a14">
           <p:sp>
             <p:nvSpPr>
               <p:cNvPr id="43" name="타원 42">
@@ -7573,7 +11983,7 @@
             </p:txBody>
           </p:sp>
         </mc:Choice>
-        <mc:Fallback>
+        <mc:Fallback xmlns="">
           <p:sp>
             <p:nvSpPr>
               <p:cNvPr id="43" name="타원 42">
@@ -7760,8 +12170,8 @@
           </a:fontRef>
         </p:style>
       </p:cxnSp>
-      <mc:AlternateContent xmlns:mc="http://schemas.openxmlformats.org/markup-compatibility/2006">
-        <mc:Choice xmlns:a14="http://schemas.microsoft.com/office/drawing/2010/main" Requires="a14">
+      <mc:AlternateContent xmlns:mc="http://schemas.openxmlformats.org/markup-compatibility/2006" xmlns:a14="http://schemas.microsoft.com/office/drawing/2010/main">
+        <mc:Choice Requires="a14">
           <p:sp>
             <p:nvSpPr>
               <p:cNvPr id="74" name="TextBox 73">
@@ -7811,7 +12221,7 @@
             </p:txBody>
           </p:sp>
         </mc:Choice>
-        <mc:Fallback>
+        <mc:Fallback xmlns="">
           <p:sp>
             <p:nvSpPr>
               <p:cNvPr id="74" name="TextBox 73">
@@ -7915,7 +12325,7 @@
 </p:sld>
 </file>
 
-<file path=ppt/slides/slide4.xml><?xml version="1.0" encoding="utf-8"?>
+<file path=ppt/slides/slide6.xml><?xml version="1.0" encoding="utf-8"?>
 <p:sld xmlns:a="http://schemas.openxmlformats.org/drawingml/2006/main" xmlns:r="http://schemas.openxmlformats.org/officeDocument/2006/relationships" xmlns:p="http://schemas.openxmlformats.org/presentationml/2006/main">
   <p:cSld>
     <p:spTree>

--- a/docs/models.pptx
+++ b/docs/models.pptx
@@ -282,7 +282,7 @@
           <a:p>
             <a:fld id="{1640627F-FB96-4756-840B-710C2C79D46E}" type="datetimeFigureOut">
               <a:rPr lang="ko-KR" altLang="en-US" smtClean="0"/>
-              <a:t>2020-12-28</a:t>
+              <a:t>2021-01-04</a:t>
             </a:fld>
             <a:endParaRPr lang="ko-KR" altLang="en-US"/>
           </a:p>
@@ -480,7 +480,7 @@
           <a:p>
             <a:fld id="{1640627F-FB96-4756-840B-710C2C79D46E}" type="datetimeFigureOut">
               <a:rPr lang="ko-KR" altLang="en-US" smtClean="0"/>
-              <a:t>2020-12-28</a:t>
+              <a:t>2021-01-04</a:t>
             </a:fld>
             <a:endParaRPr lang="ko-KR" altLang="en-US"/>
           </a:p>
@@ -688,7 +688,7 @@
           <a:p>
             <a:fld id="{1640627F-FB96-4756-840B-710C2C79D46E}" type="datetimeFigureOut">
               <a:rPr lang="ko-KR" altLang="en-US" smtClean="0"/>
-              <a:t>2020-12-28</a:t>
+              <a:t>2021-01-04</a:t>
             </a:fld>
             <a:endParaRPr lang="ko-KR" altLang="en-US"/>
           </a:p>
@@ -886,7 +886,7 @@
           <a:p>
             <a:fld id="{1640627F-FB96-4756-840B-710C2C79D46E}" type="datetimeFigureOut">
               <a:rPr lang="ko-KR" altLang="en-US" smtClean="0"/>
-              <a:t>2020-12-28</a:t>
+              <a:t>2021-01-04</a:t>
             </a:fld>
             <a:endParaRPr lang="ko-KR" altLang="en-US"/>
           </a:p>
@@ -1161,7 +1161,7 @@
           <a:p>
             <a:fld id="{1640627F-FB96-4756-840B-710C2C79D46E}" type="datetimeFigureOut">
               <a:rPr lang="ko-KR" altLang="en-US" smtClean="0"/>
-              <a:t>2020-12-28</a:t>
+              <a:t>2021-01-04</a:t>
             </a:fld>
             <a:endParaRPr lang="ko-KR" altLang="en-US"/>
           </a:p>
@@ -1426,7 +1426,7 @@
           <a:p>
             <a:fld id="{1640627F-FB96-4756-840B-710C2C79D46E}" type="datetimeFigureOut">
               <a:rPr lang="ko-KR" altLang="en-US" smtClean="0"/>
-              <a:t>2020-12-28</a:t>
+              <a:t>2021-01-04</a:t>
             </a:fld>
             <a:endParaRPr lang="ko-KR" altLang="en-US"/>
           </a:p>
@@ -1838,7 +1838,7 @@
           <a:p>
             <a:fld id="{1640627F-FB96-4756-840B-710C2C79D46E}" type="datetimeFigureOut">
               <a:rPr lang="ko-KR" altLang="en-US" smtClean="0"/>
-              <a:t>2020-12-28</a:t>
+              <a:t>2021-01-04</a:t>
             </a:fld>
             <a:endParaRPr lang="ko-KR" altLang="en-US"/>
           </a:p>
@@ -1979,7 +1979,7 @@
           <a:p>
             <a:fld id="{1640627F-FB96-4756-840B-710C2C79D46E}" type="datetimeFigureOut">
               <a:rPr lang="ko-KR" altLang="en-US" smtClean="0"/>
-              <a:t>2020-12-28</a:t>
+              <a:t>2021-01-04</a:t>
             </a:fld>
             <a:endParaRPr lang="ko-KR" altLang="en-US"/>
           </a:p>
@@ -2092,7 +2092,7 @@
           <a:p>
             <a:fld id="{1640627F-FB96-4756-840B-710C2C79D46E}" type="datetimeFigureOut">
               <a:rPr lang="ko-KR" altLang="en-US" smtClean="0"/>
-              <a:t>2020-12-28</a:t>
+              <a:t>2021-01-04</a:t>
             </a:fld>
             <a:endParaRPr lang="ko-KR" altLang="en-US"/>
           </a:p>
@@ -2403,7 +2403,7 @@
           <a:p>
             <a:fld id="{1640627F-FB96-4756-840B-710C2C79D46E}" type="datetimeFigureOut">
               <a:rPr lang="ko-KR" altLang="en-US" smtClean="0"/>
-              <a:t>2020-12-28</a:t>
+              <a:t>2021-01-04</a:t>
             </a:fld>
             <a:endParaRPr lang="ko-KR" altLang="en-US"/>
           </a:p>
@@ -2691,7 +2691,7 @@
           <a:p>
             <a:fld id="{1640627F-FB96-4756-840B-710C2C79D46E}" type="datetimeFigureOut">
               <a:rPr lang="ko-KR" altLang="en-US" smtClean="0"/>
-              <a:t>2020-12-28</a:t>
+              <a:t>2021-01-04</a:t>
             </a:fld>
             <a:endParaRPr lang="ko-KR" altLang="en-US"/>
           </a:p>
@@ -2932,7 +2932,7 @@
           <a:p>
             <a:fld id="{1640627F-FB96-4756-840B-710C2C79D46E}" type="datetimeFigureOut">
               <a:rPr lang="ko-KR" altLang="en-US" smtClean="0"/>
-              <a:t>2020-12-28</a:t>
+              <a:t>2021-01-04</a:t>
             </a:fld>
             <a:endParaRPr lang="ko-KR" altLang="en-US"/>
           </a:p>
@@ -3363,7 +3363,7 @@
         </p:nvGrpSpPr>
         <p:grpSpPr>
           <a:xfrm>
-            <a:off x="5378277" y="-92183"/>
+            <a:off x="5709353" y="41167"/>
             <a:ext cx="6415099" cy="6816833"/>
             <a:chOff x="5187777" y="-3158"/>
             <a:chExt cx="6415099" cy="6816833"/>
@@ -5550,2177 +5550,3212 @@
           <a:chExt cx="0" cy="0"/>
         </a:xfrm>
       </p:grpSpPr>
-      <p:grpSp>
-        <p:nvGrpSpPr>
-          <p:cNvPr id="88" name="그룹 87">
+      <p:sp>
+        <p:nvSpPr>
+          <p:cNvPr id="4" name="사각형: 둥근 모서리 3">
             <a:extLst>
               <a:ext uri="{FF2B5EF4-FFF2-40B4-BE49-F238E27FC236}">
-                <a16:creationId xmlns:a16="http://schemas.microsoft.com/office/drawing/2014/main" id="{DDD629AF-3B48-40CB-A7CF-C5CF797A4D84}"/>
+                <a16:creationId xmlns:a16="http://schemas.microsoft.com/office/drawing/2014/main" id="{D6730E09-3A21-43F6-B078-CC699D4F11B0}"/>
               </a:ext>
             </a:extLst>
           </p:cNvPr>
-          <p:cNvGrpSpPr/>
+          <p:cNvSpPr/>
           <p:nvPr/>
-        </p:nvGrpSpPr>
-        <p:grpSpPr>
+        </p:nvSpPr>
+        <p:spPr>
           <a:xfrm>
-            <a:off x="5029200" y="-95250"/>
-            <a:ext cx="6345076" cy="6816833"/>
-            <a:chOff x="5187777" y="-3158"/>
-            <a:chExt cx="6415099" cy="6816833"/>
+            <a:off x="5657967" y="5572731"/>
+            <a:ext cx="1052264" cy="426203"/>
           </a:xfrm>
-        </p:grpSpPr>
-        <p:sp>
-          <p:nvSpPr>
-            <p:cNvPr id="4" name="사각형: 둥근 모서리 3">
-              <a:extLst>
-                <a:ext uri="{FF2B5EF4-FFF2-40B4-BE49-F238E27FC236}">
-                  <a16:creationId xmlns:a16="http://schemas.microsoft.com/office/drawing/2014/main" id="{D6730E09-3A21-43F6-B078-CC699D4F11B0}"/>
-                </a:ext>
-              </a:extLst>
-            </p:cNvPr>
-            <p:cNvSpPr/>
-            <p:nvPr/>
-          </p:nvSpPr>
-          <p:spPr>
-            <a:xfrm>
-              <a:off x="6891430" y="5544410"/>
-              <a:ext cx="1063877" cy="426203"/>
-            </a:xfrm>
-            <a:prstGeom prst="roundRect">
-              <a:avLst>
-                <a:gd name="adj" fmla="val 9190"/>
-              </a:avLst>
-            </a:prstGeom>
+          <a:prstGeom prst="roundRect">
+            <a:avLst>
+              <a:gd name="adj" fmla="val 9190"/>
+            </a:avLst>
+          </a:prstGeom>
+          <a:solidFill>
+            <a:srgbClr val="FCDFE0"/>
+          </a:solidFill>
+          <a:ln>
             <a:solidFill>
-              <a:srgbClr val="FCDFE0"/>
+              <a:schemeClr val="tx1"/>
             </a:solidFill>
-            <a:ln>
-              <a:solidFill>
-                <a:schemeClr val="tx1"/>
-              </a:solidFill>
-            </a:ln>
-          </p:spPr>
-          <p:style>
-            <a:lnRef idx="2">
-              <a:schemeClr val="accent1">
-                <a:shade val="50000"/>
-              </a:schemeClr>
-            </a:lnRef>
-            <a:fillRef idx="1">
-              <a:schemeClr val="accent1"/>
-            </a:fillRef>
-            <a:effectRef idx="0">
-              <a:schemeClr val="accent1"/>
-            </a:effectRef>
-            <a:fontRef idx="minor">
-              <a:schemeClr val="lt1"/>
-            </a:fontRef>
-          </p:style>
-          <p:txBody>
-            <a:bodyPr rtlCol="0" anchor="ctr"/>
-            <a:lstStyle/>
-            <a:p>
-              <a:pPr algn="ctr"/>
-              <a:r>
-                <a:rPr lang="en-US" altLang="ko-KR" sz="1200" dirty="0">
-                  <a:solidFill>
-                    <a:sysClr val="windowText" lastClr="000000"/>
-                  </a:solidFill>
-                </a:rPr>
-                <a:t>Input</a:t>
-              </a:r>
-            </a:p>
-            <a:p>
-              <a:pPr algn="ctr"/>
-              <a:r>
-                <a:rPr lang="en-US" altLang="ko-KR" sz="1200" dirty="0">
-                  <a:solidFill>
-                    <a:sysClr val="windowText" lastClr="000000"/>
-                  </a:solidFill>
-                </a:rPr>
-                <a:t>Embedding</a:t>
-              </a:r>
-              <a:endParaRPr lang="ko-KR" altLang="en-US" sz="1200" dirty="0">
+          </a:ln>
+        </p:spPr>
+        <p:style>
+          <a:lnRef idx="2">
+            <a:schemeClr val="accent1">
+              <a:shade val="50000"/>
+            </a:schemeClr>
+          </a:lnRef>
+          <a:fillRef idx="1">
+            <a:schemeClr val="accent1"/>
+          </a:fillRef>
+          <a:effectRef idx="0">
+            <a:schemeClr val="accent1"/>
+          </a:effectRef>
+          <a:fontRef idx="minor">
+            <a:schemeClr val="lt1"/>
+          </a:fontRef>
+        </p:style>
+        <p:txBody>
+          <a:bodyPr rtlCol="0" anchor="ctr"/>
+          <a:lstStyle/>
+          <a:p>
+            <a:pPr algn="ctr"/>
+            <a:r>
+              <a:rPr lang="en-US" altLang="ko-KR" sz="1200" dirty="0">
                 <a:solidFill>
                   <a:sysClr val="windowText" lastClr="000000"/>
                 </a:solidFill>
-              </a:endParaRPr>
-            </a:p>
-          </p:txBody>
-        </p:sp>
-        <p:sp>
-          <p:nvSpPr>
-            <p:cNvPr id="7" name="사각형: 둥근 모서리 6">
-              <a:extLst>
-                <a:ext uri="{FF2B5EF4-FFF2-40B4-BE49-F238E27FC236}">
-                  <a16:creationId xmlns:a16="http://schemas.microsoft.com/office/drawing/2014/main" id="{B82A19F1-1F11-4C2C-93A9-C61766BA4B5A}"/>
-                </a:ext>
-              </a:extLst>
-            </p:cNvPr>
-            <p:cNvSpPr/>
-            <p:nvPr/>
-          </p:nvSpPr>
-          <p:spPr>
-            <a:xfrm>
-              <a:off x="8873275" y="5544410"/>
-              <a:ext cx="1063877" cy="426203"/>
-            </a:xfrm>
-            <a:prstGeom prst="roundRect">
-              <a:avLst>
-                <a:gd name="adj" fmla="val 9190"/>
-              </a:avLst>
-            </a:prstGeom>
-            <a:solidFill>
-              <a:srgbClr val="FCDFE0"/>
-            </a:solidFill>
-            <a:ln>
-              <a:solidFill>
-                <a:schemeClr val="tx1"/>
-              </a:solidFill>
-            </a:ln>
-          </p:spPr>
-          <p:style>
-            <a:lnRef idx="2">
-              <a:schemeClr val="accent1">
-                <a:shade val="50000"/>
-              </a:schemeClr>
-            </a:lnRef>
-            <a:fillRef idx="1">
-              <a:schemeClr val="accent1"/>
-            </a:fillRef>
-            <a:effectRef idx="0">
-              <a:schemeClr val="accent1"/>
-            </a:effectRef>
-            <a:fontRef idx="minor">
-              <a:schemeClr val="lt1"/>
-            </a:fontRef>
-          </p:style>
-          <p:txBody>
-            <a:bodyPr rtlCol="0" anchor="ctr"/>
-            <a:lstStyle/>
-            <a:p>
-              <a:pPr algn="ctr"/>
-              <a:r>
-                <a:rPr lang="en-US" altLang="ko-KR" sz="1200" dirty="0">
-                  <a:solidFill>
-                    <a:sysClr val="windowText" lastClr="000000"/>
-                  </a:solidFill>
-                </a:rPr>
-                <a:t>Output</a:t>
-              </a:r>
-            </a:p>
-            <a:p>
-              <a:pPr algn="ctr"/>
-              <a:r>
-                <a:rPr lang="en-US" altLang="ko-KR" sz="1200" dirty="0">
-                  <a:solidFill>
-                    <a:sysClr val="windowText" lastClr="000000"/>
-                  </a:solidFill>
-                </a:rPr>
-                <a:t>Embedding</a:t>
-              </a:r>
-              <a:endParaRPr lang="ko-KR" altLang="en-US" sz="1200" dirty="0">
+              </a:rPr>
+              <a:t>Input</a:t>
+            </a:r>
+          </a:p>
+          <a:p>
+            <a:pPr algn="ctr"/>
+            <a:r>
+              <a:rPr lang="en-US" altLang="ko-KR" sz="1200" dirty="0">
                 <a:solidFill>
                   <a:sysClr val="windowText" lastClr="000000"/>
                 </a:solidFill>
-              </a:endParaRPr>
-            </a:p>
-          </p:txBody>
-        </p:sp>
-        <p:cxnSp>
-          <p:nvCxnSpPr>
-            <p:cNvPr id="8" name="직선 화살표 연결선 7">
-              <a:extLst>
-                <a:ext uri="{FF2B5EF4-FFF2-40B4-BE49-F238E27FC236}">
-                  <a16:creationId xmlns:a16="http://schemas.microsoft.com/office/drawing/2014/main" id="{F516FC2E-05F0-4E31-B132-4526AAA96EFF}"/>
-                </a:ext>
-              </a:extLst>
-            </p:cNvPr>
-            <p:cNvCxnSpPr>
-              <a:cxnSpLocks/>
-            </p:cNvCxnSpPr>
-            <p:nvPr/>
-          </p:nvCxnSpPr>
-          <p:spPr>
-            <a:xfrm>
-              <a:off x="7414444" y="5970613"/>
-              <a:ext cx="0" cy="333057"/>
-            </a:xfrm>
-            <a:prstGeom prst="straightConnector1">
-              <a:avLst/>
-            </a:prstGeom>
-            <a:ln w="25400">
+              </a:rPr>
+              <a:t>Embedding</a:t>
+            </a:r>
+            <a:endParaRPr lang="ko-KR" altLang="en-US" sz="1200" dirty="0">
               <a:solidFill>
-                <a:schemeClr val="tx1"/>
+                <a:sysClr val="windowText" lastClr="000000"/>
               </a:solidFill>
-              <a:headEnd type="stealth"/>
-              <a:tailEnd type="none"/>
-            </a:ln>
-          </p:spPr>
-          <p:style>
-            <a:lnRef idx="1">
-              <a:schemeClr val="accent1"/>
-            </a:lnRef>
-            <a:fillRef idx="0">
-              <a:schemeClr val="accent1"/>
-            </a:fillRef>
-            <a:effectRef idx="0">
-              <a:schemeClr val="accent1"/>
-            </a:effectRef>
-            <a:fontRef idx="minor">
+            </a:endParaRPr>
+          </a:p>
+        </p:txBody>
+      </p:sp>
+      <p:sp>
+        <p:nvSpPr>
+          <p:cNvPr id="7" name="사각형: 둥근 모서리 6">
+            <a:extLst>
+              <a:ext uri="{FF2B5EF4-FFF2-40B4-BE49-F238E27FC236}">
+                <a16:creationId xmlns:a16="http://schemas.microsoft.com/office/drawing/2014/main" id="{B82A19F1-1F11-4C2C-93A9-C61766BA4B5A}"/>
+              </a:ext>
+            </a:extLst>
+          </p:cNvPr>
+          <p:cNvSpPr/>
+          <p:nvPr/>
+        </p:nvSpPr>
+        <p:spPr>
+          <a:xfrm>
+            <a:off x="9322902" y="5559124"/>
+            <a:ext cx="1052264" cy="426203"/>
+          </a:xfrm>
+          <a:prstGeom prst="roundRect">
+            <a:avLst>
+              <a:gd name="adj" fmla="val 9190"/>
+            </a:avLst>
+          </a:prstGeom>
+          <a:solidFill>
+            <a:srgbClr val="FCDFE0"/>
+          </a:solidFill>
+          <a:ln>
+            <a:solidFill>
               <a:schemeClr val="tx1"/>
-            </a:fontRef>
-          </p:style>
-        </p:cxnSp>
-        <p:cxnSp>
-          <p:nvCxnSpPr>
-            <p:cNvPr id="12" name="직선 화살표 연결선 11">
-              <a:extLst>
-                <a:ext uri="{FF2B5EF4-FFF2-40B4-BE49-F238E27FC236}">
-                  <a16:creationId xmlns:a16="http://schemas.microsoft.com/office/drawing/2014/main" id="{BAF0DC18-8024-4F9C-AFD0-E14216597A05}"/>
-                </a:ext>
-              </a:extLst>
-            </p:cNvPr>
-            <p:cNvCxnSpPr>
-              <a:cxnSpLocks/>
-              <a:stCxn id="23" idx="6"/>
-              <a:endCxn id="74" idx="1"/>
-            </p:cNvCxnSpPr>
-            <p:nvPr/>
-          </p:nvCxnSpPr>
-          <p:spPr>
-            <a:xfrm flipV="1">
-              <a:off x="9510786" y="5290048"/>
-              <a:ext cx="721782" cy="735"/>
-            </a:xfrm>
-            <a:prstGeom prst="straightConnector1">
-              <a:avLst/>
-            </a:prstGeom>
-            <a:ln w="25400">
-              <a:solidFill>
-                <a:schemeClr val="tx1"/>
-              </a:solidFill>
-              <a:headEnd type="stealth"/>
-              <a:tailEnd type="none"/>
-            </a:ln>
-          </p:spPr>
-          <p:style>
-            <a:lnRef idx="1">
-              <a:schemeClr val="accent1"/>
-            </a:lnRef>
-            <a:fillRef idx="0">
-              <a:schemeClr val="accent1"/>
-            </a:fillRef>
-            <a:effectRef idx="0">
-              <a:schemeClr val="accent1"/>
-            </a:effectRef>
-            <a:fontRef idx="minor">
-              <a:schemeClr val="tx1"/>
-            </a:fontRef>
-          </p:style>
-        </p:cxnSp>
-        <p:sp>
-          <p:nvSpPr>
-            <p:cNvPr id="14" name="타원 13">
-              <a:extLst>
-                <a:ext uri="{FF2B5EF4-FFF2-40B4-BE49-F238E27FC236}">
-                  <a16:creationId xmlns:a16="http://schemas.microsoft.com/office/drawing/2014/main" id="{9195D2BB-B004-4131-93DC-A1BA52B2D8BE}"/>
-                </a:ext>
-              </a:extLst>
-            </p:cNvPr>
-            <p:cNvSpPr/>
-            <p:nvPr/>
-          </p:nvSpPr>
-          <p:spPr>
-            <a:xfrm>
-              <a:off x="7317151" y="5198419"/>
-              <a:ext cx="212436" cy="184727"/>
-            </a:xfrm>
-            <a:prstGeom prst="ellipse">
-              <a:avLst/>
-            </a:prstGeom>
-            <a:noFill/>
-            <a:ln>
-              <a:solidFill>
-                <a:schemeClr val="tx1"/>
-              </a:solidFill>
-            </a:ln>
-          </p:spPr>
-          <p:style>
-            <a:lnRef idx="2">
-              <a:schemeClr val="accent1">
-                <a:shade val="50000"/>
-              </a:schemeClr>
-            </a:lnRef>
-            <a:fillRef idx="1">
-              <a:schemeClr val="accent1"/>
-            </a:fillRef>
-            <a:effectRef idx="0">
-              <a:schemeClr val="accent1"/>
-            </a:effectRef>
-            <a:fontRef idx="minor">
-              <a:schemeClr val="lt1"/>
-            </a:fontRef>
-          </p:style>
-          <p:txBody>
-            <a:bodyPr rtlCol="0" anchor="ctr"/>
-            <a:lstStyle/>
-            <a:p>
-              <a:pPr algn="ctr"/>
-              <a:r>
-                <a:rPr lang="en-US" altLang="ko-KR" dirty="0">
-                  <a:ln>
-                    <a:solidFill>
-                      <a:sysClr val="windowText" lastClr="000000"/>
-                    </a:solidFill>
-                  </a:ln>
-                  <a:solidFill>
-                    <a:sysClr val="windowText" lastClr="000000"/>
-                  </a:solidFill>
-                </a:rPr>
-                <a:t>+</a:t>
-              </a:r>
-              <a:endParaRPr lang="ko-KR" altLang="en-US" dirty="0">
-                <a:ln>
-                  <a:solidFill>
-                    <a:sysClr val="windowText" lastClr="000000"/>
-                  </a:solidFill>
-                </a:ln>
+            </a:solidFill>
+          </a:ln>
+        </p:spPr>
+        <p:style>
+          <a:lnRef idx="2">
+            <a:schemeClr val="accent1">
+              <a:shade val="50000"/>
+            </a:schemeClr>
+          </a:lnRef>
+          <a:fillRef idx="1">
+            <a:schemeClr val="accent1"/>
+          </a:fillRef>
+          <a:effectRef idx="0">
+            <a:schemeClr val="accent1"/>
+          </a:effectRef>
+          <a:fontRef idx="minor">
+            <a:schemeClr val="lt1"/>
+          </a:fontRef>
+        </p:style>
+        <p:txBody>
+          <a:bodyPr rtlCol="0" anchor="ctr"/>
+          <a:lstStyle/>
+          <a:p>
+            <a:pPr algn="ctr"/>
+            <a:r>
+              <a:rPr lang="en-US" altLang="ko-KR" sz="1200" dirty="0">
                 <a:solidFill>
                   <a:sysClr val="windowText" lastClr="000000"/>
                 </a:solidFill>
-              </a:endParaRPr>
-            </a:p>
-          </p:txBody>
-        </p:sp>
-        <p:cxnSp>
-          <p:nvCxnSpPr>
-            <p:cNvPr id="16" name="직선 화살표 연결선 15">
-              <a:extLst>
-                <a:ext uri="{FF2B5EF4-FFF2-40B4-BE49-F238E27FC236}">
-                  <a16:creationId xmlns:a16="http://schemas.microsoft.com/office/drawing/2014/main" id="{5320BFE3-B279-43F4-A749-A122979DDFBD}"/>
-                </a:ext>
-              </a:extLst>
-            </p:cNvPr>
-            <p:cNvCxnSpPr>
-              <a:cxnSpLocks/>
-              <a:stCxn id="14" idx="4"/>
-            </p:cNvCxnSpPr>
-            <p:nvPr/>
-          </p:nvCxnSpPr>
-          <p:spPr>
-            <a:xfrm>
-              <a:off x="7423369" y="5383146"/>
-              <a:ext cx="0" cy="161264"/>
-            </a:xfrm>
-            <a:prstGeom prst="straightConnector1">
-              <a:avLst/>
-            </a:prstGeom>
-            <a:ln w="25400">
-              <a:solidFill>
-                <a:schemeClr val="tx1"/>
-              </a:solidFill>
-              <a:headEnd type="stealth"/>
-              <a:tailEnd type="none"/>
-            </a:ln>
-          </p:spPr>
-          <p:style>
-            <a:lnRef idx="1">
-              <a:schemeClr val="accent1"/>
-            </a:lnRef>
-            <a:fillRef idx="0">
-              <a:schemeClr val="accent1"/>
-            </a:fillRef>
-            <a:effectRef idx="0">
-              <a:schemeClr val="accent1"/>
-            </a:effectRef>
-            <a:fontRef idx="minor">
-              <a:schemeClr val="tx1"/>
-            </a:fontRef>
-          </p:style>
-        </p:cxnSp>
-        <p:sp>
-          <p:nvSpPr>
-            <p:cNvPr id="23" name="타원 22">
-              <a:extLst>
-                <a:ext uri="{FF2B5EF4-FFF2-40B4-BE49-F238E27FC236}">
-                  <a16:creationId xmlns:a16="http://schemas.microsoft.com/office/drawing/2014/main" id="{763E2BC3-E29D-4DA9-BDE2-E3D51E513C65}"/>
-                </a:ext>
-              </a:extLst>
-            </p:cNvPr>
-            <p:cNvSpPr/>
-            <p:nvPr/>
-          </p:nvSpPr>
-          <p:spPr>
-            <a:xfrm>
-              <a:off x="9298350" y="5198419"/>
-              <a:ext cx="212436" cy="184727"/>
-            </a:xfrm>
-            <a:prstGeom prst="ellipse">
-              <a:avLst/>
-            </a:prstGeom>
-            <a:noFill/>
-            <a:ln>
-              <a:solidFill>
-                <a:schemeClr val="tx1"/>
-              </a:solidFill>
-            </a:ln>
-          </p:spPr>
-          <p:style>
-            <a:lnRef idx="2">
-              <a:schemeClr val="accent1">
-                <a:shade val="50000"/>
-              </a:schemeClr>
-            </a:lnRef>
-            <a:fillRef idx="1">
-              <a:schemeClr val="accent1"/>
-            </a:fillRef>
-            <a:effectRef idx="0">
-              <a:schemeClr val="accent1"/>
-            </a:effectRef>
-            <a:fontRef idx="minor">
-              <a:schemeClr val="lt1"/>
-            </a:fontRef>
-          </p:style>
-          <p:txBody>
-            <a:bodyPr rtlCol="0" anchor="ctr"/>
-            <a:lstStyle/>
-            <a:p>
-              <a:pPr algn="ctr"/>
-              <a:r>
-                <a:rPr lang="en-US" altLang="ko-KR" dirty="0">
-                  <a:ln>
-                    <a:solidFill>
-                      <a:sysClr val="windowText" lastClr="000000"/>
-                    </a:solidFill>
-                  </a:ln>
-                  <a:solidFill>
-                    <a:sysClr val="windowText" lastClr="000000"/>
-                  </a:solidFill>
-                </a:rPr>
-                <a:t>+</a:t>
-              </a:r>
-              <a:endParaRPr lang="ko-KR" altLang="en-US" dirty="0">
-                <a:ln>
-                  <a:solidFill>
-                    <a:sysClr val="windowText" lastClr="000000"/>
-                  </a:solidFill>
-                </a:ln>
+              </a:rPr>
+              <a:t>Output</a:t>
+            </a:r>
+          </a:p>
+          <a:p>
+            <a:pPr algn="ctr"/>
+            <a:r>
+              <a:rPr lang="en-US" altLang="ko-KR" sz="1200" dirty="0">
                 <a:solidFill>
                   <a:sysClr val="windowText" lastClr="000000"/>
                 </a:solidFill>
-              </a:endParaRPr>
-            </a:p>
-          </p:txBody>
-        </p:sp>
-        <p:cxnSp>
-          <p:nvCxnSpPr>
-            <p:cNvPr id="24" name="직선 화살표 연결선 23">
-              <a:extLst>
-                <a:ext uri="{FF2B5EF4-FFF2-40B4-BE49-F238E27FC236}">
-                  <a16:creationId xmlns:a16="http://schemas.microsoft.com/office/drawing/2014/main" id="{B1B38C2D-16CC-4B03-AF87-5316ED66257C}"/>
-                </a:ext>
-              </a:extLst>
-            </p:cNvPr>
-            <p:cNvCxnSpPr>
-              <a:cxnSpLocks/>
-              <a:stCxn id="23" idx="4"/>
-              <a:endCxn id="7" idx="0"/>
-            </p:cNvCxnSpPr>
-            <p:nvPr/>
-          </p:nvCxnSpPr>
-          <p:spPr>
-            <a:xfrm>
-              <a:off x="9404568" y="5383146"/>
-              <a:ext cx="646" cy="161264"/>
-            </a:xfrm>
-            <a:prstGeom prst="straightConnector1">
-              <a:avLst/>
-            </a:prstGeom>
-            <a:ln w="25400">
+              </a:rPr>
+              <a:t>Embedding</a:t>
+            </a:r>
+            <a:endParaRPr lang="ko-KR" altLang="en-US" sz="1200" dirty="0">
               <a:solidFill>
-                <a:schemeClr val="tx1"/>
+                <a:sysClr val="windowText" lastClr="000000"/>
               </a:solidFill>
-              <a:headEnd type="stealth"/>
-              <a:tailEnd type="none"/>
-            </a:ln>
-          </p:spPr>
-          <p:style>
-            <a:lnRef idx="1">
-              <a:schemeClr val="accent1"/>
-            </a:lnRef>
-            <a:fillRef idx="0">
-              <a:schemeClr val="accent1"/>
-            </a:fillRef>
-            <a:effectRef idx="0">
-              <a:schemeClr val="accent1"/>
-            </a:effectRef>
-            <a:fontRef idx="minor">
+            </a:endParaRPr>
+          </a:p>
+        </p:txBody>
+      </p:sp>
+      <p:cxnSp>
+        <p:nvCxnSpPr>
+          <p:cNvPr id="8" name="직선 화살표 연결선 7">
+            <a:extLst>
+              <a:ext uri="{FF2B5EF4-FFF2-40B4-BE49-F238E27FC236}">
+                <a16:creationId xmlns:a16="http://schemas.microsoft.com/office/drawing/2014/main" id="{F516FC2E-05F0-4E31-B132-4526AAA96EFF}"/>
+              </a:ext>
+            </a:extLst>
+          </p:cNvPr>
+          <p:cNvCxnSpPr>
+            <a:cxnSpLocks/>
+            <a:stCxn id="4" idx="2"/>
+            <a:endCxn id="28" idx="0"/>
+          </p:cNvCxnSpPr>
+          <p:nvPr/>
+        </p:nvCxnSpPr>
+        <p:spPr>
+          <a:xfrm>
+            <a:off x="6184099" y="5998934"/>
+            <a:ext cx="1265" cy="356002"/>
+          </a:xfrm>
+          <a:prstGeom prst="straightConnector1">
+            <a:avLst/>
+          </a:prstGeom>
+          <a:ln w="25400">
+            <a:solidFill>
               <a:schemeClr val="tx1"/>
-            </a:fontRef>
-          </p:style>
-        </p:cxnSp>
-        <p:cxnSp>
-          <p:nvCxnSpPr>
-            <p:cNvPr id="26" name="직선 화살표 연결선 25">
-              <a:extLst>
-                <a:ext uri="{FF2B5EF4-FFF2-40B4-BE49-F238E27FC236}">
-                  <a16:creationId xmlns:a16="http://schemas.microsoft.com/office/drawing/2014/main" id="{BF9F2AFE-4F0A-4158-B7F2-9E6776DE1781}"/>
-                </a:ext>
-              </a:extLst>
-            </p:cNvPr>
-            <p:cNvCxnSpPr>
-              <a:cxnSpLocks/>
-              <a:stCxn id="7" idx="2"/>
-            </p:cNvCxnSpPr>
-            <p:nvPr/>
-          </p:nvCxnSpPr>
-          <p:spPr>
-            <a:xfrm>
-              <a:off x="9405214" y="5970613"/>
-              <a:ext cx="0" cy="286154"/>
-            </a:xfrm>
-            <a:prstGeom prst="straightConnector1">
-              <a:avLst/>
-            </a:prstGeom>
-            <a:ln w="25400">
-              <a:solidFill>
-                <a:schemeClr val="tx1"/>
-              </a:solidFill>
-              <a:headEnd type="stealth"/>
-              <a:tailEnd type="none"/>
-            </a:ln>
-          </p:spPr>
-          <p:style>
-            <a:lnRef idx="1">
-              <a:schemeClr val="accent1"/>
-            </a:lnRef>
-            <a:fillRef idx="0">
-              <a:schemeClr val="accent1"/>
-            </a:fillRef>
-            <a:effectRef idx="0">
-              <a:schemeClr val="accent1"/>
-            </a:effectRef>
-            <a:fontRef idx="minor">
+            </a:solidFill>
+            <a:headEnd type="stealth"/>
+            <a:tailEnd type="none"/>
+          </a:ln>
+        </p:spPr>
+        <p:style>
+          <a:lnRef idx="1">
+            <a:schemeClr val="accent1"/>
+          </a:lnRef>
+          <a:fillRef idx="0">
+            <a:schemeClr val="accent1"/>
+          </a:fillRef>
+          <a:effectRef idx="0">
+            <a:schemeClr val="accent1"/>
+          </a:effectRef>
+          <a:fontRef idx="minor">
+            <a:schemeClr val="tx1"/>
+          </a:fontRef>
+        </p:style>
+      </p:cxnSp>
+      <p:cxnSp>
+        <p:nvCxnSpPr>
+          <p:cNvPr id="16" name="직선 화살표 연결선 15">
+            <a:extLst>
+              <a:ext uri="{FF2B5EF4-FFF2-40B4-BE49-F238E27FC236}">
+                <a16:creationId xmlns:a16="http://schemas.microsoft.com/office/drawing/2014/main" id="{5320BFE3-B279-43F4-A749-A122979DDFBD}"/>
+              </a:ext>
+            </a:extLst>
+          </p:cNvPr>
+          <p:cNvCxnSpPr>
+            <a:cxnSpLocks/>
+            <a:stCxn id="31" idx="2"/>
+            <a:endCxn id="4" idx="0"/>
+          </p:cNvCxnSpPr>
+          <p:nvPr/>
+        </p:nvCxnSpPr>
+        <p:spPr>
+          <a:xfrm>
+            <a:off x="6175272" y="5204817"/>
+            <a:ext cx="8827" cy="367914"/>
+          </a:xfrm>
+          <a:prstGeom prst="straightConnector1">
+            <a:avLst/>
+          </a:prstGeom>
+          <a:ln w="25400">
+            <a:solidFill>
               <a:schemeClr val="tx1"/>
-            </a:fontRef>
-          </p:style>
-        </p:cxnSp>
-        <p:sp>
-          <p:nvSpPr>
-            <p:cNvPr id="28" name="TextBox 27">
-              <a:extLst>
-                <a:ext uri="{FF2B5EF4-FFF2-40B4-BE49-F238E27FC236}">
-                  <a16:creationId xmlns:a16="http://schemas.microsoft.com/office/drawing/2014/main" id="{E8E4532C-C792-4052-92BA-5B0012767B78}"/>
-                </a:ext>
-              </a:extLst>
-            </p:cNvPr>
-            <p:cNvSpPr txBox="1"/>
-            <p:nvPr/>
-          </p:nvSpPr>
-          <p:spPr>
-            <a:xfrm>
-              <a:off x="7060959" y="6290455"/>
-              <a:ext cx="937255" cy="307777"/>
-            </a:xfrm>
-            <a:prstGeom prst="rect">
-              <a:avLst/>
-            </a:prstGeom>
-            <a:noFill/>
-          </p:spPr>
-          <p:txBody>
-            <a:bodyPr wrap="square" rtlCol="0">
-              <a:spAutoFit/>
-            </a:bodyPr>
-            <a:lstStyle/>
-            <a:p>
-              <a:r>
-                <a:rPr lang="en-US" altLang="ko-KR" sz="1400" dirty="0"/>
-                <a:t>Inputs</a:t>
-              </a:r>
-              <a:endParaRPr lang="ko-KR" altLang="en-US" sz="1400" dirty="0"/>
-            </a:p>
-          </p:txBody>
-        </p:sp>
-        <p:sp>
-          <p:nvSpPr>
-            <p:cNvPr id="30" name="TextBox 29">
-              <a:extLst>
-                <a:ext uri="{FF2B5EF4-FFF2-40B4-BE49-F238E27FC236}">
-                  <a16:creationId xmlns:a16="http://schemas.microsoft.com/office/drawing/2014/main" id="{B132E278-11D5-40DA-B588-51B62FC68AC2}"/>
-                </a:ext>
-              </a:extLst>
-            </p:cNvPr>
-            <p:cNvSpPr txBox="1"/>
-            <p:nvPr/>
-          </p:nvSpPr>
-          <p:spPr>
-            <a:xfrm>
-              <a:off x="8723986" y="6290455"/>
-              <a:ext cx="1361164" cy="523220"/>
-            </a:xfrm>
-            <a:prstGeom prst="rect">
-              <a:avLst/>
-            </a:prstGeom>
-            <a:noFill/>
-          </p:spPr>
-          <p:txBody>
-            <a:bodyPr wrap="square" rtlCol="0">
-              <a:spAutoFit/>
-            </a:bodyPr>
-            <a:lstStyle/>
-            <a:p>
-              <a:pPr algn="ctr"/>
-              <a:r>
-                <a:rPr lang="en-US" altLang="ko-KR" sz="1400" dirty="0"/>
-                <a:t>Outputs</a:t>
-              </a:r>
-              <a:br>
-                <a:rPr lang="en-US" altLang="ko-KR" sz="1400" dirty="0"/>
-              </a:br>
-              <a:r>
-                <a:rPr lang="en-US" altLang="ko-KR" sz="1400" dirty="0"/>
-                <a:t>(shifted right)</a:t>
-              </a:r>
-              <a:endParaRPr lang="ko-KR" altLang="en-US" sz="1400" dirty="0"/>
-            </a:p>
-          </p:txBody>
-        </p:sp>
-        <p:sp>
-          <p:nvSpPr>
-            <p:cNvPr id="31" name="사각형: 둥근 모서리 30">
-              <a:extLst>
-                <a:ext uri="{FF2B5EF4-FFF2-40B4-BE49-F238E27FC236}">
-                  <a16:creationId xmlns:a16="http://schemas.microsoft.com/office/drawing/2014/main" id="{37531404-96B4-4CDD-BA40-EA6246BCDF5F}"/>
-                </a:ext>
-              </a:extLst>
-            </p:cNvPr>
-            <p:cNvSpPr/>
-            <p:nvPr/>
-          </p:nvSpPr>
-          <p:spPr>
-            <a:xfrm>
-              <a:off x="6657373" y="2842918"/>
-              <a:ext cx="1542532" cy="2253984"/>
-            </a:xfrm>
-            <a:prstGeom prst="roundRect">
-              <a:avLst>
-                <a:gd name="adj" fmla="val 9190"/>
-              </a:avLst>
-            </a:prstGeom>
+            </a:solidFill>
+            <a:headEnd type="stealth"/>
+            <a:tailEnd type="none"/>
+          </a:ln>
+        </p:spPr>
+        <p:style>
+          <a:lnRef idx="1">
+            <a:schemeClr val="accent1"/>
+          </a:lnRef>
+          <a:fillRef idx="0">
+            <a:schemeClr val="accent1"/>
+          </a:fillRef>
+          <a:effectRef idx="0">
+            <a:schemeClr val="accent1"/>
+          </a:effectRef>
+          <a:fontRef idx="minor">
+            <a:schemeClr val="tx1"/>
+          </a:fontRef>
+        </p:style>
+      </p:cxnSp>
+      <p:cxnSp>
+        <p:nvCxnSpPr>
+          <p:cNvPr id="24" name="직선 화살표 연결선 23">
+            <a:extLst>
+              <a:ext uri="{FF2B5EF4-FFF2-40B4-BE49-F238E27FC236}">
+                <a16:creationId xmlns:a16="http://schemas.microsoft.com/office/drawing/2014/main" id="{B1B38C2D-16CC-4B03-AF87-5316ED66257C}"/>
+              </a:ext>
+            </a:extLst>
+          </p:cNvPr>
+          <p:cNvCxnSpPr>
+            <a:cxnSpLocks/>
+            <a:stCxn id="53" idx="2"/>
+          </p:cNvCxnSpPr>
+          <p:nvPr/>
+        </p:nvCxnSpPr>
+        <p:spPr>
+          <a:xfrm>
+            <a:off x="9849034" y="4948973"/>
+            <a:ext cx="638" cy="623463"/>
+          </a:xfrm>
+          <a:prstGeom prst="straightConnector1">
+            <a:avLst/>
+          </a:prstGeom>
+          <a:ln w="25400">
             <a:solidFill>
-              <a:schemeClr val="bg1">
-                <a:lumMod val="95000"/>
-              </a:schemeClr>
+              <a:schemeClr val="tx1"/>
             </a:solidFill>
-            <a:ln>
-              <a:solidFill>
-                <a:schemeClr val="tx1"/>
-              </a:solidFill>
-            </a:ln>
-          </p:spPr>
-          <p:style>
-            <a:lnRef idx="2">
-              <a:schemeClr val="accent1">
-                <a:shade val="50000"/>
-              </a:schemeClr>
-            </a:lnRef>
-            <a:fillRef idx="1">
-              <a:schemeClr val="accent1"/>
-            </a:fillRef>
-            <a:effectRef idx="0">
-              <a:schemeClr val="accent1"/>
-            </a:effectRef>
-            <a:fontRef idx="minor">
-              <a:schemeClr val="lt1"/>
-            </a:fontRef>
-          </p:style>
-          <p:txBody>
-            <a:bodyPr rtlCol="0" anchor="ctr"/>
-            <a:lstStyle/>
-            <a:p>
-              <a:pPr algn="ctr"/>
-              <a:endParaRPr lang="en-US" altLang="ko-KR" sz="1200" dirty="0">
+            <a:headEnd type="stealth"/>
+            <a:tailEnd type="none"/>
+          </a:ln>
+        </p:spPr>
+        <p:style>
+          <a:lnRef idx="1">
+            <a:schemeClr val="accent1"/>
+          </a:lnRef>
+          <a:fillRef idx="0">
+            <a:schemeClr val="accent1"/>
+          </a:fillRef>
+          <a:effectRef idx="0">
+            <a:schemeClr val="accent1"/>
+          </a:effectRef>
+          <a:fontRef idx="minor">
+            <a:schemeClr val="tx1"/>
+          </a:fontRef>
+        </p:style>
+      </p:cxnSp>
+      <p:cxnSp>
+        <p:nvCxnSpPr>
+          <p:cNvPr id="26" name="직선 화살표 연결선 25">
+            <a:extLst>
+              <a:ext uri="{FF2B5EF4-FFF2-40B4-BE49-F238E27FC236}">
+                <a16:creationId xmlns:a16="http://schemas.microsoft.com/office/drawing/2014/main" id="{BF9F2AFE-4F0A-4158-B7F2-9E6776DE1781}"/>
+              </a:ext>
+            </a:extLst>
+          </p:cNvPr>
+          <p:cNvCxnSpPr>
+            <a:cxnSpLocks/>
+            <a:stCxn id="7" idx="2"/>
+          </p:cNvCxnSpPr>
+          <p:nvPr/>
+        </p:nvCxnSpPr>
+        <p:spPr>
+          <a:xfrm>
+            <a:off x="9849034" y="5985327"/>
+            <a:ext cx="0" cy="286154"/>
+          </a:xfrm>
+          <a:prstGeom prst="straightConnector1">
+            <a:avLst/>
+          </a:prstGeom>
+          <a:ln w="25400">
+            <a:solidFill>
+              <a:schemeClr val="tx1"/>
+            </a:solidFill>
+            <a:headEnd type="stealth"/>
+            <a:tailEnd type="none"/>
+          </a:ln>
+        </p:spPr>
+        <p:style>
+          <a:lnRef idx="1">
+            <a:schemeClr val="accent1"/>
+          </a:lnRef>
+          <a:fillRef idx="0">
+            <a:schemeClr val="accent1"/>
+          </a:fillRef>
+          <a:effectRef idx="0">
+            <a:schemeClr val="accent1"/>
+          </a:effectRef>
+          <a:fontRef idx="minor">
+            <a:schemeClr val="tx1"/>
+          </a:fontRef>
+        </p:style>
+      </p:cxnSp>
+      <mc:AlternateContent xmlns:mc="http://schemas.openxmlformats.org/markup-compatibility/2006" xmlns:a14="http://schemas.microsoft.com/office/drawing/2010/main">
+        <mc:Choice Requires="a14">
+          <p:sp>
+            <p:nvSpPr>
+              <p:cNvPr id="28" name="TextBox 27">
+                <a:extLst>
+                  <a:ext uri="{FF2B5EF4-FFF2-40B4-BE49-F238E27FC236}">
+                    <a16:creationId xmlns:a16="http://schemas.microsoft.com/office/drawing/2014/main" id="{E8E4532C-C792-4052-92BA-5B0012767B78}"/>
+                  </a:ext>
+                </a:extLst>
+              </p:cNvPr>
+              <p:cNvSpPr txBox="1"/>
+              <p:nvPr/>
+            </p:nvSpPr>
+            <p:spPr>
+              <a:xfrm>
+                <a:off x="5946282" y="6354936"/>
+                <a:ext cx="478164" cy="307777"/>
+              </a:xfrm>
+              <a:prstGeom prst="rect">
+                <a:avLst/>
+              </a:prstGeom>
+              <a:noFill/>
+            </p:spPr>
+            <p:txBody>
+              <a:bodyPr wrap="square" rtlCol="0">
+                <a:spAutoFit/>
+              </a:bodyPr>
+              <a:lstStyle/>
+              <a:p>
+                <a:pPr/>
+                <a14:m>
+                  <m:oMathPara xmlns:m="http://schemas.openxmlformats.org/officeDocument/2006/math">
+                    <m:oMathParaPr>
+                      <m:jc m:val="centerGroup"/>
+                    </m:oMathParaPr>
+                    <m:oMath xmlns:m="http://schemas.openxmlformats.org/officeDocument/2006/math">
+                      <m:r>
+                        <a:rPr lang="en-US" altLang="ko-KR" sz="1400" i="1" dirty="0" smtClean="0">
+                          <a:latin typeface="Cambria Math" panose="02040503050406030204" pitchFamily="18" charset="0"/>
+                        </a:rPr>
+                        <m:t>𝑋</m:t>
+                      </m:r>
+                    </m:oMath>
+                  </m:oMathPara>
+                </a14:m>
+                <a:endParaRPr lang="ko-KR" altLang="en-US" sz="1400" dirty="0"/>
+              </a:p>
+            </p:txBody>
+          </p:sp>
+        </mc:Choice>
+        <mc:Fallback xmlns="">
+          <p:sp>
+            <p:nvSpPr>
+              <p:cNvPr id="28" name="TextBox 27">
+                <a:extLst>
+                  <a:ext uri="{FF2B5EF4-FFF2-40B4-BE49-F238E27FC236}">
+                    <a16:creationId xmlns:a16="http://schemas.microsoft.com/office/drawing/2014/main" id="{E8E4532C-C792-4052-92BA-5B0012767B78}"/>
+                  </a:ext>
+                </a:extLst>
+              </p:cNvPr>
+              <p:cNvSpPr txBox="1">
+                <a:spLocks noRot="1" noChangeAspect="1" noMove="1" noResize="1" noEditPoints="1" noAdjustHandles="1" noChangeArrowheads="1" noChangeShapeType="1" noTextEdit="1"/>
+              </p:cNvSpPr>
+              <p:nvPr/>
+            </p:nvSpPr>
+            <p:spPr>
+              <a:xfrm>
+                <a:off x="5946282" y="6354936"/>
+                <a:ext cx="478164" cy="307777"/>
+              </a:xfrm>
+              <a:prstGeom prst="rect">
+                <a:avLst/>
+              </a:prstGeom>
+              <a:blipFill>
+                <a:blip r:embed="rId2"/>
+                <a:stretch>
+                  <a:fillRect/>
+                </a:stretch>
+              </a:blipFill>
+            </p:spPr>
+            <p:txBody>
+              <a:bodyPr/>
+              <a:lstStyle/>
+              <a:p>
+                <a:r>
+                  <a:rPr lang="ko-KR" altLang="en-US">
+                    <a:noFill/>
+                  </a:rPr>
+                  <a:t> </a:t>
+                </a:r>
+              </a:p>
+            </p:txBody>
+          </p:sp>
+        </mc:Fallback>
+      </mc:AlternateContent>
+      <mc:AlternateContent xmlns:mc="http://schemas.openxmlformats.org/markup-compatibility/2006" xmlns:a14="http://schemas.microsoft.com/office/drawing/2010/main">
+        <mc:Choice Requires="a14">
+          <p:sp>
+            <p:nvSpPr>
+              <p:cNvPr id="30" name="TextBox 29">
+                <a:extLst>
+                  <a:ext uri="{FF2B5EF4-FFF2-40B4-BE49-F238E27FC236}">
+                    <a16:creationId xmlns:a16="http://schemas.microsoft.com/office/drawing/2014/main" id="{B132E278-11D5-40DA-B588-51B62FC68AC2}"/>
+                  </a:ext>
+                </a:extLst>
+              </p:cNvPr>
+              <p:cNvSpPr txBox="1"/>
+              <p:nvPr/>
+            </p:nvSpPr>
+            <p:spPr>
+              <a:xfrm>
+                <a:off x="9175879" y="6259925"/>
+                <a:ext cx="1525683" cy="307777"/>
+              </a:xfrm>
+              <a:prstGeom prst="rect">
+                <a:avLst/>
+              </a:prstGeom>
+              <a:noFill/>
+            </p:spPr>
+            <p:txBody>
+              <a:bodyPr wrap="square" rtlCol="0">
+                <a:spAutoFit/>
+              </a:bodyPr>
+              <a:lstStyle/>
+              <a:p>
+                <a:r>
+                  <a:rPr lang="en-US" altLang="ko-KR" sz="1400" b="0" dirty="0"/>
+                  <a:t> </a:t>
+                </a:r>
+                <a14:m>
+                  <m:oMath xmlns:m="http://schemas.openxmlformats.org/officeDocument/2006/math">
+                    <m:r>
+                      <a:rPr lang="en-US" altLang="ko-KR" sz="1400" b="0" i="1" smtClean="0">
+                        <a:latin typeface="Cambria Math" panose="02040503050406030204" pitchFamily="18" charset="0"/>
+                      </a:rPr>
+                      <m:t>𝑌</m:t>
+                    </m:r>
+                    <m:r>
+                      <m:rPr>
+                        <m:nor/>
+                      </m:rPr>
+                      <a:rPr lang="en-US" altLang="ko-KR" sz="1400" dirty="0"/>
+                      <m:t>(</m:t>
+                    </m:r>
+                    <m:r>
+                      <m:rPr>
+                        <m:nor/>
+                      </m:rPr>
+                      <a:rPr lang="en-US" altLang="ko-KR" sz="1400" dirty="0"/>
+                      <m:t>shifted</m:t>
+                    </m:r>
+                    <m:r>
+                      <m:rPr>
+                        <m:nor/>
+                      </m:rPr>
+                      <a:rPr lang="en-US" altLang="ko-KR" sz="1400" dirty="0"/>
+                      <m:t> </m:t>
+                    </m:r>
+                    <m:r>
+                      <m:rPr>
+                        <m:nor/>
+                      </m:rPr>
+                      <a:rPr lang="en-US" altLang="ko-KR" sz="1400" dirty="0"/>
+                      <m:t>right</m:t>
+                    </m:r>
+                    <m:r>
+                      <m:rPr>
+                        <m:nor/>
+                      </m:rPr>
+                      <a:rPr lang="en-US" altLang="ko-KR" sz="1400" dirty="0"/>
+                      <m:t>)</m:t>
+                    </m:r>
+                  </m:oMath>
+                </a14:m>
+                <a:endParaRPr lang="ko-KR" altLang="en-US" sz="1400" dirty="0"/>
+              </a:p>
+            </p:txBody>
+          </p:sp>
+        </mc:Choice>
+        <mc:Fallback xmlns="">
+          <p:sp>
+            <p:nvSpPr>
+              <p:cNvPr id="30" name="TextBox 29">
+                <a:extLst>
+                  <a:ext uri="{FF2B5EF4-FFF2-40B4-BE49-F238E27FC236}">
+                    <a16:creationId xmlns:a16="http://schemas.microsoft.com/office/drawing/2014/main" id="{B132E278-11D5-40DA-B588-51B62FC68AC2}"/>
+                  </a:ext>
+                </a:extLst>
+              </p:cNvPr>
+              <p:cNvSpPr txBox="1">
+                <a:spLocks noRot="1" noChangeAspect="1" noMove="1" noResize="1" noEditPoints="1" noAdjustHandles="1" noChangeArrowheads="1" noChangeShapeType="1" noTextEdit="1"/>
+              </p:cNvSpPr>
+              <p:nvPr/>
+            </p:nvSpPr>
+            <p:spPr>
+              <a:xfrm>
+                <a:off x="9175879" y="6259925"/>
+                <a:ext cx="1525683" cy="307777"/>
+              </a:xfrm>
+              <a:prstGeom prst="rect">
+                <a:avLst/>
+              </a:prstGeom>
+              <a:blipFill>
+                <a:blip r:embed="rId3"/>
+                <a:stretch>
+                  <a:fillRect b="-14000"/>
+                </a:stretch>
+              </a:blipFill>
+            </p:spPr>
+            <p:txBody>
+              <a:bodyPr/>
+              <a:lstStyle/>
+              <a:p>
+                <a:r>
+                  <a:rPr lang="ko-KR" altLang="en-US">
+                    <a:noFill/>
+                  </a:rPr>
+                  <a:t> </a:t>
+                </a:r>
+              </a:p>
+            </p:txBody>
+          </p:sp>
+        </mc:Fallback>
+      </mc:AlternateContent>
+      <p:sp>
+        <p:nvSpPr>
+          <p:cNvPr id="31" name="사각형: 둥근 모서리 30">
+            <a:extLst>
+              <a:ext uri="{FF2B5EF4-FFF2-40B4-BE49-F238E27FC236}">
+                <a16:creationId xmlns:a16="http://schemas.microsoft.com/office/drawing/2014/main" id="{37531404-96B4-4CDD-BA40-EA6246BCDF5F}"/>
+              </a:ext>
+            </a:extLst>
+          </p:cNvPr>
+          <p:cNvSpPr/>
+          <p:nvPr/>
+        </p:nvSpPr>
+        <p:spPr>
+          <a:xfrm>
+            <a:off x="5412424" y="4314150"/>
+            <a:ext cx="1525695" cy="890667"/>
+          </a:xfrm>
+          <a:prstGeom prst="roundRect">
+            <a:avLst>
+              <a:gd name="adj" fmla="val 9190"/>
+            </a:avLst>
+          </a:prstGeom>
+          <a:solidFill>
+            <a:schemeClr val="bg1">
+              <a:lumMod val="95000"/>
+            </a:schemeClr>
+          </a:solidFill>
+          <a:ln>
+            <a:solidFill>
+              <a:schemeClr val="tx1"/>
+            </a:solidFill>
+          </a:ln>
+        </p:spPr>
+        <p:style>
+          <a:lnRef idx="2">
+            <a:schemeClr val="accent1">
+              <a:shade val="50000"/>
+            </a:schemeClr>
+          </a:lnRef>
+          <a:fillRef idx="1">
+            <a:schemeClr val="accent1"/>
+          </a:fillRef>
+          <a:effectRef idx="0">
+            <a:schemeClr val="accent1"/>
+          </a:effectRef>
+          <a:fontRef idx="minor">
+            <a:schemeClr val="lt1"/>
+          </a:fontRef>
+        </p:style>
+        <p:txBody>
+          <a:bodyPr rtlCol="0" anchor="ctr"/>
+          <a:lstStyle/>
+          <a:p>
+            <a:pPr algn="ctr"/>
+            <a:r>
+              <a:rPr lang="en-US" altLang="ko-KR" sz="2400" b="1" dirty="0">
                 <a:solidFill>
                   <a:sysClr val="windowText" lastClr="000000"/>
                 </a:solidFill>
-              </a:endParaRPr>
-            </a:p>
-          </p:txBody>
-        </p:sp>
-        <p:cxnSp>
-          <p:nvCxnSpPr>
-            <p:cNvPr id="32" name="직선 화살표 연결선 31">
-              <a:extLst>
-                <a:ext uri="{FF2B5EF4-FFF2-40B4-BE49-F238E27FC236}">
-                  <a16:creationId xmlns:a16="http://schemas.microsoft.com/office/drawing/2014/main" id="{8A0C09EB-5D82-4D2A-818F-CF0B16A7BF87}"/>
-                </a:ext>
-              </a:extLst>
-            </p:cNvPr>
-            <p:cNvCxnSpPr>
-              <a:cxnSpLocks/>
-              <a:stCxn id="33" idx="2"/>
-              <a:endCxn id="14" idx="0"/>
-            </p:cNvCxnSpPr>
-            <p:nvPr/>
-          </p:nvCxnSpPr>
-          <p:spPr>
-            <a:xfrm flipH="1">
-              <a:off x="7423369" y="4750871"/>
-              <a:ext cx="5270" cy="447548"/>
-            </a:xfrm>
-            <a:prstGeom prst="straightConnector1">
-              <a:avLst/>
-            </a:prstGeom>
-            <a:ln w="25400">
+              </a:rPr>
+              <a:t>Encoder</a:t>
+            </a:r>
+          </a:p>
+        </p:txBody>
+      </p:sp>
+      <p:sp>
+        <p:nvSpPr>
+          <p:cNvPr id="47" name="사각형: 둥근 모서리 46">
+            <a:extLst>
+              <a:ext uri="{FF2B5EF4-FFF2-40B4-BE49-F238E27FC236}">
+                <a16:creationId xmlns:a16="http://schemas.microsoft.com/office/drawing/2014/main" id="{B614370B-2978-4217-8D4A-664509E5DA23}"/>
+              </a:ext>
+            </a:extLst>
+          </p:cNvPr>
+          <p:cNvSpPr/>
+          <p:nvPr/>
+        </p:nvSpPr>
+        <p:spPr>
+          <a:xfrm>
+            <a:off x="9091400" y="1764256"/>
+            <a:ext cx="1525695" cy="3335804"/>
+          </a:xfrm>
+          <a:prstGeom prst="roundRect">
+            <a:avLst>
+              <a:gd name="adj" fmla="val 9190"/>
+            </a:avLst>
+          </a:prstGeom>
+          <a:solidFill>
+            <a:schemeClr val="bg1">
+              <a:lumMod val="95000"/>
+            </a:schemeClr>
+          </a:solidFill>
+          <a:ln>
+            <a:solidFill>
+              <a:schemeClr val="tx1"/>
+            </a:solidFill>
+          </a:ln>
+        </p:spPr>
+        <p:style>
+          <a:lnRef idx="2">
+            <a:schemeClr val="accent1">
+              <a:shade val="50000"/>
+            </a:schemeClr>
+          </a:lnRef>
+          <a:fillRef idx="1">
+            <a:schemeClr val="accent1"/>
+          </a:fillRef>
+          <a:effectRef idx="0">
+            <a:schemeClr val="accent1"/>
+          </a:effectRef>
+          <a:fontRef idx="minor">
+            <a:schemeClr val="lt1"/>
+          </a:fontRef>
+        </p:style>
+        <p:txBody>
+          <a:bodyPr rtlCol="0" anchor="ctr"/>
+          <a:lstStyle/>
+          <a:p>
+            <a:pPr algn="ctr"/>
+            <a:endParaRPr lang="en-US" altLang="ko-KR" sz="1200" dirty="0">
               <a:solidFill>
-                <a:schemeClr val="tx1"/>
+                <a:sysClr val="windowText" lastClr="000000"/>
               </a:solidFill>
-              <a:headEnd type="stealth"/>
-              <a:tailEnd type="none"/>
-            </a:ln>
-          </p:spPr>
-          <p:style>
-            <a:lnRef idx="1">
-              <a:schemeClr val="accent1"/>
-            </a:lnRef>
-            <a:fillRef idx="0">
-              <a:schemeClr val="accent1"/>
-            </a:fillRef>
-            <a:effectRef idx="0">
-              <a:schemeClr val="accent1"/>
-            </a:effectRef>
-            <a:fontRef idx="minor">
+            </a:endParaRPr>
+          </a:p>
+        </p:txBody>
+      </p:sp>
+      <p:cxnSp>
+        <p:nvCxnSpPr>
+          <p:cNvPr id="48" name="직선 화살표 연결선 47">
+            <a:extLst>
+              <a:ext uri="{FF2B5EF4-FFF2-40B4-BE49-F238E27FC236}">
+                <a16:creationId xmlns:a16="http://schemas.microsoft.com/office/drawing/2014/main" id="{0B678EE3-D893-437D-9611-E771DF28FA63}"/>
+              </a:ext>
+            </a:extLst>
+          </p:cNvPr>
+          <p:cNvCxnSpPr>
+            <a:cxnSpLocks/>
+          </p:cNvCxnSpPr>
+          <p:nvPr/>
+        </p:nvCxnSpPr>
+        <p:spPr>
+          <a:xfrm flipH="1">
+            <a:off x="9849035" y="3672210"/>
+            <a:ext cx="316892" cy="447548"/>
+          </a:xfrm>
+          <a:prstGeom prst="straightConnector1">
+            <a:avLst/>
+          </a:prstGeom>
+          <a:ln w="25400">
+            <a:solidFill>
               <a:schemeClr val="tx1"/>
-            </a:fontRef>
-          </p:style>
-        </p:cxnSp>
-        <p:sp>
-          <p:nvSpPr>
-            <p:cNvPr id="33" name="사각형: 둥근 모서리 32">
-              <a:extLst>
-                <a:ext uri="{FF2B5EF4-FFF2-40B4-BE49-F238E27FC236}">
-                  <a16:creationId xmlns:a16="http://schemas.microsoft.com/office/drawing/2014/main" id="{366EBCD2-0576-487C-B92C-0FFEDD928056}"/>
-                </a:ext>
-              </a:extLst>
-            </p:cNvPr>
-            <p:cNvSpPr/>
-            <p:nvPr/>
-          </p:nvSpPr>
-          <p:spPr>
-            <a:xfrm>
-              <a:off x="6896700" y="4324668"/>
-              <a:ext cx="1063877" cy="426203"/>
-            </a:xfrm>
-            <a:prstGeom prst="roundRect">
-              <a:avLst>
-                <a:gd name="adj" fmla="val 9190"/>
-              </a:avLst>
-            </a:prstGeom>
+            </a:solidFill>
+            <a:headEnd type="stealth"/>
+            <a:tailEnd type="none"/>
+          </a:ln>
+        </p:spPr>
+        <p:style>
+          <a:lnRef idx="1">
+            <a:schemeClr val="accent1"/>
+          </a:lnRef>
+          <a:fillRef idx="0">
+            <a:schemeClr val="accent1"/>
+          </a:fillRef>
+          <a:effectRef idx="0">
+            <a:schemeClr val="accent1"/>
+          </a:effectRef>
+          <a:fontRef idx="minor">
+            <a:schemeClr val="tx1"/>
+          </a:fontRef>
+        </p:style>
+      </p:cxnSp>
+      <p:sp>
+        <p:nvSpPr>
+          <p:cNvPr id="49" name="사각형: 둥근 모서리 48">
+            <a:extLst>
+              <a:ext uri="{FF2B5EF4-FFF2-40B4-BE49-F238E27FC236}">
+                <a16:creationId xmlns:a16="http://schemas.microsoft.com/office/drawing/2014/main" id="{ABF60048-C6B8-4CF4-BAA0-329E6581EF8B}"/>
+              </a:ext>
+            </a:extLst>
+          </p:cNvPr>
+          <p:cNvSpPr/>
+          <p:nvPr/>
+        </p:nvSpPr>
+        <p:spPr>
+          <a:xfrm>
+            <a:off x="9328114" y="3246007"/>
+            <a:ext cx="1052264" cy="426203"/>
+          </a:xfrm>
+          <a:prstGeom prst="roundRect">
+            <a:avLst>
+              <a:gd name="adj" fmla="val 9190"/>
+            </a:avLst>
+          </a:prstGeom>
+          <a:solidFill>
+            <a:schemeClr val="accent4">
+              <a:lumMod val="40000"/>
+              <a:lumOff val="60000"/>
+            </a:schemeClr>
+          </a:solidFill>
+          <a:ln>
             <a:solidFill>
-              <a:schemeClr val="accent4">
-                <a:lumMod val="40000"/>
-                <a:lumOff val="60000"/>
-              </a:schemeClr>
+              <a:schemeClr val="tx1"/>
             </a:solidFill>
-            <a:ln>
-              <a:solidFill>
-                <a:schemeClr val="tx1"/>
-              </a:solidFill>
-            </a:ln>
-          </p:spPr>
-          <p:style>
-            <a:lnRef idx="2">
-              <a:schemeClr val="accent1">
-                <a:shade val="50000"/>
-              </a:schemeClr>
-            </a:lnRef>
-            <a:fillRef idx="1">
-              <a:schemeClr val="accent1"/>
-            </a:fillRef>
-            <a:effectRef idx="0">
-              <a:schemeClr val="accent1"/>
-            </a:effectRef>
-            <a:fontRef idx="minor">
-              <a:schemeClr val="lt1"/>
-            </a:fontRef>
-          </p:style>
-          <p:txBody>
-            <a:bodyPr rtlCol="0" anchor="ctr"/>
-            <a:lstStyle/>
-            <a:p>
-              <a:pPr algn="ctr"/>
-              <a:r>
-                <a:rPr lang="en-US" altLang="ko-KR" sz="1200" dirty="0">
-                  <a:solidFill>
-                    <a:sysClr val="windowText" lastClr="000000"/>
-                  </a:solidFill>
-                </a:rPr>
-                <a:t>Multi-Head</a:t>
-              </a:r>
-              <a:br>
-                <a:rPr lang="en-US" altLang="ko-KR" sz="1200" dirty="0">
-                  <a:solidFill>
-                    <a:sysClr val="windowText" lastClr="000000"/>
-                  </a:solidFill>
-                </a:rPr>
-              </a:br>
-              <a:r>
-                <a:rPr lang="en-US" altLang="ko-KR" sz="1200" dirty="0">
-                  <a:solidFill>
-                    <a:sysClr val="windowText" lastClr="000000"/>
-                  </a:solidFill>
-                </a:rPr>
-                <a:t>Attention</a:t>
-              </a:r>
-              <a:endParaRPr lang="ko-KR" altLang="en-US" sz="1200" dirty="0">
+          </a:ln>
+        </p:spPr>
+        <p:style>
+          <a:lnRef idx="2">
+            <a:schemeClr val="accent1">
+              <a:shade val="50000"/>
+            </a:schemeClr>
+          </a:lnRef>
+          <a:fillRef idx="1">
+            <a:schemeClr val="accent1"/>
+          </a:fillRef>
+          <a:effectRef idx="0">
+            <a:schemeClr val="accent1"/>
+          </a:effectRef>
+          <a:fontRef idx="minor">
+            <a:schemeClr val="lt1"/>
+          </a:fontRef>
+        </p:style>
+        <p:txBody>
+          <a:bodyPr rtlCol="0" anchor="ctr"/>
+          <a:lstStyle/>
+          <a:p>
+            <a:pPr algn="ctr"/>
+            <a:r>
+              <a:rPr lang="en-US" altLang="ko-KR" sz="1200" dirty="0">
                 <a:solidFill>
                   <a:sysClr val="windowText" lastClr="000000"/>
                 </a:solidFill>
-              </a:endParaRPr>
-            </a:p>
-          </p:txBody>
-        </p:sp>
-        <p:sp>
-          <p:nvSpPr>
-            <p:cNvPr id="34" name="사각형: 둥근 모서리 33">
-              <a:extLst>
-                <a:ext uri="{FF2B5EF4-FFF2-40B4-BE49-F238E27FC236}">
-                  <a16:creationId xmlns:a16="http://schemas.microsoft.com/office/drawing/2014/main" id="{1AA9A87B-F7CA-4BB7-BBB8-A0CE11020F87}"/>
-                </a:ext>
-              </a:extLst>
-            </p:cNvPr>
-            <p:cNvSpPr/>
-            <p:nvPr/>
-          </p:nvSpPr>
-          <p:spPr>
-            <a:xfrm>
-              <a:off x="6896700" y="4004826"/>
-              <a:ext cx="1063877" cy="238381"/>
-            </a:xfrm>
-            <a:prstGeom prst="roundRect">
-              <a:avLst>
-                <a:gd name="adj" fmla="val 9190"/>
-              </a:avLst>
-            </a:prstGeom>
-            <a:solidFill>
-              <a:srgbClr val="FFFFB3"/>
-            </a:solidFill>
-            <a:ln>
-              <a:solidFill>
-                <a:schemeClr val="tx1"/>
-              </a:solidFill>
-            </a:ln>
-          </p:spPr>
-          <p:style>
-            <a:lnRef idx="2">
-              <a:schemeClr val="accent1">
-                <a:shade val="50000"/>
-              </a:schemeClr>
-            </a:lnRef>
-            <a:fillRef idx="1">
-              <a:schemeClr val="accent1"/>
-            </a:fillRef>
-            <a:effectRef idx="0">
-              <a:schemeClr val="accent1"/>
-            </a:effectRef>
-            <a:fontRef idx="minor">
-              <a:schemeClr val="lt1"/>
-            </a:fontRef>
-          </p:style>
-          <p:txBody>
-            <a:bodyPr rtlCol="0" anchor="ctr"/>
-            <a:lstStyle/>
-            <a:p>
-              <a:pPr algn="ctr"/>
-              <a:r>
-                <a:rPr lang="en-US" altLang="ko-KR" sz="1100" dirty="0">
-                  <a:solidFill>
-                    <a:sysClr val="windowText" lastClr="000000"/>
-                  </a:solidFill>
-                </a:rPr>
-                <a:t>Add &amp; Norm</a:t>
-              </a:r>
-              <a:endParaRPr lang="ko-KR" altLang="en-US" sz="1100" dirty="0">
+              </a:rPr>
+              <a:t>Multi-Head</a:t>
+            </a:r>
+            <a:br>
+              <a:rPr lang="en-US" altLang="ko-KR" sz="1200" dirty="0">
                 <a:solidFill>
                   <a:sysClr val="windowText" lastClr="000000"/>
                 </a:solidFill>
-              </a:endParaRPr>
-            </a:p>
-          </p:txBody>
-        </p:sp>
-        <p:sp>
-          <p:nvSpPr>
-            <p:cNvPr id="35" name="사각형: 둥근 모서리 34">
-              <a:extLst>
-                <a:ext uri="{FF2B5EF4-FFF2-40B4-BE49-F238E27FC236}">
-                  <a16:creationId xmlns:a16="http://schemas.microsoft.com/office/drawing/2014/main" id="{415F20E9-EF23-49B0-BD47-ECB0A314D994}"/>
-                </a:ext>
-              </a:extLst>
-            </p:cNvPr>
-            <p:cNvSpPr/>
-            <p:nvPr/>
-          </p:nvSpPr>
-          <p:spPr>
-            <a:xfrm>
-              <a:off x="6896700" y="3273158"/>
-              <a:ext cx="1063877" cy="426203"/>
-            </a:xfrm>
-            <a:prstGeom prst="roundRect">
-              <a:avLst>
-                <a:gd name="adj" fmla="val 9190"/>
-              </a:avLst>
-            </a:prstGeom>
-            <a:solidFill>
-              <a:schemeClr val="accent6">
-                <a:lumMod val="20000"/>
-                <a:lumOff val="80000"/>
-              </a:schemeClr>
-            </a:solidFill>
-            <a:ln>
-              <a:solidFill>
-                <a:schemeClr val="tx1"/>
-              </a:solidFill>
-            </a:ln>
-          </p:spPr>
-          <p:style>
-            <a:lnRef idx="2">
-              <a:schemeClr val="accent1">
-                <a:shade val="50000"/>
-              </a:schemeClr>
-            </a:lnRef>
-            <a:fillRef idx="1">
-              <a:schemeClr val="accent1"/>
-            </a:fillRef>
-            <a:effectRef idx="0">
-              <a:schemeClr val="accent1"/>
-            </a:effectRef>
-            <a:fontRef idx="minor">
-              <a:schemeClr val="lt1"/>
-            </a:fontRef>
-          </p:style>
-          <p:txBody>
-            <a:bodyPr rtlCol="0" anchor="ctr"/>
-            <a:lstStyle/>
-            <a:p>
-              <a:pPr algn="ctr"/>
-              <a:r>
-                <a:rPr lang="en-US" altLang="ko-KR" sz="1200" dirty="0">
-                  <a:solidFill>
-                    <a:sysClr val="windowText" lastClr="000000"/>
-                  </a:solidFill>
-                </a:rPr>
-                <a:t>Feed</a:t>
-              </a:r>
-              <a:br>
-                <a:rPr lang="en-US" altLang="ko-KR" sz="1200" dirty="0">
-                  <a:solidFill>
-                    <a:sysClr val="windowText" lastClr="000000"/>
-                  </a:solidFill>
-                </a:rPr>
-              </a:br>
-              <a:r>
-                <a:rPr lang="en-US" altLang="ko-KR" sz="1200" dirty="0">
-                  <a:solidFill>
-                    <a:sysClr val="windowText" lastClr="000000"/>
-                  </a:solidFill>
-                </a:rPr>
-                <a:t>Forward</a:t>
-              </a:r>
-              <a:endParaRPr lang="ko-KR" altLang="en-US" sz="1200" dirty="0">
+              </a:rPr>
+            </a:br>
+            <a:r>
+              <a:rPr lang="en-US" altLang="ko-KR" sz="1200" dirty="0">
                 <a:solidFill>
                   <a:sysClr val="windowText" lastClr="000000"/>
                 </a:solidFill>
-              </a:endParaRPr>
-            </a:p>
-          </p:txBody>
-        </p:sp>
-        <p:sp>
-          <p:nvSpPr>
-            <p:cNvPr id="36" name="사각형: 둥근 모서리 35">
-              <a:extLst>
-                <a:ext uri="{FF2B5EF4-FFF2-40B4-BE49-F238E27FC236}">
-                  <a16:creationId xmlns:a16="http://schemas.microsoft.com/office/drawing/2014/main" id="{8C4C0364-D04D-4E2A-8CF1-D6CAB9C5934C}"/>
-                </a:ext>
-              </a:extLst>
-            </p:cNvPr>
-            <p:cNvSpPr/>
-            <p:nvPr/>
-          </p:nvSpPr>
-          <p:spPr>
-            <a:xfrm>
-              <a:off x="6896700" y="2980499"/>
-              <a:ext cx="1063877" cy="238381"/>
-            </a:xfrm>
-            <a:prstGeom prst="roundRect">
-              <a:avLst>
-                <a:gd name="adj" fmla="val 9190"/>
-              </a:avLst>
-            </a:prstGeom>
+              </a:rPr>
+              <a:t>Attention</a:t>
+            </a:r>
+            <a:endParaRPr lang="ko-KR" altLang="en-US" sz="1200" dirty="0">
+              <a:solidFill>
+                <a:sysClr val="windowText" lastClr="000000"/>
+              </a:solidFill>
+            </a:endParaRPr>
+          </a:p>
+        </p:txBody>
+      </p:sp>
+      <p:sp>
+        <p:nvSpPr>
+          <p:cNvPr id="50" name="사각형: 둥근 모서리 49">
+            <a:extLst>
+              <a:ext uri="{FF2B5EF4-FFF2-40B4-BE49-F238E27FC236}">
+                <a16:creationId xmlns:a16="http://schemas.microsoft.com/office/drawing/2014/main" id="{5E990CA2-D0A8-456C-98F6-E1F7D40CF669}"/>
+              </a:ext>
+            </a:extLst>
+          </p:cNvPr>
+          <p:cNvSpPr/>
+          <p:nvPr/>
+        </p:nvSpPr>
+        <p:spPr>
+          <a:xfrm>
+            <a:off x="9328114" y="2926165"/>
+            <a:ext cx="1052264" cy="238381"/>
+          </a:xfrm>
+          <a:prstGeom prst="roundRect">
+            <a:avLst>
+              <a:gd name="adj" fmla="val 9190"/>
+            </a:avLst>
+          </a:prstGeom>
+          <a:solidFill>
+            <a:srgbClr val="FFFFB3"/>
+          </a:solidFill>
+          <a:ln>
             <a:solidFill>
-              <a:srgbClr val="FFFFB3"/>
+              <a:schemeClr val="tx1"/>
             </a:solidFill>
-            <a:ln>
-              <a:solidFill>
-                <a:schemeClr val="tx1"/>
-              </a:solidFill>
-            </a:ln>
-          </p:spPr>
-          <p:style>
-            <a:lnRef idx="2">
-              <a:schemeClr val="accent1">
-                <a:shade val="50000"/>
-              </a:schemeClr>
-            </a:lnRef>
-            <a:fillRef idx="1">
-              <a:schemeClr val="accent1"/>
-            </a:fillRef>
-            <a:effectRef idx="0">
-              <a:schemeClr val="accent1"/>
-            </a:effectRef>
-            <a:fontRef idx="minor">
-              <a:schemeClr val="lt1"/>
-            </a:fontRef>
-          </p:style>
-          <p:txBody>
-            <a:bodyPr rtlCol="0" anchor="ctr"/>
-            <a:lstStyle/>
-            <a:p>
-              <a:pPr algn="ctr"/>
-              <a:r>
-                <a:rPr lang="en-US" altLang="ko-KR" sz="1100" dirty="0">
-                  <a:solidFill>
-                    <a:sysClr val="windowText" lastClr="000000"/>
-                  </a:solidFill>
-                </a:rPr>
-                <a:t>Add &amp; Norm</a:t>
-              </a:r>
-              <a:endParaRPr lang="ko-KR" altLang="en-US" sz="1100" dirty="0">
+          </a:ln>
+        </p:spPr>
+        <p:style>
+          <a:lnRef idx="2">
+            <a:schemeClr val="accent1">
+              <a:shade val="50000"/>
+            </a:schemeClr>
+          </a:lnRef>
+          <a:fillRef idx="1">
+            <a:schemeClr val="accent1"/>
+          </a:fillRef>
+          <a:effectRef idx="0">
+            <a:schemeClr val="accent1"/>
+          </a:effectRef>
+          <a:fontRef idx="minor">
+            <a:schemeClr val="lt1"/>
+          </a:fontRef>
+        </p:style>
+        <p:txBody>
+          <a:bodyPr rtlCol="0" anchor="ctr"/>
+          <a:lstStyle/>
+          <a:p>
+            <a:pPr algn="ctr"/>
+            <a:r>
+              <a:rPr lang="en-US" altLang="ko-KR" sz="1100" dirty="0">
                 <a:solidFill>
                   <a:sysClr val="windowText" lastClr="000000"/>
                 </a:solidFill>
-              </a:endParaRPr>
-            </a:p>
-          </p:txBody>
-        </p:sp>
-        <p:sp>
-          <p:nvSpPr>
-            <p:cNvPr id="47" name="사각형: 둥근 모서리 46">
-              <a:extLst>
-                <a:ext uri="{FF2B5EF4-FFF2-40B4-BE49-F238E27FC236}">
-                  <a16:creationId xmlns:a16="http://schemas.microsoft.com/office/drawing/2014/main" id="{B614370B-2978-4217-8D4A-664509E5DA23}"/>
-                </a:ext>
-              </a:extLst>
-            </p:cNvPr>
-            <p:cNvSpPr/>
-            <p:nvPr/>
-          </p:nvSpPr>
-          <p:spPr>
-            <a:xfrm>
-              <a:off x="8633317" y="1761098"/>
-              <a:ext cx="1542532" cy="3335804"/>
-            </a:xfrm>
-            <a:prstGeom prst="roundRect">
-              <a:avLst>
-                <a:gd name="adj" fmla="val 9190"/>
-              </a:avLst>
-            </a:prstGeom>
+              </a:rPr>
+              <a:t>Add &amp; Norm</a:t>
+            </a:r>
+            <a:endParaRPr lang="ko-KR" altLang="en-US" sz="1100" dirty="0">
+              <a:solidFill>
+                <a:sysClr val="windowText" lastClr="000000"/>
+              </a:solidFill>
+            </a:endParaRPr>
+          </a:p>
+        </p:txBody>
+      </p:sp>
+      <p:sp>
+        <p:nvSpPr>
+          <p:cNvPr id="51" name="사각형: 둥근 모서리 50">
+            <a:extLst>
+              <a:ext uri="{FF2B5EF4-FFF2-40B4-BE49-F238E27FC236}">
+                <a16:creationId xmlns:a16="http://schemas.microsoft.com/office/drawing/2014/main" id="{8B895E2E-CB0C-427B-9C28-7DA6B2F1AD56}"/>
+              </a:ext>
+            </a:extLst>
+          </p:cNvPr>
+          <p:cNvSpPr/>
+          <p:nvPr/>
+        </p:nvSpPr>
+        <p:spPr>
+          <a:xfrm>
+            <a:off x="9328114" y="2194497"/>
+            <a:ext cx="1052264" cy="426203"/>
+          </a:xfrm>
+          <a:prstGeom prst="roundRect">
+            <a:avLst>
+              <a:gd name="adj" fmla="val 9190"/>
+            </a:avLst>
+          </a:prstGeom>
+          <a:solidFill>
+            <a:schemeClr val="accent6">
+              <a:lumMod val="20000"/>
+              <a:lumOff val="80000"/>
+            </a:schemeClr>
+          </a:solidFill>
+          <a:ln>
             <a:solidFill>
-              <a:schemeClr val="bg1">
-                <a:lumMod val="95000"/>
-              </a:schemeClr>
+              <a:schemeClr val="tx1"/>
             </a:solidFill>
-            <a:ln>
-              <a:solidFill>
-                <a:schemeClr val="tx1"/>
-              </a:solidFill>
-            </a:ln>
-          </p:spPr>
-          <p:style>
-            <a:lnRef idx="2">
-              <a:schemeClr val="accent1">
-                <a:shade val="50000"/>
-              </a:schemeClr>
-            </a:lnRef>
-            <a:fillRef idx="1">
-              <a:schemeClr val="accent1"/>
-            </a:fillRef>
-            <a:effectRef idx="0">
-              <a:schemeClr val="accent1"/>
-            </a:effectRef>
-            <a:fontRef idx="minor">
-              <a:schemeClr val="lt1"/>
-            </a:fontRef>
-          </p:style>
-          <p:txBody>
-            <a:bodyPr rtlCol="0" anchor="ctr"/>
-            <a:lstStyle/>
-            <a:p>
-              <a:pPr algn="ctr"/>
-              <a:endParaRPr lang="en-US" altLang="ko-KR" sz="1200" dirty="0">
+          </a:ln>
+        </p:spPr>
+        <p:style>
+          <a:lnRef idx="2">
+            <a:schemeClr val="accent1">
+              <a:shade val="50000"/>
+            </a:schemeClr>
+          </a:lnRef>
+          <a:fillRef idx="1">
+            <a:schemeClr val="accent1"/>
+          </a:fillRef>
+          <a:effectRef idx="0">
+            <a:schemeClr val="accent1"/>
+          </a:effectRef>
+          <a:fontRef idx="minor">
+            <a:schemeClr val="lt1"/>
+          </a:fontRef>
+        </p:style>
+        <p:txBody>
+          <a:bodyPr rtlCol="0" anchor="ctr"/>
+          <a:lstStyle/>
+          <a:p>
+            <a:pPr algn="ctr"/>
+            <a:r>
+              <a:rPr lang="en-US" altLang="ko-KR" sz="1200" dirty="0">
                 <a:solidFill>
                   <a:sysClr val="windowText" lastClr="000000"/>
                 </a:solidFill>
-              </a:endParaRPr>
-            </a:p>
-          </p:txBody>
-        </p:sp>
-        <p:cxnSp>
-          <p:nvCxnSpPr>
-            <p:cNvPr id="48" name="직선 화살표 연결선 47">
-              <a:extLst>
-                <a:ext uri="{FF2B5EF4-FFF2-40B4-BE49-F238E27FC236}">
-                  <a16:creationId xmlns:a16="http://schemas.microsoft.com/office/drawing/2014/main" id="{0B678EE3-D893-437D-9611-E771DF28FA63}"/>
-                </a:ext>
-              </a:extLst>
-            </p:cNvPr>
-            <p:cNvCxnSpPr>
-              <a:cxnSpLocks/>
-            </p:cNvCxnSpPr>
-            <p:nvPr/>
-          </p:nvCxnSpPr>
-          <p:spPr>
-            <a:xfrm flipH="1">
-              <a:off x="9399313" y="3669052"/>
-              <a:ext cx="320389" cy="447548"/>
-            </a:xfrm>
-            <a:prstGeom prst="straightConnector1">
-              <a:avLst/>
-            </a:prstGeom>
-            <a:ln w="25400">
-              <a:solidFill>
-                <a:schemeClr val="tx1"/>
-              </a:solidFill>
-              <a:headEnd type="stealth"/>
-              <a:tailEnd type="none"/>
-            </a:ln>
-          </p:spPr>
-          <p:style>
-            <a:lnRef idx="1">
-              <a:schemeClr val="accent1"/>
-            </a:lnRef>
-            <a:fillRef idx="0">
-              <a:schemeClr val="accent1"/>
-            </a:fillRef>
-            <a:effectRef idx="0">
-              <a:schemeClr val="accent1"/>
-            </a:effectRef>
-            <a:fontRef idx="minor">
-              <a:schemeClr val="tx1"/>
-            </a:fontRef>
-          </p:style>
-        </p:cxnSp>
-        <p:sp>
-          <p:nvSpPr>
-            <p:cNvPr id="49" name="사각형: 둥근 모서리 48">
-              <a:extLst>
-                <a:ext uri="{FF2B5EF4-FFF2-40B4-BE49-F238E27FC236}">
-                  <a16:creationId xmlns:a16="http://schemas.microsoft.com/office/drawing/2014/main" id="{ABF60048-C6B8-4CF4-BAA0-329E6581EF8B}"/>
-                </a:ext>
-              </a:extLst>
-            </p:cNvPr>
-            <p:cNvSpPr/>
-            <p:nvPr/>
-          </p:nvSpPr>
-          <p:spPr>
-            <a:xfrm>
-              <a:off x="8872644" y="3242849"/>
-              <a:ext cx="1063877" cy="426203"/>
-            </a:xfrm>
-            <a:prstGeom prst="roundRect">
-              <a:avLst>
-                <a:gd name="adj" fmla="val 9190"/>
-              </a:avLst>
-            </a:prstGeom>
-            <a:solidFill>
-              <a:schemeClr val="accent4">
-                <a:lumMod val="40000"/>
-                <a:lumOff val="60000"/>
-              </a:schemeClr>
-            </a:solidFill>
-            <a:ln>
-              <a:solidFill>
-                <a:schemeClr val="tx1"/>
-              </a:solidFill>
-            </a:ln>
-          </p:spPr>
-          <p:style>
-            <a:lnRef idx="2">
-              <a:schemeClr val="accent1">
-                <a:shade val="50000"/>
-              </a:schemeClr>
-            </a:lnRef>
-            <a:fillRef idx="1">
-              <a:schemeClr val="accent1"/>
-            </a:fillRef>
-            <a:effectRef idx="0">
-              <a:schemeClr val="accent1"/>
-            </a:effectRef>
-            <a:fontRef idx="minor">
-              <a:schemeClr val="lt1"/>
-            </a:fontRef>
-          </p:style>
-          <p:txBody>
-            <a:bodyPr rtlCol="0" anchor="ctr"/>
-            <a:lstStyle/>
-            <a:p>
-              <a:pPr algn="ctr"/>
-              <a:r>
-                <a:rPr lang="en-US" altLang="ko-KR" sz="1200" dirty="0">
-                  <a:solidFill>
-                    <a:sysClr val="windowText" lastClr="000000"/>
-                  </a:solidFill>
-                </a:rPr>
-                <a:t>Multi-Head</a:t>
-              </a:r>
-              <a:br>
-                <a:rPr lang="en-US" altLang="ko-KR" sz="1200" dirty="0">
-                  <a:solidFill>
-                    <a:sysClr val="windowText" lastClr="000000"/>
-                  </a:solidFill>
-                </a:rPr>
-              </a:br>
-              <a:r>
-                <a:rPr lang="en-US" altLang="ko-KR" sz="1200" dirty="0">
-                  <a:solidFill>
-                    <a:sysClr val="windowText" lastClr="000000"/>
-                  </a:solidFill>
-                </a:rPr>
-                <a:t>Attention</a:t>
-              </a:r>
-              <a:endParaRPr lang="ko-KR" altLang="en-US" sz="1200" dirty="0">
+              </a:rPr>
+              <a:t>Feed</a:t>
+            </a:r>
+            <a:br>
+              <a:rPr lang="en-US" altLang="ko-KR" sz="1200" dirty="0">
                 <a:solidFill>
                   <a:sysClr val="windowText" lastClr="000000"/>
                 </a:solidFill>
-              </a:endParaRPr>
-            </a:p>
-          </p:txBody>
-        </p:sp>
-        <p:sp>
-          <p:nvSpPr>
-            <p:cNvPr id="50" name="사각형: 둥근 모서리 49">
-              <a:extLst>
-                <a:ext uri="{FF2B5EF4-FFF2-40B4-BE49-F238E27FC236}">
-                  <a16:creationId xmlns:a16="http://schemas.microsoft.com/office/drawing/2014/main" id="{5E990CA2-D0A8-456C-98F6-E1F7D40CF669}"/>
-                </a:ext>
-              </a:extLst>
-            </p:cNvPr>
-            <p:cNvSpPr/>
-            <p:nvPr/>
-          </p:nvSpPr>
-          <p:spPr>
-            <a:xfrm>
-              <a:off x="8872644" y="2923007"/>
-              <a:ext cx="1063877" cy="238381"/>
-            </a:xfrm>
-            <a:prstGeom prst="roundRect">
-              <a:avLst>
-                <a:gd name="adj" fmla="val 9190"/>
-              </a:avLst>
-            </a:prstGeom>
-            <a:solidFill>
-              <a:srgbClr val="FFFFB3"/>
-            </a:solidFill>
-            <a:ln>
-              <a:solidFill>
-                <a:schemeClr val="tx1"/>
-              </a:solidFill>
-            </a:ln>
-          </p:spPr>
-          <p:style>
-            <a:lnRef idx="2">
-              <a:schemeClr val="accent1">
-                <a:shade val="50000"/>
-              </a:schemeClr>
-            </a:lnRef>
-            <a:fillRef idx="1">
-              <a:schemeClr val="accent1"/>
-            </a:fillRef>
-            <a:effectRef idx="0">
-              <a:schemeClr val="accent1"/>
-            </a:effectRef>
-            <a:fontRef idx="minor">
-              <a:schemeClr val="lt1"/>
-            </a:fontRef>
-          </p:style>
-          <p:txBody>
-            <a:bodyPr rtlCol="0" anchor="ctr"/>
-            <a:lstStyle/>
-            <a:p>
-              <a:pPr algn="ctr"/>
-              <a:r>
-                <a:rPr lang="en-US" altLang="ko-KR" sz="1100" dirty="0">
-                  <a:solidFill>
-                    <a:sysClr val="windowText" lastClr="000000"/>
-                  </a:solidFill>
-                </a:rPr>
-                <a:t>Add &amp; Norm</a:t>
-              </a:r>
-              <a:endParaRPr lang="ko-KR" altLang="en-US" sz="1100" dirty="0">
+              </a:rPr>
+            </a:br>
+            <a:r>
+              <a:rPr lang="en-US" altLang="ko-KR" sz="1200" dirty="0">
                 <a:solidFill>
                   <a:sysClr val="windowText" lastClr="000000"/>
                 </a:solidFill>
-              </a:endParaRPr>
-            </a:p>
-          </p:txBody>
-        </p:sp>
-        <p:sp>
-          <p:nvSpPr>
-            <p:cNvPr id="51" name="사각형: 둥근 모서리 50">
-              <a:extLst>
-                <a:ext uri="{FF2B5EF4-FFF2-40B4-BE49-F238E27FC236}">
-                  <a16:creationId xmlns:a16="http://schemas.microsoft.com/office/drawing/2014/main" id="{8B895E2E-CB0C-427B-9C28-7DA6B2F1AD56}"/>
-                </a:ext>
-              </a:extLst>
-            </p:cNvPr>
-            <p:cNvSpPr/>
-            <p:nvPr/>
-          </p:nvSpPr>
-          <p:spPr>
-            <a:xfrm>
-              <a:off x="8872644" y="2191339"/>
-              <a:ext cx="1063877" cy="426203"/>
-            </a:xfrm>
-            <a:prstGeom prst="roundRect">
-              <a:avLst>
-                <a:gd name="adj" fmla="val 9190"/>
-              </a:avLst>
-            </a:prstGeom>
+              </a:rPr>
+              <a:t>Forward</a:t>
+            </a:r>
+            <a:endParaRPr lang="ko-KR" altLang="en-US" sz="1200" dirty="0">
+              <a:solidFill>
+                <a:sysClr val="windowText" lastClr="000000"/>
+              </a:solidFill>
+            </a:endParaRPr>
+          </a:p>
+        </p:txBody>
+      </p:sp>
+      <p:sp>
+        <p:nvSpPr>
+          <p:cNvPr id="52" name="사각형: 둥근 모서리 51">
+            <a:extLst>
+              <a:ext uri="{FF2B5EF4-FFF2-40B4-BE49-F238E27FC236}">
+                <a16:creationId xmlns:a16="http://schemas.microsoft.com/office/drawing/2014/main" id="{8F4AF24E-4D18-4183-8904-83CD80E3419C}"/>
+              </a:ext>
+            </a:extLst>
+          </p:cNvPr>
+          <p:cNvSpPr/>
+          <p:nvPr/>
+        </p:nvSpPr>
+        <p:spPr>
+          <a:xfrm>
+            <a:off x="9328114" y="1901838"/>
+            <a:ext cx="1052264" cy="238381"/>
+          </a:xfrm>
+          <a:prstGeom prst="roundRect">
+            <a:avLst>
+              <a:gd name="adj" fmla="val 9190"/>
+            </a:avLst>
+          </a:prstGeom>
+          <a:solidFill>
+            <a:srgbClr val="FFFFB3"/>
+          </a:solidFill>
+          <a:ln>
             <a:solidFill>
-              <a:schemeClr val="accent6">
-                <a:lumMod val="20000"/>
-                <a:lumOff val="80000"/>
-              </a:schemeClr>
+              <a:schemeClr val="tx1"/>
             </a:solidFill>
-            <a:ln>
-              <a:solidFill>
-                <a:schemeClr val="tx1"/>
-              </a:solidFill>
-            </a:ln>
-          </p:spPr>
-          <p:style>
-            <a:lnRef idx="2">
-              <a:schemeClr val="accent1">
-                <a:shade val="50000"/>
-              </a:schemeClr>
-            </a:lnRef>
-            <a:fillRef idx="1">
-              <a:schemeClr val="accent1"/>
-            </a:fillRef>
-            <a:effectRef idx="0">
-              <a:schemeClr val="accent1"/>
-            </a:effectRef>
-            <a:fontRef idx="minor">
-              <a:schemeClr val="lt1"/>
-            </a:fontRef>
-          </p:style>
-          <p:txBody>
-            <a:bodyPr rtlCol="0" anchor="ctr"/>
-            <a:lstStyle/>
-            <a:p>
-              <a:pPr algn="ctr"/>
-              <a:r>
-                <a:rPr lang="en-US" altLang="ko-KR" sz="1200" dirty="0">
-                  <a:solidFill>
-                    <a:sysClr val="windowText" lastClr="000000"/>
-                  </a:solidFill>
-                </a:rPr>
-                <a:t>Feed</a:t>
-              </a:r>
-              <a:br>
-                <a:rPr lang="en-US" altLang="ko-KR" sz="1200" dirty="0">
-                  <a:solidFill>
-                    <a:sysClr val="windowText" lastClr="000000"/>
-                  </a:solidFill>
-                </a:rPr>
-              </a:br>
-              <a:r>
-                <a:rPr lang="en-US" altLang="ko-KR" sz="1200" dirty="0">
-                  <a:solidFill>
-                    <a:sysClr val="windowText" lastClr="000000"/>
-                  </a:solidFill>
-                </a:rPr>
-                <a:t>Forward</a:t>
-              </a:r>
-              <a:endParaRPr lang="ko-KR" altLang="en-US" sz="1200" dirty="0">
+          </a:ln>
+        </p:spPr>
+        <p:style>
+          <a:lnRef idx="2">
+            <a:schemeClr val="accent1">
+              <a:shade val="50000"/>
+            </a:schemeClr>
+          </a:lnRef>
+          <a:fillRef idx="1">
+            <a:schemeClr val="accent1"/>
+          </a:fillRef>
+          <a:effectRef idx="0">
+            <a:schemeClr val="accent1"/>
+          </a:effectRef>
+          <a:fontRef idx="minor">
+            <a:schemeClr val="lt1"/>
+          </a:fontRef>
+        </p:style>
+        <p:txBody>
+          <a:bodyPr rtlCol="0" anchor="ctr"/>
+          <a:lstStyle/>
+          <a:p>
+            <a:pPr algn="ctr"/>
+            <a:r>
+              <a:rPr lang="en-US" altLang="ko-KR" sz="1100" dirty="0">
                 <a:solidFill>
                   <a:sysClr val="windowText" lastClr="000000"/>
                 </a:solidFill>
-              </a:endParaRPr>
-            </a:p>
-          </p:txBody>
-        </p:sp>
-        <p:sp>
-          <p:nvSpPr>
-            <p:cNvPr id="52" name="사각형: 둥근 모서리 51">
-              <a:extLst>
-                <a:ext uri="{FF2B5EF4-FFF2-40B4-BE49-F238E27FC236}">
-                  <a16:creationId xmlns:a16="http://schemas.microsoft.com/office/drawing/2014/main" id="{8F4AF24E-4D18-4183-8904-83CD80E3419C}"/>
-                </a:ext>
-              </a:extLst>
-            </p:cNvPr>
-            <p:cNvSpPr/>
-            <p:nvPr/>
-          </p:nvSpPr>
-          <p:spPr>
-            <a:xfrm>
-              <a:off x="8872644" y="1898680"/>
-              <a:ext cx="1063877" cy="238381"/>
-            </a:xfrm>
-            <a:prstGeom prst="roundRect">
-              <a:avLst>
-                <a:gd name="adj" fmla="val 9190"/>
-              </a:avLst>
-            </a:prstGeom>
+              </a:rPr>
+              <a:t>Add &amp; Norm</a:t>
+            </a:r>
+            <a:endParaRPr lang="ko-KR" altLang="en-US" sz="1100" dirty="0">
+              <a:solidFill>
+                <a:sysClr val="windowText" lastClr="000000"/>
+              </a:solidFill>
+            </a:endParaRPr>
+          </a:p>
+        </p:txBody>
+      </p:sp>
+      <p:sp>
+        <p:nvSpPr>
+          <p:cNvPr id="53" name="사각형: 둥근 모서리 52">
+            <a:extLst>
+              <a:ext uri="{FF2B5EF4-FFF2-40B4-BE49-F238E27FC236}">
+                <a16:creationId xmlns:a16="http://schemas.microsoft.com/office/drawing/2014/main" id="{0FDD566D-E155-4833-8CB2-C6BED1CF8976}"/>
+              </a:ext>
+            </a:extLst>
+          </p:cNvPr>
+          <p:cNvSpPr/>
+          <p:nvPr/>
+        </p:nvSpPr>
+        <p:spPr>
+          <a:xfrm>
+            <a:off x="9322902" y="4373729"/>
+            <a:ext cx="1052264" cy="575244"/>
+          </a:xfrm>
+          <a:prstGeom prst="roundRect">
+            <a:avLst>
+              <a:gd name="adj" fmla="val 9190"/>
+            </a:avLst>
+          </a:prstGeom>
+          <a:solidFill>
+            <a:schemeClr val="accent4">
+              <a:lumMod val="40000"/>
+              <a:lumOff val="60000"/>
+            </a:schemeClr>
+          </a:solidFill>
+          <a:ln>
             <a:solidFill>
-              <a:srgbClr val="FFFFB3"/>
+              <a:schemeClr val="tx1"/>
             </a:solidFill>
-            <a:ln>
-              <a:solidFill>
-                <a:schemeClr val="tx1"/>
-              </a:solidFill>
-            </a:ln>
-          </p:spPr>
-          <p:style>
-            <a:lnRef idx="2">
-              <a:schemeClr val="accent1">
-                <a:shade val="50000"/>
-              </a:schemeClr>
-            </a:lnRef>
-            <a:fillRef idx="1">
-              <a:schemeClr val="accent1"/>
-            </a:fillRef>
-            <a:effectRef idx="0">
-              <a:schemeClr val="accent1"/>
-            </a:effectRef>
-            <a:fontRef idx="minor">
-              <a:schemeClr val="lt1"/>
-            </a:fontRef>
-          </p:style>
-          <p:txBody>
-            <a:bodyPr rtlCol="0" anchor="ctr"/>
-            <a:lstStyle/>
-            <a:p>
-              <a:pPr algn="ctr"/>
-              <a:r>
-                <a:rPr lang="en-US" altLang="ko-KR" sz="1100" dirty="0">
-                  <a:solidFill>
-                    <a:sysClr val="windowText" lastClr="000000"/>
-                  </a:solidFill>
-                </a:rPr>
-                <a:t>Add &amp; Norm</a:t>
-              </a:r>
-              <a:endParaRPr lang="ko-KR" altLang="en-US" sz="1100" dirty="0">
+          </a:ln>
+        </p:spPr>
+        <p:style>
+          <a:lnRef idx="2">
+            <a:schemeClr val="accent1">
+              <a:shade val="50000"/>
+            </a:schemeClr>
+          </a:lnRef>
+          <a:fillRef idx="1">
+            <a:schemeClr val="accent1"/>
+          </a:fillRef>
+          <a:effectRef idx="0">
+            <a:schemeClr val="accent1"/>
+          </a:effectRef>
+          <a:fontRef idx="minor">
+            <a:schemeClr val="lt1"/>
+          </a:fontRef>
+        </p:style>
+        <p:txBody>
+          <a:bodyPr rtlCol="0" anchor="ctr"/>
+          <a:lstStyle/>
+          <a:p>
+            <a:pPr algn="ctr"/>
+            <a:r>
+              <a:rPr lang="en-US" altLang="ko-KR" sz="1200" dirty="0">
                 <a:solidFill>
                   <a:sysClr val="windowText" lastClr="000000"/>
                 </a:solidFill>
-              </a:endParaRPr>
-            </a:p>
-          </p:txBody>
-        </p:sp>
-        <p:sp>
-          <p:nvSpPr>
-            <p:cNvPr id="53" name="사각형: 둥근 모서리 52">
-              <a:extLst>
-                <a:ext uri="{FF2B5EF4-FFF2-40B4-BE49-F238E27FC236}">
-                  <a16:creationId xmlns:a16="http://schemas.microsoft.com/office/drawing/2014/main" id="{0FDD566D-E155-4833-8CB2-C6BED1CF8976}"/>
-                </a:ext>
-              </a:extLst>
-            </p:cNvPr>
-            <p:cNvSpPr/>
-            <p:nvPr/>
-          </p:nvSpPr>
-          <p:spPr>
-            <a:xfrm>
-              <a:off x="8867374" y="4370571"/>
-              <a:ext cx="1063877" cy="575244"/>
-            </a:xfrm>
-            <a:prstGeom prst="roundRect">
-              <a:avLst>
-                <a:gd name="adj" fmla="val 9190"/>
-              </a:avLst>
-            </a:prstGeom>
-            <a:solidFill>
-              <a:schemeClr val="accent4">
-                <a:lumMod val="40000"/>
-                <a:lumOff val="60000"/>
-              </a:schemeClr>
-            </a:solidFill>
-            <a:ln>
-              <a:solidFill>
-                <a:schemeClr val="tx1"/>
-              </a:solidFill>
-            </a:ln>
-          </p:spPr>
-          <p:style>
-            <a:lnRef idx="2">
-              <a:schemeClr val="accent1">
-                <a:shade val="50000"/>
-              </a:schemeClr>
-            </a:lnRef>
-            <a:fillRef idx="1">
-              <a:schemeClr val="accent1"/>
-            </a:fillRef>
-            <a:effectRef idx="0">
-              <a:schemeClr val="accent1"/>
-            </a:effectRef>
-            <a:fontRef idx="minor">
-              <a:schemeClr val="lt1"/>
-            </a:fontRef>
-          </p:style>
-          <p:txBody>
-            <a:bodyPr rtlCol="0" anchor="ctr"/>
-            <a:lstStyle/>
-            <a:p>
-              <a:pPr algn="ctr"/>
-              <a:r>
-                <a:rPr lang="en-US" altLang="ko-KR" sz="1200" dirty="0">
-                  <a:solidFill>
-                    <a:sysClr val="windowText" lastClr="000000"/>
-                  </a:solidFill>
-                </a:rPr>
-                <a:t>Masked</a:t>
-              </a:r>
-              <a:br>
-                <a:rPr lang="en-US" altLang="ko-KR" sz="1200" dirty="0">
-                  <a:solidFill>
-                    <a:sysClr val="windowText" lastClr="000000"/>
-                  </a:solidFill>
-                </a:rPr>
-              </a:br>
-              <a:r>
-                <a:rPr lang="en-US" altLang="ko-KR" sz="1200" dirty="0">
-                  <a:solidFill>
-                    <a:sysClr val="windowText" lastClr="000000"/>
-                  </a:solidFill>
-                </a:rPr>
-                <a:t>Multi-Head</a:t>
-              </a:r>
-              <a:br>
-                <a:rPr lang="en-US" altLang="ko-KR" sz="1200" dirty="0">
-                  <a:solidFill>
-                    <a:sysClr val="windowText" lastClr="000000"/>
-                  </a:solidFill>
-                </a:rPr>
-              </a:br>
-              <a:r>
-                <a:rPr lang="en-US" altLang="ko-KR" sz="1200" dirty="0">
-                  <a:solidFill>
-                    <a:sysClr val="windowText" lastClr="000000"/>
-                  </a:solidFill>
-                </a:rPr>
-                <a:t>Attention</a:t>
-              </a:r>
-              <a:endParaRPr lang="ko-KR" altLang="en-US" sz="1200" dirty="0">
+              </a:rPr>
+              <a:t>Masked</a:t>
+            </a:r>
+            <a:br>
+              <a:rPr lang="en-US" altLang="ko-KR" sz="1200" dirty="0">
                 <a:solidFill>
                   <a:sysClr val="windowText" lastClr="000000"/>
                 </a:solidFill>
-              </a:endParaRPr>
-            </a:p>
-          </p:txBody>
-        </p:sp>
-        <p:sp>
-          <p:nvSpPr>
-            <p:cNvPr id="54" name="사각형: 둥근 모서리 53">
-              <a:extLst>
-                <a:ext uri="{FF2B5EF4-FFF2-40B4-BE49-F238E27FC236}">
-                  <a16:creationId xmlns:a16="http://schemas.microsoft.com/office/drawing/2014/main" id="{DF841894-D537-4144-8E53-1132727B6AC2}"/>
-                </a:ext>
-              </a:extLst>
-            </p:cNvPr>
-            <p:cNvSpPr/>
-            <p:nvPr/>
-          </p:nvSpPr>
-          <p:spPr>
-            <a:xfrm>
-              <a:off x="8867374" y="4080579"/>
-              <a:ext cx="1063877" cy="238381"/>
-            </a:xfrm>
-            <a:prstGeom prst="roundRect">
-              <a:avLst>
-                <a:gd name="adj" fmla="val 9190"/>
-              </a:avLst>
-            </a:prstGeom>
-            <a:solidFill>
-              <a:srgbClr val="FFFFB3"/>
-            </a:solidFill>
-            <a:ln>
-              <a:solidFill>
-                <a:schemeClr val="tx1"/>
-              </a:solidFill>
-            </a:ln>
-          </p:spPr>
-          <p:style>
-            <a:lnRef idx="2">
-              <a:schemeClr val="accent1">
-                <a:shade val="50000"/>
-              </a:schemeClr>
-            </a:lnRef>
-            <a:fillRef idx="1">
-              <a:schemeClr val="accent1"/>
-            </a:fillRef>
-            <a:effectRef idx="0">
-              <a:schemeClr val="accent1"/>
-            </a:effectRef>
-            <a:fontRef idx="minor">
-              <a:schemeClr val="lt1"/>
-            </a:fontRef>
-          </p:style>
-          <p:txBody>
-            <a:bodyPr rtlCol="0" anchor="ctr"/>
-            <a:lstStyle/>
-            <a:p>
-              <a:pPr algn="ctr"/>
-              <a:r>
-                <a:rPr lang="en-US" altLang="ko-KR" sz="1100" dirty="0">
-                  <a:solidFill>
-                    <a:sysClr val="windowText" lastClr="000000"/>
-                  </a:solidFill>
-                </a:rPr>
-                <a:t>Add &amp; Norm</a:t>
-              </a:r>
-              <a:endParaRPr lang="ko-KR" altLang="en-US" sz="1100" dirty="0">
+              </a:rPr>
+            </a:br>
+            <a:r>
+              <a:rPr lang="en-US" altLang="ko-KR" sz="1200" dirty="0">
                 <a:solidFill>
                   <a:sysClr val="windowText" lastClr="000000"/>
                 </a:solidFill>
-              </a:endParaRPr>
-            </a:p>
-          </p:txBody>
-        </p:sp>
-        <p:cxnSp>
-          <p:nvCxnSpPr>
-            <p:cNvPr id="56" name="직선 화살표 연결선 55">
-              <a:extLst>
-                <a:ext uri="{FF2B5EF4-FFF2-40B4-BE49-F238E27FC236}">
-                  <a16:creationId xmlns:a16="http://schemas.microsoft.com/office/drawing/2014/main" id="{E23006A5-DAAF-4606-A8AC-3E7E8907FE7F}"/>
-                </a:ext>
-              </a:extLst>
-            </p:cNvPr>
-            <p:cNvCxnSpPr>
-              <a:cxnSpLocks/>
-              <a:endCxn id="47" idx="0"/>
-            </p:cNvCxnSpPr>
-            <p:nvPr/>
-          </p:nvCxnSpPr>
-          <p:spPr>
-            <a:xfrm>
-              <a:off x="9404583" y="1518857"/>
-              <a:ext cx="0" cy="242241"/>
-            </a:xfrm>
-            <a:prstGeom prst="straightConnector1">
-              <a:avLst/>
-            </a:prstGeom>
-            <a:ln w="25400">
-              <a:solidFill>
-                <a:schemeClr val="tx1"/>
-              </a:solidFill>
-              <a:headEnd type="stealth"/>
-              <a:tailEnd type="none"/>
-            </a:ln>
-          </p:spPr>
-          <p:style>
-            <a:lnRef idx="1">
-              <a:schemeClr val="accent1"/>
-            </a:lnRef>
-            <a:fillRef idx="0">
-              <a:schemeClr val="accent1"/>
-            </a:fillRef>
-            <a:effectRef idx="0">
-              <a:schemeClr val="accent1"/>
-            </a:effectRef>
-            <a:fontRef idx="minor">
-              <a:schemeClr val="tx1"/>
-            </a:fontRef>
-          </p:style>
-        </p:cxnSp>
-        <p:sp>
-          <p:nvSpPr>
-            <p:cNvPr id="59" name="사각형: 둥근 모서리 58">
-              <a:extLst>
-                <a:ext uri="{FF2B5EF4-FFF2-40B4-BE49-F238E27FC236}">
-                  <a16:creationId xmlns:a16="http://schemas.microsoft.com/office/drawing/2014/main" id="{7B4079FB-92DE-4DD6-904D-11BEC3C36CC5}"/>
-                </a:ext>
-              </a:extLst>
-            </p:cNvPr>
-            <p:cNvSpPr/>
-            <p:nvPr/>
-          </p:nvSpPr>
-          <p:spPr>
-            <a:xfrm>
-              <a:off x="8911375" y="1282406"/>
-              <a:ext cx="1063877" cy="238381"/>
-            </a:xfrm>
-            <a:prstGeom prst="roundRect">
-              <a:avLst>
-                <a:gd name="adj" fmla="val 9190"/>
-              </a:avLst>
-            </a:prstGeom>
-            <a:solidFill>
-              <a:schemeClr val="accent5">
-                <a:lumMod val="60000"/>
-                <a:lumOff val="40000"/>
-              </a:schemeClr>
-            </a:solidFill>
-            <a:ln>
-              <a:solidFill>
-                <a:schemeClr val="tx1"/>
-              </a:solidFill>
-            </a:ln>
-          </p:spPr>
-          <p:style>
-            <a:lnRef idx="2">
-              <a:schemeClr val="accent1">
-                <a:shade val="50000"/>
-              </a:schemeClr>
-            </a:lnRef>
-            <a:fillRef idx="1">
-              <a:schemeClr val="accent1"/>
-            </a:fillRef>
-            <a:effectRef idx="0">
-              <a:schemeClr val="accent1"/>
-            </a:effectRef>
-            <a:fontRef idx="minor">
-              <a:schemeClr val="lt1"/>
-            </a:fontRef>
-          </p:style>
-          <p:txBody>
-            <a:bodyPr rtlCol="0" anchor="ctr"/>
-            <a:lstStyle/>
-            <a:p>
-              <a:pPr algn="ctr"/>
-              <a:r>
-                <a:rPr lang="en-US" altLang="ko-KR" sz="1100" dirty="0">
-                  <a:solidFill>
-                    <a:sysClr val="windowText" lastClr="000000"/>
-                  </a:solidFill>
-                </a:rPr>
-                <a:t>Linear</a:t>
-              </a:r>
-              <a:endParaRPr lang="ko-KR" altLang="en-US" sz="1100" dirty="0">
+              </a:rPr>
+              <a:t>Multi-Head</a:t>
+            </a:r>
+            <a:br>
+              <a:rPr lang="en-US" altLang="ko-KR" sz="1200" dirty="0">
                 <a:solidFill>
                   <a:sysClr val="windowText" lastClr="000000"/>
                 </a:solidFill>
-              </a:endParaRPr>
-            </a:p>
-          </p:txBody>
-        </p:sp>
-        <p:sp>
-          <p:nvSpPr>
-            <p:cNvPr id="60" name="사각형: 둥근 모서리 59">
-              <a:extLst>
-                <a:ext uri="{FF2B5EF4-FFF2-40B4-BE49-F238E27FC236}">
-                  <a16:creationId xmlns:a16="http://schemas.microsoft.com/office/drawing/2014/main" id="{4717E522-04C8-40C9-983F-CFCE28964ADE}"/>
-                </a:ext>
-              </a:extLst>
-            </p:cNvPr>
-            <p:cNvSpPr/>
-            <p:nvPr/>
-          </p:nvSpPr>
-          <p:spPr>
-            <a:xfrm>
-              <a:off x="8910728" y="749339"/>
-              <a:ext cx="1063877" cy="238381"/>
-            </a:xfrm>
-            <a:prstGeom prst="roundRect">
-              <a:avLst>
-                <a:gd name="adj" fmla="val 9190"/>
-              </a:avLst>
-            </a:prstGeom>
-            <a:solidFill>
-              <a:schemeClr val="accent5">
-                <a:lumMod val="20000"/>
-                <a:lumOff val="80000"/>
-              </a:schemeClr>
-            </a:solidFill>
-            <a:ln>
-              <a:solidFill>
-                <a:schemeClr val="tx1"/>
-              </a:solidFill>
-            </a:ln>
-          </p:spPr>
-          <p:style>
-            <a:lnRef idx="2">
-              <a:schemeClr val="accent1">
-                <a:shade val="50000"/>
-              </a:schemeClr>
-            </a:lnRef>
-            <a:fillRef idx="1">
-              <a:schemeClr val="accent1"/>
-            </a:fillRef>
-            <a:effectRef idx="0">
-              <a:schemeClr val="accent1"/>
-            </a:effectRef>
-            <a:fontRef idx="minor">
-              <a:schemeClr val="lt1"/>
-            </a:fontRef>
-          </p:style>
-          <p:txBody>
-            <a:bodyPr rtlCol="0" anchor="ctr"/>
-            <a:lstStyle/>
-            <a:p>
-              <a:pPr algn="ctr"/>
-              <a:r>
-                <a:rPr lang="en-US" altLang="ko-KR" sz="1100" dirty="0" err="1">
-                  <a:solidFill>
-                    <a:sysClr val="windowText" lastClr="000000"/>
-                  </a:solidFill>
-                </a:rPr>
-                <a:t>Softmax</a:t>
-              </a:r>
-              <a:endParaRPr lang="ko-KR" altLang="en-US" sz="1100" dirty="0">
+              </a:rPr>
+            </a:br>
+            <a:r>
+              <a:rPr lang="en-US" altLang="ko-KR" sz="1200" dirty="0">
                 <a:solidFill>
                   <a:sysClr val="windowText" lastClr="000000"/>
                 </a:solidFill>
-              </a:endParaRPr>
-            </a:p>
-          </p:txBody>
-        </p:sp>
-        <p:cxnSp>
-          <p:nvCxnSpPr>
-            <p:cNvPr id="61" name="직선 화살표 연결선 60">
-              <a:extLst>
-                <a:ext uri="{FF2B5EF4-FFF2-40B4-BE49-F238E27FC236}">
-                  <a16:creationId xmlns:a16="http://schemas.microsoft.com/office/drawing/2014/main" id="{93838429-AB87-4CA8-9B03-966E0AEF97C8}"/>
-                </a:ext>
-              </a:extLst>
-            </p:cNvPr>
-            <p:cNvCxnSpPr>
-              <a:cxnSpLocks/>
-            </p:cNvCxnSpPr>
-            <p:nvPr/>
-          </p:nvCxnSpPr>
-          <p:spPr>
-            <a:xfrm>
-              <a:off x="9442667" y="1040165"/>
-              <a:ext cx="0" cy="242241"/>
-            </a:xfrm>
-            <a:prstGeom prst="straightConnector1">
-              <a:avLst/>
-            </a:prstGeom>
-            <a:ln w="25400">
+              </a:rPr>
+              <a:t>Attention</a:t>
+            </a:r>
+            <a:endParaRPr lang="ko-KR" altLang="en-US" sz="1200" dirty="0">
               <a:solidFill>
-                <a:schemeClr val="tx1"/>
+                <a:sysClr val="windowText" lastClr="000000"/>
               </a:solidFill>
-              <a:headEnd type="stealth"/>
-              <a:tailEnd type="none"/>
-            </a:ln>
-          </p:spPr>
-          <p:style>
-            <a:lnRef idx="1">
-              <a:schemeClr val="accent1"/>
-            </a:lnRef>
-            <a:fillRef idx="0">
-              <a:schemeClr val="accent1"/>
-            </a:fillRef>
-            <a:effectRef idx="0">
-              <a:schemeClr val="accent1"/>
-            </a:effectRef>
-            <a:fontRef idx="minor">
+            </a:endParaRPr>
+          </a:p>
+        </p:txBody>
+      </p:sp>
+      <p:sp>
+        <p:nvSpPr>
+          <p:cNvPr id="54" name="사각형: 둥근 모서리 53">
+            <a:extLst>
+              <a:ext uri="{FF2B5EF4-FFF2-40B4-BE49-F238E27FC236}">
+                <a16:creationId xmlns:a16="http://schemas.microsoft.com/office/drawing/2014/main" id="{DF841894-D537-4144-8E53-1132727B6AC2}"/>
+              </a:ext>
+            </a:extLst>
+          </p:cNvPr>
+          <p:cNvSpPr/>
+          <p:nvPr/>
+        </p:nvSpPr>
+        <p:spPr>
+          <a:xfrm>
+            <a:off x="9322902" y="4083737"/>
+            <a:ext cx="1052264" cy="238381"/>
+          </a:xfrm>
+          <a:prstGeom prst="roundRect">
+            <a:avLst>
+              <a:gd name="adj" fmla="val 9190"/>
+            </a:avLst>
+          </a:prstGeom>
+          <a:solidFill>
+            <a:srgbClr val="FFFFB3"/>
+          </a:solidFill>
+          <a:ln>
+            <a:solidFill>
               <a:schemeClr val="tx1"/>
-            </a:fontRef>
-          </p:style>
-        </p:cxnSp>
-        <p:cxnSp>
-          <p:nvCxnSpPr>
-            <p:cNvPr id="62" name="직선 화살표 연결선 61">
-              <a:extLst>
-                <a:ext uri="{FF2B5EF4-FFF2-40B4-BE49-F238E27FC236}">
-                  <a16:creationId xmlns:a16="http://schemas.microsoft.com/office/drawing/2014/main" id="{68C92FAD-C24C-487D-B717-440B4DC5B346}"/>
-                </a:ext>
-              </a:extLst>
-            </p:cNvPr>
-            <p:cNvCxnSpPr>
-              <a:cxnSpLocks/>
-            </p:cNvCxnSpPr>
-            <p:nvPr/>
-          </p:nvCxnSpPr>
-          <p:spPr>
-            <a:xfrm>
-              <a:off x="9404582" y="506379"/>
-              <a:ext cx="0" cy="242241"/>
-            </a:xfrm>
-            <a:prstGeom prst="straightConnector1">
-              <a:avLst/>
-            </a:prstGeom>
-            <a:ln w="25400">
+            </a:solidFill>
+          </a:ln>
+        </p:spPr>
+        <p:style>
+          <a:lnRef idx="2">
+            <a:schemeClr val="accent1">
+              <a:shade val="50000"/>
+            </a:schemeClr>
+          </a:lnRef>
+          <a:fillRef idx="1">
+            <a:schemeClr val="accent1"/>
+          </a:fillRef>
+          <a:effectRef idx="0">
+            <a:schemeClr val="accent1"/>
+          </a:effectRef>
+          <a:fontRef idx="minor">
+            <a:schemeClr val="lt1"/>
+          </a:fontRef>
+        </p:style>
+        <p:txBody>
+          <a:bodyPr rtlCol="0" anchor="ctr"/>
+          <a:lstStyle/>
+          <a:p>
+            <a:pPr algn="ctr"/>
+            <a:r>
+              <a:rPr lang="en-US" altLang="ko-KR" sz="1100" dirty="0">
+                <a:solidFill>
+                  <a:sysClr val="windowText" lastClr="000000"/>
+                </a:solidFill>
+              </a:rPr>
+              <a:t>Add &amp; Norm</a:t>
+            </a:r>
+            <a:endParaRPr lang="ko-KR" altLang="en-US" sz="1100" dirty="0">
               <a:solidFill>
-                <a:schemeClr val="tx1"/>
+                <a:sysClr val="windowText" lastClr="000000"/>
               </a:solidFill>
-              <a:headEnd type="stealth"/>
-              <a:tailEnd type="none"/>
-            </a:ln>
-          </p:spPr>
-          <p:style>
-            <a:lnRef idx="1">
-              <a:schemeClr val="accent1"/>
-            </a:lnRef>
-            <a:fillRef idx="0">
-              <a:schemeClr val="accent1"/>
-            </a:fillRef>
-            <a:effectRef idx="0">
-              <a:schemeClr val="accent1"/>
-            </a:effectRef>
-            <a:fontRef idx="minor">
+            </a:endParaRPr>
+          </a:p>
+        </p:txBody>
+      </p:sp>
+      <p:cxnSp>
+        <p:nvCxnSpPr>
+          <p:cNvPr id="56" name="직선 화살표 연결선 55">
+            <a:extLst>
+              <a:ext uri="{FF2B5EF4-FFF2-40B4-BE49-F238E27FC236}">
+                <a16:creationId xmlns:a16="http://schemas.microsoft.com/office/drawing/2014/main" id="{E23006A5-DAAF-4606-A8AC-3E7E8907FE7F}"/>
+              </a:ext>
+            </a:extLst>
+          </p:cNvPr>
+          <p:cNvCxnSpPr>
+            <a:cxnSpLocks/>
+            <a:endCxn id="47" idx="0"/>
+          </p:cNvCxnSpPr>
+          <p:nvPr/>
+        </p:nvCxnSpPr>
+        <p:spPr>
+          <a:xfrm>
+            <a:off x="9854247" y="1522015"/>
+            <a:ext cx="0" cy="242241"/>
+          </a:xfrm>
+          <a:prstGeom prst="straightConnector1">
+            <a:avLst/>
+          </a:prstGeom>
+          <a:ln w="25400">
+            <a:solidFill>
               <a:schemeClr val="tx1"/>
-            </a:fontRef>
-          </p:style>
-        </p:cxnSp>
-        <p:sp>
-          <p:nvSpPr>
-            <p:cNvPr id="63" name="TextBox 62">
-              <a:extLst>
-                <a:ext uri="{FF2B5EF4-FFF2-40B4-BE49-F238E27FC236}">
-                  <a16:creationId xmlns:a16="http://schemas.microsoft.com/office/drawing/2014/main" id="{F427696C-FDE8-460E-B227-F147BF0452A4}"/>
-                </a:ext>
-              </a:extLst>
-            </p:cNvPr>
-            <p:cNvSpPr txBox="1"/>
-            <p:nvPr/>
-          </p:nvSpPr>
-          <p:spPr>
-            <a:xfrm>
-              <a:off x="8761368" y="-3158"/>
-              <a:ext cx="1275887" cy="523220"/>
-            </a:xfrm>
-            <a:prstGeom prst="rect">
-              <a:avLst/>
-            </a:prstGeom>
-            <a:noFill/>
-          </p:spPr>
-          <p:txBody>
-            <a:bodyPr wrap="square" rtlCol="0">
-              <a:spAutoFit/>
-            </a:bodyPr>
-            <a:lstStyle/>
-            <a:p>
-              <a:pPr algn="ctr"/>
-              <a:r>
-                <a:rPr lang="en-US" altLang="ko-KR" sz="1400" dirty="0"/>
-                <a:t>Output Probability</a:t>
-              </a:r>
-              <a:endParaRPr lang="ko-KR" altLang="en-US" sz="1400" dirty="0"/>
-            </a:p>
-          </p:txBody>
-        </p:sp>
-        <p:cxnSp>
-          <p:nvCxnSpPr>
-            <p:cNvPr id="64" name="직선 화살표 연결선 63">
-              <a:extLst>
-                <a:ext uri="{FF2B5EF4-FFF2-40B4-BE49-F238E27FC236}">
-                  <a16:creationId xmlns:a16="http://schemas.microsoft.com/office/drawing/2014/main" id="{1CA5CA91-BE69-4D61-A376-E36F1A502DCF}"/>
-                </a:ext>
-              </a:extLst>
-            </p:cNvPr>
-            <p:cNvCxnSpPr>
-              <a:cxnSpLocks/>
-              <a:stCxn id="49" idx="2"/>
-              <a:endCxn id="36" idx="0"/>
-            </p:cNvCxnSpPr>
-            <p:nvPr/>
-          </p:nvCxnSpPr>
-          <p:spPr>
-            <a:xfrm rot="5400000" flipH="1">
-              <a:off x="8072334" y="2336804"/>
-              <a:ext cx="688553" cy="1975944"/>
-            </a:xfrm>
-            <a:prstGeom prst="bentConnector5">
-              <a:avLst>
-                <a:gd name="adj1" fmla="val -33200"/>
-                <a:gd name="adj2" fmla="val 50000"/>
-                <a:gd name="adj3" fmla="val 162250"/>
-              </a:avLst>
-            </a:prstGeom>
-            <a:ln w="25400">
+            </a:solidFill>
+            <a:headEnd type="stealth"/>
+            <a:tailEnd type="none"/>
+          </a:ln>
+        </p:spPr>
+        <p:style>
+          <a:lnRef idx="1">
+            <a:schemeClr val="accent1"/>
+          </a:lnRef>
+          <a:fillRef idx="0">
+            <a:schemeClr val="accent1"/>
+          </a:fillRef>
+          <a:effectRef idx="0">
+            <a:schemeClr val="accent1"/>
+          </a:effectRef>
+          <a:fontRef idx="minor">
+            <a:schemeClr val="tx1"/>
+          </a:fontRef>
+        </p:style>
+      </p:cxnSp>
+      <p:sp>
+        <p:nvSpPr>
+          <p:cNvPr id="59" name="사각형: 둥근 모서리 58">
+            <a:extLst>
+              <a:ext uri="{FF2B5EF4-FFF2-40B4-BE49-F238E27FC236}">
+                <a16:creationId xmlns:a16="http://schemas.microsoft.com/office/drawing/2014/main" id="{7B4079FB-92DE-4DD6-904D-11BEC3C36CC5}"/>
+              </a:ext>
+            </a:extLst>
+          </p:cNvPr>
+          <p:cNvSpPr/>
+          <p:nvPr/>
+        </p:nvSpPr>
+        <p:spPr>
+          <a:xfrm>
+            <a:off x="9366423" y="1285564"/>
+            <a:ext cx="1052264" cy="238381"/>
+          </a:xfrm>
+          <a:prstGeom prst="roundRect">
+            <a:avLst>
+              <a:gd name="adj" fmla="val 9190"/>
+            </a:avLst>
+          </a:prstGeom>
+          <a:solidFill>
+            <a:schemeClr val="accent5">
+              <a:lumMod val="60000"/>
+              <a:lumOff val="40000"/>
+            </a:schemeClr>
+          </a:solidFill>
+          <a:ln>
+            <a:solidFill>
+              <a:schemeClr val="tx1"/>
+            </a:solidFill>
+          </a:ln>
+        </p:spPr>
+        <p:style>
+          <a:lnRef idx="2">
+            <a:schemeClr val="accent1">
+              <a:shade val="50000"/>
+            </a:schemeClr>
+          </a:lnRef>
+          <a:fillRef idx="1">
+            <a:schemeClr val="accent1"/>
+          </a:fillRef>
+          <a:effectRef idx="0">
+            <a:schemeClr val="accent1"/>
+          </a:effectRef>
+          <a:fontRef idx="minor">
+            <a:schemeClr val="lt1"/>
+          </a:fontRef>
+        </p:style>
+        <p:txBody>
+          <a:bodyPr rtlCol="0" anchor="ctr"/>
+          <a:lstStyle/>
+          <a:p>
+            <a:pPr algn="ctr"/>
+            <a:r>
+              <a:rPr lang="en-US" altLang="ko-KR" sz="1100" dirty="0">
+                <a:solidFill>
+                  <a:sysClr val="windowText" lastClr="000000"/>
+                </a:solidFill>
+              </a:rPr>
+              <a:t>Linear</a:t>
+            </a:r>
+            <a:endParaRPr lang="ko-KR" altLang="en-US" sz="1100" dirty="0">
               <a:solidFill>
-                <a:schemeClr val="tx1"/>
+                <a:sysClr val="windowText" lastClr="000000"/>
               </a:solidFill>
-              <a:headEnd type="stealth"/>
-              <a:tailEnd type="none"/>
-            </a:ln>
-          </p:spPr>
-          <p:style>
-            <a:lnRef idx="1">
-              <a:schemeClr val="accent1"/>
-            </a:lnRef>
-            <a:fillRef idx="0">
-              <a:schemeClr val="accent1"/>
-            </a:fillRef>
-            <a:effectRef idx="0">
-              <a:schemeClr val="accent1"/>
-            </a:effectRef>
-            <a:fontRef idx="minor">
+            </a:endParaRPr>
+          </a:p>
+        </p:txBody>
+      </p:sp>
+      <p:sp>
+        <p:nvSpPr>
+          <p:cNvPr id="60" name="사각형: 둥근 모서리 59">
+            <a:extLst>
+              <a:ext uri="{FF2B5EF4-FFF2-40B4-BE49-F238E27FC236}">
+                <a16:creationId xmlns:a16="http://schemas.microsoft.com/office/drawing/2014/main" id="{4717E522-04C8-40C9-983F-CFCE28964ADE}"/>
+              </a:ext>
+            </a:extLst>
+          </p:cNvPr>
+          <p:cNvSpPr/>
+          <p:nvPr/>
+        </p:nvSpPr>
+        <p:spPr>
+          <a:xfrm>
+            <a:off x="9365783" y="752497"/>
+            <a:ext cx="1052264" cy="238381"/>
+          </a:xfrm>
+          <a:prstGeom prst="roundRect">
+            <a:avLst>
+              <a:gd name="adj" fmla="val 9190"/>
+            </a:avLst>
+          </a:prstGeom>
+          <a:solidFill>
+            <a:schemeClr val="accent5">
+              <a:lumMod val="20000"/>
+              <a:lumOff val="80000"/>
+            </a:schemeClr>
+          </a:solidFill>
+          <a:ln>
+            <a:solidFill>
               <a:schemeClr val="tx1"/>
-            </a:fontRef>
-          </p:style>
-        </p:cxnSp>
-        <p:cxnSp>
-          <p:nvCxnSpPr>
-            <p:cNvPr id="70" name="직선 화살표 연결선 69">
-              <a:extLst>
-                <a:ext uri="{FF2B5EF4-FFF2-40B4-BE49-F238E27FC236}">
-                  <a16:creationId xmlns:a16="http://schemas.microsoft.com/office/drawing/2014/main" id="{68ACE9C8-87EE-4BEA-A12A-A6913A780A1D}"/>
-                </a:ext>
-              </a:extLst>
-            </p:cNvPr>
-            <p:cNvCxnSpPr>
-              <a:cxnSpLocks/>
-              <a:stCxn id="53" idx="2"/>
-              <a:endCxn id="23" idx="0"/>
-            </p:cNvCxnSpPr>
-            <p:nvPr/>
-          </p:nvCxnSpPr>
-          <p:spPr>
-            <a:xfrm>
-              <a:off x="9399313" y="4945815"/>
-              <a:ext cx="5255" cy="252604"/>
-            </a:xfrm>
-            <a:prstGeom prst="straightConnector1">
-              <a:avLst/>
-            </a:prstGeom>
-            <a:ln w="25400">
+            </a:solidFill>
+          </a:ln>
+        </p:spPr>
+        <p:style>
+          <a:lnRef idx="2">
+            <a:schemeClr val="accent1">
+              <a:shade val="50000"/>
+            </a:schemeClr>
+          </a:lnRef>
+          <a:fillRef idx="1">
+            <a:schemeClr val="accent1"/>
+          </a:fillRef>
+          <a:effectRef idx="0">
+            <a:schemeClr val="accent1"/>
+          </a:effectRef>
+          <a:fontRef idx="minor">
+            <a:schemeClr val="lt1"/>
+          </a:fontRef>
+        </p:style>
+        <p:txBody>
+          <a:bodyPr rtlCol="0" anchor="ctr"/>
+          <a:lstStyle/>
+          <a:p>
+            <a:pPr algn="ctr"/>
+            <a:r>
+              <a:rPr lang="en-US" altLang="ko-KR" sz="1100" dirty="0" err="1">
+                <a:solidFill>
+                  <a:sysClr val="windowText" lastClr="000000"/>
+                </a:solidFill>
+              </a:rPr>
+              <a:t>Softmax</a:t>
+            </a:r>
+            <a:endParaRPr lang="ko-KR" altLang="en-US" sz="1100" dirty="0">
               <a:solidFill>
-                <a:schemeClr val="tx1"/>
+                <a:sysClr val="windowText" lastClr="000000"/>
               </a:solidFill>
-              <a:headEnd type="stealth"/>
-              <a:tailEnd type="none"/>
-            </a:ln>
-          </p:spPr>
-          <p:style>
-            <a:lnRef idx="1">
-              <a:schemeClr val="accent1"/>
-            </a:lnRef>
-            <a:fillRef idx="0">
-              <a:schemeClr val="accent1"/>
-            </a:fillRef>
-            <a:effectRef idx="0">
-              <a:schemeClr val="accent1"/>
-            </a:effectRef>
-            <a:fontRef idx="minor">
+            </a:endParaRPr>
+          </a:p>
+        </p:txBody>
+      </p:sp>
+      <p:cxnSp>
+        <p:nvCxnSpPr>
+          <p:cNvPr id="61" name="직선 화살표 연결선 60">
+            <a:extLst>
+              <a:ext uri="{FF2B5EF4-FFF2-40B4-BE49-F238E27FC236}">
+                <a16:creationId xmlns:a16="http://schemas.microsoft.com/office/drawing/2014/main" id="{93838429-AB87-4CA8-9B03-966E0AEF97C8}"/>
+              </a:ext>
+            </a:extLst>
+          </p:cNvPr>
+          <p:cNvCxnSpPr>
+            <a:cxnSpLocks/>
+          </p:cNvCxnSpPr>
+          <p:nvPr/>
+        </p:nvCxnSpPr>
+        <p:spPr>
+          <a:xfrm>
+            <a:off x="9891915" y="1043323"/>
+            <a:ext cx="0" cy="242241"/>
+          </a:xfrm>
+          <a:prstGeom prst="straightConnector1">
+            <a:avLst/>
+          </a:prstGeom>
+          <a:ln w="25400">
+            <a:solidFill>
               <a:schemeClr val="tx1"/>
-            </a:fontRef>
-          </p:style>
-        </p:cxnSp>
-        <p:sp>
-          <p:nvSpPr>
-            <p:cNvPr id="74" name="TextBox 73">
-              <a:extLst>
-                <a:ext uri="{FF2B5EF4-FFF2-40B4-BE49-F238E27FC236}">
-                  <a16:creationId xmlns:a16="http://schemas.microsoft.com/office/drawing/2014/main" id="{BD60FC4B-D785-4ED6-9DB1-6D84FEFFD312}"/>
-                </a:ext>
-              </a:extLst>
-            </p:cNvPr>
-            <p:cNvSpPr txBox="1"/>
-            <p:nvPr/>
-          </p:nvSpPr>
-          <p:spPr>
-            <a:xfrm>
-              <a:off x="10232568" y="4966882"/>
-              <a:ext cx="1370308" cy="646331"/>
-            </a:xfrm>
-            <a:prstGeom prst="rect">
-              <a:avLst/>
-            </a:prstGeom>
-            <a:noFill/>
-          </p:spPr>
-          <p:txBody>
-            <a:bodyPr wrap="square" rtlCol="0">
-              <a:spAutoFit/>
-            </a:bodyPr>
-            <a:lstStyle/>
-            <a:p>
-              <a:r>
-                <a:rPr lang="en-US" altLang="ko-KR" dirty="0"/>
-                <a:t>Positional Encoding</a:t>
-              </a:r>
-              <a:endParaRPr lang="ko-KR" altLang="en-US" dirty="0"/>
-            </a:p>
-          </p:txBody>
-        </p:sp>
-        <p:cxnSp>
-          <p:nvCxnSpPr>
-            <p:cNvPr id="76" name="직선 화살표 연결선 75">
-              <a:extLst>
-                <a:ext uri="{FF2B5EF4-FFF2-40B4-BE49-F238E27FC236}">
-                  <a16:creationId xmlns:a16="http://schemas.microsoft.com/office/drawing/2014/main" id="{2130A53F-7FA2-4A58-B81A-AED0518BFEC5}"/>
-                </a:ext>
-              </a:extLst>
-            </p:cNvPr>
-            <p:cNvCxnSpPr>
-              <a:cxnSpLocks/>
-              <a:stCxn id="14" idx="2"/>
-              <a:endCxn id="77" idx="3"/>
-            </p:cNvCxnSpPr>
-            <p:nvPr/>
-          </p:nvCxnSpPr>
-          <p:spPr>
-            <a:xfrm flipH="1" flipV="1">
-              <a:off x="6558085" y="5290782"/>
-              <a:ext cx="759066" cy="1"/>
-            </a:xfrm>
-            <a:prstGeom prst="straightConnector1">
-              <a:avLst/>
-            </a:prstGeom>
-            <a:ln w="25400">
+            </a:solidFill>
+            <a:headEnd type="stealth"/>
+            <a:tailEnd type="none"/>
+          </a:ln>
+        </p:spPr>
+        <p:style>
+          <a:lnRef idx="1">
+            <a:schemeClr val="accent1"/>
+          </a:lnRef>
+          <a:fillRef idx="0">
+            <a:schemeClr val="accent1"/>
+          </a:fillRef>
+          <a:effectRef idx="0">
+            <a:schemeClr val="accent1"/>
+          </a:effectRef>
+          <a:fontRef idx="minor">
+            <a:schemeClr val="tx1"/>
+          </a:fontRef>
+        </p:style>
+      </p:cxnSp>
+      <p:cxnSp>
+        <p:nvCxnSpPr>
+          <p:cNvPr id="62" name="직선 화살표 연결선 61">
+            <a:extLst>
+              <a:ext uri="{FF2B5EF4-FFF2-40B4-BE49-F238E27FC236}">
+                <a16:creationId xmlns:a16="http://schemas.microsoft.com/office/drawing/2014/main" id="{68C92FAD-C24C-487D-B717-440B4DC5B346}"/>
+              </a:ext>
+            </a:extLst>
+          </p:cNvPr>
+          <p:cNvCxnSpPr>
+            <a:cxnSpLocks/>
+          </p:cNvCxnSpPr>
+          <p:nvPr/>
+        </p:nvCxnSpPr>
+        <p:spPr>
+          <a:xfrm>
+            <a:off x="9854246" y="509537"/>
+            <a:ext cx="0" cy="242241"/>
+          </a:xfrm>
+          <a:prstGeom prst="straightConnector1">
+            <a:avLst/>
+          </a:prstGeom>
+          <a:ln w="25400">
+            <a:solidFill>
+              <a:schemeClr val="tx1"/>
+            </a:solidFill>
+            <a:headEnd type="stealth"/>
+            <a:tailEnd type="none"/>
+          </a:ln>
+        </p:spPr>
+        <p:style>
+          <a:lnRef idx="1">
+            <a:schemeClr val="accent1"/>
+          </a:lnRef>
+          <a:fillRef idx="0">
+            <a:schemeClr val="accent1"/>
+          </a:fillRef>
+          <a:effectRef idx="0">
+            <a:schemeClr val="accent1"/>
+          </a:effectRef>
+          <a:fontRef idx="minor">
+            <a:schemeClr val="tx1"/>
+          </a:fontRef>
+        </p:style>
+      </p:cxnSp>
+      <p:sp>
+        <p:nvSpPr>
+          <p:cNvPr id="63" name="TextBox 62">
+            <a:extLst>
+              <a:ext uri="{FF2B5EF4-FFF2-40B4-BE49-F238E27FC236}">
+                <a16:creationId xmlns:a16="http://schemas.microsoft.com/office/drawing/2014/main" id="{F427696C-FDE8-460E-B227-F147BF0452A4}"/>
+              </a:ext>
+            </a:extLst>
+          </p:cNvPr>
+          <p:cNvSpPr txBox="1"/>
+          <p:nvPr/>
+        </p:nvSpPr>
+        <p:spPr>
+          <a:xfrm>
+            <a:off x="9218053" y="0"/>
+            <a:ext cx="1261960" cy="523220"/>
+          </a:xfrm>
+          <a:prstGeom prst="rect">
+            <a:avLst/>
+          </a:prstGeom>
+          <a:noFill/>
+        </p:spPr>
+        <p:txBody>
+          <a:bodyPr wrap="square" rtlCol="0">
+            <a:spAutoFit/>
+          </a:bodyPr>
+          <a:lstStyle/>
+          <a:p>
+            <a:pPr algn="ctr"/>
+            <a:r>
+              <a:rPr lang="en-US" altLang="ko-KR" sz="1400" dirty="0"/>
+              <a:t>Output Probability</a:t>
+            </a:r>
+            <a:endParaRPr lang="ko-KR" altLang="en-US" sz="1400" dirty="0"/>
+          </a:p>
+        </p:txBody>
+      </p:sp>
+      <p:cxnSp>
+        <p:nvCxnSpPr>
+          <p:cNvPr id="6" name="직선 화살표 연결선 5">
+            <a:extLst>
+              <a:ext uri="{FF2B5EF4-FFF2-40B4-BE49-F238E27FC236}">
+                <a16:creationId xmlns:a16="http://schemas.microsoft.com/office/drawing/2014/main" id="{08D3B474-CE14-42D7-BC71-296B1A19ED7D}"/>
+              </a:ext>
+            </a:extLst>
+          </p:cNvPr>
+          <p:cNvCxnSpPr>
+            <a:cxnSpLocks/>
+            <a:stCxn id="4" idx="3"/>
+            <a:endCxn id="65" idx="1"/>
+          </p:cNvCxnSpPr>
+          <p:nvPr/>
+        </p:nvCxnSpPr>
+        <p:spPr>
+          <a:xfrm>
+            <a:off x="6710231" y="5785833"/>
+            <a:ext cx="661295" cy="0"/>
+          </a:xfrm>
+          <a:prstGeom prst="straightConnector1">
+            <a:avLst/>
+          </a:prstGeom>
+          <a:ln>
+            <a:headEnd type="triangle"/>
+            <a:tailEnd type="triangle"/>
+          </a:ln>
+        </p:spPr>
+        <p:style>
+          <a:lnRef idx="1">
+            <a:schemeClr val="accent1"/>
+          </a:lnRef>
+          <a:fillRef idx="0">
+            <a:schemeClr val="accent1"/>
+          </a:fillRef>
+          <a:effectRef idx="0">
+            <a:schemeClr val="accent1"/>
+          </a:effectRef>
+          <a:fontRef idx="minor">
+            <a:schemeClr val="tx1"/>
+          </a:fontRef>
+        </p:style>
+      </p:cxnSp>
+      <mc:AlternateContent xmlns:mc="http://schemas.openxmlformats.org/markup-compatibility/2006">
+        <mc:Choice xmlns:a14="http://schemas.microsoft.com/office/drawing/2010/main" Requires="a14">
+          <p:sp>
+            <p:nvSpPr>
+              <p:cNvPr id="55" name="사각형: 둥근 모서리 54">
+                <a:extLst>
+                  <a:ext uri="{FF2B5EF4-FFF2-40B4-BE49-F238E27FC236}">
+                    <a16:creationId xmlns:a16="http://schemas.microsoft.com/office/drawing/2014/main" id="{22E1230E-9E6B-41CF-AAD7-3F0F7BE2AD52}"/>
+                  </a:ext>
+                </a:extLst>
+              </p:cNvPr>
+              <p:cNvSpPr/>
+              <p:nvPr/>
+            </p:nvSpPr>
+            <p:spPr>
+              <a:xfrm>
+                <a:off x="5747918" y="3479024"/>
+                <a:ext cx="856595" cy="386372"/>
+              </a:xfrm>
+              <a:prstGeom prst="roundRect">
+                <a:avLst/>
+              </a:prstGeom>
+            </p:spPr>
+            <p:style>
+              <a:lnRef idx="2">
+                <a:schemeClr val="accent1">
+                  <a:shade val="50000"/>
+                </a:schemeClr>
+              </a:lnRef>
+              <a:fillRef idx="1">
+                <a:schemeClr val="accent1"/>
+              </a:fillRef>
+              <a:effectRef idx="0">
+                <a:schemeClr val="accent1"/>
+              </a:effectRef>
+              <a:fontRef idx="minor">
+                <a:schemeClr val="lt1"/>
+              </a:fontRef>
+            </p:style>
+            <p:txBody>
+              <a:bodyPr rtlCol="0" anchor="ctr"/>
+              <a:lstStyle/>
+              <a:p>
+                <a:pPr algn="ctr"/>
+                <a14:m>
+                  <m:oMath xmlns:m="http://schemas.openxmlformats.org/officeDocument/2006/math">
+                    <m:r>
+                      <a:rPr lang="en-US" altLang="ko-KR" b="0" i="1" dirty="0" smtClean="0">
+                        <a:latin typeface="Cambria Math" panose="02040503050406030204" pitchFamily="18" charset="0"/>
+                      </a:rPr>
+                      <m:t>𝑞</m:t>
+                    </m:r>
+                    <m:r>
+                      <a:rPr lang="en-US" altLang="ko-KR" b="0" i="1" dirty="0" smtClean="0">
+                        <a:latin typeface="Cambria Math" panose="02040503050406030204" pitchFamily="18" charset="0"/>
+                      </a:rPr>
+                      <m:t>(</m:t>
+                    </m:r>
+                    <m:r>
+                      <a:rPr lang="en-US" altLang="ko-KR" b="0" i="1" dirty="0" smtClean="0">
+                        <a:latin typeface="Cambria Math" panose="02040503050406030204" pitchFamily="18" charset="0"/>
+                      </a:rPr>
+                      <m:t>𝑧</m:t>
+                    </m:r>
+                    <m:r>
+                      <a:rPr lang="en-US" altLang="ko-KR" b="0" i="1" dirty="0" smtClean="0">
+                        <a:latin typeface="Cambria Math" panose="02040503050406030204" pitchFamily="18" charset="0"/>
+                      </a:rPr>
+                      <m:t>|</m:t>
+                    </m:r>
+                    <m:r>
+                      <a:rPr lang="en-US" altLang="ko-KR" b="0" i="1" dirty="0" smtClean="0">
+                        <a:latin typeface="Cambria Math" panose="02040503050406030204" pitchFamily="18" charset="0"/>
+                      </a:rPr>
+                      <m:t>𝑥</m:t>
+                    </m:r>
+                    <m:r>
+                      <a:rPr lang="en-US" altLang="ko-KR" b="0" i="1" dirty="0" smtClean="0">
+                        <a:latin typeface="Cambria Math" panose="02040503050406030204" pitchFamily="18" charset="0"/>
+                      </a:rPr>
+                      <m:t>)</m:t>
+                    </m:r>
+                  </m:oMath>
+                </a14:m>
+                <a:r>
+                  <a:rPr lang="ko-KR" altLang="en-US" dirty="0"/>
+                  <a:t> </a:t>
+                </a:r>
+              </a:p>
+            </p:txBody>
+          </p:sp>
+        </mc:Choice>
+        <mc:Fallback>
+          <p:sp>
+            <p:nvSpPr>
+              <p:cNvPr id="55" name="사각형: 둥근 모서리 54">
+                <a:extLst>
+                  <a:ext uri="{FF2B5EF4-FFF2-40B4-BE49-F238E27FC236}">
+                    <a16:creationId xmlns:a16="http://schemas.microsoft.com/office/drawing/2014/main" id="{22E1230E-9E6B-41CF-AAD7-3F0F7BE2AD52}"/>
+                  </a:ext>
+                </a:extLst>
+              </p:cNvPr>
+              <p:cNvSpPr>
+                <a:spLocks noRot="1" noChangeAspect="1" noMove="1" noResize="1" noEditPoints="1" noAdjustHandles="1" noChangeArrowheads="1" noChangeShapeType="1" noTextEdit="1"/>
+              </p:cNvSpPr>
+              <p:nvPr/>
+            </p:nvSpPr>
+            <p:spPr>
+              <a:xfrm>
+                <a:off x="5747918" y="3479024"/>
+                <a:ext cx="856595" cy="386372"/>
+              </a:xfrm>
+              <a:prstGeom prst="roundRect">
+                <a:avLst/>
+              </a:prstGeom>
+              <a:blipFill>
+                <a:blip r:embed="rId4"/>
+                <a:stretch>
+                  <a:fillRect b="-12308"/>
+                </a:stretch>
+              </a:blipFill>
+            </p:spPr>
+            <p:txBody>
+              <a:bodyPr/>
+              <a:lstStyle/>
+              <a:p>
+                <a:r>
+                  <a:rPr lang="ko-KR" altLang="en-US">
+                    <a:noFill/>
+                  </a:rPr>
+                  <a:t> </a:t>
+                </a:r>
+              </a:p>
+            </p:txBody>
+          </p:sp>
+        </mc:Fallback>
+      </mc:AlternateContent>
+      <p:cxnSp>
+        <p:nvCxnSpPr>
+          <p:cNvPr id="57" name="직선 화살표 연결선 63">
+            <a:extLst>
+              <a:ext uri="{FF2B5EF4-FFF2-40B4-BE49-F238E27FC236}">
+                <a16:creationId xmlns:a16="http://schemas.microsoft.com/office/drawing/2014/main" id="{2A371D32-C715-4EAC-BBAD-D4B6748CA676}"/>
+              </a:ext>
+            </a:extLst>
+          </p:cNvPr>
+          <p:cNvCxnSpPr>
+            <a:cxnSpLocks/>
+            <a:stCxn id="55" idx="2"/>
+            <a:endCxn id="31" idx="0"/>
+          </p:cNvCxnSpPr>
+          <p:nvPr/>
+        </p:nvCxnSpPr>
+        <p:spPr>
+          <a:xfrm rot="5400000">
+            <a:off x="5951367" y="4089301"/>
+            <a:ext cx="448754" cy="944"/>
+          </a:xfrm>
+          <a:prstGeom prst="bentConnector3">
+            <a:avLst>
+              <a:gd name="adj1" fmla="val 50000"/>
+            </a:avLst>
+          </a:prstGeom>
+          <a:ln w="25400">
+            <a:solidFill>
+              <a:schemeClr val="tx1"/>
+            </a:solidFill>
+            <a:headEnd type="stealth"/>
+            <a:tailEnd type="none"/>
+          </a:ln>
+        </p:spPr>
+        <p:style>
+          <a:lnRef idx="1">
+            <a:schemeClr val="accent1"/>
+          </a:lnRef>
+          <a:fillRef idx="0">
+            <a:schemeClr val="accent1"/>
+          </a:fillRef>
+          <a:effectRef idx="0">
+            <a:schemeClr val="accent1"/>
+          </a:effectRef>
+          <a:fontRef idx="minor">
+            <a:schemeClr val="tx1"/>
+          </a:fontRef>
+        </p:style>
+      </p:cxnSp>
+      <p:sp>
+        <p:nvSpPr>
+          <p:cNvPr id="65" name="사각형: 둥근 모서리 64">
+            <a:extLst>
+              <a:ext uri="{FF2B5EF4-FFF2-40B4-BE49-F238E27FC236}">
+                <a16:creationId xmlns:a16="http://schemas.microsoft.com/office/drawing/2014/main" id="{8AC02ED4-210B-4374-8B27-C2328EC3F783}"/>
+              </a:ext>
+            </a:extLst>
+          </p:cNvPr>
+          <p:cNvSpPr/>
+          <p:nvPr/>
+        </p:nvSpPr>
+        <p:spPr>
+          <a:xfrm>
+            <a:off x="7371526" y="5572731"/>
+            <a:ext cx="1052264" cy="426203"/>
+          </a:xfrm>
+          <a:prstGeom prst="roundRect">
+            <a:avLst>
+              <a:gd name="adj" fmla="val 9190"/>
+            </a:avLst>
+          </a:prstGeom>
+          <a:solidFill>
+            <a:srgbClr val="FCDFE0"/>
+          </a:solidFill>
+          <a:ln>
+            <a:solidFill>
+              <a:schemeClr val="tx1"/>
+            </a:solidFill>
+          </a:ln>
+        </p:spPr>
+        <p:style>
+          <a:lnRef idx="2">
+            <a:schemeClr val="accent1">
+              <a:shade val="50000"/>
+            </a:schemeClr>
+          </a:lnRef>
+          <a:fillRef idx="1">
+            <a:schemeClr val="accent1"/>
+          </a:fillRef>
+          <a:effectRef idx="0">
+            <a:schemeClr val="accent1"/>
+          </a:effectRef>
+          <a:fontRef idx="minor">
+            <a:schemeClr val="lt1"/>
+          </a:fontRef>
+        </p:style>
+        <p:txBody>
+          <a:bodyPr rtlCol="0" anchor="ctr"/>
+          <a:lstStyle/>
+          <a:p>
+            <a:pPr algn="ctr"/>
+            <a:r>
+              <a:rPr lang="en-US" altLang="ko-KR" sz="1200" dirty="0">
+                <a:solidFill>
+                  <a:sysClr val="windowText" lastClr="000000"/>
+                </a:solidFill>
+              </a:rPr>
+              <a:t>Input</a:t>
+            </a:r>
+          </a:p>
+          <a:p>
+            <a:pPr algn="ctr"/>
+            <a:r>
+              <a:rPr lang="en-US" altLang="ko-KR" sz="1200" dirty="0">
+                <a:solidFill>
+                  <a:sysClr val="windowText" lastClr="000000"/>
+                </a:solidFill>
+              </a:rPr>
+              <a:t>Embedding</a:t>
+            </a:r>
+            <a:endParaRPr lang="ko-KR" altLang="en-US" sz="1200" dirty="0">
               <a:solidFill>
-                <a:schemeClr val="tx1"/>
+                <a:sysClr val="windowText" lastClr="000000"/>
               </a:solidFill>
-              <a:headEnd type="stealth"/>
-              <a:tailEnd type="none"/>
-            </a:ln>
-          </p:spPr>
-          <p:style>
-            <a:lnRef idx="1">
-              <a:schemeClr val="accent1"/>
-            </a:lnRef>
-            <a:fillRef idx="0">
-              <a:schemeClr val="accent1"/>
-            </a:fillRef>
-            <a:effectRef idx="0">
-              <a:schemeClr val="accent1"/>
-            </a:effectRef>
-            <a:fontRef idx="minor">
+            </a:endParaRPr>
+          </a:p>
+        </p:txBody>
+      </p:sp>
+      <p:cxnSp>
+        <p:nvCxnSpPr>
+          <p:cNvPr id="66" name="직선 화살표 연결선 65">
+            <a:extLst>
+              <a:ext uri="{FF2B5EF4-FFF2-40B4-BE49-F238E27FC236}">
+                <a16:creationId xmlns:a16="http://schemas.microsoft.com/office/drawing/2014/main" id="{50BE2233-8722-4B03-80E1-BE5EE73917C1}"/>
+              </a:ext>
+            </a:extLst>
+          </p:cNvPr>
+          <p:cNvCxnSpPr>
+            <a:cxnSpLocks/>
+            <a:stCxn id="65" idx="2"/>
+            <a:endCxn id="132" idx="0"/>
+          </p:cNvCxnSpPr>
+          <p:nvPr/>
+        </p:nvCxnSpPr>
+        <p:spPr>
+          <a:xfrm>
+            <a:off x="7897658" y="5998934"/>
+            <a:ext cx="7972" cy="321098"/>
+          </a:xfrm>
+          <a:prstGeom prst="straightConnector1">
+            <a:avLst/>
+          </a:prstGeom>
+          <a:ln w="25400">
+            <a:solidFill>
               <a:schemeClr val="tx1"/>
-            </a:fontRef>
-          </p:style>
-        </p:cxnSp>
-        <p:sp>
-          <p:nvSpPr>
-            <p:cNvPr id="77" name="TextBox 76">
-              <a:extLst>
-                <a:ext uri="{FF2B5EF4-FFF2-40B4-BE49-F238E27FC236}">
-                  <a16:creationId xmlns:a16="http://schemas.microsoft.com/office/drawing/2014/main" id="{EA55E8E8-630C-4839-B276-A39C6508DF66}"/>
-                </a:ext>
-              </a:extLst>
-            </p:cNvPr>
-            <p:cNvSpPr txBox="1"/>
-            <p:nvPr/>
-          </p:nvSpPr>
-          <p:spPr>
-            <a:xfrm>
-              <a:off x="5187777" y="4967616"/>
-              <a:ext cx="1370308" cy="646331"/>
-            </a:xfrm>
-            <a:prstGeom prst="rect">
-              <a:avLst/>
-            </a:prstGeom>
-            <a:noFill/>
-          </p:spPr>
-          <p:txBody>
-            <a:bodyPr wrap="square" rtlCol="0">
-              <a:spAutoFit/>
-            </a:bodyPr>
-            <a:lstStyle/>
-            <a:p>
-              <a:r>
-                <a:rPr lang="en-US" altLang="ko-KR" dirty="0"/>
-                <a:t>Positional Encoding</a:t>
-              </a:r>
-              <a:endParaRPr lang="ko-KR" altLang="en-US" dirty="0"/>
-            </a:p>
-          </p:txBody>
-        </p:sp>
-      </p:grpSp>
+            </a:solidFill>
+            <a:headEnd type="stealth"/>
+            <a:tailEnd type="none"/>
+          </a:ln>
+        </p:spPr>
+        <p:style>
+          <a:lnRef idx="1">
+            <a:schemeClr val="accent1"/>
+          </a:lnRef>
+          <a:fillRef idx="0">
+            <a:schemeClr val="accent1"/>
+          </a:fillRef>
+          <a:effectRef idx="0">
+            <a:schemeClr val="accent1"/>
+          </a:effectRef>
+          <a:fontRef idx="minor">
+            <a:schemeClr val="tx1"/>
+          </a:fontRef>
+        </p:style>
+      </p:cxnSp>
+      <p:cxnSp>
+        <p:nvCxnSpPr>
+          <p:cNvPr id="69" name="직선 화살표 연결선 68">
+            <a:extLst>
+              <a:ext uri="{FF2B5EF4-FFF2-40B4-BE49-F238E27FC236}">
+                <a16:creationId xmlns:a16="http://schemas.microsoft.com/office/drawing/2014/main" id="{305FA507-F9E4-45E5-9EAB-C4E0D53A2EC5}"/>
+              </a:ext>
+            </a:extLst>
+          </p:cNvPr>
+          <p:cNvCxnSpPr>
+            <a:cxnSpLocks/>
+            <a:stCxn id="65" idx="3"/>
+            <a:endCxn id="7" idx="1"/>
+          </p:cNvCxnSpPr>
+          <p:nvPr/>
+        </p:nvCxnSpPr>
+        <p:spPr>
+          <a:xfrm flipV="1">
+            <a:off x="8423790" y="5772226"/>
+            <a:ext cx="899112" cy="13607"/>
+          </a:xfrm>
+          <a:prstGeom prst="straightConnector1">
+            <a:avLst/>
+          </a:prstGeom>
+          <a:ln>
+            <a:headEnd type="triangle"/>
+            <a:tailEnd type="triangle"/>
+          </a:ln>
+        </p:spPr>
+        <p:style>
+          <a:lnRef idx="1">
+            <a:schemeClr val="accent1"/>
+          </a:lnRef>
+          <a:fillRef idx="0">
+            <a:schemeClr val="accent1"/>
+          </a:fillRef>
+          <a:effectRef idx="0">
+            <a:schemeClr val="accent1"/>
+          </a:effectRef>
+          <a:fontRef idx="minor">
+            <a:schemeClr val="tx1"/>
+          </a:fontRef>
+        </p:style>
+      </p:cxnSp>
+      <p:cxnSp>
+        <p:nvCxnSpPr>
+          <p:cNvPr id="78" name="직선 화살표 연결선 77">
+            <a:extLst>
+              <a:ext uri="{FF2B5EF4-FFF2-40B4-BE49-F238E27FC236}">
+                <a16:creationId xmlns:a16="http://schemas.microsoft.com/office/drawing/2014/main" id="{29DF7F55-5D7E-4B30-AD99-20388181467D}"/>
+              </a:ext>
+            </a:extLst>
+          </p:cNvPr>
+          <p:cNvCxnSpPr>
+            <a:cxnSpLocks/>
+            <a:stCxn id="79" idx="2"/>
+            <a:endCxn id="65" idx="0"/>
+          </p:cNvCxnSpPr>
+          <p:nvPr/>
+        </p:nvCxnSpPr>
+        <p:spPr>
+          <a:xfrm flipH="1">
+            <a:off x="7897658" y="5204816"/>
+            <a:ext cx="6419" cy="367915"/>
+          </a:xfrm>
+          <a:prstGeom prst="straightConnector1">
+            <a:avLst/>
+          </a:prstGeom>
+          <a:ln w="25400">
+            <a:solidFill>
+              <a:schemeClr val="tx1"/>
+            </a:solidFill>
+            <a:headEnd type="stealth"/>
+            <a:tailEnd type="none"/>
+          </a:ln>
+        </p:spPr>
+        <p:style>
+          <a:lnRef idx="1">
+            <a:schemeClr val="accent1"/>
+          </a:lnRef>
+          <a:fillRef idx="0">
+            <a:schemeClr val="accent1"/>
+          </a:fillRef>
+          <a:effectRef idx="0">
+            <a:schemeClr val="accent1"/>
+          </a:effectRef>
+          <a:fontRef idx="minor">
+            <a:schemeClr val="tx1"/>
+          </a:fontRef>
+        </p:style>
+      </p:cxnSp>
+      <p:sp>
+        <p:nvSpPr>
+          <p:cNvPr id="79" name="사각형: 둥근 모서리 78">
+            <a:extLst>
+              <a:ext uri="{FF2B5EF4-FFF2-40B4-BE49-F238E27FC236}">
+                <a16:creationId xmlns:a16="http://schemas.microsoft.com/office/drawing/2014/main" id="{0FBBA368-9D1B-4A85-BBC8-774B4005DFFB}"/>
+              </a:ext>
+            </a:extLst>
+          </p:cNvPr>
+          <p:cNvSpPr/>
+          <p:nvPr/>
+        </p:nvSpPr>
+        <p:spPr>
+          <a:xfrm>
+            <a:off x="7141229" y="4314149"/>
+            <a:ext cx="1525695" cy="890667"/>
+          </a:xfrm>
+          <a:prstGeom prst="roundRect">
+            <a:avLst>
+              <a:gd name="adj" fmla="val 9190"/>
+            </a:avLst>
+          </a:prstGeom>
+          <a:solidFill>
+            <a:schemeClr val="bg1">
+              <a:lumMod val="95000"/>
+            </a:schemeClr>
+          </a:solidFill>
+          <a:ln>
+            <a:solidFill>
+              <a:schemeClr val="tx1"/>
+            </a:solidFill>
+          </a:ln>
+        </p:spPr>
+        <p:style>
+          <a:lnRef idx="2">
+            <a:schemeClr val="accent1">
+              <a:shade val="50000"/>
+            </a:schemeClr>
+          </a:lnRef>
+          <a:fillRef idx="1">
+            <a:schemeClr val="accent1"/>
+          </a:fillRef>
+          <a:effectRef idx="0">
+            <a:schemeClr val="accent1"/>
+          </a:effectRef>
+          <a:fontRef idx="minor">
+            <a:schemeClr val="lt1"/>
+          </a:fontRef>
+        </p:style>
+        <p:txBody>
+          <a:bodyPr rtlCol="0" anchor="ctr"/>
+          <a:lstStyle/>
+          <a:p>
+            <a:pPr algn="ctr"/>
+            <a:r>
+              <a:rPr lang="en-US" altLang="ko-KR" sz="2400" b="1" dirty="0">
+                <a:solidFill>
+                  <a:sysClr val="windowText" lastClr="000000"/>
+                </a:solidFill>
+              </a:rPr>
+              <a:t>Encoder</a:t>
+            </a:r>
+          </a:p>
+        </p:txBody>
+      </p:sp>
+      <mc:AlternateContent xmlns:mc="http://schemas.openxmlformats.org/markup-compatibility/2006">
+        <mc:Choice xmlns:a14="http://schemas.microsoft.com/office/drawing/2010/main" Requires="a14">
+          <p:sp>
+            <p:nvSpPr>
+              <p:cNvPr id="81" name="사각형: 둥근 모서리 80">
+                <a:extLst>
+                  <a:ext uri="{FF2B5EF4-FFF2-40B4-BE49-F238E27FC236}">
+                    <a16:creationId xmlns:a16="http://schemas.microsoft.com/office/drawing/2014/main" id="{6BBCB0E9-216B-4FA2-AA50-80D744E7FBD0}"/>
+                  </a:ext>
+                </a:extLst>
+              </p:cNvPr>
+              <p:cNvSpPr/>
+              <p:nvPr/>
+            </p:nvSpPr>
+            <p:spPr>
+              <a:xfrm>
+                <a:off x="7429382" y="3627695"/>
+                <a:ext cx="951794" cy="386372"/>
+              </a:xfrm>
+              <a:prstGeom prst="roundRect">
+                <a:avLst/>
+              </a:prstGeom>
+            </p:spPr>
+            <p:style>
+              <a:lnRef idx="2">
+                <a:schemeClr val="accent1">
+                  <a:shade val="50000"/>
+                </a:schemeClr>
+              </a:lnRef>
+              <a:fillRef idx="1">
+                <a:schemeClr val="accent1"/>
+              </a:fillRef>
+              <a:effectRef idx="0">
+                <a:schemeClr val="accent1"/>
+              </a:effectRef>
+              <a:fontRef idx="minor">
+                <a:schemeClr val="lt1"/>
+              </a:fontRef>
+            </p:style>
+            <p:txBody>
+              <a:bodyPr rtlCol="0" anchor="ctr"/>
+              <a:lstStyle/>
+              <a:p>
+                <a:pPr algn="ctr"/>
+                <a14:m>
+                  <m:oMath xmlns:m="http://schemas.openxmlformats.org/officeDocument/2006/math">
+                    <m:r>
+                      <a:rPr lang="en-US" altLang="ko-KR" b="0" i="1" dirty="0" smtClean="0">
+                        <a:latin typeface="Cambria Math" panose="02040503050406030204" pitchFamily="18" charset="0"/>
+                      </a:rPr>
+                      <m:t>𝑞</m:t>
+                    </m:r>
+                    <m:r>
+                      <a:rPr lang="en-US" altLang="ko-KR" b="0" i="1" dirty="0" smtClean="0">
+                        <a:latin typeface="Cambria Math" panose="02040503050406030204" pitchFamily="18" charset="0"/>
+                      </a:rPr>
+                      <m:t>(</m:t>
+                    </m:r>
+                    <m:r>
+                      <a:rPr lang="en-US" altLang="ko-KR" b="0" i="1" dirty="0" smtClean="0">
+                        <a:latin typeface="Cambria Math" panose="02040503050406030204" pitchFamily="18" charset="0"/>
+                      </a:rPr>
+                      <m:t>𝑧</m:t>
+                    </m:r>
+                    <m:r>
+                      <a:rPr lang="en-US" altLang="ko-KR" b="0" i="1" dirty="0" smtClean="0">
+                        <a:latin typeface="Cambria Math" panose="02040503050406030204" pitchFamily="18" charset="0"/>
+                      </a:rPr>
+                      <m:t>|</m:t>
+                    </m:r>
+                    <m:r>
+                      <a:rPr lang="en-US" altLang="ko-KR" b="0" i="1" dirty="0" smtClean="0">
+                        <a:latin typeface="Cambria Math" panose="02040503050406030204" pitchFamily="18" charset="0"/>
+                      </a:rPr>
+                      <m:t>𝑥</m:t>
+                    </m:r>
+                    <m:r>
+                      <a:rPr lang="en-US" altLang="ko-KR" b="0" i="1" dirty="0" smtClean="0">
+                        <a:latin typeface="Cambria Math" panose="02040503050406030204" pitchFamily="18" charset="0"/>
+                      </a:rPr>
+                      <m:t>,</m:t>
+                    </m:r>
+                    <m:r>
+                      <a:rPr lang="en-US" altLang="ko-KR" b="0" i="1" dirty="0" smtClean="0">
+                        <a:latin typeface="Cambria Math" panose="02040503050406030204" pitchFamily="18" charset="0"/>
+                      </a:rPr>
+                      <m:t>𝑦</m:t>
+                    </m:r>
+                    <m:r>
+                      <a:rPr lang="en-US" altLang="ko-KR" b="0" i="1" dirty="0" smtClean="0">
+                        <a:latin typeface="Cambria Math" panose="02040503050406030204" pitchFamily="18" charset="0"/>
+                      </a:rPr>
+                      <m:t>)</m:t>
+                    </m:r>
+                  </m:oMath>
+                </a14:m>
+                <a:r>
+                  <a:rPr lang="ko-KR" altLang="en-US" dirty="0"/>
+                  <a:t> </a:t>
+                </a:r>
+              </a:p>
+            </p:txBody>
+          </p:sp>
+        </mc:Choice>
+        <mc:Fallback>
+          <p:sp>
+            <p:nvSpPr>
+              <p:cNvPr id="81" name="사각형: 둥근 모서리 80">
+                <a:extLst>
+                  <a:ext uri="{FF2B5EF4-FFF2-40B4-BE49-F238E27FC236}">
+                    <a16:creationId xmlns:a16="http://schemas.microsoft.com/office/drawing/2014/main" id="{6BBCB0E9-216B-4FA2-AA50-80D744E7FBD0}"/>
+                  </a:ext>
+                </a:extLst>
+              </p:cNvPr>
+              <p:cNvSpPr>
+                <a:spLocks noRot="1" noChangeAspect="1" noMove="1" noResize="1" noEditPoints="1" noAdjustHandles="1" noChangeArrowheads="1" noChangeShapeType="1" noTextEdit="1"/>
+              </p:cNvSpPr>
+              <p:nvPr/>
+            </p:nvSpPr>
+            <p:spPr>
+              <a:xfrm>
+                <a:off x="7429382" y="3627695"/>
+                <a:ext cx="951794" cy="386372"/>
+              </a:xfrm>
+              <a:prstGeom prst="roundRect">
+                <a:avLst/>
+              </a:prstGeom>
+              <a:blipFill>
+                <a:blip r:embed="rId5"/>
+                <a:stretch>
+                  <a:fillRect l="-3165" r="-6329" b="-12308"/>
+                </a:stretch>
+              </a:blipFill>
+            </p:spPr>
+            <p:txBody>
+              <a:bodyPr/>
+              <a:lstStyle/>
+              <a:p>
+                <a:r>
+                  <a:rPr lang="ko-KR" altLang="en-US">
+                    <a:noFill/>
+                  </a:rPr>
+                  <a:t> </a:t>
+                </a:r>
+              </a:p>
+            </p:txBody>
+          </p:sp>
+        </mc:Fallback>
+      </mc:AlternateContent>
+      <p:cxnSp>
+        <p:nvCxnSpPr>
+          <p:cNvPr id="82" name="직선 화살표 연결선 63">
+            <a:extLst>
+              <a:ext uri="{FF2B5EF4-FFF2-40B4-BE49-F238E27FC236}">
+                <a16:creationId xmlns:a16="http://schemas.microsoft.com/office/drawing/2014/main" id="{89ED73AC-E375-41A8-8B29-7262CA77FF1C}"/>
+              </a:ext>
+            </a:extLst>
+          </p:cNvPr>
+          <p:cNvCxnSpPr>
+            <a:cxnSpLocks/>
+            <a:stCxn id="81" idx="2"/>
+            <a:endCxn id="79" idx="0"/>
+          </p:cNvCxnSpPr>
+          <p:nvPr/>
+        </p:nvCxnSpPr>
+        <p:spPr>
+          <a:xfrm rot="5400000">
+            <a:off x="7754637" y="4163507"/>
+            <a:ext cx="300082" cy="1202"/>
+          </a:xfrm>
+          <a:prstGeom prst="bentConnector3">
+            <a:avLst>
+              <a:gd name="adj1" fmla="val 50000"/>
+            </a:avLst>
+          </a:prstGeom>
+          <a:ln w="25400">
+            <a:solidFill>
+              <a:schemeClr val="tx1"/>
+            </a:solidFill>
+            <a:headEnd type="stealth"/>
+            <a:tailEnd type="none"/>
+          </a:ln>
+        </p:spPr>
+        <p:style>
+          <a:lnRef idx="1">
+            <a:schemeClr val="accent1"/>
+          </a:lnRef>
+          <a:fillRef idx="0">
+            <a:schemeClr val="accent1"/>
+          </a:fillRef>
+          <a:effectRef idx="0">
+            <a:schemeClr val="accent1"/>
+          </a:effectRef>
+          <a:fontRef idx="minor">
+            <a:schemeClr val="tx1"/>
+          </a:fontRef>
+        </p:style>
+      </p:cxnSp>
+      <p:cxnSp>
+        <p:nvCxnSpPr>
+          <p:cNvPr id="95" name="연결선: 꺾임 94">
+            <a:extLst>
+              <a:ext uri="{FF2B5EF4-FFF2-40B4-BE49-F238E27FC236}">
+                <a16:creationId xmlns:a16="http://schemas.microsoft.com/office/drawing/2014/main" id="{CDC197B0-79EB-42AD-ADB3-177CD4E409C3}"/>
+              </a:ext>
+            </a:extLst>
+          </p:cNvPr>
+          <p:cNvCxnSpPr>
+            <a:cxnSpLocks/>
+            <a:stCxn id="55" idx="3"/>
+            <a:endCxn id="49" idx="1"/>
+          </p:cNvCxnSpPr>
+          <p:nvPr/>
+        </p:nvCxnSpPr>
+        <p:spPr>
+          <a:xfrm flipV="1">
+            <a:off x="6604513" y="3459109"/>
+            <a:ext cx="2723601" cy="213101"/>
+          </a:xfrm>
+          <a:prstGeom prst="bentConnector3">
+            <a:avLst>
+              <a:gd name="adj1" fmla="val 50000"/>
+            </a:avLst>
+          </a:prstGeom>
+          <a:ln>
+            <a:tailEnd type="triangle"/>
+          </a:ln>
+        </p:spPr>
+        <p:style>
+          <a:lnRef idx="1">
+            <a:schemeClr val="accent1"/>
+          </a:lnRef>
+          <a:fillRef idx="0">
+            <a:schemeClr val="accent1"/>
+          </a:fillRef>
+          <a:effectRef idx="0">
+            <a:schemeClr val="accent1"/>
+          </a:effectRef>
+          <a:fontRef idx="minor">
+            <a:schemeClr val="tx1"/>
+          </a:fontRef>
+        </p:style>
+      </p:cxnSp>
+      <p:cxnSp>
+        <p:nvCxnSpPr>
+          <p:cNvPr id="100" name="직선 화살표 연결선 99">
+            <a:extLst>
+              <a:ext uri="{FF2B5EF4-FFF2-40B4-BE49-F238E27FC236}">
+                <a16:creationId xmlns:a16="http://schemas.microsoft.com/office/drawing/2014/main" id="{8C8239D0-A8F9-4014-8A52-7C3ED41C6942}"/>
+              </a:ext>
+            </a:extLst>
+          </p:cNvPr>
+          <p:cNvCxnSpPr>
+            <a:cxnSpLocks/>
+            <a:stCxn id="55" idx="0"/>
+          </p:cNvCxnSpPr>
+          <p:nvPr/>
+        </p:nvCxnSpPr>
+        <p:spPr>
+          <a:xfrm flipV="1">
+            <a:off x="6176216" y="1759724"/>
+            <a:ext cx="1138259" cy="1719300"/>
+          </a:xfrm>
+          <a:prstGeom prst="straightConnector1">
+            <a:avLst/>
+          </a:prstGeom>
+          <a:ln>
+            <a:tailEnd type="triangle"/>
+          </a:ln>
+        </p:spPr>
+        <p:style>
+          <a:lnRef idx="1">
+            <a:schemeClr val="accent1"/>
+          </a:lnRef>
+          <a:fillRef idx="0">
+            <a:schemeClr val="accent1"/>
+          </a:fillRef>
+          <a:effectRef idx="0">
+            <a:schemeClr val="accent1"/>
+          </a:effectRef>
+          <a:fontRef idx="minor">
+            <a:schemeClr val="tx1"/>
+          </a:fontRef>
+        </p:style>
+      </p:cxnSp>
+      <p:cxnSp>
+        <p:nvCxnSpPr>
+          <p:cNvPr id="103" name="직선 화살표 연결선 102">
+            <a:extLst>
+              <a:ext uri="{FF2B5EF4-FFF2-40B4-BE49-F238E27FC236}">
+                <a16:creationId xmlns:a16="http://schemas.microsoft.com/office/drawing/2014/main" id="{E3DF38A7-49E1-495E-A147-31D83DD611A6}"/>
+              </a:ext>
+            </a:extLst>
+          </p:cNvPr>
+          <p:cNvCxnSpPr>
+            <a:cxnSpLocks/>
+            <a:stCxn id="81" idx="0"/>
+          </p:cNvCxnSpPr>
+          <p:nvPr/>
+        </p:nvCxnSpPr>
+        <p:spPr>
+          <a:xfrm flipH="1" flipV="1">
+            <a:off x="7662653" y="1921325"/>
+            <a:ext cx="242626" cy="1706370"/>
+          </a:xfrm>
+          <a:prstGeom prst="straightConnector1">
+            <a:avLst/>
+          </a:prstGeom>
+          <a:ln>
+            <a:tailEnd type="triangle"/>
+          </a:ln>
+        </p:spPr>
+        <p:style>
+          <a:lnRef idx="1">
+            <a:schemeClr val="accent1"/>
+          </a:lnRef>
+          <a:fillRef idx="0">
+            <a:schemeClr val="accent1"/>
+          </a:fillRef>
+          <a:effectRef idx="0">
+            <a:schemeClr val="accent1"/>
+          </a:effectRef>
+          <a:fontRef idx="minor">
+            <a:schemeClr val="tx1"/>
+          </a:fontRef>
+        </p:style>
+      </p:cxnSp>
+      <p:cxnSp>
+        <p:nvCxnSpPr>
+          <p:cNvPr id="107" name="직선 화살표 연결선 106">
+            <a:extLst>
+              <a:ext uri="{FF2B5EF4-FFF2-40B4-BE49-F238E27FC236}">
+                <a16:creationId xmlns:a16="http://schemas.microsoft.com/office/drawing/2014/main" id="{B3B4F963-CDC6-4948-99AF-BC90FF017426}"/>
+              </a:ext>
+            </a:extLst>
+          </p:cNvPr>
+          <p:cNvCxnSpPr>
+            <a:cxnSpLocks/>
+            <a:stCxn id="55" idx="0"/>
+            <a:endCxn id="156" idx="2"/>
+          </p:cNvCxnSpPr>
+          <p:nvPr/>
+        </p:nvCxnSpPr>
+        <p:spPr>
+          <a:xfrm flipH="1" flipV="1">
+            <a:off x="5476923" y="1857803"/>
+            <a:ext cx="699293" cy="1621221"/>
+          </a:xfrm>
+          <a:prstGeom prst="straightConnector1">
+            <a:avLst/>
+          </a:prstGeom>
+          <a:ln>
+            <a:tailEnd type="triangle"/>
+          </a:ln>
+        </p:spPr>
+        <p:style>
+          <a:lnRef idx="1">
+            <a:schemeClr val="accent1"/>
+          </a:lnRef>
+          <a:fillRef idx="0">
+            <a:schemeClr val="accent1"/>
+          </a:fillRef>
+          <a:effectRef idx="0">
+            <a:schemeClr val="accent1"/>
+          </a:effectRef>
+          <a:fontRef idx="minor">
+            <a:schemeClr val="tx1"/>
+          </a:fontRef>
+        </p:style>
+      </p:cxnSp>
+      <mc:AlternateContent xmlns:mc="http://schemas.openxmlformats.org/markup-compatibility/2006">
+        <mc:Choice xmlns:a14="http://schemas.microsoft.com/office/drawing/2010/main" Requires="a14">
+          <p:sp>
+            <p:nvSpPr>
+              <p:cNvPr id="110" name="사각형: 둥근 모서리 109">
+                <a:extLst>
+                  <a:ext uri="{FF2B5EF4-FFF2-40B4-BE49-F238E27FC236}">
+                    <a16:creationId xmlns:a16="http://schemas.microsoft.com/office/drawing/2014/main" id="{969CB6C5-ABEF-4560-A8F4-8024718C7C16}"/>
+                  </a:ext>
+                </a:extLst>
+              </p:cNvPr>
+              <p:cNvSpPr/>
+              <p:nvPr/>
+            </p:nvSpPr>
+            <p:spPr>
+              <a:xfrm>
+                <a:off x="3862636" y="2325516"/>
+                <a:ext cx="532298" cy="379823"/>
+              </a:xfrm>
+              <a:prstGeom prst="roundRect">
+                <a:avLst/>
+              </a:prstGeom>
+            </p:spPr>
+            <p:style>
+              <a:lnRef idx="2">
+                <a:schemeClr val="accent1">
+                  <a:shade val="50000"/>
+                </a:schemeClr>
+              </a:lnRef>
+              <a:fillRef idx="1">
+                <a:schemeClr val="accent1"/>
+              </a:fillRef>
+              <a:effectRef idx="0">
+                <a:schemeClr val="accent1"/>
+              </a:effectRef>
+              <a:fontRef idx="minor">
+                <a:schemeClr val="lt1"/>
+              </a:fontRef>
+            </p:style>
+            <p:txBody>
+              <a:bodyPr rtlCol="0" anchor="ctr"/>
+              <a:lstStyle/>
+              <a:p>
+                <a:pPr algn="ctr"/>
+                <a14:m>
+                  <m:oMath xmlns:m="http://schemas.openxmlformats.org/officeDocument/2006/math">
+                    <m:r>
+                      <a:rPr lang="en-US" altLang="ko-KR" b="0" i="1" smtClean="0">
+                        <a:latin typeface="Cambria Math" panose="02040503050406030204" pitchFamily="18" charset="0"/>
+                      </a:rPr>
+                      <m:t>𝑝</m:t>
+                    </m:r>
+                    <m:r>
+                      <a:rPr lang="en-US" altLang="ko-KR" b="0" i="1" smtClean="0">
+                        <a:latin typeface="Cambria Math" panose="02040503050406030204" pitchFamily="18" charset="0"/>
+                      </a:rPr>
+                      <m:t>(</m:t>
+                    </m:r>
+                    <m:r>
+                      <a:rPr lang="en-US" altLang="ko-KR" b="0" i="1" smtClean="0">
+                        <a:latin typeface="Cambria Math" panose="02040503050406030204" pitchFamily="18" charset="0"/>
+                      </a:rPr>
+                      <m:t>𝑧</m:t>
+                    </m:r>
+                    <m:r>
+                      <a:rPr lang="en-US" altLang="ko-KR" b="0" i="1" smtClean="0">
+                        <a:latin typeface="Cambria Math" panose="02040503050406030204" pitchFamily="18" charset="0"/>
+                      </a:rPr>
+                      <m:t>)</m:t>
+                    </m:r>
+                  </m:oMath>
+                </a14:m>
+                <a:r>
+                  <a:rPr lang="ko-KR" altLang="en-US" dirty="0"/>
+                  <a:t> </a:t>
+                </a:r>
+              </a:p>
+            </p:txBody>
+          </p:sp>
+        </mc:Choice>
+        <mc:Fallback>
+          <p:sp>
+            <p:nvSpPr>
+              <p:cNvPr id="110" name="사각형: 둥근 모서리 109">
+                <a:extLst>
+                  <a:ext uri="{FF2B5EF4-FFF2-40B4-BE49-F238E27FC236}">
+                    <a16:creationId xmlns:a16="http://schemas.microsoft.com/office/drawing/2014/main" id="{969CB6C5-ABEF-4560-A8F4-8024718C7C16}"/>
+                  </a:ext>
+                </a:extLst>
+              </p:cNvPr>
+              <p:cNvSpPr>
+                <a:spLocks noRot="1" noChangeAspect="1" noMove="1" noResize="1" noEditPoints="1" noAdjustHandles="1" noChangeArrowheads="1" noChangeShapeType="1" noTextEdit="1"/>
+              </p:cNvSpPr>
+              <p:nvPr/>
+            </p:nvSpPr>
+            <p:spPr>
+              <a:xfrm>
+                <a:off x="3862636" y="2325516"/>
+                <a:ext cx="532298" cy="379823"/>
+              </a:xfrm>
+              <a:prstGeom prst="roundRect">
+                <a:avLst/>
+              </a:prstGeom>
+              <a:blipFill>
+                <a:blip r:embed="rId6"/>
+                <a:stretch>
+                  <a:fillRect l="-5618" r="-11236" b="-12308"/>
+                </a:stretch>
+              </a:blipFill>
+            </p:spPr>
+            <p:txBody>
+              <a:bodyPr/>
+              <a:lstStyle/>
+              <a:p>
+                <a:r>
+                  <a:rPr lang="ko-KR" altLang="en-US">
+                    <a:noFill/>
+                  </a:rPr>
+                  <a:t> </a:t>
+                </a:r>
+              </a:p>
+            </p:txBody>
+          </p:sp>
+        </mc:Fallback>
+      </mc:AlternateContent>
+      <mc:AlternateContent xmlns:mc="http://schemas.openxmlformats.org/markup-compatibility/2006" xmlns:a14="http://schemas.microsoft.com/office/drawing/2010/main">
+        <mc:Choice Requires="a14">
+          <p:sp>
+            <p:nvSpPr>
+              <p:cNvPr id="132" name="TextBox 131">
+                <a:extLst>
+                  <a:ext uri="{FF2B5EF4-FFF2-40B4-BE49-F238E27FC236}">
+                    <a16:creationId xmlns:a16="http://schemas.microsoft.com/office/drawing/2014/main" id="{D263B866-D2DC-457C-8AC7-02050DF86EFC}"/>
+                  </a:ext>
+                </a:extLst>
+              </p:cNvPr>
+              <p:cNvSpPr txBox="1"/>
+              <p:nvPr/>
+            </p:nvSpPr>
+            <p:spPr>
+              <a:xfrm>
+                <a:off x="7062664" y="6320032"/>
+                <a:ext cx="1685932" cy="307777"/>
+              </a:xfrm>
+              <a:prstGeom prst="rect">
+                <a:avLst/>
+              </a:prstGeom>
+              <a:noFill/>
+            </p:spPr>
+            <p:txBody>
+              <a:bodyPr wrap="square" rtlCol="0">
+                <a:spAutoFit/>
+              </a:bodyPr>
+              <a:lstStyle/>
+              <a:p>
+                <a:r>
+                  <a:rPr lang="en-US" altLang="ko-KR" sz="1400" b="0" dirty="0"/>
+                  <a:t> </a:t>
+                </a:r>
+                <a14:m>
+                  <m:oMath xmlns:m="http://schemas.openxmlformats.org/officeDocument/2006/math">
+                    <m:r>
+                      <m:rPr>
+                        <m:sty m:val="p"/>
+                      </m:rPr>
+                      <a:rPr lang="en-US" altLang="ko-KR" sz="1400" b="0" i="0" smtClean="0">
+                        <a:latin typeface="Cambria Math" panose="02040503050406030204" pitchFamily="18" charset="0"/>
+                      </a:rPr>
+                      <m:t>X</m:t>
+                    </m:r>
+                    <m:r>
+                      <a:rPr lang="en-US" altLang="ko-KR" sz="1400" b="0" i="0" smtClean="0">
+                        <a:latin typeface="Cambria Math" panose="02040503050406030204" pitchFamily="18" charset="0"/>
+                      </a:rPr>
+                      <m:t>; </m:t>
+                    </m:r>
+                    <m:r>
+                      <a:rPr lang="en-US" altLang="ko-KR" sz="1400" b="0" i="1" smtClean="0">
+                        <a:latin typeface="Cambria Math" panose="02040503050406030204" pitchFamily="18" charset="0"/>
+                      </a:rPr>
+                      <m:t>𝑌</m:t>
+                    </m:r>
+                    <m:r>
+                      <m:rPr>
+                        <m:nor/>
+                      </m:rPr>
+                      <a:rPr lang="en-US" altLang="ko-KR" sz="1400" dirty="0"/>
+                      <m:t>(</m:t>
+                    </m:r>
+                    <m:r>
+                      <m:rPr>
+                        <m:nor/>
+                      </m:rPr>
+                      <a:rPr lang="en-US" altLang="ko-KR" sz="1400" dirty="0"/>
+                      <m:t>shifted</m:t>
+                    </m:r>
+                    <m:r>
+                      <m:rPr>
+                        <m:nor/>
+                      </m:rPr>
+                      <a:rPr lang="en-US" altLang="ko-KR" sz="1400" dirty="0"/>
+                      <m:t> </m:t>
+                    </m:r>
+                    <m:r>
+                      <m:rPr>
+                        <m:nor/>
+                      </m:rPr>
+                      <a:rPr lang="en-US" altLang="ko-KR" sz="1400" dirty="0"/>
+                      <m:t>right</m:t>
+                    </m:r>
+                    <m:r>
+                      <m:rPr>
+                        <m:nor/>
+                      </m:rPr>
+                      <a:rPr lang="en-US" altLang="ko-KR" sz="1400" dirty="0"/>
+                      <m:t>)</m:t>
+                    </m:r>
+                  </m:oMath>
+                </a14:m>
+                <a:endParaRPr lang="ko-KR" altLang="en-US" sz="1400" dirty="0"/>
+              </a:p>
+            </p:txBody>
+          </p:sp>
+        </mc:Choice>
+        <mc:Fallback xmlns="">
+          <p:sp>
+            <p:nvSpPr>
+              <p:cNvPr id="132" name="TextBox 131">
+                <a:extLst>
+                  <a:ext uri="{FF2B5EF4-FFF2-40B4-BE49-F238E27FC236}">
+                    <a16:creationId xmlns:a16="http://schemas.microsoft.com/office/drawing/2014/main" id="{D263B866-D2DC-457C-8AC7-02050DF86EFC}"/>
+                  </a:ext>
+                </a:extLst>
+              </p:cNvPr>
+              <p:cNvSpPr txBox="1">
+                <a:spLocks noRot="1" noChangeAspect="1" noMove="1" noResize="1" noEditPoints="1" noAdjustHandles="1" noChangeArrowheads="1" noChangeShapeType="1" noTextEdit="1"/>
+              </p:cNvSpPr>
+              <p:nvPr/>
+            </p:nvSpPr>
+            <p:spPr>
+              <a:xfrm>
+                <a:off x="7062664" y="6320032"/>
+                <a:ext cx="1685932" cy="307777"/>
+              </a:xfrm>
+              <a:prstGeom prst="rect">
+                <a:avLst/>
+              </a:prstGeom>
+              <a:blipFill>
+                <a:blip r:embed="rId7"/>
+                <a:stretch>
+                  <a:fillRect b="-14000"/>
+                </a:stretch>
+              </a:blipFill>
+            </p:spPr>
+            <p:txBody>
+              <a:bodyPr/>
+              <a:lstStyle/>
+              <a:p>
+                <a:r>
+                  <a:rPr lang="ko-KR" altLang="en-US">
+                    <a:noFill/>
+                  </a:rPr>
+                  <a:t> </a:t>
+                </a:r>
+              </a:p>
+            </p:txBody>
+          </p:sp>
+        </mc:Fallback>
+      </mc:AlternateContent>
+      <p:cxnSp>
+        <p:nvCxnSpPr>
+          <p:cNvPr id="152" name="직선 화살표 연결선 151">
+            <a:extLst>
+              <a:ext uri="{FF2B5EF4-FFF2-40B4-BE49-F238E27FC236}">
+                <a16:creationId xmlns:a16="http://schemas.microsoft.com/office/drawing/2014/main" id="{526E484A-7F0F-427D-A664-599CFA1CCF23}"/>
+              </a:ext>
+            </a:extLst>
+          </p:cNvPr>
+          <p:cNvCxnSpPr>
+            <a:cxnSpLocks/>
+            <a:stCxn id="110" idx="3"/>
+            <a:endCxn id="156" idx="2"/>
+          </p:cNvCxnSpPr>
+          <p:nvPr/>
+        </p:nvCxnSpPr>
+        <p:spPr>
+          <a:xfrm flipV="1">
+            <a:off x="4394934" y="1857803"/>
+            <a:ext cx="1081989" cy="657625"/>
+          </a:xfrm>
+          <a:prstGeom prst="straightConnector1">
+            <a:avLst/>
+          </a:prstGeom>
+          <a:ln>
+            <a:tailEnd type="triangle"/>
+          </a:ln>
+        </p:spPr>
+        <p:style>
+          <a:lnRef idx="1">
+            <a:schemeClr val="accent1"/>
+          </a:lnRef>
+          <a:fillRef idx="0">
+            <a:schemeClr val="accent1"/>
+          </a:fillRef>
+          <a:effectRef idx="0">
+            <a:schemeClr val="accent1"/>
+          </a:effectRef>
+          <a:fontRef idx="minor">
+            <a:schemeClr val="tx1"/>
+          </a:fontRef>
+        </p:style>
+      </p:cxnSp>
+      <mc:AlternateContent xmlns:mc="http://schemas.openxmlformats.org/markup-compatibility/2006" xmlns:a14="http://schemas.microsoft.com/office/drawing/2010/main">
+        <mc:Choice Requires="a14">
+          <p:sp>
+            <p:nvSpPr>
+              <p:cNvPr id="156" name="TextBox 155">
+                <a:extLst>
+                  <a:ext uri="{FF2B5EF4-FFF2-40B4-BE49-F238E27FC236}">
+                    <a16:creationId xmlns:a16="http://schemas.microsoft.com/office/drawing/2014/main" id="{DBF4CD00-7D9E-4CD4-BE29-63AB6008DD8B}"/>
+                  </a:ext>
+                </a:extLst>
+              </p:cNvPr>
+              <p:cNvSpPr txBox="1"/>
+              <p:nvPr/>
+            </p:nvSpPr>
+            <p:spPr>
+              <a:xfrm>
+                <a:off x="4544447" y="1488471"/>
+                <a:ext cx="1864952" cy="369332"/>
+              </a:xfrm>
+              <a:prstGeom prst="rect">
+                <a:avLst/>
+              </a:prstGeom>
+              <a:noFill/>
+            </p:spPr>
+            <p:txBody>
+              <a:bodyPr wrap="square" rtlCol="0">
+                <a:spAutoFit/>
+              </a:bodyPr>
+              <a:lstStyle/>
+              <a:p>
+                <a:pPr/>
+                <a14:m>
+                  <m:oMathPara xmlns:m="http://schemas.openxmlformats.org/officeDocument/2006/math">
+                    <m:oMathParaPr>
+                      <m:jc m:val="centerGroup"/>
+                    </m:oMathParaPr>
+                    <m:oMath xmlns:m="http://schemas.openxmlformats.org/officeDocument/2006/math">
+                      <m:sSub>
+                        <m:sSubPr>
+                          <m:ctrlPr>
+                            <a:rPr lang="en-US" altLang="ko-KR" b="0" i="1" smtClean="0">
+                              <a:latin typeface="Cambria Math" panose="02040503050406030204" pitchFamily="18" charset="0"/>
+                            </a:rPr>
+                          </m:ctrlPr>
+                        </m:sSubPr>
+                        <m:e>
+                          <m:r>
+                            <a:rPr lang="en-US" altLang="ko-KR" b="0" i="1" smtClean="0">
+                              <a:latin typeface="Cambria Math" panose="02040503050406030204" pitchFamily="18" charset="0"/>
+                            </a:rPr>
+                            <m:t>𝐷</m:t>
+                          </m:r>
+                        </m:e>
+                        <m:sub>
+                          <m:r>
+                            <a:rPr lang="en-US" altLang="ko-KR" b="0" i="1" smtClean="0">
+                              <a:latin typeface="Cambria Math" panose="02040503050406030204" pitchFamily="18" charset="0"/>
+                            </a:rPr>
+                            <m:t>𝐾𝐿</m:t>
+                          </m:r>
+                        </m:sub>
+                      </m:sSub>
+                      <m:r>
+                        <a:rPr lang="en-US" altLang="ko-KR" b="0" i="1" smtClean="0">
+                          <a:latin typeface="Cambria Math" panose="02040503050406030204" pitchFamily="18" charset="0"/>
+                        </a:rPr>
+                        <m:t>(</m:t>
+                      </m:r>
+                      <m:r>
+                        <a:rPr lang="en-US" altLang="ko-KR" b="0" i="1" smtClean="0">
+                          <a:latin typeface="Cambria Math" panose="02040503050406030204" pitchFamily="18" charset="0"/>
+                        </a:rPr>
+                        <m:t>𝑝</m:t>
+                      </m:r>
+                      <m:r>
+                        <a:rPr lang="en-US" altLang="ko-KR" b="0" i="1" smtClean="0">
+                          <a:latin typeface="Cambria Math" panose="02040503050406030204" pitchFamily="18" charset="0"/>
+                        </a:rPr>
+                        <m:t>(</m:t>
+                      </m:r>
+                      <m:r>
+                        <a:rPr lang="en-US" altLang="ko-KR" b="0" i="1" smtClean="0">
+                          <a:latin typeface="Cambria Math" panose="02040503050406030204" pitchFamily="18" charset="0"/>
+                        </a:rPr>
+                        <m:t>𝑧</m:t>
+                      </m:r>
+                      <m:r>
+                        <a:rPr lang="en-US" altLang="ko-KR" b="0" i="1" smtClean="0">
+                          <a:latin typeface="Cambria Math" panose="02040503050406030204" pitchFamily="18" charset="0"/>
+                        </a:rPr>
+                        <m:t>)||</m:t>
+                      </m:r>
+                      <m:r>
+                        <a:rPr lang="en-US" altLang="ko-KR" b="0" i="1" smtClean="0">
+                          <a:latin typeface="Cambria Math" panose="02040503050406030204" pitchFamily="18" charset="0"/>
+                        </a:rPr>
+                        <m:t>𝑞</m:t>
+                      </m:r>
+                      <m:r>
+                        <a:rPr lang="en-US" altLang="ko-KR" b="0" i="1" smtClean="0">
+                          <a:latin typeface="Cambria Math" panose="02040503050406030204" pitchFamily="18" charset="0"/>
+                        </a:rPr>
+                        <m:t>(</m:t>
+                      </m:r>
+                      <m:r>
+                        <a:rPr lang="en-US" altLang="ko-KR" b="0" i="1" smtClean="0">
+                          <a:latin typeface="Cambria Math" panose="02040503050406030204" pitchFamily="18" charset="0"/>
+                        </a:rPr>
+                        <m:t>𝑧</m:t>
+                      </m:r>
+                      <m:r>
+                        <a:rPr lang="en-US" altLang="ko-KR" b="0" i="1" smtClean="0">
+                          <a:latin typeface="Cambria Math" panose="02040503050406030204" pitchFamily="18" charset="0"/>
+                        </a:rPr>
+                        <m:t>|</m:t>
+                      </m:r>
+                      <m:r>
+                        <a:rPr lang="en-US" altLang="ko-KR" b="0" i="1" smtClean="0">
+                          <a:latin typeface="Cambria Math" panose="02040503050406030204" pitchFamily="18" charset="0"/>
+                        </a:rPr>
+                        <m:t>𝑥</m:t>
+                      </m:r>
+                      <m:r>
+                        <a:rPr lang="en-US" altLang="ko-KR" b="0" i="1" smtClean="0">
+                          <a:latin typeface="Cambria Math" panose="02040503050406030204" pitchFamily="18" charset="0"/>
+                        </a:rPr>
+                        <m:t>)</m:t>
+                      </m:r>
+                    </m:oMath>
+                  </m:oMathPara>
+                </a14:m>
+                <a:endParaRPr lang="ko-KR" altLang="en-US" dirty="0"/>
+              </a:p>
+            </p:txBody>
+          </p:sp>
+        </mc:Choice>
+        <mc:Fallback xmlns="">
+          <p:sp>
+            <p:nvSpPr>
+              <p:cNvPr id="156" name="TextBox 155">
+                <a:extLst>
+                  <a:ext uri="{FF2B5EF4-FFF2-40B4-BE49-F238E27FC236}">
+                    <a16:creationId xmlns:a16="http://schemas.microsoft.com/office/drawing/2014/main" id="{DBF4CD00-7D9E-4CD4-BE29-63AB6008DD8B}"/>
+                  </a:ext>
+                </a:extLst>
+              </p:cNvPr>
+              <p:cNvSpPr txBox="1">
+                <a:spLocks noRot="1" noChangeAspect="1" noMove="1" noResize="1" noEditPoints="1" noAdjustHandles="1" noChangeArrowheads="1" noChangeShapeType="1" noTextEdit="1"/>
+              </p:cNvSpPr>
+              <p:nvPr/>
+            </p:nvSpPr>
+            <p:spPr>
+              <a:xfrm>
+                <a:off x="4544447" y="1488471"/>
+                <a:ext cx="1864952" cy="369332"/>
+              </a:xfrm>
+              <a:prstGeom prst="rect">
+                <a:avLst/>
+              </a:prstGeom>
+              <a:blipFill>
+                <a:blip r:embed="rId8"/>
+                <a:stretch>
+                  <a:fillRect r="-1307" b="-16393"/>
+                </a:stretch>
+              </a:blipFill>
+            </p:spPr>
+            <p:txBody>
+              <a:bodyPr/>
+              <a:lstStyle/>
+              <a:p>
+                <a:r>
+                  <a:rPr lang="ko-KR" altLang="en-US">
+                    <a:noFill/>
+                  </a:rPr>
+                  <a:t> </a:t>
+                </a:r>
+              </a:p>
+            </p:txBody>
+          </p:sp>
+        </mc:Fallback>
+      </mc:AlternateContent>
+      <mc:AlternateContent xmlns:mc="http://schemas.openxmlformats.org/markup-compatibility/2006" xmlns:a14="http://schemas.microsoft.com/office/drawing/2010/main">
+        <mc:Choice Requires="a14">
+          <p:sp>
+            <p:nvSpPr>
+              <p:cNvPr id="157" name="TextBox 156">
+                <a:extLst>
+                  <a:ext uri="{FF2B5EF4-FFF2-40B4-BE49-F238E27FC236}">
+                    <a16:creationId xmlns:a16="http://schemas.microsoft.com/office/drawing/2014/main" id="{20724C16-1D7A-4215-8AD3-350B2F6685F5}"/>
+                  </a:ext>
+                </a:extLst>
+              </p:cNvPr>
+              <p:cNvSpPr txBox="1"/>
+              <p:nvPr/>
+            </p:nvSpPr>
+            <p:spPr>
+              <a:xfrm>
+                <a:off x="6516486" y="1464245"/>
+                <a:ext cx="1864952" cy="369332"/>
+              </a:xfrm>
+              <a:prstGeom prst="rect">
+                <a:avLst/>
+              </a:prstGeom>
+              <a:noFill/>
+            </p:spPr>
+            <p:txBody>
+              <a:bodyPr wrap="square" rtlCol="0">
+                <a:spAutoFit/>
+              </a:bodyPr>
+              <a:lstStyle/>
+              <a:p>
+                <a:pPr/>
+                <a14:m>
+                  <m:oMathPara xmlns:m="http://schemas.openxmlformats.org/officeDocument/2006/math">
+                    <m:oMathParaPr>
+                      <m:jc m:val="centerGroup"/>
+                    </m:oMathParaPr>
+                    <m:oMath xmlns:m="http://schemas.openxmlformats.org/officeDocument/2006/math">
+                      <m:sSub>
+                        <m:sSubPr>
+                          <m:ctrlPr>
+                            <a:rPr lang="en-US" altLang="ko-KR" b="0" i="1" smtClean="0">
+                              <a:latin typeface="Cambria Math" panose="02040503050406030204" pitchFamily="18" charset="0"/>
+                            </a:rPr>
+                          </m:ctrlPr>
+                        </m:sSubPr>
+                        <m:e>
+                          <m:r>
+                            <a:rPr lang="en-US" altLang="ko-KR" b="0" i="1" smtClean="0">
+                              <a:latin typeface="Cambria Math" panose="02040503050406030204" pitchFamily="18" charset="0"/>
+                            </a:rPr>
+                            <m:t>𝐷</m:t>
+                          </m:r>
+                        </m:e>
+                        <m:sub>
+                          <m:r>
+                            <a:rPr lang="en-US" altLang="ko-KR" b="0" i="1" smtClean="0">
+                              <a:latin typeface="Cambria Math" panose="02040503050406030204" pitchFamily="18" charset="0"/>
+                            </a:rPr>
+                            <m:t>𝐾𝐿</m:t>
+                          </m:r>
+                        </m:sub>
+                      </m:sSub>
+                      <m:r>
+                        <a:rPr lang="en-US" altLang="ko-KR" b="0" i="1" smtClean="0">
+                          <a:latin typeface="Cambria Math" panose="02040503050406030204" pitchFamily="18" charset="0"/>
+                        </a:rPr>
+                        <m:t>(</m:t>
+                      </m:r>
+                      <m:r>
+                        <a:rPr lang="en-US" altLang="ko-KR" b="0" i="1" smtClean="0">
+                          <a:latin typeface="Cambria Math" panose="02040503050406030204" pitchFamily="18" charset="0"/>
+                        </a:rPr>
+                        <m:t>𝑞</m:t>
+                      </m:r>
+                      <m:r>
+                        <a:rPr lang="en-US" altLang="ko-KR" b="0" i="1" smtClean="0">
+                          <a:latin typeface="Cambria Math" panose="02040503050406030204" pitchFamily="18" charset="0"/>
+                        </a:rPr>
+                        <m:t>(</m:t>
+                      </m:r>
+                      <m:r>
+                        <a:rPr lang="en-US" altLang="ko-KR" b="0" i="1" smtClean="0">
+                          <a:latin typeface="Cambria Math" panose="02040503050406030204" pitchFamily="18" charset="0"/>
+                        </a:rPr>
+                        <m:t>𝑧</m:t>
+                      </m:r>
+                      <m:r>
+                        <a:rPr lang="en-US" altLang="ko-KR" b="0" i="1" smtClean="0">
+                          <a:latin typeface="Cambria Math" panose="02040503050406030204" pitchFamily="18" charset="0"/>
+                        </a:rPr>
+                        <m:t>|</m:t>
+                      </m:r>
+                      <m:r>
+                        <a:rPr lang="en-US" altLang="ko-KR" b="0" i="1" smtClean="0">
+                          <a:latin typeface="Cambria Math" panose="02040503050406030204" pitchFamily="18" charset="0"/>
+                        </a:rPr>
+                        <m:t>𝑥</m:t>
+                      </m:r>
+                      <m:r>
+                        <a:rPr lang="en-US" altLang="ko-KR" b="0" i="1" smtClean="0">
+                          <a:latin typeface="Cambria Math" panose="02040503050406030204" pitchFamily="18" charset="0"/>
+                        </a:rPr>
+                        <m:t>)||</m:t>
+                      </m:r>
+                      <m:r>
+                        <a:rPr lang="en-US" altLang="ko-KR" b="0" i="1" smtClean="0">
+                          <a:latin typeface="Cambria Math" panose="02040503050406030204" pitchFamily="18" charset="0"/>
+                        </a:rPr>
+                        <m:t>𝑞</m:t>
+                      </m:r>
+                      <m:r>
+                        <a:rPr lang="en-US" altLang="ko-KR" b="0" i="1" smtClean="0">
+                          <a:latin typeface="Cambria Math" panose="02040503050406030204" pitchFamily="18" charset="0"/>
+                        </a:rPr>
+                        <m:t>(</m:t>
+                      </m:r>
+                      <m:r>
+                        <a:rPr lang="en-US" altLang="ko-KR" b="0" i="1" smtClean="0">
+                          <a:latin typeface="Cambria Math" panose="02040503050406030204" pitchFamily="18" charset="0"/>
+                        </a:rPr>
+                        <m:t>𝑧</m:t>
+                      </m:r>
+                      <m:r>
+                        <a:rPr lang="en-US" altLang="ko-KR" b="0" i="1" smtClean="0">
+                          <a:latin typeface="Cambria Math" panose="02040503050406030204" pitchFamily="18" charset="0"/>
+                        </a:rPr>
+                        <m:t>|</m:t>
+                      </m:r>
+                      <m:r>
+                        <a:rPr lang="en-US" altLang="ko-KR" b="0" i="1" smtClean="0">
+                          <a:latin typeface="Cambria Math" panose="02040503050406030204" pitchFamily="18" charset="0"/>
+                        </a:rPr>
+                        <m:t>𝑥</m:t>
+                      </m:r>
+                      <m:r>
+                        <a:rPr lang="en-US" altLang="ko-KR" b="0" i="1" smtClean="0">
+                          <a:latin typeface="Cambria Math" panose="02040503050406030204" pitchFamily="18" charset="0"/>
+                        </a:rPr>
+                        <m:t>,</m:t>
+                      </m:r>
+                      <m:r>
+                        <a:rPr lang="en-US" altLang="ko-KR" b="0" i="1" smtClean="0">
+                          <a:latin typeface="Cambria Math" panose="02040503050406030204" pitchFamily="18" charset="0"/>
+                        </a:rPr>
+                        <m:t>𝑦</m:t>
+                      </m:r>
+                      <m:r>
+                        <a:rPr lang="en-US" altLang="ko-KR" b="0" i="1" smtClean="0">
+                          <a:latin typeface="Cambria Math" panose="02040503050406030204" pitchFamily="18" charset="0"/>
+                        </a:rPr>
+                        <m:t>)</m:t>
+                      </m:r>
+                    </m:oMath>
+                  </m:oMathPara>
+                </a14:m>
+                <a:endParaRPr lang="ko-KR" altLang="en-US" dirty="0"/>
+              </a:p>
+            </p:txBody>
+          </p:sp>
+        </mc:Choice>
+        <mc:Fallback xmlns="">
+          <p:sp>
+            <p:nvSpPr>
+              <p:cNvPr id="157" name="TextBox 156">
+                <a:extLst>
+                  <a:ext uri="{FF2B5EF4-FFF2-40B4-BE49-F238E27FC236}">
+                    <a16:creationId xmlns:a16="http://schemas.microsoft.com/office/drawing/2014/main" id="{20724C16-1D7A-4215-8AD3-350B2F6685F5}"/>
+                  </a:ext>
+                </a:extLst>
+              </p:cNvPr>
+              <p:cNvSpPr txBox="1">
+                <a:spLocks noRot="1" noChangeAspect="1" noMove="1" noResize="1" noEditPoints="1" noAdjustHandles="1" noChangeArrowheads="1" noChangeShapeType="1" noTextEdit="1"/>
+              </p:cNvSpPr>
+              <p:nvPr/>
+            </p:nvSpPr>
+            <p:spPr>
+              <a:xfrm>
+                <a:off x="6516486" y="1464245"/>
+                <a:ext cx="1864952" cy="369332"/>
+              </a:xfrm>
+              <a:prstGeom prst="rect">
+                <a:avLst/>
+              </a:prstGeom>
+              <a:blipFill>
+                <a:blip r:embed="rId9"/>
+                <a:stretch>
+                  <a:fillRect r="-23856" b="-16393"/>
+                </a:stretch>
+              </a:blipFill>
+            </p:spPr>
+            <p:txBody>
+              <a:bodyPr/>
+              <a:lstStyle/>
+              <a:p>
+                <a:r>
+                  <a:rPr lang="ko-KR" altLang="en-US">
+                    <a:noFill/>
+                  </a:rPr>
+                  <a:t> </a:t>
+                </a:r>
+              </a:p>
+            </p:txBody>
+          </p:sp>
+        </mc:Fallback>
+      </mc:AlternateContent>
+      <p:sp>
+        <p:nvSpPr>
+          <p:cNvPr id="169" name="사각형: 둥근 모서리 168">
+            <a:extLst>
+              <a:ext uri="{FF2B5EF4-FFF2-40B4-BE49-F238E27FC236}">
+                <a16:creationId xmlns:a16="http://schemas.microsoft.com/office/drawing/2014/main" id="{5A06CFAA-EB8C-49A1-969B-22124B1AC208}"/>
+              </a:ext>
+            </a:extLst>
+          </p:cNvPr>
+          <p:cNvSpPr/>
+          <p:nvPr/>
+        </p:nvSpPr>
+        <p:spPr>
+          <a:xfrm>
+            <a:off x="976348" y="1464245"/>
+            <a:ext cx="2018070" cy="502836"/>
+          </a:xfrm>
+          <a:prstGeom prst="roundRect">
+            <a:avLst/>
+          </a:prstGeom>
+        </p:spPr>
+        <p:style>
+          <a:lnRef idx="2">
+            <a:schemeClr val="accent1">
+              <a:shade val="50000"/>
+            </a:schemeClr>
+          </a:lnRef>
+          <a:fillRef idx="1">
+            <a:schemeClr val="accent1"/>
+          </a:fillRef>
+          <a:effectRef idx="0">
+            <a:schemeClr val="accent1"/>
+          </a:effectRef>
+          <a:fontRef idx="minor">
+            <a:schemeClr val="lt1"/>
+          </a:fontRef>
+        </p:style>
+        <p:txBody>
+          <a:bodyPr rtlCol="0" anchor="ctr"/>
+          <a:lstStyle/>
+          <a:p>
+            <a:pPr algn="ctr"/>
+            <a:r>
+              <a:rPr lang="en-US" altLang="ko-KR" b="1" dirty="0"/>
+              <a:t>ROUGE_SCORE</a:t>
+            </a:r>
+            <a:endParaRPr lang="ko-KR" altLang="en-US" b="1" dirty="0"/>
+          </a:p>
+        </p:txBody>
+      </p:sp>
+      <p:cxnSp>
+        <p:nvCxnSpPr>
+          <p:cNvPr id="170" name="연결선: 꺾임 169">
+            <a:extLst>
+              <a:ext uri="{FF2B5EF4-FFF2-40B4-BE49-F238E27FC236}">
+                <a16:creationId xmlns:a16="http://schemas.microsoft.com/office/drawing/2014/main" id="{8448D3BD-78A3-4366-ABE1-98E9DB7CD961}"/>
+              </a:ext>
+            </a:extLst>
+          </p:cNvPr>
+          <p:cNvCxnSpPr>
+            <a:cxnSpLocks/>
+            <a:stCxn id="4" idx="1"/>
+            <a:endCxn id="169" idx="2"/>
+          </p:cNvCxnSpPr>
+          <p:nvPr/>
+        </p:nvCxnSpPr>
+        <p:spPr>
+          <a:xfrm rot="10800000">
+            <a:off x="1985383" y="1967081"/>
+            <a:ext cx="3672584" cy="3818752"/>
+          </a:xfrm>
+          <a:prstGeom prst="bentConnector2">
+            <a:avLst/>
+          </a:prstGeom>
+          <a:ln>
+            <a:tailEnd type="triangle"/>
+          </a:ln>
+        </p:spPr>
+        <p:style>
+          <a:lnRef idx="1">
+            <a:schemeClr val="accent1"/>
+          </a:lnRef>
+          <a:fillRef idx="0">
+            <a:schemeClr val="accent1"/>
+          </a:fillRef>
+          <a:effectRef idx="0">
+            <a:schemeClr val="accent1"/>
+          </a:effectRef>
+          <a:fontRef idx="minor">
+            <a:schemeClr val="tx1"/>
+          </a:fontRef>
+        </p:style>
+      </p:cxnSp>
     </p:spTree>
     <p:extLst>
       <p:ext uri="{BB962C8B-B14F-4D97-AF65-F5344CB8AC3E}">

--- a/docs/models.pptx
+++ b/docs/models.pptx
@@ -7,10 +7,13 @@
   <p:sldIdLst>
     <p:sldId id="261" r:id="rId2"/>
     <p:sldId id="262" r:id="rId3"/>
-    <p:sldId id="256" r:id="rId4"/>
-    <p:sldId id="259" r:id="rId5"/>
-    <p:sldId id="260" r:id="rId6"/>
-    <p:sldId id="258" r:id="rId7"/>
+    <p:sldId id="265" r:id="rId4"/>
+    <p:sldId id="263" r:id="rId5"/>
+    <p:sldId id="264" r:id="rId6"/>
+    <p:sldId id="256" r:id="rId7"/>
+    <p:sldId id="259" r:id="rId8"/>
+    <p:sldId id="260" r:id="rId9"/>
+    <p:sldId id="258" r:id="rId10"/>
   </p:sldIdLst>
   <p:sldSz cx="12192000" cy="6858000"/>
   <p:notesSz cx="6858000" cy="9144000"/>
@@ -116,6 +119,9 @@
           <p14:sldIdLst>
             <p14:sldId id="261"/>
             <p14:sldId id="262"/>
+            <p14:sldId id="265"/>
+            <p14:sldId id="263"/>
+            <p14:sldId id="264"/>
           </p14:sldIdLst>
         </p14:section>
         <p14:section name="INDEX 0" id="{1D5EF4AA-161D-47C5-87AF-A45E22813088}">
@@ -7143,7 +7149,7 @@
             </p:nvSpPr>
             <p:spPr>
               <a:xfrm>
-                <a:off x="5747918" y="3479024"/>
+                <a:off x="5888725" y="3085196"/>
                 <a:ext cx="856595" cy="386372"/>
               </a:xfrm>
               <a:prstGeom prst="roundRect">
@@ -7236,7 +7242,7 @@
             </p:nvSpPr>
             <p:spPr>
               <a:xfrm>
-                <a:off x="5747918" y="3479024"/>
+                <a:off x="5888725" y="3085196"/>
                 <a:ext cx="856595" cy="386372"/>
               </a:xfrm>
               <a:prstGeom prst="roundRect">
@@ -7282,8 +7288,8 @@
         </p:nvCxnSpPr>
         <p:spPr>
           <a:xfrm rot="5400000">
-            <a:off x="5951367" y="4089301"/>
-            <a:ext cx="448754" cy="944"/>
+            <a:off x="5824857" y="3821984"/>
+            <a:ext cx="842582" cy="141751"/>
           </a:xfrm>
           <a:prstGeom prst="bentConnector3">
             <a:avLst>
@@ -7611,7 +7617,7 @@
             </p:nvSpPr>
             <p:spPr>
               <a:xfrm>
-                <a:off x="7429382" y="3627695"/>
+                <a:off x="7360613" y="3340312"/>
                 <a:ext cx="951794" cy="386372"/>
               </a:xfrm>
               <a:prstGeom prst="roundRect">
@@ -7716,7 +7722,7 @@
             </p:nvSpPr>
             <p:spPr>
               <a:xfrm>
-                <a:off x="7429382" y="3627695"/>
+                <a:off x="7360613" y="3340312"/>
                 <a:ext cx="951794" cy="386372"/>
               </a:xfrm>
               <a:prstGeom prst="roundRect">
@@ -7725,7 +7731,7 @@
               <a:blipFill>
                 <a:blip r:embed="rId5"/>
                 <a:stretch>
-                  <a:fillRect l="-3165" r="-6329" b="-12308"/>
+                  <a:fillRect l="-3145" r="-5660" b="-12308"/>
                 </a:stretch>
               </a:blipFill>
             </p:spPr>
@@ -7761,9 +7767,9 @@
           <p:nvPr/>
         </p:nvCxnSpPr>
         <p:spPr>
-          <a:xfrm rot="5400000">
-            <a:off x="7754637" y="4163507"/>
-            <a:ext cx="300082" cy="1202"/>
+          <a:xfrm rot="16200000" flipH="1">
+            <a:off x="7576561" y="3986632"/>
+            <a:ext cx="587465" cy="67567"/>
           </a:xfrm>
           <a:prstGeom prst="bentConnector3">
             <a:avLst>
@@ -7795,68 +7801,24 @@
       </p:cxnSp>
       <p:cxnSp>
         <p:nvCxnSpPr>
-          <p:cNvPr id="95" name="연결선: 꺾임 94">
-            <a:extLst>
-              <a:ext uri="{FF2B5EF4-FFF2-40B4-BE49-F238E27FC236}">
-                <a16:creationId xmlns:a16="http://schemas.microsoft.com/office/drawing/2014/main" id="{CDC197B0-79EB-42AD-ADB3-177CD4E409C3}"/>
+          <p:cNvPr id="100" name="직선 화살표 연결선 99">
+            <a:extLst>
+              <a:ext uri="{FF2B5EF4-FFF2-40B4-BE49-F238E27FC236}">
+                <a16:creationId xmlns:a16="http://schemas.microsoft.com/office/drawing/2014/main" id="{8C8239D0-A8F9-4014-8A52-7C3ED41C6942}"/>
               </a:ext>
             </a:extLst>
           </p:cNvPr>
           <p:cNvCxnSpPr>
             <a:cxnSpLocks/>
-            <a:stCxn id="55" idx="3"/>
-            <a:endCxn id="49" idx="1"/>
+            <a:stCxn id="55" idx="0"/>
+            <a:endCxn id="157" idx="2"/>
           </p:cNvCxnSpPr>
           <p:nvPr/>
         </p:nvCxnSpPr>
         <p:spPr>
           <a:xfrm flipV="1">
-            <a:off x="6604513" y="3459109"/>
-            <a:ext cx="2723601" cy="213101"/>
-          </a:xfrm>
-          <a:prstGeom prst="bentConnector3">
-            <a:avLst>
-              <a:gd name="adj1" fmla="val 50000"/>
-            </a:avLst>
-          </a:prstGeom>
-          <a:ln>
-            <a:tailEnd type="triangle"/>
-          </a:ln>
-        </p:spPr>
-        <p:style>
-          <a:lnRef idx="1">
-            <a:schemeClr val="accent1"/>
-          </a:lnRef>
-          <a:fillRef idx="0">
-            <a:schemeClr val="accent1"/>
-          </a:fillRef>
-          <a:effectRef idx="0">
-            <a:schemeClr val="accent1"/>
-          </a:effectRef>
-          <a:fontRef idx="minor">
-            <a:schemeClr val="tx1"/>
-          </a:fontRef>
-        </p:style>
-      </p:cxnSp>
-      <p:cxnSp>
-        <p:nvCxnSpPr>
-          <p:cNvPr id="100" name="직선 화살표 연결선 99">
-            <a:extLst>
-              <a:ext uri="{FF2B5EF4-FFF2-40B4-BE49-F238E27FC236}">
-                <a16:creationId xmlns:a16="http://schemas.microsoft.com/office/drawing/2014/main" id="{8C8239D0-A8F9-4014-8A52-7C3ED41C6942}"/>
-              </a:ext>
-            </a:extLst>
-          </p:cNvPr>
-          <p:cNvCxnSpPr>
-            <a:cxnSpLocks/>
-            <a:stCxn id="55" idx="0"/>
-          </p:cNvCxnSpPr>
-          <p:nvPr/>
-        </p:nvCxnSpPr>
-        <p:spPr>
-          <a:xfrm flipV="1">
-            <a:off x="6176216" y="1759724"/>
-            <a:ext cx="1138259" cy="1719300"/>
+            <a:off x="6317023" y="1949873"/>
+            <a:ext cx="932475" cy="1135323"/>
           </a:xfrm>
           <a:prstGeom prst="straightConnector1">
             <a:avLst/>
@@ -7892,13 +7854,14 @@
           <p:cNvCxnSpPr>
             <a:cxnSpLocks/>
             <a:stCxn id="81" idx="0"/>
+            <a:endCxn id="157" idx="2"/>
           </p:cNvCxnSpPr>
           <p:nvPr/>
         </p:nvCxnSpPr>
         <p:spPr>
           <a:xfrm flipH="1" flipV="1">
-            <a:off x="7662653" y="1921325"/>
-            <a:ext cx="242626" cy="1706370"/>
+            <a:off x="7249498" y="1949873"/>
+            <a:ext cx="587012" cy="1390439"/>
           </a:xfrm>
           <a:prstGeom prst="straightConnector1">
             <a:avLst/>
@@ -7940,8 +7903,8 @@
         </p:nvCxnSpPr>
         <p:spPr>
           <a:xfrm flipH="1" flipV="1">
-            <a:off x="5476923" y="1857803"/>
-            <a:ext cx="699293" cy="1621221"/>
+            <a:off x="5109732" y="2509551"/>
+            <a:ext cx="1207291" cy="575645"/>
           </a:xfrm>
           <a:prstGeom prst="straightConnector1">
             <a:avLst/>
@@ -7981,7 +7944,7 @@
             </p:nvSpPr>
             <p:spPr>
               <a:xfrm>
-                <a:off x="3862636" y="2325516"/>
+                <a:off x="3779876" y="3424066"/>
                 <a:ext cx="532298" cy="379823"/>
               </a:xfrm>
               <a:prstGeom prst="roundRect">
@@ -8062,7 +8025,7 @@
             </p:nvSpPr>
             <p:spPr>
               <a:xfrm>
-                <a:off x="3862636" y="2325516"/>
+                <a:off x="3779876" y="3424066"/>
                 <a:ext cx="532298" cy="379823"/>
               </a:xfrm>
               <a:prstGeom prst="roundRect">
@@ -8071,7 +8034,7 @@
               <a:blipFill>
                 <a:blip r:embed="rId6"/>
                 <a:stretch>
-                  <a:fillRect l="-5618" r="-11236" b="-12308"/>
+                  <a:fillRect l="-5618" r="-11236" b="-12500"/>
                 </a:stretch>
               </a:blipFill>
             </p:spPr>
@@ -8252,8 +8215,8 @@
         </p:nvCxnSpPr>
         <p:spPr>
           <a:xfrm flipV="1">
-            <a:off x="4394934" y="1857803"/>
-            <a:ext cx="1081989" cy="657625"/>
+            <a:off x="4312174" y="2509551"/>
+            <a:ext cx="797558" cy="1104427"/>
           </a:xfrm>
           <a:prstGeom prst="straightConnector1">
             <a:avLst/>
@@ -8277,8 +8240,8 @@
           </a:fontRef>
         </p:style>
       </p:cxnSp>
-      <mc:AlternateContent xmlns:mc="http://schemas.openxmlformats.org/markup-compatibility/2006" xmlns:a14="http://schemas.microsoft.com/office/drawing/2010/main">
-        <mc:Choice Requires="a14">
+      <mc:AlternateContent xmlns:mc="http://schemas.openxmlformats.org/markup-compatibility/2006">
+        <mc:Choice xmlns:a14="http://schemas.microsoft.com/office/drawing/2010/main" Requires="a14">
           <p:sp>
             <p:nvSpPr>
               <p:cNvPr id="156" name="TextBox 155">
@@ -8293,7 +8256,7 @@
             </p:nvSpPr>
             <p:spPr>
               <a:xfrm>
-                <a:off x="4544447" y="1488471"/>
+                <a:off x="4177256" y="2140219"/>
                 <a:ext cx="1864952" cy="369332"/>
               </a:xfrm>
               <a:prstGeom prst="rect">
@@ -8375,30 +8338,31 @@
                         </a:rPr>
                         <m:t>𝑞</m:t>
                       </m:r>
-                      <m:r>
-                        <a:rPr lang="en-US" altLang="ko-KR" b="0" i="1" smtClean="0">
-                          <a:latin typeface="Cambria Math" panose="02040503050406030204" pitchFamily="18" charset="0"/>
-                        </a:rPr>
-                        <m:t>(</m:t>
-                      </m:r>
-                      <m:r>
-                        <a:rPr lang="en-US" altLang="ko-KR" b="0" i="1" smtClean="0">
-                          <a:latin typeface="Cambria Math" panose="02040503050406030204" pitchFamily="18" charset="0"/>
-                        </a:rPr>
-                        <m:t>𝑧</m:t>
-                      </m:r>
-                      <m:r>
-                        <a:rPr lang="en-US" altLang="ko-KR" b="0" i="1" smtClean="0">
-                          <a:latin typeface="Cambria Math" panose="02040503050406030204" pitchFamily="18" charset="0"/>
-                        </a:rPr>
-                        <m:t>|</m:t>
-                      </m:r>
-                      <m:r>
-                        <a:rPr lang="en-US" altLang="ko-KR" b="0" i="1" smtClean="0">
-                          <a:latin typeface="Cambria Math" panose="02040503050406030204" pitchFamily="18" charset="0"/>
-                        </a:rPr>
-                        <m:t>𝑥</m:t>
-                      </m:r>
+                      <m:d>
+                        <m:dPr>
+                          <m:ctrlPr>
+                            <a:rPr lang="en-US" altLang="ko-KR" b="0" i="1" smtClean="0">
+                              <a:latin typeface="Cambria Math" panose="02040503050406030204" pitchFamily="18" charset="0"/>
+                            </a:rPr>
+                          </m:ctrlPr>
+                        </m:dPr>
+                        <m:e>
+                          <m:r>
+                            <a:rPr lang="en-US" altLang="ko-KR" b="0" i="1" smtClean="0">
+                              <a:latin typeface="Cambria Math" panose="02040503050406030204" pitchFamily="18" charset="0"/>
+                            </a:rPr>
+                            <m:t>𝑧</m:t>
+                          </m:r>
+                        </m:e>
+                        <m:e>
+                          <m:r>
+                            <a:rPr lang="en-US" altLang="ko-KR" b="0" i="1" smtClean="0">
+                              <a:latin typeface="Cambria Math" panose="02040503050406030204" pitchFamily="18" charset="0"/>
+                            </a:rPr>
+                            <m:t>𝑥</m:t>
+                          </m:r>
+                        </m:e>
+                      </m:d>
                       <m:r>
                         <a:rPr lang="en-US" altLang="ko-KR" b="0" i="1" smtClean="0">
                           <a:latin typeface="Cambria Math" panose="02040503050406030204" pitchFamily="18" charset="0"/>
@@ -8413,7 +8377,7 @@
             </p:txBody>
           </p:sp>
         </mc:Choice>
-        <mc:Fallback xmlns="">
+        <mc:Fallback>
           <p:sp>
             <p:nvSpPr>
               <p:cNvPr id="156" name="TextBox 155">
@@ -8430,7 +8394,7 @@
             </p:nvSpPr>
             <p:spPr>
               <a:xfrm>
-                <a:off x="4544447" y="1488471"/>
+                <a:off x="4177256" y="2140219"/>
                 <a:ext cx="1864952" cy="369332"/>
               </a:xfrm>
               <a:prstGeom prst="rect">
@@ -8439,7 +8403,7 @@
               <a:blipFill>
                 <a:blip r:embed="rId8"/>
                 <a:stretch>
-                  <a:fillRect r="-1307" b="-16393"/>
+                  <a:fillRect r="-6536" b="-16393"/>
                 </a:stretch>
               </a:blipFill>
             </p:spPr>
@@ -8458,8 +8422,8 @@
           </p:sp>
         </mc:Fallback>
       </mc:AlternateContent>
-      <mc:AlternateContent xmlns:mc="http://schemas.openxmlformats.org/markup-compatibility/2006" xmlns:a14="http://schemas.microsoft.com/office/drawing/2010/main">
-        <mc:Choice Requires="a14">
+      <mc:AlternateContent xmlns:mc="http://schemas.openxmlformats.org/markup-compatibility/2006">
+        <mc:Choice xmlns:a14="http://schemas.microsoft.com/office/drawing/2010/main" Requires="a14">
           <p:sp>
             <p:nvSpPr>
               <p:cNvPr id="157" name="TextBox 156">
@@ -8474,7 +8438,7 @@
             </p:nvSpPr>
             <p:spPr>
               <a:xfrm>
-                <a:off x="6516486" y="1464245"/>
+                <a:off x="6317022" y="1580541"/>
                 <a:ext cx="1864952" cy="369332"/>
               </a:xfrm>
               <a:prstGeom prst="rect">
@@ -8568,42 +8532,43 @@
                         </a:rPr>
                         <m:t>𝑞</m:t>
                       </m:r>
-                      <m:r>
-                        <a:rPr lang="en-US" altLang="ko-KR" b="0" i="1" smtClean="0">
-                          <a:latin typeface="Cambria Math" panose="02040503050406030204" pitchFamily="18" charset="0"/>
-                        </a:rPr>
-                        <m:t>(</m:t>
-                      </m:r>
-                      <m:r>
-                        <a:rPr lang="en-US" altLang="ko-KR" b="0" i="1" smtClean="0">
-                          <a:latin typeface="Cambria Math" panose="02040503050406030204" pitchFamily="18" charset="0"/>
-                        </a:rPr>
-                        <m:t>𝑧</m:t>
-                      </m:r>
-                      <m:r>
-                        <a:rPr lang="en-US" altLang="ko-KR" b="0" i="1" smtClean="0">
-                          <a:latin typeface="Cambria Math" panose="02040503050406030204" pitchFamily="18" charset="0"/>
-                        </a:rPr>
-                        <m:t>|</m:t>
-                      </m:r>
-                      <m:r>
-                        <a:rPr lang="en-US" altLang="ko-KR" b="0" i="1" smtClean="0">
-                          <a:latin typeface="Cambria Math" panose="02040503050406030204" pitchFamily="18" charset="0"/>
-                        </a:rPr>
-                        <m:t>𝑥</m:t>
-                      </m:r>
-                      <m:r>
-                        <a:rPr lang="en-US" altLang="ko-KR" b="0" i="1" smtClean="0">
-                          <a:latin typeface="Cambria Math" panose="02040503050406030204" pitchFamily="18" charset="0"/>
-                        </a:rPr>
-                        <m:t>,</m:t>
-                      </m:r>
-                      <m:r>
-                        <a:rPr lang="en-US" altLang="ko-KR" b="0" i="1" smtClean="0">
-                          <a:latin typeface="Cambria Math" panose="02040503050406030204" pitchFamily="18" charset="0"/>
-                        </a:rPr>
-                        <m:t>𝑦</m:t>
-                      </m:r>
+                      <m:d>
+                        <m:dPr>
+                          <m:ctrlPr>
+                            <a:rPr lang="en-US" altLang="ko-KR" b="0" i="1" smtClean="0">
+                              <a:latin typeface="Cambria Math" panose="02040503050406030204" pitchFamily="18" charset="0"/>
+                            </a:rPr>
+                          </m:ctrlPr>
+                        </m:dPr>
+                        <m:e>
+                          <m:r>
+                            <a:rPr lang="en-US" altLang="ko-KR" b="0" i="1" smtClean="0">
+                              <a:latin typeface="Cambria Math" panose="02040503050406030204" pitchFamily="18" charset="0"/>
+                            </a:rPr>
+                            <m:t>𝑧</m:t>
+                          </m:r>
+                        </m:e>
+                        <m:e>
+                          <m:r>
+                            <a:rPr lang="en-US" altLang="ko-KR" b="0" i="1" smtClean="0">
+                              <a:latin typeface="Cambria Math" panose="02040503050406030204" pitchFamily="18" charset="0"/>
+                            </a:rPr>
+                            <m:t>𝑥</m:t>
+                          </m:r>
+                          <m:r>
+                            <a:rPr lang="en-US" altLang="ko-KR" b="0" i="1" smtClean="0">
+                              <a:latin typeface="Cambria Math" panose="02040503050406030204" pitchFamily="18" charset="0"/>
+                            </a:rPr>
+                            <m:t>,</m:t>
+                          </m:r>
+                          <m:r>
+                            <a:rPr lang="en-US" altLang="ko-KR" b="0" i="1" smtClean="0">
+                              <a:latin typeface="Cambria Math" panose="02040503050406030204" pitchFamily="18" charset="0"/>
+                            </a:rPr>
+                            <m:t>𝑦</m:t>
+                          </m:r>
+                        </m:e>
+                      </m:d>
                       <m:r>
                         <a:rPr lang="en-US" altLang="ko-KR" b="0" i="1" smtClean="0">
                           <a:latin typeface="Cambria Math" panose="02040503050406030204" pitchFamily="18" charset="0"/>
@@ -8618,7 +8583,7 @@
             </p:txBody>
           </p:sp>
         </mc:Choice>
-        <mc:Fallback xmlns="">
+        <mc:Fallback>
           <p:sp>
             <p:nvSpPr>
               <p:cNvPr id="157" name="TextBox 156">
@@ -8635,7 +8600,7 @@
             </p:nvSpPr>
             <p:spPr>
               <a:xfrm>
-                <a:off x="6516486" y="1464245"/>
+                <a:off x="6317022" y="1580541"/>
                 <a:ext cx="1864952" cy="369332"/>
               </a:xfrm>
               <a:prstGeom prst="rect">
@@ -8644,7 +8609,606 @@
               <a:blipFill>
                 <a:blip r:embed="rId9"/>
                 <a:stretch>
-                  <a:fillRect r="-23856" b="-16393"/>
+                  <a:fillRect r="-29085" b="-16393"/>
+                </a:stretch>
+              </a:blipFill>
+            </p:spPr>
+            <p:txBody>
+              <a:bodyPr/>
+              <a:lstStyle/>
+              <a:p>
+                <a:r>
+                  <a:rPr lang="ko-KR" altLang="en-US">
+                    <a:noFill/>
+                  </a:rPr>
+                  <a:t> </a:t>
+                </a:r>
+              </a:p>
+            </p:txBody>
+          </p:sp>
+        </mc:Fallback>
+      </mc:AlternateContent>
+    </p:spTree>
+    <p:extLst>
+      <p:ext uri="{BB962C8B-B14F-4D97-AF65-F5344CB8AC3E}">
+        <p14:creationId xmlns:p14="http://schemas.microsoft.com/office/powerpoint/2010/main" val="1618032567"/>
+      </p:ext>
+    </p:extLst>
+  </p:cSld>
+  <p:clrMapOvr>
+    <a:masterClrMapping/>
+  </p:clrMapOvr>
+</p:sld>
+</file>
+
+<file path=ppt/slides/slide3.xml><?xml version="1.0" encoding="utf-8"?>
+<p:sld xmlns:a="http://schemas.openxmlformats.org/drawingml/2006/main" xmlns:r="http://schemas.openxmlformats.org/officeDocument/2006/relationships" xmlns:p="http://schemas.openxmlformats.org/presentationml/2006/main">
+  <p:cSld>
+    <p:spTree>
+      <p:nvGrpSpPr>
+        <p:cNvPr id="1" name=""/>
+        <p:cNvGrpSpPr/>
+        <p:nvPr/>
+      </p:nvGrpSpPr>
+      <p:grpSpPr>
+        <a:xfrm>
+          <a:off x="0" y="0"/>
+          <a:ext cx="0" cy="0"/>
+          <a:chOff x="0" y="0"/>
+          <a:chExt cx="0" cy="0"/>
+        </a:xfrm>
+      </p:grpSpPr>
+      <p:sp>
+        <p:nvSpPr>
+          <p:cNvPr id="4" name="사각형: 둥근 모서리 3">
+            <a:extLst>
+              <a:ext uri="{FF2B5EF4-FFF2-40B4-BE49-F238E27FC236}">
+                <a16:creationId xmlns:a16="http://schemas.microsoft.com/office/drawing/2014/main" id="{D6730E09-3A21-43F6-B078-CC699D4F11B0}"/>
+              </a:ext>
+            </a:extLst>
+          </p:cNvPr>
+          <p:cNvSpPr/>
+          <p:nvPr/>
+        </p:nvSpPr>
+        <p:spPr>
+          <a:xfrm>
+            <a:off x="5657967" y="5572731"/>
+            <a:ext cx="1052264" cy="426203"/>
+          </a:xfrm>
+          <a:prstGeom prst="roundRect">
+            <a:avLst>
+              <a:gd name="adj" fmla="val 9190"/>
+            </a:avLst>
+          </a:prstGeom>
+          <a:solidFill>
+            <a:srgbClr val="FCDFE0"/>
+          </a:solidFill>
+          <a:ln>
+            <a:solidFill>
+              <a:schemeClr val="tx1"/>
+            </a:solidFill>
+          </a:ln>
+        </p:spPr>
+        <p:style>
+          <a:lnRef idx="2">
+            <a:schemeClr val="accent1">
+              <a:shade val="50000"/>
+            </a:schemeClr>
+          </a:lnRef>
+          <a:fillRef idx="1">
+            <a:schemeClr val="accent1"/>
+          </a:fillRef>
+          <a:effectRef idx="0">
+            <a:schemeClr val="accent1"/>
+          </a:effectRef>
+          <a:fontRef idx="minor">
+            <a:schemeClr val="lt1"/>
+          </a:fontRef>
+        </p:style>
+        <p:txBody>
+          <a:bodyPr rtlCol="0" anchor="ctr"/>
+          <a:lstStyle/>
+          <a:p>
+            <a:pPr algn="ctr"/>
+            <a:r>
+              <a:rPr lang="en-US" altLang="ko-KR" sz="1200" dirty="0">
+                <a:solidFill>
+                  <a:sysClr val="windowText" lastClr="000000"/>
+                </a:solidFill>
+              </a:rPr>
+              <a:t>Input</a:t>
+            </a:r>
+          </a:p>
+          <a:p>
+            <a:pPr algn="ctr"/>
+            <a:r>
+              <a:rPr lang="en-US" altLang="ko-KR" sz="1200" dirty="0">
+                <a:solidFill>
+                  <a:sysClr val="windowText" lastClr="000000"/>
+                </a:solidFill>
+              </a:rPr>
+              <a:t>Embedding</a:t>
+            </a:r>
+            <a:endParaRPr lang="ko-KR" altLang="en-US" sz="1200" dirty="0">
+              <a:solidFill>
+                <a:sysClr val="windowText" lastClr="000000"/>
+              </a:solidFill>
+            </a:endParaRPr>
+          </a:p>
+        </p:txBody>
+      </p:sp>
+      <p:sp>
+        <p:nvSpPr>
+          <p:cNvPr id="7" name="사각형: 둥근 모서리 6">
+            <a:extLst>
+              <a:ext uri="{FF2B5EF4-FFF2-40B4-BE49-F238E27FC236}">
+                <a16:creationId xmlns:a16="http://schemas.microsoft.com/office/drawing/2014/main" id="{B82A19F1-1F11-4C2C-93A9-C61766BA4B5A}"/>
+              </a:ext>
+            </a:extLst>
+          </p:cNvPr>
+          <p:cNvSpPr/>
+          <p:nvPr/>
+        </p:nvSpPr>
+        <p:spPr>
+          <a:xfrm>
+            <a:off x="9322902" y="5559124"/>
+            <a:ext cx="1052264" cy="426203"/>
+          </a:xfrm>
+          <a:prstGeom prst="roundRect">
+            <a:avLst>
+              <a:gd name="adj" fmla="val 9190"/>
+            </a:avLst>
+          </a:prstGeom>
+          <a:solidFill>
+            <a:srgbClr val="FCDFE0"/>
+          </a:solidFill>
+          <a:ln>
+            <a:solidFill>
+              <a:schemeClr val="tx1"/>
+            </a:solidFill>
+          </a:ln>
+        </p:spPr>
+        <p:style>
+          <a:lnRef idx="2">
+            <a:schemeClr val="accent1">
+              <a:shade val="50000"/>
+            </a:schemeClr>
+          </a:lnRef>
+          <a:fillRef idx="1">
+            <a:schemeClr val="accent1"/>
+          </a:fillRef>
+          <a:effectRef idx="0">
+            <a:schemeClr val="accent1"/>
+          </a:effectRef>
+          <a:fontRef idx="minor">
+            <a:schemeClr val="lt1"/>
+          </a:fontRef>
+        </p:style>
+        <p:txBody>
+          <a:bodyPr rtlCol="0" anchor="ctr"/>
+          <a:lstStyle/>
+          <a:p>
+            <a:pPr algn="ctr"/>
+            <a:r>
+              <a:rPr lang="en-US" altLang="ko-KR" sz="1200" dirty="0">
+                <a:solidFill>
+                  <a:sysClr val="windowText" lastClr="000000"/>
+                </a:solidFill>
+              </a:rPr>
+              <a:t>Output</a:t>
+            </a:r>
+          </a:p>
+          <a:p>
+            <a:pPr algn="ctr"/>
+            <a:r>
+              <a:rPr lang="en-US" altLang="ko-KR" sz="1200" dirty="0">
+                <a:solidFill>
+                  <a:sysClr val="windowText" lastClr="000000"/>
+                </a:solidFill>
+              </a:rPr>
+              <a:t>Embedding</a:t>
+            </a:r>
+            <a:endParaRPr lang="ko-KR" altLang="en-US" sz="1200" dirty="0">
+              <a:solidFill>
+                <a:sysClr val="windowText" lastClr="000000"/>
+              </a:solidFill>
+            </a:endParaRPr>
+          </a:p>
+        </p:txBody>
+      </p:sp>
+      <p:cxnSp>
+        <p:nvCxnSpPr>
+          <p:cNvPr id="8" name="직선 화살표 연결선 7">
+            <a:extLst>
+              <a:ext uri="{FF2B5EF4-FFF2-40B4-BE49-F238E27FC236}">
+                <a16:creationId xmlns:a16="http://schemas.microsoft.com/office/drawing/2014/main" id="{F516FC2E-05F0-4E31-B132-4526AAA96EFF}"/>
+              </a:ext>
+            </a:extLst>
+          </p:cNvPr>
+          <p:cNvCxnSpPr>
+            <a:cxnSpLocks/>
+            <a:stCxn id="65" idx="2"/>
+            <a:endCxn id="28" idx="0"/>
+          </p:cNvCxnSpPr>
+          <p:nvPr/>
+        </p:nvCxnSpPr>
+        <p:spPr>
+          <a:xfrm flipH="1">
+            <a:off x="7901563" y="5998639"/>
+            <a:ext cx="13965" cy="241330"/>
+          </a:xfrm>
+          <a:prstGeom prst="straightConnector1">
+            <a:avLst/>
+          </a:prstGeom>
+          <a:ln w="25400">
+            <a:solidFill>
+              <a:schemeClr val="tx1"/>
+            </a:solidFill>
+            <a:headEnd type="stealth"/>
+            <a:tailEnd type="none"/>
+          </a:ln>
+        </p:spPr>
+        <p:style>
+          <a:lnRef idx="1">
+            <a:schemeClr val="accent1"/>
+          </a:lnRef>
+          <a:fillRef idx="0">
+            <a:schemeClr val="accent1"/>
+          </a:fillRef>
+          <a:effectRef idx="0">
+            <a:schemeClr val="accent1"/>
+          </a:effectRef>
+          <a:fontRef idx="minor">
+            <a:schemeClr val="tx1"/>
+          </a:fontRef>
+        </p:style>
+      </p:cxnSp>
+      <p:cxnSp>
+        <p:nvCxnSpPr>
+          <p:cNvPr id="16" name="직선 화살표 연결선 15">
+            <a:extLst>
+              <a:ext uri="{FF2B5EF4-FFF2-40B4-BE49-F238E27FC236}">
+                <a16:creationId xmlns:a16="http://schemas.microsoft.com/office/drawing/2014/main" id="{5320BFE3-B279-43F4-A749-A122979DDFBD}"/>
+              </a:ext>
+            </a:extLst>
+          </p:cNvPr>
+          <p:cNvCxnSpPr>
+            <a:cxnSpLocks/>
+            <a:stCxn id="31" idx="2"/>
+            <a:endCxn id="4" idx="0"/>
+          </p:cNvCxnSpPr>
+          <p:nvPr/>
+        </p:nvCxnSpPr>
+        <p:spPr>
+          <a:xfrm>
+            <a:off x="6175272" y="5204817"/>
+            <a:ext cx="8827" cy="367914"/>
+          </a:xfrm>
+          <a:prstGeom prst="straightConnector1">
+            <a:avLst/>
+          </a:prstGeom>
+          <a:ln w="25400">
+            <a:solidFill>
+              <a:schemeClr val="tx1"/>
+            </a:solidFill>
+            <a:headEnd type="stealth"/>
+            <a:tailEnd type="none"/>
+          </a:ln>
+        </p:spPr>
+        <p:style>
+          <a:lnRef idx="1">
+            <a:schemeClr val="accent1"/>
+          </a:lnRef>
+          <a:fillRef idx="0">
+            <a:schemeClr val="accent1"/>
+          </a:fillRef>
+          <a:effectRef idx="0">
+            <a:schemeClr val="accent1"/>
+          </a:effectRef>
+          <a:fontRef idx="minor">
+            <a:schemeClr val="tx1"/>
+          </a:fontRef>
+        </p:style>
+      </p:cxnSp>
+      <p:cxnSp>
+        <p:nvCxnSpPr>
+          <p:cNvPr id="24" name="직선 화살표 연결선 23">
+            <a:extLst>
+              <a:ext uri="{FF2B5EF4-FFF2-40B4-BE49-F238E27FC236}">
+                <a16:creationId xmlns:a16="http://schemas.microsoft.com/office/drawing/2014/main" id="{B1B38C2D-16CC-4B03-AF87-5316ED66257C}"/>
+              </a:ext>
+            </a:extLst>
+          </p:cNvPr>
+          <p:cNvCxnSpPr>
+            <a:cxnSpLocks/>
+            <a:stCxn id="53" idx="2"/>
+          </p:cNvCxnSpPr>
+          <p:nvPr/>
+        </p:nvCxnSpPr>
+        <p:spPr>
+          <a:xfrm>
+            <a:off x="9849034" y="4948973"/>
+            <a:ext cx="638" cy="623463"/>
+          </a:xfrm>
+          <a:prstGeom prst="straightConnector1">
+            <a:avLst/>
+          </a:prstGeom>
+          <a:ln w="25400">
+            <a:solidFill>
+              <a:schemeClr val="tx1"/>
+            </a:solidFill>
+            <a:headEnd type="stealth"/>
+            <a:tailEnd type="none"/>
+          </a:ln>
+        </p:spPr>
+        <p:style>
+          <a:lnRef idx="1">
+            <a:schemeClr val="accent1"/>
+          </a:lnRef>
+          <a:fillRef idx="0">
+            <a:schemeClr val="accent1"/>
+          </a:fillRef>
+          <a:effectRef idx="0">
+            <a:schemeClr val="accent1"/>
+          </a:effectRef>
+          <a:fontRef idx="minor">
+            <a:schemeClr val="tx1"/>
+          </a:fontRef>
+        </p:style>
+      </p:cxnSp>
+      <p:cxnSp>
+        <p:nvCxnSpPr>
+          <p:cNvPr id="26" name="직선 화살표 연결선 25">
+            <a:extLst>
+              <a:ext uri="{FF2B5EF4-FFF2-40B4-BE49-F238E27FC236}">
+                <a16:creationId xmlns:a16="http://schemas.microsoft.com/office/drawing/2014/main" id="{BF9F2AFE-4F0A-4158-B7F2-9E6776DE1781}"/>
+              </a:ext>
+            </a:extLst>
+          </p:cNvPr>
+          <p:cNvCxnSpPr>
+            <a:cxnSpLocks/>
+            <a:stCxn id="7" idx="2"/>
+          </p:cNvCxnSpPr>
+          <p:nvPr/>
+        </p:nvCxnSpPr>
+        <p:spPr>
+          <a:xfrm>
+            <a:off x="9849034" y="5985327"/>
+            <a:ext cx="0" cy="286154"/>
+          </a:xfrm>
+          <a:prstGeom prst="straightConnector1">
+            <a:avLst/>
+          </a:prstGeom>
+          <a:ln w="25400">
+            <a:solidFill>
+              <a:schemeClr val="tx1"/>
+            </a:solidFill>
+            <a:headEnd type="stealth"/>
+            <a:tailEnd type="none"/>
+          </a:ln>
+        </p:spPr>
+        <p:style>
+          <a:lnRef idx="1">
+            <a:schemeClr val="accent1"/>
+          </a:lnRef>
+          <a:fillRef idx="0">
+            <a:schemeClr val="accent1"/>
+          </a:fillRef>
+          <a:effectRef idx="0">
+            <a:schemeClr val="accent1"/>
+          </a:effectRef>
+          <a:fontRef idx="minor">
+            <a:schemeClr val="tx1"/>
+          </a:fontRef>
+        </p:style>
+      </p:cxnSp>
+      <mc:AlternateContent xmlns:mc="http://schemas.openxmlformats.org/markup-compatibility/2006">
+        <mc:Choice xmlns:a14="http://schemas.microsoft.com/office/drawing/2010/main" Requires="a14">
+          <p:sp>
+            <p:nvSpPr>
+              <p:cNvPr id="28" name="TextBox 27">
+                <a:extLst>
+                  <a:ext uri="{FF2B5EF4-FFF2-40B4-BE49-F238E27FC236}">
+                    <a16:creationId xmlns:a16="http://schemas.microsoft.com/office/drawing/2014/main" id="{E8E4532C-C792-4052-92BA-5B0012767B78}"/>
+                  </a:ext>
+                </a:extLst>
+              </p:cNvPr>
+              <p:cNvSpPr txBox="1"/>
+              <p:nvPr/>
+            </p:nvSpPr>
+            <p:spPr>
+              <a:xfrm>
+                <a:off x="7662481" y="6239969"/>
+                <a:ext cx="478164" cy="307777"/>
+              </a:xfrm>
+              <a:prstGeom prst="rect">
+                <a:avLst/>
+              </a:prstGeom>
+              <a:noFill/>
+            </p:spPr>
+            <p:txBody>
+              <a:bodyPr wrap="square" rtlCol="0">
+                <a:spAutoFit/>
+              </a:bodyPr>
+              <a:lstStyle/>
+              <a:p>
+                <a:pPr/>
+                <a14:m>
+                  <m:oMathPara xmlns:m="http://schemas.openxmlformats.org/officeDocument/2006/math">
+                    <m:oMathParaPr>
+                      <m:jc m:val="centerGroup"/>
+                    </m:oMathParaPr>
+                    <m:oMath xmlns:m="http://schemas.openxmlformats.org/officeDocument/2006/math">
+                      <m:r>
+                        <a:rPr lang="en-US" altLang="ko-KR" sz="1400" i="1" dirty="0" smtClean="0">
+                          <a:latin typeface="Cambria Math" panose="02040503050406030204" pitchFamily="18" charset="0"/>
+                        </a:rPr>
+                        <m:t>𝑋</m:t>
+                      </m:r>
+                    </m:oMath>
+                  </m:oMathPara>
+                </a14:m>
+                <a:endParaRPr lang="ko-KR" altLang="en-US" sz="1400" dirty="0"/>
+              </a:p>
+            </p:txBody>
+          </p:sp>
+        </mc:Choice>
+        <mc:Fallback>
+          <p:sp>
+            <p:nvSpPr>
+              <p:cNvPr id="28" name="TextBox 27">
+                <a:extLst>
+                  <a:ext uri="{FF2B5EF4-FFF2-40B4-BE49-F238E27FC236}">
+                    <a16:creationId xmlns:a16="http://schemas.microsoft.com/office/drawing/2014/main" id="{E8E4532C-C792-4052-92BA-5B0012767B78}"/>
+                  </a:ext>
+                </a:extLst>
+              </p:cNvPr>
+              <p:cNvSpPr txBox="1">
+                <a:spLocks noRot="1" noChangeAspect="1" noMove="1" noResize="1" noEditPoints="1" noAdjustHandles="1" noChangeArrowheads="1" noChangeShapeType="1" noTextEdit="1"/>
+              </p:cNvSpPr>
+              <p:nvPr/>
+            </p:nvSpPr>
+            <p:spPr>
+              <a:xfrm>
+                <a:off x="7662481" y="6239969"/>
+                <a:ext cx="478164" cy="307777"/>
+              </a:xfrm>
+              <a:prstGeom prst="rect">
+                <a:avLst/>
+              </a:prstGeom>
+              <a:blipFill>
+                <a:blip r:embed="rId2"/>
+                <a:stretch>
+                  <a:fillRect/>
+                </a:stretch>
+              </a:blipFill>
+            </p:spPr>
+            <p:txBody>
+              <a:bodyPr/>
+              <a:lstStyle/>
+              <a:p>
+                <a:r>
+                  <a:rPr lang="ko-KR" altLang="en-US">
+                    <a:noFill/>
+                  </a:rPr>
+                  <a:t> </a:t>
+                </a:r>
+              </a:p>
+            </p:txBody>
+          </p:sp>
+        </mc:Fallback>
+      </mc:AlternateContent>
+      <mc:AlternateContent xmlns:mc="http://schemas.openxmlformats.org/markup-compatibility/2006" xmlns:a14="http://schemas.microsoft.com/office/drawing/2010/main">
+        <mc:Choice Requires="a14">
+          <p:sp>
+            <p:nvSpPr>
+              <p:cNvPr id="30" name="TextBox 29">
+                <a:extLst>
+                  <a:ext uri="{FF2B5EF4-FFF2-40B4-BE49-F238E27FC236}">
+                    <a16:creationId xmlns:a16="http://schemas.microsoft.com/office/drawing/2014/main" id="{B132E278-11D5-40DA-B588-51B62FC68AC2}"/>
+                  </a:ext>
+                </a:extLst>
+              </p:cNvPr>
+              <p:cNvSpPr txBox="1"/>
+              <p:nvPr/>
+            </p:nvSpPr>
+            <p:spPr>
+              <a:xfrm>
+                <a:off x="9175879" y="6259925"/>
+                <a:ext cx="1525683" cy="307777"/>
+              </a:xfrm>
+              <a:prstGeom prst="rect">
+                <a:avLst/>
+              </a:prstGeom>
+              <a:noFill/>
+            </p:spPr>
+            <p:txBody>
+              <a:bodyPr wrap="square" rtlCol="0">
+                <a:spAutoFit/>
+              </a:bodyPr>
+              <a:lstStyle/>
+              <a:p>
+                <a:r>
+                  <a:rPr lang="en-US" altLang="ko-KR" sz="1400" b="0" dirty="0"/>
+                  <a:t> </a:t>
+                </a:r>
+                <a14:m>
+                  <m:oMath xmlns:m="http://schemas.openxmlformats.org/officeDocument/2006/math">
+                    <m:r>
+                      <a:rPr lang="en-US" altLang="ko-KR" sz="1400" b="0" i="1" smtClean="0">
+                        <a:latin typeface="Cambria Math" panose="02040503050406030204" pitchFamily="18" charset="0"/>
+                      </a:rPr>
+                      <m:t>𝑌</m:t>
+                    </m:r>
+                    <m:r>
+                      <m:rPr>
+                        <m:nor/>
+                      </m:rPr>
+                      <a:rPr lang="en-US" altLang="ko-KR" sz="1400" dirty="0"/>
+                      <m:t>(</m:t>
+                    </m:r>
+                    <m:r>
+                      <m:rPr>
+                        <m:nor/>
+                      </m:rPr>
+                      <a:rPr lang="en-US" altLang="ko-KR" sz="1400" dirty="0"/>
+                      <m:t>shifted</m:t>
+                    </m:r>
+                    <m:r>
+                      <m:rPr>
+                        <m:nor/>
+                      </m:rPr>
+                      <a:rPr lang="en-US" altLang="ko-KR" sz="1400" dirty="0"/>
+                      <m:t> </m:t>
+                    </m:r>
+                    <m:r>
+                      <m:rPr>
+                        <m:nor/>
+                      </m:rPr>
+                      <a:rPr lang="en-US" altLang="ko-KR" sz="1400" dirty="0"/>
+                      <m:t>right</m:t>
+                    </m:r>
+                    <m:r>
+                      <m:rPr>
+                        <m:nor/>
+                      </m:rPr>
+                      <a:rPr lang="en-US" altLang="ko-KR" sz="1400" dirty="0"/>
+                      <m:t>)</m:t>
+                    </m:r>
+                  </m:oMath>
+                </a14:m>
+                <a:endParaRPr lang="ko-KR" altLang="en-US" sz="1400" dirty="0"/>
+              </a:p>
+            </p:txBody>
+          </p:sp>
+        </mc:Choice>
+        <mc:Fallback xmlns="">
+          <p:sp>
+            <p:nvSpPr>
+              <p:cNvPr id="30" name="TextBox 29">
+                <a:extLst>
+                  <a:ext uri="{FF2B5EF4-FFF2-40B4-BE49-F238E27FC236}">
+                    <a16:creationId xmlns:a16="http://schemas.microsoft.com/office/drawing/2014/main" id="{B132E278-11D5-40DA-B588-51B62FC68AC2}"/>
+                  </a:ext>
+                </a:extLst>
+              </p:cNvPr>
+              <p:cNvSpPr txBox="1">
+                <a:spLocks noRot="1" noChangeAspect="1" noMove="1" noResize="1" noEditPoints="1" noAdjustHandles="1" noChangeArrowheads="1" noChangeShapeType="1" noTextEdit="1"/>
+              </p:cNvSpPr>
+              <p:nvPr/>
+            </p:nvSpPr>
+            <p:spPr>
+              <a:xfrm>
+                <a:off x="9175879" y="6259925"/>
+                <a:ext cx="1525683" cy="307777"/>
+              </a:xfrm>
+              <a:prstGeom prst="rect">
+                <a:avLst/>
+              </a:prstGeom>
+              <a:blipFill>
+                <a:blip r:embed="rId3"/>
+                <a:stretch>
+                  <a:fillRect b="-14000"/>
                 </a:stretch>
               </a:blipFill>
             </p:spPr>
@@ -8665,10 +9229,10 @@
       </mc:AlternateContent>
       <p:sp>
         <p:nvSpPr>
-          <p:cNvPr id="169" name="사각형: 둥근 모서리 168">
-            <a:extLst>
-              <a:ext uri="{FF2B5EF4-FFF2-40B4-BE49-F238E27FC236}">
-                <a16:creationId xmlns:a16="http://schemas.microsoft.com/office/drawing/2014/main" id="{5A06CFAA-EB8C-49A1-969B-22124B1AC208}"/>
+          <p:cNvPr id="31" name="사각형: 둥근 모서리 30">
+            <a:extLst>
+              <a:ext uri="{FF2B5EF4-FFF2-40B4-BE49-F238E27FC236}">
+                <a16:creationId xmlns:a16="http://schemas.microsoft.com/office/drawing/2014/main" id="{37531404-96B4-4CDD-BA40-EA6246BCDF5F}"/>
               </a:ext>
             </a:extLst>
           </p:cNvPr>
@@ -8677,12 +9241,24 @@
         </p:nvSpPr>
         <p:spPr>
           <a:xfrm>
-            <a:off x="976348" y="1464245"/>
-            <a:ext cx="2018070" cy="502836"/>
+            <a:off x="5412424" y="4314150"/>
+            <a:ext cx="1525695" cy="890667"/>
           </a:xfrm>
           <a:prstGeom prst="roundRect">
-            <a:avLst/>
+            <a:avLst>
+              <a:gd name="adj" fmla="val 9190"/>
+            </a:avLst>
           </a:prstGeom>
+          <a:solidFill>
+            <a:schemeClr val="bg1">
+              <a:lumMod val="95000"/>
+            </a:schemeClr>
+          </a:solidFill>
+          <a:ln>
+            <a:solidFill>
+              <a:schemeClr val="tx1"/>
+            </a:solidFill>
+          </a:ln>
         </p:spPr>
         <p:style>
           <a:lnRef idx="2">
@@ -8706,35 +9282,4595 @@
           <a:p>
             <a:pPr algn="ctr"/>
             <a:r>
-              <a:rPr lang="en-US" altLang="ko-KR" b="1" dirty="0"/>
-              <a:t>ROUGE_SCORE</a:t>
+              <a:rPr lang="en-US" altLang="ko-KR" sz="2400" b="1" dirty="0">
+                <a:solidFill>
+                  <a:sysClr val="windowText" lastClr="000000"/>
+                </a:solidFill>
+              </a:rPr>
+              <a:t>Encoder</a:t>
             </a:r>
-            <a:endParaRPr lang="ko-KR" altLang="en-US" b="1" dirty="0"/>
+          </a:p>
+        </p:txBody>
+      </p:sp>
+      <p:sp>
+        <p:nvSpPr>
+          <p:cNvPr id="47" name="사각형: 둥근 모서리 46">
+            <a:extLst>
+              <a:ext uri="{FF2B5EF4-FFF2-40B4-BE49-F238E27FC236}">
+                <a16:creationId xmlns:a16="http://schemas.microsoft.com/office/drawing/2014/main" id="{B614370B-2978-4217-8D4A-664509E5DA23}"/>
+              </a:ext>
+            </a:extLst>
+          </p:cNvPr>
+          <p:cNvSpPr/>
+          <p:nvPr/>
+        </p:nvSpPr>
+        <p:spPr>
+          <a:xfrm>
+            <a:off x="9091400" y="1764256"/>
+            <a:ext cx="1525695" cy="3335804"/>
+          </a:xfrm>
+          <a:prstGeom prst="roundRect">
+            <a:avLst>
+              <a:gd name="adj" fmla="val 9190"/>
+            </a:avLst>
+          </a:prstGeom>
+          <a:solidFill>
+            <a:schemeClr val="bg1">
+              <a:lumMod val="95000"/>
+            </a:schemeClr>
+          </a:solidFill>
+          <a:ln>
+            <a:solidFill>
+              <a:schemeClr val="tx1"/>
+            </a:solidFill>
+          </a:ln>
+        </p:spPr>
+        <p:style>
+          <a:lnRef idx="2">
+            <a:schemeClr val="accent1">
+              <a:shade val="50000"/>
+            </a:schemeClr>
+          </a:lnRef>
+          <a:fillRef idx="1">
+            <a:schemeClr val="accent1"/>
+          </a:fillRef>
+          <a:effectRef idx="0">
+            <a:schemeClr val="accent1"/>
+          </a:effectRef>
+          <a:fontRef idx="minor">
+            <a:schemeClr val="lt1"/>
+          </a:fontRef>
+        </p:style>
+        <p:txBody>
+          <a:bodyPr rtlCol="0" anchor="ctr"/>
+          <a:lstStyle/>
+          <a:p>
+            <a:pPr algn="ctr"/>
+            <a:endParaRPr lang="en-US" altLang="ko-KR" sz="1200" dirty="0">
+              <a:solidFill>
+                <a:sysClr val="windowText" lastClr="000000"/>
+              </a:solidFill>
+            </a:endParaRPr>
           </a:p>
         </p:txBody>
       </p:sp>
       <p:cxnSp>
         <p:nvCxnSpPr>
-          <p:cNvPr id="170" name="연결선: 꺾임 169">
-            <a:extLst>
-              <a:ext uri="{FF2B5EF4-FFF2-40B4-BE49-F238E27FC236}">
-                <a16:creationId xmlns:a16="http://schemas.microsoft.com/office/drawing/2014/main" id="{8448D3BD-78A3-4366-ABE1-98E9DB7CD961}"/>
+          <p:cNvPr id="48" name="직선 화살표 연결선 47">
+            <a:extLst>
+              <a:ext uri="{FF2B5EF4-FFF2-40B4-BE49-F238E27FC236}">
+                <a16:creationId xmlns:a16="http://schemas.microsoft.com/office/drawing/2014/main" id="{0B678EE3-D893-437D-9611-E771DF28FA63}"/>
               </a:ext>
             </a:extLst>
           </p:cNvPr>
           <p:cNvCxnSpPr>
             <a:cxnSpLocks/>
-            <a:stCxn id="4" idx="1"/>
-            <a:endCxn id="169" idx="2"/>
           </p:cNvCxnSpPr>
           <p:nvPr/>
         </p:nvCxnSpPr>
         <p:spPr>
-          <a:xfrm rot="10800000">
-            <a:off x="1985383" y="1967081"/>
-            <a:ext cx="3672584" cy="3818752"/>
+          <a:xfrm flipH="1">
+            <a:off x="9849035" y="3672210"/>
+            <a:ext cx="316892" cy="447548"/>
+          </a:xfrm>
+          <a:prstGeom prst="straightConnector1">
+            <a:avLst/>
+          </a:prstGeom>
+          <a:ln w="25400">
+            <a:solidFill>
+              <a:schemeClr val="tx1"/>
+            </a:solidFill>
+            <a:headEnd type="stealth"/>
+            <a:tailEnd type="none"/>
+          </a:ln>
+        </p:spPr>
+        <p:style>
+          <a:lnRef idx="1">
+            <a:schemeClr val="accent1"/>
+          </a:lnRef>
+          <a:fillRef idx="0">
+            <a:schemeClr val="accent1"/>
+          </a:fillRef>
+          <a:effectRef idx="0">
+            <a:schemeClr val="accent1"/>
+          </a:effectRef>
+          <a:fontRef idx="minor">
+            <a:schemeClr val="tx1"/>
+          </a:fontRef>
+        </p:style>
+      </p:cxnSp>
+      <p:sp>
+        <p:nvSpPr>
+          <p:cNvPr id="49" name="사각형: 둥근 모서리 48">
+            <a:extLst>
+              <a:ext uri="{FF2B5EF4-FFF2-40B4-BE49-F238E27FC236}">
+                <a16:creationId xmlns:a16="http://schemas.microsoft.com/office/drawing/2014/main" id="{ABF60048-C6B8-4CF4-BAA0-329E6581EF8B}"/>
+              </a:ext>
+            </a:extLst>
+          </p:cNvPr>
+          <p:cNvSpPr/>
+          <p:nvPr/>
+        </p:nvSpPr>
+        <p:spPr>
+          <a:xfrm>
+            <a:off x="9328114" y="3246007"/>
+            <a:ext cx="1052264" cy="426203"/>
+          </a:xfrm>
+          <a:prstGeom prst="roundRect">
+            <a:avLst>
+              <a:gd name="adj" fmla="val 9190"/>
+            </a:avLst>
+          </a:prstGeom>
+          <a:solidFill>
+            <a:schemeClr val="accent4">
+              <a:lumMod val="40000"/>
+              <a:lumOff val="60000"/>
+            </a:schemeClr>
+          </a:solidFill>
+          <a:ln>
+            <a:solidFill>
+              <a:schemeClr val="tx1"/>
+            </a:solidFill>
+          </a:ln>
+        </p:spPr>
+        <p:style>
+          <a:lnRef idx="2">
+            <a:schemeClr val="accent1">
+              <a:shade val="50000"/>
+            </a:schemeClr>
+          </a:lnRef>
+          <a:fillRef idx="1">
+            <a:schemeClr val="accent1"/>
+          </a:fillRef>
+          <a:effectRef idx="0">
+            <a:schemeClr val="accent1"/>
+          </a:effectRef>
+          <a:fontRef idx="minor">
+            <a:schemeClr val="lt1"/>
+          </a:fontRef>
+        </p:style>
+        <p:txBody>
+          <a:bodyPr rtlCol="0" anchor="ctr"/>
+          <a:lstStyle/>
+          <a:p>
+            <a:pPr algn="ctr"/>
+            <a:r>
+              <a:rPr lang="en-US" altLang="ko-KR" sz="1200" dirty="0">
+                <a:solidFill>
+                  <a:sysClr val="windowText" lastClr="000000"/>
+                </a:solidFill>
+              </a:rPr>
+              <a:t>Multi-Head</a:t>
+            </a:r>
+            <a:br>
+              <a:rPr lang="en-US" altLang="ko-KR" sz="1200" dirty="0">
+                <a:solidFill>
+                  <a:sysClr val="windowText" lastClr="000000"/>
+                </a:solidFill>
+              </a:rPr>
+            </a:br>
+            <a:r>
+              <a:rPr lang="en-US" altLang="ko-KR" sz="1200" dirty="0">
+                <a:solidFill>
+                  <a:sysClr val="windowText" lastClr="000000"/>
+                </a:solidFill>
+              </a:rPr>
+              <a:t>Attention</a:t>
+            </a:r>
+            <a:endParaRPr lang="ko-KR" altLang="en-US" sz="1200" dirty="0">
+              <a:solidFill>
+                <a:sysClr val="windowText" lastClr="000000"/>
+              </a:solidFill>
+            </a:endParaRPr>
+          </a:p>
+        </p:txBody>
+      </p:sp>
+      <p:sp>
+        <p:nvSpPr>
+          <p:cNvPr id="50" name="사각형: 둥근 모서리 49">
+            <a:extLst>
+              <a:ext uri="{FF2B5EF4-FFF2-40B4-BE49-F238E27FC236}">
+                <a16:creationId xmlns:a16="http://schemas.microsoft.com/office/drawing/2014/main" id="{5E990CA2-D0A8-456C-98F6-E1F7D40CF669}"/>
+              </a:ext>
+            </a:extLst>
+          </p:cNvPr>
+          <p:cNvSpPr/>
+          <p:nvPr/>
+        </p:nvSpPr>
+        <p:spPr>
+          <a:xfrm>
+            <a:off x="9328114" y="2926165"/>
+            <a:ext cx="1052264" cy="238381"/>
+          </a:xfrm>
+          <a:prstGeom prst="roundRect">
+            <a:avLst>
+              <a:gd name="adj" fmla="val 9190"/>
+            </a:avLst>
+          </a:prstGeom>
+          <a:solidFill>
+            <a:srgbClr val="FFFFB3"/>
+          </a:solidFill>
+          <a:ln>
+            <a:solidFill>
+              <a:schemeClr val="tx1"/>
+            </a:solidFill>
+          </a:ln>
+        </p:spPr>
+        <p:style>
+          <a:lnRef idx="2">
+            <a:schemeClr val="accent1">
+              <a:shade val="50000"/>
+            </a:schemeClr>
+          </a:lnRef>
+          <a:fillRef idx="1">
+            <a:schemeClr val="accent1"/>
+          </a:fillRef>
+          <a:effectRef idx="0">
+            <a:schemeClr val="accent1"/>
+          </a:effectRef>
+          <a:fontRef idx="minor">
+            <a:schemeClr val="lt1"/>
+          </a:fontRef>
+        </p:style>
+        <p:txBody>
+          <a:bodyPr rtlCol="0" anchor="ctr"/>
+          <a:lstStyle/>
+          <a:p>
+            <a:pPr algn="ctr"/>
+            <a:r>
+              <a:rPr lang="en-US" altLang="ko-KR" sz="1100" dirty="0">
+                <a:solidFill>
+                  <a:sysClr val="windowText" lastClr="000000"/>
+                </a:solidFill>
+              </a:rPr>
+              <a:t>Add &amp; Norm</a:t>
+            </a:r>
+            <a:endParaRPr lang="ko-KR" altLang="en-US" sz="1100" dirty="0">
+              <a:solidFill>
+                <a:sysClr val="windowText" lastClr="000000"/>
+              </a:solidFill>
+            </a:endParaRPr>
+          </a:p>
+        </p:txBody>
+      </p:sp>
+      <p:sp>
+        <p:nvSpPr>
+          <p:cNvPr id="51" name="사각형: 둥근 모서리 50">
+            <a:extLst>
+              <a:ext uri="{FF2B5EF4-FFF2-40B4-BE49-F238E27FC236}">
+                <a16:creationId xmlns:a16="http://schemas.microsoft.com/office/drawing/2014/main" id="{8B895E2E-CB0C-427B-9C28-7DA6B2F1AD56}"/>
+              </a:ext>
+            </a:extLst>
+          </p:cNvPr>
+          <p:cNvSpPr/>
+          <p:nvPr/>
+        </p:nvSpPr>
+        <p:spPr>
+          <a:xfrm>
+            <a:off x="9328114" y="2194497"/>
+            <a:ext cx="1052264" cy="426203"/>
+          </a:xfrm>
+          <a:prstGeom prst="roundRect">
+            <a:avLst>
+              <a:gd name="adj" fmla="val 9190"/>
+            </a:avLst>
+          </a:prstGeom>
+          <a:solidFill>
+            <a:schemeClr val="accent6">
+              <a:lumMod val="20000"/>
+              <a:lumOff val="80000"/>
+            </a:schemeClr>
+          </a:solidFill>
+          <a:ln>
+            <a:solidFill>
+              <a:schemeClr val="tx1"/>
+            </a:solidFill>
+          </a:ln>
+        </p:spPr>
+        <p:style>
+          <a:lnRef idx="2">
+            <a:schemeClr val="accent1">
+              <a:shade val="50000"/>
+            </a:schemeClr>
+          </a:lnRef>
+          <a:fillRef idx="1">
+            <a:schemeClr val="accent1"/>
+          </a:fillRef>
+          <a:effectRef idx="0">
+            <a:schemeClr val="accent1"/>
+          </a:effectRef>
+          <a:fontRef idx="minor">
+            <a:schemeClr val="lt1"/>
+          </a:fontRef>
+        </p:style>
+        <p:txBody>
+          <a:bodyPr rtlCol="0" anchor="ctr"/>
+          <a:lstStyle/>
+          <a:p>
+            <a:pPr algn="ctr"/>
+            <a:r>
+              <a:rPr lang="en-US" altLang="ko-KR" sz="1200" dirty="0">
+                <a:solidFill>
+                  <a:sysClr val="windowText" lastClr="000000"/>
+                </a:solidFill>
+              </a:rPr>
+              <a:t>Feed</a:t>
+            </a:r>
+            <a:br>
+              <a:rPr lang="en-US" altLang="ko-KR" sz="1200" dirty="0">
+                <a:solidFill>
+                  <a:sysClr val="windowText" lastClr="000000"/>
+                </a:solidFill>
+              </a:rPr>
+            </a:br>
+            <a:r>
+              <a:rPr lang="en-US" altLang="ko-KR" sz="1200" dirty="0">
+                <a:solidFill>
+                  <a:sysClr val="windowText" lastClr="000000"/>
+                </a:solidFill>
+              </a:rPr>
+              <a:t>Forward</a:t>
+            </a:r>
+            <a:endParaRPr lang="ko-KR" altLang="en-US" sz="1200" dirty="0">
+              <a:solidFill>
+                <a:sysClr val="windowText" lastClr="000000"/>
+              </a:solidFill>
+            </a:endParaRPr>
+          </a:p>
+        </p:txBody>
+      </p:sp>
+      <p:sp>
+        <p:nvSpPr>
+          <p:cNvPr id="52" name="사각형: 둥근 모서리 51">
+            <a:extLst>
+              <a:ext uri="{FF2B5EF4-FFF2-40B4-BE49-F238E27FC236}">
+                <a16:creationId xmlns:a16="http://schemas.microsoft.com/office/drawing/2014/main" id="{8F4AF24E-4D18-4183-8904-83CD80E3419C}"/>
+              </a:ext>
+            </a:extLst>
+          </p:cNvPr>
+          <p:cNvSpPr/>
+          <p:nvPr/>
+        </p:nvSpPr>
+        <p:spPr>
+          <a:xfrm>
+            <a:off x="9328114" y="1901838"/>
+            <a:ext cx="1052264" cy="238381"/>
+          </a:xfrm>
+          <a:prstGeom prst="roundRect">
+            <a:avLst>
+              <a:gd name="adj" fmla="val 9190"/>
+            </a:avLst>
+          </a:prstGeom>
+          <a:solidFill>
+            <a:srgbClr val="FFFFB3"/>
+          </a:solidFill>
+          <a:ln>
+            <a:solidFill>
+              <a:schemeClr val="tx1"/>
+            </a:solidFill>
+          </a:ln>
+        </p:spPr>
+        <p:style>
+          <a:lnRef idx="2">
+            <a:schemeClr val="accent1">
+              <a:shade val="50000"/>
+            </a:schemeClr>
+          </a:lnRef>
+          <a:fillRef idx="1">
+            <a:schemeClr val="accent1"/>
+          </a:fillRef>
+          <a:effectRef idx="0">
+            <a:schemeClr val="accent1"/>
+          </a:effectRef>
+          <a:fontRef idx="minor">
+            <a:schemeClr val="lt1"/>
+          </a:fontRef>
+        </p:style>
+        <p:txBody>
+          <a:bodyPr rtlCol="0" anchor="ctr"/>
+          <a:lstStyle/>
+          <a:p>
+            <a:pPr algn="ctr"/>
+            <a:r>
+              <a:rPr lang="en-US" altLang="ko-KR" sz="1100" dirty="0">
+                <a:solidFill>
+                  <a:sysClr val="windowText" lastClr="000000"/>
+                </a:solidFill>
+              </a:rPr>
+              <a:t>Add &amp; Norm</a:t>
+            </a:r>
+            <a:endParaRPr lang="ko-KR" altLang="en-US" sz="1100" dirty="0">
+              <a:solidFill>
+                <a:sysClr val="windowText" lastClr="000000"/>
+              </a:solidFill>
+            </a:endParaRPr>
+          </a:p>
+        </p:txBody>
+      </p:sp>
+      <p:sp>
+        <p:nvSpPr>
+          <p:cNvPr id="53" name="사각형: 둥근 모서리 52">
+            <a:extLst>
+              <a:ext uri="{FF2B5EF4-FFF2-40B4-BE49-F238E27FC236}">
+                <a16:creationId xmlns:a16="http://schemas.microsoft.com/office/drawing/2014/main" id="{0FDD566D-E155-4833-8CB2-C6BED1CF8976}"/>
+              </a:ext>
+            </a:extLst>
+          </p:cNvPr>
+          <p:cNvSpPr/>
+          <p:nvPr/>
+        </p:nvSpPr>
+        <p:spPr>
+          <a:xfrm>
+            <a:off x="9322902" y="4373729"/>
+            <a:ext cx="1052264" cy="575244"/>
+          </a:xfrm>
+          <a:prstGeom prst="roundRect">
+            <a:avLst>
+              <a:gd name="adj" fmla="val 9190"/>
+            </a:avLst>
+          </a:prstGeom>
+          <a:solidFill>
+            <a:schemeClr val="accent4">
+              <a:lumMod val="40000"/>
+              <a:lumOff val="60000"/>
+            </a:schemeClr>
+          </a:solidFill>
+          <a:ln>
+            <a:solidFill>
+              <a:schemeClr val="tx1"/>
+            </a:solidFill>
+          </a:ln>
+        </p:spPr>
+        <p:style>
+          <a:lnRef idx="2">
+            <a:schemeClr val="accent1">
+              <a:shade val="50000"/>
+            </a:schemeClr>
+          </a:lnRef>
+          <a:fillRef idx="1">
+            <a:schemeClr val="accent1"/>
+          </a:fillRef>
+          <a:effectRef idx="0">
+            <a:schemeClr val="accent1"/>
+          </a:effectRef>
+          <a:fontRef idx="minor">
+            <a:schemeClr val="lt1"/>
+          </a:fontRef>
+        </p:style>
+        <p:txBody>
+          <a:bodyPr rtlCol="0" anchor="ctr"/>
+          <a:lstStyle/>
+          <a:p>
+            <a:pPr algn="ctr"/>
+            <a:r>
+              <a:rPr lang="en-US" altLang="ko-KR" sz="1200" dirty="0">
+                <a:solidFill>
+                  <a:sysClr val="windowText" lastClr="000000"/>
+                </a:solidFill>
+              </a:rPr>
+              <a:t>Masked</a:t>
+            </a:r>
+            <a:br>
+              <a:rPr lang="en-US" altLang="ko-KR" sz="1200" dirty="0">
+                <a:solidFill>
+                  <a:sysClr val="windowText" lastClr="000000"/>
+                </a:solidFill>
+              </a:rPr>
+            </a:br>
+            <a:r>
+              <a:rPr lang="en-US" altLang="ko-KR" sz="1200" dirty="0">
+                <a:solidFill>
+                  <a:sysClr val="windowText" lastClr="000000"/>
+                </a:solidFill>
+              </a:rPr>
+              <a:t>Multi-Head</a:t>
+            </a:r>
+            <a:br>
+              <a:rPr lang="en-US" altLang="ko-KR" sz="1200" dirty="0">
+                <a:solidFill>
+                  <a:sysClr val="windowText" lastClr="000000"/>
+                </a:solidFill>
+              </a:rPr>
+            </a:br>
+            <a:r>
+              <a:rPr lang="en-US" altLang="ko-KR" sz="1200" dirty="0">
+                <a:solidFill>
+                  <a:sysClr val="windowText" lastClr="000000"/>
+                </a:solidFill>
+              </a:rPr>
+              <a:t>Attention</a:t>
+            </a:r>
+            <a:endParaRPr lang="ko-KR" altLang="en-US" sz="1200" dirty="0">
+              <a:solidFill>
+                <a:sysClr val="windowText" lastClr="000000"/>
+              </a:solidFill>
+            </a:endParaRPr>
+          </a:p>
+        </p:txBody>
+      </p:sp>
+      <p:sp>
+        <p:nvSpPr>
+          <p:cNvPr id="54" name="사각형: 둥근 모서리 53">
+            <a:extLst>
+              <a:ext uri="{FF2B5EF4-FFF2-40B4-BE49-F238E27FC236}">
+                <a16:creationId xmlns:a16="http://schemas.microsoft.com/office/drawing/2014/main" id="{DF841894-D537-4144-8E53-1132727B6AC2}"/>
+              </a:ext>
+            </a:extLst>
+          </p:cNvPr>
+          <p:cNvSpPr/>
+          <p:nvPr/>
+        </p:nvSpPr>
+        <p:spPr>
+          <a:xfrm>
+            <a:off x="9322902" y="4083737"/>
+            <a:ext cx="1052264" cy="238381"/>
+          </a:xfrm>
+          <a:prstGeom prst="roundRect">
+            <a:avLst>
+              <a:gd name="adj" fmla="val 9190"/>
+            </a:avLst>
+          </a:prstGeom>
+          <a:solidFill>
+            <a:srgbClr val="FFFFB3"/>
+          </a:solidFill>
+          <a:ln>
+            <a:solidFill>
+              <a:schemeClr val="tx1"/>
+            </a:solidFill>
+          </a:ln>
+        </p:spPr>
+        <p:style>
+          <a:lnRef idx="2">
+            <a:schemeClr val="accent1">
+              <a:shade val="50000"/>
+            </a:schemeClr>
+          </a:lnRef>
+          <a:fillRef idx="1">
+            <a:schemeClr val="accent1"/>
+          </a:fillRef>
+          <a:effectRef idx="0">
+            <a:schemeClr val="accent1"/>
+          </a:effectRef>
+          <a:fontRef idx="minor">
+            <a:schemeClr val="lt1"/>
+          </a:fontRef>
+        </p:style>
+        <p:txBody>
+          <a:bodyPr rtlCol="0" anchor="ctr"/>
+          <a:lstStyle/>
+          <a:p>
+            <a:pPr algn="ctr"/>
+            <a:r>
+              <a:rPr lang="en-US" altLang="ko-KR" sz="1100" dirty="0">
+                <a:solidFill>
+                  <a:sysClr val="windowText" lastClr="000000"/>
+                </a:solidFill>
+              </a:rPr>
+              <a:t>Add &amp; Norm</a:t>
+            </a:r>
+            <a:endParaRPr lang="ko-KR" altLang="en-US" sz="1100" dirty="0">
+              <a:solidFill>
+                <a:sysClr val="windowText" lastClr="000000"/>
+              </a:solidFill>
+            </a:endParaRPr>
+          </a:p>
+        </p:txBody>
+      </p:sp>
+      <p:cxnSp>
+        <p:nvCxnSpPr>
+          <p:cNvPr id="56" name="직선 화살표 연결선 55">
+            <a:extLst>
+              <a:ext uri="{FF2B5EF4-FFF2-40B4-BE49-F238E27FC236}">
+                <a16:creationId xmlns:a16="http://schemas.microsoft.com/office/drawing/2014/main" id="{E23006A5-DAAF-4606-A8AC-3E7E8907FE7F}"/>
+              </a:ext>
+            </a:extLst>
+          </p:cNvPr>
+          <p:cNvCxnSpPr>
+            <a:cxnSpLocks/>
+            <a:endCxn id="47" idx="0"/>
+          </p:cNvCxnSpPr>
+          <p:nvPr/>
+        </p:nvCxnSpPr>
+        <p:spPr>
+          <a:xfrm>
+            <a:off x="9854247" y="1522015"/>
+            <a:ext cx="0" cy="242241"/>
+          </a:xfrm>
+          <a:prstGeom prst="straightConnector1">
+            <a:avLst/>
+          </a:prstGeom>
+          <a:ln w="25400">
+            <a:solidFill>
+              <a:schemeClr val="tx1"/>
+            </a:solidFill>
+            <a:headEnd type="stealth"/>
+            <a:tailEnd type="none"/>
+          </a:ln>
+        </p:spPr>
+        <p:style>
+          <a:lnRef idx="1">
+            <a:schemeClr val="accent1"/>
+          </a:lnRef>
+          <a:fillRef idx="0">
+            <a:schemeClr val="accent1"/>
+          </a:fillRef>
+          <a:effectRef idx="0">
+            <a:schemeClr val="accent1"/>
+          </a:effectRef>
+          <a:fontRef idx="minor">
+            <a:schemeClr val="tx1"/>
+          </a:fontRef>
+        </p:style>
+      </p:cxnSp>
+      <p:sp>
+        <p:nvSpPr>
+          <p:cNvPr id="59" name="사각형: 둥근 모서리 58">
+            <a:extLst>
+              <a:ext uri="{FF2B5EF4-FFF2-40B4-BE49-F238E27FC236}">
+                <a16:creationId xmlns:a16="http://schemas.microsoft.com/office/drawing/2014/main" id="{7B4079FB-92DE-4DD6-904D-11BEC3C36CC5}"/>
+              </a:ext>
+            </a:extLst>
+          </p:cNvPr>
+          <p:cNvSpPr/>
+          <p:nvPr/>
+        </p:nvSpPr>
+        <p:spPr>
+          <a:xfrm>
+            <a:off x="9366423" y="1285564"/>
+            <a:ext cx="1052264" cy="238381"/>
+          </a:xfrm>
+          <a:prstGeom prst="roundRect">
+            <a:avLst>
+              <a:gd name="adj" fmla="val 9190"/>
+            </a:avLst>
+          </a:prstGeom>
+          <a:solidFill>
+            <a:schemeClr val="accent5">
+              <a:lumMod val="60000"/>
+              <a:lumOff val="40000"/>
+            </a:schemeClr>
+          </a:solidFill>
+          <a:ln>
+            <a:solidFill>
+              <a:schemeClr val="tx1"/>
+            </a:solidFill>
+          </a:ln>
+        </p:spPr>
+        <p:style>
+          <a:lnRef idx="2">
+            <a:schemeClr val="accent1">
+              <a:shade val="50000"/>
+            </a:schemeClr>
+          </a:lnRef>
+          <a:fillRef idx="1">
+            <a:schemeClr val="accent1"/>
+          </a:fillRef>
+          <a:effectRef idx="0">
+            <a:schemeClr val="accent1"/>
+          </a:effectRef>
+          <a:fontRef idx="minor">
+            <a:schemeClr val="lt1"/>
+          </a:fontRef>
+        </p:style>
+        <p:txBody>
+          <a:bodyPr rtlCol="0" anchor="ctr"/>
+          <a:lstStyle/>
+          <a:p>
+            <a:pPr algn="ctr"/>
+            <a:r>
+              <a:rPr lang="en-US" altLang="ko-KR" sz="1100" dirty="0">
+                <a:solidFill>
+                  <a:sysClr val="windowText" lastClr="000000"/>
+                </a:solidFill>
+              </a:rPr>
+              <a:t>Linear</a:t>
+            </a:r>
+            <a:endParaRPr lang="ko-KR" altLang="en-US" sz="1100" dirty="0">
+              <a:solidFill>
+                <a:sysClr val="windowText" lastClr="000000"/>
+              </a:solidFill>
+            </a:endParaRPr>
+          </a:p>
+        </p:txBody>
+      </p:sp>
+      <p:sp>
+        <p:nvSpPr>
+          <p:cNvPr id="60" name="사각형: 둥근 모서리 59">
+            <a:extLst>
+              <a:ext uri="{FF2B5EF4-FFF2-40B4-BE49-F238E27FC236}">
+                <a16:creationId xmlns:a16="http://schemas.microsoft.com/office/drawing/2014/main" id="{4717E522-04C8-40C9-983F-CFCE28964ADE}"/>
+              </a:ext>
+            </a:extLst>
+          </p:cNvPr>
+          <p:cNvSpPr/>
+          <p:nvPr/>
+        </p:nvSpPr>
+        <p:spPr>
+          <a:xfrm>
+            <a:off x="9365783" y="752497"/>
+            <a:ext cx="1052264" cy="238381"/>
+          </a:xfrm>
+          <a:prstGeom prst="roundRect">
+            <a:avLst>
+              <a:gd name="adj" fmla="val 9190"/>
+            </a:avLst>
+          </a:prstGeom>
+          <a:solidFill>
+            <a:schemeClr val="accent5">
+              <a:lumMod val="20000"/>
+              <a:lumOff val="80000"/>
+            </a:schemeClr>
+          </a:solidFill>
+          <a:ln>
+            <a:solidFill>
+              <a:schemeClr val="tx1"/>
+            </a:solidFill>
+          </a:ln>
+        </p:spPr>
+        <p:style>
+          <a:lnRef idx="2">
+            <a:schemeClr val="accent1">
+              <a:shade val="50000"/>
+            </a:schemeClr>
+          </a:lnRef>
+          <a:fillRef idx="1">
+            <a:schemeClr val="accent1"/>
+          </a:fillRef>
+          <a:effectRef idx="0">
+            <a:schemeClr val="accent1"/>
+          </a:effectRef>
+          <a:fontRef idx="minor">
+            <a:schemeClr val="lt1"/>
+          </a:fontRef>
+        </p:style>
+        <p:txBody>
+          <a:bodyPr rtlCol="0" anchor="ctr"/>
+          <a:lstStyle/>
+          <a:p>
+            <a:pPr algn="ctr"/>
+            <a:r>
+              <a:rPr lang="en-US" altLang="ko-KR" sz="1100" dirty="0" err="1">
+                <a:solidFill>
+                  <a:sysClr val="windowText" lastClr="000000"/>
+                </a:solidFill>
+              </a:rPr>
+              <a:t>Softmax</a:t>
+            </a:r>
+            <a:endParaRPr lang="ko-KR" altLang="en-US" sz="1100" dirty="0">
+              <a:solidFill>
+                <a:sysClr val="windowText" lastClr="000000"/>
+              </a:solidFill>
+            </a:endParaRPr>
+          </a:p>
+        </p:txBody>
+      </p:sp>
+      <p:cxnSp>
+        <p:nvCxnSpPr>
+          <p:cNvPr id="61" name="직선 화살표 연결선 60">
+            <a:extLst>
+              <a:ext uri="{FF2B5EF4-FFF2-40B4-BE49-F238E27FC236}">
+                <a16:creationId xmlns:a16="http://schemas.microsoft.com/office/drawing/2014/main" id="{93838429-AB87-4CA8-9B03-966E0AEF97C8}"/>
+              </a:ext>
+            </a:extLst>
+          </p:cNvPr>
+          <p:cNvCxnSpPr>
+            <a:cxnSpLocks/>
+          </p:cNvCxnSpPr>
+          <p:nvPr/>
+        </p:nvCxnSpPr>
+        <p:spPr>
+          <a:xfrm>
+            <a:off x="9891915" y="1043323"/>
+            <a:ext cx="0" cy="242241"/>
+          </a:xfrm>
+          <a:prstGeom prst="straightConnector1">
+            <a:avLst/>
+          </a:prstGeom>
+          <a:ln w="25400">
+            <a:solidFill>
+              <a:schemeClr val="tx1"/>
+            </a:solidFill>
+            <a:headEnd type="stealth"/>
+            <a:tailEnd type="none"/>
+          </a:ln>
+        </p:spPr>
+        <p:style>
+          <a:lnRef idx="1">
+            <a:schemeClr val="accent1"/>
+          </a:lnRef>
+          <a:fillRef idx="0">
+            <a:schemeClr val="accent1"/>
+          </a:fillRef>
+          <a:effectRef idx="0">
+            <a:schemeClr val="accent1"/>
+          </a:effectRef>
+          <a:fontRef idx="minor">
+            <a:schemeClr val="tx1"/>
+          </a:fontRef>
+        </p:style>
+      </p:cxnSp>
+      <p:cxnSp>
+        <p:nvCxnSpPr>
+          <p:cNvPr id="62" name="직선 화살표 연결선 61">
+            <a:extLst>
+              <a:ext uri="{FF2B5EF4-FFF2-40B4-BE49-F238E27FC236}">
+                <a16:creationId xmlns:a16="http://schemas.microsoft.com/office/drawing/2014/main" id="{68C92FAD-C24C-487D-B717-440B4DC5B346}"/>
+              </a:ext>
+            </a:extLst>
+          </p:cNvPr>
+          <p:cNvCxnSpPr>
+            <a:cxnSpLocks/>
+          </p:cNvCxnSpPr>
+          <p:nvPr/>
+        </p:nvCxnSpPr>
+        <p:spPr>
+          <a:xfrm>
+            <a:off x="9854246" y="509537"/>
+            <a:ext cx="0" cy="242241"/>
+          </a:xfrm>
+          <a:prstGeom prst="straightConnector1">
+            <a:avLst/>
+          </a:prstGeom>
+          <a:ln w="25400">
+            <a:solidFill>
+              <a:schemeClr val="tx1"/>
+            </a:solidFill>
+            <a:headEnd type="stealth"/>
+            <a:tailEnd type="none"/>
+          </a:ln>
+        </p:spPr>
+        <p:style>
+          <a:lnRef idx="1">
+            <a:schemeClr val="accent1"/>
+          </a:lnRef>
+          <a:fillRef idx="0">
+            <a:schemeClr val="accent1"/>
+          </a:fillRef>
+          <a:effectRef idx="0">
+            <a:schemeClr val="accent1"/>
+          </a:effectRef>
+          <a:fontRef idx="minor">
+            <a:schemeClr val="tx1"/>
+          </a:fontRef>
+        </p:style>
+      </p:cxnSp>
+      <p:sp>
+        <p:nvSpPr>
+          <p:cNvPr id="63" name="TextBox 62">
+            <a:extLst>
+              <a:ext uri="{FF2B5EF4-FFF2-40B4-BE49-F238E27FC236}">
+                <a16:creationId xmlns:a16="http://schemas.microsoft.com/office/drawing/2014/main" id="{F427696C-FDE8-460E-B227-F147BF0452A4}"/>
+              </a:ext>
+            </a:extLst>
+          </p:cNvPr>
+          <p:cNvSpPr txBox="1"/>
+          <p:nvPr/>
+        </p:nvSpPr>
+        <p:spPr>
+          <a:xfrm>
+            <a:off x="9218053" y="0"/>
+            <a:ext cx="1261960" cy="523220"/>
+          </a:xfrm>
+          <a:prstGeom prst="rect">
+            <a:avLst/>
+          </a:prstGeom>
+          <a:noFill/>
+        </p:spPr>
+        <p:txBody>
+          <a:bodyPr wrap="square" rtlCol="0">
+            <a:spAutoFit/>
+          </a:bodyPr>
+          <a:lstStyle/>
+          <a:p>
+            <a:pPr algn="ctr"/>
+            <a:r>
+              <a:rPr lang="en-US" altLang="ko-KR" sz="1400" dirty="0"/>
+              <a:t>Output Probability</a:t>
+            </a:r>
+            <a:endParaRPr lang="ko-KR" altLang="en-US" sz="1400" dirty="0"/>
+          </a:p>
+        </p:txBody>
+      </p:sp>
+      <p:cxnSp>
+        <p:nvCxnSpPr>
+          <p:cNvPr id="6" name="직선 화살표 연결선 5">
+            <a:extLst>
+              <a:ext uri="{FF2B5EF4-FFF2-40B4-BE49-F238E27FC236}">
+                <a16:creationId xmlns:a16="http://schemas.microsoft.com/office/drawing/2014/main" id="{08D3B474-CE14-42D7-BC71-296B1A19ED7D}"/>
+              </a:ext>
+            </a:extLst>
+          </p:cNvPr>
+          <p:cNvCxnSpPr>
+            <a:cxnSpLocks/>
+            <a:stCxn id="4" idx="3"/>
+            <a:endCxn id="65" idx="1"/>
+          </p:cNvCxnSpPr>
+          <p:nvPr/>
+        </p:nvCxnSpPr>
+        <p:spPr>
+          <a:xfrm flipV="1">
+            <a:off x="6710231" y="5785538"/>
+            <a:ext cx="679165" cy="295"/>
+          </a:xfrm>
+          <a:prstGeom prst="straightConnector1">
+            <a:avLst/>
+          </a:prstGeom>
+          <a:ln>
+            <a:headEnd type="triangle"/>
+            <a:tailEnd type="triangle"/>
+          </a:ln>
+        </p:spPr>
+        <p:style>
+          <a:lnRef idx="1">
+            <a:schemeClr val="accent1"/>
+          </a:lnRef>
+          <a:fillRef idx="0">
+            <a:schemeClr val="accent1"/>
+          </a:fillRef>
+          <a:effectRef idx="0">
+            <a:schemeClr val="accent1"/>
+          </a:effectRef>
+          <a:fontRef idx="minor">
+            <a:schemeClr val="tx1"/>
+          </a:fontRef>
+        </p:style>
+      </p:cxnSp>
+      <mc:AlternateContent xmlns:mc="http://schemas.openxmlformats.org/markup-compatibility/2006">
+        <mc:Choice xmlns:a14="http://schemas.microsoft.com/office/drawing/2010/main" Requires="a14">
+          <p:sp>
+            <p:nvSpPr>
+              <p:cNvPr id="55" name="사각형: 둥근 모서리 54">
+                <a:extLst>
+                  <a:ext uri="{FF2B5EF4-FFF2-40B4-BE49-F238E27FC236}">
+                    <a16:creationId xmlns:a16="http://schemas.microsoft.com/office/drawing/2014/main" id="{22E1230E-9E6B-41CF-AAD7-3F0F7BE2AD52}"/>
+                  </a:ext>
+                </a:extLst>
+              </p:cNvPr>
+              <p:cNvSpPr/>
+              <p:nvPr/>
+            </p:nvSpPr>
+            <p:spPr>
+              <a:xfrm>
+                <a:off x="7284746" y="2694857"/>
+                <a:ext cx="856595" cy="386372"/>
+              </a:xfrm>
+              <a:prstGeom prst="roundRect">
+                <a:avLst/>
+              </a:prstGeom>
+            </p:spPr>
+            <p:style>
+              <a:lnRef idx="2">
+                <a:schemeClr val="accent1">
+                  <a:shade val="50000"/>
+                </a:schemeClr>
+              </a:lnRef>
+              <a:fillRef idx="1">
+                <a:schemeClr val="accent1"/>
+              </a:fillRef>
+              <a:effectRef idx="0">
+                <a:schemeClr val="accent1"/>
+              </a:effectRef>
+              <a:fontRef idx="minor">
+                <a:schemeClr val="lt1"/>
+              </a:fontRef>
+            </p:style>
+            <p:txBody>
+              <a:bodyPr rtlCol="0" anchor="ctr"/>
+              <a:lstStyle/>
+              <a:p>
+                <a:pPr algn="ctr"/>
+                <a14:m>
+                  <m:oMath xmlns:m="http://schemas.openxmlformats.org/officeDocument/2006/math">
+                    <m:r>
+                      <m:rPr>
+                        <m:sty m:val="p"/>
+                      </m:rPr>
+                      <a:rPr lang="en-US" altLang="ko-KR" b="0" i="0" dirty="0" smtClean="0">
+                        <a:latin typeface="Cambria Math" panose="02040503050406030204" pitchFamily="18" charset="0"/>
+                      </a:rPr>
+                      <m:t>p</m:t>
+                    </m:r>
+                    <m:r>
+                      <a:rPr lang="en-US" altLang="ko-KR" b="0" i="1" dirty="0" smtClean="0">
+                        <a:latin typeface="Cambria Math" panose="02040503050406030204" pitchFamily="18" charset="0"/>
+                      </a:rPr>
+                      <m:t>(</m:t>
+                    </m:r>
+                    <m:r>
+                      <a:rPr lang="en-US" altLang="ko-KR" b="0" i="1" dirty="0" smtClean="0">
+                        <a:latin typeface="Cambria Math" panose="02040503050406030204" pitchFamily="18" charset="0"/>
+                      </a:rPr>
+                      <m:t>𝑧</m:t>
+                    </m:r>
+                    <m:r>
+                      <a:rPr lang="en-US" altLang="ko-KR" b="0" i="1" dirty="0" smtClean="0">
+                        <a:latin typeface="Cambria Math" panose="02040503050406030204" pitchFamily="18" charset="0"/>
+                      </a:rPr>
+                      <m:t>|</m:t>
+                    </m:r>
+                    <m:r>
+                      <a:rPr lang="en-US" altLang="ko-KR" b="0" i="1" dirty="0" smtClean="0">
+                        <a:latin typeface="Cambria Math" panose="02040503050406030204" pitchFamily="18" charset="0"/>
+                      </a:rPr>
+                      <m:t>𝑥</m:t>
+                    </m:r>
+                    <m:r>
+                      <a:rPr lang="en-US" altLang="ko-KR" b="0" i="1" dirty="0" smtClean="0">
+                        <a:latin typeface="Cambria Math" panose="02040503050406030204" pitchFamily="18" charset="0"/>
+                      </a:rPr>
+                      <m:t>)</m:t>
+                    </m:r>
+                  </m:oMath>
+                </a14:m>
+                <a:r>
+                  <a:rPr lang="ko-KR" altLang="en-US" dirty="0"/>
+                  <a:t> </a:t>
+                </a:r>
+              </a:p>
+            </p:txBody>
+          </p:sp>
+        </mc:Choice>
+        <mc:Fallback>
+          <p:sp>
+            <p:nvSpPr>
+              <p:cNvPr id="55" name="사각형: 둥근 모서리 54">
+                <a:extLst>
+                  <a:ext uri="{FF2B5EF4-FFF2-40B4-BE49-F238E27FC236}">
+                    <a16:creationId xmlns:a16="http://schemas.microsoft.com/office/drawing/2014/main" id="{22E1230E-9E6B-41CF-AAD7-3F0F7BE2AD52}"/>
+                  </a:ext>
+                </a:extLst>
+              </p:cNvPr>
+              <p:cNvSpPr>
+                <a:spLocks noRot="1" noChangeAspect="1" noMove="1" noResize="1" noEditPoints="1" noAdjustHandles="1" noChangeArrowheads="1" noChangeShapeType="1" noTextEdit="1"/>
+              </p:cNvSpPr>
+              <p:nvPr/>
+            </p:nvSpPr>
+            <p:spPr>
+              <a:xfrm>
+                <a:off x="7284746" y="2694857"/>
+                <a:ext cx="856595" cy="386372"/>
+              </a:xfrm>
+              <a:prstGeom prst="roundRect">
+                <a:avLst/>
+              </a:prstGeom>
+              <a:blipFill>
+                <a:blip r:embed="rId4"/>
+                <a:stretch>
+                  <a:fillRect b="-12308"/>
+                </a:stretch>
+              </a:blipFill>
+            </p:spPr>
+            <p:txBody>
+              <a:bodyPr/>
+              <a:lstStyle/>
+              <a:p>
+                <a:r>
+                  <a:rPr lang="ko-KR" altLang="en-US">
+                    <a:noFill/>
+                  </a:rPr>
+                  <a:t> </a:t>
+                </a:r>
+              </a:p>
+            </p:txBody>
+          </p:sp>
+        </mc:Fallback>
+      </mc:AlternateContent>
+      <p:cxnSp>
+        <p:nvCxnSpPr>
+          <p:cNvPr id="57" name="직선 화살표 연결선 63">
+            <a:extLst>
+              <a:ext uri="{FF2B5EF4-FFF2-40B4-BE49-F238E27FC236}">
+                <a16:creationId xmlns:a16="http://schemas.microsoft.com/office/drawing/2014/main" id="{2A371D32-C715-4EAC-BBAD-D4B6748CA676}"/>
+              </a:ext>
+            </a:extLst>
+          </p:cNvPr>
+          <p:cNvCxnSpPr>
+            <a:cxnSpLocks/>
+            <a:stCxn id="81" idx="2"/>
+            <a:endCxn id="31" idx="0"/>
+          </p:cNvCxnSpPr>
+          <p:nvPr/>
+        </p:nvCxnSpPr>
+        <p:spPr>
+          <a:xfrm rot="5400000">
+            <a:off x="5573389" y="3706346"/>
+            <a:ext cx="1209687" cy="5920"/>
+          </a:xfrm>
+          <a:prstGeom prst="bentConnector3">
+            <a:avLst>
+              <a:gd name="adj1" fmla="val 50000"/>
+            </a:avLst>
+          </a:prstGeom>
+          <a:ln w="25400">
+            <a:solidFill>
+              <a:schemeClr val="tx1"/>
+            </a:solidFill>
+            <a:headEnd type="stealth"/>
+            <a:tailEnd type="none"/>
+          </a:ln>
+        </p:spPr>
+        <p:style>
+          <a:lnRef idx="1">
+            <a:schemeClr val="accent1"/>
+          </a:lnRef>
+          <a:fillRef idx="0">
+            <a:schemeClr val="accent1"/>
+          </a:fillRef>
+          <a:effectRef idx="0">
+            <a:schemeClr val="accent1"/>
+          </a:effectRef>
+          <a:fontRef idx="minor">
+            <a:schemeClr val="tx1"/>
+          </a:fontRef>
+        </p:style>
+      </p:cxnSp>
+      <p:sp>
+        <p:nvSpPr>
+          <p:cNvPr id="65" name="사각형: 둥근 모서리 64">
+            <a:extLst>
+              <a:ext uri="{FF2B5EF4-FFF2-40B4-BE49-F238E27FC236}">
+                <a16:creationId xmlns:a16="http://schemas.microsoft.com/office/drawing/2014/main" id="{8AC02ED4-210B-4374-8B27-C2328EC3F783}"/>
+              </a:ext>
+            </a:extLst>
+          </p:cNvPr>
+          <p:cNvSpPr/>
+          <p:nvPr/>
+        </p:nvSpPr>
+        <p:spPr>
+          <a:xfrm>
+            <a:off x="7389396" y="5572436"/>
+            <a:ext cx="1052264" cy="426203"/>
+          </a:xfrm>
+          <a:prstGeom prst="roundRect">
+            <a:avLst>
+              <a:gd name="adj" fmla="val 9190"/>
+            </a:avLst>
+          </a:prstGeom>
+          <a:solidFill>
+            <a:srgbClr val="FCDFE0"/>
+          </a:solidFill>
+          <a:ln>
+            <a:solidFill>
+              <a:schemeClr val="tx1"/>
+            </a:solidFill>
+          </a:ln>
+        </p:spPr>
+        <p:style>
+          <a:lnRef idx="2">
+            <a:schemeClr val="accent1">
+              <a:shade val="50000"/>
+            </a:schemeClr>
+          </a:lnRef>
+          <a:fillRef idx="1">
+            <a:schemeClr val="accent1"/>
+          </a:fillRef>
+          <a:effectRef idx="0">
+            <a:schemeClr val="accent1"/>
+          </a:effectRef>
+          <a:fontRef idx="minor">
+            <a:schemeClr val="lt1"/>
+          </a:fontRef>
+        </p:style>
+        <p:txBody>
+          <a:bodyPr rtlCol="0" anchor="ctr"/>
+          <a:lstStyle/>
+          <a:p>
+            <a:pPr algn="ctr"/>
+            <a:r>
+              <a:rPr lang="en-US" altLang="ko-KR" sz="1200" dirty="0">
+                <a:solidFill>
+                  <a:sysClr val="windowText" lastClr="000000"/>
+                </a:solidFill>
+              </a:rPr>
+              <a:t>Input</a:t>
+            </a:r>
+          </a:p>
+          <a:p>
+            <a:pPr algn="ctr"/>
+            <a:r>
+              <a:rPr lang="en-US" altLang="ko-KR" sz="1200" dirty="0">
+                <a:solidFill>
+                  <a:sysClr val="windowText" lastClr="000000"/>
+                </a:solidFill>
+              </a:rPr>
+              <a:t>Embedding</a:t>
+            </a:r>
+            <a:endParaRPr lang="ko-KR" altLang="en-US" sz="1200" dirty="0">
+              <a:solidFill>
+                <a:sysClr val="windowText" lastClr="000000"/>
+              </a:solidFill>
+            </a:endParaRPr>
+          </a:p>
+        </p:txBody>
+      </p:sp>
+      <p:cxnSp>
+        <p:nvCxnSpPr>
+          <p:cNvPr id="66" name="직선 화살표 연결선 65">
+            <a:extLst>
+              <a:ext uri="{FF2B5EF4-FFF2-40B4-BE49-F238E27FC236}">
+                <a16:creationId xmlns:a16="http://schemas.microsoft.com/office/drawing/2014/main" id="{50BE2233-8722-4B03-80E1-BE5EE73917C1}"/>
+              </a:ext>
+            </a:extLst>
+          </p:cNvPr>
+          <p:cNvCxnSpPr>
+            <a:cxnSpLocks/>
+            <a:stCxn id="4" idx="2"/>
+            <a:endCxn id="132" idx="0"/>
+          </p:cNvCxnSpPr>
+          <p:nvPr/>
+        </p:nvCxnSpPr>
+        <p:spPr>
+          <a:xfrm>
+            <a:off x="6184099" y="5998934"/>
+            <a:ext cx="0" cy="310575"/>
+          </a:xfrm>
+          <a:prstGeom prst="straightConnector1">
+            <a:avLst/>
+          </a:prstGeom>
+          <a:ln w="25400">
+            <a:solidFill>
+              <a:schemeClr val="tx1"/>
+            </a:solidFill>
+            <a:headEnd type="stealth"/>
+            <a:tailEnd type="none"/>
+          </a:ln>
+        </p:spPr>
+        <p:style>
+          <a:lnRef idx="1">
+            <a:schemeClr val="accent1"/>
+          </a:lnRef>
+          <a:fillRef idx="0">
+            <a:schemeClr val="accent1"/>
+          </a:fillRef>
+          <a:effectRef idx="0">
+            <a:schemeClr val="accent1"/>
+          </a:effectRef>
+          <a:fontRef idx="minor">
+            <a:schemeClr val="tx1"/>
+          </a:fontRef>
+        </p:style>
+      </p:cxnSp>
+      <p:cxnSp>
+        <p:nvCxnSpPr>
+          <p:cNvPr id="69" name="직선 화살표 연결선 68">
+            <a:extLst>
+              <a:ext uri="{FF2B5EF4-FFF2-40B4-BE49-F238E27FC236}">
+                <a16:creationId xmlns:a16="http://schemas.microsoft.com/office/drawing/2014/main" id="{305FA507-F9E4-45E5-9EAB-C4E0D53A2EC5}"/>
+              </a:ext>
+            </a:extLst>
+          </p:cNvPr>
+          <p:cNvCxnSpPr>
+            <a:cxnSpLocks/>
+            <a:stCxn id="65" idx="3"/>
+            <a:endCxn id="7" idx="1"/>
+          </p:cNvCxnSpPr>
+          <p:nvPr/>
+        </p:nvCxnSpPr>
+        <p:spPr>
+          <a:xfrm flipV="1">
+            <a:off x="8441660" y="5772226"/>
+            <a:ext cx="881242" cy="13312"/>
+          </a:xfrm>
+          <a:prstGeom prst="straightConnector1">
+            <a:avLst/>
+          </a:prstGeom>
+          <a:ln>
+            <a:headEnd type="triangle"/>
+            <a:tailEnd type="triangle"/>
+          </a:ln>
+        </p:spPr>
+        <p:style>
+          <a:lnRef idx="1">
+            <a:schemeClr val="accent1"/>
+          </a:lnRef>
+          <a:fillRef idx="0">
+            <a:schemeClr val="accent1"/>
+          </a:fillRef>
+          <a:effectRef idx="0">
+            <a:schemeClr val="accent1"/>
+          </a:effectRef>
+          <a:fontRef idx="minor">
+            <a:schemeClr val="tx1"/>
+          </a:fontRef>
+        </p:style>
+      </p:cxnSp>
+      <p:cxnSp>
+        <p:nvCxnSpPr>
+          <p:cNvPr id="78" name="직선 화살표 연결선 77">
+            <a:extLst>
+              <a:ext uri="{FF2B5EF4-FFF2-40B4-BE49-F238E27FC236}">
+                <a16:creationId xmlns:a16="http://schemas.microsoft.com/office/drawing/2014/main" id="{29DF7F55-5D7E-4B30-AD99-20388181467D}"/>
+              </a:ext>
+            </a:extLst>
+          </p:cNvPr>
+          <p:cNvCxnSpPr>
+            <a:cxnSpLocks/>
+            <a:stCxn id="79" idx="2"/>
+            <a:endCxn id="65" idx="0"/>
+          </p:cNvCxnSpPr>
+          <p:nvPr/>
+        </p:nvCxnSpPr>
+        <p:spPr>
+          <a:xfrm>
+            <a:off x="7904077" y="5204816"/>
+            <a:ext cx="11451" cy="367620"/>
+          </a:xfrm>
+          <a:prstGeom prst="straightConnector1">
+            <a:avLst/>
+          </a:prstGeom>
+          <a:ln w="25400">
+            <a:solidFill>
+              <a:schemeClr val="tx1"/>
+            </a:solidFill>
+            <a:headEnd type="stealth"/>
+            <a:tailEnd type="none"/>
+          </a:ln>
+        </p:spPr>
+        <p:style>
+          <a:lnRef idx="1">
+            <a:schemeClr val="accent1"/>
+          </a:lnRef>
+          <a:fillRef idx="0">
+            <a:schemeClr val="accent1"/>
+          </a:fillRef>
+          <a:effectRef idx="0">
+            <a:schemeClr val="accent1"/>
+          </a:effectRef>
+          <a:fontRef idx="minor">
+            <a:schemeClr val="tx1"/>
+          </a:fontRef>
+        </p:style>
+      </p:cxnSp>
+      <p:sp>
+        <p:nvSpPr>
+          <p:cNvPr id="79" name="사각형: 둥근 모서리 78">
+            <a:extLst>
+              <a:ext uri="{FF2B5EF4-FFF2-40B4-BE49-F238E27FC236}">
+                <a16:creationId xmlns:a16="http://schemas.microsoft.com/office/drawing/2014/main" id="{0FBBA368-9D1B-4A85-BBC8-774B4005DFFB}"/>
+              </a:ext>
+            </a:extLst>
+          </p:cNvPr>
+          <p:cNvSpPr/>
+          <p:nvPr/>
+        </p:nvSpPr>
+        <p:spPr>
+          <a:xfrm>
+            <a:off x="7141229" y="4314149"/>
+            <a:ext cx="1525695" cy="890667"/>
+          </a:xfrm>
+          <a:prstGeom prst="roundRect">
+            <a:avLst>
+              <a:gd name="adj" fmla="val 9190"/>
+            </a:avLst>
+          </a:prstGeom>
+          <a:solidFill>
+            <a:schemeClr val="bg1">
+              <a:lumMod val="95000"/>
+            </a:schemeClr>
+          </a:solidFill>
+          <a:ln>
+            <a:solidFill>
+              <a:schemeClr val="tx1"/>
+            </a:solidFill>
+          </a:ln>
+        </p:spPr>
+        <p:style>
+          <a:lnRef idx="2">
+            <a:schemeClr val="accent1">
+              <a:shade val="50000"/>
+            </a:schemeClr>
+          </a:lnRef>
+          <a:fillRef idx="1">
+            <a:schemeClr val="accent1"/>
+          </a:fillRef>
+          <a:effectRef idx="0">
+            <a:schemeClr val="accent1"/>
+          </a:effectRef>
+          <a:fontRef idx="minor">
+            <a:schemeClr val="lt1"/>
+          </a:fontRef>
+        </p:style>
+        <p:txBody>
+          <a:bodyPr rtlCol="0" anchor="ctr"/>
+          <a:lstStyle/>
+          <a:p>
+            <a:pPr algn="ctr"/>
+            <a:r>
+              <a:rPr lang="en-US" altLang="ko-KR" sz="2400" b="1" dirty="0">
+                <a:solidFill>
+                  <a:sysClr val="windowText" lastClr="000000"/>
+                </a:solidFill>
+              </a:rPr>
+              <a:t>Encoder</a:t>
+            </a:r>
+          </a:p>
+        </p:txBody>
+      </p:sp>
+      <mc:AlternateContent xmlns:mc="http://schemas.openxmlformats.org/markup-compatibility/2006">
+        <mc:Choice xmlns:a14="http://schemas.microsoft.com/office/drawing/2010/main" Requires="a14">
+          <p:sp>
+            <p:nvSpPr>
+              <p:cNvPr id="81" name="사각형: 둥근 모서리 80">
+                <a:extLst>
+                  <a:ext uri="{FF2B5EF4-FFF2-40B4-BE49-F238E27FC236}">
+                    <a16:creationId xmlns:a16="http://schemas.microsoft.com/office/drawing/2014/main" id="{6BBCB0E9-216B-4FA2-AA50-80D744E7FBD0}"/>
+                  </a:ext>
+                </a:extLst>
+              </p:cNvPr>
+              <p:cNvSpPr/>
+              <p:nvPr/>
+            </p:nvSpPr>
+            <p:spPr>
+              <a:xfrm>
+                <a:off x="5705295" y="2718091"/>
+                <a:ext cx="951794" cy="386372"/>
+              </a:xfrm>
+              <a:prstGeom prst="roundRect">
+                <a:avLst/>
+              </a:prstGeom>
+            </p:spPr>
+            <p:style>
+              <a:lnRef idx="2">
+                <a:schemeClr val="accent1">
+                  <a:shade val="50000"/>
+                </a:schemeClr>
+              </a:lnRef>
+              <a:fillRef idx="1">
+                <a:schemeClr val="accent1"/>
+              </a:fillRef>
+              <a:effectRef idx="0">
+                <a:schemeClr val="accent1"/>
+              </a:effectRef>
+              <a:fontRef idx="minor">
+                <a:schemeClr val="lt1"/>
+              </a:fontRef>
+            </p:style>
+            <p:txBody>
+              <a:bodyPr rtlCol="0" anchor="ctr"/>
+              <a:lstStyle/>
+              <a:p>
+                <a:pPr algn="ctr"/>
+                <a14:m>
+                  <m:oMath xmlns:m="http://schemas.openxmlformats.org/officeDocument/2006/math">
+                    <m:r>
+                      <a:rPr lang="en-US" altLang="ko-KR" b="0" i="1" dirty="0" smtClean="0">
+                        <a:latin typeface="Cambria Math" panose="02040503050406030204" pitchFamily="18" charset="0"/>
+                      </a:rPr>
+                      <m:t>𝑞</m:t>
+                    </m:r>
+                    <m:r>
+                      <a:rPr lang="en-US" altLang="ko-KR" b="0" i="1" dirty="0" smtClean="0">
+                        <a:latin typeface="Cambria Math" panose="02040503050406030204" pitchFamily="18" charset="0"/>
+                      </a:rPr>
+                      <m:t>(</m:t>
+                    </m:r>
+                    <m:r>
+                      <a:rPr lang="en-US" altLang="ko-KR" b="0" i="1" dirty="0" smtClean="0">
+                        <a:latin typeface="Cambria Math" panose="02040503050406030204" pitchFamily="18" charset="0"/>
+                      </a:rPr>
+                      <m:t>𝑧</m:t>
+                    </m:r>
+                    <m:r>
+                      <a:rPr lang="en-US" altLang="ko-KR" b="0" i="1" dirty="0" smtClean="0">
+                        <a:latin typeface="Cambria Math" panose="02040503050406030204" pitchFamily="18" charset="0"/>
+                      </a:rPr>
+                      <m:t>|</m:t>
+                    </m:r>
+                    <m:r>
+                      <a:rPr lang="en-US" altLang="ko-KR" b="0" i="1" dirty="0" smtClean="0">
+                        <a:latin typeface="Cambria Math" panose="02040503050406030204" pitchFamily="18" charset="0"/>
+                      </a:rPr>
+                      <m:t>𝑦</m:t>
+                    </m:r>
+                    <m:r>
+                      <a:rPr lang="en-US" altLang="ko-KR" b="0" i="1" dirty="0" smtClean="0">
+                        <a:latin typeface="Cambria Math" panose="02040503050406030204" pitchFamily="18" charset="0"/>
+                      </a:rPr>
+                      <m:t>)</m:t>
+                    </m:r>
+                  </m:oMath>
+                </a14:m>
+                <a:r>
+                  <a:rPr lang="ko-KR" altLang="en-US" dirty="0"/>
+                  <a:t> </a:t>
+                </a:r>
+              </a:p>
+            </p:txBody>
+          </p:sp>
+        </mc:Choice>
+        <mc:Fallback>
+          <p:sp>
+            <p:nvSpPr>
+              <p:cNvPr id="81" name="사각형: 둥근 모서리 80">
+                <a:extLst>
+                  <a:ext uri="{FF2B5EF4-FFF2-40B4-BE49-F238E27FC236}">
+                    <a16:creationId xmlns:a16="http://schemas.microsoft.com/office/drawing/2014/main" id="{6BBCB0E9-216B-4FA2-AA50-80D744E7FBD0}"/>
+                  </a:ext>
+                </a:extLst>
+              </p:cNvPr>
+              <p:cNvSpPr>
+                <a:spLocks noRot="1" noChangeAspect="1" noMove="1" noResize="1" noEditPoints="1" noAdjustHandles="1" noChangeArrowheads="1" noChangeShapeType="1" noTextEdit="1"/>
+              </p:cNvSpPr>
+              <p:nvPr/>
+            </p:nvSpPr>
+            <p:spPr>
+              <a:xfrm>
+                <a:off x="5705295" y="2718091"/>
+                <a:ext cx="951794" cy="386372"/>
+              </a:xfrm>
+              <a:prstGeom prst="roundRect">
+                <a:avLst/>
+              </a:prstGeom>
+              <a:blipFill>
+                <a:blip r:embed="rId5"/>
+                <a:stretch>
+                  <a:fillRect b="-12308"/>
+                </a:stretch>
+              </a:blipFill>
+            </p:spPr>
+            <p:txBody>
+              <a:bodyPr/>
+              <a:lstStyle/>
+              <a:p>
+                <a:r>
+                  <a:rPr lang="ko-KR" altLang="en-US">
+                    <a:noFill/>
+                  </a:rPr>
+                  <a:t> </a:t>
+                </a:r>
+              </a:p>
+            </p:txBody>
+          </p:sp>
+        </mc:Fallback>
+      </mc:AlternateContent>
+      <p:cxnSp>
+        <p:nvCxnSpPr>
+          <p:cNvPr id="82" name="직선 화살표 연결선 63">
+            <a:extLst>
+              <a:ext uri="{FF2B5EF4-FFF2-40B4-BE49-F238E27FC236}">
+                <a16:creationId xmlns:a16="http://schemas.microsoft.com/office/drawing/2014/main" id="{89ED73AC-E375-41A8-8B29-7262CA77FF1C}"/>
+              </a:ext>
+            </a:extLst>
+          </p:cNvPr>
+          <p:cNvCxnSpPr>
+            <a:cxnSpLocks/>
+            <a:stCxn id="55" idx="2"/>
+            <a:endCxn id="79" idx="0"/>
+          </p:cNvCxnSpPr>
+          <p:nvPr/>
+        </p:nvCxnSpPr>
+        <p:spPr>
+          <a:xfrm rot="16200000" flipH="1">
+            <a:off x="7192100" y="3602172"/>
+            <a:ext cx="1232920" cy="191033"/>
+          </a:xfrm>
+          <a:prstGeom prst="bentConnector3">
+            <a:avLst>
+              <a:gd name="adj1" fmla="val 50000"/>
+            </a:avLst>
+          </a:prstGeom>
+          <a:ln w="25400">
+            <a:solidFill>
+              <a:schemeClr val="tx1"/>
+            </a:solidFill>
+            <a:headEnd type="stealth"/>
+            <a:tailEnd type="none"/>
+          </a:ln>
+        </p:spPr>
+        <p:style>
+          <a:lnRef idx="1">
+            <a:schemeClr val="accent1"/>
+          </a:lnRef>
+          <a:fillRef idx="0">
+            <a:schemeClr val="accent1"/>
+          </a:fillRef>
+          <a:effectRef idx="0">
+            <a:schemeClr val="accent1"/>
+          </a:effectRef>
+          <a:fontRef idx="minor">
+            <a:schemeClr val="tx1"/>
+          </a:fontRef>
+        </p:style>
+      </p:cxnSp>
+      <mc:AlternateContent xmlns:mc="http://schemas.openxmlformats.org/markup-compatibility/2006">
+        <mc:Choice xmlns:a14="http://schemas.microsoft.com/office/drawing/2010/main" Requires="a14">
+          <p:sp>
+            <p:nvSpPr>
+              <p:cNvPr id="110" name="사각형: 둥근 모서리 109">
+                <a:extLst>
+                  <a:ext uri="{FF2B5EF4-FFF2-40B4-BE49-F238E27FC236}">
+                    <a16:creationId xmlns:a16="http://schemas.microsoft.com/office/drawing/2014/main" id="{969CB6C5-ABEF-4560-A8F4-8024718C7C16}"/>
+                  </a:ext>
+                </a:extLst>
+              </p:cNvPr>
+              <p:cNvSpPr/>
+              <p:nvPr/>
+            </p:nvSpPr>
+            <p:spPr>
+              <a:xfrm>
+                <a:off x="6974237" y="1263312"/>
+                <a:ext cx="532298" cy="379823"/>
+              </a:xfrm>
+              <a:prstGeom prst="roundRect">
+                <a:avLst/>
+              </a:prstGeom>
+            </p:spPr>
+            <p:style>
+              <a:lnRef idx="2">
+                <a:schemeClr val="accent1">
+                  <a:shade val="50000"/>
+                </a:schemeClr>
+              </a:lnRef>
+              <a:fillRef idx="1">
+                <a:schemeClr val="accent1"/>
+              </a:fillRef>
+              <a:effectRef idx="0">
+                <a:schemeClr val="accent1"/>
+              </a:effectRef>
+              <a:fontRef idx="minor">
+                <a:schemeClr val="lt1"/>
+              </a:fontRef>
+            </p:style>
+            <p:txBody>
+              <a:bodyPr rtlCol="0" anchor="ctr"/>
+              <a:lstStyle/>
+              <a:p>
+                <a:pPr algn="ctr"/>
+                <a14:m>
+                  <m:oMath xmlns:m="http://schemas.openxmlformats.org/officeDocument/2006/math">
+                    <m:r>
+                      <a:rPr lang="en-US" altLang="ko-KR" b="0" i="1" smtClean="0">
+                        <a:latin typeface="Cambria Math" panose="02040503050406030204" pitchFamily="18" charset="0"/>
+                      </a:rPr>
+                      <m:t>𝐾𝐿</m:t>
+                    </m:r>
+                  </m:oMath>
+                </a14:m>
+                <a:r>
+                  <a:rPr lang="ko-KR" altLang="en-US" dirty="0"/>
+                  <a:t> </a:t>
+                </a:r>
+              </a:p>
+            </p:txBody>
+          </p:sp>
+        </mc:Choice>
+        <mc:Fallback>
+          <p:sp>
+            <p:nvSpPr>
+              <p:cNvPr id="110" name="사각형: 둥근 모서리 109">
+                <a:extLst>
+                  <a:ext uri="{FF2B5EF4-FFF2-40B4-BE49-F238E27FC236}">
+                    <a16:creationId xmlns:a16="http://schemas.microsoft.com/office/drawing/2014/main" id="{969CB6C5-ABEF-4560-A8F4-8024718C7C16}"/>
+                  </a:ext>
+                </a:extLst>
+              </p:cNvPr>
+              <p:cNvSpPr>
+                <a:spLocks noRot="1" noChangeAspect="1" noMove="1" noResize="1" noEditPoints="1" noAdjustHandles="1" noChangeArrowheads="1" noChangeShapeType="1" noTextEdit="1"/>
+              </p:cNvSpPr>
+              <p:nvPr/>
+            </p:nvSpPr>
+            <p:spPr>
+              <a:xfrm>
+                <a:off x="6974237" y="1263312"/>
+                <a:ext cx="532298" cy="379823"/>
+              </a:xfrm>
+              <a:prstGeom prst="roundRect">
+                <a:avLst/>
+              </a:prstGeom>
+              <a:blipFill>
+                <a:blip r:embed="rId6"/>
+                <a:stretch>
+                  <a:fillRect/>
+                </a:stretch>
+              </a:blipFill>
+            </p:spPr>
+            <p:txBody>
+              <a:bodyPr/>
+              <a:lstStyle/>
+              <a:p>
+                <a:r>
+                  <a:rPr lang="ko-KR" altLang="en-US">
+                    <a:noFill/>
+                  </a:rPr>
+                  <a:t> </a:t>
+                </a:r>
+              </a:p>
+            </p:txBody>
+          </p:sp>
+        </mc:Fallback>
+      </mc:AlternateContent>
+      <mc:AlternateContent xmlns:mc="http://schemas.openxmlformats.org/markup-compatibility/2006">
+        <mc:Choice xmlns:a14="http://schemas.microsoft.com/office/drawing/2010/main" Requires="a14">
+          <p:sp>
+            <p:nvSpPr>
+              <p:cNvPr id="132" name="TextBox 131">
+                <a:extLst>
+                  <a:ext uri="{FF2B5EF4-FFF2-40B4-BE49-F238E27FC236}">
+                    <a16:creationId xmlns:a16="http://schemas.microsoft.com/office/drawing/2014/main" id="{D263B866-D2DC-457C-8AC7-02050DF86EFC}"/>
+                  </a:ext>
+                </a:extLst>
+              </p:cNvPr>
+              <p:cNvSpPr txBox="1"/>
+              <p:nvPr/>
+            </p:nvSpPr>
+            <p:spPr>
+              <a:xfrm>
+                <a:off x="5341133" y="6309509"/>
+                <a:ext cx="1685932" cy="307777"/>
+              </a:xfrm>
+              <a:prstGeom prst="rect">
+                <a:avLst/>
+              </a:prstGeom>
+              <a:noFill/>
+            </p:spPr>
+            <p:txBody>
+              <a:bodyPr wrap="square" rtlCol="0">
+                <a:spAutoFit/>
+              </a:bodyPr>
+              <a:lstStyle/>
+              <a:p>
+                <a:r>
+                  <a:rPr lang="en-US" altLang="ko-KR" sz="1400" b="0" dirty="0"/>
+                  <a:t> </a:t>
+                </a:r>
+                <a14:m>
+                  <m:oMath xmlns:m="http://schemas.openxmlformats.org/officeDocument/2006/math">
+                    <m:r>
+                      <a:rPr lang="en-US" altLang="ko-KR" sz="1400" b="0" i="0" smtClean="0">
+                        <a:latin typeface="Cambria Math" panose="02040503050406030204" pitchFamily="18" charset="0"/>
+                      </a:rPr>
+                      <m:t> </m:t>
+                    </m:r>
+                    <m:r>
+                      <a:rPr lang="en-US" altLang="ko-KR" sz="1400" b="0" i="1" smtClean="0">
+                        <a:latin typeface="Cambria Math" panose="02040503050406030204" pitchFamily="18" charset="0"/>
+                      </a:rPr>
+                      <m:t>𝑌</m:t>
+                    </m:r>
+                    <m:r>
+                      <m:rPr>
+                        <m:nor/>
+                      </m:rPr>
+                      <a:rPr lang="en-US" altLang="ko-KR" sz="1400" dirty="0"/>
+                      <m:t>(</m:t>
+                    </m:r>
+                    <m:r>
+                      <m:rPr>
+                        <m:nor/>
+                      </m:rPr>
+                      <a:rPr lang="en-US" altLang="ko-KR" sz="1400" dirty="0"/>
+                      <m:t>shifted</m:t>
+                    </m:r>
+                    <m:r>
+                      <m:rPr>
+                        <m:nor/>
+                      </m:rPr>
+                      <a:rPr lang="en-US" altLang="ko-KR" sz="1400" dirty="0"/>
+                      <m:t> </m:t>
+                    </m:r>
+                    <m:r>
+                      <m:rPr>
+                        <m:nor/>
+                      </m:rPr>
+                      <a:rPr lang="en-US" altLang="ko-KR" sz="1400" dirty="0"/>
+                      <m:t>right</m:t>
+                    </m:r>
+                    <m:r>
+                      <m:rPr>
+                        <m:nor/>
+                      </m:rPr>
+                      <a:rPr lang="en-US" altLang="ko-KR" sz="1400" dirty="0"/>
+                      <m:t>)</m:t>
+                    </m:r>
+                  </m:oMath>
+                </a14:m>
+                <a:endParaRPr lang="ko-KR" altLang="en-US" sz="1400" dirty="0"/>
+              </a:p>
+            </p:txBody>
+          </p:sp>
+        </mc:Choice>
+        <mc:Fallback>
+          <p:sp>
+            <p:nvSpPr>
+              <p:cNvPr id="132" name="TextBox 131">
+                <a:extLst>
+                  <a:ext uri="{FF2B5EF4-FFF2-40B4-BE49-F238E27FC236}">
+                    <a16:creationId xmlns:a16="http://schemas.microsoft.com/office/drawing/2014/main" id="{D263B866-D2DC-457C-8AC7-02050DF86EFC}"/>
+                  </a:ext>
+                </a:extLst>
+              </p:cNvPr>
+              <p:cNvSpPr txBox="1">
+                <a:spLocks noRot="1" noChangeAspect="1" noMove="1" noResize="1" noEditPoints="1" noAdjustHandles="1" noChangeArrowheads="1" noChangeShapeType="1" noTextEdit="1"/>
+              </p:cNvSpPr>
+              <p:nvPr/>
+            </p:nvSpPr>
+            <p:spPr>
+              <a:xfrm>
+                <a:off x="5341133" y="6309509"/>
+                <a:ext cx="1685932" cy="307777"/>
+              </a:xfrm>
+              <a:prstGeom prst="rect">
+                <a:avLst/>
+              </a:prstGeom>
+              <a:blipFill>
+                <a:blip r:embed="rId7"/>
+                <a:stretch>
+                  <a:fillRect b="-13725"/>
+                </a:stretch>
+              </a:blipFill>
+            </p:spPr>
+            <p:txBody>
+              <a:bodyPr/>
+              <a:lstStyle/>
+              <a:p>
+                <a:r>
+                  <a:rPr lang="ko-KR" altLang="en-US">
+                    <a:noFill/>
+                  </a:rPr>
+                  <a:t> </a:t>
+                </a:r>
+              </a:p>
+            </p:txBody>
+          </p:sp>
+        </mc:Fallback>
+      </mc:AlternateContent>
+      <p:cxnSp>
+        <p:nvCxnSpPr>
+          <p:cNvPr id="152" name="직선 화살표 연결선 151">
+            <a:extLst>
+              <a:ext uri="{FF2B5EF4-FFF2-40B4-BE49-F238E27FC236}">
+                <a16:creationId xmlns:a16="http://schemas.microsoft.com/office/drawing/2014/main" id="{526E484A-7F0F-427D-A664-599CFA1CCF23}"/>
+              </a:ext>
+            </a:extLst>
+          </p:cNvPr>
+          <p:cNvCxnSpPr>
+            <a:cxnSpLocks/>
+            <a:stCxn id="55" idx="0"/>
+            <a:endCxn id="110" idx="2"/>
+          </p:cNvCxnSpPr>
+          <p:nvPr/>
+        </p:nvCxnSpPr>
+        <p:spPr>
+          <a:xfrm flipH="1" flipV="1">
+            <a:off x="7240386" y="1643135"/>
+            <a:ext cx="472658" cy="1051722"/>
+          </a:xfrm>
+          <a:prstGeom prst="straightConnector1">
+            <a:avLst/>
+          </a:prstGeom>
+          <a:ln>
+            <a:tailEnd type="triangle"/>
+          </a:ln>
+        </p:spPr>
+        <p:style>
+          <a:lnRef idx="1">
+            <a:schemeClr val="accent1"/>
+          </a:lnRef>
+          <a:fillRef idx="0">
+            <a:schemeClr val="accent1"/>
+          </a:fillRef>
+          <a:effectRef idx="0">
+            <a:schemeClr val="accent1"/>
+          </a:effectRef>
+          <a:fontRef idx="minor">
+            <a:schemeClr val="tx1"/>
+          </a:fontRef>
+        </p:style>
+      </p:cxnSp>
+      <p:cxnSp>
+        <p:nvCxnSpPr>
+          <p:cNvPr id="46" name="직선 화살표 연결선 45">
+            <a:extLst>
+              <a:ext uri="{FF2B5EF4-FFF2-40B4-BE49-F238E27FC236}">
+                <a16:creationId xmlns:a16="http://schemas.microsoft.com/office/drawing/2014/main" id="{A0E1F178-C09D-4248-9FA2-B4F5ECCBA5C9}"/>
+              </a:ext>
+            </a:extLst>
+          </p:cNvPr>
+          <p:cNvCxnSpPr>
+            <a:cxnSpLocks/>
+            <a:stCxn id="81" idx="0"/>
+            <a:endCxn id="110" idx="2"/>
+          </p:cNvCxnSpPr>
+          <p:nvPr/>
+        </p:nvCxnSpPr>
+        <p:spPr>
+          <a:xfrm flipV="1">
+            <a:off x="6181192" y="1643135"/>
+            <a:ext cx="1059194" cy="1074956"/>
+          </a:xfrm>
+          <a:prstGeom prst="straightConnector1">
+            <a:avLst/>
+          </a:prstGeom>
+          <a:ln>
+            <a:tailEnd type="triangle"/>
+          </a:ln>
+        </p:spPr>
+        <p:style>
+          <a:lnRef idx="1">
+            <a:schemeClr val="accent1"/>
+          </a:lnRef>
+          <a:fillRef idx="0">
+            <a:schemeClr val="accent1"/>
+          </a:fillRef>
+          <a:effectRef idx="0">
+            <a:schemeClr val="accent1"/>
+          </a:effectRef>
+          <a:fontRef idx="minor">
+            <a:schemeClr val="tx1"/>
+          </a:fontRef>
+        </p:style>
+      </p:cxnSp>
+      <p:cxnSp>
+        <p:nvCxnSpPr>
+          <p:cNvPr id="72" name="직선 화살표 연결선 63">
+            <a:extLst>
+              <a:ext uri="{FF2B5EF4-FFF2-40B4-BE49-F238E27FC236}">
+                <a16:creationId xmlns:a16="http://schemas.microsoft.com/office/drawing/2014/main" id="{16E3503C-D8E2-47C7-9774-00DE2859162A}"/>
+              </a:ext>
+            </a:extLst>
+          </p:cNvPr>
+          <p:cNvCxnSpPr>
+            <a:cxnSpLocks/>
+            <a:stCxn id="49" idx="1"/>
+            <a:endCxn id="79" idx="0"/>
+          </p:cNvCxnSpPr>
+          <p:nvPr/>
+        </p:nvCxnSpPr>
+        <p:spPr>
+          <a:xfrm rot="10800000" flipV="1">
+            <a:off x="7904078" y="3459109"/>
+            <a:ext cx="1424037" cy="855040"/>
           </a:xfrm>
           <a:prstGeom prst="bentConnector2">
+            <a:avLst/>
+          </a:prstGeom>
+          <a:ln w="25400">
+            <a:solidFill>
+              <a:schemeClr val="tx1"/>
+            </a:solidFill>
+            <a:headEnd type="stealth"/>
+            <a:tailEnd type="none"/>
+          </a:ln>
+        </p:spPr>
+        <p:style>
+          <a:lnRef idx="1">
+            <a:schemeClr val="accent1"/>
+          </a:lnRef>
+          <a:fillRef idx="0">
+            <a:schemeClr val="accent1"/>
+          </a:fillRef>
+          <a:effectRef idx="0">
+            <a:schemeClr val="accent1"/>
+          </a:effectRef>
+          <a:fontRef idx="minor">
+            <a:schemeClr val="tx1"/>
+          </a:fontRef>
+        </p:style>
+      </p:cxnSp>
+      <mc:AlternateContent xmlns:mc="http://schemas.openxmlformats.org/markup-compatibility/2006">
+        <mc:Choice xmlns:a14="http://schemas.microsoft.com/office/drawing/2010/main" Requires="a14">
+          <p:sp>
+            <p:nvSpPr>
+              <p:cNvPr id="97" name="TextBox 96">
+                <a:extLst>
+                  <a:ext uri="{FF2B5EF4-FFF2-40B4-BE49-F238E27FC236}">
+                    <a16:creationId xmlns:a16="http://schemas.microsoft.com/office/drawing/2014/main" id="{506B88A2-E8A3-4DBF-BFD5-D0307B42F1CA}"/>
+                  </a:ext>
+                </a:extLst>
+              </p:cNvPr>
+              <p:cNvSpPr txBox="1"/>
+              <p:nvPr/>
+            </p:nvSpPr>
+            <p:spPr>
+              <a:xfrm>
+                <a:off x="522069" y="871687"/>
+                <a:ext cx="4429547" cy="2154436"/>
+              </a:xfrm>
+              <a:prstGeom prst="rect">
+                <a:avLst/>
+              </a:prstGeom>
+              <a:noFill/>
+            </p:spPr>
+            <p:txBody>
+              <a:bodyPr wrap="square" rtlCol="0">
+                <a:spAutoFit/>
+              </a:bodyPr>
+              <a:lstStyle/>
+              <a:p>
+                <a:r>
+                  <a:rPr lang="en-US" altLang="ko-KR" sz="3600" b="1" dirty="0"/>
+                  <a:t>KL</a:t>
+                </a:r>
+              </a:p>
+              <a:p>
+                <a:pPr marL="342900" indent="-342900">
+                  <a:buAutoNum type="arabicPeriod"/>
+                </a:pPr>
+                <a:r>
+                  <a:rPr lang="en-US" altLang="ko-KR" sz="1400" dirty="0"/>
+                  <a:t>Generate z1, z2 for each samples in minibatch   </a:t>
+                </a:r>
+                <a:br>
+                  <a:rPr lang="en-US" altLang="ko-KR" sz="1400" b="0" i="1" dirty="0">
+                    <a:latin typeface="Cambria Math" panose="02040503050406030204" pitchFamily="18" charset="0"/>
+                  </a:rPr>
+                </a:br>
+                <a14:m>
+                  <m:oMath xmlns:m="http://schemas.openxmlformats.org/officeDocument/2006/math">
+                    <m:r>
+                      <a:rPr lang="en-US" altLang="ko-KR" sz="1400" b="0" i="1" smtClean="0">
+                        <a:latin typeface="Cambria Math" panose="02040503050406030204" pitchFamily="18" charset="0"/>
+                      </a:rPr>
+                      <m:t>1×</m:t>
+                    </m:r>
+                    <m:r>
+                      <a:rPr lang="en-US" altLang="ko-KR" sz="1400" b="0" i="1" smtClean="0">
+                        <a:latin typeface="Cambria Math" panose="02040503050406030204" pitchFamily="18" charset="0"/>
+                      </a:rPr>
+                      <m:t>𝑑𝑖𝑚</m:t>
+                    </m:r>
+                  </m:oMath>
+                </a14:m>
+                <a:endParaRPr lang="en-US" altLang="ko-KR" sz="1400" dirty="0"/>
+              </a:p>
+              <a:p>
+                <a:pPr marL="342900" indent="-342900">
+                  <a:buAutoNum type="arabicPeriod"/>
+                </a:pPr>
+                <a:r>
+                  <a:rPr lang="en-US" altLang="ko-KR" sz="1400" dirty="0"/>
+                  <a:t>Calculate </a:t>
+                </a:r>
+                <a:r>
+                  <a:rPr lang="en-US" altLang="ko-KR" sz="1400" dirty="0" err="1"/>
+                  <a:t>gumbel</a:t>
+                </a:r>
+                <a:r>
+                  <a:rPr lang="en-US" altLang="ko-KR" sz="1400" dirty="0"/>
+                  <a:t> </a:t>
+                </a:r>
+                <a:r>
+                  <a:rPr lang="en-US" altLang="ko-KR" sz="1400" dirty="0" err="1"/>
+                  <a:t>softmax</a:t>
+                </a:r>
+                <a:r>
+                  <a:rPr lang="en-US" altLang="ko-KR" sz="1400" dirty="0"/>
+                  <a:t> for p, q</a:t>
+                </a:r>
+                <a:br>
+                  <a:rPr lang="en-US" altLang="ko-KR" sz="1400" dirty="0"/>
+                </a:br>
+                <a14:m>
+                  <m:oMath xmlns:m="http://schemas.openxmlformats.org/officeDocument/2006/math">
+                    <m:r>
+                      <a:rPr lang="en-US" altLang="ko-KR" sz="1400" b="0" i="1" smtClean="0">
+                        <a:latin typeface="Cambria Math" panose="02040503050406030204" pitchFamily="18" charset="0"/>
+                      </a:rPr>
+                      <m:t>1×</m:t>
+                    </m:r>
+                    <m:r>
+                      <a:rPr lang="en-US" altLang="ko-KR" sz="1400" b="0" i="1" smtClean="0">
+                        <a:latin typeface="Cambria Math" panose="02040503050406030204" pitchFamily="18" charset="0"/>
+                      </a:rPr>
+                      <m:t>𝐵𝑎𝑡𝑐h𝑠𝑖𝑧𝑒</m:t>
+                    </m:r>
+                  </m:oMath>
+                </a14:m>
+                <a:endParaRPr lang="en-US" altLang="ko-KR" sz="1400" dirty="0"/>
+              </a:p>
+              <a:p>
+                <a:pPr marL="342900" indent="-342900">
+                  <a:buAutoNum type="arabicPeriod"/>
+                </a:pPr>
+                <a:r>
+                  <a:rPr lang="en-US" altLang="ko-KR" sz="1400" dirty="0"/>
+                  <a:t>Calculate KL for two </a:t>
+                </a:r>
+                <a:r>
+                  <a:rPr lang="en-US" altLang="ko-KR" sz="1400" dirty="0" err="1"/>
+                  <a:t>softmax</a:t>
+                </a:r>
+                <a:r>
+                  <a:rPr lang="en-US" altLang="ko-KR" sz="1400" dirty="0"/>
+                  <a:t>. </a:t>
+                </a:r>
+                <a:br>
+                  <a:rPr lang="en-US" altLang="ko-KR" sz="1400" dirty="0"/>
+                </a:br>
+                <a14:m>
+                  <m:oMath xmlns:m="http://schemas.openxmlformats.org/officeDocument/2006/math">
+                    <m:r>
+                      <a:rPr lang="en-US" altLang="ko-KR" sz="1400" b="0" i="1" smtClean="0">
+                        <a:latin typeface="Cambria Math" panose="02040503050406030204" pitchFamily="18" charset="0"/>
+                      </a:rPr>
+                      <m:t>1 </m:t>
+                    </m:r>
+                    <m:r>
+                      <a:rPr lang="en-US" altLang="ko-KR" sz="1400" b="0" i="1" smtClean="0">
+                        <a:latin typeface="Cambria Math" panose="02040503050406030204" pitchFamily="18" charset="0"/>
+                      </a:rPr>
+                      <m:t>𝑠𝑖𝑧𝑒</m:t>
+                    </m:r>
+                  </m:oMath>
+                </a14:m>
+                <a:endParaRPr lang="en-US" altLang="ko-KR" sz="1400" dirty="0"/>
+              </a:p>
+              <a:p>
+                <a:pPr marL="342900" indent="-342900">
+                  <a:buAutoNum type="arabicPeriod"/>
+                </a:pPr>
+                <a:endParaRPr lang="ko-KR" altLang="en-US" sz="1400" dirty="0"/>
+              </a:p>
+            </p:txBody>
+          </p:sp>
+        </mc:Choice>
+        <mc:Fallback>
+          <p:sp>
+            <p:nvSpPr>
+              <p:cNvPr id="97" name="TextBox 96">
+                <a:extLst>
+                  <a:ext uri="{FF2B5EF4-FFF2-40B4-BE49-F238E27FC236}">
+                    <a16:creationId xmlns:a16="http://schemas.microsoft.com/office/drawing/2014/main" id="{506B88A2-E8A3-4DBF-BFD5-D0307B42F1CA}"/>
+                  </a:ext>
+                </a:extLst>
+              </p:cNvPr>
+              <p:cNvSpPr txBox="1">
+                <a:spLocks noRot="1" noChangeAspect="1" noMove="1" noResize="1" noEditPoints="1" noAdjustHandles="1" noChangeArrowheads="1" noChangeShapeType="1" noTextEdit="1"/>
+              </p:cNvSpPr>
+              <p:nvPr/>
+            </p:nvSpPr>
+            <p:spPr>
+              <a:xfrm>
+                <a:off x="522069" y="871687"/>
+                <a:ext cx="4429547" cy="2154436"/>
+              </a:xfrm>
+              <a:prstGeom prst="rect">
+                <a:avLst/>
+              </a:prstGeom>
+              <a:blipFill>
+                <a:blip r:embed="rId8"/>
+                <a:stretch>
+                  <a:fillRect l="-4270" t="-4533" r="-1377"/>
+                </a:stretch>
+              </a:blipFill>
+            </p:spPr>
+            <p:txBody>
+              <a:bodyPr/>
+              <a:lstStyle/>
+              <a:p>
+                <a:r>
+                  <a:rPr lang="ko-KR" altLang="en-US">
+                    <a:noFill/>
+                  </a:rPr>
+                  <a:t> </a:t>
+                </a:r>
+              </a:p>
+            </p:txBody>
+          </p:sp>
+        </mc:Fallback>
+      </mc:AlternateContent>
+      <p:sp>
+        <p:nvSpPr>
+          <p:cNvPr id="106" name="TextBox 105">
+            <a:extLst>
+              <a:ext uri="{FF2B5EF4-FFF2-40B4-BE49-F238E27FC236}">
+                <a16:creationId xmlns:a16="http://schemas.microsoft.com/office/drawing/2014/main" id="{2C75D042-98F4-43E8-8F06-7B2EADEA3391}"/>
+              </a:ext>
+            </a:extLst>
+          </p:cNvPr>
+          <p:cNvSpPr txBox="1"/>
+          <p:nvPr/>
+        </p:nvSpPr>
+        <p:spPr>
+          <a:xfrm>
+            <a:off x="434972" y="3153338"/>
+            <a:ext cx="4429547" cy="1169551"/>
+          </a:xfrm>
+          <a:prstGeom prst="rect">
+            <a:avLst/>
+          </a:prstGeom>
+          <a:noFill/>
+        </p:spPr>
+        <p:txBody>
+          <a:bodyPr wrap="square" rtlCol="0">
+            <a:spAutoFit/>
+          </a:bodyPr>
+          <a:lstStyle/>
+          <a:p>
+            <a:r>
+              <a:rPr lang="en-US" altLang="ko-KR" sz="2800" b="1" dirty="0"/>
+              <a:t>Generate Z1, Z2</a:t>
+            </a:r>
+          </a:p>
+          <a:p>
+            <a:endParaRPr lang="en-US" altLang="ko-KR" sz="1400" dirty="0"/>
+          </a:p>
+          <a:p>
+            <a:pPr marL="342900" indent="-342900">
+              <a:buAutoNum type="arabicPeriod"/>
+            </a:pPr>
+            <a:r>
+              <a:rPr lang="en-US" altLang="ko-KR" sz="1400" dirty="0"/>
+              <a:t>q(</a:t>
+            </a:r>
+            <a:r>
+              <a:rPr lang="en-US" altLang="ko-KR" sz="1400" dirty="0" err="1"/>
+              <a:t>z|y</a:t>
+            </a:r>
+            <a:r>
+              <a:rPr lang="en-US" altLang="ko-KR" sz="1400" dirty="0"/>
+              <a:t>) -&gt; mean the matrix dim=1(</a:t>
+            </a:r>
+            <a:r>
+              <a:rPr lang="en-US" altLang="ko-KR" sz="1400" dirty="0" err="1"/>
+              <a:t>tok</a:t>
+            </a:r>
+            <a:r>
+              <a:rPr lang="en-US" altLang="ko-KR" sz="1400" dirty="0"/>
+              <a:t>)… </a:t>
+            </a:r>
+            <a:r>
+              <a:rPr lang="en-US" altLang="ko-KR" sz="1400" dirty="0" err="1"/>
+              <a:t>haha</a:t>
+            </a:r>
+            <a:endParaRPr lang="en-US" altLang="ko-KR" sz="1400" dirty="0"/>
+          </a:p>
+          <a:p>
+            <a:pPr marL="342900" indent="-342900">
+              <a:buAutoNum type="arabicPeriod"/>
+            </a:pPr>
+            <a:r>
+              <a:rPr lang="en-US" altLang="ko-KR" sz="1400" dirty="0"/>
+              <a:t>p(</a:t>
+            </a:r>
+            <a:r>
+              <a:rPr lang="en-US" altLang="ko-KR" sz="1400" dirty="0" err="1"/>
+              <a:t>x|y</a:t>
+            </a:r>
+            <a:r>
+              <a:rPr lang="en-US" altLang="ko-KR" sz="1400" dirty="0"/>
+              <a:t>) -&gt; mean the matrix dim=1(</a:t>
+            </a:r>
+            <a:r>
+              <a:rPr lang="en-US" altLang="ko-KR" sz="1400" dirty="0" err="1"/>
+              <a:t>tok</a:t>
+            </a:r>
+            <a:r>
+              <a:rPr lang="en-US" altLang="ko-KR" sz="1400" dirty="0"/>
+              <a:t>)… </a:t>
+            </a:r>
+            <a:r>
+              <a:rPr lang="en-US" altLang="ko-KR" sz="1400" dirty="0" err="1"/>
+              <a:t>haha</a:t>
+            </a:r>
+            <a:endParaRPr lang="en-US" altLang="ko-KR" sz="1400" dirty="0"/>
+          </a:p>
+        </p:txBody>
+      </p:sp>
+      <p:sp>
+        <p:nvSpPr>
+          <p:cNvPr id="102" name="TextBox 101">
+            <a:extLst>
+              <a:ext uri="{FF2B5EF4-FFF2-40B4-BE49-F238E27FC236}">
+                <a16:creationId xmlns:a16="http://schemas.microsoft.com/office/drawing/2014/main" id="{CEC8E9C1-4573-44E8-A0D8-274FFF1C1857}"/>
+              </a:ext>
+            </a:extLst>
+          </p:cNvPr>
+          <p:cNvSpPr txBox="1"/>
+          <p:nvPr/>
+        </p:nvSpPr>
+        <p:spPr>
+          <a:xfrm>
+            <a:off x="252247" y="4948973"/>
+            <a:ext cx="5050609" cy="461665"/>
+          </a:xfrm>
+          <a:prstGeom prst="rect">
+            <a:avLst/>
+          </a:prstGeom>
+          <a:noFill/>
+        </p:spPr>
+        <p:txBody>
+          <a:bodyPr wrap="square" rtlCol="0">
+            <a:spAutoFit/>
+          </a:bodyPr>
+          <a:lstStyle/>
+          <a:p>
+            <a:r>
+              <a:rPr lang="en-US" altLang="ko-KR" sz="1200" b="1" dirty="0"/>
+              <a:t>+ Annealing  We don’t optimize it in the early stage</a:t>
+            </a:r>
+          </a:p>
+          <a:p>
+            <a:r>
+              <a:rPr lang="en-US" altLang="ko-KR" sz="1200" b="1" dirty="0"/>
+              <a:t>+ </a:t>
+            </a:r>
+            <a:endParaRPr lang="ko-KR" altLang="en-US" sz="1200" b="1" dirty="0"/>
+          </a:p>
+        </p:txBody>
+      </p:sp>
+    </p:spTree>
+    <p:extLst>
+      <p:ext uri="{BB962C8B-B14F-4D97-AF65-F5344CB8AC3E}">
+        <p14:creationId xmlns:p14="http://schemas.microsoft.com/office/powerpoint/2010/main" val="704606229"/>
+      </p:ext>
+    </p:extLst>
+  </p:cSld>
+  <p:clrMapOvr>
+    <a:masterClrMapping/>
+  </p:clrMapOvr>
+</p:sld>
+</file>
+
+<file path=ppt/slides/slide4.xml><?xml version="1.0" encoding="utf-8"?>
+<p:sld xmlns:a="http://schemas.openxmlformats.org/drawingml/2006/main" xmlns:r="http://schemas.openxmlformats.org/officeDocument/2006/relationships" xmlns:p="http://schemas.openxmlformats.org/presentationml/2006/main">
+  <p:cSld>
+    <p:spTree>
+      <p:nvGrpSpPr>
+        <p:cNvPr id="1" name=""/>
+        <p:cNvGrpSpPr/>
+        <p:nvPr/>
+      </p:nvGrpSpPr>
+      <p:grpSpPr>
+        <a:xfrm>
+          <a:off x="0" y="0"/>
+          <a:ext cx="0" cy="0"/>
+          <a:chOff x="0" y="0"/>
+          <a:chExt cx="0" cy="0"/>
+        </a:xfrm>
+      </p:grpSpPr>
+      <p:sp>
+        <p:nvSpPr>
+          <p:cNvPr id="4" name="사각형: 둥근 모서리 3">
+            <a:extLst>
+              <a:ext uri="{FF2B5EF4-FFF2-40B4-BE49-F238E27FC236}">
+                <a16:creationId xmlns:a16="http://schemas.microsoft.com/office/drawing/2014/main" id="{D6730E09-3A21-43F6-B078-CC699D4F11B0}"/>
+              </a:ext>
+            </a:extLst>
+          </p:cNvPr>
+          <p:cNvSpPr/>
+          <p:nvPr/>
+        </p:nvSpPr>
+        <p:spPr>
+          <a:xfrm>
+            <a:off x="5657967" y="5572731"/>
+            <a:ext cx="1052264" cy="426203"/>
+          </a:xfrm>
+          <a:prstGeom prst="roundRect">
+            <a:avLst>
+              <a:gd name="adj" fmla="val 9190"/>
+            </a:avLst>
+          </a:prstGeom>
+          <a:solidFill>
+            <a:srgbClr val="FCDFE0"/>
+          </a:solidFill>
+          <a:ln>
+            <a:solidFill>
+              <a:schemeClr val="tx1"/>
+            </a:solidFill>
+          </a:ln>
+        </p:spPr>
+        <p:style>
+          <a:lnRef idx="2">
+            <a:schemeClr val="accent1">
+              <a:shade val="50000"/>
+            </a:schemeClr>
+          </a:lnRef>
+          <a:fillRef idx="1">
+            <a:schemeClr val="accent1"/>
+          </a:fillRef>
+          <a:effectRef idx="0">
+            <a:schemeClr val="accent1"/>
+          </a:effectRef>
+          <a:fontRef idx="minor">
+            <a:schemeClr val="lt1"/>
+          </a:fontRef>
+        </p:style>
+        <p:txBody>
+          <a:bodyPr rtlCol="0" anchor="ctr"/>
+          <a:lstStyle/>
+          <a:p>
+            <a:pPr algn="ctr"/>
+            <a:r>
+              <a:rPr lang="en-US" altLang="ko-KR" sz="1200" dirty="0">
+                <a:solidFill>
+                  <a:sysClr val="windowText" lastClr="000000"/>
+                </a:solidFill>
+              </a:rPr>
+              <a:t>Input</a:t>
+            </a:r>
+          </a:p>
+          <a:p>
+            <a:pPr algn="ctr"/>
+            <a:r>
+              <a:rPr lang="en-US" altLang="ko-KR" sz="1200" dirty="0">
+                <a:solidFill>
+                  <a:sysClr val="windowText" lastClr="000000"/>
+                </a:solidFill>
+              </a:rPr>
+              <a:t>Embedding</a:t>
+            </a:r>
+            <a:endParaRPr lang="ko-KR" altLang="en-US" sz="1200" dirty="0">
+              <a:solidFill>
+                <a:sysClr val="windowText" lastClr="000000"/>
+              </a:solidFill>
+            </a:endParaRPr>
+          </a:p>
+        </p:txBody>
+      </p:sp>
+      <p:sp>
+        <p:nvSpPr>
+          <p:cNvPr id="7" name="사각형: 둥근 모서리 6">
+            <a:extLst>
+              <a:ext uri="{FF2B5EF4-FFF2-40B4-BE49-F238E27FC236}">
+                <a16:creationId xmlns:a16="http://schemas.microsoft.com/office/drawing/2014/main" id="{B82A19F1-1F11-4C2C-93A9-C61766BA4B5A}"/>
+              </a:ext>
+            </a:extLst>
+          </p:cNvPr>
+          <p:cNvSpPr/>
+          <p:nvPr/>
+        </p:nvSpPr>
+        <p:spPr>
+          <a:xfrm>
+            <a:off x="9322902" y="5559124"/>
+            <a:ext cx="1052264" cy="426203"/>
+          </a:xfrm>
+          <a:prstGeom prst="roundRect">
+            <a:avLst>
+              <a:gd name="adj" fmla="val 9190"/>
+            </a:avLst>
+          </a:prstGeom>
+          <a:solidFill>
+            <a:srgbClr val="FCDFE0"/>
+          </a:solidFill>
+          <a:ln>
+            <a:solidFill>
+              <a:schemeClr val="tx1"/>
+            </a:solidFill>
+          </a:ln>
+        </p:spPr>
+        <p:style>
+          <a:lnRef idx="2">
+            <a:schemeClr val="accent1">
+              <a:shade val="50000"/>
+            </a:schemeClr>
+          </a:lnRef>
+          <a:fillRef idx="1">
+            <a:schemeClr val="accent1"/>
+          </a:fillRef>
+          <a:effectRef idx="0">
+            <a:schemeClr val="accent1"/>
+          </a:effectRef>
+          <a:fontRef idx="minor">
+            <a:schemeClr val="lt1"/>
+          </a:fontRef>
+        </p:style>
+        <p:txBody>
+          <a:bodyPr rtlCol="0" anchor="ctr"/>
+          <a:lstStyle/>
+          <a:p>
+            <a:pPr algn="ctr"/>
+            <a:r>
+              <a:rPr lang="en-US" altLang="ko-KR" sz="1200" dirty="0">
+                <a:solidFill>
+                  <a:sysClr val="windowText" lastClr="000000"/>
+                </a:solidFill>
+              </a:rPr>
+              <a:t>Output</a:t>
+            </a:r>
+          </a:p>
+          <a:p>
+            <a:pPr algn="ctr"/>
+            <a:r>
+              <a:rPr lang="en-US" altLang="ko-KR" sz="1200" dirty="0">
+                <a:solidFill>
+                  <a:sysClr val="windowText" lastClr="000000"/>
+                </a:solidFill>
+              </a:rPr>
+              <a:t>Embedding</a:t>
+            </a:r>
+            <a:endParaRPr lang="ko-KR" altLang="en-US" sz="1200" dirty="0">
+              <a:solidFill>
+                <a:sysClr val="windowText" lastClr="000000"/>
+              </a:solidFill>
+            </a:endParaRPr>
+          </a:p>
+        </p:txBody>
+      </p:sp>
+      <p:cxnSp>
+        <p:nvCxnSpPr>
+          <p:cNvPr id="8" name="직선 화살표 연결선 7">
+            <a:extLst>
+              <a:ext uri="{FF2B5EF4-FFF2-40B4-BE49-F238E27FC236}">
+                <a16:creationId xmlns:a16="http://schemas.microsoft.com/office/drawing/2014/main" id="{F516FC2E-05F0-4E31-B132-4526AAA96EFF}"/>
+              </a:ext>
+            </a:extLst>
+          </p:cNvPr>
+          <p:cNvCxnSpPr>
+            <a:cxnSpLocks/>
+            <a:stCxn id="4" idx="2"/>
+            <a:endCxn id="28" idx="0"/>
+          </p:cNvCxnSpPr>
+          <p:nvPr/>
+        </p:nvCxnSpPr>
+        <p:spPr>
+          <a:xfrm>
+            <a:off x="6184099" y="5998934"/>
+            <a:ext cx="1265" cy="356002"/>
+          </a:xfrm>
+          <a:prstGeom prst="straightConnector1">
+            <a:avLst/>
+          </a:prstGeom>
+          <a:ln w="25400">
+            <a:solidFill>
+              <a:schemeClr val="tx1"/>
+            </a:solidFill>
+            <a:headEnd type="stealth"/>
+            <a:tailEnd type="none"/>
+          </a:ln>
+        </p:spPr>
+        <p:style>
+          <a:lnRef idx="1">
+            <a:schemeClr val="accent1"/>
+          </a:lnRef>
+          <a:fillRef idx="0">
+            <a:schemeClr val="accent1"/>
+          </a:fillRef>
+          <a:effectRef idx="0">
+            <a:schemeClr val="accent1"/>
+          </a:effectRef>
+          <a:fontRef idx="minor">
+            <a:schemeClr val="tx1"/>
+          </a:fontRef>
+        </p:style>
+      </p:cxnSp>
+      <p:cxnSp>
+        <p:nvCxnSpPr>
+          <p:cNvPr id="16" name="직선 화살표 연결선 15">
+            <a:extLst>
+              <a:ext uri="{FF2B5EF4-FFF2-40B4-BE49-F238E27FC236}">
+                <a16:creationId xmlns:a16="http://schemas.microsoft.com/office/drawing/2014/main" id="{5320BFE3-B279-43F4-A749-A122979DDFBD}"/>
+              </a:ext>
+            </a:extLst>
+          </p:cNvPr>
+          <p:cNvCxnSpPr>
+            <a:cxnSpLocks/>
+            <a:stCxn id="31" idx="2"/>
+            <a:endCxn id="4" idx="0"/>
+          </p:cNvCxnSpPr>
+          <p:nvPr/>
+        </p:nvCxnSpPr>
+        <p:spPr>
+          <a:xfrm>
+            <a:off x="6175272" y="5204817"/>
+            <a:ext cx="8827" cy="367914"/>
+          </a:xfrm>
+          <a:prstGeom prst="straightConnector1">
+            <a:avLst/>
+          </a:prstGeom>
+          <a:ln w="25400">
+            <a:solidFill>
+              <a:schemeClr val="tx1"/>
+            </a:solidFill>
+            <a:headEnd type="stealth"/>
+            <a:tailEnd type="none"/>
+          </a:ln>
+        </p:spPr>
+        <p:style>
+          <a:lnRef idx="1">
+            <a:schemeClr val="accent1"/>
+          </a:lnRef>
+          <a:fillRef idx="0">
+            <a:schemeClr val="accent1"/>
+          </a:fillRef>
+          <a:effectRef idx="0">
+            <a:schemeClr val="accent1"/>
+          </a:effectRef>
+          <a:fontRef idx="minor">
+            <a:schemeClr val="tx1"/>
+          </a:fontRef>
+        </p:style>
+      </p:cxnSp>
+      <p:cxnSp>
+        <p:nvCxnSpPr>
+          <p:cNvPr id="24" name="직선 화살표 연결선 23">
+            <a:extLst>
+              <a:ext uri="{FF2B5EF4-FFF2-40B4-BE49-F238E27FC236}">
+                <a16:creationId xmlns:a16="http://schemas.microsoft.com/office/drawing/2014/main" id="{B1B38C2D-16CC-4B03-AF87-5316ED66257C}"/>
+              </a:ext>
+            </a:extLst>
+          </p:cNvPr>
+          <p:cNvCxnSpPr>
+            <a:cxnSpLocks/>
+            <a:stCxn id="53" idx="2"/>
+          </p:cNvCxnSpPr>
+          <p:nvPr/>
+        </p:nvCxnSpPr>
+        <p:spPr>
+          <a:xfrm>
+            <a:off x="9849034" y="4948973"/>
+            <a:ext cx="638" cy="623463"/>
+          </a:xfrm>
+          <a:prstGeom prst="straightConnector1">
+            <a:avLst/>
+          </a:prstGeom>
+          <a:ln w="25400">
+            <a:solidFill>
+              <a:schemeClr val="tx1"/>
+            </a:solidFill>
+            <a:headEnd type="stealth"/>
+            <a:tailEnd type="none"/>
+          </a:ln>
+        </p:spPr>
+        <p:style>
+          <a:lnRef idx="1">
+            <a:schemeClr val="accent1"/>
+          </a:lnRef>
+          <a:fillRef idx="0">
+            <a:schemeClr val="accent1"/>
+          </a:fillRef>
+          <a:effectRef idx="0">
+            <a:schemeClr val="accent1"/>
+          </a:effectRef>
+          <a:fontRef idx="minor">
+            <a:schemeClr val="tx1"/>
+          </a:fontRef>
+        </p:style>
+      </p:cxnSp>
+      <p:cxnSp>
+        <p:nvCxnSpPr>
+          <p:cNvPr id="26" name="직선 화살표 연결선 25">
+            <a:extLst>
+              <a:ext uri="{FF2B5EF4-FFF2-40B4-BE49-F238E27FC236}">
+                <a16:creationId xmlns:a16="http://schemas.microsoft.com/office/drawing/2014/main" id="{BF9F2AFE-4F0A-4158-B7F2-9E6776DE1781}"/>
+              </a:ext>
+            </a:extLst>
+          </p:cNvPr>
+          <p:cNvCxnSpPr>
+            <a:cxnSpLocks/>
+            <a:stCxn id="7" idx="2"/>
+          </p:cNvCxnSpPr>
+          <p:nvPr/>
+        </p:nvCxnSpPr>
+        <p:spPr>
+          <a:xfrm>
+            <a:off x="9849034" y="5985327"/>
+            <a:ext cx="0" cy="286154"/>
+          </a:xfrm>
+          <a:prstGeom prst="straightConnector1">
+            <a:avLst/>
+          </a:prstGeom>
+          <a:ln w="25400">
+            <a:solidFill>
+              <a:schemeClr val="tx1"/>
+            </a:solidFill>
+            <a:headEnd type="stealth"/>
+            <a:tailEnd type="none"/>
+          </a:ln>
+        </p:spPr>
+        <p:style>
+          <a:lnRef idx="1">
+            <a:schemeClr val="accent1"/>
+          </a:lnRef>
+          <a:fillRef idx="0">
+            <a:schemeClr val="accent1"/>
+          </a:fillRef>
+          <a:effectRef idx="0">
+            <a:schemeClr val="accent1"/>
+          </a:effectRef>
+          <a:fontRef idx="minor">
+            <a:schemeClr val="tx1"/>
+          </a:fontRef>
+        </p:style>
+      </p:cxnSp>
+      <mc:AlternateContent xmlns:mc="http://schemas.openxmlformats.org/markup-compatibility/2006" xmlns:a14="http://schemas.microsoft.com/office/drawing/2010/main">
+        <mc:Choice Requires="a14">
+          <p:sp>
+            <p:nvSpPr>
+              <p:cNvPr id="28" name="TextBox 27">
+                <a:extLst>
+                  <a:ext uri="{FF2B5EF4-FFF2-40B4-BE49-F238E27FC236}">
+                    <a16:creationId xmlns:a16="http://schemas.microsoft.com/office/drawing/2014/main" id="{E8E4532C-C792-4052-92BA-5B0012767B78}"/>
+                  </a:ext>
+                </a:extLst>
+              </p:cNvPr>
+              <p:cNvSpPr txBox="1"/>
+              <p:nvPr/>
+            </p:nvSpPr>
+            <p:spPr>
+              <a:xfrm>
+                <a:off x="5946282" y="6354936"/>
+                <a:ext cx="478164" cy="307777"/>
+              </a:xfrm>
+              <a:prstGeom prst="rect">
+                <a:avLst/>
+              </a:prstGeom>
+              <a:noFill/>
+            </p:spPr>
+            <p:txBody>
+              <a:bodyPr wrap="square" rtlCol="0">
+                <a:spAutoFit/>
+              </a:bodyPr>
+              <a:lstStyle/>
+              <a:p>
+                <a:pPr/>
+                <a14:m>
+                  <m:oMathPara xmlns:m="http://schemas.openxmlformats.org/officeDocument/2006/math">
+                    <m:oMathParaPr>
+                      <m:jc m:val="centerGroup"/>
+                    </m:oMathParaPr>
+                    <m:oMath xmlns:m="http://schemas.openxmlformats.org/officeDocument/2006/math">
+                      <m:r>
+                        <a:rPr lang="en-US" altLang="ko-KR" sz="1400" i="1" dirty="0" smtClean="0">
+                          <a:latin typeface="Cambria Math" panose="02040503050406030204" pitchFamily="18" charset="0"/>
+                        </a:rPr>
+                        <m:t>𝑋</m:t>
+                      </m:r>
+                    </m:oMath>
+                  </m:oMathPara>
+                </a14:m>
+                <a:endParaRPr lang="ko-KR" altLang="en-US" sz="1400" dirty="0"/>
+              </a:p>
+            </p:txBody>
+          </p:sp>
+        </mc:Choice>
+        <mc:Fallback xmlns="">
+          <p:sp>
+            <p:nvSpPr>
+              <p:cNvPr id="28" name="TextBox 27">
+                <a:extLst>
+                  <a:ext uri="{FF2B5EF4-FFF2-40B4-BE49-F238E27FC236}">
+                    <a16:creationId xmlns:a16="http://schemas.microsoft.com/office/drawing/2014/main" id="{E8E4532C-C792-4052-92BA-5B0012767B78}"/>
+                  </a:ext>
+                </a:extLst>
+              </p:cNvPr>
+              <p:cNvSpPr txBox="1">
+                <a:spLocks noRot="1" noChangeAspect="1" noMove="1" noResize="1" noEditPoints="1" noAdjustHandles="1" noChangeArrowheads="1" noChangeShapeType="1" noTextEdit="1"/>
+              </p:cNvSpPr>
+              <p:nvPr/>
+            </p:nvSpPr>
+            <p:spPr>
+              <a:xfrm>
+                <a:off x="5946282" y="6354936"/>
+                <a:ext cx="478164" cy="307777"/>
+              </a:xfrm>
+              <a:prstGeom prst="rect">
+                <a:avLst/>
+              </a:prstGeom>
+              <a:blipFill>
+                <a:blip r:embed="rId2"/>
+                <a:stretch>
+                  <a:fillRect/>
+                </a:stretch>
+              </a:blipFill>
+            </p:spPr>
+            <p:txBody>
+              <a:bodyPr/>
+              <a:lstStyle/>
+              <a:p>
+                <a:r>
+                  <a:rPr lang="ko-KR" altLang="en-US">
+                    <a:noFill/>
+                  </a:rPr>
+                  <a:t> </a:t>
+                </a:r>
+              </a:p>
+            </p:txBody>
+          </p:sp>
+        </mc:Fallback>
+      </mc:AlternateContent>
+      <mc:AlternateContent xmlns:mc="http://schemas.openxmlformats.org/markup-compatibility/2006" xmlns:a14="http://schemas.microsoft.com/office/drawing/2010/main">
+        <mc:Choice Requires="a14">
+          <p:sp>
+            <p:nvSpPr>
+              <p:cNvPr id="30" name="TextBox 29">
+                <a:extLst>
+                  <a:ext uri="{FF2B5EF4-FFF2-40B4-BE49-F238E27FC236}">
+                    <a16:creationId xmlns:a16="http://schemas.microsoft.com/office/drawing/2014/main" id="{B132E278-11D5-40DA-B588-51B62FC68AC2}"/>
+                  </a:ext>
+                </a:extLst>
+              </p:cNvPr>
+              <p:cNvSpPr txBox="1"/>
+              <p:nvPr/>
+            </p:nvSpPr>
+            <p:spPr>
+              <a:xfrm>
+                <a:off x="9175879" y="6259925"/>
+                <a:ext cx="1525683" cy="307777"/>
+              </a:xfrm>
+              <a:prstGeom prst="rect">
+                <a:avLst/>
+              </a:prstGeom>
+              <a:noFill/>
+            </p:spPr>
+            <p:txBody>
+              <a:bodyPr wrap="square" rtlCol="0">
+                <a:spAutoFit/>
+              </a:bodyPr>
+              <a:lstStyle/>
+              <a:p>
+                <a:r>
+                  <a:rPr lang="en-US" altLang="ko-KR" sz="1400" b="0" dirty="0"/>
+                  <a:t> </a:t>
+                </a:r>
+                <a14:m>
+                  <m:oMath xmlns:m="http://schemas.openxmlformats.org/officeDocument/2006/math">
+                    <m:r>
+                      <a:rPr lang="en-US" altLang="ko-KR" sz="1400" b="0" i="1" smtClean="0">
+                        <a:latin typeface="Cambria Math" panose="02040503050406030204" pitchFamily="18" charset="0"/>
+                      </a:rPr>
+                      <m:t>𝑌</m:t>
+                    </m:r>
+                    <m:r>
+                      <m:rPr>
+                        <m:nor/>
+                      </m:rPr>
+                      <a:rPr lang="en-US" altLang="ko-KR" sz="1400" dirty="0"/>
+                      <m:t>(</m:t>
+                    </m:r>
+                    <m:r>
+                      <m:rPr>
+                        <m:nor/>
+                      </m:rPr>
+                      <a:rPr lang="en-US" altLang="ko-KR" sz="1400" dirty="0"/>
+                      <m:t>shifted</m:t>
+                    </m:r>
+                    <m:r>
+                      <m:rPr>
+                        <m:nor/>
+                      </m:rPr>
+                      <a:rPr lang="en-US" altLang="ko-KR" sz="1400" dirty="0"/>
+                      <m:t> </m:t>
+                    </m:r>
+                    <m:r>
+                      <m:rPr>
+                        <m:nor/>
+                      </m:rPr>
+                      <a:rPr lang="en-US" altLang="ko-KR" sz="1400" dirty="0"/>
+                      <m:t>right</m:t>
+                    </m:r>
+                    <m:r>
+                      <m:rPr>
+                        <m:nor/>
+                      </m:rPr>
+                      <a:rPr lang="en-US" altLang="ko-KR" sz="1400" dirty="0"/>
+                      <m:t>)</m:t>
+                    </m:r>
+                  </m:oMath>
+                </a14:m>
+                <a:endParaRPr lang="ko-KR" altLang="en-US" sz="1400" dirty="0"/>
+              </a:p>
+            </p:txBody>
+          </p:sp>
+        </mc:Choice>
+        <mc:Fallback xmlns="">
+          <p:sp>
+            <p:nvSpPr>
+              <p:cNvPr id="30" name="TextBox 29">
+                <a:extLst>
+                  <a:ext uri="{FF2B5EF4-FFF2-40B4-BE49-F238E27FC236}">
+                    <a16:creationId xmlns:a16="http://schemas.microsoft.com/office/drawing/2014/main" id="{B132E278-11D5-40DA-B588-51B62FC68AC2}"/>
+                  </a:ext>
+                </a:extLst>
+              </p:cNvPr>
+              <p:cNvSpPr txBox="1">
+                <a:spLocks noRot="1" noChangeAspect="1" noMove="1" noResize="1" noEditPoints="1" noAdjustHandles="1" noChangeArrowheads="1" noChangeShapeType="1" noTextEdit="1"/>
+              </p:cNvSpPr>
+              <p:nvPr/>
+            </p:nvSpPr>
+            <p:spPr>
+              <a:xfrm>
+                <a:off x="9175879" y="6259925"/>
+                <a:ext cx="1525683" cy="307777"/>
+              </a:xfrm>
+              <a:prstGeom prst="rect">
+                <a:avLst/>
+              </a:prstGeom>
+              <a:blipFill>
+                <a:blip r:embed="rId3"/>
+                <a:stretch>
+                  <a:fillRect b="-14000"/>
+                </a:stretch>
+              </a:blipFill>
+            </p:spPr>
+            <p:txBody>
+              <a:bodyPr/>
+              <a:lstStyle/>
+              <a:p>
+                <a:r>
+                  <a:rPr lang="ko-KR" altLang="en-US">
+                    <a:noFill/>
+                  </a:rPr>
+                  <a:t> </a:t>
+                </a:r>
+              </a:p>
+            </p:txBody>
+          </p:sp>
+        </mc:Fallback>
+      </mc:AlternateContent>
+      <p:sp>
+        <p:nvSpPr>
+          <p:cNvPr id="31" name="사각형: 둥근 모서리 30">
+            <a:extLst>
+              <a:ext uri="{FF2B5EF4-FFF2-40B4-BE49-F238E27FC236}">
+                <a16:creationId xmlns:a16="http://schemas.microsoft.com/office/drawing/2014/main" id="{37531404-96B4-4CDD-BA40-EA6246BCDF5F}"/>
+              </a:ext>
+            </a:extLst>
+          </p:cNvPr>
+          <p:cNvSpPr/>
+          <p:nvPr/>
+        </p:nvSpPr>
+        <p:spPr>
+          <a:xfrm>
+            <a:off x="5412424" y="4314150"/>
+            <a:ext cx="1525695" cy="890667"/>
+          </a:xfrm>
+          <a:prstGeom prst="roundRect">
+            <a:avLst>
+              <a:gd name="adj" fmla="val 9190"/>
+            </a:avLst>
+          </a:prstGeom>
+          <a:solidFill>
+            <a:schemeClr val="bg1">
+              <a:lumMod val="95000"/>
+            </a:schemeClr>
+          </a:solidFill>
+          <a:ln>
+            <a:solidFill>
+              <a:schemeClr val="tx1"/>
+            </a:solidFill>
+          </a:ln>
+        </p:spPr>
+        <p:style>
+          <a:lnRef idx="2">
+            <a:schemeClr val="accent1">
+              <a:shade val="50000"/>
+            </a:schemeClr>
+          </a:lnRef>
+          <a:fillRef idx="1">
+            <a:schemeClr val="accent1"/>
+          </a:fillRef>
+          <a:effectRef idx="0">
+            <a:schemeClr val="accent1"/>
+          </a:effectRef>
+          <a:fontRef idx="minor">
+            <a:schemeClr val="lt1"/>
+          </a:fontRef>
+        </p:style>
+        <p:txBody>
+          <a:bodyPr rtlCol="0" anchor="ctr"/>
+          <a:lstStyle/>
+          <a:p>
+            <a:pPr algn="ctr"/>
+            <a:r>
+              <a:rPr lang="en-US" altLang="ko-KR" sz="2400" b="1" dirty="0">
+                <a:solidFill>
+                  <a:sysClr val="windowText" lastClr="000000"/>
+                </a:solidFill>
+              </a:rPr>
+              <a:t>Encoder</a:t>
+            </a:r>
+          </a:p>
+        </p:txBody>
+      </p:sp>
+      <p:sp>
+        <p:nvSpPr>
+          <p:cNvPr id="47" name="사각형: 둥근 모서리 46">
+            <a:extLst>
+              <a:ext uri="{FF2B5EF4-FFF2-40B4-BE49-F238E27FC236}">
+                <a16:creationId xmlns:a16="http://schemas.microsoft.com/office/drawing/2014/main" id="{B614370B-2978-4217-8D4A-664509E5DA23}"/>
+              </a:ext>
+            </a:extLst>
+          </p:cNvPr>
+          <p:cNvSpPr/>
+          <p:nvPr/>
+        </p:nvSpPr>
+        <p:spPr>
+          <a:xfrm>
+            <a:off x="9091400" y="1764256"/>
+            <a:ext cx="1525695" cy="3335804"/>
+          </a:xfrm>
+          <a:prstGeom prst="roundRect">
+            <a:avLst>
+              <a:gd name="adj" fmla="val 9190"/>
+            </a:avLst>
+          </a:prstGeom>
+          <a:solidFill>
+            <a:schemeClr val="bg1">
+              <a:lumMod val="95000"/>
+            </a:schemeClr>
+          </a:solidFill>
+          <a:ln>
+            <a:solidFill>
+              <a:schemeClr val="tx1"/>
+            </a:solidFill>
+          </a:ln>
+        </p:spPr>
+        <p:style>
+          <a:lnRef idx="2">
+            <a:schemeClr val="accent1">
+              <a:shade val="50000"/>
+            </a:schemeClr>
+          </a:lnRef>
+          <a:fillRef idx="1">
+            <a:schemeClr val="accent1"/>
+          </a:fillRef>
+          <a:effectRef idx="0">
+            <a:schemeClr val="accent1"/>
+          </a:effectRef>
+          <a:fontRef idx="minor">
+            <a:schemeClr val="lt1"/>
+          </a:fontRef>
+        </p:style>
+        <p:txBody>
+          <a:bodyPr rtlCol="0" anchor="ctr"/>
+          <a:lstStyle/>
+          <a:p>
+            <a:pPr algn="ctr"/>
+            <a:endParaRPr lang="en-US" altLang="ko-KR" sz="1200" dirty="0">
+              <a:solidFill>
+                <a:sysClr val="windowText" lastClr="000000"/>
+              </a:solidFill>
+            </a:endParaRPr>
+          </a:p>
+        </p:txBody>
+      </p:sp>
+      <p:cxnSp>
+        <p:nvCxnSpPr>
+          <p:cNvPr id="48" name="직선 화살표 연결선 47">
+            <a:extLst>
+              <a:ext uri="{FF2B5EF4-FFF2-40B4-BE49-F238E27FC236}">
+                <a16:creationId xmlns:a16="http://schemas.microsoft.com/office/drawing/2014/main" id="{0B678EE3-D893-437D-9611-E771DF28FA63}"/>
+              </a:ext>
+            </a:extLst>
+          </p:cNvPr>
+          <p:cNvCxnSpPr>
+            <a:cxnSpLocks/>
+          </p:cNvCxnSpPr>
+          <p:nvPr/>
+        </p:nvCxnSpPr>
+        <p:spPr>
+          <a:xfrm flipH="1">
+            <a:off x="9849035" y="3672210"/>
+            <a:ext cx="316892" cy="447548"/>
+          </a:xfrm>
+          <a:prstGeom prst="straightConnector1">
+            <a:avLst/>
+          </a:prstGeom>
+          <a:ln w="25400">
+            <a:solidFill>
+              <a:schemeClr val="tx1"/>
+            </a:solidFill>
+            <a:headEnd type="stealth"/>
+            <a:tailEnd type="none"/>
+          </a:ln>
+        </p:spPr>
+        <p:style>
+          <a:lnRef idx="1">
+            <a:schemeClr val="accent1"/>
+          </a:lnRef>
+          <a:fillRef idx="0">
+            <a:schemeClr val="accent1"/>
+          </a:fillRef>
+          <a:effectRef idx="0">
+            <a:schemeClr val="accent1"/>
+          </a:effectRef>
+          <a:fontRef idx="minor">
+            <a:schemeClr val="tx1"/>
+          </a:fontRef>
+        </p:style>
+      </p:cxnSp>
+      <p:sp>
+        <p:nvSpPr>
+          <p:cNvPr id="49" name="사각형: 둥근 모서리 48">
+            <a:extLst>
+              <a:ext uri="{FF2B5EF4-FFF2-40B4-BE49-F238E27FC236}">
+                <a16:creationId xmlns:a16="http://schemas.microsoft.com/office/drawing/2014/main" id="{ABF60048-C6B8-4CF4-BAA0-329E6581EF8B}"/>
+              </a:ext>
+            </a:extLst>
+          </p:cNvPr>
+          <p:cNvSpPr/>
+          <p:nvPr/>
+        </p:nvSpPr>
+        <p:spPr>
+          <a:xfrm>
+            <a:off x="9328114" y="3246007"/>
+            <a:ext cx="1052264" cy="426203"/>
+          </a:xfrm>
+          <a:prstGeom prst="roundRect">
+            <a:avLst>
+              <a:gd name="adj" fmla="val 9190"/>
+            </a:avLst>
+          </a:prstGeom>
+          <a:solidFill>
+            <a:schemeClr val="accent4">
+              <a:lumMod val="40000"/>
+              <a:lumOff val="60000"/>
+            </a:schemeClr>
+          </a:solidFill>
+          <a:ln>
+            <a:solidFill>
+              <a:schemeClr val="tx1"/>
+            </a:solidFill>
+          </a:ln>
+        </p:spPr>
+        <p:style>
+          <a:lnRef idx="2">
+            <a:schemeClr val="accent1">
+              <a:shade val="50000"/>
+            </a:schemeClr>
+          </a:lnRef>
+          <a:fillRef idx="1">
+            <a:schemeClr val="accent1"/>
+          </a:fillRef>
+          <a:effectRef idx="0">
+            <a:schemeClr val="accent1"/>
+          </a:effectRef>
+          <a:fontRef idx="minor">
+            <a:schemeClr val="lt1"/>
+          </a:fontRef>
+        </p:style>
+        <p:txBody>
+          <a:bodyPr rtlCol="0" anchor="ctr"/>
+          <a:lstStyle/>
+          <a:p>
+            <a:pPr algn="ctr"/>
+            <a:r>
+              <a:rPr lang="en-US" altLang="ko-KR" sz="1200" dirty="0">
+                <a:solidFill>
+                  <a:sysClr val="windowText" lastClr="000000"/>
+                </a:solidFill>
+              </a:rPr>
+              <a:t>Multi-Head</a:t>
+            </a:r>
+            <a:br>
+              <a:rPr lang="en-US" altLang="ko-KR" sz="1200" dirty="0">
+                <a:solidFill>
+                  <a:sysClr val="windowText" lastClr="000000"/>
+                </a:solidFill>
+              </a:rPr>
+            </a:br>
+            <a:r>
+              <a:rPr lang="en-US" altLang="ko-KR" sz="1200" dirty="0">
+                <a:solidFill>
+                  <a:sysClr val="windowText" lastClr="000000"/>
+                </a:solidFill>
+              </a:rPr>
+              <a:t>Attention</a:t>
+            </a:r>
+            <a:endParaRPr lang="ko-KR" altLang="en-US" sz="1200" dirty="0">
+              <a:solidFill>
+                <a:sysClr val="windowText" lastClr="000000"/>
+              </a:solidFill>
+            </a:endParaRPr>
+          </a:p>
+        </p:txBody>
+      </p:sp>
+      <p:sp>
+        <p:nvSpPr>
+          <p:cNvPr id="50" name="사각형: 둥근 모서리 49">
+            <a:extLst>
+              <a:ext uri="{FF2B5EF4-FFF2-40B4-BE49-F238E27FC236}">
+                <a16:creationId xmlns:a16="http://schemas.microsoft.com/office/drawing/2014/main" id="{5E990CA2-D0A8-456C-98F6-E1F7D40CF669}"/>
+              </a:ext>
+            </a:extLst>
+          </p:cNvPr>
+          <p:cNvSpPr/>
+          <p:nvPr/>
+        </p:nvSpPr>
+        <p:spPr>
+          <a:xfrm>
+            <a:off x="9328114" y="2926165"/>
+            <a:ext cx="1052264" cy="238381"/>
+          </a:xfrm>
+          <a:prstGeom prst="roundRect">
+            <a:avLst>
+              <a:gd name="adj" fmla="val 9190"/>
+            </a:avLst>
+          </a:prstGeom>
+          <a:solidFill>
+            <a:srgbClr val="FFFFB3"/>
+          </a:solidFill>
+          <a:ln>
+            <a:solidFill>
+              <a:schemeClr val="tx1"/>
+            </a:solidFill>
+          </a:ln>
+        </p:spPr>
+        <p:style>
+          <a:lnRef idx="2">
+            <a:schemeClr val="accent1">
+              <a:shade val="50000"/>
+            </a:schemeClr>
+          </a:lnRef>
+          <a:fillRef idx="1">
+            <a:schemeClr val="accent1"/>
+          </a:fillRef>
+          <a:effectRef idx="0">
+            <a:schemeClr val="accent1"/>
+          </a:effectRef>
+          <a:fontRef idx="minor">
+            <a:schemeClr val="lt1"/>
+          </a:fontRef>
+        </p:style>
+        <p:txBody>
+          <a:bodyPr rtlCol="0" anchor="ctr"/>
+          <a:lstStyle/>
+          <a:p>
+            <a:pPr algn="ctr"/>
+            <a:r>
+              <a:rPr lang="en-US" altLang="ko-KR" sz="1100" dirty="0">
+                <a:solidFill>
+                  <a:sysClr val="windowText" lastClr="000000"/>
+                </a:solidFill>
+              </a:rPr>
+              <a:t>Add &amp; Norm</a:t>
+            </a:r>
+            <a:endParaRPr lang="ko-KR" altLang="en-US" sz="1100" dirty="0">
+              <a:solidFill>
+                <a:sysClr val="windowText" lastClr="000000"/>
+              </a:solidFill>
+            </a:endParaRPr>
+          </a:p>
+        </p:txBody>
+      </p:sp>
+      <p:sp>
+        <p:nvSpPr>
+          <p:cNvPr id="51" name="사각형: 둥근 모서리 50">
+            <a:extLst>
+              <a:ext uri="{FF2B5EF4-FFF2-40B4-BE49-F238E27FC236}">
+                <a16:creationId xmlns:a16="http://schemas.microsoft.com/office/drawing/2014/main" id="{8B895E2E-CB0C-427B-9C28-7DA6B2F1AD56}"/>
+              </a:ext>
+            </a:extLst>
+          </p:cNvPr>
+          <p:cNvSpPr/>
+          <p:nvPr/>
+        </p:nvSpPr>
+        <p:spPr>
+          <a:xfrm>
+            <a:off x="9328114" y="2194497"/>
+            <a:ext cx="1052264" cy="426203"/>
+          </a:xfrm>
+          <a:prstGeom prst="roundRect">
+            <a:avLst>
+              <a:gd name="adj" fmla="val 9190"/>
+            </a:avLst>
+          </a:prstGeom>
+          <a:solidFill>
+            <a:schemeClr val="accent6">
+              <a:lumMod val="20000"/>
+              <a:lumOff val="80000"/>
+            </a:schemeClr>
+          </a:solidFill>
+          <a:ln>
+            <a:solidFill>
+              <a:schemeClr val="tx1"/>
+            </a:solidFill>
+          </a:ln>
+        </p:spPr>
+        <p:style>
+          <a:lnRef idx="2">
+            <a:schemeClr val="accent1">
+              <a:shade val="50000"/>
+            </a:schemeClr>
+          </a:lnRef>
+          <a:fillRef idx="1">
+            <a:schemeClr val="accent1"/>
+          </a:fillRef>
+          <a:effectRef idx="0">
+            <a:schemeClr val="accent1"/>
+          </a:effectRef>
+          <a:fontRef idx="minor">
+            <a:schemeClr val="lt1"/>
+          </a:fontRef>
+        </p:style>
+        <p:txBody>
+          <a:bodyPr rtlCol="0" anchor="ctr"/>
+          <a:lstStyle/>
+          <a:p>
+            <a:pPr algn="ctr"/>
+            <a:r>
+              <a:rPr lang="en-US" altLang="ko-KR" sz="1200" dirty="0">
+                <a:solidFill>
+                  <a:sysClr val="windowText" lastClr="000000"/>
+                </a:solidFill>
+              </a:rPr>
+              <a:t>Feed</a:t>
+            </a:r>
+            <a:br>
+              <a:rPr lang="en-US" altLang="ko-KR" sz="1200" dirty="0">
+                <a:solidFill>
+                  <a:sysClr val="windowText" lastClr="000000"/>
+                </a:solidFill>
+              </a:rPr>
+            </a:br>
+            <a:r>
+              <a:rPr lang="en-US" altLang="ko-KR" sz="1200" dirty="0">
+                <a:solidFill>
+                  <a:sysClr val="windowText" lastClr="000000"/>
+                </a:solidFill>
+              </a:rPr>
+              <a:t>Forward</a:t>
+            </a:r>
+            <a:endParaRPr lang="ko-KR" altLang="en-US" sz="1200" dirty="0">
+              <a:solidFill>
+                <a:sysClr val="windowText" lastClr="000000"/>
+              </a:solidFill>
+            </a:endParaRPr>
+          </a:p>
+        </p:txBody>
+      </p:sp>
+      <p:sp>
+        <p:nvSpPr>
+          <p:cNvPr id="52" name="사각형: 둥근 모서리 51">
+            <a:extLst>
+              <a:ext uri="{FF2B5EF4-FFF2-40B4-BE49-F238E27FC236}">
+                <a16:creationId xmlns:a16="http://schemas.microsoft.com/office/drawing/2014/main" id="{8F4AF24E-4D18-4183-8904-83CD80E3419C}"/>
+              </a:ext>
+            </a:extLst>
+          </p:cNvPr>
+          <p:cNvSpPr/>
+          <p:nvPr/>
+        </p:nvSpPr>
+        <p:spPr>
+          <a:xfrm>
+            <a:off x="9328114" y="1901838"/>
+            <a:ext cx="1052264" cy="238381"/>
+          </a:xfrm>
+          <a:prstGeom prst="roundRect">
+            <a:avLst>
+              <a:gd name="adj" fmla="val 9190"/>
+            </a:avLst>
+          </a:prstGeom>
+          <a:solidFill>
+            <a:srgbClr val="FFFFB3"/>
+          </a:solidFill>
+          <a:ln>
+            <a:solidFill>
+              <a:schemeClr val="tx1"/>
+            </a:solidFill>
+          </a:ln>
+        </p:spPr>
+        <p:style>
+          <a:lnRef idx="2">
+            <a:schemeClr val="accent1">
+              <a:shade val="50000"/>
+            </a:schemeClr>
+          </a:lnRef>
+          <a:fillRef idx="1">
+            <a:schemeClr val="accent1"/>
+          </a:fillRef>
+          <a:effectRef idx="0">
+            <a:schemeClr val="accent1"/>
+          </a:effectRef>
+          <a:fontRef idx="minor">
+            <a:schemeClr val="lt1"/>
+          </a:fontRef>
+        </p:style>
+        <p:txBody>
+          <a:bodyPr rtlCol="0" anchor="ctr"/>
+          <a:lstStyle/>
+          <a:p>
+            <a:pPr algn="ctr"/>
+            <a:r>
+              <a:rPr lang="en-US" altLang="ko-KR" sz="1100" dirty="0">
+                <a:solidFill>
+                  <a:sysClr val="windowText" lastClr="000000"/>
+                </a:solidFill>
+              </a:rPr>
+              <a:t>Add &amp; Norm</a:t>
+            </a:r>
+            <a:endParaRPr lang="ko-KR" altLang="en-US" sz="1100" dirty="0">
+              <a:solidFill>
+                <a:sysClr val="windowText" lastClr="000000"/>
+              </a:solidFill>
+            </a:endParaRPr>
+          </a:p>
+        </p:txBody>
+      </p:sp>
+      <p:sp>
+        <p:nvSpPr>
+          <p:cNvPr id="53" name="사각형: 둥근 모서리 52">
+            <a:extLst>
+              <a:ext uri="{FF2B5EF4-FFF2-40B4-BE49-F238E27FC236}">
+                <a16:creationId xmlns:a16="http://schemas.microsoft.com/office/drawing/2014/main" id="{0FDD566D-E155-4833-8CB2-C6BED1CF8976}"/>
+              </a:ext>
+            </a:extLst>
+          </p:cNvPr>
+          <p:cNvSpPr/>
+          <p:nvPr/>
+        </p:nvSpPr>
+        <p:spPr>
+          <a:xfrm>
+            <a:off x="9322902" y="4373729"/>
+            <a:ext cx="1052264" cy="575244"/>
+          </a:xfrm>
+          <a:prstGeom prst="roundRect">
+            <a:avLst>
+              <a:gd name="adj" fmla="val 9190"/>
+            </a:avLst>
+          </a:prstGeom>
+          <a:solidFill>
+            <a:schemeClr val="accent4">
+              <a:lumMod val="40000"/>
+              <a:lumOff val="60000"/>
+            </a:schemeClr>
+          </a:solidFill>
+          <a:ln>
+            <a:solidFill>
+              <a:schemeClr val="tx1"/>
+            </a:solidFill>
+          </a:ln>
+        </p:spPr>
+        <p:style>
+          <a:lnRef idx="2">
+            <a:schemeClr val="accent1">
+              <a:shade val="50000"/>
+            </a:schemeClr>
+          </a:lnRef>
+          <a:fillRef idx="1">
+            <a:schemeClr val="accent1"/>
+          </a:fillRef>
+          <a:effectRef idx="0">
+            <a:schemeClr val="accent1"/>
+          </a:effectRef>
+          <a:fontRef idx="minor">
+            <a:schemeClr val="lt1"/>
+          </a:fontRef>
+        </p:style>
+        <p:txBody>
+          <a:bodyPr rtlCol="0" anchor="ctr"/>
+          <a:lstStyle/>
+          <a:p>
+            <a:pPr algn="ctr"/>
+            <a:r>
+              <a:rPr lang="en-US" altLang="ko-KR" sz="1200" dirty="0">
+                <a:solidFill>
+                  <a:sysClr val="windowText" lastClr="000000"/>
+                </a:solidFill>
+              </a:rPr>
+              <a:t>Masked</a:t>
+            </a:r>
+            <a:br>
+              <a:rPr lang="en-US" altLang="ko-KR" sz="1200" dirty="0">
+                <a:solidFill>
+                  <a:sysClr val="windowText" lastClr="000000"/>
+                </a:solidFill>
+              </a:rPr>
+            </a:br>
+            <a:r>
+              <a:rPr lang="en-US" altLang="ko-KR" sz="1200" dirty="0">
+                <a:solidFill>
+                  <a:sysClr val="windowText" lastClr="000000"/>
+                </a:solidFill>
+              </a:rPr>
+              <a:t>Multi-Head</a:t>
+            </a:r>
+            <a:br>
+              <a:rPr lang="en-US" altLang="ko-KR" sz="1200" dirty="0">
+                <a:solidFill>
+                  <a:sysClr val="windowText" lastClr="000000"/>
+                </a:solidFill>
+              </a:rPr>
+            </a:br>
+            <a:r>
+              <a:rPr lang="en-US" altLang="ko-KR" sz="1200" dirty="0">
+                <a:solidFill>
+                  <a:sysClr val="windowText" lastClr="000000"/>
+                </a:solidFill>
+              </a:rPr>
+              <a:t>Attention</a:t>
+            </a:r>
+            <a:endParaRPr lang="ko-KR" altLang="en-US" sz="1200" dirty="0">
+              <a:solidFill>
+                <a:sysClr val="windowText" lastClr="000000"/>
+              </a:solidFill>
+            </a:endParaRPr>
+          </a:p>
+        </p:txBody>
+      </p:sp>
+      <p:sp>
+        <p:nvSpPr>
+          <p:cNvPr id="54" name="사각형: 둥근 모서리 53">
+            <a:extLst>
+              <a:ext uri="{FF2B5EF4-FFF2-40B4-BE49-F238E27FC236}">
+                <a16:creationId xmlns:a16="http://schemas.microsoft.com/office/drawing/2014/main" id="{DF841894-D537-4144-8E53-1132727B6AC2}"/>
+              </a:ext>
+            </a:extLst>
+          </p:cNvPr>
+          <p:cNvSpPr/>
+          <p:nvPr/>
+        </p:nvSpPr>
+        <p:spPr>
+          <a:xfrm>
+            <a:off x="9322902" y="4083737"/>
+            <a:ext cx="1052264" cy="238381"/>
+          </a:xfrm>
+          <a:prstGeom prst="roundRect">
+            <a:avLst>
+              <a:gd name="adj" fmla="val 9190"/>
+            </a:avLst>
+          </a:prstGeom>
+          <a:solidFill>
+            <a:srgbClr val="FFFFB3"/>
+          </a:solidFill>
+          <a:ln>
+            <a:solidFill>
+              <a:schemeClr val="tx1"/>
+            </a:solidFill>
+          </a:ln>
+        </p:spPr>
+        <p:style>
+          <a:lnRef idx="2">
+            <a:schemeClr val="accent1">
+              <a:shade val="50000"/>
+            </a:schemeClr>
+          </a:lnRef>
+          <a:fillRef idx="1">
+            <a:schemeClr val="accent1"/>
+          </a:fillRef>
+          <a:effectRef idx="0">
+            <a:schemeClr val="accent1"/>
+          </a:effectRef>
+          <a:fontRef idx="minor">
+            <a:schemeClr val="lt1"/>
+          </a:fontRef>
+        </p:style>
+        <p:txBody>
+          <a:bodyPr rtlCol="0" anchor="ctr"/>
+          <a:lstStyle/>
+          <a:p>
+            <a:pPr algn="ctr"/>
+            <a:r>
+              <a:rPr lang="en-US" altLang="ko-KR" sz="1100" dirty="0">
+                <a:solidFill>
+                  <a:sysClr val="windowText" lastClr="000000"/>
+                </a:solidFill>
+              </a:rPr>
+              <a:t>Add &amp; Norm</a:t>
+            </a:r>
+            <a:endParaRPr lang="ko-KR" altLang="en-US" sz="1100" dirty="0">
+              <a:solidFill>
+                <a:sysClr val="windowText" lastClr="000000"/>
+              </a:solidFill>
+            </a:endParaRPr>
+          </a:p>
+        </p:txBody>
+      </p:sp>
+      <p:cxnSp>
+        <p:nvCxnSpPr>
+          <p:cNvPr id="56" name="직선 화살표 연결선 55">
+            <a:extLst>
+              <a:ext uri="{FF2B5EF4-FFF2-40B4-BE49-F238E27FC236}">
+                <a16:creationId xmlns:a16="http://schemas.microsoft.com/office/drawing/2014/main" id="{E23006A5-DAAF-4606-A8AC-3E7E8907FE7F}"/>
+              </a:ext>
+            </a:extLst>
+          </p:cNvPr>
+          <p:cNvCxnSpPr>
+            <a:cxnSpLocks/>
+            <a:endCxn id="47" idx="0"/>
+          </p:cNvCxnSpPr>
+          <p:nvPr/>
+        </p:nvCxnSpPr>
+        <p:spPr>
+          <a:xfrm>
+            <a:off x="9854247" y="1522015"/>
+            <a:ext cx="0" cy="242241"/>
+          </a:xfrm>
+          <a:prstGeom prst="straightConnector1">
+            <a:avLst/>
+          </a:prstGeom>
+          <a:ln w="25400">
+            <a:solidFill>
+              <a:schemeClr val="tx1"/>
+            </a:solidFill>
+            <a:headEnd type="stealth"/>
+            <a:tailEnd type="none"/>
+          </a:ln>
+        </p:spPr>
+        <p:style>
+          <a:lnRef idx="1">
+            <a:schemeClr val="accent1"/>
+          </a:lnRef>
+          <a:fillRef idx="0">
+            <a:schemeClr val="accent1"/>
+          </a:fillRef>
+          <a:effectRef idx="0">
+            <a:schemeClr val="accent1"/>
+          </a:effectRef>
+          <a:fontRef idx="minor">
+            <a:schemeClr val="tx1"/>
+          </a:fontRef>
+        </p:style>
+      </p:cxnSp>
+      <p:sp>
+        <p:nvSpPr>
+          <p:cNvPr id="59" name="사각형: 둥근 모서리 58">
+            <a:extLst>
+              <a:ext uri="{FF2B5EF4-FFF2-40B4-BE49-F238E27FC236}">
+                <a16:creationId xmlns:a16="http://schemas.microsoft.com/office/drawing/2014/main" id="{7B4079FB-92DE-4DD6-904D-11BEC3C36CC5}"/>
+              </a:ext>
+            </a:extLst>
+          </p:cNvPr>
+          <p:cNvSpPr/>
+          <p:nvPr/>
+        </p:nvSpPr>
+        <p:spPr>
+          <a:xfrm>
+            <a:off x="9366423" y="1285564"/>
+            <a:ext cx="1052264" cy="238381"/>
+          </a:xfrm>
+          <a:prstGeom prst="roundRect">
+            <a:avLst>
+              <a:gd name="adj" fmla="val 9190"/>
+            </a:avLst>
+          </a:prstGeom>
+          <a:solidFill>
+            <a:schemeClr val="accent5">
+              <a:lumMod val="60000"/>
+              <a:lumOff val="40000"/>
+            </a:schemeClr>
+          </a:solidFill>
+          <a:ln>
+            <a:solidFill>
+              <a:schemeClr val="tx1"/>
+            </a:solidFill>
+          </a:ln>
+        </p:spPr>
+        <p:style>
+          <a:lnRef idx="2">
+            <a:schemeClr val="accent1">
+              <a:shade val="50000"/>
+            </a:schemeClr>
+          </a:lnRef>
+          <a:fillRef idx="1">
+            <a:schemeClr val="accent1"/>
+          </a:fillRef>
+          <a:effectRef idx="0">
+            <a:schemeClr val="accent1"/>
+          </a:effectRef>
+          <a:fontRef idx="minor">
+            <a:schemeClr val="lt1"/>
+          </a:fontRef>
+        </p:style>
+        <p:txBody>
+          <a:bodyPr rtlCol="0" anchor="ctr"/>
+          <a:lstStyle/>
+          <a:p>
+            <a:pPr algn="ctr"/>
+            <a:r>
+              <a:rPr lang="en-US" altLang="ko-KR" sz="1100" dirty="0">
+                <a:solidFill>
+                  <a:sysClr val="windowText" lastClr="000000"/>
+                </a:solidFill>
+              </a:rPr>
+              <a:t>Linear</a:t>
+            </a:r>
+            <a:endParaRPr lang="ko-KR" altLang="en-US" sz="1100" dirty="0">
+              <a:solidFill>
+                <a:sysClr val="windowText" lastClr="000000"/>
+              </a:solidFill>
+            </a:endParaRPr>
+          </a:p>
+        </p:txBody>
+      </p:sp>
+      <p:sp>
+        <p:nvSpPr>
+          <p:cNvPr id="60" name="사각형: 둥근 모서리 59">
+            <a:extLst>
+              <a:ext uri="{FF2B5EF4-FFF2-40B4-BE49-F238E27FC236}">
+                <a16:creationId xmlns:a16="http://schemas.microsoft.com/office/drawing/2014/main" id="{4717E522-04C8-40C9-983F-CFCE28964ADE}"/>
+              </a:ext>
+            </a:extLst>
+          </p:cNvPr>
+          <p:cNvSpPr/>
+          <p:nvPr/>
+        </p:nvSpPr>
+        <p:spPr>
+          <a:xfrm>
+            <a:off x="9365783" y="752497"/>
+            <a:ext cx="1052264" cy="238381"/>
+          </a:xfrm>
+          <a:prstGeom prst="roundRect">
+            <a:avLst>
+              <a:gd name="adj" fmla="val 9190"/>
+            </a:avLst>
+          </a:prstGeom>
+          <a:solidFill>
+            <a:schemeClr val="accent5">
+              <a:lumMod val="20000"/>
+              <a:lumOff val="80000"/>
+            </a:schemeClr>
+          </a:solidFill>
+          <a:ln>
+            <a:solidFill>
+              <a:schemeClr val="tx1"/>
+            </a:solidFill>
+          </a:ln>
+        </p:spPr>
+        <p:style>
+          <a:lnRef idx="2">
+            <a:schemeClr val="accent1">
+              <a:shade val="50000"/>
+            </a:schemeClr>
+          </a:lnRef>
+          <a:fillRef idx="1">
+            <a:schemeClr val="accent1"/>
+          </a:fillRef>
+          <a:effectRef idx="0">
+            <a:schemeClr val="accent1"/>
+          </a:effectRef>
+          <a:fontRef idx="minor">
+            <a:schemeClr val="lt1"/>
+          </a:fontRef>
+        </p:style>
+        <p:txBody>
+          <a:bodyPr rtlCol="0" anchor="ctr"/>
+          <a:lstStyle/>
+          <a:p>
+            <a:pPr algn="ctr"/>
+            <a:r>
+              <a:rPr lang="en-US" altLang="ko-KR" sz="1100" dirty="0" err="1">
+                <a:solidFill>
+                  <a:sysClr val="windowText" lastClr="000000"/>
+                </a:solidFill>
+              </a:rPr>
+              <a:t>Softmax</a:t>
+            </a:r>
+            <a:endParaRPr lang="ko-KR" altLang="en-US" sz="1100" dirty="0">
+              <a:solidFill>
+                <a:sysClr val="windowText" lastClr="000000"/>
+              </a:solidFill>
+            </a:endParaRPr>
+          </a:p>
+        </p:txBody>
+      </p:sp>
+      <p:cxnSp>
+        <p:nvCxnSpPr>
+          <p:cNvPr id="61" name="직선 화살표 연결선 60">
+            <a:extLst>
+              <a:ext uri="{FF2B5EF4-FFF2-40B4-BE49-F238E27FC236}">
+                <a16:creationId xmlns:a16="http://schemas.microsoft.com/office/drawing/2014/main" id="{93838429-AB87-4CA8-9B03-966E0AEF97C8}"/>
+              </a:ext>
+            </a:extLst>
+          </p:cNvPr>
+          <p:cNvCxnSpPr>
+            <a:cxnSpLocks/>
+          </p:cNvCxnSpPr>
+          <p:nvPr/>
+        </p:nvCxnSpPr>
+        <p:spPr>
+          <a:xfrm>
+            <a:off x="9891915" y="1043323"/>
+            <a:ext cx="0" cy="242241"/>
+          </a:xfrm>
+          <a:prstGeom prst="straightConnector1">
+            <a:avLst/>
+          </a:prstGeom>
+          <a:ln w="25400">
+            <a:solidFill>
+              <a:schemeClr val="tx1"/>
+            </a:solidFill>
+            <a:headEnd type="stealth"/>
+            <a:tailEnd type="none"/>
+          </a:ln>
+        </p:spPr>
+        <p:style>
+          <a:lnRef idx="1">
+            <a:schemeClr val="accent1"/>
+          </a:lnRef>
+          <a:fillRef idx="0">
+            <a:schemeClr val="accent1"/>
+          </a:fillRef>
+          <a:effectRef idx="0">
+            <a:schemeClr val="accent1"/>
+          </a:effectRef>
+          <a:fontRef idx="minor">
+            <a:schemeClr val="tx1"/>
+          </a:fontRef>
+        </p:style>
+      </p:cxnSp>
+      <p:cxnSp>
+        <p:nvCxnSpPr>
+          <p:cNvPr id="62" name="직선 화살표 연결선 61">
+            <a:extLst>
+              <a:ext uri="{FF2B5EF4-FFF2-40B4-BE49-F238E27FC236}">
+                <a16:creationId xmlns:a16="http://schemas.microsoft.com/office/drawing/2014/main" id="{68C92FAD-C24C-487D-B717-440B4DC5B346}"/>
+              </a:ext>
+            </a:extLst>
+          </p:cNvPr>
+          <p:cNvCxnSpPr>
+            <a:cxnSpLocks/>
+          </p:cNvCxnSpPr>
+          <p:nvPr/>
+        </p:nvCxnSpPr>
+        <p:spPr>
+          <a:xfrm>
+            <a:off x="9854246" y="509537"/>
+            <a:ext cx="0" cy="242241"/>
+          </a:xfrm>
+          <a:prstGeom prst="straightConnector1">
+            <a:avLst/>
+          </a:prstGeom>
+          <a:ln w="25400">
+            <a:solidFill>
+              <a:schemeClr val="tx1"/>
+            </a:solidFill>
+            <a:headEnd type="stealth"/>
+            <a:tailEnd type="none"/>
+          </a:ln>
+        </p:spPr>
+        <p:style>
+          <a:lnRef idx="1">
+            <a:schemeClr val="accent1"/>
+          </a:lnRef>
+          <a:fillRef idx="0">
+            <a:schemeClr val="accent1"/>
+          </a:fillRef>
+          <a:effectRef idx="0">
+            <a:schemeClr val="accent1"/>
+          </a:effectRef>
+          <a:fontRef idx="minor">
+            <a:schemeClr val="tx1"/>
+          </a:fontRef>
+        </p:style>
+      </p:cxnSp>
+      <p:sp>
+        <p:nvSpPr>
+          <p:cNvPr id="63" name="TextBox 62">
+            <a:extLst>
+              <a:ext uri="{FF2B5EF4-FFF2-40B4-BE49-F238E27FC236}">
+                <a16:creationId xmlns:a16="http://schemas.microsoft.com/office/drawing/2014/main" id="{F427696C-FDE8-460E-B227-F147BF0452A4}"/>
+              </a:ext>
+            </a:extLst>
+          </p:cNvPr>
+          <p:cNvSpPr txBox="1"/>
+          <p:nvPr/>
+        </p:nvSpPr>
+        <p:spPr>
+          <a:xfrm>
+            <a:off x="9218053" y="0"/>
+            <a:ext cx="1261960" cy="523220"/>
+          </a:xfrm>
+          <a:prstGeom prst="rect">
+            <a:avLst/>
+          </a:prstGeom>
+          <a:noFill/>
+        </p:spPr>
+        <p:txBody>
+          <a:bodyPr wrap="square" rtlCol="0">
+            <a:spAutoFit/>
+          </a:bodyPr>
+          <a:lstStyle/>
+          <a:p>
+            <a:pPr algn="ctr"/>
+            <a:r>
+              <a:rPr lang="en-US" altLang="ko-KR" sz="1400" dirty="0"/>
+              <a:t>Output Probability</a:t>
+            </a:r>
+            <a:endParaRPr lang="ko-KR" altLang="en-US" sz="1400" dirty="0"/>
+          </a:p>
+        </p:txBody>
+      </p:sp>
+      <p:cxnSp>
+        <p:nvCxnSpPr>
+          <p:cNvPr id="6" name="직선 화살표 연결선 5">
+            <a:extLst>
+              <a:ext uri="{FF2B5EF4-FFF2-40B4-BE49-F238E27FC236}">
+                <a16:creationId xmlns:a16="http://schemas.microsoft.com/office/drawing/2014/main" id="{08D3B474-CE14-42D7-BC71-296B1A19ED7D}"/>
+              </a:ext>
+            </a:extLst>
+          </p:cNvPr>
+          <p:cNvCxnSpPr>
+            <a:cxnSpLocks/>
+            <a:stCxn id="4" idx="3"/>
+            <a:endCxn id="65" idx="1"/>
+          </p:cNvCxnSpPr>
+          <p:nvPr/>
+        </p:nvCxnSpPr>
+        <p:spPr>
+          <a:xfrm>
+            <a:off x="6710231" y="5785833"/>
+            <a:ext cx="661295" cy="0"/>
+          </a:xfrm>
+          <a:prstGeom prst="straightConnector1">
+            <a:avLst/>
+          </a:prstGeom>
+          <a:ln>
+            <a:headEnd type="triangle"/>
+            <a:tailEnd type="triangle"/>
+          </a:ln>
+        </p:spPr>
+        <p:style>
+          <a:lnRef idx="1">
+            <a:schemeClr val="accent1"/>
+          </a:lnRef>
+          <a:fillRef idx="0">
+            <a:schemeClr val="accent1"/>
+          </a:fillRef>
+          <a:effectRef idx="0">
+            <a:schemeClr val="accent1"/>
+          </a:effectRef>
+          <a:fontRef idx="minor">
+            <a:schemeClr val="tx1"/>
+          </a:fontRef>
+        </p:style>
+      </p:cxnSp>
+      <p:sp>
+        <p:nvSpPr>
+          <p:cNvPr id="65" name="사각형: 둥근 모서리 64">
+            <a:extLst>
+              <a:ext uri="{FF2B5EF4-FFF2-40B4-BE49-F238E27FC236}">
+                <a16:creationId xmlns:a16="http://schemas.microsoft.com/office/drawing/2014/main" id="{8AC02ED4-210B-4374-8B27-C2328EC3F783}"/>
+              </a:ext>
+            </a:extLst>
+          </p:cNvPr>
+          <p:cNvSpPr/>
+          <p:nvPr/>
+        </p:nvSpPr>
+        <p:spPr>
+          <a:xfrm>
+            <a:off x="7371526" y="5572731"/>
+            <a:ext cx="1052264" cy="426203"/>
+          </a:xfrm>
+          <a:prstGeom prst="roundRect">
+            <a:avLst>
+              <a:gd name="adj" fmla="val 9190"/>
+            </a:avLst>
+          </a:prstGeom>
+          <a:solidFill>
+            <a:srgbClr val="FCDFE0"/>
+          </a:solidFill>
+          <a:ln>
+            <a:solidFill>
+              <a:schemeClr val="tx1"/>
+            </a:solidFill>
+          </a:ln>
+        </p:spPr>
+        <p:style>
+          <a:lnRef idx="2">
+            <a:schemeClr val="accent1">
+              <a:shade val="50000"/>
+            </a:schemeClr>
+          </a:lnRef>
+          <a:fillRef idx="1">
+            <a:schemeClr val="accent1"/>
+          </a:fillRef>
+          <a:effectRef idx="0">
+            <a:schemeClr val="accent1"/>
+          </a:effectRef>
+          <a:fontRef idx="minor">
+            <a:schemeClr val="lt1"/>
+          </a:fontRef>
+        </p:style>
+        <p:txBody>
+          <a:bodyPr rtlCol="0" anchor="ctr"/>
+          <a:lstStyle/>
+          <a:p>
+            <a:pPr algn="ctr"/>
+            <a:r>
+              <a:rPr lang="en-US" altLang="ko-KR" sz="1200" dirty="0">
+                <a:solidFill>
+                  <a:sysClr val="windowText" lastClr="000000"/>
+                </a:solidFill>
+              </a:rPr>
+              <a:t>Input</a:t>
+            </a:r>
+          </a:p>
+          <a:p>
+            <a:pPr algn="ctr"/>
+            <a:r>
+              <a:rPr lang="en-US" altLang="ko-KR" sz="1200" dirty="0">
+                <a:solidFill>
+                  <a:sysClr val="windowText" lastClr="000000"/>
+                </a:solidFill>
+              </a:rPr>
+              <a:t>Embedding</a:t>
+            </a:r>
+            <a:endParaRPr lang="ko-KR" altLang="en-US" sz="1200" dirty="0">
+              <a:solidFill>
+                <a:sysClr val="windowText" lastClr="000000"/>
+              </a:solidFill>
+            </a:endParaRPr>
+          </a:p>
+        </p:txBody>
+      </p:sp>
+      <p:cxnSp>
+        <p:nvCxnSpPr>
+          <p:cNvPr id="66" name="직선 화살표 연결선 65">
+            <a:extLst>
+              <a:ext uri="{FF2B5EF4-FFF2-40B4-BE49-F238E27FC236}">
+                <a16:creationId xmlns:a16="http://schemas.microsoft.com/office/drawing/2014/main" id="{50BE2233-8722-4B03-80E1-BE5EE73917C1}"/>
+              </a:ext>
+            </a:extLst>
+          </p:cNvPr>
+          <p:cNvCxnSpPr>
+            <a:cxnSpLocks/>
+            <a:stCxn id="65" idx="2"/>
+            <a:endCxn id="132" idx="0"/>
+          </p:cNvCxnSpPr>
+          <p:nvPr/>
+        </p:nvCxnSpPr>
+        <p:spPr>
+          <a:xfrm>
+            <a:off x="7897658" y="5998934"/>
+            <a:ext cx="7972" cy="321098"/>
+          </a:xfrm>
+          <a:prstGeom prst="straightConnector1">
+            <a:avLst/>
+          </a:prstGeom>
+          <a:ln w="25400">
+            <a:solidFill>
+              <a:schemeClr val="tx1"/>
+            </a:solidFill>
+            <a:headEnd type="stealth"/>
+            <a:tailEnd type="none"/>
+          </a:ln>
+        </p:spPr>
+        <p:style>
+          <a:lnRef idx="1">
+            <a:schemeClr val="accent1"/>
+          </a:lnRef>
+          <a:fillRef idx="0">
+            <a:schemeClr val="accent1"/>
+          </a:fillRef>
+          <a:effectRef idx="0">
+            <a:schemeClr val="accent1"/>
+          </a:effectRef>
+          <a:fontRef idx="minor">
+            <a:schemeClr val="tx1"/>
+          </a:fontRef>
+        </p:style>
+      </p:cxnSp>
+      <p:cxnSp>
+        <p:nvCxnSpPr>
+          <p:cNvPr id="69" name="직선 화살표 연결선 68">
+            <a:extLst>
+              <a:ext uri="{FF2B5EF4-FFF2-40B4-BE49-F238E27FC236}">
+                <a16:creationId xmlns:a16="http://schemas.microsoft.com/office/drawing/2014/main" id="{305FA507-F9E4-45E5-9EAB-C4E0D53A2EC5}"/>
+              </a:ext>
+            </a:extLst>
+          </p:cNvPr>
+          <p:cNvCxnSpPr>
+            <a:cxnSpLocks/>
+            <a:stCxn id="65" idx="3"/>
+            <a:endCxn id="7" idx="1"/>
+          </p:cNvCxnSpPr>
+          <p:nvPr/>
+        </p:nvCxnSpPr>
+        <p:spPr>
+          <a:xfrm flipV="1">
+            <a:off x="8423790" y="5772226"/>
+            <a:ext cx="899112" cy="13607"/>
+          </a:xfrm>
+          <a:prstGeom prst="straightConnector1">
+            <a:avLst/>
+          </a:prstGeom>
+          <a:ln>
+            <a:headEnd type="triangle"/>
+            <a:tailEnd type="triangle"/>
+          </a:ln>
+        </p:spPr>
+        <p:style>
+          <a:lnRef idx="1">
+            <a:schemeClr val="accent1"/>
+          </a:lnRef>
+          <a:fillRef idx="0">
+            <a:schemeClr val="accent1"/>
+          </a:fillRef>
+          <a:effectRef idx="0">
+            <a:schemeClr val="accent1"/>
+          </a:effectRef>
+          <a:fontRef idx="minor">
+            <a:schemeClr val="tx1"/>
+          </a:fontRef>
+        </p:style>
+      </p:cxnSp>
+      <p:cxnSp>
+        <p:nvCxnSpPr>
+          <p:cNvPr id="78" name="직선 화살표 연결선 77">
+            <a:extLst>
+              <a:ext uri="{FF2B5EF4-FFF2-40B4-BE49-F238E27FC236}">
+                <a16:creationId xmlns:a16="http://schemas.microsoft.com/office/drawing/2014/main" id="{29DF7F55-5D7E-4B30-AD99-20388181467D}"/>
+              </a:ext>
+            </a:extLst>
+          </p:cNvPr>
+          <p:cNvCxnSpPr>
+            <a:cxnSpLocks/>
+            <a:stCxn id="79" idx="2"/>
+            <a:endCxn id="65" idx="0"/>
+          </p:cNvCxnSpPr>
+          <p:nvPr/>
+        </p:nvCxnSpPr>
+        <p:spPr>
+          <a:xfrm flipH="1">
+            <a:off x="7897658" y="5204816"/>
+            <a:ext cx="6419" cy="367915"/>
+          </a:xfrm>
+          <a:prstGeom prst="straightConnector1">
+            <a:avLst/>
+          </a:prstGeom>
+          <a:ln w="25400">
+            <a:solidFill>
+              <a:schemeClr val="tx1"/>
+            </a:solidFill>
+            <a:headEnd type="stealth"/>
+            <a:tailEnd type="none"/>
+          </a:ln>
+        </p:spPr>
+        <p:style>
+          <a:lnRef idx="1">
+            <a:schemeClr val="accent1"/>
+          </a:lnRef>
+          <a:fillRef idx="0">
+            <a:schemeClr val="accent1"/>
+          </a:fillRef>
+          <a:effectRef idx="0">
+            <a:schemeClr val="accent1"/>
+          </a:effectRef>
+          <a:fontRef idx="minor">
+            <a:schemeClr val="tx1"/>
+          </a:fontRef>
+        </p:style>
+      </p:cxnSp>
+      <p:sp>
+        <p:nvSpPr>
+          <p:cNvPr id="79" name="사각형: 둥근 모서리 78">
+            <a:extLst>
+              <a:ext uri="{FF2B5EF4-FFF2-40B4-BE49-F238E27FC236}">
+                <a16:creationId xmlns:a16="http://schemas.microsoft.com/office/drawing/2014/main" id="{0FBBA368-9D1B-4A85-BBC8-774B4005DFFB}"/>
+              </a:ext>
+            </a:extLst>
+          </p:cNvPr>
+          <p:cNvSpPr/>
+          <p:nvPr/>
+        </p:nvSpPr>
+        <p:spPr>
+          <a:xfrm>
+            <a:off x="7141229" y="4314149"/>
+            <a:ext cx="1525695" cy="890667"/>
+          </a:xfrm>
+          <a:prstGeom prst="roundRect">
+            <a:avLst>
+              <a:gd name="adj" fmla="val 9190"/>
+            </a:avLst>
+          </a:prstGeom>
+          <a:solidFill>
+            <a:schemeClr val="bg1">
+              <a:lumMod val="95000"/>
+            </a:schemeClr>
+          </a:solidFill>
+          <a:ln>
+            <a:solidFill>
+              <a:schemeClr val="tx1"/>
+            </a:solidFill>
+          </a:ln>
+        </p:spPr>
+        <p:style>
+          <a:lnRef idx="2">
+            <a:schemeClr val="accent1">
+              <a:shade val="50000"/>
+            </a:schemeClr>
+          </a:lnRef>
+          <a:fillRef idx="1">
+            <a:schemeClr val="accent1"/>
+          </a:fillRef>
+          <a:effectRef idx="0">
+            <a:schemeClr val="accent1"/>
+          </a:effectRef>
+          <a:fontRef idx="minor">
+            <a:schemeClr val="lt1"/>
+          </a:fontRef>
+        </p:style>
+        <p:txBody>
+          <a:bodyPr rtlCol="0" anchor="ctr"/>
+          <a:lstStyle/>
+          <a:p>
+            <a:pPr algn="ctr"/>
+            <a:r>
+              <a:rPr lang="en-US" altLang="ko-KR" sz="2400" b="1" dirty="0">
+                <a:solidFill>
+                  <a:sysClr val="windowText" lastClr="000000"/>
+                </a:solidFill>
+              </a:rPr>
+              <a:t>Encoder</a:t>
+            </a:r>
+          </a:p>
+        </p:txBody>
+      </p:sp>
+      <p:cxnSp>
+        <p:nvCxnSpPr>
+          <p:cNvPr id="82" name="직선 화살표 연결선 63">
+            <a:extLst>
+              <a:ext uri="{FF2B5EF4-FFF2-40B4-BE49-F238E27FC236}">
+                <a16:creationId xmlns:a16="http://schemas.microsoft.com/office/drawing/2014/main" id="{89ED73AC-E375-41A8-8B29-7262CA77FF1C}"/>
+              </a:ext>
+            </a:extLst>
+          </p:cNvPr>
+          <p:cNvCxnSpPr>
+            <a:cxnSpLocks/>
+            <a:stCxn id="58" idx="2"/>
+            <a:endCxn id="79" idx="0"/>
+          </p:cNvCxnSpPr>
+          <p:nvPr/>
+        </p:nvCxnSpPr>
+        <p:spPr>
+          <a:xfrm rot="16200000" flipH="1">
+            <a:off x="7167523" y="3577595"/>
+            <a:ext cx="700172" cy="772936"/>
+          </a:xfrm>
+          <a:prstGeom prst="bentConnector3">
+            <a:avLst>
+              <a:gd name="adj1" fmla="val 50000"/>
+            </a:avLst>
+          </a:prstGeom>
+          <a:ln w="25400">
+            <a:solidFill>
+              <a:schemeClr val="tx1"/>
+            </a:solidFill>
+            <a:headEnd type="stealth"/>
+            <a:tailEnd type="none"/>
+          </a:ln>
+        </p:spPr>
+        <p:style>
+          <a:lnRef idx="1">
+            <a:schemeClr val="accent1"/>
+          </a:lnRef>
+          <a:fillRef idx="0">
+            <a:schemeClr val="accent1"/>
+          </a:fillRef>
+          <a:effectRef idx="0">
+            <a:schemeClr val="accent1"/>
+          </a:effectRef>
+          <a:fontRef idx="minor">
+            <a:schemeClr val="tx1"/>
+          </a:fontRef>
+        </p:style>
+      </p:cxnSp>
+      <mc:AlternateContent xmlns:mc="http://schemas.openxmlformats.org/markup-compatibility/2006" xmlns:a14="http://schemas.microsoft.com/office/drawing/2010/main">
+        <mc:Choice Requires="a14">
+          <p:sp>
+            <p:nvSpPr>
+              <p:cNvPr id="132" name="TextBox 131">
+                <a:extLst>
+                  <a:ext uri="{FF2B5EF4-FFF2-40B4-BE49-F238E27FC236}">
+                    <a16:creationId xmlns:a16="http://schemas.microsoft.com/office/drawing/2014/main" id="{D263B866-D2DC-457C-8AC7-02050DF86EFC}"/>
+                  </a:ext>
+                </a:extLst>
+              </p:cNvPr>
+              <p:cNvSpPr txBox="1"/>
+              <p:nvPr/>
+            </p:nvSpPr>
+            <p:spPr>
+              <a:xfrm>
+                <a:off x="7062664" y="6320032"/>
+                <a:ext cx="1685932" cy="307777"/>
+              </a:xfrm>
+              <a:prstGeom prst="rect">
+                <a:avLst/>
+              </a:prstGeom>
+              <a:noFill/>
+            </p:spPr>
+            <p:txBody>
+              <a:bodyPr wrap="square" rtlCol="0">
+                <a:spAutoFit/>
+              </a:bodyPr>
+              <a:lstStyle/>
+              <a:p>
+                <a:r>
+                  <a:rPr lang="en-US" altLang="ko-KR" sz="1400" b="0" dirty="0"/>
+                  <a:t> </a:t>
+                </a:r>
+                <a14:m>
+                  <m:oMath xmlns:m="http://schemas.openxmlformats.org/officeDocument/2006/math">
+                    <m:r>
+                      <m:rPr>
+                        <m:sty m:val="p"/>
+                      </m:rPr>
+                      <a:rPr lang="en-US" altLang="ko-KR" sz="1400" b="0" i="0" smtClean="0">
+                        <a:latin typeface="Cambria Math" panose="02040503050406030204" pitchFamily="18" charset="0"/>
+                      </a:rPr>
+                      <m:t>X</m:t>
+                    </m:r>
+                    <m:r>
+                      <a:rPr lang="en-US" altLang="ko-KR" sz="1400" b="0" i="0" smtClean="0">
+                        <a:latin typeface="Cambria Math" panose="02040503050406030204" pitchFamily="18" charset="0"/>
+                      </a:rPr>
+                      <m:t>; </m:t>
+                    </m:r>
+                    <m:r>
+                      <a:rPr lang="en-US" altLang="ko-KR" sz="1400" b="0" i="1" smtClean="0">
+                        <a:latin typeface="Cambria Math" panose="02040503050406030204" pitchFamily="18" charset="0"/>
+                      </a:rPr>
+                      <m:t>𝑌</m:t>
+                    </m:r>
+                    <m:r>
+                      <m:rPr>
+                        <m:nor/>
+                      </m:rPr>
+                      <a:rPr lang="en-US" altLang="ko-KR" sz="1400" dirty="0"/>
+                      <m:t>(</m:t>
+                    </m:r>
+                    <m:r>
+                      <m:rPr>
+                        <m:nor/>
+                      </m:rPr>
+                      <a:rPr lang="en-US" altLang="ko-KR" sz="1400" dirty="0"/>
+                      <m:t>shifted</m:t>
+                    </m:r>
+                    <m:r>
+                      <m:rPr>
+                        <m:nor/>
+                      </m:rPr>
+                      <a:rPr lang="en-US" altLang="ko-KR" sz="1400" dirty="0"/>
+                      <m:t> </m:t>
+                    </m:r>
+                    <m:r>
+                      <m:rPr>
+                        <m:nor/>
+                      </m:rPr>
+                      <a:rPr lang="en-US" altLang="ko-KR" sz="1400" dirty="0"/>
+                      <m:t>right</m:t>
+                    </m:r>
+                    <m:r>
+                      <m:rPr>
+                        <m:nor/>
+                      </m:rPr>
+                      <a:rPr lang="en-US" altLang="ko-KR" sz="1400" dirty="0"/>
+                      <m:t>)</m:t>
+                    </m:r>
+                  </m:oMath>
+                </a14:m>
+                <a:endParaRPr lang="ko-KR" altLang="en-US" sz="1400" dirty="0"/>
+              </a:p>
+            </p:txBody>
+          </p:sp>
+        </mc:Choice>
+        <mc:Fallback xmlns="">
+          <p:sp>
+            <p:nvSpPr>
+              <p:cNvPr id="132" name="TextBox 131">
+                <a:extLst>
+                  <a:ext uri="{FF2B5EF4-FFF2-40B4-BE49-F238E27FC236}">
+                    <a16:creationId xmlns:a16="http://schemas.microsoft.com/office/drawing/2014/main" id="{D263B866-D2DC-457C-8AC7-02050DF86EFC}"/>
+                  </a:ext>
+                </a:extLst>
+              </p:cNvPr>
+              <p:cNvSpPr txBox="1">
+                <a:spLocks noRot="1" noChangeAspect="1" noMove="1" noResize="1" noEditPoints="1" noAdjustHandles="1" noChangeArrowheads="1" noChangeShapeType="1" noTextEdit="1"/>
+              </p:cNvSpPr>
+              <p:nvPr/>
+            </p:nvSpPr>
+            <p:spPr>
+              <a:xfrm>
+                <a:off x="7062664" y="6320032"/>
+                <a:ext cx="1685932" cy="307777"/>
+              </a:xfrm>
+              <a:prstGeom prst="rect">
+                <a:avLst/>
+              </a:prstGeom>
+              <a:blipFill>
+                <a:blip r:embed="rId7"/>
+                <a:stretch>
+                  <a:fillRect b="-14000"/>
+                </a:stretch>
+              </a:blipFill>
+            </p:spPr>
+            <p:txBody>
+              <a:bodyPr/>
+              <a:lstStyle/>
+              <a:p>
+                <a:r>
+                  <a:rPr lang="ko-KR" altLang="en-US">
+                    <a:noFill/>
+                  </a:rPr>
+                  <a:t> </a:t>
+                </a:r>
+              </a:p>
+            </p:txBody>
+          </p:sp>
+        </mc:Fallback>
+      </mc:AlternateContent>
+      <p:cxnSp>
+        <p:nvCxnSpPr>
+          <p:cNvPr id="45" name="직선 화살표 연결선 63">
+            <a:extLst>
+              <a:ext uri="{FF2B5EF4-FFF2-40B4-BE49-F238E27FC236}">
+                <a16:creationId xmlns:a16="http://schemas.microsoft.com/office/drawing/2014/main" id="{E00B75A4-4991-48CE-AA6D-5D845E1750D1}"/>
+              </a:ext>
+            </a:extLst>
+          </p:cNvPr>
+          <p:cNvCxnSpPr>
+            <a:cxnSpLocks/>
+            <a:stCxn id="58" idx="2"/>
+            <a:endCxn id="31" idx="0"/>
+          </p:cNvCxnSpPr>
+          <p:nvPr/>
+        </p:nvCxnSpPr>
+        <p:spPr>
+          <a:xfrm rot="5400000">
+            <a:off x="6303121" y="3486129"/>
+            <a:ext cx="700173" cy="955869"/>
+          </a:xfrm>
+          <a:prstGeom prst="bentConnector3">
+            <a:avLst>
+              <a:gd name="adj1" fmla="val 50000"/>
+            </a:avLst>
+          </a:prstGeom>
+          <a:ln w="25400">
+            <a:solidFill>
+              <a:schemeClr val="tx1"/>
+            </a:solidFill>
+            <a:headEnd type="stealth"/>
+            <a:tailEnd type="none"/>
+          </a:ln>
+        </p:spPr>
+        <p:style>
+          <a:lnRef idx="1">
+            <a:schemeClr val="accent1"/>
+          </a:lnRef>
+          <a:fillRef idx="0">
+            <a:schemeClr val="accent1"/>
+          </a:fillRef>
+          <a:effectRef idx="0">
+            <a:schemeClr val="accent1"/>
+          </a:effectRef>
+          <a:fontRef idx="minor">
+            <a:schemeClr val="tx1"/>
+          </a:fontRef>
+        </p:style>
+      </p:cxnSp>
+      <mc:AlternateContent xmlns:mc="http://schemas.openxmlformats.org/markup-compatibility/2006">
+        <mc:Choice xmlns:a14="http://schemas.microsoft.com/office/drawing/2010/main" Requires="a14">
+          <p:sp>
+            <p:nvSpPr>
+              <p:cNvPr id="58" name="사각형: 둥근 모서리 57">
+                <a:extLst>
+                  <a:ext uri="{FF2B5EF4-FFF2-40B4-BE49-F238E27FC236}">
+                    <a16:creationId xmlns:a16="http://schemas.microsoft.com/office/drawing/2014/main" id="{8A2DDE18-A448-464C-BFF6-EB8FDFE6EB05}"/>
+                  </a:ext>
+                </a:extLst>
+              </p:cNvPr>
+              <p:cNvSpPr/>
+              <p:nvPr/>
+            </p:nvSpPr>
+            <p:spPr>
+              <a:xfrm>
+                <a:off x="6864992" y="3234154"/>
+                <a:ext cx="532298" cy="379823"/>
+              </a:xfrm>
+              <a:prstGeom prst="roundRect">
+                <a:avLst/>
+              </a:prstGeom>
+            </p:spPr>
+            <p:style>
+              <a:lnRef idx="2">
+                <a:schemeClr val="accent1">
+                  <a:shade val="50000"/>
+                </a:schemeClr>
+              </a:lnRef>
+              <a:fillRef idx="1">
+                <a:schemeClr val="accent1"/>
+              </a:fillRef>
+              <a:effectRef idx="0">
+                <a:schemeClr val="accent1"/>
+              </a:effectRef>
+              <a:fontRef idx="minor">
+                <a:schemeClr val="lt1"/>
+              </a:fontRef>
+            </p:style>
+            <p:txBody>
+              <a:bodyPr rtlCol="0" anchor="ctr"/>
+              <a:lstStyle/>
+              <a:p>
+                <a:pPr algn="ctr"/>
+                <a14:m>
+                  <m:oMathPara xmlns:m="http://schemas.openxmlformats.org/officeDocument/2006/math">
+                    <m:oMathParaPr>
+                      <m:jc m:val="centerGroup"/>
+                    </m:oMathParaPr>
+                    <m:oMath xmlns:m="http://schemas.openxmlformats.org/officeDocument/2006/math">
+                      <m:r>
+                        <a:rPr lang="en-US" altLang="ko-KR" b="0" i="1" smtClean="0">
+                          <a:latin typeface="Cambria Math" panose="02040503050406030204" pitchFamily="18" charset="0"/>
+                        </a:rPr>
+                        <m:t>𝑐𝑜𝑛</m:t>
+                      </m:r>
+                    </m:oMath>
+                  </m:oMathPara>
+                </a14:m>
+                <a:endParaRPr lang="ko-KR" altLang="en-US" dirty="0"/>
+              </a:p>
+            </p:txBody>
+          </p:sp>
+        </mc:Choice>
+        <mc:Fallback>
+          <p:sp>
+            <p:nvSpPr>
+              <p:cNvPr id="58" name="사각형: 둥근 모서리 57">
+                <a:extLst>
+                  <a:ext uri="{FF2B5EF4-FFF2-40B4-BE49-F238E27FC236}">
+                    <a16:creationId xmlns:a16="http://schemas.microsoft.com/office/drawing/2014/main" id="{8A2DDE18-A448-464C-BFF6-EB8FDFE6EB05}"/>
+                  </a:ext>
+                </a:extLst>
+              </p:cNvPr>
+              <p:cNvSpPr>
+                <a:spLocks noRot="1" noChangeAspect="1" noMove="1" noResize="1" noEditPoints="1" noAdjustHandles="1" noChangeArrowheads="1" noChangeShapeType="1" noTextEdit="1"/>
+              </p:cNvSpPr>
+              <p:nvPr/>
+            </p:nvSpPr>
+            <p:spPr>
+              <a:xfrm>
+                <a:off x="6864992" y="3234154"/>
+                <a:ext cx="532298" cy="379823"/>
+              </a:xfrm>
+              <a:prstGeom prst="roundRect">
+                <a:avLst/>
+              </a:prstGeom>
+              <a:blipFill>
+                <a:blip r:embed="rId8"/>
+                <a:stretch>
+                  <a:fillRect l="-2247"/>
+                </a:stretch>
+              </a:blipFill>
+            </p:spPr>
+            <p:txBody>
+              <a:bodyPr/>
+              <a:lstStyle/>
+              <a:p>
+                <a:r>
+                  <a:rPr lang="ko-KR" altLang="en-US">
+                    <a:noFill/>
+                  </a:rPr>
+                  <a:t> </a:t>
+                </a:r>
+              </a:p>
+            </p:txBody>
+          </p:sp>
+        </mc:Fallback>
+      </mc:AlternateContent>
+      <p:cxnSp>
+        <p:nvCxnSpPr>
+          <p:cNvPr id="64" name="직선 화살표 연결선 63">
+            <a:extLst>
+              <a:ext uri="{FF2B5EF4-FFF2-40B4-BE49-F238E27FC236}">
+                <a16:creationId xmlns:a16="http://schemas.microsoft.com/office/drawing/2014/main" id="{817EE117-F9DD-42B2-9D43-4888CD32F9F3}"/>
+              </a:ext>
+            </a:extLst>
+          </p:cNvPr>
+          <p:cNvCxnSpPr>
+            <a:cxnSpLocks/>
+            <a:stCxn id="58" idx="3"/>
+            <a:endCxn id="49" idx="1"/>
+          </p:cNvCxnSpPr>
+          <p:nvPr/>
+        </p:nvCxnSpPr>
+        <p:spPr>
+          <a:xfrm>
+            <a:off x="7397290" y="3424066"/>
+            <a:ext cx="1930824" cy="35043"/>
+          </a:xfrm>
+          <a:prstGeom prst="straightConnector1">
             <a:avLst/>
           </a:prstGeom>
           <a:ln>
@@ -8759,7 +13895,7 @@
     </p:spTree>
     <p:extLst>
       <p:ext uri="{BB962C8B-B14F-4D97-AF65-F5344CB8AC3E}">
-        <p14:creationId xmlns:p14="http://schemas.microsoft.com/office/powerpoint/2010/main" val="1618032567"/>
+        <p14:creationId xmlns:p14="http://schemas.microsoft.com/office/powerpoint/2010/main" val="1575391351"/>
       </p:ext>
     </p:extLst>
   </p:cSld>
@@ -8769,7 +13905,2290 @@
 </p:sld>
 </file>
 
-<file path=ppt/slides/slide3.xml><?xml version="1.0" encoding="utf-8"?>
+<file path=ppt/slides/slide5.xml><?xml version="1.0" encoding="utf-8"?>
+<p:sld xmlns:a="http://schemas.openxmlformats.org/drawingml/2006/main" xmlns:r="http://schemas.openxmlformats.org/officeDocument/2006/relationships" xmlns:p="http://schemas.openxmlformats.org/presentationml/2006/main">
+  <p:cSld>
+    <p:spTree>
+      <p:nvGrpSpPr>
+        <p:cNvPr id="1" name=""/>
+        <p:cNvGrpSpPr/>
+        <p:nvPr/>
+      </p:nvGrpSpPr>
+      <p:grpSpPr>
+        <a:xfrm>
+          <a:off x="0" y="0"/>
+          <a:ext cx="0" cy="0"/>
+          <a:chOff x="0" y="0"/>
+          <a:chExt cx="0" cy="0"/>
+        </a:xfrm>
+      </p:grpSpPr>
+      <p:sp>
+        <p:nvSpPr>
+          <p:cNvPr id="4" name="사각형: 둥근 모서리 3">
+            <a:extLst>
+              <a:ext uri="{FF2B5EF4-FFF2-40B4-BE49-F238E27FC236}">
+                <a16:creationId xmlns:a16="http://schemas.microsoft.com/office/drawing/2014/main" id="{D6730E09-3A21-43F6-B078-CC699D4F11B0}"/>
+              </a:ext>
+            </a:extLst>
+          </p:cNvPr>
+          <p:cNvSpPr/>
+          <p:nvPr/>
+        </p:nvSpPr>
+        <p:spPr>
+          <a:xfrm>
+            <a:off x="5657967" y="5572731"/>
+            <a:ext cx="1052264" cy="426203"/>
+          </a:xfrm>
+          <a:prstGeom prst="roundRect">
+            <a:avLst>
+              <a:gd name="adj" fmla="val 9190"/>
+            </a:avLst>
+          </a:prstGeom>
+          <a:solidFill>
+            <a:srgbClr val="FCDFE0"/>
+          </a:solidFill>
+          <a:ln>
+            <a:solidFill>
+              <a:schemeClr val="tx1"/>
+            </a:solidFill>
+          </a:ln>
+        </p:spPr>
+        <p:style>
+          <a:lnRef idx="2">
+            <a:schemeClr val="accent1">
+              <a:shade val="50000"/>
+            </a:schemeClr>
+          </a:lnRef>
+          <a:fillRef idx="1">
+            <a:schemeClr val="accent1"/>
+          </a:fillRef>
+          <a:effectRef idx="0">
+            <a:schemeClr val="accent1"/>
+          </a:effectRef>
+          <a:fontRef idx="minor">
+            <a:schemeClr val="lt1"/>
+          </a:fontRef>
+        </p:style>
+        <p:txBody>
+          <a:bodyPr rtlCol="0" anchor="ctr"/>
+          <a:lstStyle/>
+          <a:p>
+            <a:pPr algn="ctr"/>
+            <a:r>
+              <a:rPr lang="en-US" altLang="ko-KR" sz="1200" dirty="0">
+                <a:solidFill>
+                  <a:sysClr val="windowText" lastClr="000000"/>
+                </a:solidFill>
+              </a:rPr>
+              <a:t>Input</a:t>
+            </a:r>
+          </a:p>
+          <a:p>
+            <a:pPr algn="ctr"/>
+            <a:r>
+              <a:rPr lang="en-US" altLang="ko-KR" sz="1200" dirty="0">
+                <a:solidFill>
+                  <a:sysClr val="windowText" lastClr="000000"/>
+                </a:solidFill>
+              </a:rPr>
+              <a:t>Embedding</a:t>
+            </a:r>
+            <a:endParaRPr lang="ko-KR" altLang="en-US" sz="1200" dirty="0">
+              <a:solidFill>
+                <a:sysClr val="windowText" lastClr="000000"/>
+              </a:solidFill>
+            </a:endParaRPr>
+          </a:p>
+        </p:txBody>
+      </p:sp>
+      <p:sp>
+        <p:nvSpPr>
+          <p:cNvPr id="7" name="사각형: 둥근 모서리 6">
+            <a:extLst>
+              <a:ext uri="{FF2B5EF4-FFF2-40B4-BE49-F238E27FC236}">
+                <a16:creationId xmlns:a16="http://schemas.microsoft.com/office/drawing/2014/main" id="{B82A19F1-1F11-4C2C-93A9-C61766BA4B5A}"/>
+              </a:ext>
+            </a:extLst>
+          </p:cNvPr>
+          <p:cNvSpPr/>
+          <p:nvPr/>
+        </p:nvSpPr>
+        <p:spPr>
+          <a:xfrm>
+            <a:off x="9322902" y="5559124"/>
+            <a:ext cx="1052264" cy="426203"/>
+          </a:xfrm>
+          <a:prstGeom prst="roundRect">
+            <a:avLst>
+              <a:gd name="adj" fmla="val 9190"/>
+            </a:avLst>
+          </a:prstGeom>
+          <a:solidFill>
+            <a:srgbClr val="FCDFE0"/>
+          </a:solidFill>
+          <a:ln>
+            <a:solidFill>
+              <a:schemeClr val="tx1"/>
+            </a:solidFill>
+          </a:ln>
+        </p:spPr>
+        <p:style>
+          <a:lnRef idx="2">
+            <a:schemeClr val="accent1">
+              <a:shade val="50000"/>
+            </a:schemeClr>
+          </a:lnRef>
+          <a:fillRef idx="1">
+            <a:schemeClr val="accent1"/>
+          </a:fillRef>
+          <a:effectRef idx="0">
+            <a:schemeClr val="accent1"/>
+          </a:effectRef>
+          <a:fontRef idx="minor">
+            <a:schemeClr val="lt1"/>
+          </a:fontRef>
+        </p:style>
+        <p:txBody>
+          <a:bodyPr rtlCol="0" anchor="ctr"/>
+          <a:lstStyle/>
+          <a:p>
+            <a:pPr algn="ctr"/>
+            <a:r>
+              <a:rPr lang="en-US" altLang="ko-KR" sz="1200" dirty="0">
+                <a:solidFill>
+                  <a:sysClr val="windowText" lastClr="000000"/>
+                </a:solidFill>
+              </a:rPr>
+              <a:t>Output</a:t>
+            </a:r>
+          </a:p>
+          <a:p>
+            <a:pPr algn="ctr"/>
+            <a:r>
+              <a:rPr lang="en-US" altLang="ko-KR" sz="1200" dirty="0">
+                <a:solidFill>
+                  <a:sysClr val="windowText" lastClr="000000"/>
+                </a:solidFill>
+              </a:rPr>
+              <a:t>Embedding</a:t>
+            </a:r>
+            <a:endParaRPr lang="ko-KR" altLang="en-US" sz="1200" dirty="0">
+              <a:solidFill>
+                <a:sysClr val="windowText" lastClr="000000"/>
+              </a:solidFill>
+            </a:endParaRPr>
+          </a:p>
+        </p:txBody>
+      </p:sp>
+      <p:cxnSp>
+        <p:nvCxnSpPr>
+          <p:cNvPr id="8" name="직선 화살표 연결선 7">
+            <a:extLst>
+              <a:ext uri="{FF2B5EF4-FFF2-40B4-BE49-F238E27FC236}">
+                <a16:creationId xmlns:a16="http://schemas.microsoft.com/office/drawing/2014/main" id="{F516FC2E-05F0-4E31-B132-4526AAA96EFF}"/>
+              </a:ext>
+            </a:extLst>
+          </p:cNvPr>
+          <p:cNvCxnSpPr>
+            <a:cxnSpLocks/>
+            <a:stCxn id="4" idx="2"/>
+            <a:endCxn id="28" idx="0"/>
+          </p:cNvCxnSpPr>
+          <p:nvPr/>
+        </p:nvCxnSpPr>
+        <p:spPr>
+          <a:xfrm>
+            <a:off x="6184099" y="5998934"/>
+            <a:ext cx="1265" cy="356002"/>
+          </a:xfrm>
+          <a:prstGeom prst="straightConnector1">
+            <a:avLst/>
+          </a:prstGeom>
+          <a:ln w="25400">
+            <a:solidFill>
+              <a:schemeClr val="tx1"/>
+            </a:solidFill>
+            <a:headEnd type="stealth"/>
+            <a:tailEnd type="none"/>
+          </a:ln>
+        </p:spPr>
+        <p:style>
+          <a:lnRef idx="1">
+            <a:schemeClr val="accent1"/>
+          </a:lnRef>
+          <a:fillRef idx="0">
+            <a:schemeClr val="accent1"/>
+          </a:fillRef>
+          <a:effectRef idx="0">
+            <a:schemeClr val="accent1"/>
+          </a:effectRef>
+          <a:fontRef idx="minor">
+            <a:schemeClr val="tx1"/>
+          </a:fontRef>
+        </p:style>
+      </p:cxnSp>
+      <p:cxnSp>
+        <p:nvCxnSpPr>
+          <p:cNvPr id="16" name="직선 화살표 연결선 15">
+            <a:extLst>
+              <a:ext uri="{FF2B5EF4-FFF2-40B4-BE49-F238E27FC236}">
+                <a16:creationId xmlns:a16="http://schemas.microsoft.com/office/drawing/2014/main" id="{5320BFE3-B279-43F4-A749-A122979DDFBD}"/>
+              </a:ext>
+            </a:extLst>
+          </p:cNvPr>
+          <p:cNvCxnSpPr>
+            <a:cxnSpLocks/>
+            <a:stCxn id="31" idx="2"/>
+            <a:endCxn id="4" idx="0"/>
+          </p:cNvCxnSpPr>
+          <p:nvPr/>
+        </p:nvCxnSpPr>
+        <p:spPr>
+          <a:xfrm>
+            <a:off x="6175272" y="5204817"/>
+            <a:ext cx="8827" cy="367914"/>
+          </a:xfrm>
+          <a:prstGeom prst="straightConnector1">
+            <a:avLst/>
+          </a:prstGeom>
+          <a:ln w="25400">
+            <a:solidFill>
+              <a:schemeClr val="tx1"/>
+            </a:solidFill>
+            <a:headEnd type="stealth"/>
+            <a:tailEnd type="none"/>
+          </a:ln>
+        </p:spPr>
+        <p:style>
+          <a:lnRef idx="1">
+            <a:schemeClr val="accent1"/>
+          </a:lnRef>
+          <a:fillRef idx="0">
+            <a:schemeClr val="accent1"/>
+          </a:fillRef>
+          <a:effectRef idx="0">
+            <a:schemeClr val="accent1"/>
+          </a:effectRef>
+          <a:fontRef idx="minor">
+            <a:schemeClr val="tx1"/>
+          </a:fontRef>
+        </p:style>
+      </p:cxnSp>
+      <p:cxnSp>
+        <p:nvCxnSpPr>
+          <p:cNvPr id="24" name="직선 화살표 연결선 23">
+            <a:extLst>
+              <a:ext uri="{FF2B5EF4-FFF2-40B4-BE49-F238E27FC236}">
+                <a16:creationId xmlns:a16="http://schemas.microsoft.com/office/drawing/2014/main" id="{B1B38C2D-16CC-4B03-AF87-5316ED66257C}"/>
+              </a:ext>
+            </a:extLst>
+          </p:cNvPr>
+          <p:cNvCxnSpPr>
+            <a:cxnSpLocks/>
+            <a:stCxn id="53" idx="2"/>
+          </p:cNvCxnSpPr>
+          <p:nvPr/>
+        </p:nvCxnSpPr>
+        <p:spPr>
+          <a:xfrm>
+            <a:off x="9849034" y="4948973"/>
+            <a:ext cx="638" cy="623463"/>
+          </a:xfrm>
+          <a:prstGeom prst="straightConnector1">
+            <a:avLst/>
+          </a:prstGeom>
+          <a:ln w="25400">
+            <a:solidFill>
+              <a:schemeClr val="tx1"/>
+            </a:solidFill>
+            <a:headEnd type="stealth"/>
+            <a:tailEnd type="none"/>
+          </a:ln>
+        </p:spPr>
+        <p:style>
+          <a:lnRef idx="1">
+            <a:schemeClr val="accent1"/>
+          </a:lnRef>
+          <a:fillRef idx="0">
+            <a:schemeClr val="accent1"/>
+          </a:fillRef>
+          <a:effectRef idx="0">
+            <a:schemeClr val="accent1"/>
+          </a:effectRef>
+          <a:fontRef idx="minor">
+            <a:schemeClr val="tx1"/>
+          </a:fontRef>
+        </p:style>
+      </p:cxnSp>
+      <p:cxnSp>
+        <p:nvCxnSpPr>
+          <p:cNvPr id="26" name="직선 화살표 연결선 25">
+            <a:extLst>
+              <a:ext uri="{FF2B5EF4-FFF2-40B4-BE49-F238E27FC236}">
+                <a16:creationId xmlns:a16="http://schemas.microsoft.com/office/drawing/2014/main" id="{BF9F2AFE-4F0A-4158-B7F2-9E6776DE1781}"/>
+              </a:ext>
+            </a:extLst>
+          </p:cNvPr>
+          <p:cNvCxnSpPr>
+            <a:cxnSpLocks/>
+            <a:stCxn id="7" idx="2"/>
+          </p:cNvCxnSpPr>
+          <p:nvPr/>
+        </p:nvCxnSpPr>
+        <p:spPr>
+          <a:xfrm>
+            <a:off x="9849034" y="5985327"/>
+            <a:ext cx="0" cy="286154"/>
+          </a:xfrm>
+          <a:prstGeom prst="straightConnector1">
+            <a:avLst/>
+          </a:prstGeom>
+          <a:ln w="25400">
+            <a:solidFill>
+              <a:schemeClr val="tx1"/>
+            </a:solidFill>
+            <a:headEnd type="stealth"/>
+            <a:tailEnd type="none"/>
+          </a:ln>
+        </p:spPr>
+        <p:style>
+          <a:lnRef idx="1">
+            <a:schemeClr val="accent1"/>
+          </a:lnRef>
+          <a:fillRef idx="0">
+            <a:schemeClr val="accent1"/>
+          </a:fillRef>
+          <a:effectRef idx="0">
+            <a:schemeClr val="accent1"/>
+          </a:effectRef>
+          <a:fontRef idx="minor">
+            <a:schemeClr val="tx1"/>
+          </a:fontRef>
+        </p:style>
+      </p:cxnSp>
+      <mc:AlternateContent xmlns:mc="http://schemas.openxmlformats.org/markup-compatibility/2006" xmlns:a14="http://schemas.microsoft.com/office/drawing/2010/main">
+        <mc:Choice Requires="a14">
+          <p:sp>
+            <p:nvSpPr>
+              <p:cNvPr id="28" name="TextBox 27">
+                <a:extLst>
+                  <a:ext uri="{FF2B5EF4-FFF2-40B4-BE49-F238E27FC236}">
+                    <a16:creationId xmlns:a16="http://schemas.microsoft.com/office/drawing/2014/main" id="{E8E4532C-C792-4052-92BA-5B0012767B78}"/>
+                  </a:ext>
+                </a:extLst>
+              </p:cNvPr>
+              <p:cNvSpPr txBox="1"/>
+              <p:nvPr/>
+            </p:nvSpPr>
+            <p:spPr>
+              <a:xfrm>
+                <a:off x="5946282" y="6354936"/>
+                <a:ext cx="478164" cy="307777"/>
+              </a:xfrm>
+              <a:prstGeom prst="rect">
+                <a:avLst/>
+              </a:prstGeom>
+              <a:noFill/>
+            </p:spPr>
+            <p:txBody>
+              <a:bodyPr wrap="square" rtlCol="0">
+                <a:spAutoFit/>
+              </a:bodyPr>
+              <a:lstStyle/>
+              <a:p>
+                <a:pPr/>
+                <a14:m>
+                  <m:oMathPara xmlns:m="http://schemas.openxmlformats.org/officeDocument/2006/math">
+                    <m:oMathParaPr>
+                      <m:jc m:val="centerGroup"/>
+                    </m:oMathParaPr>
+                    <m:oMath xmlns:m="http://schemas.openxmlformats.org/officeDocument/2006/math">
+                      <m:r>
+                        <a:rPr lang="en-US" altLang="ko-KR" sz="1400" i="1" dirty="0" smtClean="0">
+                          <a:latin typeface="Cambria Math" panose="02040503050406030204" pitchFamily="18" charset="0"/>
+                        </a:rPr>
+                        <m:t>𝑋</m:t>
+                      </m:r>
+                    </m:oMath>
+                  </m:oMathPara>
+                </a14:m>
+                <a:endParaRPr lang="ko-KR" altLang="en-US" sz="1400" dirty="0"/>
+              </a:p>
+            </p:txBody>
+          </p:sp>
+        </mc:Choice>
+        <mc:Fallback xmlns="">
+          <p:sp>
+            <p:nvSpPr>
+              <p:cNvPr id="28" name="TextBox 27">
+                <a:extLst>
+                  <a:ext uri="{FF2B5EF4-FFF2-40B4-BE49-F238E27FC236}">
+                    <a16:creationId xmlns:a16="http://schemas.microsoft.com/office/drawing/2014/main" id="{E8E4532C-C792-4052-92BA-5B0012767B78}"/>
+                  </a:ext>
+                </a:extLst>
+              </p:cNvPr>
+              <p:cNvSpPr txBox="1">
+                <a:spLocks noRot="1" noChangeAspect="1" noMove="1" noResize="1" noEditPoints="1" noAdjustHandles="1" noChangeArrowheads="1" noChangeShapeType="1" noTextEdit="1"/>
+              </p:cNvSpPr>
+              <p:nvPr/>
+            </p:nvSpPr>
+            <p:spPr>
+              <a:xfrm>
+                <a:off x="5946282" y="6354936"/>
+                <a:ext cx="478164" cy="307777"/>
+              </a:xfrm>
+              <a:prstGeom prst="rect">
+                <a:avLst/>
+              </a:prstGeom>
+              <a:blipFill>
+                <a:blip r:embed="rId2"/>
+                <a:stretch>
+                  <a:fillRect/>
+                </a:stretch>
+              </a:blipFill>
+            </p:spPr>
+            <p:txBody>
+              <a:bodyPr/>
+              <a:lstStyle/>
+              <a:p>
+                <a:r>
+                  <a:rPr lang="ko-KR" altLang="en-US">
+                    <a:noFill/>
+                  </a:rPr>
+                  <a:t> </a:t>
+                </a:r>
+              </a:p>
+            </p:txBody>
+          </p:sp>
+        </mc:Fallback>
+      </mc:AlternateContent>
+      <mc:AlternateContent xmlns:mc="http://schemas.openxmlformats.org/markup-compatibility/2006" xmlns:a14="http://schemas.microsoft.com/office/drawing/2010/main">
+        <mc:Choice Requires="a14">
+          <p:sp>
+            <p:nvSpPr>
+              <p:cNvPr id="30" name="TextBox 29">
+                <a:extLst>
+                  <a:ext uri="{FF2B5EF4-FFF2-40B4-BE49-F238E27FC236}">
+                    <a16:creationId xmlns:a16="http://schemas.microsoft.com/office/drawing/2014/main" id="{B132E278-11D5-40DA-B588-51B62FC68AC2}"/>
+                  </a:ext>
+                </a:extLst>
+              </p:cNvPr>
+              <p:cNvSpPr txBox="1"/>
+              <p:nvPr/>
+            </p:nvSpPr>
+            <p:spPr>
+              <a:xfrm>
+                <a:off x="9175879" y="6259925"/>
+                <a:ext cx="1525683" cy="307777"/>
+              </a:xfrm>
+              <a:prstGeom prst="rect">
+                <a:avLst/>
+              </a:prstGeom>
+              <a:noFill/>
+            </p:spPr>
+            <p:txBody>
+              <a:bodyPr wrap="square" rtlCol="0">
+                <a:spAutoFit/>
+              </a:bodyPr>
+              <a:lstStyle/>
+              <a:p>
+                <a:r>
+                  <a:rPr lang="en-US" altLang="ko-KR" sz="1400" b="0" dirty="0"/>
+                  <a:t> </a:t>
+                </a:r>
+                <a14:m>
+                  <m:oMath xmlns:m="http://schemas.openxmlformats.org/officeDocument/2006/math">
+                    <m:r>
+                      <a:rPr lang="en-US" altLang="ko-KR" sz="1400" b="0" i="1" smtClean="0">
+                        <a:latin typeface="Cambria Math" panose="02040503050406030204" pitchFamily="18" charset="0"/>
+                      </a:rPr>
+                      <m:t>𝑌</m:t>
+                    </m:r>
+                    <m:r>
+                      <m:rPr>
+                        <m:nor/>
+                      </m:rPr>
+                      <a:rPr lang="en-US" altLang="ko-KR" sz="1400" dirty="0"/>
+                      <m:t>(</m:t>
+                    </m:r>
+                    <m:r>
+                      <m:rPr>
+                        <m:nor/>
+                      </m:rPr>
+                      <a:rPr lang="en-US" altLang="ko-KR" sz="1400" dirty="0"/>
+                      <m:t>shifted</m:t>
+                    </m:r>
+                    <m:r>
+                      <m:rPr>
+                        <m:nor/>
+                      </m:rPr>
+                      <a:rPr lang="en-US" altLang="ko-KR" sz="1400" dirty="0"/>
+                      <m:t> </m:t>
+                    </m:r>
+                    <m:r>
+                      <m:rPr>
+                        <m:nor/>
+                      </m:rPr>
+                      <a:rPr lang="en-US" altLang="ko-KR" sz="1400" dirty="0"/>
+                      <m:t>right</m:t>
+                    </m:r>
+                    <m:r>
+                      <m:rPr>
+                        <m:nor/>
+                      </m:rPr>
+                      <a:rPr lang="en-US" altLang="ko-KR" sz="1400" dirty="0"/>
+                      <m:t>)</m:t>
+                    </m:r>
+                  </m:oMath>
+                </a14:m>
+                <a:endParaRPr lang="ko-KR" altLang="en-US" sz="1400" dirty="0"/>
+              </a:p>
+            </p:txBody>
+          </p:sp>
+        </mc:Choice>
+        <mc:Fallback xmlns="">
+          <p:sp>
+            <p:nvSpPr>
+              <p:cNvPr id="30" name="TextBox 29">
+                <a:extLst>
+                  <a:ext uri="{FF2B5EF4-FFF2-40B4-BE49-F238E27FC236}">
+                    <a16:creationId xmlns:a16="http://schemas.microsoft.com/office/drawing/2014/main" id="{B132E278-11D5-40DA-B588-51B62FC68AC2}"/>
+                  </a:ext>
+                </a:extLst>
+              </p:cNvPr>
+              <p:cNvSpPr txBox="1">
+                <a:spLocks noRot="1" noChangeAspect="1" noMove="1" noResize="1" noEditPoints="1" noAdjustHandles="1" noChangeArrowheads="1" noChangeShapeType="1" noTextEdit="1"/>
+              </p:cNvSpPr>
+              <p:nvPr/>
+            </p:nvSpPr>
+            <p:spPr>
+              <a:xfrm>
+                <a:off x="9175879" y="6259925"/>
+                <a:ext cx="1525683" cy="307777"/>
+              </a:xfrm>
+              <a:prstGeom prst="rect">
+                <a:avLst/>
+              </a:prstGeom>
+              <a:blipFill>
+                <a:blip r:embed="rId3"/>
+                <a:stretch>
+                  <a:fillRect b="-14000"/>
+                </a:stretch>
+              </a:blipFill>
+            </p:spPr>
+            <p:txBody>
+              <a:bodyPr/>
+              <a:lstStyle/>
+              <a:p>
+                <a:r>
+                  <a:rPr lang="ko-KR" altLang="en-US">
+                    <a:noFill/>
+                  </a:rPr>
+                  <a:t> </a:t>
+                </a:r>
+              </a:p>
+            </p:txBody>
+          </p:sp>
+        </mc:Fallback>
+      </mc:AlternateContent>
+      <p:sp>
+        <p:nvSpPr>
+          <p:cNvPr id="31" name="사각형: 둥근 모서리 30">
+            <a:extLst>
+              <a:ext uri="{FF2B5EF4-FFF2-40B4-BE49-F238E27FC236}">
+                <a16:creationId xmlns:a16="http://schemas.microsoft.com/office/drawing/2014/main" id="{37531404-96B4-4CDD-BA40-EA6246BCDF5F}"/>
+              </a:ext>
+            </a:extLst>
+          </p:cNvPr>
+          <p:cNvSpPr/>
+          <p:nvPr/>
+        </p:nvSpPr>
+        <p:spPr>
+          <a:xfrm>
+            <a:off x="5412424" y="4314150"/>
+            <a:ext cx="1525695" cy="890667"/>
+          </a:xfrm>
+          <a:prstGeom prst="roundRect">
+            <a:avLst>
+              <a:gd name="adj" fmla="val 9190"/>
+            </a:avLst>
+          </a:prstGeom>
+          <a:solidFill>
+            <a:schemeClr val="bg1">
+              <a:lumMod val="95000"/>
+            </a:schemeClr>
+          </a:solidFill>
+          <a:ln>
+            <a:solidFill>
+              <a:schemeClr val="tx1"/>
+            </a:solidFill>
+          </a:ln>
+        </p:spPr>
+        <p:style>
+          <a:lnRef idx="2">
+            <a:schemeClr val="accent1">
+              <a:shade val="50000"/>
+            </a:schemeClr>
+          </a:lnRef>
+          <a:fillRef idx="1">
+            <a:schemeClr val="accent1"/>
+          </a:fillRef>
+          <a:effectRef idx="0">
+            <a:schemeClr val="accent1"/>
+          </a:effectRef>
+          <a:fontRef idx="minor">
+            <a:schemeClr val="lt1"/>
+          </a:fontRef>
+        </p:style>
+        <p:txBody>
+          <a:bodyPr rtlCol="0" anchor="ctr"/>
+          <a:lstStyle/>
+          <a:p>
+            <a:pPr algn="ctr"/>
+            <a:r>
+              <a:rPr lang="en-US" altLang="ko-KR" sz="2400" b="1" dirty="0">
+                <a:solidFill>
+                  <a:sysClr val="windowText" lastClr="000000"/>
+                </a:solidFill>
+              </a:rPr>
+              <a:t>Encoder</a:t>
+            </a:r>
+          </a:p>
+        </p:txBody>
+      </p:sp>
+      <p:sp>
+        <p:nvSpPr>
+          <p:cNvPr id="47" name="사각형: 둥근 모서리 46">
+            <a:extLst>
+              <a:ext uri="{FF2B5EF4-FFF2-40B4-BE49-F238E27FC236}">
+                <a16:creationId xmlns:a16="http://schemas.microsoft.com/office/drawing/2014/main" id="{B614370B-2978-4217-8D4A-664509E5DA23}"/>
+              </a:ext>
+            </a:extLst>
+          </p:cNvPr>
+          <p:cNvSpPr/>
+          <p:nvPr/>
+        </p:nvSpPr>
+        <p:spPr>
+          <a:xfrm>
+            <a:off x="9091400" y="1764256"/>
+            <a:ext cx="1525695" cy="3335804"/>
+          </a:xfrm>
+          <a:prstGeom prst="roundRect">
+            <a:avLst>
+              <a:gd name="adj" fmla="val 9190"/>
+            </a:avLst>
+          </a:prstGeom>
+          <a:solidFill>
+            <a:schemeClr val="bg1">
+              <a:lumMod val="95000"/>
+            </a:schemeClr>
+          </a:solidFill>
+          <a:ln>
+            <a:solidFill>
+              <a:schemeClr val="tx1"/>
+            </a:solidFill>
+          </a:ln>
+        </p:spPr>
+        <p:style>
+          <a:lnRef idx="2">
+            <a:schemeClr val="accent1">
+              <a:shade val="50000"/>
+            </a:schemeClr>
+          </a:lnRef>
+          <a:fillRef idx="1">
+            <a:schemeClr val="accent1"/>
+          </a:fillRef>
+          <a:effectRef idx="0">
+            <a:schemeClr val="accent1"/>
+          </a:effectRef>
+          <a:fontRef idx="minor">
+            <a:schemeClr val="lt1"/>
+          </a:fontRef>
+        </p:style>
+        <p:txBody>
+          <a:bodyPr rtlCol="0" anchor="ctr"/>
+          <a:lstStyle/>
+          <a:p>
+            <a:pPr algn="ctr"/>
+            <a:endParaRPr lang="en-US" altLang="ko-KR" sz="1200" dirty="0">
+              <a:solidFill>
+                <a:sysClr val="windowText" lastClr="000000"/>
+              </a:solidFill>
+            </a:endParaRPr>
+          </a:p>
+        </p:txBody>
+      </p:sp>
+      <p:cxnSp>
+        <p:nvCxnSpPr>
+          <p:cNvPr id="48" name="직선 화살표 연결선 47">
+            <a:extLst>
+              <a:ext uri="{FF2B5EF4-FFF2-40B4-BE49-F238E27FC236}">
+                <a16:creationId xmlns:a16="http://schemas.microsoft.com/office/drawing/2014/main" id="{0B678EE3-D893-437D-9611-E771DF28FA63}"/>
+              </a:ext>
+            </a:extLst>
+          </p:cNvPr>
+          <p:cNvCxnSpPr>
+            <a:cxnSpLocks/>
+          </p:cNvCxnSpPr>
+          <p:nvPr/>
+        </p:nvCxnSpPr>
+        <p:spPr>
+          <a:xfrm flipH="1">
+            <a:off x="9849035" y="3672210"/>
+            <a:ext cx="316892" cy="447548"/>
+          </a:xfrm>
+          <a:prstGeom prst="straightConnector1">
+            <a:avLst/>
+          </a:prstGeom>
+          <a:ln w="25400">
+            <a:solidFill>
+              <a:schemeClr val="tx1"/>
+            </a:solidFill>
+            <a:headEnd type="stealth"/>
+            <a:tailEnd type="none"/>
+          </a:ln>
+        </p:spPr>
+        <p:style>
+          <a:lnRef idx="1">
+            <a:schemeClr val="accent1"/>
+          </a:lnRef>
+          <a:fillRef idx="0">
+            <a:schemeClr val="accent1"/>
+          </a:fillRef>
+          <a:effectRef idx="0">
+            <a:schemeClr val="accent1"/>
+          </a:effectRef>
+          <a:fontRef idx="minor">
+            <a:schemeClr val="tx1"/>
+          </a:fontRef>
+        </p:style>
+      </p:cxnSp>
+      <p:sp>
+        <p:nvSpPr>
+          <p:cNvPr id="49" name="사각형: 둥근 모서리 48">
+            <a:extLst>
+              <a:ext uri="{FF2B5EF4-FFF2-40B4-BE49-F238E27FC236}">
+                <a16:creationId xmlns:a16="http://schemas.microsoft.com/office/drawing/2014/main" id="{ABF60048-C6B8-4CF4-BAA0-329E6581EF8B}"/>
+              </a:ext>
+            </a:extLst>
+          </p:cNvPr>
+          <p:cNvSpPr/>
+          <p:nvPr/>
+        </p:nvSpPr>
+        <p:spPr>
+          <a:xfrm>
+            <a:off x="9328114" y="3246007"/>
+            <a:ext cx="1052264" cy="426203"/>
+          </a:xfrm>
+          <a:prstGeom prst="roundRect">
+            <a:avLst>
+              <a:gd name="adj" fmla="val 9190"/>
+            </a:avLst>
+          </a:prstGeom>
+          <a:solidFill>
+            <a:schemeClr val="accent4">
+              <a:lumMod val="40000"/>
+              <a:lumOff val="60000"/>
+            </a:schemeClr>
+          </a:solidFill>
+          <a:ln>
+            <a:solidFill>
+              <a:schemeClr val="tx1"/>
+            </a:solidFill>
+          </a:ln>
+        </p:spPr>
+        <p:style>
+          <a:lnRef idx="2">
+            <a:schemeClr val="accent1">
+              <a:shade val="50000"/>
+            </a:schemeClr>
+          </a:lnRef>
+          <a:fillRef idx="1">
+            <a:schemeClr val="accent1"/>
+          </a:fillRef>
+          <a:effectRef idx="0">
+            <a:schemeClr val="accent1"/>
+          </a:effectRef>
+          <a:fontRef idx="minor">
+            <a:schemeClr val="lt1"/>
+          </a:fontRef>
+        </p:style>
+        <p:txBody>
+          <a:bodyPr rtlCol="0" anchor="ctr"/>
+          <a:lstStyle/>
+          <a:p>
+            <a:pPr algn="ctr"/>
+            <a:r>
+              <a:rPr lang="en-US" altLang="ko-KR" sz="1200" dirty="0">
+                <a:solidFill>
+                  <a:sysClr val="windowText" lastClr="000000"/>
+                </a:solidFill>
+              </a:rPr>
+              <a:t>Multi-Head</a:t>
+            </a:r>
+            <a:br>
+              <a:rPr lang="en-US" altLang="ko-KR" sz="1200" dirty="0">
+                <a:solidFill>
+                  <a:sysClr val="windowText" lastClr="000000"/>
+                </a:solidFill>
+              </a:rPr>
+            </a:br>
+            <a:r>
+              <a:rPr lang="en-US" altLang="ko-KR" sz="1200" dirty="0">
+                <a:solidFill>
+                  <a:sysClr val="windowText" lastClr="000000"/>
+                </a:solidFill>
+              </a:rPr>
+              <a:t>Attention</a:t>
+            </a:r>
+            <a:endParaRPr lang="ko-KR" altLang="en-US" sz="1200" dirty="0">
+              <a:solidFill>
+                <a:sysClr val="windowText" lastClr="000000"/>
+              </a:solidFill>
+            </a:endParaRPr>
+          </a:p>
+        </p:txBody>
+      </p:sp>
+      <p:sp>
+        <p:nvSpPr>
+          <p:cNvPr id="50" name="사각형: 둥근 모서리 49">
+            <a:extLst>
+              <a:ext uri="{FF2B5EF4-FFF2-40B4-BE49-F238E27FC236}">
+                <a16:creationId xmlns:a16="http://schemas.microsoft.com/office/drawing/2014/main" id="{5E990CA2-D0A8-456C-98F6-E1F7D40CF669}"/>
+              </a:ext>
+            </a:extLst>
+          </p:cNvPr>
+          <p:cNvSpPr/>
+          <p:nvPr/>
+        </p:nvSpPr>
+        <p:spPr>
+          <a:xfrm>
+            <a:off x="9328114" y="2926165"/>
+            <a:ext cx="1052264" cy="238381"/>
+          </a:xfrm>
+          <a:prstGeom prst="roundRect">
+            <a:avLst>
+              <a:gd name="adj" fmla="val 9190"/>
+            </a:avLst>
+          </a:prstGeom>
+          <a:solidFill>
+            <a:srgbClr val="FFFFB3"/>
+          </a:solidFill>
+          <a:ln>
+            <a:solidFill>
+              <a:schemeClr val="tx1"/>
+            </a:solidFill>
+          </a:ln>
+        </p:spPr>
+        <p:style>
+          <a:lnRef idx="2">
+            <a:schemeClr val="accent1">
+              <a:shade val="50000"/>
+            </a:schemeClr>
+          </a:lnRef>
+          <a:fillRef idx="1">
+            <a:schemeClr val="accent1"/>
+          </a:fillRef>
+          <a:effectRef idx="0">
+            <a:schemeClr val="accent1"/>
+          </a:effectRef>
+          <a:fontRef idx="minor">
+            <a:schemeClr val="lt1"/>
+          </a:fontRef>
+        </p:style>
+        <p:txBody>
+          <a:bodyPr rtlCol="0" anchor="ctr"/>
+          <a:lstStyle/>
+          <a:p>
+            <a:pPr algn="ctr"/>
+            <a:r>
+              <a:rPr lang="en-US" altLang="ko-KR" sz="1100" dirty="0">
+                <a:solidFill>
+                  <a:sysClr val="windowText" lastClr="000000"/>
+                </a:solidFill>
+              </a:rPr>
+              <a:t>Add &amp; Norm</a:t>
+            </a:r>
+            <a:endParaRPr lang="ko-KR" altLang="en-US" sz="1100" dirty="0">
+              <a:solidFill>
+                <a:sysClr val="windowText" lastClr="000000"/>
+              </a:solidFill>
+            </a:endParaRPr>
+          </a:p>
+        </p:txBody>
+      </p:sp>
+      <p:sp>
+        <p:nvSpPr>
+          <p:cNvPr id="51" name="사각형: 둥근 모서리 50">
+            <a:extLst>
+              <a:ext uri="{FF2B5EF4-FFF2-40B4-BE49-F238E27FC236}">
+                <a16:creationId xmlns:a16="http://schemas.microsoft.com/office/drawing/2014/main" id="{8B895E2E-CB0C-427B-9C28-7DA6B2F1AD56}"/>
+              </a:ext>
+            </a:extLst>
+          </p:cNvPr>
+          <p:cNvSpPr/>
+          <p:nvPr/>
+        </p:nvSpPr>
+        <p:spPr>
+          <a:xfrm>
+            <a:off x="9328114" y="2194497"/>
+            <a:ext cx="1052264" cy="426203"/>
+          </a:xfrm>
+          <a:prstGeom prst="roundRect">
+            <a:avLst>
+              <a:gd name="adj" fmla="val 9190"/>
+            </a:avLst>
+          </a:prstGeom>
+          <a:solidFill>
+            <a:schemeClr val="accent6">
+              <a:lumMod val="20000"/>
+              <a:lumOff val="80000"/>
+            </a:schemeClr>
+          </a:solidFill>
+          <a:ln>
+            <a:solidFill>
+              <a:schemeClr val="tx1"/>
+            </a:solidFill>
+          </a:ln>
+        </p:spPr>
+        <p:style>
+          <a:lnRef idx="2">
+            <a:schemeClr val="accent1">
+              <a:shade val="50000"/>
+            </a:schemeClr>
+          </a:lnRef>
+          <a:fillRef idx="1">
+            <a:schemeClr val="accent1"/>
+          </a:fillRef>
+          <a:effectRef idx="0">
+            <a:schemeClr val="accent1"/>
+          </a:effectRef>
+          <a:fontRef idx="minor">
+            <a:schemeClr val="lt1"/>
+          </a:fontRef>
+        </p:style>
+        <p:txBody>
+          <a:bodyPr rtlCol="0" anchor="ctr"/>
+          <a:lstStyle/>
+          <a:p>
+            <a:pPr algn="ctr"/>
+            <a:r>
+              <a:rPr lang="en-US" altLang="ko-KR" sz="1200" dirty="0">
+                <a:solidFill>
+                  <a:sysClr val="windowText" lastClr="000000"/>
+                </a:solidFill>
+              </a:rPr>
+              <a:t>Feed</a:t>
+            </a:r>
+            <a:br>
+              <a:rPr lang="en-US" altLang="ko-KR" sz="1200" dirty="0">
+                <a:solidFill>
+                  <a:sysClr val="windowText" lastClr="000000"/>
+                </a:solidFill>
+              </a:rPr>
+            </a:br>
+            <a:r>
+              <a:rPr lang="en-US" altLang="ko-KR" sz="1200" dirty="0">
+                <a:solidFill>
+                  <a:sysClr val="windowText" lastClr="000000"/>
+                </a:solidFill>
+              </a:rPr>
+              <a:t>Forward</a:t>
+            </a:r>
+            <a:endParaRPr lang="ko-KR" altLang="en-US" sz="1200" dirty="0">
+              <a:solidFill>
+                <a:sysClr val="windowText" lastClr="000000"/>
+              </a:solidFill>
+            </a:endParaRPr>
+          </a:p>
+        </p:txBody>
+      </p:sp>
+      <p:sp>
+        <p:nvSpPr>
+          <p:cNvPr id="52" name="사각형: 둥근 모서리 51">
+            <a:extLst>
+              <a:ext uri="{FF2B5EF4-FFF2-40B4-BE49-F238E27FC236}">
+                <a16:creationId xmlns:a16="http://schemas.microsoft.com/office/drawing/2014/main" id="{8F4AF24E-4D18-4183-8904-83CD80E3419C}"/>
+              </a:ext>
+            </a:extLst>
+          </p:cNvPr>
+          <p:cNvSpPr/>
+          <p:nvPr/>
+        </p:nvSpPr>
+        <p:spPr>
+          <a:xfrm>
+            <a:off x="9328114" y="1901838"/>
+            <a:ext cx="1052264" cy="238381"/>
+          </a:xfrm>
+          <a:prstGeom prst="roundRect">
+            <a:avLst>
+              <a:gd name="adj" fmla="val 9190"/>
+            </a:avLst>
+          </a:prstGeom>
+          <a:solidFill>
+            <a:srgbClr val="FFFFB3"/>
+          </a:solidFill>
+          <a:ln>
+            <a:solidFill>
+              <a:schemeClr val="tx1"/>
+            </a:solidFill>
+          </a:ln>
+        </p:spPr>
+        <p:style>
+          <a:lnRef idx="2">
+            <a:schemeClr val="accent1">
+              <a:shade val="50000"/>
+            </a:schemeClr>
+          </a:lnRef>
+          <a:fillRef idx="1">
+            <a:schemeClr val="accent1"/>
+          </a:fillRef>
+          <a:effectRef idx="0">
+            <a:schemeClr val="accent1"/>
+          </a:effectRef>
+          <a:fontRef idx="minor">
+            <a:schemeClr val="lt1"/>
+          </a:fontRef>
+        </p:style>
+        <p:txBody>
+          <a:bodyPr rtlCol="0" anchor="ctr"/>
+          <a:lstStyle/>
+          <a:p>
+            <a:pPr algn="ctr"/>
+            <a:r>
+              <a:rPr lang="en-US" altLang="ko-KR" sz="1100" dirty="0">
+                <a:solidFill>
+                  <a:sysClr val="windowText" lastClr="000000"/>
+                </a:solidFill>
+              </a:rPr>
+              <a:t>Add &amp; Norm</a:t>
+            </a:r>
+            <a:endParaRPr lang="ko-KR" altLang="en-US" sz="1100" dirty="0">
+              <a:solidFill>
+                <a:sysClr val="windowText" lastClr="000000"/>
+              </a:solidFill>
+            </a:endParaRPr>
+          </a:p>
+        </p:txBody>
+      </p:sp>
+      <p:sp>
+        <p:nvSpPr>
+          <p:cNvPr id="53" name="사각형: 둥근 모서리 52">
+            <a:extLst>
+              <a:ext uri="{FF2B5EF4-FFF2-40B4-BE49-F238E27FC236}">
+                <a16:creationId xmlns:a16="http://schemas.microsoft.com/office/drawing/2014/main" id="{0FDD566D-E155-4833-8CB2-C6BED1CF8976}"/>
+              </a:ext>
+            </a:extLst>
+          </p:cNvPr>
+          <p:cNvSpPr/>
+          <p:nvPr/>
+        </p:nvSpPr>
+        <p:spPr>
+          <a:xfrm>
+            <a:off x="9322902" y="4373729"/>
+            <a:ext cx="1052264" cy="575244"/>
+          </a:xfrm>
+          <a:prstGeom prst="roundRect">
+            <a:avLst>
+              <a:gd name="adj" fmla="val 9190"/>
+            </a:avLst>
+          </a:prstGeom>
+          <a:solidFill>
+            <a:schemeClr val="accent4">
+              <a:lumMod val="40000"/>
+              <a:lumOff val="60000"/>
+            </a:schemeClr>
+          </a:solidFill>
+          <a:ln>
+            <a:solidFill>
+              <a:schemeClr val="tx1"/>
+            </a:solidFill>
+          </a:ln>
+        </p:spPr>
+        <p:style>
+          <a:lnRef idx="2">
+            <a:schemeClr val="accent1">
+              <a:shade val="50000"/>
+            </a:schemeClr>
+          </a:lnRef>
+          <a:fillRef idx="1">
+            <a:schemeClr val="accent1"/>
+          </a:fillRef>
+          <a:effectRef idx="0">
+            <a:schemeClr val="accent1"/>
+          </a:effectRef>
+          <a:fontRef idx="minor">
+            <a:schemeClr val="lt1"/>
+          </a:fontRef>
+        </p:style>
+        <p:txBody>
+          <a:bodyPr rtlCol="0" anchor="ctr"/>
+          <a:lstStyle/>
+          <a:p>
+            <a:pPr algn="ctr"/>
+            <a:r>
+              <a:rPr lang="en-US" altLang="ko-KR" sz="1200" dirty="0">
+                <a:solidFill>
+                  <a:sysClr val="windowText" lastClr="000000"/>
+                </a:solidFill>
+              </a:rPr>
+              <a:t>Masked</a:t>
+            </a:r>
+            <a:br>
+              <a:rPr lang="en-US" altLang="ko-KR" sz="1200" dirty="0">
+                <a:solidFill>
+                  <a:sysClr val="windowText" lastClr="000000"/>
+                </a:solidFill>
+              </a:rPr>
+            </a:br>
+            <a:r>
+              <a:rPr lang="en-US" altLang="ko-KR" sz="1200" dirty="0">
+                <a:solidFill>
+                  <a:sysClr val="windowText" lastClr="000000"/>
+                </a:solidFill>
+              </a:rPr>
+              <a:t>Multi-Head</a:t>
+            </a:r>
+            <a:br>
+              <a:rPr lang="en-US" altLang="ko-KR" sz="1200" dirty="0">
+                <a:solidFill>
+                  <a:sysClr val="windowText" lastClr="000000"/>
+                </a:solidFill>
+              </a:rPr>
+            </a:br>
+            <a:r>
+              <a:rPr lang="en-US" altLang="ko-KR" sz="1200" dirty="0">
+                <a:solidFill>
+                  <a:sysClr val="windowText" lastClr="000000"/>
+                </a:solidFill>
+              </a:rPr>
+              <a:t>Attention</a:t>
+            </a:r>
+            <a:endParaRPr lang="ko-KR" altLang="en-US" sz="1200" dirty="0">
+              <a:solidFill>
+                <a:sysClr val="windowText" lastClr="000000"/>
+              </a:solidFill>
+            </a:endParaRPr>
+          </a:p>
+        </p:txBody>
+      </p:sp>
+      <p:sp>
+        <p:nvSpPr>
+          <p:cNvPr id="54" name="사각형: 둥근 모서리 53">
+            <a:extLst>
+              <a:ext uri="{FF2B5EF4-FFF2-40B4-BE49-F238E27FC236}">
+                <a16:creationId xmlns:a16="http://schemas.microsoft.com/office/drawing/2014/main" id="{DF841894-D537-4144-8E53-1132727B6AC2}"/>
+              </a:ext>
+            </a:extLst>
+          </p:cNvPr>
+          <p:cNvSpPr/>
+          <p:nvPr/>
+        </p:nvSpPr>
+        <p:spPr>
+          <a:xfrm>
+            <a:off x="9322902" y="4083737"/>
+            <a:ext cx="1052264" cy="238381"/>
+          </a:xfrm>
+          <a:prstGeom prst="roundRect">
+            <a:avLst>
+              <a:gd name="adj" fmla="val 9190"/>
+            </a:avLst>
+          </a:prstGeom>
+          <a:solidFill>
+            <a:srgbClr val="FFFFB3"/>
+          </a:solidFill>
+          <a:ln>
+            <a:solidFill>
+              <a:schemeClr val="tx1"/>
+            </a:solidFill>
+          </a:ln>
+        </p:spPr>
+        <p:style>
+          <a:lnRef idx="2">
+            <a:schemeClr val="accent1">
+              <a:shade val="50000"/>
+            </a:schemeClr>
+          </a:lnRef>
+          <a:fillRef idx="1">
+            <a:schemeClr val="accent1"/>
+          </a:fillRef>
+          <a:effectRef idx="0">
+            <a:schemeClr val="accent1"/>
+          </a:effectRef>
+          <a:fontRef idx="minor">
+            <a:schemeClr val="lt1"/>
+          </a:fontRef>
+        </p:style>
+        <p:txBody>
+          <a:bodyPr rtlCol="0" anchor="ctr"/>
+          <a:lstStyle/>
+          <a:p>
+            <a:pPr algn="ctr"/>
+            <a:r>
+              <a:rPr lang="en-US" altLang="ko-KR" sz="1100" dirty="0">
+                <a:solidFill>
+                  <a:sysClr val="windowText" lastClr="000000"/>
+                </a:solidFill>
+              </a:rPr>
+              <a:t>Add &amp; Norm</a:t>
+            </a:r>
+            <a:endParaRPr lang="ko-KR" altLang="en-US" sz="1100" dirty="0">
+              <a:solidFill>
+                <a:sysClr val="windowText" lastClr="000000"/>
+              </a:solidFill>
+            </a:endParaRPr>
+          </a:p>
+        </p:txBody>
+      </p:sp>
+      <p:cxnSp>
+        <p:nvCxnSpPr>
+          <p:cNvPr id="56" name="직선 화살표 연결선 55">
+            <a:extLst>
+              <a:ext uri="{FF2B5EF4-FFF2-40B4-BE49-F238E27FC236}">
+                <a16:creationId xmlns:a16="http://schemas.microsoft.com/office/drawing/2014/main" id="{E23006A5-DAAF-4606-A8AC-3E7E8907FE7F}"/>
+              </a:ext>
+            </a:extLst>
+          </p:cNvPr>
+          <p:cNvCxnSpPr>
+            <a:cxnSpLocks/>
+            <a:endCxn id="47" idx="0"/>
+          </p:cNvCxnSpPr>
+          <p:nvPr/>
+        </p:nvCxnSpPr>
+        <p:spPr>
+          <a:xfrm>
+            <a:off x="9854247" y="1522015"/>
+            <a:ext cx="0" cy="242241"/>
+          </a:xfrm>
+          <a:prstGeom prst="straightConnector1">
+            <a:avLst/>
+          </a:prstGeom>
+          <a:ln w="25400">
+            <a:solidFill>
+              <a:schemeClr val="tx1"/>
+            </a:solidFill>
+            <a:headEnd type="stealth"/>
+            <a:tailEnd type="none"/>
+          </a:ln>
+        </p:spPr>
+        <p:style>
+          <a:lnRef idx="1">
+            <a:schemeClr val="accent1"/>
+          </a:lnRef>
+          <a:fillRef idx="0">
+            <a:schemeClr val="accent1"/>
+          </a:fillRef>
+          <a:effectRef idx="0">
+            <a:schemeClr val="accent1"/>
+          </a:effectRef>
+          <a:fontRef idx="minor">
+            <a:schemeClr val="tx1"/>
+          </a:fontRef>
+        </p:style>
+      </p:cxnSp>
+      <p:sp>
+        <p:nvSpPr>
+          <p:cNvPr id="59" name="사각형: 둥근 모서리 58">
+            <a:extLst>
+              <a:ext uri="{FF2B5EF4-FFF2-40B4-BE49-F238E27FC236}">
+                <a16:creationId xmlns:a16="http://schemas.microsoft.com/office/drawing/2014/main" id="{7B4079FB-92DE-4DD6-904D-11BEC3C36CC5}"/>
+              </a:ext>
+            </a:extLst>
+          </p:cNvPr>
+          <p:cNvSpPr/>
+          <p:nvPr/>
+        </p:nvSpPr>
+        <p:spPr>
+          <a:xfrm>
+            <a:off x="9366423" y="1285564"/>
+            <a:ext cx="1052264" cy="238381"/>
+          </a:xfrm>
+          <a:prstGeom prst="roundRect">
+            <a:avLst>
+              <a:gd name="adj" fmla="val 9190"/>
+            </a:avLst>
+          </a:prstGeom>
+          <a:solidFill>
+            <a:schemeClr val="accent5">
+              <a:lumMod val="60000"/>
+              <a:lumOff val="40000"/>
+            </a:schemeClr>
+          </a:solidFill>
+          <a:ln>
+            <a:solidFill>
+              <a:schemeClr val="tx1"/>
+            </a:solidFill>
+          </a:ln>
+        </p:spPr>
+        <p:style>
+          <a:lnRef idx="2">
+            <a:schemeClr val="accent1">
+              <a:shade val="50000"/>
+            </a:schemeClr>
+          </a:lnRef>
+          <a:fillRef idx="1">
+            <a:schemeClr val="accent1"/>
+          </a:fillRef>
+          <a:effectRef idx="0">
+            <a:schemeClr val="accent1"/>
+          </a:effectRef>
+          <a:fontRef idx="minor">
+            <a:schemeClr val="lt1"/>
+          </a:fontRef>
+        </p:style>
+        <p:txBody>
+          <a:bodyPr rtlCol="0" anchor="ctr"/>
+          <a:lstStyle/>
+          <a:p>
+            <a:pPr algn="ctr"/>
+            <a:r>
+              <a:rPr lang="en-US" altLang="ko-KR" sz="1100" dirty="0">
+                <a:solidFill>
+                  <a:sysClr val="windowText" lastClr="000000"/>
+                </a:solidFill>
+              </a:rPr>
+              <a:t>Linear</a:t>
+            </a:r>
+            <a:endParaRPr lang="ko-KR" altLang="en-US" sz="1100" dirty="0">
+              <a:solidFill>
+                <a:sysClr val="windowText" lastClr="000000"/>
+              </a:solidFill>
+            </a:endParaRPr>
+          </a:p>
+        </p:txBody>
+      </p:sp>
+      <p:sp>
+        <p:nvSpPr>
+          <p:cNvPr id="60" name="사각형: 둥근 모서리 59">
+            <a:extLst>
+              <a:ext uri="{FF2B5EF4-FFF2-40B4-BE49-F238E27FC236}">
+                <a16:creationId xmlns:a16="http://schemas.microsoft.com/office/drawing/2014/main" id="{4717E522-04C8-40C9-983F-CFCE28964ADE}"/>
+              </a:ext>
+            </a:extLst>
+          </p:cNvPr>
+          <p:cNvSpPr/>
+          <p:nvPr/>
+        </p:nvSpPr>
+        <p:spPr>
+          <a:xfrm>
+            <a:off x="9365783" y="752497"/>
+            <a:ext cx="1052264" cy="238381"/>
+          </a:xfrm>
+          <a:prstGeom prst="roundRect">
+            <a:avLst>
+              <a:gd name="adj" fmla="val 9190"/>
+            </a:avLst>
+          </a:prstGeom>
+          <a:solidFill>
+            <a:schemeClr val="accent5">
+              <a:lumMod val="20000"/>
+              <a:lumOff val="80000"/>
+            </a:schemeClr>
+          </a:solidFill>
+          <a:ln>
+            <a:solidFill>
+              <a:schemeClr val="tx1"/>
+            </a:solidFill>
+          </a:ln>
+        </p:spPr>
+        <p:style>
+          <a:lnRef idx="2">
+            <a:schemeClr val="accent1">
+              <a:shade val="50000"/>
+            </a:schemeClr>
+          </a:lnRef>
+          <a:fillRef idx="1">
+            <a:schemeClr val="accent1"/>
+          </a:fillRef>
+          <a:effectRef idx="0">
+            <a:schemeClr val="accent1"/>
+          </a:effectRef>
+          <a:fontRef idx="minor">
+            <a:schemeClr val="lt1"/>
+          </a:fontRef>
+        </p:style>
+        <p:txBody>
+          <a:bodyPr rtlCol="0" anchor="ctr"/>
+          <a:lstStyle/>
+          <a:p>
+            <a:pPr algn="ctr"/>
+            <a:r>
+              <a:rPr lang="en-US" altLang="ko-KR" sz="1100" dirty="0" err="1">
+                <a:solidFill>
+                  <a:sysClr val="windowText" lastClr="000000"/>
+                </a:solidFill>
+              </a:rPr>
+              <a:t>Softmax</a:t>
+            </a:r>
+            <a:endParaRPr lang="ko-KR" altLang="en-US" sz="1100" dirty="0">
+              <a:solidFill>
+                <a:sysClr val="windowText" lastClr="000000"/>
+              </a:solidFill>
+            </a:endParaRPr>
+          </a:p>
+        </p:txBody>
+      </p:sp>
+      <p:cxnSp>
+        <p:nvCxnSpPr>
+          <p:cNvPr id="61" name="직선 화살표 연결선 60">
+            <a:extLst>
+              <a:ext uri="{FF2B5EF4-FFF2-40B4-BE49-F238E27FC236}">
+                <a16:creationId xmlns:a16="http://schemas.microsoft.com/office/drawing/2014/main" id="{93838429-AB87-4CA8-9B03-966E0AEF97C8}"/>
+              </a:ext>
+            </a:extLst>
+          </p:cNvPr>
+          <p:cNvCxnSpPr>
+            <a:cxnSpLocks/>
+          </p:cNvCxnSpPr>
+          <p:nvPr/>
+        </p:nvCxnSpPr>
+        <p:spPr>
+          <a:xfrm>
+            <a:off x="9891915" y="1043323"/>
+            <a:ext cx="0" cy="242241"/>
+          </a:xfrm>
+          <a:prstGeom prst="straightConnector1">
+            <a:avLst/>
+          </a:prstGeom>
+          <a:ln w="25400">
+            <a:solidFill>
+              <a:schemeClr val="tx1"/>
+            </a:solidFill>
+            <a:headEnd type="stealth"/>
+            <a:tailEnd type="none"/>
+          </a:ln>
+        </p:spPr>
+        <p:style>
+          <a:lnRef idx="1">
+            <a:schemeClr val="accent1"/>
+          </a:lnRef>
+          <a:fillRef idx="0">
+            <a:schemeClr val="accent1"/>
+          </a:fillRef>
+          <a:effectRef idx="0">
+            <a:schemeClr val="accent1"/>
+          </a:effectRef>
+          <a:fontRef idx="minor">
+            <a:schemeClr val="tx1"/>
+          </a:fontRef>
+        </p:style>
+      </p:cxnSp>
+      <p:cxnSp>
+        <p:nvCxnSpPr>
+          <p:cNvPr id="62" name="직선 화살표 연결선 61">
+            <a:extLst>
+              <a:ext uri="{FF2B5EF4-FFF2-40B4-BE49-F238E27FC236}">
+                <a16:creationId xmlns:a16="http://schemas.microsoft.com/office/drawing/2014/main" id="{68C92FAD-C24C-487D-B717-440B4DC5B346}"/>
+              </a:ext>
+            </a:extLst>
+          </p:cNvPr>
+          <p:cNvCxnSpPr>
+            <a:cxnSpLocks/>
+          </p:cNvCxnSpPr>
+          <p:nvPr/>
+        </p:nvCxnSpPr>
+        <p:spPr>
+          <a:xfrm>
+            <a:off x="9854246" y="509537"/>
+            <a:ext cx="0" cy="242241"/>
+          </a:xfrm>
+          <a:prstGeom prst="straightConnector1">
+            <a:avLst/>
+          </a:prstGeom>
+          <a:ln w="25400">
+            <a:solidFill>
+              <a:schemeClr val="tx1"/>
+            </a:solidFill>
+            <a:headEnd type="stealth"/>
+            <a:tailEnd type="none"/>
+          </a:ln>
+        </p:spPr>
+        <p:style>
+          <a:lnRef idx="1">
+            <a:schemeClr val="accent1"/>
+          </a:lnRef>
+          <a:fillRef idx="0">
+            <a:schemeClr val="accent1"/>
+          </a:fillRef>
+          <a:effectRef idx="0">
+            <a:schemeClr val="accent1"/>
+          </a:effectRef>
+          <a:fontRef idx="minor">
+            <a:schemeClr val="tx1"/>
+          </a:fontRef>
+        </p:style>
+      </p:cxnSp>
+      <p:sp>
+        <p:nvSpPr>
+          <p:cNvPr id="63" name="TextBox 62">
+            <a:extLst>
+              <a:ext uri="{FF2B5EF4-FFF2-40B4-BE49-F238E27FC236}">
+                <a16:creationId xmlns:a16="http://schemas.microsoft.com/office/drawing/2014/main" id="{F427696C-FDE8-460E-B227-F147BF0452A4}"/>
+              </a:ext>
+            </a:extLst>
+          </p:cNvPr>
+          <p:cNvSpPr txBox="1"/>
+          <p:nvPr/>
+        </p:nvSpPr>
+        <p:spPr>
+          <a:xfrm>
+            <a:off x="9218053" y="0"/>
+            <a:ext cx="1261960" cy="523220"/>
+          </a:xfrm>
+          <a:prstGeom prst="rect">
+            <a:avLst/>
+          </a:prstGeom>
+          <a:noFill/>
+        </p:spPr>
+        <p:txBody>
+          <a:bodyPr wrap="square" rtlCol="0">
+            <a:spAutoFit/>
+          </a:bodyPr>
+          <a:lstStyle/>
+          <a:p>
+            <a:pPr algn="ctr"/>
+            <a:r>
+              <a:rPr lang="en-US" altLang="ko-KR" sz="1400" dirty="0"/>
+              <a:t>Output Probability</a:t>
+            </a:r>
+            <a:endParaRPr lang="ko-KR" altLang="en-US" sz="1400" dirty="0"/>
+          </a:p>
+        </p:txBody>
+      </p:sp>
+      <p:cxnSp>
+        <p:nvCxnSpPr>
+          <p:cNvPr id="6" name="직선 화살표 연결선 5">
+            <a:extLst>
+              <a:ext uri="{FF2B5EF4-FFF2-40B4-BE49-F238E27FC236}">
+                <a16:creationId xmlns:a16="http://schemas.microsoft.com/office/drawing/2014/main" id="{08D3B474-CE14-42D7-BC71-296B1A19ED7D}"/>
+              </a:ext>
+            </a:extLst>
+          </p:cNvPr>
+          <p:cNvCxnSpPr>
+            <a:cxnSpLocks/>
+            <a:stCxn id="4" idx="3"/>
+            <a:endCxn id="65" idx="1"/>
+          </p:cNvCxnSpPr>
+          <p:nvPr/>
+        </p:nvCxnSpPr>
+        <p:spPr>
+          <a:xfrm>
+            <a:off x="6710231" y="5785833"/>
+            <a:ext cx="661295" cy="0"/>
+          </a:xfrm>
+          <a:prstGeom prst="straightConnector1">
+            <a:avLst/>
+          </a:prstGeom>
+          <a:ln>
+            <a:headEnd type="triangle"/>
+            <a:tailEnd type="triangle"/>
+          </a:ln>
+        </p:spPr>
+        <p:style>
+          <a:lnRef idx="1">
+            <a:schemeClr val="accent1"/>
+          </a:lnRef>
+          <a:fillRef idx="0">
+            <a:schemeClr val="accent1"/>
+          </a:fillRef>
+          <a:effectRef idx="0">
+            <a:schemeClr val="accent1"/>
+          </a:effectRef>
+          <a:fontRef idx="minor">
+            <a:schemeClr val="tx1"/>
+          </a:fontRef>
+        </p:style>
+      </p:cxnSp>
+      <p:sp>
+        <p:nvSpPr>
+          <p:cNvPr id="65" name="사각형: 둥근 모서리 64">
+            <a:extLst>
+              <a:ext uri="{FF2B5EF4-FFF2-40B4-BE49-F238E27FC236}">
+                <a16:creationId xmlns:a16="http://schemas.microsoft.com/office/drawing/2014/main" id="{8AC02ED4-210B-4374-8B27-C2328EC3F783}"/>
+              </a:ext>
+            </a:extLst>
+          </p:cNvPr>
+          <p:cNvSpPr/>
+          <p:nvPr/>
+        </p:nvSpPr>
+        <p:spPr>
+          <a:xfrm>
+            <a:off x="7371526" y="5572731"/>
+            <a:ext cx="1052264" cy="426203"/>
+          </a:xfrm>
+          <a:prstGeom prst="roundRect">
+            <a:avLst>
+              <a:gd name="adj" fmla="val 9190"/>
+            </a:avLst>
+          </a:prstGeom>
+          <a:solidFill>
+            <a:srgbClr val="FCDFE0"/>
+          </a:solidFill>
+          <a:ln>
+            <a:solidFill>
+              <a:schemeClr val="tx1"/>
+            </a:solidFill>
+          </a:ln>
+        </p:spPr>
+        <p:style>
+          <a:lnRef idx="2">
+            <a:schemeClr val="accent1">
+              <a:shade val="50000"/>
+            </a:schemeClr>
+          </a:lnRef>
+          <a:fillRef idx="1">
+            <a:schemeClr val="accent1"/>
+          </a:fillRef>
+          <a:effectRef idx="0">
+            <a:schemeClr val="accent1"/>
+          </a:effectRef>
+          <a:fontRef idx="minor">
+            <a:schemeClr val="lt1"/>
+          </a:fontRef>
+        </p:style>
+        <p:txBody>
+          <a:bodyPr rtlCol="0" anchor="ctr"/>
+          <a:lstStyle/>
+          <a:p>
+            <a:pPr algn="ctr"/>
+            <a:r>
+              <a:rPr lang="en-US" altLang="ko-KR" sz="1200" dirty="0">
+                <a:solidFill>
+                  <a:sysClr val="windowText" lastClr="000000"/>
+                </a:solidFill>
+              </a:rPr>
+              <a:t>Input</a:t>
+            </a:r>
+          </a:p>
+          <a:p>
+            <a:pPr algn="ctr"/>
+            <a:r>
+              <a:rPr lang="en-US" altLang="ko-KR" sz="1200" dirty="0">
+                <a:solidFill>
+                  <a:sysClr val="windowText" lastClr="000000"/>
+                </a:solidFill>
+              </a:rPr>
+              <a:t>Embedding</a:t>
+            </a:r>
+            <a:endParaRPr lang="ko-KR" altLang="en-US" sz="1200" dirty="0">
+              <a:solidFill>
+                <a:sysClr val="windowText" lastClr="000000"/>
+              </a:solidFill>
+            </a:endParaRPr>
+          </a:p>
+        </p:txBody>
+      </p:sp>
+      <p:cxnSp>
+        <p:nvCxnSpPr>
+          <p:cNvPr id="66" name="직선 화살표 연결선 65">
+            <a:extLst>
+              <a:ext uri="{FF2B5EF4-FFF2-40B4-BE49-F238E27FC236}">
+                <a16:creationId xmlns:a16="http://schemas.microsoft.com/office/drawing/2014/main" id="{50BE2233-8722-4B03-80E1-BE5EE73917C1}"/>
+              </a:ext>
+            </a:extLst>
+          </p:cNvPr>
+          <p:cNvCxnSpPr>
+            <a:cxnSpLocks/>
+            <a:stCxn id="65" idx="2"/>
+            <a:endCxn id="132" idx="0"/>
+          </p:cNvCxnSpPr>
+          <p:nvPr/>
+        </p:nvCxnSpPr>
+        <p:spPr>
+          <a:xfrm>
+            <a:off x="7897658" y="5998934"/>
+            <a:ext cx="7972" cy="321098"/>
+          </a:xfrm>
+          <a:prstGeom prst="straightConnector1">
+            <a:avLst/>
+          </a:prstGeom>
+          <a:ln w="25400">
+            <a:solidFill>
+              <a:schemeClr val="tx1"/>
+            </a:solidFill>
+            <a:headEnd type="stealth"/>
+            <a:tailEnd type="none"/>
+          </a:ln>
+        </p:spPr>
+        <p:style>
+          <a:lnRef idx="1">
+            <a:schemeClr val="accent1"/>
+          </a:lnRef>
+          <a:fillRef idx="0">
+            <a:schemeClr val="accent1"/>
+          </a:fillRef>
+          <a:effectRef idx="0">
+            <a:schemeClr val="accent1"/>
+          </a:effectRef>
+          <a:fontRef idx="minor">
+            <a:schemeClr val="tx1"/>
+          </a:fontRef>
+        </p:style>
+      </p:cxnSp>
+      <p:cxnSp>
+        <p:nvCxnSpPr>
+          <p:cNvPr id="69" name="직선 화살표 연결선 68">
+            <a:extLst>
+              <a:ext uri="{FF2B5EF4-FFF2-40B4-BE49-F238E27FC236}">
+                <a16:creationId xmlns:a16="http://schemas.microsoft.com/office/drawing/2014/main" id="{305FA507-F9E4-45E5-9EAB-C4E0D53A2EC5}"/>
+              </a:ext>
+            </a:extLst>
+          </p:cNvPr>
+          <p:cNvCxnSpPr>
+            <a:cxnSpLocks/>
+            <a:stCxn id="65" idx="3"/>
+            <a:endCxn id="7" idx="1"/>
+          </p:cNvCxnSpPr>
+          <p:nvPr/>
+        </p:nvCxnSpPr>
+        <p:spPr>
+          <a:xfrm flipV="1">
+            <a:off x="8423790" y="5772226"/>
+            <a:ext cx="899112" cy="13607"/>
+          </a:xfrm>
+          <a:prstGeom prst="straightConnector1">
+            <a:avLst/>
+          </a:prstGeom>
+          <a:ln>
+            <a:headEnd type="triangle"/>
+            <a:tailEnd type="triangle"/>
+          </a:ln>
+        </p:spPr>
+        <p:style>
+          <a:lnRef idx="1">
+            <a:schemeClr val="accent1"/>
+          </a:lnRef>
+          <a:fillRef idx="0">
+            <a:schemeClr val="accent1"/>
+          </a:fillRef>
+          <a:effectRef idx="0">
+            <a:schemeClr val="accent1"/>
+          </a:effectRef>
+          <a:fontRef idx="minor">
+            <a:schemeClr val="tx1"/>
+          </a:fontRef>
+        </p:style>
+      </p:cxnSp>
+      <p:cxnSp>
+        <p:nvCxnSpPr>
+          <p:cNvPr id="78" name="직선 화살표 연결선 77">
+            <a:extLst>
+              <a:ext uri="{FF2B5EF4-FFF2-40B4-BE49-F238E27FC236}">
+                <a16:creationId xmlns:a16="http://schemas.microsoft.com/office/drawing/2014/main" id="{29DF7F55-5D7E-4B30-AD99-20388181467D}"/>
+              </a:ext>
+            </a:extLst>
+          </p:cNvPr>
+          <p:cNvCxnSpPr>
+            <a:cxnSpLocks/>
+            <a:stCxn id="79" idx="2"/>
+            <a:endCxn id="65" idx="0"/>
+          </p:cNvCxnSpPr>
+          <p:nvPr/>
+        </p:nvCxnSpPr>
+        <p:spPr>
+          <a:xfrm flipH="1">
+            <a:off x="7897658" y="5204816"/>
+            <a:ext cx="6419" cy="367915"/>
+          </a:xfrm>
+          <a:prstGeom prst="straightConnector1">
+            <a:avLst/>
+          </a:prstGeom>
+          <a:ln w="25400">
+            <a:solidFill>
+              <a:schemeClr val="tx1"/>
+            </a:solidFill>
+            <a:headEnd type="stealth"/>
+            <a:tailEnd type="none"/>
+          </a:ln>
+        </p:spPr>
+        <p:style>
+          <a:lnRef idx="1">
+            <a:schemeClr val="accent1"/>
+          </a:lnRef>
+          <a:fillRef idx="0">
+            <a:schemeClr val="accent1"/>
+          </a:fillRef>
+          <a:effectRef idx="0">
+            <a:schemeClr val="accent1"/>
+          </a:effectRef>
+          <a:fontRef idx="minor">
+            <a:schemeClr val="tx1"/>
+          </a:fontRef>
+        </p:style>
+      </p:cxnSp>
+      <p:sp>
+        <p:nvSpPr>
+          <p:cNvPr id="79" name="사각형: 둥근 모서리 78">
+            <a:extLst>
+              <a:ext uri="{FF2B5EF4-FFF2-40B4-BE49-F238E27FC236}">
+                <a16:creationId xmlns:a16="http://schemas.microsoft.com/office/drawing/2014/main" id="{0FBBA368-9D1B-4A85-BBC8-774B4005DFFB}"/>
+              </a:ext>
+            </a:extLst>
+          </p:cNvPr>
+          <p:cNvSpPr/>
+          <p:nvPr/>
+        </p:nvSpPr>
+        <p:spPr>
+          <a:xfrm>
+            <a:off x="7141229" y="4314149"/>
+            <a:ext cx="1525695" cy="890667"/>
+          </a:xfrm>
+          <a:prstGeom prst="roundRect">
+            <a:avLst>
+              <a:gd name="adj" fmla="val 9190"/>
+            </a:avLst>
+          </a:prstGeom>
+          <a:solidFill>
+            <a:schemeClr val="bg1">
+              <a:lumMod val="95000"/>
+            </a:schemeClr>
+          </a:solidFill>
+          <a:ln>
+            <a:solidFill>
+              <a:schemeClr val="tx1"/>
+            </a:solidFill>
+          </a:ln>
+        </p:spPr>
+        <p:style>
+          <a:lnRef idx="2">
+            <a:schemeClr val="accent1">
+              <a:shade val="50000"/>
+            </a:schemeClr>
+          </a:lnRef>
+          <a:fillRef idx="1">
+            <a:schemeClr val="accent1"/>
+          </a:fillRef>
+          <a:effectRef idx="0">
+            <a:schemeClr val="accent1"/>
+          </a:effectRef>
+          <a:fontRef idx="minor">
+            <a:schemeClr val="lt1"/>
+          </a:fontRef>
+        </p:style>
+        <p:txBody>
+          <a:bodyPr rtlCol="0" anchor="ctr"/>
+          <a:lstStyle/>
+          <a:p>
+            <a:pPr algn="ctr"/>
+            <a:r>
+              <a:rPr lang="en-US" altLang="ko-KR" sz="2400" b="1" dirty="0">
+                <a:solidFill>
+                  <a:sysClr val="windowText" lastClr="000000"/>
+                </a:solidFill>
+              </a:rPr>
+              <a:t>Encoder</a:t>
+            </a:r>
+          </a:p>
+        </p:txBody>
+      </p:sp>
+      <p:cxnSp>
+        <p:nvCxnSpPr>
+          <p:cNvPr id="82" name="직선 화살표 연결선 63">
+            <a:extLst>
+              <a:ext uri="{FF2B5EF4-FFF2-40B4-BE49-F238E27FC236}">
+                <a16:creationId xmlns:a16="http://schemas.microsoft.com/office/drawing/2014/main" id="{89ED73AC-E375-41A8-8B29-7262CA77FF1C}"/>
+              </a:ext>
+            </a:extLst>
+          </p:cNvPr>
+          <p:cNvCxnSpPr>
+            <a:cxnSpLocks/>
+            <a:stCxn id="58" idx="2"/>
+            <a:endCxn id="79" idx="0"/>
+          </p:cNvCxnSpPr>
+          <p:nvPr/>
+        </p:nvCxnSpPr>
+        <p:spPr>
+          <a:xfrm rot="16200000" flipH="1">
+            <a:off x="7167523" y="3577595"/>
+            <a:ext cx="700172" cy="772936"/>
+          </a:xfrm>
+          <a:prstGeom prst="bentConnector3">
+            <a:avLst>
+              <a:gd name="adj1" fmla="val 50000"/>
+            </a:avLst>
+          </a:prstGeom>
+          <a:ln w="25400">
+            <a:solidFill>
+              <a:schemeClr val="tx1"/>
+            </a:solidFill>
+            <a:headEnd type="stealth"/>
+            <a:tailEnd type="none"/>
+          </a:ln>
+        </p:spPr>
+        <p:style>
+          <a:lnRef idx="1">
+            <a:schemeClr val="accent1"/>
+          </a:lnRef>
+          <a:fillRef idx="0">
+            <a:schemeClr val="accent1"/>
+          </a:fillRef>
+          <a:effectRef idx="0">
+            <a:schemeClr val="accent1"/>
+          </a:effectRef>
+          <a:fontRef idx="minor">
+            <a:schemeClr val="tx1"/>
+          </a:fontRef>
+        </p:style>
+      </p:cxnSp>
+      <mc:AlternateContent xmlns:mc="http://schemas.openxmlformats.org/markup-compatibility/2006" xmlns:a14="http://schemas.microsoft.com/office/drawing/2010/main">
+        <mc:Choice Requires="a14">
+          <p:sp>
+            <p:nvSpPr>
+              <p:cNvPr id="132" name="TextBox 131">
+                <a:extLst>
+                  <a:ext uri="{FF2B5EF4-FFF2-40B4-BE49-F238E27FC236}">
+                    <a16:creationId xmlns:a16="http://schemas.microsoft.com/office/drawing/2014/main" id="{D263B866-D2DC-457C-8AC7-02050DF86EFC}"/>
+                  </a:ext>
+                </a:extLst>
+              </p:cNvPr>
+              <p:cNvSpPr txBox="1"/>
+              <p:nvPr/>
+            </p:nvSpPr>
+            <p:spPr>
+              <a:xfrm>
+                <a:off x="7062664" y="6320032"/>
+                <a:ext cx="1685932" cy="307777"/>
+              </a:xfrm>
+              <a:prstGeom prst="rect">
+                <a:avLst/>
+              </a:prstGeom>
+              <a:noFill/>
+            </p:spPr>
+            <p:txBody>
+              <a:bodyPr wrap="square" rtlCol="0">
+                <a:spAutoFit/>
+              </a:bodyPr>
+              <a:lstStyle/>
+              <a:p>
+                <a:r>
+                  <a:rPr lang="en-US" altLang="ko-KR" sz="1400" b="0" dirty="0"/>
+                  <a:t> </a:t>
+                </a:r>
+                <a14:m>
+                  <m:oMath xmlns:m="http://schemas.openxmlformats.org/officeDocument/2006/math">
+                    <m:r>
+                      <m:rPr>
+                        <m:sty m:val="p"/>
+                      </m:rPr>
+                      <a:rPr lang="en-US" altLang="ko-KR" sz="1400" b="0" i="0" smtClean="0">
+                        <a:latin typeface="Cambria Math" panose="02040503050406030204" pitchFamily="18" charset="0"/>
+                      </a:rPr>
+                      <m:t>X</m:t>
+                    </m:r>
+                    <m:r>
+                      <a:rPr lang="en-US" altLang="ko-KR" sz="1400" b="0" i="0" smtClean="0">
+                        <a:latin typeface="Cambria Math" panose="02040503050406030204" pitchFamily="18" charset="0"/>
+                      </a:rPr>
+                      <m:t>; </m:t>
+                    </m:r>
+                    <m:r>
+                      <a:rPr lang="en-US" altLang="ko-KR" sz="1400" b="0" i="1" smtClean="0">
+                        <a:latin typeface="Cambria Math" panose="02040503050406030204" pitchFamily="18" charset="0"/>
+                      </a:rPr>
+                      <m:t>𝑌</m:t>
+                    </m:r>
+                    <m:r>
+                      <m:rPr>
+                        <m:nor/>
+                      </m:rPr>
+                      <a:rPr lang="en-US" altLang="ko-KR" sz="1400" dirty="0"/>
+                      <m:t>(</m:t>
+                    </m:r>
+                    <m:r>
+                      <m:rPr>
+                        <m:nor/>
+                      </m:rPr>
+                      <a:rPr lang="en-US" altLang="ko-KR" sz="1400" dirty="0"/>
+                      <m:t>shifted</m:t>
+                    </m:r>
+                    <m:r>
+                      <m:rPr>
+                        <m:nor/>
+                      </m:rPr>
+                      <a:rPr lang="en-US" altLang="ko-KR" sz="1400" dirty="0"/>
+                      <m:t> </m:t>
+                    </m:r>
+                    <m:r>
+                      <m:rPr>
+                        <m:nor/>
+                      </m:rPr>
+                      <a:rPr lang="en-US" altLang="ko-KR" sz="1400" dirty="0"/>
+                      <m:t>right</m:t>
+                    </m:r>
+                    <m:r>
+                      <m:rPr>
+                        <m:nor/>
+                      </m:rPr>
+                      <a:rPr lang="en-US" altLang="ko-KR" sz="1400" dirty="0"/>
+                      <m:t>)</m:t>
+                    </m:r>
+                  </m:oMath>
+                </a14:m>
+                <a:endParaRPr lang="ko-KR" altLang="en-US" sz="1400" dirty="0"/>
+              </a:p>
+            </p:txBody>
+          </p:sp>
+        </mc:Choice>
+        <mc:Fallback xmlns="">
+          <p:sp>
+            <p:nvSpPr>
+              <p:cNvPr id="132" name="TextBox 131">
+                <a:extLst>
+                  <a:ext uri="{FF2B5EF4-FFF2-40B4-BE49-F238E27FC236}">
+                    <a16:creationId xmlns:a16="http://schemas.microsoft.com/office/drawing/2014/main" id="{D263B866-D2DC-457C-8AC7-02050DF86EFC}"/>
+                  </a:ext>
+                </a:extLst>
+              </p:cNvPr>
+              <p:cNvSpPr txBox="1">
+                <a:spLocks noRot="1" noChangeAspect="1" noMove="1" noResize="1" noEditPoints="1" noAdjustHandles="1" noChangeArrowheads="1" noChangeShapeType="1" noTextEdit="1"/>
+              </p:cNvSpPr>
+              <p:nvPr/>
+            </p:nvSpPr>
+            <p:spPr>
+              <a:xfrm>
+                <a:off x="7062664" y="6320032"/>
+                <a:ext cx="1685932" cy="307777"/>
+              </a:xfrm>
+              <a:prstGeom prst="rect">
+                <a:avLst/>
+              </a:prstGeom>
+              <a:blipFill>
+                <a:blip r:embed="rId7"/>
+                <a:stretch>
+                  <a:fillRect b="-14000"/>
+                </a:stretch>
+              </a:blipFill>
+            </p:spPr>
+            <p:txBody>
+              <a:bodyPr/>
+              <a:lstStyle/>
+              <a:p>
+                <a:r>
+                  <a:rPr lang="ko-KR" altLang="en-US">
+                    <a:noFill/>
+                  </a:rPr>
+                  <a:t> </a:t>
+                </a:r>
+              </a:p>
+            </p:txBody>
+          </p:sp>
+        </mc:Fallback>
+      </mc:AlternateContent>
+      <p:cxnSp>
+        <p:nvCxnSpPr>
+          <p:cNvPr id="45" name="직선 화살표 연결선 63">
+            <a:extLst>
+              <a:ext uri="{FF2B5EF4-FFF2-40B4-BE49-F238E27FC236}">
+                <a16:creationId xmlns:a16="http://schemas.microsoft.com/office/drawing/2014/main" id="{E00B75A4-4991-48CE-AA6D-5D845E1750D1}"/>
+              </a:ext>
+            </a:extLst>
+          </p:cNvPr>
+          <p:cNvCxnSpPr>
+            <a:cxnSpLocks/>
+            <a:stCxn id="58" idx="2"/>
+            <a:endCxn id="31" idx="0"/>
+          </p:cNvCxnSpPr>
+          <p:nvPr/>
+        </p:nvCxnSpPr>
+        <p:spPr>
+          <a:xfrm rot="5400000">
+            <a:off x="6303121" y="3486129"/>
+            <a:ext cx="700173" cy="955869"/>
+          </a:xfrm>
+          <a:prstGeom prst="bentConnector3">
+            <a:avLst>
+              <a:gd name="adj1" fmla="val 50000"/>
+            </a:avLst>
+          </a:prstGeom>
+          <a:ln w="25400">
+            <a:solidFill>
+              <a:schemeClr val="tx1"/>
+            </a:solidFill>
+            <a:headEnd type="stealth"/>
+            <a:tailEnd type="none"/>
+          </a:ln>
+        </p:spPr>
+        <p:style>
+          <a:lnRef idx="1">
+            <a:schemeClr val="accent1"/>
+          </a:lnRef>
+          <a:fillRef idx="0">
+            <a:schemeClr val="accent1"/>
+          </a:fillRef>
+          <a:effectRef idx="0">
+            <a:schemeClr val="accent1"/>
+          </a:effectRef>
+          <a:fontRef idx="minor">
+            <a:schemeClr val="tx1"/>
+          </a:fontRef>
+        </p:style>
+      </p:cxnSp>
+      <mc:AlternateContent xmlns:mc="http://schemas.openxmlformats.org/markup-compatibility/2006">
+        <mc:Choice xmlns:a14="http://schemas.microsoft.com/office/drawing/2010/main" Requires="a14">
+          <p:sp>
+            <p:nvSpPr>
+              <p:cNvPr id="58" name="사각형: 둥근 모서리 57">
+                <a:extLst>
+                  <a:ext uri="{FF2B5EF4-FFF2-40B4-BE49-F238E27FC236}">
+                    <a16:creationId xmlns:a16="http://schemas.microsoft.com/office/drawing/2014/main" id="{8A2DDE18-A448-464C-BFF6-EB8FDFE6EB05}"/>
+                  </a:ext>
+                </a:extLst>
+              </p:cNvPr>
+              <p:cNvSpPr/>
+              <p:nvPr/>
+            </p:nvSpPr>
+            <p:spPr>
+              <a:xfrm>
+                <a:off x="6864992" y="3234154"/>
+                <a:ext cx="532298" cy="379823"/>
+              </a:xfrm>
+              <a:prstGeom prst="roundRect">
+                <a:avLst/>
+              </a:prstGeom>
+            </p:spPr>
+            <p:style>
+              <a:lnRef idx="2">
+                <a:schemeClr val="accent1">
+                  <a:shade val="50000"/>
+                </a:schemeClr>
+              </a:lnRef>
+              <a:fillRef idx="1">
+                <a:schemeClr val="accent1"/>
+              </a:fillRef>
+              <a:effectRef idx="0">
+                <a:schemeClr val="accent1"/>
+              </a:effectRef>
+              <a:fontRef idx="minor">
+                <a:schemeClr val="lt1"/>
+              </a:fontRef>
+            </p:style>
+            <p:txBody>
+              <a:bodyPr rtlCol="0" anchor="ctr"/>
+              <a:lstStyle/>
+              <a:p>
+                <a:pPr algn="ctr"/>
+                <a14:m>
+                  <m:oMathPara xmlns:m="http://schemas.openxmlformats.org/officeDocument/2006/math">
+                    <m:oMathParaPr>
+                      <m:jc m:val="centerGroup"/>
+                    </m:oMathParaPr>
+                    <m:oMath xmlns:m="http://schemas.openxmlformats.org/officeDocument/2006/math">
+                      <m:r>
+                        <a:rPr lang="en-US" altLang="ko-KR" b="0" i="1" smtClean="0">
+                          <a:latin typeface="Cambria Math" panose="02040503050406030204" pitchFamily="18" charset="0"/>
+                        </a:rPr>
+                        <m:t>𝑐𝑜𝑛</m:t>
+                      </m:r>
+                    </m:oMath>
+                  </m:oMathPara>
+                </a14:m>
+                <a:endParaRPr lang="ko-KR" altLang="en-US" dirty="0"/>
+              </a:p>
+            </p:txBody>
+          </p:sp>
+        </mc:Choice>
+        <mc:Fallback>
+          <p:sp>
+            <p:nvSpPr>
+              <p:cNvPr id="58" name="사각형: 둥근 모서리 57">
+                <a:extLst>
+                  <a:ext uri="{FF2B5EF4-FFF2-40B4-BE49-F238E27FC236}">
+                    <a16:creationId xmlns:a16="http://schemas.microsoft.com/office/drawing/2014/main" id="{8A2DDE18-A448-464C-BFF6-EB8FDFE6EB05}"/>
+                  </a:ext>
+                </a:extLst>
+              </p:cNvPr>
+              <p:cNvSpPr>
+                <a:spLocks noRot="1" noChangeAspect="1" noMove="1" noResize="1" noEditPoints="1" noAdjustHandles="1" noChangeArrowheads="1" noChangeShapeType="1" noTextEdit="1"/>
+              </p:cNvSpPr>
+              <p:nvPr/>
+            </p:nvSpPr>
+            <p:spPr>
+              <a:xfrm>
+                <a:off x="6864992" y="3234154"/>
+                <a:ext cx="532298" cy="379823"/>
+              </a:xfrm>
+              <a:prstGeom prst="roundRect">
+                <a:avLst/>
+              </a:prstGeom>
+              <a:blipFill>
+                <a:blip r:embed="rId8"/>
+                <a:stretch>
+                  <a:fillRect l="-2247"/>
+                </a:stretch>
+              </a:blipFill>
+            </p:spPr>
+            <p:txBody>
+              <a:bodyPr/>
+              <a:lstStyle/>
+              <a:p>
+                <a:r>
+                  <a:rPr lang="ko-KR" altLang="en-US">
+                    <a:noFill/>
+                  </a:rPr>
+                  <a:t> </a:t>
+                </a:r>
+              </a:p>
+            </p:txBody>
+          </p:sp>
+        </mc:Fallback>
+      </mc:AlternateContent>
+      <p:cxnSp>
+        <p:nvCxnSpPr>
+          <p:cNvPr id="64" name="직선 화살표 연결선 63">
+            <a:extLst>
+              <a:ext uri="{FF2B5EF4-FFF2-40B4-BE49-F238E27FC236}">
+                <a16:creationId xmlns:a16="http://schemas.microsoft.com/office/drawing/2014/main" id="{817EE117-F9DD-42B2-9D43-4888CD32F9F3}"/>
+              </a:ext>
+            </a:extLst>
+          </p:cNvPr>
+          <p:cNvCxnSpPr>
+            <a:cxnSpLocks/>
+            <a:stCxn id="58" idx="3"/>
+            <a:endCxn id="49" idx="1"/>
+          </p:cNvCxnSpPr>
+          <p:nvPr/>
+        </p:nvCxnSpPr>
+        <p:spPr>
+          <a:xfrm>
+            <a:off x="7397290" y="3424066"/>
+            <a:ext cx="1930824" cy="35043"/>
+          </a:xfrm>
+          <a:prstGeom prst="straightConnector1">
+            <a:avLst/>
+          </a:prstGeom>
+          <a:ln>
+            <a:tailEnd type="triangle"/>
+          </a:ln>
+        </p:spPr>
+        <p:style>
+          <a:lnRef idx="1">
+            <a:schemeClr val="accent1"/>
+          </a:lnRef>
+          <a:fillRef idx="0">
+            <a:schemeClr val="accent1"/>
+          </a:fillRef>
+          <a:effectRef idx="0">
+            <a:schemeClr val="accent1"/>
+          </a:effectRef>
+          <a:fontRef idx="minor">
+            <a:schemeClr val="tx1"/>
+          </a:fontRef>
+        </p:style>
+      </p:cxnSp>
+    </p:spTree>
+    <p:extLst>
+      <p:ext uri="{BB962C8B-B14F-4D97-AF65-F5344CB8AC3E}">
+        <p14:creationId xmlns:p14="http://schemas.microsoft.com/office/powerpoint/2010/main" val="3966898738"/>
+      </p:ext>
+    </p:extLst>
+  </p:cSld>
+  <p:clrMapOvr>
+    <a:masterClrMapping/>
+  </p:clrMapOvr>
+</p:sld>
+</file>
+
+<file path=ppt/slides/slide6.xml><?xml version="1.0" encoding="utf-8"?>
 <p:sld xmlns:a="http://schemas.openxmlformats.org/drawingml/2006/main" xmlns:r="http://schemas.openxmlformats.org/officeDocument/2006/relationships" xmlns:p="http://schemas.openxmlformats.org/presentationml/2006/main">
   <p:cSld>
     <p:spTree>
@@ -10371,7 +17790,7 @@
 </p:sld>
 </file>
 
-<file path=ppt/slides/slide4.xml><?xml version="1.0" encoding="utf-8"?>
+<file path=ppt/slides/slide7.xml><?xml version="1.0" encoding="utf-8"?>
 <p:sld xmlns:a="http://schemas.openxmlformats.org/drawingml/2006/main" xmlns:r="http://schemas.openxmlformats.org/officeDocument/2006/relationships" xmlns:p="http://schemas.openxmlformats.org/presentationml/2006/main">
   <p:cSld>
     <p:spTree>
@@ -11618,7 +19037,7 @@
 </p:sld>
 </file>
 
-<file path=ppt/slides/slide5.xml><?xml version="1.0" encoding="utf-8"?>
+<file path=ppt/slides/slide8.xml><?xml version="1.0" encoding="utf-8"?>
 <p:sld xmlns:a="http://schemas.openxmlformats.org/drawingml/2006/main" xmlns:r="http://schemas.openxmlformats.org/officeDocument/2006/relationships" xmlns:p="http://schemas.openxmlformats.org/presentationml/2006/main">
   <p:cSld>
     <p:spTree>
@@ -13360,7 +20779,7 @@
 </p:sld>
 </file>
 
-<file path=ppt/slides/slide6.xml><?xml version="1.0" encoding="utf-8"?>
+<file path=ppt/slides/slide9.xml><?xml version="1.0" encoding="utf-8"?>
 <p:sld xmlns:a="http://schemas.openxmlformats.org/drawingml/2006/main" xmlns:r="http://schemas.openxmlformats.org/officeDocument/2006/relationships" xmlns:p="http://schemas.openxmlformats.org/presentationml/2006/main">
   <p:cSld>
     <p:spTree>

--- a/docs/models.pptx
+++ b/docs/models.pptx
@@ -7149,7 +7149,7 @@
             </p:nvSpPr>
             <p:spPr>
               <a:xfrm>
-                <a:off x="5888725" y="3085196"/>
+                <a:off x="5755801" y="2816705"/>
                 <a:ext cx="856595" cy="386372"/>
               </a:xfrm>
               <a:prstGeom prst="roundRect">
@@ -7242,7 +7242,7 @@
             </p:nvSpPr>
             <p:spPr>
               <a:xfrm>
-                <a:off x="5888725" y="3085196"/>
+                <a:off x="5755801" y="2816705"/>
                 <a:ext cx="856595" cy="386372"/>
               </a:xfrm>
               <a:prstGeom prst="roundRect">
@@ -7288,8 +7288,8 @@
         </p:nvCxnSpPr>
         <p:spPr>
           <a:xfrm rot="5400000">
-            <a:off x="5824857" y="3821984"/>
-            <a:ext cx="842582" cy="141751"/>
+            <a:off x="5624150" y="3754200"/>
+            <a:ext cx="1111073" cy="8827"/>
           </a:xfrm>
           <a:prstGeom prst="bentConnector3">
             <a:avLst>
@@ -7617,7 +7617,7 @@
             </p:nvSpPr>
             <p:spPr>
               <a:xfrm>
-                <a:off x="7360613" y="3340312"/>
+                <a:off x="7420297" y="3539946"/>
                 <a:ext cx="951794" cy="386372"/>
               </a:xfrm>
               <a:prstGeom prst="roundRect">
@@ -7722,7 +7722,7 @@
             </p:nvSpPr>
             <p:spPr>
               <a:xfrm>
-                <a:off x="7360613" y="3340312"/>
+                <a:off x="7420297" y="3539946"/>
                 <a:ext cx="951794" cy="386372"/>
               </a:xfrm>
               <a:prstGeom prst="roundRect">
@@ -7731,7 +7731,7 @@
               <a:blipFill>
                 <a:blip r:embed="rId5"/>
                 <a:stretch>
-                  <a:fillRect l="-3145" r="-5660" b="-12308"/>
+                  <a:fillRect l="-3165" r="-6329" b="-12308"/>
                 </a:stretch>
               </a:blipFill>
             </p:spPr>
@@ -7768,8 +7768,8 @@
         </p:nvCxnSpPr>
         <p:spPr>
           <a:xfrm rot="16200000" flipH="1">
-            <a:off x="7576561" y="3986632"/>
-            <a:ext cx="587465" cy="67567"/>
+            <a:off x="7706220" y="4116291"/>
+            <a:ext cx="387831" cy="7883"/>
           </a:xfrm>
           <a:prstGeom prst="bentConnector3">
             <a:avLst>
@@ -7817,8 +7817,8 @@
         </p:nvCxnSpPr>
         <p:spPr>
           <a:xfrm flipV="1">
-            <a:off x="6317023" y="1949873"/>
-            <a:ext cx="932475" cy="1135323"/>
+            <a:off x="6184099" y="1949873"/>
+            <a:ext cx="1065399" cy="866832"/>
           </a:xfrm>
           <a:prstGeom prst="straightConnector1">
             <a:avLst/>
@@ -7854,14 +7854,13 @@
           <p:cNvCxnSpPr>
             <a:cxnSpLocks/>
             <a:stCxn id="81" idx="0"/>
-            <a:endCxn id="157" idx="2"/>
           </p:cNvCxnSpPr>
           <p:nvPr/>
         </p:nvCxnSpPr>
         <p:spPr>
-          <a:xfrm flipH="1" flipV="1">
-            <a:off x="7249498" y="1949873"/>
-            <a:ext cx="587012" cy="1390439"/>
+          <a:xfrm>
+            <a:off x="7896194" y="3539946"/>
+            <a:ext cx="1195203" cy="240005"/>
           </a:xfrm>
           <a:prstGeom prst="straightConnector1">
             <a:avLst/>
@@ -7904,7 +7903,7 @@
         <p:spPr>
           <a:xfrm flipH="1" flipV="1">
             <a:off x="5109732" y="2509551"/>
-            <a:ext cx="1207291" cy="575645"/>
+            <a:ext cx="1074367" cy="307154"/>
           </a:xfrm>
           <a:prstGeom prst="straightConnector1">
             <a:avLst/>
@@ -7928,8 +7927,8 @@
           </a:fontRef>
         </p:style>
       </p:cxnSp>
-      <mc:AlternateContent xmlns:mc="http://schemas.openxmlformats.org/markup-compatibility/2006">
-        <mc:Choice xmlns:a14="http://schemas.microsoft.com/office/drawing/2010/main" Requires="a14">
+      <mc:AlternateContent xmlns:mc="http://schemas.openxmlformats.org/markup-compatibility/2006" xmlns:a14="http://schemas.microsoft.com/office/drawing/2010/main">
+        <mc:Choice Requires="a14">
           <p:sp>
             <p:nvSpPr>
               <p:cNvPr id="110" name="사각형: 둥근 모서리 109">
@@ -8008,7 +8007,7 @@
             </p:txBody>
           </p:sp>
         </mc:Choice>
-        <mc:Fallback>
+        <mc:Fallback xmlns="">
           <p:sp>
             <p:nvSpPr>
               <p:cNvPr id="110" name="사각형: 둥근 모서리 109">
@@ -8053,8 +8052,8 @@
           </p:sp>
         </mc:Fallback>
       </mc:AlternateContent>
-      <mc:AlternateContent xmlns:mc="http://schemas.openxmlformats.org/markup-compatibility/2006" xmlns:a14="http://schemas.microsoft.com/office/drawing/2010/main">
-        <mc:Choice Requires="a14">
+      <mc:AlternateContent xmlns:mc="http://schemas.openxmlformats.org/markup-compatibility/2006">
+        <mc:Choice xmlns:a14="http://schemas.microsoft.com/office/drawing/2010/main" Requires="a14">
           <p:sp>
             <p:nvSpPr>
               <p:cNvPr id="132" name="TextBox 131">
@@ -8089,21 +8088,6 @@
                 </a:r>
                 <a14:m>
                   <m:oMath xmlns:m="http://schemas.openxmlformats.org/officeDocument/2006/math">
-                    <m:r>
-                      <m:rPr>
-                        <m:sty m:val="p"/>
-                      </m:rPr>
-                      <a:rPr lang="en-US" altLang="ko-KR" sz="1400" b="0" i="0" smtClean="0">
-                        <a:latin typeface="Cambria Math" panose="02040503050406030204" pitchFamily="18" charset="0"/>
-                      </a:rPr>
-                      <m:t>X</m:t>
-                    </m:r>
-                    <m:r>
-                      <a:rPr lang="en-US" altLang="ko-KR" sz="1400" b="0" i="0" smtClean="0">
-                        <a:latin typeface="Cambria Math" panose="02040503050406030204" pitchFamily="18" charset="0"/>
-                      </a:rPr>
-                      <m:t>; </m:t>
-                    </m:r>
                     <m:r>
                       <a:rPr lang="en-US" altLang="ko-KR" sz="1400" b="0" i="1" smtClean="0">
                         <a:latin typeface="Cambria Math" panose="02040503050406030204" pitchFamily="18" charset="0"/>
@@ -8152,7 +8136,7 @@
             </p:txBody>
           </p:sp>
         </mc:Choice>
-        <mc:Fallback xmlns="">
+        <mc:Fallback>
           <p:sp>
             <p:nvSpPr>
               <p:cNvPr id="132" name="TextBox 131">
@@ -8422,8 +8406,8 @@
           </p:sp>
         </mc:Fallback>
       </mc:AlternateContent>
-      <mc:AlternateContent xmlns:mc="http://schemas.openxmlformats.org/markup-compatibility/2006">
-        <mc:Choice xmlns:a14="http://schemas.microsoft.com/office/drawing/2010/main" Requires="a14">
+      <mc:AlternateContent xmlns:mc="http://schemas.openxmlformats.org/markup-compatibility/2006" xmlns:a14="http://schemas.microsoft.com/office/drawing/2010/main">
+        <mc:Choice Requires="a14">
           <p:sp>
             <p:nvSpPr>
               <p:cNvPr id="157" name="TextBox 156">
@@ -8583,7 +8567,7 @@
             </p:txBody>
           </p:sp>
         </mc:Choice>
-        <mc:Fallback>
+        <mc:Fallback xmlns="">
           <p:sp>
             <p:nvSpPr>
               <p:cNvPr id="157" name="TextBox 156">
@@ -8628,6 +8612,97 @@
           </p:sp>
         </mc:Fallback>
       </mc:AlternateContent>
+      <p:cxnSp>
+        <p:nvCxnSpPr>
+          <p:cNvPr id="44" name="직선 화살표 연결선 63">
+            <a:extLst>
+              <a:ext uri="{FF2B5EF4-FFF2-40B4-BE49-F238E27FC236}">
+                <a16:creationId xmlns:a16="http://schemas.microsoft.com/office/drawing/2014/main" id="{4AFDB8D6-CE57-49A7-9550-24E71AF300D3}"/>
+              </a:ext>
+            </a:extLst>
+          </p:cNvPr>
+          <p:cNvCxnSpPr>
+            <a:cxnSpLocks/>
+            <a:stCxn id="49" idx="1"/>
+          </p:cNvCxnSpPr>
+          <p:nvPr/>
+        </p:nvCxnSpPr>
+        <p:spPr>
+          <a:xfrm rot="10800000" flipV="1">
+            <a:off x="5412424" y="3459109"/>
+            <a:ext cx="3915690" cy="1322352"/>
+          </a:xfrm>
+          <a:prstGeom prst="bentConnector3">
+            <a:avLst>
+              <a:gd name="adj1" fmla="val 107173"/>
+            </a:avLst>
+          </a:prstGeom>
+          <a:ln w="25400">
+            <a:solidFill>
+              <a:schemeClr val="tx1"/>
+            </a:solidFill>
+            <a:headEnd type="stealth"/>
+            <a:tailEnd type="none"/>
+          </a:ln>
+        </p:spPr>
+        <p:style>
+          <a:lnRef idx="1">
+            <a:schemeClr val="accent1"/>
+          </a:lnRef>
+          <a:fillRef idx="0">
+            <a:schemeClr val="accent1"/>
+          </a:fillRef>
+          <a:effectRef idx="0">
+            <a:schemeClr val="accent1"/>
+          </a:effectRef>
+          <a:fontRef idx="minor">
+            <a:schemeClr val="tx1"/>
+          </a:fontRef>
+        </p:style>
+      </p:cxnSp>
+      <p:cxnSp>
+        <p:nvCxnSpPr>
+          <p:cNvPr id="67" name="직선 화살표 연결선 66">
+            <a:extLst>
+              <a:ext uri="{FF2B5EF4-FFF2-40B4-BE49-F238E27FC236}">
+                <a16:creationId xmlns:a16="http://schemas.microsoft.com/office/drawing/2014/main" id="{D01EB898-0C45-4877-B1BB-5570C5284276}"/>
+              </a:ext>
+            </a:extLst>
+          </p:cNvPr>
+          <p:cNvCxnSpPr>
+            <a:cxnSpLocks/>
+            <a:stCxn id="81" idx="0"/>
+            <a:endCxn id="157" idx="2"/>
+          </p:cNvCxnSpPr>
+          <p:nvPr/>
+        </p:nvCxnSpPr>
+        <p:spPr>
+          <a:xfrm flipH="1" flipV="1">
+            <a:off x="7249498" y="1949873"/>
+            <a:ext cx="646696" cy="1590073"/>
+          </a:xfrm>
+          <a:prstGeom prst="straightConnector1">
+            <a:avLst/>
+          </a:prstGeom>
+          <a:ln>
+            <a:tailEnd type="triangle"/>
+          </a:ln>
+        </p:spPr>
+        <p:style>
+          <a:lnRef idx="1">
+            <a:schemeClr val="accent1"/>
+          </a:lnRef>
+          <a:fillRef idx="0">
+            <a:schemeClr val="accent1"/>
+          </a:fillRef>
+          <a:effectRef idx="0">
+            <a:schemeClr val="accent1"/>
+          </a:effectRef>
+          <a:fontRef idx="minor">
+            <a:schemeClr val="tx1"/>
+          </a:fontRef>
+        </p:style>
+      </p:cxnSp>
     </p:spTree>
     <p:extLst>
       <p:ext uri="{BB962C8B-B14F-4D97-AF65-F5344CB8AC3E}">
@@ -9002,8 +9077,8 @@
           </a:fontRef>
         </p:style>
       </p:cxnSp>
-      <mc:AlternateContent xmlns:mc="http://schemas.openxmlformats.org/markup-compatibility/2006">
-        <mc:Choice xmlns:a14="http://schemas.microsoft.com/office/drawing/2010/main" Requires="a14">
+      <mc:AlternateContent xmlns:mc="http://schemas.openxmlformats.org/markup-compatibility/2006" xmlns:a14="http://schemas.microsoft.com/office/drawing/2010/main">
+        <mc:Choice Requires="a14">
           <p:sp>
             <p:nvSpPr>
               <p:cNvPr id="28" name="TextBox 27">
@@ -9053,7 +9128,7 @@
             </p:txBody>
           </p:sp>
         </mc:Choice>
-        <mc:Fallback>
+        <mc:Fallback xmlns="">
           <p:sp>
             <p:nvSpPr>
               <p:cNvPr id="28" name="TextBox 27">
@@ -10235,8 +10310,8 @@
           </a:fontRef>
         </p:style>
       </p:cxnSp>
-      <mc:AlternateContent xmlns:mc="http://schemas.openxmlformats.org/markup-compatibility/2006">
-        <mc:Choice xmlns:a14="http://schemas.microsoft.com/office/drawing/2010/main" Requires="a14">
+      <mc:AlternateContent xmlns:mc="http://schemas.openxmlformats.org/markup-compatibility/2006" xmlns:a14="http://schemas.microsoft.com/office/drawing/2010/main">
+        <mc:Choice Requires="a14">
           <p:sp>
             <p:nvSpPr>
               <p:cNvPr id="55" name="사각형: 둥근 모서리 54">
@@ -10330,7 +10405,7 @@
             </p:txBody>
           </p:sp>
         </mc:Choice>
-        <mc:Fallback>
+        <mc:Fallback xmlns="">
           <p:sp>
             <p:nvSpPr>
               <p:cNvPr id="55" name="사각형: 둥근 모서리 54">
@@ -10706,8 +10781,8 @@
           </a:p>
         </p:txBody>
       </p:sp>
-      <mc:AlternateContent xmlns:mc="http://schemas.openxmlformats.org/markup-compatibility/2006">
-        <mc:Choice xmlns:a14="http://schemas.microsoft.com/office/drawing/2010/main" Requires="a14">
+      <mc:AlternateContent xmlns:mc="http://schemas.openxmlformats.org/markup-compatibility/2006" xmlns:a14="http://schemas.microsoft.com/office/drawing/2010/main">
+        <mc:Choice Requires="a14">
           <p:sp>
             <p:nvSpPr>
               <p:cNvPr id="81" name="사각형: 둥근 모서리 80">
@@ -10798,7 +10873,7 @@
             </p:txBody>
           </p:sp>
         </mc:Choice>
-        <mc:Fallback>
+        <mc:Fallback xmlns="">
           <p:sp>
             <p:nvSpPr>
               <p:cNvPr id="81" name="사각형: 둥근 모서리 80">
@@ -10892,8 +10967,8 @@
           </a:fontRef>
         </p:style>
       </p:cxnSp>
-      <mc:AlternateContent xmlns:mc="http://schemas.openxmlformats.org/markup-compatibility/2006">
-        <mc:Choice xmlns:a14="http://schemas.microsoft.com/office/drawing/2010/main" Requires="a14">
+      <mc:AlternateContent xmlns:mc="http://schemas.openxmlformats.org/markup-compatibility/2006" xmlns:a14="http://schemas.microsoft.com/office/drawing/2010/main">
+        <mc:Choice Requires="a14">
           <p:sp>
             <p:nvSpPr>
               <p:cNvPr id="110" name="사각형: 둥근 모서리 109">
@@ -10954,7 +11029,7 @@
             </p:txBody>
           </p:sp>
         </mc:Choice>
-        <mc:Fallback>
+        <mc:Fallback xmlns="">
           <p:sp>
             <p:nvSpPr>
               <p:cNvPr id="110" name="사각형: 둥근 모서리 109">
@@ -10999,8 +11074,8 @@
           </p:sp>
         </mc:Fallback>
       </mc:AlternateContent>
-      <mc:AlternateContent xmlns:mc="http://schemas.openxmlformats.org/markup-compatibility/2006">
-        <mc:Choice xmlns:a14="http://schemas.microsoft.com/office/drawing/2010/main" Requires="a14">
+      <mc:AlternateContent xmlns:mc="http://schemas.openxmlformats.org/markup-compatibility/2006" xmlns:a14="http://schemas.microsoft.com/office/drawing/2010/main">
+        <mc:Choice Requires="a14">
           <p:sp>
             <p:nvSpPr>
               <p:cNvPr id="132" name="TextBox 131">
@@ -11089,7 +11164,7 @@
             </p:txBody>
           </p:sp>
         </mc:Choice>
-        <mc:Fallback>
+        <mc:Fallback xmlns="">
           <p:sp>
             <p:nvSpPr>
               <p:cNvPr id="132" name="TextBox 131">
@@ -11267,8 +11342,8 @@
           </a:fontRef>
         </p:style>
       </p:cxnSp>
-      <mc:AlternateContent xmlns:mc="http://schemas.openxmlformats.org/markup-compatibility/2006">
-        <mc:Choice xmlns:a14="http://schemas.microsoft.com/office/drawing/2010/main" Requires="a14">
+      <mc:AlternateContent xmlns:mc="http://schemas.openxmlformats.org/markup-compatibility/2006" xmlns:a14="http://schemas.microsoft.com/office/drawing/2010/main">
+        <mc:Choice Requires="a14">
           <p:sp>
             <p:nvSpPr>
               <p:cNvPr id="97" name="TextBox 96">
@@ -11424,7 +11499,7 @@
             </p:txBody>
           </p:sp>
         </mc:Choice>
-        <mc:Fallback>
+        <mc:Fallback xmlns="">
           <p:sp>
             <p:nvSpPr>
               <p:cNvPr id="97" name="TextBox 96">
@@ -13740,8 +13815,8 @@
           </a:fontRef>
         </p:style>
       </p:cxnSp>
-      <mc:AlternateContent xmlns:mc="http://schemas.openxmlformats.org/markup-compatibility/2006">
-        <mc:Choice xmlns:a14="http://schemas.microsoft.com/office/drawing/2010/main" Requires="a14">
+      <mc:AlternateContent xmlns:mc="http://schemas.openxmlformats.org/markup-compatibility/2006" xmlns:a14="http://schemas.microsoft.com/office/drawing/2010/main">
+        <mc:Choice Requires="a14">
           <p:sp>
             <p:nvSpPr>
               <p:cNvPr id="58" name="사각형: 둥근 모서리 57">
@@ -13804,7 +13879,7 @@
             </p:txBody>
           </p:sp>
         </mc:Choice>
-        <mc:Fallback>
+        <mc:Fallback xmlns="">
           <p:sp>
             <p:nvSpPr>
               <p:cNvPr id="58" name="사각형: 둥근 모서리 57">
@@ -16023,8 +16098,8 @@
           </a:fontRef>
         </p:style>
       </p:cxnSp>
-      <mc:AlternateContent xmlns:mc="http://schemas.openxmlformats.org/markup-compatibility/2006">
-        <mc:Choice xmlns:a14="http://schemas.microsoft.com/office/drawing/2010/main" Requires="a14">
+      <mc:AlternateContent xmlns:mc="http://schemas.openxmlformats.org/markup-compatibility/2006" xmlns:a14="http://schemas.microsoft.com/office/drawing/2010/main">
+        <mc:Choice Requires="a14">
           <p:sp>
             <p:nvSpPr>
               <p:cNvPr id="58" name="사각형: 둥근 모서리 57">
@@ -16087,7 +16162,7 @@
             </p:txBody>
           </p:sp>
         </mc:Choice>
-        <mc:Fallback>
+        <mc:Fallback xmlns="">
           <p:sp>
             <p:nvSpPr>
               <p:cNvPr id="58" name="사각형: 둥근 모서리 57">
